--- a/JudgesForumPresentation.pptx
+++ b/JudgesForumPresentation.pptx
@@ -5571,6 +5571,13 @@
   <p:clrMapOvr>
     <a:masterClrMapping/>
   </p:clrMapOvr>
+  <p:timing>
+    <p:tnLst>
+      <p:par>
+        <p:cTn id="1" dur="indefinite" restart="never" nodeType="tmRoot"/>
+      </p:par>
+    </p:tnLst>
+  </p:timing>
 </p:sld>
 </file>
 
@@ -5593,26 +5600,6 @@
       </p:grpSpPr>
       <p:sp>
         <p:nvSpPr>
-          <p:cNvPr id="2" name="Content Placeholder 1"/>
-          <p:cNvSpPr>
-            <a:spLocks noGrp="1"/>
-          </p:cNvSpPr>
-          <p:nvPr>
-            <p:ph idx="1"/>
-          </p:nvPr>
-        </p:nvSpPr>
-        <p:spPr/>
-        <p:txBody>
-          <a:bodyPr/>
-          <a:lstStyle/>
-          <a:p>
-            <a:pPr algn="r" rtl="1"/>
-            <a:endParaRPr lang="en-US" dirty="0"/>
-          </a:p>
-        </p:txBody>
-      </p:sp>
-      <p:sp>
-        <p:nvSpPr>
           <p:cNvPr id="3" name="Title 2"/>
           <p:cNvSpPr>
             <a:spLocks noGrp="1"/>
@@ -5628,6 +5615,25 @@
           <a:p>
             <a:pPr rtl="1"/>
             <a:endParaRPr lang="en-US" dirty="0"/>
+          </a:p>
+        </p:txBody>
+      </p:sp>
+      <p:sp>
+        <p:nvSpPr>
+          <p:cNvPr id="5" name="Content Placeholder 4"/>
+          <p:cNvSpPr>
+            <a:spLocks noGrp="1"/>
+          </p:cNvSpPr>
+          <p:nvPr>
+            <p:ph idx="1"/>
+          </p:nvPr>
+        </p:nvSpPr>
+        <p:spPr/>
+        <p:txBody>
+          <a:bodyPr/>
+          <a:lstStyle/>
+          <a:p>
+            <a:endParaRPr lang="en-US"/>
           </a:p>
         </p:txBody>
       </p:sp>
@@ -5641,6 +5647,13 @@
   <p:clrMapOvr>
     <a:masterClrMapping/>
   </p:clrMapOvr>
+  <p:timing>
+    <p:tnLst>
+      <p:par>
+        <p:cTn id="1" dur="indefinite" restart="never" nodeType="tmRoot"/>
+      </p:par>
+    </p:tnLst>
+  </p:timing>
 </p:sld>
 </file>
 
@@ -5711,6 +5724,13 @@
   <p:clrMapOvr>
     <a:masterClrMapping/>
   </p:clrMapOvr>
+  <p:timing>
+    <p:tnLst>
+      <p:par>
+        <p:cTn id="1" dur="indefinite" restart="never" nodeType="tmRoot"/>
+      </p:par>
+    </p:tnLst>
+  </p:timing>
 </p:sld>
 </file>
 
@@ -5781,6 +5801,13 @@
   <p:clrMapOvr>
     <a:masterClrMapping/>
   </p:clrMapOvr>
+  <p:timing>
+    <p:tnLst>
+      <p:par>
+        <p:cTn id="1" dur="indefinite" restart="never" nodeType="tmRoot"/>
+      </p:par>
+    </p:tnLst>
+  </p:timing>
 </p:sld>
 </file>
 

--- a/JudgesForumPresentation.pptx
+++ b/JudgesForumPresentation.pptx
@@ -5,10 +5,10 @@
     <p:sldMasterId id="2147483672" r:id="rId1"/>
   </p:sldMasterIdLst>
   <p:notesMasterIdLst>
-    <p:notesMasterId r:id="rId22"/>
+    <p:notesMasterId r:id="rId23"/>
   </p:notesMasterIdLst>
   <p:handoutMasterIdLst>
-    <p:handoutMasterId r:id="rId23"/>
+    <p:handoutMasterId r:id="rId24"/>
   </p:handoutMasterIdLst>
   <p:sldIdLst>
     <p:sldId id="256" r:id="rId2"/>
@@ -25,12 +25,13 @@
     <p:sldId id="308" r:id="rId13"/>
     <p:sldId id="309" r:id="rId14"/>
     <p:sldId id="310" r:id="rId15"/>
-    <p:sldId id="311" r:id="rId16"/>
-    <p:sldId id="312" r:id="rId17"/>
-    <p:sldId id="313" r:id="rId18"/>
-    <p:sldId id="314" r:id="rId19"/>
-    <p:sldId id="315" r:id="rId20"/>
-    <p:sldId id="316" r:id="rId21"/>
+    <p:sldId id="318" r:id="rId16"/>
+    <p:sldId id="311" r:id="rId17"/>
+    <p:sldId id="312" r:id="rId18"/>
+    <p:sldId id="313" r:id="rId19"/>
+    <p:sldId id="314" r:id="rId20"/>
+    <p:sldId id="315" r:id="rId21"/>
+    <p:sldId id="316" r:id="rId22"/>
   </p:sldIdLst>
   <p:sldSz cx="9144000" cy="6858000" type="screen4x3"/>
   <p:notesSz cx="6669088" cy="9928225"/>
@@ -5598,42 +5599,190 @@
           <a:chExt cx="0" cy="0"/>
         </a:xfrm>
       </p:grpSpPr>
-      <p:sp>
-        <p:nvSpPr>
-          <p:cNvPr id="3" name="Title 2"/>
-          <p:cNvSpPr>
-            <a:spLocks noGrp="1"/>
-          </p:cNvSpPr>
-          <p:nvPr>
-            <p:ph type="title"/>
-          </p:nvPr>
-        </p:nvSpPr>
-        <p:spPr/>
-        <p:txBody>
-          <a:bodyPr/>
-          <a:lstStyle/>
-          <a:p>
-            <a:pPr rtl="1"/>
-            <a:endParaRPr lang="en-US" dirty="0"/>
-          </a:p>
-        </p:txBody>
-      </p:sp>
-      <p:sp>
-        <p:nvSpPr>
-          <p:cNvPr id="5" name="Content Placeholder 4"/>
-          <p:cNvSpPr>
-            <a:spLocks noGrp="1"/>
-          </p:cNvSpPr>
+      <p:graphicFrame>
+        <p:nvGraphicFramePr>
+          <p:cNvPr id="2" name="Content Placeholder 1"/>
+          <p:cNvGraphicFramePr>
+            <a:graphicFrameLocks noGrp="1" noChangeAspect="1"/>
+          </p:cNvGraphicFramePr>
           <p:nvPr>
             <p:ph idx="1"/>
-          </p:nvPr>
-        </p:nvSpPr>
-        <p:spPr/>
-        <p:txBody>
-          <a:bodyPr/>
-          <a:lstStyle/>
-          <a:p>
-            <a:endParaRPr lang="en-US"/>
+            <p:extLst>
+              <p:ext uri="{D42A27DB-BD31-4B8C-83A1-F6EECF244321}">
+                <p14:modId xmlns:p14="http://schemas.microsoft.com/office/powerpoint/2010/main" val="2935771688"/>
+              </p:ext>
+            </p:extLst>
+          </p:nvPr>
+        </p:nvGraphicFramePr>
+        <p:xfrm>
+          <a:off x="228600" y="0"/>
+          <a:ext cx="8610600" cy="6863198"/>
+        </p:xfrm>
+        <a:graphic>
+          <a:graphicData uri="http://schemas.openxmlformats.org/presentationml/2006/ole">
+            <mc:AlternateContent xmlns:mc="http://schemas.openxmlformats.org/markup-compatibility/2006">
+              <mc:Choice xmlns:v="urn:schemas-microsoft-com:vml" Requires="v">
+                <p:oleObj spid="_x0000_s1027" name="Visio" r:id="rId3" imgW="9147060" imgH="7289860" progId="Visio.Drawing.11">
+                  <p:embed/>
+                </p:oleObj>
+              </mc:Choice>
+              <mc:Fallback>
+                <p:oleObj name="Visio" r:id="rId3" imgW="9147060" imgH="7289860" progId="Visio.Drawing.11">
+                  <p:embed/>
+                  <p:pic>
+                    <p:nvPicPr>
+                      <p:cNvPr id="0" name=""/>
+                      <p:cNvPicPr/>
+                      <p:nvPr/>
+                    </p:nvPicPr>
+                    <p:blipFill>
+                      <a:blip r:embed="rId4"/>
+                      <a:stretch>
+                        <a:fillRect/>
+                      </a:stretch>
+                    </p:blipFill>
+                    <p:spPr>
+                      <a:xfrm>
+                        <a:off x="228600" y="0"/>
+                        <a:ext cx="8610600" cy="6863198"/>
+                      </a:xfrm>
+                      <a:prstGeom prst="rect">
+                        <a:avLst/>
+                      </a:prstGeom>
+                    </p:spPr>
+                  </p:pic>
+                </p:oleObj>
+              </mc:Fallback>
+            </mc:AlternateContent>
+          </a:graphicData>
+        </a:graphic>
+      </p:graphicFrame>
+      <p:sp>
+        <p:nvSpPr>
+          <p:cNvPr id="7" name="TextBox 6"/>
+          <p:cNvSpPr txBox="1"/>
+          <p:nvPr/>
+        </p:nvSpPr>
+        <p:spPr>
+          <a:xfrm>
+            <a:off x="4495800" y="1135474"/>
+            <a:ext cx="4114800" cy="4401205"/>
+          </a:xfrm>
+          <a:prstGeom prst="rect">
+            <a:avLst/>
+          </a:prstGeom>
+          <a:noFill/>
+        </p:spPr>
+        <p:txBody>
+          <a:bodyPr wrap="square" rtlCol="0">
+            <a:spAutoFit/>
+          </a:bodyPr>
+          <a:lstStyle/>
+          <a:p>
+            <a:pPr marL="285750" indent="-285750">
+              <a:buFont typeface="Arial" pitchFamily="34" charset="0"/>
+              <a:buChar char="•"/>
+            </a:pPr>
+            <a:r>
+              <a:rPr lang="en-US" sz="2800" dirty="0" smtClean="0"/>
+              <a:t>D</a:t>
+            </a:r>
+          </a:p>
+          <a:p>
+            <a:pPr marL="285750" indent="-285750">
+              <a:buFont typeface="Arial" pitchFamily="34" charset="0"/>
+              <a:buChar char="•"/>
+            </a:pPr>
+            <a:r>
+              <a:rPr lang="en-US" sz="2800" dirty="0" err="1" smtClean="0"/>
+              <a:t>Dsfs</a:t>
+            </a:r>
+            <a:endParaRPr lang="en-US" sz="2800" dirty="0" smtClean="0"/>
+          </a:p>
+          <a:p>
+            <a:pPr marL="285750" indent="-285750">
+              <a:buFont typeface="Arial" pitchFamily="34" charset="0"/>
+              <a:buChar char="•"/>
+            </a:pPr>
+            <a:r>
+              <a:rPr lang="en-US" sz="2800" dirty="0" smtClean="0"/>
+              <a:t>Ds</a:t>
+            </a:r>
+          </a:p>
+          <a:p>
+            <a:pPr marL="285750" indent="-285750">
+              <a:buFont typeface="Arial" pitchFamily="34" charset="0"/>
+              <a:buChar char="•"/>
+            </a:pPr>
+            <a:r>
+              <a:rPr lang="en-US" sz="2800" dirty="0" err="1" smtClean="0"/>
+              <a:t>Df</a:t>
+            </a:r>
+            <a:endParaRPr lang="en-US" sz="2800" dirty="0" smtClean="0"/>
+          </a:p>
+          <a:p>
+            <a:pPr marL="285750" indent="-285750">
+              <a:buFont typeface="Arial" pitchFamily="34" charset="0"/>
+              <a:buChar char="•"/>
+            </a:pPr>
+            <a:r>
+              <a:rPr lang="en-US" sz="2800" dirty="0" smtClean="0"/>
+              <a:t>Ds</a:t>
+            </a:r>
+          </a:p>
+          <a:p>
+            <a:pPr marL="285750" indent="-285750">
+              <a:buFont typeface="Arial" pitchFamily="34" charset="0"/>
+              <a:buChar char="•"/>
+            </a:pPr>
+            <a:r>
+              <a:rPr lang="en-US" sz="2800" dirty="0" err="1" smtClean="0"/>
+              <a:t>Fd</a:t>
+            </a:r>
+            <a:endParaRPr lang="en-US" sz="2800" dirty="0" smtClean="0"/>
+          </a:p>
+          <a:p>
+            <a:pPr marL="285750" indent="-285750">
+              <a:buFont typeface="Arial" pitchFamily="34" charset="0"/>
+              <a:buChar char="•"/>
+            </a:pPr>
+            <a:r>
+              <a:rPr lang="en-US" sz="2800" dirty="0" err="1" smtClean="0"/>
+              <a:t>Fd</a:t>
+            </a:r>
+            <a:endParaRPr lang="en-US" sz="2800" dirty="0" smtClean="0"/>
+          </a:p>
+          <a:p>
+            <a:pPr marL="285750" indent="-285750">
+              <a:buFont typeface="Arial" pitchFamily="34" charset="0"/>
+              <a:buChar char="•"/>
+            </a:pPr>
+            <a:r>
+              <a:rPr lang="en-US" sz="2800" dirty="0" err="1" smtClean="0"/>
+              <a:t>Fd</a:t>
+            </a:r>
+            <a:endParaRPr lang="en-US" sz="2800" dirty="0" smtClean="0"/>
+          </a:p>
+          <a:p>
+            <a:pPr marL="285750" indent="-285750">
+              <a:buFont typeface="Arial" pitchFamily="34" charset="0"/>
+              <a:buChar char="•"/>
+            </a:pPr>
+            <a:r>
+              <a:rPr lang="en-US" sz="2800" dirty="0" smtClean="0"/>
+              <a:t>D</a:t>
+            </a:r>
+          </a:p>
+          <a:p>
+            <a:pPr marL="285750" indent="-285750">
+              <a:buFont typeface="Arial" pitchFamily="34" charset="0"/>
+              <a:buChar char="•"/>
+            </a:pPr>
+            <a:r>
+              <a:rPr lang="en-US" sz="2800" dirty="0" err="1" smtClean="0"/>
+              <a:t>Fds</a:t>
+            </a:r>
+            <a:endParaRPr lang="en-US" sz="2800" dirty="0" smtClean="0"/>
           </a:p>
         </p:txBody>
       </p:sp>
@@ -5676,7 +5825,26 @@
       </p:grpSpPr>
       <p:sp>
         <p:nvSpPr>
-          <p:cNvPr id="2" name="Content Placeholder 1"/>
+          <p:cNvPr id="3" name="Title 2"/>
+          <p:cNvSpPr>
+            <a:spLocks noGrp="1"/>
+          </p:cNvSpPr>
+          <p:nvPr>
+            <p:ph type="title"/>
+          </p:nvPr>
+        </p:nvSpPr>
+        <p:spPr/>
+        <p:txBody>
+          <a:bodyPr/>
+          <a:lstStyle/>
+          <a:p>
+            <a:endParaRPr lang="en-US"/>
+          </a:p>
+        </p:txBody>
+      </p:sp>
+      <p:sp>
+        <p:nvSpPr>
+          <p:cNvPr id="5" name="Content Placeholder 4"/>
           <p:cNvSpPr>
             <a:spLocks noGrp="1"/>
           </p:cNvSpPr>
@@ -5689,48 +5857,20 @@
           <a:bodyPr/>
           <a:lstStyle/>
           <a:p>
-            <a:pPr algn="r" rtl="1"/>
-            <a:endParaRPr lang="en-US" dirty="0"/>
-          </a:p>
-        </p:txBody>
-      </p:sp>
-      <p:sp>
-        <p:nvSpPr>
-          <p:cNvPr id="3" name="Title 2"/>
-          <p:cNvSpPr>
-            <a:spLocks noGrp="1"/>
-          </p:cNvSpPr>
-          <p:nvPr>
-            <p:ph type="title"/>
-          </p:nvPr>
-        </p:nvSpPr>
-        <p:spPr/>
-        <p:txBody>
-          <a:bodyPr/>
-          <a:lstStyle/>
-          <a:p>
-            <a:pPr rtl="1"/>
-            <a:endParaRPr lang="en-US" dirty="0"/>
+            <a:endParaRPr lang="en-US"/>
           </a:p>
         </p:txBody>
       </p:sp>
     </p:spTree>
     <p:extLst>
       <p:ext uri="{BB962C8B-B14F-4D97-AF65-F5344CB8AC3E}">
-        <p14:creationId xmlns:p14="http://schemas.microsoft.com/office/powerpoint/2010/main" val="1441071697"/>
+        <p14:creationId xmlns:p14="http://schemas.microsoft.com/office/powerpoint/2010/main" val="1407472278"/>
       </p:ext>
     </p:extLst>
   </p:cSld>
   <p:clrMapOvr>
     <a:masterClrMapping/>
   </p:clrMapOvr>
-  <p:timing>
-    <p:tnLst>
-      <p:par>
-        <p:cTn id="1" dur="indefinite" restart="never" nodeType="tmRoot"/>
-      </p:par>
-    </p:tnLst>
-  </p:timing>
 </p:sld>
 </file>
 
@@ -5753,26 +5893,6 @@
       </p:grpSpPr>
       <p:sp>
         <p:nvSpPr>
-          <p:cNvPr id="2" name="Content Placeholder 1"/>
-          <p:cNvSpPr>
-            <a:spLocks noGrp="1"/>
-          </p:cNvSpPr>
-          <p:nvPr>
-            <p:ph idx="1"/>
-          </p:nvPr>
-        </p:nvSpPr>
-        <p:spPr/>
-        <p:txBody>
-          <a:bodyPr/>
-          <a:lstStyle/>
-          <a:p>
-            <a:pPr algn="r" rtl="1"/>
-            <a:endParaRPr lang="en-US" dirty="0"/>
-          </a:p>
-        </p:txBody>
-      </p:sp>
-      <p:sp>
-        <p:nvSpPr>
           <p:cNvPr id="3" name="Title 2"/>
           <p:cNvSpPr>
             <a:spLocks noGrp="1"/>
@@ -5791,6 +5911,64 @@
           </a:p>
         </p:txBody>
       </p:sp>
+      <p:graphicFrame>
+        <p:nvGraphicFramePr>
+          <p:cNvPr id="4" name="Content Placeholder 3"/>
+          <p:cNvGraphicFramePr>
+            <a:graphicFrameLocks noGrp="1" noChangeAspect="1"/>
+          </p:cNvGraphicFramePr>
+          <p:nvPr>
+            <p:ph idx="1"/>
+            <p:extLst>
+              <p:ext uri="{D42A27DB-BD31-4B8C-83A1-F6EECF244321}">
+                <p14:modId xmlns:p14="http://schemas.microsoft.com/office/powerpoint/2010/main" val="780019030"/>
+              </p:ext>
+            </p:extLst>
+          </p:nvPr>
+        </p:nvGraphicFramePr>
+        <p:xfrm>
+          <a:off x="228600" y="0"/>
+          <a:ext cx="8604079" cy="6858000"/>
+        </p:xfrm>
+        <a:graphic>
+          <a:graphicData uri="http://schemas.openxmlformats.org/presentationml/2006/ole">
+            <mc:AlternateContent xmlns:mc="http://schemas.openxmlformats.org/markup-compatibility/2006">
+              <mc:Choice xmlns:v="urn:schemas-microsoft-com:vml" Requires="v">
+                <p:oleObj spid="_x0000_s2051" name="Visio" r:id="rId3" imgW="9147060" imgH="7289860" progId="Visio.Drawing.11">
+                  <p:embed/>
+                </p:oleObj>
+              </mc:Choice>
+              <mc:Fallback>
+                <p:oleObj name="Visio" r:id="rId3" imgW="9147060" imgH="7289860" progId="Visio.Drawing.11">
+                  <p:embed/>
+                  <p:pic>
+                    <p:nvPicPr>
+                      <p:cNvPr id="0" name=""/>
+                      <p:cNvPicPr/>
+                      <p:nvPr/>
+                    </p:nvPicPr>
+                    <p:blipFill>
+                      <a:blip r:embed="rId4"/>
+                      <a:stretch>
+                        <a:fillRect/>
+                      </a:stretch>
+                    </p:blipFill>
+                    <p:spPr>
+                      <a:xfrm>
+                        <a:off x="228600" y="0"/>
+                        <a:ext cx="8604079" cy="6858000"/>
+                      </a:xfrm>
+                      <a:prstGeom prst="rect">
+                        <a:avLst/>
+                      </a:prstGeom>
+                    </p:spPr>
+                  </p:pic>
+                </p:oleObj>
+              </mc:Fallback>
+            </mc:AlternateContent>
+          </a:graphicData>
+        </a:graphic>
+      </p:graphicFrame>
     </p:spTree>
     <p:extLst>
       <p:ext uri="{BB962C8B-B14F-4D97-AF65-F5344CB8AC3E}">
@@ -5878,6 +6056,13 @@
   <p:clrMapOvr>
     <a:masterClrMapping/>
   </p:clrMapOvr>
+  <p:timing>
+    <p:tnLst>
+      <p:par>
+        <p:cTn id="1" dur="indefinite" restart="never" nodeType="tmRoot"/>
+      </p:par>
+    </p:tnLst>
+  </p:timing>
 </p:sld>
 </file>
 
@@ -6108,6 +6293,76 @@
 </file>
 
 <file path=ppt/slides/slide20.xml><?xml version="1.0" encoding="utf-8"?>
+<p:sld xmlns:a="http://schemas.openxmlformats.org/drawingml/2006/main" xmlns:r="http://schemas.openxmlformats.org/officeDocument/2006/relationships" xmlns:p="http://schemas.openxmlformats.org/presentationml/2006/main">
+  <p:cSld>
+    <p:spTree>
+      <p:nvGrpSpPr>
+        <p:cNvPr id="1" name=""/>
+        <p:cNvGrpSpPr/>
+        <p:nvPr/>
+      </p:nvGrpSpPr>
+      <p:grpSpPr>
+        <a:xfrm>
+          <a:off x="0" y="0"/>
+          <a:ext cx="0" cy="0"/>
+          <a:chOff x="0" y="0"/>
+          <a:chExt cx="0" cy="0"/>
+        </a:xfrm>
+      </p:grpSpPr>
+      <p:sp>
+        <p:nvSpPr>
+          <p:cNvPr id="2" name="Content Placeholder 1"/>
+          <p:cNvSpPr>
+            <a:spLocks noGrp="1"/>
+          </p:cNvSpPr>
+          <p:nvPr>
+            <p:ph idx="1"/>
+          </p:nvPr>
+        </p:nvSpPr>
+        <p:spPr/>
+        <p:txBody>
+          <a:bodyPr/>
+          <a:lstStyle/>
+          <a:p>
+            <a:pPr algn="r" rtl="1"/>
+            <a:endParaRPr lang="en-US" dirty="0"/>
+          </a:p>
+        </p:txBody>
+      </p:sp>
+      <p:sp>
+        <p:nvSpPr>
+          <p:cNvPr id="3" name="Title 2"/>
+          <p:cNvSpPr>
+            <a:spLocks noGrp="1"/>
+          </p:cNvSpPr>
+          <p:nvPr>
+            <p:ph type="title"/>
+          </p:nvPr>
+        </p:nvSpPr>
+        <p:spPr/>
+        <p:txBody>
+          <a:bodyPr/>
+          <a:lstStyle/>
+          <a:p>
+            <a:pPr rtl="1"/>
+            <a:endParaRPr lang="en-US" dirty="0"/>
+          </a:p>
+        </p:txBody>
+      </p:sp>
+    </p:spTree>
+    <p:extLst>
+      <p:ext uri="{BB962C8B-B14F-4D97-AF65-F5344CB8AC3E}">
+        <p14:creationId xmlns:p14="http://schemas.microsoft.com/office/powerpoint/2010/main" val="1441071697"/>
+      </p:ext>
+    </p:extLst>
+  </p:cSld>
+  <p:clrMapOvr>
+    <a:masterClrMapping/>
+  </p:clrMapOvr>
+</p:sld>
+</file>
+
+<file path=ppt/slides/slide21.xml><?xml version="1.0" encoding="utf-8"?>
 <p:sld xmlns:a="http://schemas.openxmlformats.org/drawingml/2006/main" xmlns:r="http://schemas.openxmlformats.org/officeDocument/2006/relationships" xmlns:p="http://schemas.openxmlformats.org/presentationml/2006/main">
   <p:cSld>
     <p:spTree>

--- a/JudgesForumPresentation.pptx
+++ b/JudgesForumPresentation.pptx
@@ -5622,7 +5622,7 @@
           <a:graphicData uri="http://schemas.openxmlformats.org/presentationml/2006/ole">
             <mc:AlternateContent xmlns:mc="http://schemas.openxmlformats.org/markup-compatibility/2006">
               <mc:Choice xmlns:v="urn:schemas-microsoft-com:vml" Requires="v">
-                <p:oleObj spid="_x0000_s1027" name="Visio" r:id="rId3" imgW="9147060" imgH="7289860" progId="Visio.Drawing.11">
+                <p:oleObj spid="_x0000_s1028" name="Visio" r:id="rId3" imgW="9147060" imgH="7289860" progId="Visio.Drawing.11">
                   <p:embed/>
                 </p:oleObj>
               </mc:Choice>
@@ -5842,25 +5842,64 @@
           </a:p>
         </p:txBody>
       </p:sp>
-      <p:sp>
-        <p:nvSpPr>
-          <p:cNvPr id="5" name="Content Placeholder 4"/>
-          <p:cNvSpPr>
-            <a:spLocks noGrp="1"/>
-          </p:cNvSpPr>
+      <p:graphicFrame>
+        <p:nvGraphicFramePr>
+          <p:cNvPr id="2" name="Content Placeholder 1"/>
+          <p:cNvGraphicFramePr>
+            <a:graphicFrameLocks noGrp="1" noChangeAspect="1"/>
+          </p:cNvGraphicFramePr>
           <p:nvPr>
             <p:ph idx="1"/>
-          </p:nvPr>
-        </p:nvSpPr>
-        <p:spPr/>
-        <p:txBody>
-          <a:bodyPr/>
-          <a:lstStyle/>
-          <a:p>
-            <a:endParaRPr lang="en-US"/>
-          </a:p>
-        </p:txBody>
-      </p:sp>
+            <p:extLst>
+              <p:ext uri="{D42A27DB-BD31-4B8C-83A1-F6EECF244321}">
+                <p14:modId xmlns:p14="http://schemas.microsoft.com/office/powerpoint/2010/main" val="3695994328"/>
+              </p:ext>
+            </p:extLst>
+          </p:nvPr>
+        </p:nvGraphicFramePr>
+        <p:xfrm>
+          <a:off x="228600" y="0"/>
+          <a:ext cx="8616538" cy="6867931"/>
+        </p:xfrm>
+        <a:graphic>
+          <a:graphicData uri="http://schemas.openxmlformats.org/presentationml/2006/ole">
+            <mc:AlternateContent xmlns:mc="http://schemas.openxmlformats.org/markup-compatibility/2006">
+              <mc:Choice xmlns:v="urn:schemas-microsoft-com:vml" Requires="v">
+                <p:oleObj spid="_x0000_s3074" name="Visio" r:id="rId3" imgW="9147060" imgH="7289860" progId="Visio.Drawing.11">
+                  <p:embed/>
+                </p:oleObj>
+              </mc:Choice>
+              <mc:Fallback>
+                <p:oleObj name="Visio" r:id="rId3" imgW="9147060" imgH="7289860" progId="Visio.Drawing.11">
+                  <p:embed/>
+                  <p:pic>
+                    <p:nvPicPr>
+                      <p:cNvPr id="0" name=""/>
+                      <p:cNvPicPr/>
+                      <p:nvPr/>
+                    </p:nvPicPr>
+                    <p:blipFill>
+                      <a:blip r:embed="rId4"/>
+                      <a:stretch>
+                        <a:fillRect/>
+                      </a:stretch>
+                    </p:blipFill>
+                    <p:spPr>
+                      <a:xfrm>
+                        <a:off x="228600" y="0"/>
+                        <a:ext cx="8616538" cy="6867931"/>
+                      </a:xfrm>
+                      <a:prstGeom prst="rect">
+                        <a:avLst/>
+                      </a:prstGeom>
+                    </p:spPr>
+                  </p:pic>
+                </p:oleObj>
+              </mc:Fallback>
+            </mc:AlternateContent>
+          </a:graphicData>
+        </a:graphic>
+      </p:graphicFrame>
     </p:spTree>
     <p:extLst>
       <p:ext uri="{BB962C8B-B14F-4D97-AF65-F5344CB8AC3E}">
@@ -5871,6 +5910,13 @@
   <p:clrMapOvr>
     <a:masterClrMapping/>
   </p:clrMapOvr>
+  <p:timing>
+    <p:tnLst>
+      <p:par>
+        <p:cTn id="1" dur="indefinite" restart="never" nodeType="tmRoot"/>
+      </p:par>
+    </p:tnLst>
+  </p:timing>
 </p:sld>
 </file>
 
@@ -5934,7 +5980,7 @@
           <a:graphicData uri="http://schemas.openxmlformats.org/presentationml/2006/ole">
             <mc:AlternateContent xmlns:mc="http://schemas.openxmlformats.org/markup-compatibility/2006">
               <mc:Choice xmlns:v="urn:schemas-microsoft-com:vml" Requires="v">
-                <p:oleObj spid="_x0000_s2051" name="Visio" r:id="rId3" imgW="9147060" imgH="7289860" progId="Visio.Drawing.11">
+                <p:oleObj spid="_x0000_s2052" name="Visio" r:id="rId3" imgW="9147060" imgH="7289860" progId="Visio.Drawing.11">
                   <p:embed/>
                 </p:oleObj>
               </mc:Choice>
@@ -6133,6 +6179,13 @@
   <p:clrMapOvr>
     <a:masterClrMapping/>
   </p:clrMapOvr>
+  <p:timing>
+    <p:tnLst>
+      <p:par>
+        <p:cTn id="1" dur="indefinite" restart="never" nodeType="tmRoot"/>
+      </p:par>
+    </p:tnLst>
+  </p:timing>
 </p:sld>
 </file>
 
@@ -6203,6 +6256,13 @@
   <p:clrMapOvr>
     <a:masterClrMapping/>
   </p:clrMapOvr>
+  <p:timing>
+    <p:tnLst>
+      <p:par>
+        <p:cTn id="1" dur="indefinite" restart="never" nodeType="tmRoot"/>
+      </p:par>
+    </p:tnLst>
+  </p:timing>
 </p:sld>
 </file>
 

--- a/JudgesForumPresentation.pptx
+++ b/JudgesForumPresentation.pptx
@@ -215,7 +215,7 @@
           <a:p>
             <a:fld id="{791A93FE-F472-4350-BDC2-B421EDD75EC6}" type="datetimeFigureOut">
               <a:rPr lang="en-US" smtClean="0"/>
-              <a:t>6/11/2013</a:t>
+              <a:t>6/14/2013</a:t>
             </a:fld>
             <a:endParaRPr lang="en-US"/>
           </a:p>
@@ -380,7 +380,7 @@
           <a:p>
             <a:fld id="{5C90FD31-B673-4764-A46F-AA367EDFFC51}" type="datetimeFigureOut">
               <a:rPr lang="en-US" smtClean="0"/>
-              <a:t>6/11/2013</a:t>
+              <a:t>6/14/2013</a:t>
             </a:fld>
             <a:endParaRPr lang="en-US"/>
           </a:p>
@@ -805,7 +805,7 @@
             <a:fld id="{1D8BD707-D9CF-40AE-B4C6-C98DA3205C09}" type="datetimeFigureOut">
               <a:rPr lang="en-US" smtClean="0"/>
               <a:pPr/>
-              <a:t>6/11/2013</a:t>
+              <a:t>6/14/2013</a:t>
             </a:fld>
             <a:endParaRPr lang="en-US"/>
           </a:p>
@@ -1332,7 +1332,7 @@
             <a:fld id="{1D8BD707-D9CF-40AE-B4C6-C98DA3205C09}" type="datetimeFigureOut">
               <a:rPr lang="en-US" smtClean="0"/>
               <a:pPr/>
-              <a:t>6/11/2013</a:t>
+              <a:t>6/14/2013</a:t>
             </a:fld>
             <a:endParaRPr lang="en-US"/>
           </a:p>
@@ -1648,7 +1648,7 @@
             <a:fld id="{1D8BD707-D9CF-40AE-B4C6-C98DA3205C09}" type="datetimeFigureOut">
               <a:rPr lang="en-US" smtClean="0"/>
               <a:pPr/>
-              <a:t>6/11/2013</a:t>
+              <a:t>6/14/2013</a:t>
             </a:fld>
             <a:endParaRPr lang="en-US"/>
           </a:p>
@@ -1936,7 +1936,7 @@
             <a:fld id="{1D8BD707-D9CF-40AE-B4C6-C98DA3205C09}" type="datetimeFigureOut">
               <a:rPr lang="en-US" smtClean="0"/>
               <a:pPr/>
-              <a:t>6/11/2013</a:t>
+              <a:t>6/14/2013</a:t>
             </a:fld>
             <a:endParaRPr lang="en-US"/>
           </a:p>
@@ -2513,7 +2513,7 @@
             <a:fld id="{1D8BD707-D9CF-40AE-B4C6-C98DA3205C09}" type="datetimeFigureOut">
               <a:rPr lang="en-US" smtClean="0"/>
               <a:pPr/>
-              <a:t>6/11/2013</a:t>
+              <a:t>6/14/2013</a:t>
             </a:fld>
             <a:endParaRPr lang="en-US"/>
           </a:p>
@@ -2605,7 +2605,7 @@
             <a:fld id="{1D8BD707-D9CF-40AE-B4C6-C98DA3205C09}" type="datetimeFigureOut">
               <a:rPr lang="en-US" smtClean="0"/>
               <a:pPr/>
-              <a:t>6/11/2013</a:t>
+              <a:t>6/14/2013</a:t>
             </a:fld>
             <a:endParaRPr lang="en-US"/>
           </a:p>
@@ -3316,7 +3316,7 @@
             <a:fld id="{1D8BD707-D9CF-40AE-B4C6-C98DA3205C09}" type="datetimeFigureOut">
               <a:rPr lang="en-US" smtClean="0"/>
               <a:pPr/>
-              <a:t>6/11/2013</a:t>
+              <a:t>6/14/2013</a:t>
             </a:fld>
             <a:endParaRPr lang="en-US"/>
           </a:p>
@@ -3570,7 +3570,7 @@
             <a:fld id="{1D8BD707-D9CF-40AE-B4C6-C98DA3205C09}" type="datetimeFigureOut">
               <a:rPr lang="en-US" smtClean="0"/>
               <a:pPr/>
-              <a:t>6/11/2013</a:t>
+              <a:t>6/14/2013</a:t>
             </a:fld>
             <a:endParaRPr lang="en-US"/>
           </a:p>
@@ -3801,7 +3801,7 @@
             <a:fld id="{1D8BD707-D9CF-40AE-B4C6-C98DA3205C09}" type="datetimeFigureOut">
               <a:rPr lang="en-US" smtClean="0"/>
               <a:pPr/>
-              <a:t>6/11/2013</a:t>
+              <a:t>6/14/2013</a:t>
             </a:fld>
             <a:endParaRPr lang="en-US"/>
           </a:p>
@@ -4077,7 +4077,7 @@
             <a:fld id="{1D8BD707-D9CF-40AE-B4C6-C98DA3205C09}" type="datetimeFigureOut">
               <a:rPr lang="en-US" smtClean="0"/>
               <a:pPr/>
-              <a:t>6/11/2013</a:t>
+              <a:t>6/14/2013</a:t>
             </a:fld>
             <a:endParaRPr lang="en-US"/>
           </a:p>
@@ -4365,7 +4365,7 @@
             <a:fld id="{1D8BD707-D9CF-40AE-B4C6-C98DA3205C09}" type="datetimeFigureOut">
               <a:rPr lang="en-US" smtClean="0"/>
               <a:pPr/>
-              <a:t>6/11/2013</a:t>
+              <a:t>6/14/2013</a:t>
             </a:fld>
             <a:endParaRPr lang="en-US"/>
           </a:p>
@@ -4635,7 +4635,7 @@
             <a:fld id="{1D8BD707-D9CF-40AE-B4C6-C98DA3205C09}" type="datetimeFigureOut">
               <a:rPr lang="en-US" smtClean="0"/>
               <a:pPr/>
-              <a:t>6/11/2013</a:t>
+              <a:t>6/14/2013</a:t>
             </a:fld>
             <a:endParaRPr lang="en-US"/>
           </a:p>
@@ -5622,7 +5622,7 @@
           <a:graphicData uri="http://schemas.openxmlformats.org/presentationml/2006/ole">
             <mc:AlternateContent xmlns:mc="http://schemas.openxmlformats.org/markup-compatibility/2006">
               <mc:Choice xmlns:v="urn:schemas-microsoft-com:vml" Requires="v">
-                <p:oleObj spid="_x0000_s1028" name="Visio" r:id="rId3" imgW="9147060" imgH="7289860" progId="Visio.Drawing.11">
+                <p:oleObj spid="_x0000_s1030" name="Visio" r:id="rId3" imgW="9147060" imgH="7289860" progId="Visio.Drawing.11">
                   <p:embed/>
                 </p:oleObj>
               </mc:Choice>
@@ -5685,18 +5685,15 @@
             </a:pPr>
             <a:r>
               <a:rPr lang="en-US" sz="2800" dirty="0" smtClean="0"/>
-              <a:t>D</a:t>
-            </a:r>
+              <a:t>Radius Calculation</a:t>
+            </a:r>
+            <a:endParaRPr lang="en-US" sz="2800" dirty="0" smtClean="0"/>
           </a:p>
           <a:p>
             <a:pPr marL="285750" indent="-285750">
               <a:buFont typeface="Arial" pitchFamily="34" charset="0"/>
               <a:buChar char="•"/>
             </a:pPr>
-            <a:r>
-              <a:rPr lang="en-US" sz="2800" dirty="0" err="1" smtClean="0"/>
-              <a:t>Dsfs</a:t>
-            </a:r>
             <a:endParaRPr lang="en-US" sz="2800" dirty="0" smtClean="0"/>
           </a:p>
           <a:p>
@@ -5865,7 +5862,7 @@
           <a:graphicData uri="http://schemas.openxmlformats.org/presentationml/2006/ole">
             <mc:AlternateContent xmlns:mc="http://schemas.openxmlformats.org/markup-compatibility/2006">
               <mc:Choice xmlns:v="urn:schemas-microsoft-com:vml" Requires="v">
-                <p:oleObj spid="_x0000_s3074" name="Visio" r:id="rId3" imgW="9147060" imgH="7289860" progId="Visio.Drawing.11">
+                <p:oleObj spid="_x0000_s3076" name="Visio" r:id="rId3" imgW="9147060" imgH="7289860" progId="Visio.Drawing.11">
                   <p:embed/>
                 </p:oleObj>
               </mc:Choice>
@@ -5980,7 +5977,7 @@
           <a:graphicData uri="http://schemas.openxmlformats.org/presentationml/2006/ole">
             <mc:AlternateContent xmlns:mc="http://schemas.openxmlformats.org/markup-compatibility/2006">
               <mc:Choice xmlns:v="urn:schemas-microsoft-com:vml" Requires="v">
-                <p:oleObj spid="_x0000_s2052" name="Visio" r:id="rId3" imgW="9147060" imgH="7289860" progId="Visio.Drawing.11">
+                <p:oleObj spid="_x0000_s2054" name="Visio" r:id="rId3" imgW="9147060" imgH="7289860" progId="Visio.Drawing.11">
                   <p:embed/>
                 </p:oleObj>
               </mc:Choice>

--- a/JudgesForumPresentation.pptx
+++ b/JudgesForumPresentation.pptx
@@ -5,10 +5,10 @@
     <p:sldMasterId id="2147483672" r:id="rId1"/>
   </p:sldMasterIdLst>
   <p:notesMasterIdLst>
-    <p:notesMasterId r:id="rId23"/>
+    <p:notesMasterId r:id="rId25"/>
   </p:notesMasterIdLst>
   <p:handoutMasterIdLst>
-    <p:handoutMasterId r:id="rId24"/>
+    <p:handoutMasterId r:id="rId26"/>
   </p:handoutMasterIdLst>
   <p:sldIdLst>
     <p:sldId id="256" r:id="rId2"/>
@@ -21,17 +21,19 @@
     <p:sldId id="304" r:id="rId9"/>
     <p:sldId id="305" r:id="rId10"/>
     <p:sldId id="306" r:id="rId11"/>
-    <p:sldId id="307" r:id="rId12"/>
-    <p:sldId id="308" r:id="rId13"/>
-    <p:sldId id="309" r:id="rId14"/>
-    <p:sldId id="310" r:id="rId15"/>
-    <p:sldId id="318" r:id="rId16"/>
-    <p:sldId id="311" r:id="rId17"/>
-    <p:sldId id="312" r:id="rId18"/>
-    <p:sldId id="313" r:id="rId19"/>
-    <p:sldId id="314" r:id="rId20"/>
-    <p:sldId id="315" r:id="rId21"/>
-    <p:sldId id="316" r:id="rId22"/>
+    <p:sldId id="310" r:id="rId12"/>
+    <p:sldId id="318" r:id="rId13"/>
+    <p:sldId id="311" r:id="rId14"/>
+    <p:sldId id="312" r:id="rId15"/>
+    <p:sldId id="313" r:id="rId16"/>
+    <p:sldId id="314" r:id="rId17"/>
+    <p:sldId id="315" r:id="rId18"/>
+    <p:sldId id="316" r:id="rId19"/>
+    <p:sldId id="309" r:id="rId20"/>
+    <p:sldId id="320" r:id="rId21"/>
+    <p:sldId id="321" r:id="rId22"/>
+    <p:sldId id="307" r:id="rId23"/>
+    <p:sldId id="308" r:id="rId24"/>
   </p:sldIdLst>
   <p:sldSz cx="9144000" cy="6858000" type="screen4x3"/>
   <p:notesSz cx="6669088" cy="9928225"/>
@@ -131,6 +133,1715 @@
     </a:lvl9pPr>
   </p:defaultTextStyle>
 </p:presentation>
+</file>
+
+<file path=ppt/charts/chart1.xml><?xml version="1.0" encoding="utf-8"?>
+<c:chartSpace xmlns:c="http://schemas.openxmlformats.org/drawingml/2006/chart" xmlns:a="http://schemas.openxmlformats.org/drawingml/2006/main" xmlns:r="http://schemas.openxmlformats.org/officeDocument/2006/relationships">
+  <c:date1904 val="0"/>
+  <c:lang val="ru-RU"/>
+  <c:roundedCorners val="0"/>
+  <mc:AlternateContent xmlns:mc="http://schemas.openxmlformats.org/markup-compatibility/2006">
+    <mc:Choice xmlns:c14="http://schemas.microsoft.com/office/drawing/2007/8/2/chart" Requires="c14">
+      <c14:style val="136"/>
+    </mc:Choice>
+    <mc:Fallback>
+      <c:style val="36"/>
+    </mc:Fallback>
+  </mc:AlternateContent>
+  <c:chart>
+    <c:title>
+      <c:tx>
+        <c:rich>
+          <a:bodyPr/>
+          <a:lstStyle/>
+          <a:p>
+            <a:pPr>
+              <a:defRPr/>
+            </a:pPr>
+            <a:r>
+              <a:rPr lang="en-US"/>
+              <a:t>RATES</a:t>
+            </a:r>
+            <a:endParaRPr lang="ru-RU"/>
+          </a:p>
+        </c:rich>
+      </c:tx>
+      <c:layout/>
+      <c:overlay val="0"/>
+    </c:title>
+    <c:autoTitleDeleted val="0"/>
+    <c:plotArea>
+      <c:layout/>
+      <c:barChart>
+        <c:barDir val="bar"/>
+        <c:grouping val="clustered"/>
+        <c:varyColors val="0"/>
+        <c:ser>
+          <c:idx val="0"/>
+          <c:order val="0"/>
+          <c:tx>
+            <c:strRef>
+              <c:f>Лист1!$A$3</c:f>
+              <c:strCache>
+                <c:ptCount val="1"/>
+                <c:pt idx="0">
+                  <c:v>-61</c:v>
+                </c:pt>
+              </c:strCache>
+            </c:strRef>
+          </c:tx>
+          <c:invertIfNegative val="0"/>
+          <c:cat>
+            <c:multiLvlStrRef>
+              <c:f>Лист1!$B$1:$E$2</c:f>
+              <c:multiLvlStrCache>
+                <c:ptCount val="4"/>
+                <c:lvl>
+                  <c:pt idx="0">
+                    <c:v>20MHz</c:v>
+                  </c:pt>
+                  <c:pt idx="1">
+                    <c:v>40MHz</c:v>
+                  </c:pt>
+                  <c:pt idx="2">
+                    <c:v>20MHz</c:v>
+                  </c:pt>
+                  <c:pt idx="3">
+                    <c:v>40MHz</c:v>
+                  </c:pt>
+                </c:lvl>
+                <c:lvl>
+                  <c:pt idx="0">
+                    <c:v>2.4GHz</c:v>
+                  </c:pt>
+                  <c:pt idx="1">
+                    <c:v>2.4GHz</c:v>
+                  </c:pt>
+                  <c:pt idx="2">
+                    <c:v>5GHz</c:v>
+                  </c:pt>
+                  <c:pt idx="3">
+                    <c:v>5GHz</c:v>
+                  </c:pt>
+                </c:lvl>
+              </c:multiLvlStrCache>
+            </c:multiLvlStrRef>
+          </c:cat>
+          <c:val>
+            <c:numRef>
+              <c:f>Лист1!$B$3:$E$3</c:f>
+              <c:numCache>
+                <c:formatCode>General</c:formatCode>
+                <c:ptCount val="4"/>
+                <c:pt idx="0">
+                  <c:v>144</c:v>
+                </c:pt>
+                <c:pt idx="1">
+                  <c:v>300</c:v>
+                </c:pt>
+                <c:pt idx="2">
+                  <c:v>144</c:v>
+                </c:pt>
+                <c:pt idx="3">
+                  <c:v>300</c:v>
+                </c:pt>
+              </c:numCache>
+            </c:numRef>
+          </c:val>
+        </c:ser>
+        <c:ser>
+          <c:idx val="1"/>
+          <c:order val="1"/>
+          <c:tx>
+            <c:strRef>
+              <c:f>Лист1!$A$4</c:f>
+              <c:strCache>
+                <c:ptCount val="1"/>
+                <c:pt idx="0">
+                  <c:v>-62</c:v>
+                </c:pt>
+              </c:strCache>
+            </c:strRef>
+          </c:tx>
+          <c:invertIfNegative val="0"/>
+          <c:cat>
+            <c:multiLvlStrRef>
+              <c:f>Лист1!$B$1:$E$2</c:f>
+              <c:multiLvlStrCache>
+                <c:ptCount val="4"/>
+                <c:lvl>
+                  <c:pt idx="0">
+                    <c:v>20MHz</c:v>
+                  </c:pt>
+                  <c:pt idx="1">
+                    <c:v>40MHz</c:v>
+                  </c:pt>
+                  <c:pt idx="2">
+                    <c:v>20MHz</c:v>
+                  </c:pt>
+                  <c:pt idx="3">
+                    <c:v>40MHz</c:v>
+                  </c:pt>
+                </c:lvl>
+                <c:lvl>
+                  <c:pt idx="0">
+                    <c:v>2.4GHz</c:v>
+                  </c:pt>
+                  <c:pt idx="1">
+                    <c:v>2.4GHz</c:v>
+                  </c:pt>
+                  <c:pt idx="2">
+                    <c:v>5GHz</c:v>
+                  </c:pt>
+                  <c:pt idx="3">
+                    <c:v>5GHz</c:v>
+                  </c:pt>
+                </c:lvl>
+              </c:multiLvlStrCache>
+            </c:multiLvlStrRef>
+          </c:cat>
+          <c:val>
+            <c:numRef>
+              <c:f>Лист1!$B$4:$E$4</c:f>
+              <c:numCache>
+                <c:formatCode>General</c:formatCode>
+                <c:ptCount val="4"/>
+                <c:pt idx="0">
+                  <c:v>144</c:v>
+                </c:pt>
+                <c:pt idx="1">
+                  <c:v>300</c:v>
+                </c:pt>
+                <c:pt idx="2">
+                  <c:v>130</c:v>
+                </c:pt>
+                <c:pt idx="3">
+                  <c:v>270</c:v>
+                </c:pt>
+              </c:numCache>
+            </c:numRef>
+          </c:val>
+        </c:ser>
+        <c:ser>
+          <c:idx val="2"/>
+          <c:order val="2"/>
+          <c:tx>
+            <c:strRef>
+              <c:f>Лист1!$A$5</c:f>
+              <c:strCache>
+                <c:ptCount val="1"/>
+                <c:pt idx="0">
+                  <c:v>-63</c:v>
+                </c:pt>
+              </c:strCache>
+            </c:strRef>
+          </c:tx>
+          <c:invertIfNegative val="0"/>
+          <c:cat>
+            <c:multiLvlStrRef>
+              <c:f>Лист1!$B$1:$E$2</c:f>
+              <c:multiLvlStrCache>
+                <c:ptCount val="4"/>
+                <c:lvl>
+                  <c:pt idx="0">
+                    <c:v>20MHz</c:v>
+                  </c:pt>
+                  <c:pt idx="1">
+                    <c:v>40MHz</c:v>
+                  </c:pt>
+                  <c:pt idx="2">
+                    <c:v>20MHz</c:v>
+                  </c:pt>
+                  <c:pt idx="3">
+                    <c:v>40MHz</c:v>
+                  </c:pt>
+                </c:lvl>
+                <c:lvl>
+                  <c:pt idx="0">
+                    <c:v>2.4GHz</c:v>
+                  </c:pt>
+                  <c:pt idx="1">
+                    <c:v>2.4GHz</c:v>
+                  </c:pt>
+                  <c:pt idx="2">
+                    <c:v>5GHz</c:v>
+                  </c:pt>
+                  <c:pt idx="3">
+                    <c:v>5GHz</c:v>
+                  </c:pt>
+                </c:lvl>
+              </c:multiLvlStrCache>
+            </c:multiLvlStrRef>
+          </c:cat>
+          <c:val>
+            <c:numRef>
+              <c:f>Лист1!$B$5:$E$5</c:f>
+              <c:numCache>
+                <c:formatCode>General</c:formatCode>
+                <c:ptCount val="4"/>
+                <c:pt idx="0">
+                  <c:v>144</c:v>
+                </c:pt>
+                <c:pt idx="1">
+                  <c:v>300</c:v>
+                </c:pt>
+                <c:pt idx="2">
+                  <c:v>115</c:v>
+                </c:pt>
+                <c:pt idx="3">
+                  <c:v>240</c:v>
+                </c:pt>
+              </c:numCache>
+            </c:numRef>
+          </c:val>
+        </c:ser>
+        <c:ser>
+          <c:idx val="3"/>
+          <c:order val="3"/>
+          <c:tx>
+            <c:strRef>
+              <c:f>Лист1!$A$6</c:f>
+              <c:strCache>
+                <c:ptCount val="1"/>
+                <c:pt idx="0">
+                  <c:v>-64</c:v>
+                </c:pt>
+              </c:strCache>
+            </c:strRef>
+          </c:tx>
+          <c:invertIfNegative val="0"/>
+          <c:cat>
+            <c:multiLvlStrRef>
+              <c:f>Лист1!$B$1:$E$2</c:f>
+              <c:multiLvlStrCache>
+                <c:ptCount val="4"/>
+                <c:lvl>
+                  <c:pt idx="0">
+                    <c:v>20MHz</c:v>
+                  </c:pt>
+                  <c:pt idx="1">
+                    <c:v>40MHz</c:v>
+                  </c:pt>
+                  <c:pt idx="2">
+                    <c:v>20MHz</c:v>
+                  </c:pt>
+                  <c:pt idx="3">
+                    <c:v>40MHz</c:v>
+                  </c:pt>
+                </c:lvl>
+                <c:lvl>
+                  <c:pt idx="0">
+                    <c:v>2.4GHz</c:v>
+                  </c:pt>
+                  <c:pt idx="1">
+                    <c:v>2.4GHz</c:v>
+                  </c:pt>
+                  <c:pt idx="2">
+                    <c:v>5GHz</c:v>
+                  </c:pt>
+                  <c:pt idx="3">
+                    <c:v>5GHz</c:v>
+                  </c:pt>
+                </c:lvl>
+              </c:multiLvlStrCache>
+            </c:multiLvlStrRef>
+          </c:cat>
+          <c:val>
+            <c:numRef>
+              <c:f>Лист1!$B$6:$E$6</c:f>
+              <c:numCache>
+                <c:formatCode>General</c:formatCode>
+                <c:ptCount val="4"/>
+                <c:pt idx="0">
+                  <c:v>144</c:v>
+                </c:pt>
+                <c:pt idx="1">
+                  <c:v>300</c:v>
+                </c:pt>
+                <c:pt idx="2">
+                  <c:v>115</c:v>
+                </c:pt>
+                <c:pt idx="3">
+                  <c:v>240</c:v>
+                </c:pt>
+              </c:numCache>
+            </c:numRef>
+          </c:val>
+        </c:ser>
+        <c:ser>
+          <c:idx val="4"/>
+          <c:order val="4"/>
+          <c:tx>
+            <c:strRef>
+              <c:f>Лист1!$A$7</c:f>
+              <c:strCache>
+                <c:ptCount val="1"/>
+                <c:pt idx="0">
+                  <c:v>-65</c:v>
+                </c:pt>
+              </c:strCache>
+            </c:strRef>
+          </c:tx>
+          <c:invertIfNegative val="0"/>
+          <c:cat>
+            <c:multiLvlStrRef>
+              <c:f>Лист1!$B$1:$E$2</c:f>
+              <c:multiLvlStrCache>
+                <c:ptCount val="4"/>
+                <c:lvl>
+                  <c:pt idx="0">
+                    <c:v>20MHz</c:v>
+                  </c:pt>
+                  <c:pt idx="1">
+                    <c:v>40MHz</c:v>
+                  </c:pt>
+                  <c:pt idx="2">
+                    <c:v>20MHz</c:v>
+                  </c:pt>
+                  <c:pt idx="3">
+                    <c:v>40MHz</c:v>
+                  </c:pt>
+                </c:lvl>
+                <c:lvl>
+                  <c:pt idx="0">
+                    <c:v>2.4GHz</c:v>
+                  </c:pt>
+                  <c:pt idx="1">
+                    <c:v>2.4GHz</c:v>
+                  </c:pt>
+                  <c:pt idx="2">
+                    <c:v>5GHz</c:v>
+                  </c:pt>
+                  <c:pt idx="3">
+                    <c:v>5GHz</c:v>
+                  </c:pt>
+                </c:lvl>
+              </c:multiLvlStrCache>
+            </c:multiLvlStrRef>
+          </c:cat>
+          <c:val>
+            <c:numRef>
+              <c:f>Лист1!$B$7:$E$7</c:f>
+              <c:numCache>
+                <c:formatCode>General</c:formatCode>
+                <c:ptCount val="4"/>
+                <c:pt idx="0">
+                  <c:v>130</c:v>
+                </c:pt>
+                <c:pt idx="1">
+                  <c:v>270</c:v>
+                </c:pt>
+                <c:pt idx="2">
+                  <c:v>115</c:v>
+                </c:pt>
+                <c:pt idx="3">
+                  <c:v>240</c:v>
+                </c:pt>
+              </c:numCache>
+            </c:numRef>
+          </c:val>
+        </c:ser>
+        <c:ser>
+          <c:idx val="5"/>
+          <c:order val="5"/>
+          <c:tx>
+            <c:strRef>
+              <c:f>Лист1!$A$8</c:f>
+              <c:strCache>
+                <c:ptCount val="1"/>
+                <c:pt idx="0">
+                  <c:v>-66</c:v>
+                </c:pt>
+              </c:strCache>
+            </c:strRef>
+          </c:tx>
+          <c:invertIfNegative val="0"/>
+          <c:cat>
+            <c:multiLvlStrRef>
+              <c:f>Лист1!$B$1:$E$2</c:f>
+              <c:multiLvlStrCache>
+                <c:ptCount val="4"/>
+                <c:lvl>
+                  <c:pt idx="0">
+                    <c:v>20MHz</c:v>
+                  </c:pt>
+                  <c:pt idx="1">
+                    <c:v>40MHz</c:v>
+                  </c:pt>
+                  <c:pt idx="2">
+                    <c:v>20MHz</c:v>
+                  </c:pt>
+                  <c:pt idx="3">
+                    <c:v>40MHz</c:v>
+                  </c:pt>
+                </c:lvl>
+                <c:lvl>
+                  <c:pt idx="0">
+                    <c:v>2.4GHz</c:v>
+                  </c:pt>
+                  <c:pt idx="1">
+                    <c:v>2.4GHz</c:v>
+                  </c:pt>
+                  <c:pt idx="2">
+                    <c:v>5GHz</c:v>
+                  </c:pt>
+                  <c:pt idx="3">
+                    <c:v>5GHz</c:v>
+                  </c:pt>
+                </c:lvl>
+              </c:multiLvlStrCache>
+            </c:multiLvlStrRef>
+          </c:cat>
+          <c:val>
+            <c:numRef>
+              <c:f>Лист1!$B$8:$E$8</c:f>
+              <c:numCache>
+                <c:formatCode>General</c:formatCode>
+                <c:ptCount val="4"/>
+                <c:pt idx="0">
+                  <c:v>115</c:v>
+                </c:pt>
+                <c:pt idx="1">
+                  <c:v>240</c:v>
+                </c:pt>
+                <c:pt idx="2">
+                  <c:v>115</c:v>
+                </c:pt>
+                <c:pt idx="3">
+                  <c:v>240</c:v>
+                </c:pt>
+              </c:numCache>
+            </c:numRef>
+          </c:val>
+        </c:ser>
+        <c:ser>
+          <c:idx val="6"/>
+          <c:order val="6"/>
+          <c:tx>
+            <c:strRef>
+              <c:f>Лист1!$A$9</c:f>
+              <c:strCache>
+                <c:ptCount val="1"/>
+                <c:pt idx="0">
+                  <c:v>-67</c:v>
+                </c:pt>
+              </c:strCache>
+            </c:strRef>
+          </c:tx>
+          <c:invertIfNegative val="0"/>
+          <c:cat>
+            <c:multiLvlStrRef>
+              <c:f>Лист1!$B$1:$E$2</c:f>
+              <c:multiLvlStrCache>
+                <c:ptCount val="4"/>
+                <c:lvl>
+                  <c:pt idx="0">
+                    <c:v>20MHz</c:v>
+                  </c:pt>
+                  <c:pt idx="1">
+                    <c:v>40MHz</c:v>
+                  </c:pt>
+                  <c:pt idx="2">
+                    <c:v>20MHz</c:v>
+                  </c:pt>
+                  <c:pt idx="3">
+                    <c:v>40MHz</c:v>
+                  </c:pt>
+                </c:lvl>
+                <c:lvl>
+                  <c:pt idx="0">
+                    <c:v>2.4GHz</c:v>
+                  </c:pt>
+                  <c:pt idx="1">
+                    <c:v>2.4GHz</c:v>
+                  </c:pt>
+                  <c:pt idx="2">
+                    <c:v>5GHz</c:v>
+                  </c:pt>
+                  <c:pt idx="3">
+                    <c:v>5GHz</c:v>
+                  </c:pt>
+                </c:lvl>
+              </c:multiLvlStrCache>
+            </c:multiLvlStrRef>
+          </c:cat>
+          <c:val>
+            <c:numRef>
+              <c:f>Лист1!$B$9:$E$9</c:f>
+              <c:numCache>
+                <c:formatCode>General</c:formatCode>
+                <c:ptCount val="4"/>
+                <c:pt idx="0">
+                  <c:v>115</c:v>
+                </c:pt>
+                <c:pt idx="1">
+                  <c:v>240</c:v>
+                </c:pt>
+                <c:pt idx="2">
+                  <c:v>86</c:v>
+                </c:pt>
+                <c:pt idx="3">
+                  <c:v>180</c:v>
+                </c:pt>
+              </c:numCache>
+            </c:numRef>
+          </c:val>
+        </c:ser>
+        <c:ser>
+          <c:idx val="7"/>
+          <c:order val="7"/>
+          <c:tx>
+            <c:strRef>
+              <c:f>Лист1!$A$10</c:f>
+              <c:strCache>
+                <c:ptCount val="1"/>
+                <c:pt idx="0">
+                  <c:v>-68</c:v>
+                </c:pt>
+              </c:strCache>
+            </c:strRef>
+          </c:tx>
+          <c:invertIfNegative val="0"/>
+          <c:cat>
+            <c:multiLvlStrRef>
+              <c:f>Лист1!$B$1:$E$2</c:f>
+              <c:multiLvlStrCache>
+                <c:ptCount val="4"/>
+                <c:lvl>
+                  <c:pt idx="0">
+                    <c:v>20MHz</c:v>
+                  </c:pt>
+                  <c:pt idx="1">
+                    <c:v>40MHz</c:v>
+                  </c:pt>
+                  <c:pt idx="2">
+                    <c:v>20MHz</c:v>
+                  </c:pt>
+                  <c:pt idx="3">
+                    <c:v>40MHz</c:v>
+                  </c:pt>
+                </c:lvl>
+                <c:lvl>
+                  <c:pt idx="0">
+                    <c:v>2.4GHz</c:v>
+                  </c:pt>
+                  <c:pt idx="1">
+                    <c:v>2.4GHz</c:v>
+                  </c:pt>
+                  <c:pt idx="2">
+                    <c:v>5GHz</c:v>
+                  </c:pt>
+                  <c:pt idx="3">
+                    <c:v>5GHz</c:v>
+                  </c:pt>
+                </c:lvl>
+              </c:multiLvlStrCache>
+            </c:multiLvlStrRef>
+          </c:cat>
+          <c:val>
+            <c:numRef>
+              <c:f>Лист1!$B$10:$E$10</c:f>
+              <c:numCache>
+                <c:formatCode>General</c:formatCode>
+                <c:ptCount val="4"/>
+                <c:pt idx="0">
+                  <c:v>115</c:v>
+                </c:pt>
+                <c:pt idx="1">
+                  <c:v>240</c:v>
+                </c:pt>
+                <c:pt idx="2">
+                  <c:v>86</c:v>
+                </c:pt>
+                <c:pt idx="3">
+                  <c:v>180</c:v>
+                </c:pt>
+              </c:numCache>
+            </c:numRef>
+          </c:val>
+        </c:ser>
+        <c:ser>
+          <c:idx val="8"/>
+          <c:order val="8"/>
+          <c:tx>
+            <c:strRef>
+              <c:f>Лист1!$A$11</c:f>
+              <c:strCache>
+                <c:ptCount val="1"/>
+                <c:pt idx="0">
+                  <c:v>-69</c:v>
+                </c:pt>
+              </c:strCache>
+            </c:strRef>
+          </c:tx>
+          <c:invertIfNegative val="0"/>
+          <c:cat>
+            <c:multiLvlStrRef>
+              <c:f>Лист1!$B$1:$E$2</c:f>
+              <c:multiLvlStrCache>
+                <c:ptCount val="4"/>
+                <c:lvl>
+                  <c:pt idx="0">
+                    <c:v>20MHz</c:v>
+                  </c:pt>
+                  <c:pt idx="1">
+                    <c:v>40MHz</c:v>
+                  </c:pt>
+                  <c:pt idx="2">
+                    <c:v>20MHz</c:v>
+                  </c:pt>
+                  <c:pt idx="3">
+                    <c:v>40MHz</c:v>
+                  </c:pt>
+                </c:lvl>
+                <c:lvl>
+                  <c:pt idx="0">
+                    <c:v>2.4GHz</c:v>
+                  </c:pt>
+                  <c:pt idx="1">
+                    <c:v>2.4GHz</c:v>
+                  </c:pt>
+                  <c:pt idx="2">
+                    <c:v>5GHz</c:v>
+                  </c:pt>
+                  <c:pt idx="3">
+                    <c:v>5GHz</c:v>
+                  </c:pt>
+                </c:lvl>
+              </c:multiLvlStrCache>
+            </c:multiLvlStrRef>
+          </c:cat>
+          <c:val>
+            <c:numRef>
+              <c:f>Лист1!$B$11:$E$11</c:f>
+              <c:numCache>
+                <c:formatCode>General</c:formatCode>
+                <c:ptCount val="4"/>
+                <c:pt idx="0">
+                  <c:v>115</c:v>
+                </c:pt>
+                <c:pt idx="1">
+                  <c:v>240</c:v>
+                </c:pt>
+                <c:pt idx="2">
+                  <c:v>86</c:v>
+                </c:pt>
+                <c:pt idx="3">
+                  <c:v>180</c:v>
+                </c:pt>
+              </c:numCache>
+            </c:numRef>
+          </c:val>
+        </c:ser>
+        <c:ser>
+          <c:idx val="9"/>
+          <c:order val="9"/>
+          <c:tx>
+            <c:strRef>
+              <c:f>Лист1!$A$12</c:f>
+              <c:strCache>
+                <c:ptCount val="1"/>
+                <c:pt idx="0">
+                  <c:v>-70</c:v>
+                </c:pt>
+              </c:strCache>
+            </c:strRef>
+          </c:tx>
+          <c:invertIfNegative val="0"/>
+          <c:cat>
+            <c:multiLvlStrRef>
+              <c:f>Лист1!$B$1:$E$2</c:f>
+              <c:multiLvlStrCache>
+                <c:ptCount val="4"/>
+                <c:lvl>
+                  <c:pt idx="0">
+                    <c:v>20MHz</c:v>
+                  </c:pt>
+                  <c:pt idx="1">
+                    <c:v>40MHz</c:v>
+                  </c:pt>
+                  <c:pt idx="2">
+                    <c:v>20MHz</c:v>
+                  </c:pt>
+                  <c:pt idx="3">
+                    <c:v>40MHz</c:v>
+                  </c:pt>
+                </c:lvl>
+                <c:lvl>
+                  <c:pt idx="0">
+                    <c:v>2.4GHz</c:v>
+                  </c:pt>
+                  <c:pt idx="1">
+                    <c:v>2.4GHz</c:v>
+                  </c:pt>
+                  <c:pt idx="2">
+                    <c:v>5GHz</c:v>
+                  </c:pt>
+                  <c:pt idx="3">
+                    <c:v>5GHz</c:v>
+                  </c:pt>
+                </c:lvl>
+              </c:multiLvlStrCache>
+            </c:multiLvlStrRef>
+          </c:cat>
+          <c:val>
+            <c:numRef>
+              <c:f>Лист1!$B$12:$E$12</c:f>
+              <c:numCache>
+                <c:formatCode>General</c:formatCode>
+                <c:ptCount val="4"/>
+                <c:pt idx="0">
+                  <c:v>86</c:v>
+                </c:pt>
+                <c:pt idx="1">
+                  <c:v>180</c:v>
+                </c:pt>
+                <c:pt idx="2">
+                  <c:v>86</c:v>
+                </c:pt>
+                <c:pt idx="3">
+                  <c:v>180</c:v>
+                </c:pt>
+              </c:numCache>
+            </c:numRef>
+          </c:val>
+        </c:ser>
+        <c:ser>
+          <c:idx val="10"/>
+          <c:order val="10"/>
+          <c:tx>
+            <c:strRef>
+              <c:f>Лист1!$A$13</c:f>
+              <c:strCache>
+                <c:ptCount val="1"/>
+                <c:pt idx="0">
+                  <c:v>-71</c:v>
+                </c:pt>
+              </c:strCache>
+            </c:strRef>
+          </c:tx>
+          <c:invertIfNegative val="0"/>
+          <c:cat>
+            <c:multiLvlStrRef>
+              <c:f>Лист1!$B$1:$E$2</c:f>
+              <c:multiLvlStrCache>
+                <c:ptCount val="4"/>
+                <c:lvl>
+                  <c:pt idx="0">
+                    <c:v>20MHz</c:v>
+                  </c:pt>
+                  <c:pt idx="1">
+                    <c:v>40MHz</c:v>
+                  </c:pt>
+                  <c:pt idx="2">
+                    <c:v>20MHz</c:v>
+                  </c:pt>
+                  <c:pt idx="3">
+                    <c:v>40MHz</c:v>
+                  </c:pt>
+                </c:lvl>
+                <c:lvl>
+                  <c:pt idx="0">
+                    <c:v>2.4GHz</c:v>
+                  </c:pt>
+                  <c:pt idx="1">
+                    <c:v>2.4GHz</c:v>
+                  </c:pt>
+                  <c:pt idx="2">
+                    <c:v>5GHz</c:v>
+                  </c:pt>
+                  <c:pt idx="3">
+                    <c:v>5GHz</c:v>
+                  </c:pt>
+                </c:lvl>
+              </c:multiLvlStrCache>
+            </c:multiLvlStrRef>
+          </c:cat>
+          <c:val>
+            <c:numRef>
+              <c:f>Лист1!$B$13:$E$13</c:f>
+              <c:numCache>
+                <c:formatCode>General</c:formatCode>
+                <c:ptCount val="4"/>
+                <c:pt idx="0">
+                  <c:v>86</c:v>
+                </c:pt>
+                <c:pt idx="1">
+                  <c:v>180</c:v>
+                </c:pt>
+                <c:pt idx="2">
+                  <c:v>57</c:v>
+                </c:pt>
+                <c:pt idx="3">
+                  <c:v>120</c:v>
+                </c:pt>
+              </c:numCache>
+            </c:numRef>
+          </c:val>
+        </c:ser>
+        <c:ser>
+          <c:idx val="11"/>
+          <c:order val="11"/>
+          <c:tx>
+            <c:strRef>
+              <c:f>Лист1!$A$14</c:f>
+              <c:strCache>
+                <c:ptCount val="1"/>
+                <c:pt idx="0">
+                  <c:v>-72</c:v>
+                </c:pt>
+              </c:strCache>
+            </c:strRef>
+          </c:tx>
+          <c:invertIfNegative val="0"/>
+          <c:cat>
+            <c:multiLvlStrRef>
+              <c:f>Лист1!$B$1:$E$2</c:f>
+              <c:multiLvlStrCache>
+                <c:ptCount val="4"/>
+                <c:lvl>
+                  <c:pt idx="0">
+                    <c:v>20MHz</c:v>
+                  </c:pt>
+                  <c:pt idx="1">
+                    <c:v>40MHz</c:v>
+                  </c:pt>
+                  <c:pt idx="2">
+                    <c:v>20MHz</c:v>
+                  </c:pt>
+                  <c:pt idx="3">
+                    <c:v>40MHz</c:v>
+                  </c:pt>
+                </c:lvl>
+                <c:lvl>
+                  <c:pt idx="0">
+                    <c:v>2.4GHz</c:v>
+                  </c:pt>
+                  <c:pt idx="1">
+                    <c:v>2.4GHz</c:v>
+                  </c:pt>
+                  <c:pt idx="2">
+                    <c:v>5GHz</c:v>
+                  </c:pt>
+                  <c:pt idx="3">
+                    <c:v>5GHz</c:v>
+                  </c:pt>
+                </c:lvl>
+              </c:multiLvlStrCache>
+            </c:multiLvlStrRef>
+          </c:cat>
+          <c:val>
+            <c:numRef>
+              <c:f>Лист1!$B$14:$E$14</c:f>
+              <c:numCache>
+                <c:formatCode>General</c:formatCode>
+                <c:ptCount val="4"/>
+                <c:pt idx="0">
+                  <c:v>86</c:v>
+                </c:pt>
+                <c:pt idx="1">
+                  <c:v>180</c:v>
+                </c:pt>
+                <c:pt idx="2">
+                  <c:v>57</c:v>
+                </c:pt>
+                <c:pt idx="3">
+                  <c:v>120</c:v>
+                </c:pt>
+              </c:numCache>
+            </c:numRef>
+          </c:val>
+        </c:ser>
+        <c:ser>
+          <c:idx val="12"/>
+          <c:order val="12"/>
+          <c:tx>
+            <c:strRef>
+              <c:f>Лист1!$A$15</c:f>
+              <c:strCache>
+                <c:ptCount val="1"/>
+                <c:pt idx="0">
+                  <c:v>-73</c:v>
+                </c:pt>
+              </c:strCache>
+            </c:strRef>
+          </c:tx>
+          <c:invertIfNegative val="0"/>
+          <c:cat>
+            <c:multiLvlStrRef>
+              <c:f>Лист1!$B$1:$E$2</c:f>
+              <c:multiLvlStrCache>
+                <c:ptCount val="4"/>
+                <c:lvl>
+                  <c:pt idx="0">
+                    <c:v>20MHz</c:v>
+                  </c:pt>
+                  <c:pt idx="1">
+                    <c:v>40MHz</c:v>
+                  </c:pt>
+                  <c:pt idx="2">
+                    <c:v>20MHz</c:v>
+                  </c:pt>
+                  <c:pt idx="3">
+                    <c:v>40MHz</c:v>
+                  </c:pt>
+                </c:lvl>
+                <c:lvl>
+                  <c:pt idx="0">
+                    <c:v>2.4GHz</c:v>
+                  </c:pt>
+                  <c:pt idx="1">
+                    <c:v>2.4GHz</c:v>
+                  </c:pt>
+                  <c:pt idx="2">
+                    <c:v>5GHz</c:v>
+                  </c:pt>
+                  <c:pt idx="3">
+                    <c:v>5GHz</c:v>
+                  </c:pt>
+                </c:lvl>
+              </c:multiLvlStrCache>
+            </c:multiLvlStrRef>
+          </c:cat>
+          <c:val>
+            <c:numRef>
+              <c:f>Лист1!$B$15:$E$15</c:f>
+              <c:numCache>
+                <c:formatCode>General</c:formatCode>
+                <c:ptCount val="4"/>
+                <c:pt idx="0">
+                  <c:v>86</c:v>
+                </c:pt>
+                <c:pt idx="1">
+                  <c:v>180</c:v>
+                </c:pt>
+                <c:pt idx="2">
+                  <c:v>57</c:v>
+                </c:pt>
+                <c:pt idx="3">
+                  <c:v>120</c:v>
+                </c:pt>
+              </c:numCache>
+            </c:numRef>
+          </c:val>
+        </c:ser>
+        <c:ser>
+          <c:idx val="13"/>
+          <c:order val="13"/>
+          <c:tx>
+            <c:strRef>
+              <c:f>Лист1!$A$16</c:f>
+              <c:strCache>
+                <c:ptCount val="1"/>
+                <c:pt idx="0">
+                  <c:v>-74</c:v>
+                </c:pt>
+              </c:strCache>
+            </c:strRef>
+          </c:tx>
+          <c:invertIfNegative val="0"/>
+          <c:cat>
+            <c:multiLvlStrRef>
+              <c:f>Лист1!$B$1:$E$2</c:f>
+              <c:multiLvlStrCache>
+                <c:ptCount val="4"/>
+                <c:lvl>
+                  <c:pt idx="0">
+                    <c:v>20MHz</c:v>
+                  </c:pt>
+                  <c:pt idx="1">
+                    <c:v>40MHz</c:v>
+                  </c:pt>
+                  <c:pt idx="2">
+                    <c:v>20MHz</c:v>
+                  </c:pt>
+                  <c:pt idx="3">
+                    <c:v>40MHz</c:v>
+                  </c:pt>
+                </c:lvl>
+                <c:lvl>
+                  <c:pt idx="0">
+                    <c:v>2.4GHz</c:v>
+                  </c:pt>
+                  <c:pt idx="1">
+                    <c:v>2.4GHz</c:v>
+                  </c:pt>
+                  <c:pt idx="2">
+                    <c:v>5GHz</c:v>
+                  </c:pt>
+                  <c:pt idx="3">
+                    <c:v>5GHz</c:v>
+                  </c:pt>
+                </c:lvl>
+              </c:multiLvlStrCache>
+            </c:multiLvlStrRef>
+          </c:cat>
+          <c:val>
+            <c:numRef>
+              <c:f>Лист1!$B$16:$E$16</c:f>
+              <c:numCache>
+                <c:formatCode>General</c:formatCode>
+                <c:ptCount val="4"/>
+                <c:pt idx="0">
+                  <c:v>57</c:v>
+                </c:pt>
+                <c:pt idx="1">
+                  <c:v>120</c:v>
+                </c:pt>
+                <c:pt idx="2">
+                  <c:v>43</c:v>
+                </c:pt>
+                <c:pt idx="3">
+                  <c:v>90</c:v>
+                </c:pt>
+              </c:numCache>
+            </c:numRef>
+          </c:val>
+        </c:ser>
+        <c:ser>
+          <c:idx val="14"/>
+          <c:order val="14"/>
+          <c:tx>
+            <c:strRef>
+              <c:f>Лист1!$A$17</c:f>
+              <c:strCache>
+                <c:ptCount val="1"/>
+                <c:pt idx="0">
+                  <c:v>-75</c:v>
+                </c:pt>
+              </c:strCache>
+            </c:strRef>
+          </c:tx>
+          <c:invertIfNegative val="0"/>
+          <c:cat>
+            <c:multiLvlStrRef>
+              <c:f>Лист1!$B$1:$E$2</c:f>
+              <c:multiLvlStrCache>
+                <c:ptCount val="4"/>
+                <c:lvl>
+                  <c:pt idx="0">
+                    <c:v>20MHz</c:v>
+                  </c:pt>
+                  <c:pt idx="1">
+                    <c:v>40MHz</c:v>
+                  </c:pt>
+                  <c:pt idx="2">
+                    <c:v>20MHz</c:v>
+                  </c:pt>
+                  <c:pt idx="3">
+                    <c:v>40MHz</c:v>
+                  </c:pt>
+                </c:lvl>
+                <c:lvl>
+                  <c:pt idx="0">
+                    <c:v>2.4GHz</c:v>
+                  </c:pt>
+                  <c:pt idx="1">
+                    <c:v>2.4GHz</c:v>
+                  </c:pt>
+                  <c:pt idx="2">
+                    <c:v>5GHz</c:v>
+                  </c:pt>
+                  <c:pt idx="3">
+                    <c:v>5GHz</c:v>
+                  </c:pt>
+                </c:lvl>
+              </c:multiLvlStrCache>
+            </c:multiLvlStrRef>
+          </c:cat>
+          <c:val>
+            <c:numRef>
+              <c:f>Лист1!$B$17:$E$17</c:f>
+              <c:numCache>
+                <c:formatCode>General</c:formatCode>
+                <c:ptCount val="4"/>
+                <c:pt idx="0">
+                  <c:v>57</c:v>
+                </c:pt>
+                <c:pt idx="1">
+                  <c:v>120</c:v>
+                </c:pt>
+                <c:pt idx="2">
+                  <c:v>43</c:v>
+                </c:pt>
+                <c:pt idx="3">
+                  <c:v>90</c:v>
+                </c:pt>
+              </c:numCache>
+            </c:numRef>
+          </c:val>
+        </c:ser>
+        <c:ser>
+          <c:idx val="15"/>
+          <c:order val="15"/>
+          <c:tx>
+            <c:strRef>
+              <c:f>Лист1!$A$18</c:f>
+              <c:strCache>
+                <c:ptCount val="1"/>
+                <c:pt idx="0">
+                  <c:v>-76</c:v>
+                </c:pt>
+              </c:strCache>
+            </c:strRef>
+          </c:tx>
+          <c:invertIfNegative val="0"/>
+          <c:cat>
+            <c:multiLvlStrRef>
+              <c:f>Лист1!$B$1:$E$2</c:f>
+              <c:multiLvlStrCache>
+                <c:ptCount val="4"/>
+                <c:lvl>
+                  <c:pt idx="0">
+                    <c:v>20MHz</c:v>
+                  </c:pt>
+                  <c:pt idx="1">
+                    <c:v>40MHz</c:v>
+                  </c:pt>
+                  <c:pt idx="2">
+                    <c:v>20MHz</c:v>
+                  </c:pt>
+                  <c:pt idx="3">
+                    <c:v>40MHz</c:v>
+                  </c:pt>
+                </c:lvl>
+                <c:lvl>
+                  <c:pt idx="0">
+                    <c:v>2.4GHz</c:v>
+                  </c:pt>
+                  <c:pt idx="1">
+                    <c:v>2.4GHz</c:v>
+                  </c:pt>
+                  <c:pt idx="2">
+                    <c:v>5GHz</c:v>
+                  </c:pt>
+                  <c:pt idx="3">
+                    <c:v>5GHz</c:v>
+                  </c:pt>
+                </c:lvl>
+              </c:multiLvlStrCache>
+            </c:multiLvlStrRef>
+          </c:cat>
+          <c:val>
+            <c:numRef>
+              <c:f>Лист1!$B$18:$E$18</c:f>
+              <c:numCache>
+                <c:formatCode>General</c:formatCode>
+                <c:ptCount val="4"/>
+                <c:pt idx="0">
+                  <c:v>57</c:v>
+                </c:pt>
+                <c:pt idx="1">
+                  <c:v>120</c:v>
+                </c:pt>
+                <c:pt idx="2">
+                  <c:v>28</c:v>
+                </c:pt>
+                <c:pt idx="3">
+                  <c:v>60</c:v>
+                </c:pt>
+              </c:numCache>
+            </c:numRef>
+          </c:val>
+        </c:ser>
+        <c:ser>
+          <c:idx val="16"/>
+          <c:order val="16"/>
+          <c:tx>
+            <c:strRef>
+              <c:f>Лист1!$A$19</c:f>
+              <c:strCache>
+                <c:ptCount val="1"/>
+                <c:pt idx="0">
+                  <c:v>-77</c:v>
+                </c:pt>
+              </c:strCache>
+            </c:strRef>
+          </c:tx>
+          <c:invertIfNegative val="0"/>
+          <c:cat>
+            <c:multiLvlStrRef>
+              <c:f>Лист1!$B$1:$E$2</c:f>
+              <c:multiLvlStrCache>
+                <c:ptCount val="4"/>
+                <c:lvl>
+                  <c:pt idx="0">
+                    <c:v>20MHz</c:v>
+                  </c:pt>
+                  <c:pt idx="1">
+                    <c:v>40MHz</c:v>
+                  </c:pt>
+                  <c:pt idx="2">
+                    <c:v>20MHz</c:v>
+                  </c:pt>
+                  <c:pt idx="3">
+                    <c:v>40MHz</c:v>
+                  </c:pt>
+                </c:lvl>
+                <c:lvl>
+                  <c:pt idx="0">
+                    <c:v>2.4GHz</c:v>
+                  </c:pt>
+                  <c:pt idx="1">
+                    <c:v>2.4GHz</c:v>
+                  </c:pt>
+                  <c:pt idx="2">
+                    <c:v>5GHz</c:v>
+                  </c:pt>
+                  <c:pt idx="3">
+                    <c:v>5GHz</c:v>
+                  </c:pt>
+                </c:lvl>
+              </c:multiLvlStrCache>
+            </c:multiLvlStrRef>
+          </c:cat>
+          <c:val>
+            <c:numRef>
+              <c:f>Лист1!$B$19:$E$19</c:f>
+              <c:numCache>
+                <c:formatCode>General</c:formatCode>
+                <c:ptCount val="4"/>
+                <c:pt idx="0">
+                  <c:v>43</c:v>
+                </c:pt>
+                <c:pt idx="1">
+                  <c:v>90</c:v>
+                </c:pt>
+                <c:pt idx="2">
+                  <c:v>28</c:v>
+                </c:pt>
+                <c:pt idx="3">
+                  <c:v>60</c:v>
+                </c:pt>
+              </c:numCache>
+            </c:numRef>
+          </c:val>
+        </c:ser>
+        <c:ser>
+          <c:idx val="17"/>
+          <c:order val="17"/>
+          <c:tx>
+            <c:strRef>
+              <c:f>Лист1!$A$20</c:f>
+              <c:strCache>
+                <c:ptCount val="1"/>
+                <c:pt idx="0">
+                  <c:v>-78</c:v>
+                </c:pt>
+              </c:strCache>
+            </c:strRef>
+          </c:tx>
+          <c:invertIfNegative val="0"/>
+          <c:cat>
+            <c:multiLvlStrRef>
+              <c:f>Лист1!$B$1:$E$2</c:f>
+              <c:multiLvlStrCache>
+                <c:ptCount val="4"/>
+                <c:lvl>
+                  <c:pt idx="0">
+                    <c:v>20MHz</c:v>
+                  </c:pt>
+                  <c:pt idx="1">
+                    <c:v>40MHz</c:v>
+                  </c:pt>
+                  <c:pt idx="2">
+                    <c:v>20MHz</c:v>
+                  </c:pt>
+                  <c:pt idx="3">
+                    <c:v>40MHz</c:v>
+                  </c:pt>
+                </c:lvl>
+                <c:lvl>
+                  <c:pt idx="0">
+                    <c:v>2.4GHz</c:v>
+                  </c:pt>
+                  <c:pt idx="1">
+                    <c:v>2.4GHz</c:v>
+                  </c:pt>
+                  <c:pt idx="2">
+                    <c:v>5GHz</c:v>
+                  </c:pt>
+                  <c:pt idx="3">
+                    <c:v>5GHz</c:v>
+                  </c:pt>
+                </c:lvl>
+              </c:multiLvlStrCache>
+            </c:multiLvlStrRef>
+          </c:cat>
+          <c:val>
+            <c:numRef>
+              <c:f>Лист1!$B$20:$E$20</c:f>
+              <c:numCache>
+                <c:formatCode>General</c:formatCode>
+                <c:ptCount val="4"/>
+                <c:pt idx="0">
+                  <c:v>43</c:v>
+                </c:pt>
+                <c:pt idx="1">
+                  <c:v>90</c:v>
+                </c:pt>
+                <c:pt idx="2">
+                  <c:v>28</c:v>
+                </c:pt>
+                <c:pt idx="3">
+                  <c:v>60</c:v>
+                </c:pt>
+              </c:numCache>
+            </c:numRef>
+          </c:val>
+        </c:ser>
+        <c:ser>
+          <c:idx val="18"/>
+          <c:order val="18"/>
+          <c:tx>
+            <c:strRef>
+              <c:f>Лист1!$A$21</c:f>
+              <c:strCache>
+                <c:ptCount val="1"/>
+                <c:pt idx="0">
+                  <c:v>-79</c:v>
+                </c:pt>
+              </c:strCache>
+            </c:strRef>
+          </c:tx>
+          <c:invertIfNegative val="0"/>
+          <c:cat>
+            <c:multiLvlStrRef>
+              <c:f>Лист1!$B$1:$E$2</c:f>
+              <c:multiLvlStrCache>
+                <c:ptCount val="4"/>
+                <c:lvl>
+                  <c:pt idx="0">
+                    <c:v>20MHz</c:v>
+                  </c:pt>
+                  <c:pt idx="1">
+                    <c:v>40MHz</c:v>
+                  </c:pt>
+                  <c:pt idx="2">
+                    <c:v>20MHz</c:v>
+                  </c:pt>
+                  <c:pt idx="3">
+                    <c:v>40MHz</c:v>
+                  </c:pt>
+                </c:lvl>
+                <c:lvl>
+                  <c:pt idx="0">
+                    <c:v>2.4GHz</c:v>
+                  </c:pt>
+                  <c:pt idx="1">
+                    <c:v>2.4GHz</c:v>
+                  </c:pt>
+                  <c:pt idx="2">
+                    <c:v>5GHz</c:v>
+                  </c:pt>
+                  <c:pt idx="3">
+                    <c:v>5GHz</c:v>
+                  </c:pt>
+                </c:lvl>
+              </c:multiLvlStrCache>
+            </c:multiLvlStrRef>
+          </c:cat>
+          <c:val>
+            <c:numRef>
+              <c:f>Лист1!$B$21:$E$21</c:f>
+              <c:numCache>
+                <c:formatCode>General</c:formatCode>
+                <c:ptCount val="4"/>
+                <c:pt idx="0">
+                  <c:v>28</c:v>
+                </c:pt>
+                <c:pt idx="1">
+                  <c:v>60</c:v>
+                </c:pt>
+                <c:pt idx="2">
+                  <c:v>14</c:v>
+                </c:pt>
+                <c:pt idx="3">
+                  <c:v>30</c:v>
+                </c:pt>
+              </c:numCache>
+            </c:numRef>
+          </c:val>
+        </c:ser>
+        <c:ser>
+          <c:idx val="19"/>
+          <c:order val="19"/>
+          <c:tx>
+            <c:strRef>
+              <c:f>Лист1!$A$22</c:f>
+              <c:strCache>
+                <c:ptCount val="1"/>
+                <c:pt idx="0">
+                  <c:v>-80</c:v>
+                </c:pt>
+              </c:strCache>
+            </c:strRef>
+          </c:tx>
+          <c:invertIfNegative val="0"/>
+          <c:cat>
+            <c:multiLvlStrRef>
+              <c:f>Лист1!$B$1:$E$2</c:f>
+              <c:multiLvlStrCache>
+                <c:ptCount val="4"/>
+                <c:lvl>
+                  <c:pt idx="0">
+                    <c:v>20MHz</c:v>
+                  </c:pt>
+                  <c:pt idx="1">
+                    <c:v>40MHz</c:v>
+                  </c:pt>
+                  <c:pt idx="2">
+                    <c:v>20MHz</c:v>
+                  </c:pt>
+                  <c:pt idx="3">
+                    <c:v>40MHz</c:v>
+                  </c:pt>
+                </c:lvl>
+                <c:lvl>
+                  <c:pt idx="0">
+                    <c:v>2.4GHz</c:v>
+                  </c:pt>
+                  <c:pt idx="1">
+                    <c:v>2.4GHz</c:v>
+                  </c:pt>
+                  <c:pt idx="2">
+                    <c:v>5GHz</c:v>
+                  </c:pt>
+                  <c:pt idx="3">
+                    <c:v>5GHz</c:v>
+                  </c:pt>
+                </c:lvl>
+              </c:multiLvlStrCache>
+            </c:multiLvlStrRef>
+          </c:cat>
+          <c:val>
+            <c:numRef>
+              <c:f>Лист1!$B$22:$E$22</c:f>
+              <c:numCache>
+                <c:formatCode>General</c:formatCode>
+                <c:ptCount val="4"/>
+                <c:pt idx="0">
+                  <c:v>28</c:v>
+                </c:pt>
+                <c:pt idx="1">
+                  <c:v>60</c:v>
+                </c:pt>
+                <c:pt idx="2">
+                  <c:v>14</c:v>
+                </c:pt>
+                <c:pt idx="3">
+                  <c:v>30</c:v>
+                </c:pt>
+              </c:numCache>
+            </c:numRef>
+          </c:val>
+        </c:ser>
+        <c:ser>
+          <c:idx val="20"/>
+          <c:order val="20"/>
+          <c:tx>
+            <c:strRef>
+              <c:f>Лист1!$A$23</c:f>
+              <c:strCache>
+                <c:ptCount val="1"/>
+                <c:pt idx="0">
+                  <c:v>-81</c:v>
+                </c:pt>
+              </c:strCache>
+            </c:strRef>
+          </c:tx>
+          <c:invertIfNegative val="0"/>
+          <c:cat>
+            <c:multiLvlStrRef>
+              <c:f>Лист1!$B$1:$E$2</c:f>
+              <c:multiLvlStrCache>
+                <c:ptCount val="4"/>
+                <c:lvl>
+                  <c:pt idx="0">
+                    <c:v>20MHz</c:v>
+                  </c:pt>
+                  <c:pt idx="1">
+                    <c:v>40MHz</c:v>
+                  </c:pt>
+                  <c:pt idx="2">
+                    <c:v>20MHz</c:v>
+                  </c:pt>
+                  <c:pt idx="3">
+                    <c:v>40MHz</c:v>
+                  </c:pt>
+                </c:lvl>
+                <c:lvl>
+                  <c:pt idx="0">
+                    <c:v>2.4GHz</c:v>
+                  </c:pt>
+                  <c:pt idx="1">
+                    <c:v>2.4GHz</c:v>
+                  </c:pt>
+                  <c:pt idx="2">
+                    <c:v>5GHz</c:v>
+                  </c:pt>
+                  <c:pt idx="3">
+                    <c:v>5GHz</c:v>
+                  </c:pt>
+                </c:lvl>
+              </c:multiLvlStrCache>
+            </c:multiLvlStrRef>
+          </c:cat>
+          <c:val>
+            <c:numRef>
+              <c:f>Лист1!$B$23:$E$23</c:f>
+              <c:numCache>
+                <c:formatCode>General</c:formatCode>
+                <c:ptCount val="4"/>
+                <c:pt idx="0">
+                  <c:v>28</c:v>
+                </c:pt>
+                <c:pt idx="1">
+                  <c:v>60</c:v>
+                </c:pt>
+                <c:pt idx="2">
+                  <c:v>14</c:v>
+                </c:pt>
+                <c:pt idx="3">
+                  <c:v>30</c:v>
+                </c:pt>
+              </c:numCache>
+            </c:numRef>
+          </c:val>
+        </c:ser>
+        <c:ser>
+          <c:idx val="21"/>
+          <c:order val="21"/>
+          <c:tx>
+            <c:strRef>
+              <c:f>Лист1!$A$24</c:f>
+              <c:strCache>
+                <c:ptCount val="1"/>
+                <c:pt idx="0">
+                  <c:v>-82</c:v>
+                </c:pt>
+              </c:strCache>
+            </c:strRef>
+          </c:tx>
+          <c:invertIfNegative val="0"/>
+          <c:cat>
+            <c:multiLvlStrRef>
+              <c:f>Лист1!$B$1:$E$2</c:f>
+              <c:multiLvlStrCache>
+                <c:ptCount val="4"/>
+                <c:lvl>
+                  <c:pt idx="0">
+                    <c:v>20MHz</c:v>
+                  </c:pt>
+                  <c:pt idx="1">
+                    <c:v>40MHz</c:v>
+                  </c:pt>
+                  <c:pt idx="2">
+                    <c:v>20MHz</c:v>
+                  </c:pt>
+                  <c:pt idx="3">
+                    <c:v>40MHz</c:v>
+                  </c:pt>
+                </c:lvl>
+                <c:lvl>
+                  <c:pt idx="0">
+                    <c:v>2.4GHz</c:v>
+                  </c:pt>
+                  <c:pt idx="1">
+                    <c:v>2.4GHz</c:v>
+                  </c:pt>
+                  <c:pt idx="2">
+                    <c:v>5GHz</c:v>
+                  </c:pt>
+                  <c:pt idx="3">
+                    <c:v>5GHz</c:v>
+                  </c:pt>
+                </c:lvl>
+              </c:multiLvlStrCache>
+            </c:multiLvlStrRef>
+          </c:cat>
+          <c:val>
+            <c:numRef>
+              <c:f>Лист1!$B$24:$E$24</c:f>
+              <c:numCache>
+                <c:formatCode>General</c:formatCode>
+                <c:ptCount val="4"/>
+                <c:pt idx="0">
+                  <c:v>14</c:v>
+                </c:pt>
+                <c:pt idx="1">
+                  <c:v>30</c:v>
+                </c:pt>
+                <c:pt idx="2">
+                  <c:v>14</c:v>
+                </c:pt>
+                <c:pt idx="3">
+                  <c:v>30</c:v>
+                </c:pt>
+              </c:numCache>
+            </c:numRef>
+          </c:val>
+        </c:ser>
+        <c:dLbls>
+          <c:showLegendKey val="0"/>
+          <c:showVal val="0"/>
+          <c:showCatName val="0"/>
+          <c:showSerName val="0"/>
+          <c:showPercent val="0"/>
+          <c:showBubbleSize val="0"/>
+        </c:dLbls>
+        <c:gapWidth val="150"/>
+        <c:axId val="128315392"/>
+        <c:axId val="182283648"/>
+      </c:barChart>
+      <c:catAx>
+        <c:axId val="128315392"/>
+        <c:scaling>
+          <c:orientation val="minMax"/>
+        </c:scaling>
+        <c:delete val="0"/>
+        <c:axPos val="l"/>
+        <c:numFmt formatCode="General" sourceLinked="1"/>
+        <c:majorTickMark val="none"/>
+        <c:minorTickMark val="none"/>
+        <c:tickLblPos val="nextTo"/>
+        <c:crossAx val="182283648"/>
+        <c:crosses val="autoZero"/>
+        <c:auto val="1"/>
+        <c:lblAlgn val="ctr"/>
+        <c:lblOffset val="100"/>
+        <c:noMultiLvlLbl val="0"/>
+      </c:catAx>
+      <c:valAx>
+        <c:axId val="182283648"/>
+        <c:scaling>
+          <c:orientation val="minMax"/>
+        </c:scaling>
+        <c:delete val="0"/>
+        <c:axPos val="b"/>
+        <c:majorGridlines/>
+        <c:numFmt formatCode="General" sourceLinked="1"/>
+        <c:majorTickMark val="none"/>
+        <c:minorTickMark val="none"/>
+        <c:tickLblPos val="nextTo"/>
+        <c:crossAx val="128315392"/>
+        <c:crosses val="autoZero"/>
+        <c:crossBetween val="between"/>
+      </c:valAx>
+    </c:plotArea>
+    <c:legend>
+      <c:legendPos val="r"/>
+      <c:layout/>
+      <c:overlay val="0"/>
+    </c:legend>
+    <c:plotVisOnly val="1"/>
+    <c:dispBlanksAs val="gap"/>
+    <c:showDLblsOverMax val="0"/>
+  </c:chart>
+  <c:externalData r:id="rId1">
+    <c:autoUpdate val="0"/>
+  </c:externalData>
+</c:chartSpace>
 </file>
 
 <file path=ppt/handoutMasters/handoutMaster1.xml><?xml version="1.0" encoding="utf-8"?>
@@ -5367,238 +7078,6 @@
           <a:chExt cx="0" cy="0"/>
         </a:xfrm>
       </p:grpSpPr>
-      <p:sp>
-        <p:nvSpPr>
-          <p:cNvPr id="2" name="Content Placeholder 1"/>
-          <p:cNvSpPr>
-            <a:spLocks noGrp="1"/>
-          </p:cNvSpPr>
-          <p:nvPr>
-            <p:ph idx="1"/>
-          </p:nvPr>
-        </p:nvSpPr>
-        <p:spPr/>
-        <p:txBody>
-          <a:bodyPr/>
-          <a:lstStyle/>
-          <a:p>
-            <a:pPr algn="l"/>
-            <a:endParaRPr lang="en-US" dirty="0"/>
-          </a:p>
-        </p:txBody>
-      </p:sp>
-      <p:sp>
-        <p:nvSpPr>
-          <p:cNvPr id="3" name="Title 2"/>
-          <p:cNvSpPr>
-            <a:spLocks noGrp="1"/>
-          </p:cNvSpPr>
-          <p:nvPr>
-            <p:ph type="title"/>
-          </p:nvPr>
-        </p:nvSpPr>
-        <p:spPr/>
-        <p:txBody>
-          <a:bodyPr/>
-          <a:lstStyle/>
-          <a:p>
-            <a:pPr rtl="1"/>
-            <a:r>
-              <a:rPr lang="en-US" dirty="0"/>
-              <a:t>Conclusions </a:t>
-            </a:r>
-            <a:br>
-              <a:rPr lang="en-US" dirty="0"/>
-            </a:br>
-            <a:endParaRPr lang="en-US" dirty="0"/>
-          </a:p>
-        </p:txBody>
-      </p:sp>
-    </p:spTree>
-    <p:extLst>
-      <p:ext uri="{BB962C8B-B14F-4D97-AF65-F5344CB8AC3E}">
-        <p14:creationId xmlns:p14="http://schemas.microsoft.com/office/powerpoint/2010/main" val="1441071697"/>
-      </p:ext>
-    </p:extLst>
-  </p:cSld>
-  <p:clrMapOvr>
-    <a:masterClrMapping/>
-  </p:clrMapOvr>
-</p:sld>
-</file>
-
-<file path=ppt/slides/slide12.xml><?xml version="1.0" encoding="utf-8"?>
-<p:sld xmlns:a="http://schemas.openxmlformats.org/drawingml/2006/main" xmlns:r="http://schemas.openxmlformats.org/officeDocument/2006/relationships" xmlns:p="http://schemas.openxmlformats.org/presentationml/2006/main">
-  <p:cSld>
-    <p:spTree>
-      <p:nvGrpSpPr>
-        <p:cNvPr id="1" name=""/>
-        <p:cNvGrpSpPr/>
-        <p:nvPr/>
-      </p:nvGrpSpPr>
-      <p:grpSpPr>
-        <a:xfrm>
-          <a:off x="0" y="0"/>
-          <a:ext cx="0" cy="0"/>
-          <a:chOff x="0" y="0"/>
-          <a:chExt cx="0" cy="0"/>
-        </a:xfrm>
-      </p:grpSpPr>
-      <p:sp>
-        <p:nvSpPr>
-          <p:cNvPr id="2" name="Content Placeholder 1"/>
-          <p:cNvSpPr>
-            <a:spLocks noGrp="1"/>
-          </p:cNvSpPr>
-          <p:nvPr>
-            <p:ph idx="1"/>
-          </p:nvPr>
-        </p:nvSpPr>
-        <p:spPr/>
-        <p:txBody>
-          <a:bodyPr/>
-          <a:lstStyle/>
-          <a:p>
-            <a:pPr algn="r" rtl="1"/>
-            <a:endParaRPr lang="en-US" dirty="0"/>
-          </a:p>
-        </p:txBody>
-      </p:sp>
-      <p:sp>
-        <p:nvSpPr>
-          <p:cNvPr id="3" name="Title 2"/>
-          <p:cNvSpPr>
-            <a:spLocks noGrp="1"/>
-          </p:cNvSpPr>
-          <p:nvPr>
-            <p:ph type="title"/>
-          </p:nvPr>
-        </p:nvSpPr>
-        <p:spPr/>
-        <p:txBody>
-          <a:bodyPr/>
-          <a:lstStyle/>
-          <a:p>
-            <a:pPr rtl="1"/>
-            <a:r>
-              <a:rPr lang="en-US" dirty="0" smtClean="0"/>
-              <a:t>Questions</a:t>
-            </a:r>
-            <a:endParaRPr lang="en-US" dirty="0"/>
-          </a:p>
-        </p:txBody>
-      </p:sp>
-    </p:spTree>
-    <p:extLst>
-      <p:ext uri="{BB962C8B-B14F-4D97-AF65-F5344CB8AC3E}">
-        <p14:creationId xmlns:p14="http://schemas.microsoft.com/office/powerpoint/2010/main" val="1441071697"/>
-      </p:ext>
-    </p:extLst>
-  </p:cSld>
-  <p:clrMapOvr>
-    <a:masterClrMapping/>
-  </p:clrMapOvr>
-</p:sld>
-</file>
-
-<file path=ppt/slides/slide13.xml><?xml version="1.0" encoding="utf-8"?>
-<p:sld xmlns:a="http://schemas.openxmlformats.org/drawingml/2006/main" xmlns:r="http://schemas.openxmlformats.org/officeDocument/2006/relationships" xmlns:p="http://schemas.openxmlformats.org/presentationml/2006/main">
-  <p:cSld>
-    <p:spTree>
-      <p:nvGrpSpPr>
-        <p:cNvPr id="1" name=""/>
-        <p:cNvGrpSpPr/>
-        <p:nvPr/>
-      </p:nvGrpSpPr>
-      <p:grpSpPr>
-        <a:xfrm>
-          <a:off x="0" y="0"/>
-          <a:ext cx="0" cy="0"/>
-          <a:chOff x="0" y="0"/>
-          <a:chExt cx="0" cy="0"/>
-        </a:xfrm>
-      </p:grpSpPr>
-      <p:sp>
-        <p:nvSpPr>
-          <p:cNvPr id="2" name="Content Placeholder 1"/>
-          <p:cNvSpPr>
-            <a:spLocks noGrp="1"/>
-          </p:cNvSpPr>
-          <p:nvPr>
-            <p:ph idx="1"/>
-          </p:nvPr>
-        </p:nvSpPr>
-        <p:spPr/>
-        <p:txBody>
-          <a:bodyPr/>
-          <a:lstStyle/>
-          <a:p>
-            <a:pPr algn="r" rtl="1"/>
-            <a:endParaRPr lang="en-US" dirty="0"/>
-          </a:p>
-        </p:txBody>
-      </p:sp>
-      <p:sp>
-        <p:nvSpPr>
-          <p:cNvPr id="3" name="Title 2"/>
-          <p:cNvSpPr>
-            <a:spLocks noGrp="1"/>
-          </p:cNvSpPr>
-          <p:nvPr>
-            <p:ph type="title"/>
-          </p:nvPr>
-        </p:nvSpPr>
-        <p:spPr/>
-        <p:txBody>
-          <a:bodyPr/>
-          <a:lstStyle/>
-          <a:p>
-            <a:pPr rtl="1"/>
-            <a:r>
-              <a:rPr lang="en-US" dirty="0" smtClean="0"/>
-              <a:t>Simulator demo</a:t>
-            </a:r>
-            <a:endParaRPr lang="en-US" dirty="0"/>
-          </a:p>
-        </p:txBody>
-      </p:sp>
-    </p:spTree>
-    <p:extLst>
-      <p:ext uri="{BB962C8B-B14F-4D97-AF65-F5344CB8AC3E}">
-        <p14:creationId xmlns:p14="http://schemas.microsoft.com/office/powerpoint/2010/main" val="1441071697"/>
-      </p:ext>
-    </p:extLst>
-  </p:cSld>
-  <p:clrMapOvr>
-    <a:masterClrMapping/>
-  </p:clrMapOvr>
-  <p:timing>
-    <p:tnLst>
-      <p:par>
-        <p:cTn id="1" dur="indefinite" restart="never" nodeType="tmRoot"/>
-      </p:par>
-    </p:tnLst>
-  </p:timing>
-</p:sld>
-</file>
-
-<file path=ppt/slides/slide14.xml><?xml version="1.0" encoding="utf-8"?>
-<p:sld xmlns:a="http://schemas.openxmlformats.org/drawingml/2006/main" xmlns:r="http://schemas.openxmlformats.org/officeDocument/2006/relationships" xmlns:p="http://schemas.openxmlformats.org/presentationml/2006/main">
-  <p:cSld>
-    <p:spTree>
-      <p:nvGrpSpPr>
-        <p:cNvPr id="1" name=""/>
-        <p:cNvGrpSpPr/>
-        <p:nvPr/>
-      </p:nvGrpSpPr>
-      <p:grpSpPr>
-        <a:xfrm>
-          <a:off x="0" y="0"/>
-          <a:ext cx="0" cy="0"/>
-          <a:chOff x="0" y="0"/>
-          <a:chExt cx="0" cy="0"/>
-        </a:xfrm>
-      </p:grpSpPr>
       <p:graphicFrame>
         <p:nvGraphicFramePr>
           <p:cNvPr id="2" name="Content Placeholder 1"/>
@@ -5622,7 +7101,7 @@
           <a:graphicData uri="http://schemas.openxmlformats.org/presentationml/2006/ole">
             <mc:AlternateContent xmlns:mc="http://schemas.openxmlformats.org/markup-compatibility/2006">
               <mc:Choice xmlns:v="urn:schemas-microsoft-com:vml" Requires="v">
-                <p:oleObj spid="_x0000_s1030" name="Visio" r:id="rId3" imgW="9147060" imgH="7289860" progId="Visio.Drawing.11">
+                <p:oleObj spid="_x0000_s1047" name="Visio" r:id="rId3" imgW="9147060" imgH="7289860" progId="Visio.Drawing.11">
                   <p:embed/>
                 </p:oleObj>
               </mc:Choice>
@@ -5665,8 +7144,8 @@
         </p:nvSpPr>
         <p:spPr>
           <a:xfrm>
-            <a:off x="4495800" y="1135474"/>
-            <a:ext cx="4114800" cy="4401205"/>
+            <a:off x="4343400" y="1135474"/>
+            <a:ext cx="4572000" cy="4478149"/>
           </a:xfrm>
           <a:prstGeom prst="rect">
             <a:avLst/>
@@ -5680,106 +7159,199 @@
           <a:lstStyle/>
           <a:p>
             <a:pPr marL="285750" indent="-285750">
+              <a:spcBef>
+                <a:spcPts val="600"/>
+              </a:spcBef>
               <a:buFont typeface="Arial" pitchFamily="34" charset="0"/>
               <a:buChar char="•"/>
             </a:pPr>
             <a:r>
-              <a:rPr lang="en-US" sz="2800" dirty="0" smtClean="0"/>
-              <a:t>Radius Calculation</a:t>
-            </a:r>
-            <a:endParaRPr lang="en-US" sz="2800" dirty="0" smtClean="0"/>
+              <a:rPr lang="en-US" sz="2400" dirty="0">
+                <a:latin typeface="Arial" pitchFamily="34" charset="0"/>
+                <a:cs typeface="Arial" pitchFamily="34" charset="0"/>
+              </a:rPr>
+              <a:t>Rx/</a:t>
+            </a:r>
+            <a:r>
+              <a:rPr lang="en-US" sz="2400" dirty="0" err="1">
+                <a:latin typeface="Arial" pitchFamily="34" charset="0"/>
+                <a:cs typeface="Arial" pitchFamily="34" charset="0"/>
+              </a:rPr>
+              <a:t>Tx</a:t>
+            </a:r>
+            <a:r>
+              <a:rPr lang="en-US" sz="2400" dirty="0">
+                <a:latin typeface="Arial" pitchFamily="34" charset="0"/>
+                <a:cs typeface="Arial" pitchFamily="34" charset="0"/>
+              </a:rPr>
+              <a:t> e</a:t>
+            </a:r>
+            <a:r>
+              <a:rPr lang="en-US" sz="2400" dirty="0" smtClean="0">
+                <a:latin typeface="Arial" pitchFamily="34" charset="0"/>
+                <a:cs typeface="Arial" pitchFamily="34" charset="0"/>
+              </a:rPr>
+              <a:t>mulation over Medium</a:t>
+            </a:r>
+            <a:endParaRPr lang="en-US" sz="2400" dirty="0">
+              <a:latin typeface="Arial" pitchFamily="34" charset="0"/>
+              <a:cs typeface="Arial" pitchFamily="34" charset="0"/>
+            </a:endParaRPr>
           </a:p>
           <a:p>
             <a:pPr marL="285750" indent="-285750">
+              <a:spcBef>
+                <a:spcPts val="600"/>
+              </a:spcBef>
               <a:buFont typeface="Arial" pitchFamily="34" charset="0"/>
               <a:buChar char="•"/>
             </a:pPr>
-            <a:endParaRPr lang="en-US" sz="2800" dirty="0" smtClean="0"/>
+            <a:r>
+              <a:rPr lang="en-US" sz="2400" dirty="0" smtClean="0">
+                <a:latin typeface="Arial" pitchFamily="34" charset="0"/>
+                <a:cs typeface="Arial" pitchFamily="34" charset="0"/>
+              </a:rPr>
+              <a:t>Radius Calculation</a:t>
+            </a:r>
           </a:p>
           <a:p>
             <a:pPr marL="285750" indent="-285750">
+              <a:spcBef>
+                <a:spcPts val="600"/>
+              </a:spcBef>
               <a:buFont typeface="Arial" pitchFamily="34" charset="0"/>
               <a:buChar char="•"/>
             </a:pPr>
             <a:r>
-              <a:rPr lang="en-US" sz="2800" dirty="0" smtClean="0"/>
-              <a:t>Ds</a:t>
+              <a:rPr lang="en-US" sz="2400" dirty="0" smtClean="0">
+                <a:latin typeface="Arial" pitchFamily="34" charset="0"/>
+                <a:cs typeface="Arial" pitchFamily="34" charset="0"/>
+              </a:rPr>
+              <a:t>Multiple Channel support</a:t>
             </a:r>
           </a:p>
           <a:p>
             <a:pPr marL="285750" indent="-285750">
+              <a:spcBef>
+                <a:spcPts val="600"/>
+              </a:spcBef>
               <a:buFont typeface="Arial" pitchFamily="34" charset="0"/>
               <a:buChar char="•"/>
             </a:pPr>
             <a:r>
-              <a:rPr lang="en-US" sz="2800" dirty="0" err="1" smtClean="0"/>
-              <a:t>Df</a:t>
-            </a:r>
-            <a:endParaRPr lang="en-US" sz="2800" dirty="0" smtClean="0"/>
+              <a:rPr lang="en-US" sz="2400" dirty="0" smtClean="0">
+                <a:latin typeface="Arial" pitchFamily="34" charset="0"/>
+                <a:cs typeface="Arial" pitchFamily="34" charset="0"/>
+              </a:rPr>
+              <a:t>Dual Band support</a:t>
+            </a:r>
           </a:p>
           <a:p>
             <a:pPr marL="285750" indent="-285750">
+              <a:spcBef>
+                <a:spcPts val="600"/>
+              </a:spcBef>
               <a:buFont typeface="Arial" pitchFamily="34" charset="0"/>
               <a:buChar char="•"/>
             </a:pPr>
             <a:r>
-              <a:rPr lang="en-US" sz="2800" dirty="0" smtClean="0"/>
-              <a:t>Ds</a:t>
+              <a:rPr lang="en-US" sz="2400" dirty="0" smtClean="0">
+                <a:latin typeface="Arial" pitchFamily="34" charset="0"/>
+                <a:cs typeface="Arial" pitchFamily="34" charset="0"/>
+              </a:rPr>
+              <a:t>RSSI Calculation</a:t>
             </a:r>
           </a:p>
           <a:p>
             <a:pPr marL="285750" indent="-285750">
+              <a:spcBef>
+                <a:spcPts val="600"/>
+              </a:spcBef>
               <a:buFont typeface="Arial" pitchFamily="34" charset="0"/>
               <a:buChar char="•"/>
             </a:pPr>
             <a:r>
-              <a:rPr lang="en-US" sz="2800" dirty="0" err="1" smtClean="0"/>
-              <a:t>Fd</a:t>
-            </a:r>
-            <a:endParaRPr lang="en-US" sz="2800" dirty="0" smtClean="0"/>
+              <a:rPr lang="en-US" sz="2400" dirty="0" smtClean="0">
+                <a:latin typeface="Arial" pitchFamily="34" charset="0"/>
+                <a:cs typeface="Arial" pitchFamily="34" charset="0"/>
+              </a:rPr>
+              <a:t>Transmission Data Rate</a:t>
+            </a:r>
           </a:p>
           <a:p>
             <a:pPr marL="285750" indent="-285750">
+              <a:spcBef>
+                <a:spcPts val="600"/>
+              </a:spcBef>
               <a:buFont typeface="Arial" pitchFamily="34" charset="0"/>
               <a:buChar char="•"/>
             </a:pPr>
             <a:r>
-              <a:rPr lang="en-US" sz="2800" dirty="0" err="1" smtClean="0"/>
-              <a:t>Fd</a:t>
-            </a:r>
-            <a:endParaRPr lang="en-US" sz="2800" dirty="0" smtClean="0"/>
+              <a:rPr lang="en-US" sz="2400" dirty="0" smtClean="0">
+                <a:latin typeface="Arial" pitchFamily="34" charset="0"/>
+                <a:cs typeface="Arial" pitchFamily="34" charset="0"/>
+              </a:rPr>
+              <a:t>Noise Simulation</a:t>
+            </a:r>
           </a:p>
           <a:p>
             <a:pPr marL="285750" indent="-285750">
+              <a:spcBef>
+                <a:spcPts val="600"/>
+              </a:spcBef>
               <a:buFont typeface="Arial" pitchFamily="34" charset="0"/>
               <a:buChar char="•"/>
             </a:pPr>
             <a:r>
-              <a:rPr lang="en-US" sz="2800" dirty="0" err="1" smtClean="0"/>
-              <a:t>Fd</a:t>
-            </a:r>
-            <a:endParaRPr lang="en-US" sz="2800" dirty="0" smtClean="0"/>
+              <a:rPr lang="en-US" sz="2400" dirty="0" err="1" smtClean="0">
+                <a:latin typeface="Arial" pitchFamily="34" charset="0"/>
+                <a:cs typeface="Arial" pitchFamily="34" charset="0"/>
+              </a:rPr>
+              <a:t>Tx</a:t>
+            </a:r>
+            <a:r>
+              <a:rPr lang="en-US" sz="2400" dirty="0" smtClean="0">
+                <a:latin typeface="Arial" pitchFamily="34" charset="0"/>
+                <a:cs typeface="Arial" pitchFamily="34" charset="0"/>
+              </a:rPr>
+              <a:t> opportunity </a:t>
+            </a:r>
           </a:p>
           <a:p>
             <a:pPr marL="285750" indent="-285750">
+              <a:spcBef>
+                <a:spcPts val="600"/>
+              </a:spcBef>
               <a:buFont typeface="Arial" pitchFamily="34" charset="0"/>
               <a:buChar char="•"/>
             </a:pPr>
             <a:r>
-              <a:rPr lang="en-US" sz="2800" dirty="0" smtClean="0"/>
-              <a:t>D</a:t>
+              <a:rPr lang="en-US" sz="2400" dirty="0" smtClean="0">
+                <a:latin typeface="Arial" pitchFamily="34" charset="0"/>
+                <a:cs typeface="Arial" pitchFamily="34" charset="0"/>
+              </a:rPr>
+              <a:t>Acknowledgment</a:t>
             </a:r>
           </a:p>
           <a:p>
             <a:pPr marL="285750" indent="-285750">
+              <a:spcBef>
+                <a:spcPts val="600"/>
+              </a:spcBef>
               <a:buFont typeface="Arial" pitchFamily="34" charset="0"/>
               <a:buChar char="•"/>
             </a:pPr>
             <a:r>
-              <a:rPr lang="en-US" sz="2800" dirty="0" err="1" smtClean="0"/>
-              <a:t>Fds</a:t>
-            </a:r>
-            <a:endParaRPr lang="en-US" sz="2800" dirty="0" smtClean="0"/>
+              <a:rPr lang="en-US" sz="2400" dirty="0" smtClean="0">
+                <a:latin typeface="Arial" pitchFamily="34" charset="0"/>
+                <a:cs typeface="Arial" pitchFamily="34" charset="0"/>
+              </a:rPr>
+              <a:t>MAC resolution  </a:t>
+            </a:r>
+            <a:endParaRPr lang="en-US" sz="2400" dirty="0" smtClean="0">
+              <a:latin typeface="Arial" pitchFamily="34" charset="0"/>
+              <a:cs typeface="Arial" pitchFamily="34" charset="0"/>
+            </a:endParaRPr>
           </a:p>
         </p:txBody>
       </p:sp>
@@ -5803,7 +7375,7 @@
 </p:sld>
 </file>
 
-<file path=ppt/slides/slide15.xml><?xml version="1.0" encoding="utf-8"?>
+<file path=ppt/slides/slide12.xml><?xml version="1.0" encoding="utf-8"?>
 <p:sld xmlns:a="http://schemas.openxmlformats.org/drawingml/2006/main" xmlns:r="http://schemas.openxmlformats.org/officeDocument/2006/relationships" xmlns:p="http://schemas.openxmlformats.org/presentationml/2006/main">
   <p:cSld>
     <p:spTree>
@@ -5862,7 +7434,7 @@
           <a:graphicData uri="http://schemas.openxmlformats.org/presentationml/2006/ole">
             <mc:AlternateContent xmlns:mc="http://schemas.openxmlformats.org/markup-compatibility/2006">
               <mc:Choice xmlns:v="urn:schemas-microsoft-com:vml" Requires="v">
-                <p:oleObj spid="_x0000_s3076" name="Visio" r:id="rId3" imgW="9147060" imgH="7289860" progId="Visio.Drawing.11">
+                <p:oleObj spid="_x0000_s3093" name="Visio" r:id="rId3" imgW="9147060" imgH="7289860" progId="Visio.Drawing.11">
                   <p:embed/>
                 </p:oleObj>
               </mc:Choice>
@@ -5917,7 +7489,7 @@
 </p:sld>
 </file>
 
-<file path=ppt/slides/slide16.xml><?xml version="1.0" encoding="utf-8"?>
+<file path=ppt/slides/slide13.xml><?xml version="1.0" encoding="utf-8"?>
 <p:sld xmlns:a="http://schemas.openxmlformats.org/drawingml/2006/main" xmlns:r="http://schemas.openxmlformats.org/officeDocument/2006/relationships" xmlns:p="http://schemas.openxmlformats.org/presentationml/2006/main">
   <p:cSld>
     <p:spTree>
@@ -5977,7 +7549,7 @@
           <a:graphicData uri="http://schemas.openxmlformats.org/presentationml/2006/ole">
             <mc:AlternateContent xmlns:mc="http://schemas.openxmlformats.org/markup-compatibility/2006">
               <mc:Choice xmlns:v="urn:schemas-microsoft-com:vml" Requires="v">
-                <p:oleObj spid="_x0000_s2054" name="Visio" r:id="rId3" imgW="9147060" imgH="7289860" progId="Visio.Drawing.11">
+                <p:oleObj spid="_x0000_s2071" name="Visio" r:id="rId3" imgW="9147060" imgH="7289860" progId="Visio.Drawing.11">
                   <p:embed/>
                 </p:oleObj>
               </mc:Choice>
@@ -6032,6 +7604,295 @@
 </p:sld>
 </file>
 
+<file path=ppt/slides/slide14.xml><?xml version="1.0" encoding="utf-8"?>
+<p:sld xmlns:a="http://schemas.openxmlformats.org/drawingml/2006/main" xmlns:r="http://schemas.openxmlformats.org/officeDocument/2006/relationships" xmlns:p="http://schemas.openxmlformats.org/presentationml/2006/main">
+  <p:cSld>
+    <p:spTree>
+      <p:nvGrpSpPr>
+        <p:cNvPr id="1" name=""/>
+        <p:cNvGrpSpPr/>
+        <p:nvPr/>
+      </p:nvGrpSpPr>
+      <p:grpSpPr>
+        <a:xfrm>
+          <a:off x="0" y="0"/>
+          <a:ext cx="0" cy="0"/>
+          <a:chOff x="0" y="0"/>
+          <a:chExt cx="0" cy="0"/>
+        </a:xfrm>
+      </p:grpSpPr>
+      <p:sp>
+        <p:nvSpPr>
+          <p:cNvPr id="3" name="Title 2"/>
+          <p:cNvSpPr>
+            <a:spLocks noGrp="1"/>
+          </p:cNvSpPr>
+          <p:nvPr>
+            <p:ph type="title"/>
+          </p:nvPr>
+        </p:nvSpPr>
+        <p:spPr/>
+        <p:txBody>
+          <a:bodyPr/>
+          <a:lstStyle/>
+          <a:p>
+            <a:pPr rtl="1"/>
+            <a:r>
+              <a:rPr lang="en-US" dirty="0" smtClean="0"/>
+              <a:t>Rates used</a:t>
+            </a:r>
+            <a:endParaRPr lang="en-US" dirty="0"/>
+          </a:p>
+        </p:txBody>
+      </p:sp>
+      <p:graphicFrame>
+        <p:nvGraphicFramePr>
+          <p:cNvPr id="5" name="Диаграмма 4"/>
+          <p:cNvGraphicFramePr>
+            <a:graphicFrameLocks/>
+          </p:cNvGraphicFramePr>
+          <p:nvPr>
+            <p:extLst>
+              <p:ext uri="{D42A27DB-BD31-4B8C-83A1-F6EECF244321}">
+                <p14:modId xmlns:p14="http://schemas.microsoft.com/office/powerpoint/2010/main" val="3962167458"/>
+              </p:ext>
+            </p:extLst>
+          </p:nvPr>
+        </p:nvGraphicFramePr>
+        <p:xfrm>
+          <a:off x="1143000" y="1676400"/>
+          <a:ext cx="6781800" cy="4848225"/>
+        </p:xfrm>
+        <a:graphic>
+          <a:graphicData uri="http://schemas.openxmlformats.org/drawingml/2006/chart">
+            <c:chart xmlns:c="http://schemas.openxmlformats.org/drawingml/2006/chart" xmlns:r="http://schemas.openxmlformats.org/officeDocument/2006/relationships" r:id="rId2"/>
+          </a:graphicData>
+        </a:graphic>
+      </p:graphicFrame>
+    </p:spTree>
+    <p:extLst>
+      <p:ext uri="{BB962C8B-B14F-4D97-AF65-F5344CB8AC3E}">
+        <p14:creationId xmlns:p14="http://schemas.microsoft.com/office/powerpoint/2010/main" val="1441071697"/>
+      </p:ext>
+    </p:extLst>
+  </p:cSld>
+  <p:clrMapOvr>
+    <a:masterClrMapping/>
+  </p:clrMapOvr>
+  <p:timing>
+    <p:tnLst>
+      <p:par>
+        <p:cTn id="1" dur="indefinite" restart="never" nodeType="tmRoot"/>
+      </p:par>
+    </p:tnLst>
+  </p:timing>
+</p:sld>
+</file>
+
+<file path=ppt/slides/slide15.xml><?xml version="1.0" encoding="utf-8"?>
+<p:sld xmlns:a="http://schemas.openxmlformats.org/drawingml/2006/main" xmlns:r="http://schemas.openxmlformats.org/officeDocument/2006/relationships" xmlns:p="http://schemas.openxmlformats.org/presentationml/2006/main">
+  <p:cSld>
+    <p:spTree>
+      <p:nvGrpSpPr>
+        <p:cNvPr id="1" name=""/>
+        <p:cNvGrpSpPr/>
+        <p:nvPr/>
+      </p:nvGrpSpPr>
+      <p:grpSpPr>
+        <a:xfrm>
+          <a:off x="0" y="0"/>
+          <a:ext cx="0" cy="0"/>
+          <a:chOff x="0" y="0"/>
+          <a:chExt cx="0" cy="0"/>
+        </a:xfrm>
+      </p:grpSpPr>
+      <p:sp>
+        <p:nvSpPr>
+          <p:cNvPr id="3" name="Title 2"/>
+          <p:cNvSpPr>
+            <a:spLocks noGrp="1"/>
+          </p:cNvSpPr>
+          <p:nvPr>
+            <p:ph type="title"/>
+          </p:nvPr>
+        </p:nvSpPr>
+        <p:spPr/>
+        <p:txBody>
+          <a:bodyPr/>
+          <a:lstStyle/>
+          <a:p>
+            <a:pPr rtl="1"/>
+            <a:r>
+              <a:rPr lang="en-US" dirty="0" smtClean="0"/>
+              <a:t>Packets UML</a:t>
+            </a:r>
+            <a:endParaRPr lang="en-US" dirty="0"/>
+          </a:p>
+        </p:txBody>
+      </p:sp>
+      <p:pic>
+        <p:nvPicPr>
+          <p:cNvPr id="4098" name="Picture 2" descr="D:\Dropbox\Z_PROJECTS\sls\Results\UML_Packets.JPG"/>
+          <p:cNvPicPr>
+            <a:picLocks noChangeAspect="1" noChangeArrowheads="1"/>
+          </p:cNvPicPr>
+          <p:nvPr/>
+        </p:nvPicPr>
+        <p:blipFill>
+          <a:blip r:embed="rId2">
+            <a:extLst>
+              <a:ext uri="{28A0092B-C50C-407E-A947-70E740481C1C}">
+                <a14:useLocalDpi xmlns:a14="http://schemas.microsoft.com/office/drawing/2010/main" val="0"/>
+              </a:ext>
+            </a:extLst>
+          </a:blip>
+          <a:srcRect/>
+          <a:stretch>
+            <a:fillRect/>
+          </a:stretch>
+        </p:blipFill>
+        <p:spPr bwMode="auto">
+          <a:xfrm>
+            <a:off x="152400" y="1676400"/>
+            <a:ext cx="8896350" cy="4953000"/>
+          </a:xfrm>
+          <a:prstGeom prst="rect">
+            <a:avLst/>
+          </a:prstGeom>
+          <a:noFill/>
+          <a:extLst>
+            <a:ext uri="{909E8E84-426E-40DD-AFC4-6F175D3DCCD1}">
+              <a14:hiddenFill xmlns:a14="http://schemas.microsoft.com/office/drawing/2010/main">
+                <a:solidFill>
+                  <a:srgbClr val="FFFFFF"/>
+                </a:solidFill>
+              </a14:hiddenFill>
+            </a:ext>
+          </a:extLst>
+        </p:spPr>
+      </p:pic>
+    </p:spTree>
+    <p:extLst>
+      <p:ext uri="{BB962C8B-B14F-4D97-AF65-F5344CB8AC3E}">
+        <p14:creationId xmlns:p14="http://schemas.microsoft.com/office/powerpoint/2010/main" val="1441071697"/>
+      </p:ext>
+    </p:extLst>
+  </p:cSld>
+  <p:clrMapOvr>
+    <a:masterClrMapping/>
+  </p:clrMapOvr>
+  <p:timing>
+    <p:tnLst>
+      <p:par>
+        <p:cTn id="1" dur="indefinite" restart="never" nodeType="tmRoot"/>
+      </p:par>
+    </p:tnLst>
+  </p:timing>
+</p:sld>
+</file>
+
+<file path=ppt/slides/slide16.xml><?xml version="1.0" encoding="utf-8"?>
+<p:sld xmlns:a="http://schemas.openxmlformats.org/drawingml/2006/main" xmlns:r="http://schemas.openxmlformats.org/officeDocument/2006/relationships" xmlns:p="http://schemas.openxmlformats.org/presentationml/2006/main">
+  <p:cSld>
+    <p:spTree>
+      <p:nvGrpSpPr>
+        <p:cNvPr id="1" name=""/>
+        <p:cNvGrpSpPr/>
+        <p:nvPr/>
+      </p:nvGrpSpPr>
+      <p:grpSpPr>
+        <a:xfrm>
+          <a:off x="0" y="0"/>
+          <a:ext cx="0" cy="0"/>
+          <a:chOff x="0" y="0"/>
+          <a:chExt cx="0" cy="0"/>
+        </a:xfrm>
+      </p:grpSpPr>
+      <p:sp>
+        <p:nvSpPr>
+          <p:cNvPr id="3" name="Title 2"/>
+          <p:cNvSpPr>
+            <a:spLocks noGrp="1"/>
+          </p:cNvSpPr>
+          <p:nvPr>
+            <p:ph type="title"/>
+          </p:nvPr>
+        </p:nvSpPr>
+        <p:spPr/>
+        <p:txBody>
+          <a:bodyPr/>
+          <a:lstStyle/>
+          <a:p>
+            <a:pPr rtl="1"/>
+            <a:r>
+              <a:rPr lang="en-US" dirty="0" smtClean="0"/>
+              <a:t>RF Devices UML</a:t>
+            </a:r>
+            <a:endParaRPr lang="en-US" dirty="0"/>
+          </a:p>
+        </p:txBody>
+      </p:sp>
+      <p:pic>
+        <p:nvPicPr>
+          <p:cNvPr id="5122" name="Picture 2" descr="D:\Dropbox\Z_PROJECTS\sls\Results\UML_RFDevices.JPG"/>
+          <p:cNvPicPr>
+            <a:picLocks noChangeAspect="1" noChangeArrowheads="1"/>
+          </p:cNvPicPr>
+          <p:nvPr/>
+        </p:nvPicPr>
+        <p:blipFill>
+          <a:blip r:embed="rId2">
+            <a:extLst>
+              <a:ext uri="{28A0092B-C50C-407E-A947-70E740481C1C}">
+                <a14:useLocalDpi xmlns:a14="http://schemas.microsoft.com/office/drawing/2010/main" val="0"/>
+              </a:ext>
+            </a:extLst>
+          </a:blip>
+          <a:srcRect/>
+          <a:stretch>
+            <a:fillRect/>
+          </a:stretch>
+        </p:blipFill>
+        <p:spPr bwMode="auto">
+          <a:xfrm>
+            <a:off x="142875" y="1600200"/>
+            <a:ext cx="8839200" cy="4135170"/>
+          </a:xfrm>
+          <a:prstGeom prst="rect">
+            <a:avLst/>
+          </a:prstGeom>
+          <a:noFill/>
+          <a:extLst>
+            <a:ext uri="{909E8E84-426E-40DD-AFC4-6F175D3DCCD1}">
+              <a14:hiddenFill xmlns:a14="http://schemas.microsoft.com/office/drawing/2010/main">
+                <a:solidFill>
+                  <a:srgbClr val="FFFFFF"/>
+                </a:solidFill>
+              </a14:hiddenFill>
+            </a:ext>
+          </a:extLst>
+        </p:spPr>
+      </p:pic>
+    </p:spTree>
+    <p:extLst>
+      <p:ext uri="{BB962C8B-B14F-4D97-AF65-F5344CB8AC3E}">
+        <p14:creationId xmlns:p14="http://schemas.microsoft.com/office/powerpoint/2010/main" val="1441071697"/>
+      </p:ext>
+    </p:extLst>
+  </p:cSld>
+  <p:clrMapOvr>
+    <a:masterClrMapping/>
+  </p:clrMapOvr>
+  <p:timing>
+    <p:tnLst>
+      <p:par>
+        <p:cTn id="1" dur="indefinite" restart="never" nodeType="tmRoot"/>
+      </p:par>
+    </p:tnLst>
+  </p:timing>
+</p:sld>
+</file>
+
 <file path=ppt/slides/slide17.xml><?xml version="1.0" encoding="utf-8"?>
 <p:sld xmlns:a="http://schemas.openxmlformats.org/drawingml/2006/main" xmlns:r="http://schemas.openxmlformats.org/officeDocument/2006/relationships" xmlns:p="http://schemas.openxmlformats.org/presentationml/2006/main">
   <p:cSld>
@@ -6051,12 +7912,12 @@
       </p:grpSpPr>
       <p:sp>
         <p:nvSpPr>
-          <p:cNvPr id="2" name="Content Placeholder 1"/>
+          <p:cNvPr id="3" name="Title 2"/>
           <p:cNvSpPr>
             <a:spLocks noGrp="1"/>
           </p:cNvSpPr>
           <p:nvPr>
-            <p:ph idx="1"/>
+            <p:ph type="title"/>
           </p:nvPr>
         </p:nvSpPr>
         <p:spPr/>
@@ -6064,31 +7925,56 @@
           <a:bodyPr/>
           <a:lstStyle/>
           <a:p>
-            <a:pPr algn="r" rtl="1"/>
+            <a:pPr rtl="1"/>
+            <a:r>
+              <a:rPr lang="en-US" dirty="0" smtClean="0"/>
+              <a:t>Start Simulation</a:t>
+            </a:r>
             <a:endParaRPr lang="en-US" dirty="0"/>
           </a:p>
         </p:txBody>
       </p:sp>
-      <p:sp>
-        <p:nvSpPr>
-          <p:cNvPr id="3" name="Title 2"/>
-          <p:cNvSpPr>
-            <a:spLocks noGrp="1"/>
-          </p:cNvSpPr>
-          <p:nvPr>
-            <p:ph type="title"/>
-          </p:nvPr>
-        </p:nvSpPr>
-        <p:spPr/>
-        <p:txBody>
-          <a:bodyPr/>
-          <a:lstStyle/>
-          <a:p>
-            <a:pPr rtl="1"/>
-            <a:endParaRPr lang="en-US" dirty="0"/>
-          </a:p>
-        </p:txBody>
-      </p:sp>
+      <p:pic>
+        <p:nvPicPr>
+          <p:cNvPr id="6146" name="Picture 2" descr="D:\Dropbox\Z_PROJECTS\sls\Results\Parameters.JPG"/>
+          <p:cNvPicPr>
+            <a:picLocks noChangeAspect="1" noChangeArrowheads="1"/>
+          </p:cNvPicPr>
+          <p:nvPr/>
+        </p:nvPicPr>
+        <p:blipFill>
+          <a:blip r:embed="rId2">
+            <a:extLst>
+              <a:ext uri="{28A0092B-C50C-407E-A947-70E740481C1C}">
+                <a14:useLocalDpi xmlns:a14="http://schemas.microsoft.com/office/drawing/2010/main" val="0"/>
+              </a:ext>
+            </a:extLst>
+          </a:blip>
+          <a:srcRect/>
+          <a:stretch>
+            <a:fillRect/>
+          </a:stretch>
+        </p:blipFill>
+        <p:spPr bwMode="auto">
+          <a:xfrm>
+            <a:off x="1785937" y="2286000"/>
+            <a:ext cx="5572125" cy="3914775"/>
+          </a:xfrm>
+          <a:prstGeom prst="rect">
+            <a:avLst/>
+          </a:prstGeom>
+          <a:noFill/>
+          <a:extLst>
+            <a:ext uri="{909E8E84-426E-40DD-AFC4-6F175D3DCCD1}">
+              <a14:hiddenFill xmlns:a14="http://schemas.microsoft.com/office/drawing/2010/main">
+                <a:solidFill>
+                  <a:srgbClr val="FFFFFF"/>
+                </a:solidFill>
+              </a14:hiddenFill>
+            </a:ext>
+          </a:extLst>
+        </p:spPr>
+      </p:pic>
     </p:spTree>
     <p:extLst>
       <p:ext uri="{BB962C8B-B14F-4D97-AF65-F5344CB8AC3E}">
@@ -6128,12 +8014,12 @@
       </p:grpSpPr>
       <p:sp>
         <p:nvSpPr>
-          <p:cNvPr id="2" name="Content Placeholder 1"/>
+          <p:cNvPr id="3" name="Title 2"/>
           <p:cNvSpPr>
             <a:spLocks noGrp="1"/>
           </p:cNvSpPr>
           <p:nvPr>
-            <p:ph idx="1"/>
+            <p:ph type="title"/>
           </p:nvPr>
         </p:nvSpPr>
         <p:spPr/>
@@ -6141,31 +8027,56 @@
           <a:bodyPr/>
           <a:lstStyle/>
           <a:p>
-            <a:pPr algn="r" rtl="1"/>
+            <a:pPr rtl="1"/>
+            <a:r>
+              <a:rPr lang="en-US" dirty="0" smtClean="0"/>
+              <a:t>Simulation</a:t>
+            </a:r>
             <a:endParaRPr lang="en-US" dirty="0"/>
           </a:p>
         </p:txBody>
       </p:sp>
-      <p:sp>
-        <p:nvSpPr>
-          <p:cNvPr id="3" name="Title 2"/>
-          <p:cNvSpPr>
-            <a:spLocks noGrp="1"/>
-          </p:cNvSpPr>
-          <p:nvPr>
-            <p:ph type="title"/>
-          </p:nvPr>
-        </p:nvSpPr>
-        <p:spPr/>
-        <p:txBody>
-          <a:bodyPr/>
-          <a:lstStyle/>
-          <a:p>
-            <a:pPr rtl="1"/>
-            <a:endParaRPr lang="en-US" dirty="0"/>
-          </a:p>
-        </p:txBody>
-      </p:sp>
+      <p:pic>
+        <p:nvPicPr>
+          <p:cNvPr id="7170" name="Picture 2" descr="D:\Dropbox\Z_PROJECTS\sls\Results\Board.JPG"/>
+          <p:cNvPicPr>
+            <a:picLocks noChangeAspect="1" noChangeArrowheads="1"/>
+          </p:cNvPicPr>
+          <p:nvPr/>
+        </p:nvPicPr>
+        <p:blipFill>
+          <a:blip r:embed="rId2">
+            <a:extLst>
+              <a:ext uri="{28A0092B-C50C-407E-A947-70E740481C1C}">
+                <a14:useLocalDpi xmlns:a14="http://schemas.microsoft.com/office/drawing/2010/main" val="0"/>
+              </a:ext>
+            </a:extLst>
+          </a:blip>
+          <a:srcRect/>
+          <a:stretch>
+            <a:fillRect/>
+          </a:stretch>
+        </p:blipFill>
+        <p:spPr bwMode="auto">
+          <a:xfrm>
+            <a:off x="781050" y="2286000"/>
+            <a:ext cx="7581900" cy="3895725"/>
+          </a:xfrm>
+          <a:prstGeom prst="rect">
+            <a:avLst/>
+          </a:prstGeom>
+          <a:noFill/>
+          <a:extLst>
+            <a:ext uri="{909E8E84-426E-40DD-AFC4-6F175D3DCCD1}">
+              <a14:hiddenFill xmlns:a14="http://schemas.microsoft.com/office/drawing/2010/main">
+                <a:solidFill>
+                  <a:srgbClr val="FFFFFF"/>
+                </a:solidFill>
+              </a14:hiddenFill>
+            </a:ext>
+          </a:extLst>
+        </p:spPr>
+      </p:pic>
     </p:spTree>
     <p:extLst>
       <p:ext uri="{BB962C8B-B14F-4D97-AF65-F5344CB8AC3E}">
@@ -6205,12 +8116,12 @@
       </p:grpSpPr>
       <p:sp>
         <p:nvSpPr>
-          <p:cNvPr id="2" name="Content Placeholder 1"/>
+          <p:cNvPr id="3" name="Title 2"/>
           <p:cNvSpPr>
             <a:spLocks noGrp="1"/>
           </p:cNvSpPr>
           <p:nvPr>
-            <p:ph idx="1"/>
+            <p:ph type="title"/>
           </p:nvPr>
         </p:nvSpPr>
         <p:spPr/>
@@ -6218,31 +8129,56 @@
           <a:bodyPr/>
           <a:lstStyle/>
           <a:p>
-            <a:pPr algn="r" rtl="1"/>
+            <a:pPr rtl="1"/>
+            <a:r>
+              <a:rPr lang="en-US" dirty="0" smtClean="0"/>
+              <a:t>Simulator demo</a:t>
+            </a:r>
             <a:endParaRPr lang="en-US" dirty="0"/>
           </a:p>
         </p:txBody>
       </p:sp>
-      <p:sp>
-        <p:nvSpPr>
-          <p:cNvPr id="3" name="Title 2"/>
-          <p:cNvSpPr>
-            <a:spLocks noGrp="1"/>
-          </p:cNvSpPr>
-          <p:nvPr>
-            <p:ph type="title"/>
-          </p:nvPr>
-        </p:nvSpPr>
-        <p:spPr/>
-        <p:txBody>
-          <a:bodyPr/>
-          <a:lstStyle/>
-          <a:p>
-            <a:pPr rtl="1"/>
-            <a:endParaRPr lang="en-US" dirty="0"/>
-          </a:p>
-        </p:txBody>
-      </p:sp>
+      <p:pic>
+        <p:nvPicPr>
+          <p:cNvPr id="8194" name="Picture 2" descr="D:\Dropbox\Z_PROJECTS\sls\Results\Dev0.JPG"/>
+          <p:cNvPicPr>
+            <a:picLocks noChangeAspect="1" noChangeArrowheads="1"/>
+          </p:cNvPicPr>
+          <p:nvPr/>
+        </p:nvPicPr>
+        <p:blipFill>
+          <a:blip r:embed="rId2">
+            <a:extLst>
+              <a:ext uri="{28A0092B-C50C-407E-A947-70E740481C1C}">
+                <a14:useLocalDpi xmlns:a14="http://schemas.microsoft.com/office/drawing/2010/main" val="0"/>
+              </a:ext>
+            </a:extLst>
+          </a:blip>
+          <a:srcRect/>
+          <a:stretch>
+            <a:fillRect/>
+          </a:stretch>
+        </p:blipFill>
+        <p:spPr bwMode="auto">
+          <a:xfrm>
+            <a:off x="766761" y="2286000"/>
+            <a:ext cx="7610475" cy="3933825"/>
+          </a:xfrm>
+          <a:prstGeom prst="rect">
+            <a:avLst/>
+          </a:prstGeom>
+          <a:noFill/>
+          <a:extLst>
+            <a:ext uri="{909E8E84-426E-40DD-AFC4-6F175D3DCCD1}">
+              <a14:hiddenFill xmlns:a14="http://schemas.microsoft.com/office/drawing/2010/main">
+                <a:solidFill>
+                  <a:srgbClr val="FFFFFF"/>
+                </a:solidFill>
+              </a14:hiddenFill>
+            </a:ext>
+          </a:extLst>
+        </p:spPr>
+      </p:pic>
     </p:spTree>
     <p:extLst>
       <p:ext uri="{BB962C8B-B14F-4D97-AF65-F5344CB8AC3E}">
@@ -6295,16 +8231,10 @@
           <a:bodyPr/>
           <a:lstStyle/>
           <a:p>
-            <a:pPr algn="l"/>
+            <a:pPr marL="0" indent="0" algn="l">
+              <a:buNone/>
+            </a:pPr>
             <a:endParaRPr lang="en-US" dirty="0" smtClean="0"/>
-          </a:p>
-          <a:p>
-            <a:pPr algn="l"/>
-            <a:r>
-              <a:rPr lang="en-US" dirty="0" smtClean="0"/>
-              <a:t>KARTINKI</a:t>
-            </a:r>
-            <a:endParaRPr lang="en-US" dirty="0"/>
           </a:p>
         </p:txBody>
       </p:sp>
@@ -6336,6 +8266,42 @@
           </a:p>
         </p:txBody>
       </p:sp>
+      <p:pic>
+        <p:nvPicPr>
+          <p:cNvPr id="4" name="Рисунок 3"/>
+          <p:cNvPicPr>
+            <a:picLocks noChangeAspect="1"/>
+          </p:cNvPicPr>
+          <p:nvPr/>
+        </p:nvPicPr>
+        <p:blipFill>
+          <a:blip r:embed="rId2">
+            <a:extLst>
+              <a:ext uri="{28A0092B-C50C-407E-A947-70E740481C1C}">
+                <a14:useLocalDpi xmlns:a14="http://schemas.microsoft.com/office/drawing/2010/main" val="0"/>
+              </a:ext>
+            </a:extLst>
+          </a:blip>
+          <a:stretch>
+            <a:fillRect/>
+          </a:stretch>
+        </p:blipFill>
+        <p:spPr>
+          <a:xfrm>
+            <a:off x="1600200" y="2133600"/>
+            <a:ext cx="5976664" cy="4320481"/>
+          </a:xfrm>
+          <a:prstGeom prst="rect">
+            <a:avLst/>
+          </a:prstGeom>
+          <a:ln>
+            <a:noFill/>
+          </a:ln>
+          <a:effectLst>
+            <a:softEdge rad="112500"/>
+          </a:effectLst>
+        </p:spPr>
+      </p:pic>
     </p:spTree>
     <p:extLst>
       <p:ext uri="{BB962C8B-B14F-4D97-AF65-F5344CB8AC3E}">
@@ -6346,6 +8312,127 @@
   <p:clrMapOvr>
     <a:masterClrMapping/>
   </p:clrMapOvr>
+  <p:timing>
+    <p:tnLst>
+      <p:par>
+        <p:cTn id="1" dur="indefinite" restart="never" nodeType="tmRoot">
+          <p:childTnLst>
+            <p:seq concurrent="1" nextAc="seek">
+              <p:cTn id="2" dur="indefinite" nodeType="mainSeq">
+                <p:childTnLst>
+                  <p:par>
+                    <p:cTn id="3" fill="hold">
+                      <p:stCondLst>
+                        <p:cond delay="indefinite"/>
+                      </p:stCondLst>
+                      <p:childTnLst>
+                        <p:par>
+                          <p:cTn id="4" fill="hold">
+                            <p:stCondLst>
+                              <p:cond delay="0"/>
+                            </p:stCondLst>
+                            <p:childTnLst>
+                              <p:par>
+                                <p:cTn id="5" presetID="2" presetClass="entr" presetSubtype="4" fill="hold" nodeType="clickEffect">
+                                  <p:stCondLst>
+                                    <p:cond delay="0"/>
+                                  </p:stCondLst>
+                                  <p:childTnLst>
+                                    <p:set>
+                                      <p:cBhvr>
+                                        <p:cTn id="6" dur="1" fill="hold">
+                                          <p:stCondLst>
+                                            <p:cond delay="0"/>
+                                          </p:stCondLst>
+                                        </p:cTn>
+                                        <p:tgtEl>
+                                          <p:spTgt spid="4"/>
+                                        </p:tgtEl>
+                                        <p:attrNameLst>
+                                          <p:attrName>style.visibility</p:attrName>
+                                        </p:attrNameLst>
+                                      </p:cBhvr>
+                                      <p:to>
+                                        <p:strVal val="visible"/>
+                                      </p:to>
+                                    </p:set>
+                                    <p:anim calcmode="lin" valueType="num">
+                                      <p:cBhvr additive="base">
+                                        <p:cTn id="7" dur="500" fill="hold"/>
+                                        <p:tgtEl>
+                                          <p:spTgt spid="4"/>
+                                        </p:tgtEl>
+                                        <p:attrNameLst>
+                                          <p:attrName>ppt_x</p:attrName>
+                                        </p:attrNameLst>
+                                      </p:cBhvr>
+                                      <p:tavLst>
+                                        <p:tav tm="0">
+                                          <p:val>
+                                            <p:strVal val="#ppt_x"/>
+                                          </p:val>
+                                        </p:tav>
+                                        <p:tav tm="100000">
+                                          <p:val>
+                                            <p:strVal val="#ppt_x"/>
+                                          </p:val>
+                                        </p:tav>
+                                      </p:tavLst>
+                                    </p:anim>
+                                    <p:anim calcmode="lin" valueType="num">
+                                      <p:cBhvr additive="base">
+                                        <p:cTn id="8" dur="500" fill="hold"/>
+                                        <p:tgtEl>
+                                          <p:spTgt spid="4"/>
+                                        </p:tgtEl>
+                                        <p:attrNameLst>
+                                          <p:attrName>ppt_y</p:attrName>
+                                        </p:attrNameLst>
+                                      </p:cBhvr>
+                                      <p:tavLst>
+                                        <p:tav tm="0">
+                                          <p:val>
+                                            <p:strVal val="1+#ppt_h/2"/>
+                                          </p:val>
+                                        </p:tav>
+                                        <p:tav tm="100000">
+                                          <p:val>
+                                            <p:strVal val="#ppt_y"/>
+                                          </p:val>
+                                        </p:tav>
+                                      </p:tavLst>
+                                    </p:anim>
+                                  </p:childTnLst>
+                                </p:cTn>
+                              </p:par>
+                            </p:childTnLst>
+                          </p:cTn>
+                        </p:par>
+                      </p:childTnLst>
+                    </p:cTn>
+                  </p:par>
+                </p:childTnLst>
+              </p:cTn>
+              <p:prevCondLst>
+                <p:cond evt="onPrev" delay="0">
+                  <p:tgtEl>
+                    <p:sldTgt/>
+                  </p:tgtEl>
+                </p:cond>
+              </p:prevCondLst>
+              <p:nextCondLst>
+                <p:cond evt="onNext" delay="0">
+                  <p:tgtEl>
+                    <p:sldTgt/>
+                  </p:tgtEl>
+                </p:cond>
+              </p:nextCondLst>
+            </p:seq>
+          </p:childTnLst>
+        </p:cTn>
+      </p:par>
+    </p:tnLst>
+  </p:timing>
 </p:sld>
 </file>
 
@@ -6368,12 +8455,12 @@
       </p:grpSpPr>
       <p:sp>
         <p:nvSpPr>
-          <p:cNvPr id="2" name="Content Placeholder 1"/>
+          <p:cNvPr id="3" name="Title 2"/>
           <p:cNvSpPr>
             <a:spLocks noGrp="1"/>
           </p:cNvSpPr>
           <p:nvPr>
-            <p:ph idx="1"/>
+            <p:ph type="title"/>
           </p:nvPr>
         </p:nvSpPr>
         <p:spPr/>
@@ -6381,41 +8468,73 @@
           <a:bodyPr/>
           <a:lstStyle/>
           <a:p>
-            <a:pPr algn="r" rtl="1"/>
+            <a:pPr rtl="1"/>
+            <a:r>
+              <a:rPr lang="en-US" dirty="0" smtClean="0"/>
+              <a:t>Simulator demo</a:t>
+            </a:r>
             <a:endParaRPr lang="en-US" dirty="0"/>
           </a:p>
         </p:txBody>
       </p:sp>
-      <p:sp>
-        <p:nvSpPr>
-          <p:cNvPr id="3" name="Title 2"/>
-          <p:cNvSpPr>
-            <a:spLocks noGrp="1"/>
-          </p:cNvSpPr>
-          <p:nvPr>
-            <p:ph type="title"/>
-          </p:nvPr>
-        </p:nvSpPr>
-        <p:spPr/>
-        <p:txBody>
-          <a:bodyPr/>
-          <a:lstStyle/>
-          <a:p>
-            <a:pPr rtl="1"/>
-            <a:endParaRPr lang="en-US" dirty="0"/>
-          </a:p>
-        </p:txBody>
-      </p:sp>
+      <p:pic>
+        <p:nvPicPr>
+          <p:cNvPr id="9218" name="Picture 2" descr="D:\Dropbox\Z_PROJECTS\sls\Results\Dev.JPG"/>
+          <p:cNvPicPr>
+            <a:picLocks noChangeAspect="1" noChangeArrowheads="1"/>
+          </p:cNvPicPr>
+          <p:nvPr/>
+        </p:nvPicPr>
+        <p:blipFill>
+          <a:blip r:embed="rId2">
+            <a:extLst>
+              <a:ext uri="{28A0092B-C50C-407E-A947-70E740481C1C}">
+                <a14:useLocalDpi xmlns:a14="http://schemas.microsoft.com/office/drawing/2010/main" val="0"/>
+              </a:ext>
+            </a:extLst>
+          </a:blip>
+          <a:srcRect/>
+          <a:stretch>
+            <a:fillRect/>
+          </a:stretch>
+        </p:blipFill>
+        <p:spPr bwMode="auto">
+          <a:xfrm>
+            <a:off x="1347787" y="2438400"/>
+            <a:ext cx="6448425" cy="3171825"/>
+          </a:xfrm>
+          <a:prstGeom prst="rect">
+            <a:avLst/>
+          </a:prstGeom>
+          <a:noFill/>
+          <a:extLst>
+            <a:ext uri="{909E8E84-426E-40DD-AFC4-6F175D3DCCD1}">
+              <a14:hiddenFill xmlns:a14="http://schemas.microsoft.com/office/drawing/2010/main">
+                <a:solidFill>
+                  <a:srgbClr val="FFFFFF"/>
+                </a:solidFill>
+              </a14:hiddenFill>
+            </a:ext>
+          </a:extLst>
+        </p:spPr>
+      </p:pic>
     </p:spTree>
     <p:extLst>
       <p:ext uri="{BB962C8B-B14F-4D97-AF65-F5344CB8AC3E}">
-        <p14:creationId xmlns:p14="http://schemas.microsoft.com/office/powerpoint/2010/main" val="1441071697"/>
+        <p14:creationId xmlns:p14="http://schemas.microsoft.com/office/powerpoint/2010/main" val="3570863975"/>
       </p:ext>
     </p:extLst>
   </p:cSld>
   <p:clrMapOvr>
     <a:masterClrMapping/>
   </p:clrMapOvr>
+  <p:timing>
+    <p:tnLst>
+      <p:par>
+        <p:cTn id="1" dur="indefinite" restart="never" nodeType="tmRoot"/>
+      </p:par>
+    </p:tnLst>
+  </p:timing>
 </p:sld>
 </file>
 
@@ -6438,12 +8557,12 @@
       </p:grpSpPr>
       <p:sp>
         <p:nvSpPr>
-          <p:cNvPr id="2" name="Content Placeholder 1"/>
+          <p:cNvPr id="3" name="Title 2"/>
           <p:cNvSpPr>
             <a:spLocks noGrp="1"/>
           </p:cNvSpPr>
           <p:nvPr>
-            <p:ph idx="1"/>
+            <p:ph type="title"/>
           </p:nvPr>
         </p:nvSpPr>
         <p:spPr/>
@@ -6451,19 +8570,101 @@
           <a:bodyPr/>
           <a:lstStyle/>
           <a:p>
-            <a:pPr algn="r" rtl="1"/>
+            <a:pPr rtl="1"/>
+            <a:r>
+              <a:rPr lang="en-US" dirty="0" smtClean="0"/>
+              <a:t>Simulator demo</a:t>
+            </a:r>
             <a:endParaRPr lang="en-US" dirty="0"/>
           </a:p>
         </p:txBody>
       </p:sp>
-      <p:sp>
-        <p:nvSpPr>
-          <p:cNvPr id="3" name="Title 2"/>
+      <p:pic>
+        <p:nvPicPr>
+          <p:cNvPr id="10242" name="Picture 2" descr="D:\Dropbox\Z_PROJECTS\sls\Results\Dev2.JPG"/>
+          <p:cNvPicPr>
+            <a:picLocks noChangeAspect="1" noChangeArrowheads="1"/>
+          </p:cNvPicPr>
+          <p:nvPr/>
+        </p:nvPicPr>
+        <p:blipFill>
+          <a:blip r:embed="rId2">
+            <a:extLst>
+              <a:ext uri="{28A0092B-C50C-407E-A947-70E740481C1C}">
+                <a14:useLocalDpi xmlns:a14="http://schemas.microsoft.com/office/drawing/2010/main" val="0"/>
+              </a:ext>
+            </a:extLst>
+          </a:blip>
+          <a:srcRect/>
+          <a:stretch>
+            <a:fillRect/>
+          </a:stretch>
+        </p:blipFill>
+        <p:spPr bwMode="auto">
+          <a:xfrm>
+            <a:off x="1347787" y="2438400"/>
+            <a:ext cx="6448425" cy="3171825"/>
+          </a:xfrm>
+          <a:prstGeom prst="rect">
+            <a:avLst/>
+          </a:prstGeom>
+          <a:noFill/>
+          <a:extLst>
+            <a:ext uri="{909E8E84-426E-40DD-AFC4-6F175D3DCCD1}">
+              <a14:hiddenFill xmlns:a14="http://schemas.microsoft.com/office/drawing/2010/main">
+                <a:solidFill>
+                  <a:srgbClr val="FFFFFF"/>
+                </a:solidFill>
+              </a14:hiddenFill>
+            </a:ext>
+          </a:extLst>
+        </p:spPr>
+      </p:pic>
+    </p:spTree>
+    <p:extLst>
+      <p:ext uri="{BB962C8B-B14F-4D97-AF65-F5344CB8AC3E}">
+        <p14:creationId xmlns:p14="http://schemas.microsoft.com/office/powerpoint/2010/main" val="1151157969"/>
+      </p:ext>
+    </p:extLst>
+  </p:cSld>
+  <p:clrMapOvr>
+    <a:masterClrMapping/>
+  </p:clrMapOvr>
+  <p:timing>
+    <p:tnLst>
+      <p:par>
+        <p:cTn id="1" dur="indefinite" restart="never" nodeType="tmRoot"/>
+      </p:par>
+    </p:tnLst>
+  </p:timing>
+</p:sld>
+</file>
+
+<file path=ppt/slides/slide22.xml><?xml version="1.0" encoding="utf-8"?>
+<p:sld xmlns:a="http://schemas.openxmlformats.org/drawingml/2006/main" xmlns:r="http://schemas.openxmlformats.org/officeDocument/2006/relationships" xmlns:p="http://schemas.openxmlformats.org/presentationml/2006/main">
+  <p:cSld>
+    <p:spTree>
+      <p:nvGrpSpPr>
+        <p:cNvPr id="1" name=""/>
+        <p:cNvGrpSpPr/>
+        <p:nvPr/>
+      </p:nvGrpSpPr>
+      <p:grpSpPr>
+        <a:xfrm>
+          <a:off x="0" y="0"/>
+          <a:ext cx="0" cy="0"/>
+          <a:chOff x="0" y="0"/>
+          <a:chExt cx="0" cy="0"/>
+        </a:xfrm>
+      </p:grpSpPr>
+      <p:sp>
+        <p:nvSpPr>
+          <p:cNvPr id="2" name="Content Placeholder 1"/>
           <p:cNvSpPr>
             <a:spLocks noGrp="1"/>
           </p:cNvSpPr>
           <p:nvPr>
-            <p:ph type="title"/>
+            <p:ph idx="1"/>
           </p:nvPr>
         </p:nvSpPr>
         <p:spPr/>
@@ -6471,11 +8672,122 @@
           <a:bodyPr/>
           <a:lstStyle/>
           <a:p>
+            <a:pPr algn="l"/>
+            <a:endParaRPr lang="en-US" dirty="0"/>
+          </a:p>
+        </p:txBody>
+      </p:sp>
+      <p:sp>
+        <p:nvSpPr>
+          <p:cNvPr id="3" name="Title 2"/>
+          <p:cNvSpPr>
+            <a:spLocks noGrp="1"/>
+          </p:cNvSpPr>
+          <p:nvPr>
+            <p:ph type="title"/>
+          </p:nvPr>
+        </p:nvSpPr>
+        <p:spPr/>
+        <p:txBody>
+          <a:bodyPr/>
+          <a:lstStyle/>
+          <a:p>
             <a:pPr rtl="1"/>
+            <a:r>
+              <a:rPr lang="en-US" dirty="0"/>
+              <a:t>Conclusions </a:t>
+            </a:r>
+            <a:br>
+              <a:rPr lang="en-US" dirty="0"/>
+            </a:br>
             <a:endParaRPr lang="en-US" dirty="0"/>
           </a:p>
         </p:txBody>
       </p:sp>
+    </p:spTree>
+    <p:extLst>
+      <p:ext uri="{BB962C8B-B14F-4D97-AF65-F5344CB8AC3E}">
+        <p14:creationId xmlns:p14="http://schemas.microsoft.com/office/powerpoint/2010/main" val="1441071697"/>
+      </p:ext>
+    </p:extLst>
+  </p:cSld>
+  <p:clrMapOvr>
+    <a:masterClrMapping/>
+  </p:clrMapOvr>
+</p:sld>
+</file>
+
+<file path=ppt/slides/slide23.xml><?xml version="1.0" encoding="utf-8"?>
+<p:sld xmlns:a="http://schemas.openxmlformats.org/drawingml/2006/main" xmlns:r="http://schemas.openxmlformats.org/officeDocument/2006/relationships" xmlns:p="http://schemas.openxmlformats.org/presentationml/2006/main">
+  <p:cSld>
+    <p:spTree>
+      <p:nvGrpSpPr>
+        <p:cNvPr id="1" name=""/>
+        <p:cNvGrpSpPr/>
+        <p:nvPr/>
+      </p:nvGrpSpPr>
+      <p:grpSpPr>
+        <a:xfrm>
+          <a:off x="0" y="0"/>
+          <a:ext cx="0" cy="0"/>
+          <a:chOff x="0" y="0"/>
+          <a:chExt cx="0" cy="0"/>
+        </a:xfrm>
+      </p:grpSpPr>
+      <p:sp>
+        <p:nvSpPr>
+          <p:cNvPr id="3" name="Title 2"/>
+          <p:cNvSpPr>
+            <a:spLocks noGrp="1"/>
+          </p:cNvSpPr>
+          <p:nvPr>
+            <p:ph type="title"/>
+          </p:nvPr>
+        </p:nvSpPr>
+        <p:spPr/>
+        <p:txBody>
+          <a:bodyPr/>
+          <a:lstStyle/>
+          <a:p>
+            <a:pPr rtl="1"/>
+            <a:r>
+              <a:rPr lang="en-US" dirty="0" smtClean="0"/>
+              <a:t>Questions</a:t>
+            </a:r>
+            <a:endParaRPr lang="en-US" dirty="0"/>
+          </a:p>
+        </p:txBody>
+      </p:sp>
+      <p:pic>
+        <p:nvPicPr>
+          <p:cNvPr id="4" name="Рисунок 3"/>
+          <p:cNvPicPr>
+            <a:picLocks noChangeAspect="1"/>
+          </p:cNvPicPr>
+          <p:nvPr/>
+        </p:nvPicPr>
+        <p:blipFill>
+          <a:blip r:embed="rId2">
+            <a:extLst>
+              <a:ext uri="{28A0092B-C50C-407E-A947-70E740481C1C}">
+                <a14:useLocalDpi xmlns:a14="http://schemas.microsoft.com/office/drawing/2010/main" val="0"/>
+              </a:ext>
+            </a:extLst>
+          </a:blip>
+          <a:stretch>
+            <a:fillRect/>
+          </a:stretch>
+        </p:blipFill>
+        <p:spPr>
+          <a:xfrm>
+            <a:off x="3598615" y="2492896"/>
+            <a:ext cx="1895475" cy="2857500"/>
+          </a:xfrm>
+          <a:prstGeom prst="rect">
+            <a:avLst/>
+          </a:prstGeom>
+        </p:spPr>
+      </p:pic>
     </p:spTree>
     <p:extLst>
       <p:ext uri="{BB962C8B-B14F-4D97-AF65-F5344CB8AC3E}">
@@ -6554,6 +8866,13 @@
   <p:clrMapOvr>
     <a:masterClrMapping/>
   </p:clrMapOvr>
+  <p:timing>
+    <p:tnLst>
+      <p:par>
+        <p:cTn id="1" dur="indefinite" restart="never" nodeType="tmRoot"/>
+      </p:par>
+    </p:tnLst>
+  </p:timing>
 </p:sld>
 </file>
 
@@ -6719,6 +9038,13 @@
   <p:clrMapOvr>
     <a:masterClrMapping/>
   </p:clrMapOvr>
+  <p:timing>
+    <p:tnLst>
+      <p:par>
+        <p:cTn id="1" dur="indefinite" restart="never" nodeType="tmRoot"/>
+      </p:par>
+    </p:tnLst>
+  </p:timing>
 </p:sld>
 </file>
 
@@ -6907,7 +9233,7 @@
         <p:spPr/>
         <p:txBody>
           <a:bodyPr>
-            <a:normAutofit lnSpcReduction="10000"/>
+            <a:normAutofit fontScale="92500" lnSpcReduction="20000"/>
           </a:bodyPr>
           <a:lstStyle/>
           <a:p>
@@ -7000,8 +9326,25 @@
             </a:r>
             <a:r>
               <a:rPr lang="en-US" dirty="0" smtClean="0"/>
-              <a:t> N</a:t>
-            </a:r>
+              <a:t> </a:t>
+            </a:r>
+            <a:r>
+              <a:rPr lang="en-US" dirty="0" smtClean="0"/>
+              <a:t>N</a:t>
+            </a:r>
+          </a:p>
+          <a:p>
+            <a:r>
+              <a:rPr lang="en-US" dirty="0" smtClean="0"/>
+              <a:t>Connection establishment negotiation</a:t>
+            </a:r>
+          </a:p>
+          <a:p>
+            <a:r>
+              <a:rPr lang="en-US" dirty="0" smtClean="0"/>
+              <a:t> Packets Encapsulation /Headers /hierarchy  </a:t>
+            </a:r>
+            <a:endParaRPr lang="en-US" dirty="0" smtClean="0"/>
           </a:p>
           <a:p>
             <a:endParaRPr lang="en-US" dirty="0"/>
@@ -7094,8 +9437,16 @@
             <a:pPr algn="l"/>
             <a:r>
               <a:rPr lang="en-US" dirty="0" smtClean="0"/>
-              <a:t>Calculation of RSSI regarding to Distance</a:t>
-            </a:r>
+              <a:t>Calculation of RSSI regarding to </a:t>
+            </a:r>
+            <a:r>
+              <a:rPr lang="en-US" dirty="0" smtClean="0"/>
+              <a:t>Distance</a:t>
+            </a:r>
+          </a:p>
+          <a:p>
+            <a:pPr algn="l"/>
+            <a:endParaRPr lang="en-US" dirty="0" smtClean="0"/>
           </a:p>
           <a:p>
             <a:pPr algn="l"/>
@@ -7372,7 +9723,7 @@
         <p:spPr/>
         <p:txBody>
           <a:bodyPr>
-            <a:normAutofit lnSpcReduction="10000"/>
+            <a:normAutofit fontScale="92500"/>
           </a:bodyPr>
           <a:lstStyle/>
           <a:p>
@@ -7433,8 +9784,8 @@
               <a:t>Medium </a:t>
             </a:r>
             <a:r>
-              <a:rPr lang="en-US" dirty="0" err="1" smtClean="0"/>
-              <a:t>registreation</a:t>
+              <a:rPr lang="en-US" dirty="0" smtClean="0"/>
+              <a:t>registration</a:t>
             </a:r>
             <a:endParaRPr lang="en-US" dirty="0" smtClean="0"/>
           </a:p>
@@ -7452,12 +9803,8 @@
               <a:t>Stream </a:t>
             </a:r>
             <a:r>
-              <a:rPr lang="en-US" dirty="0" err="1" smtClean="0"/>
-              <a:t>heandler</a:t>
-            </a:r>
-            <a:r>
               <a:rPr lang="en-US" dirty="0" smtClean="0"/>
-              <a:t> </a:t>
+              <a:t>handler / File to Packet division and restoration    </a:t>
             </a:r>
             <a:endParaRPr lang="en-US" dirty="0"/>
           </a:p>

--- a/JudgesForumPresentation.pptx
+++ b/JudgesForumPresentation.pptx
@@ -5,35 +5,37 @@
     <p:sldMasterId id="2147483672" r:id="rId1"/>
   </p:sldMasterIdLst>
   <p:notesMasterIdLst>
-    <p:notesMasterId r:id="rId25"/>
+    <p:notesMasterId r:id="rId27"/>
   </p:notesMasterIdLst>
   <p:handoutMasterIdLst>
-    <p:handoutMasterId r:id="rId26"/>
+    <p:handoutMasterId r:id="rId28"/>
   </p:handoutMasterIdLst>
   <p:sldIdLst>
     <p:sldId id="256" r:id="rId2"/>
     <p:sldId id="299" r:id="rId3"/>
-    <p:sldId id="317" r:id="rId4"/>
-    <p:sldId id="300" r:id="rId5"/>
-    <p:sldId id="301" r:id="rId6"/>
-    <p:sldId id="302" r:id="rId7"/>
-    <p:sldId id="303" r:id="rId8"/>
-    <p:sldId id="304" r:id="rId9"/>
-    <p:sldId id="305" r:id="rId10"/>
-    <p:sldId id="306" r:id="rId11"/>
-    <p:sldId id="310" r:id="rId12"/>
-    <p:sldId id="318" r:id="rId13"/>
-    <p:sldId id="311" r:id="rId14"/>
-    <p:sldId id="312" r:id="rId15"/>
-    <p:sldId id="313" r:id="rId16"/>
-    <p:sldId id="314" r:id="rId17"/>
-    <p:sldId id="315" r:id="rId18"/>
-    <p:sldId id="316" r:id="rId19"/>
-    <p:sldId id="309" r:id="rId20"/>
-    <p:sldId id="320" r:id="rId21"/>
-    <p:sldId id="321" r:id="rId22"/>
-    <p:sldId id="307" r:id="rId23"/>
-    <p:sldId id="308" r:id="rId24"/>
+    <p:sldId id="300" r:id="rId4"/>
+    <p:sldId id="301" r:id="rId5"/>
+    <p:sldId id="302" r:id="rId6"/>
+    <p:sldId id="303" r:id="rId7"/>
+    <p:sldId id="304" r:id="rId8"/>
+    <p:sldId id="305" r:id="rId9"/>
+    <p:sldId id="306" r:id="rId10"/>
+    <p:sldId id="310" r:id="rId11"/>
+    <p:sldId id="322" r:id="rId12"/>
+    <p:sldId id="323" r:id="rId13"/>
+    <p:sldId id="318" r:id="rId14"/>
+    <p:sldId id="311" r:id="rId15"/>
+    <p:sldId id="312" r:id="rId16"/>
+    <p:sldId id="313" r:id="rId17"/>
+    <p:sldId id="314" r:id="rId18"/>
+    <p:sldId id="315" r:id="rId19"/>
+    <p:sldId id="316" r:id="rId20"/>
+    <p:sldId id="309" r:id="rId21"/>
+    <p:sldId id="320" r:id="rId22"/>
+    <p:sldId id="321" r:id="rId23"/>
+    <p:sldId id="307" r:id="rId24"/>
+    <p:sldId id="317" r:id="rId25"/>
+    <p:sldId id="308" r:id="rId26"/>
   </p:sldIdLst>
   <p:sldSz cx="9144000" cy="6858000" type="screen4x3"/>
   <p:notesSz cx="6669088" cy="9928225"/>
@@ -1791,11 +1793,11 @@
           <c:showBubbleSize val="0"/>
         </c:dLbls>
         <c:gapWidth val="150"/>
-        <c:axId val="128315392"/>
-        <c:axId val="182283648"/>
+        <c:axId val="96133120"/>
+        <c:axId val="84515584"/>
       </c:barChart>
       <c:catAx>
-        <c:axId val="128315392"/>
+        <c:axId val="96133120"/>
         <c:scaling>
           <c:orientation val="minMax"/>
         </c:scaling>
@@ -1805,7 +1807,7 @@
         <c:majorTickMark val="none"/>
         <c:minorTickMark val="none"/>
         <c:tickLblPos val="nextTo"/>
-        <c:crossAx val="182283648"/>
+        <c:crossAx val="84515584"/>
         <c:crosses val="autoZero"/>
         <c:auto val="1"/>
         <c:lblAlgn val="ctr"/>
@@ -1813,7 +1815,7 @@
         <c:noMultiLvlLbl val="0"/>
       </c:catAx>
       <c:valAx>
-        <c:axId val="182283648"/>
+        <c:axId val="84515584"/>
         <c:scaling>
           <c:orientation val="minMax"/>
         </c:scaling>
@@ -1824,7 +1826,7 @@
         <c:majorTickMark val="none"/>
         <c:minorTickMark val="none"/>
         <c:tickLblPos val="nextTo"/>
-        <c:crossAx val="128315392"/>
+        <c:crossAx val="96133120"/>
         <c:crosses val="autoZero"/>
         <c:crossBetween val="between"/>
       </c:valAx>
@@ -7001,83 +7003,6 @@
           <a:chExt cx="0" cy="0"/>
         </a:xfrm>
       </p:grpSpPr>
-      <p:sp>
-        <p:nvSpPr>
-          <p:cNvPr id="2" name="Content Placeholder 1"/>
-          <p:cNvSpPr>
-            <a:spLocks noGrp="1"/>
-          </p:cNvSpPr>
-          <p:nvPr>
-            <p:ph idx="1"/>
-          </p:nvPr>
-        </p:nvSpPr>
-        <p:spPr/>
-        <p:txBody>
-          <a:bodyPr/>
-          <a:lstStyle/>
-          <a:p>
-            <a:pPr algn="l"/>
-            <a:endParaRPr lang="en-US" dirty="0"/>
-          </a:p>
-        </p:txBody>
-      </p:sp>
-      <p:sp>
-        <p:nvSpPr>
-          <p:cNvPr id="3" name="Title 2"/>
-          <p:cNvSpPr>
-            <a:spLocks noGrp="1"/>
-          </p:cNvSpPr>
-          <p:nvPr>
-            <p:ph type="title"/>
-          </p:nvPr>
-        </p:nvSpPr>
-        <p:spPr/>
-        <p:txBody>
-          <a:bodyPr/>
-          <a:lstStyle/>
-          <a:p>
-            <a:pPr rtl="1"/>
-            <a:r>
-              <a:rPr lang="en-US" dirty="0"/>
-              <a:t>Notable Functions / Algorithms </a:t>
-            </a:r>
-            <a:br>
-              <a:rPr lang="en-US" dirty="0"/>
-            </a:br>
-            <a:endParaRPr lang="en-US" dirty="0"/>
-          </a:p>
-        </p:txBody>
-      </p:sp>
-    </p:spTree>
-    <p:extLst>
-      <p:ext uri="{BB962C8B-B14F-4D97-AF65-F5344CB8AC3E}">
-        <p14:creationId xmlns:p14="http://schemas.microsoft.com/office/powerpoint/2010/main" val="1441071697"/>
-      </p:ext>
-    </p:extLst>
-  </p:cSld>
-  <p:clrMapOvr>
-    <a:masterClrMapping/>
-  </p:clrMapOvr>
-</p:sld>
-</file>
-
-<file path=ppt/slides/slide11.xml><?xml version="1.0" encoding="utf-8"?>
-<p:sld xmlns:a="http://schemas.openxmlformats.org/drawingml/2006/main" xmlns:r="http://schemas.openxmlformats.org/officeDocument/2006/relationships" xmlns:p="http://schemas.openxmlformats.org/presentationml/2006/main">
-  <p:cSld>
-    <p:spTree>
-      <p:nvGrpSpPr>
-        <p:cNvPr id="1" name=""/>
-        <p:cNvGrpSpPr/>
-        <p:nvPr/>
-      </p:nvGrpSpPr>
-      <p:grpSpPr>
-        <a:xfrm>
-          <a:off x="0" y="0"/>
-          <a:ext cx="0" cy="0"/>
-          <a:chOff x="0" y="0"/>
-          <a:chExt cx="0" cy="0"/>
-        </a:xfrm>
-      </p:grpSpPr>
       <p:graphicFrame>
         <p:nvGraphicFramePr>
           <p:cNvPr id="2" name="Content Placeholder 1"/>
@@ -7101,7 +7026,7 @@
           <a:graphicData uri="http://schemas.openxmlformats.org/presentationml/2006/ole">
             <mc:AlternateContent xmlns:mc="http://schemas.openxmlformats.org/markup-compatibility/2006">
               <mc:Choice xmlns:v="urn:schemas-microsoft-com:vml" Requires="v">
-                <p:oleObj spid="_x0000_s1047" name="Visio" r:id="rId3" imgW="9147060" imgH="7289860" progId="Visio.Drawing.11">
+                <p:oleObj spid="_x0000_s1060" name="Visio" r:id="rId3" imgW="9147060" imgH="7289860" progId="Visio.Drawing.11">
                   <p:embed/>
                 </p:oleObj>
               </mc:Choice>
@@ -7348,10 +7273,6 @@
               </a:rPr>
               <a:t>MAC resolution  </a:t>
             </a:r>
-            <a:endParaRPr lang="en-US" sz="2400" dirty="0" smtClean="0">
-              <a:latin typeface="Arial" pitchFamily="34" charset="0"/>
-              <a:cs typeface="Arial" pitchFamily="34" charset="0"/>
-            </a:endParaRPr>
           </a:p>
         </p:txBody>
       </p:sp>
@@ -7375,6 +7296,72 @@
 </p:sld>
 </file>
 
+<file path=ppt/slides/slide11.xml><?xml version="1.0" encoding="utf-8"?>
+<p:sld xmlns:a="http://schemas.openxmlformats.org/drawingml/2006/main" xmlns:r="http://schemas.openxmlformats.org/officeDocument/2006/relationships" xmlns:p="http://schemas.openxmlformats.org/presentationml/2006/main">
+  <p:cSld>
+    <p:spTree>
+      <p:nvGrpSpPr>
+        <p:cNvPr id="1" name=""/>
+        <p:cNvGrpSpPr/>
+        <p:nvPr/>
+      </p:nvGrpSpPr>
+      <p:grpSpPr>
+        <a:xfrm>
+          <a:off x="0" y="0"/>
+          <a:ext cx="0" cy="0"/>
+          <a:chOff x="0" y="0"/>
+          <a:chExt cx="0" cy="0"/>
+        </a:xfrm>
+      </p:grpSpPr>
+      <p:sp>
+        <p:nvSpPr>
+          <p:cNvPr id="3" name="Заголовок 2"/>
+          <p:cNvSpPr>
+            <a:spLocks noGrp="1"/>
+          </p:cNvSpPr>
+          <p:nvPr>
+            <p:ph type="title"/>
+          </p:nvPr>
+        </p:nvSpPr>
+        <p:spPr>
+          <a:xfrm>
+            <a:off x="381000" y="570156"/>
+            <a:ext cx="8382000" cy="1030044"/>
+          </a:xfrm>
+        </p:spPr>
+        <p:txBody>
+          <a:bodyPr/>
+          <a:lstStyle/>
+          <a:p>
+            <a:r>
+              <a:rPr lang="en-US" dirty="0" smtClean="0"/>
+              <a:t>Why so</a:t>
+            </a:r>
+            <a:r>
+              <a:rPr lang="en-US" dirty="0"/>
+              <a:t> radius</a:t>
+            </a:r>
+            <a:r>
+              <a:rPr lang="en-US" dirty="0" smtClean="0"/>
+              <a:t> important?</a:t>
+            </a:r>
+            <a:endParaRPr lang="ru-RU" dirty="0"/>
+          </a:p>
+        </p:txBody>
+      </p:sp>
+    </p:spTree>
+    <p:extLst>
+      <p:ext uri="{BB962C8B-B14F-4D97-AF65-F5344CB8AC3E}">
+        <p14:creationId xmlns:p14="http://schemas.microsoft.com/office/powerpoint/2010/main" val="3287879999"/>
+      </p:ext>
+    </p:extLst>
+  </p:cSld>
+  <p:clrMapOvr>
+    <a:masterClrMapping/>
+  </p:clrMapOvr>
+</p:sld>
+</file>
+
 <file path=ppt/slides/slide12.xml><?xml version="1.0" encoding="utf-8"?>
 <p:sld xmlns:a="http://schemas.openxmlformats.org/drawingml/2006/main" xmlns:r="http://schemas.openxmlformats.org/officeDocument/2006/relationships" xmlns:p="http://schemas.openxmlformats.org/presentationml/2006/main">
   <p:cSld>
@@ -7394,6 +7381,105 @@
       </p:grpSpPr>
       <p:sp>
         <p:nvSpPr>
+          <p:cNvPr id="3" name="Заголовок 2"/>
+          <p:cNvSpPr>
+            <a:spLocks noGrp="1"/>
+          </p:cNvSpPr>
+          <p:nvPr>
+            <p:ph type="title"/>
+          </p:nvPr>
+        </p:nvSpPr>
+        <p:spPr>
+          <a:xfrm>
+            <a:off x="381000" y="570156"/>
+            <a:ext cx="8382000" cy="1030044"/>
+          </a:xfrm>
+        </p:spPr>
+        <p:txBody>
+          <a:bodyPr/>
+          <a:lstStyle/>
+          <a:p>
+            <a:r>
+              <a:rPr lang="en-US"/>
+              <a:t>Low Rate Clients Degrade WLAN Performance</a:t>
+            </a:r>
+            <a:endParaRPr lang="ru-RU" dirty="0"/>
+          </a:p>
+        </p:txBody>
+      </p:sp>
+      <p:pic>
+        <p:nvPicPr>
+          <p:cNvPr id="5122" name="Picture 2" descr="D:\Dropbox\Z_PROJECTS\sls\Results\Coverage Area.JPG"/>
+          <p:cNvPicPr>
+            <a:picLocks noChangeAspect="1" noChangeArrowheads="1"/>
+          </p:cNvPicPr>
+          <p:nvPr/>
+        </p:nvPicPr>
+        <p:blipFill>
+          <a:blip r:embed="rId2">
+            <a:extLst>
+              <a:ext uri="{28A0092B-C50C-407E-A947-70E740481C1C}">
+                <a14:useLocalDpi xmlns:a14="http://schemas.microsoft.com/office/drawing/2010/main" val="0"/>
+              </a:ext>
+            </a:extLst>
+          </a:blip>
+          <a:srcRect/>
+          <a:stretch>
+            <a:fillRect/>
+          </a:stretch>
+        </p:blipFill>
+        <p:spPr bwMode="auto">
+          <a:xfrm>
+            <a:off x="1143000" y="1676400"/>
+            <a:ext cx="6986588" cy="4991016"/>
+          </a:xfrm>
+          <a:prstGeom prst="rect">
+            <a:avLst/>
+          </a:prstGeom>
+          <a:noFill/>
+          <a:extLst>
+            <a:ext uri="{909E8E84-426E-40DD-AFC4-6F175D3DCCD1}">
+              <a14:hiddenFill xmlns:a14="http://schemas.microsoft.com/office/drawing/2010/main">
+                <a:solidFill>
+                  <a:srgbClr val="FFFFFF"/>
+                </a:solidFill>
+              </a14:hiddenFill>
+            </a:ext>
+          </a:extLst>
+        </p:spPr>
+      </p:pic>
+    </p:spTree>
+    <p:extLst>
+      <p:ext uri="{BB962C8B-B14F-4D97-AF65-F5344CB8AC3E}">
+        <p14:creationId xmlns:p14="http://schemas.microsoft.com/office/powerpoint/2010/main" val="2687470670"/>
+      </p:ext>
+    </p:extLst>
+  </p:cSld>
+  <p:clrMapOvr>
+    <a:masterClrMapping/>
+  </p:clrMapOvr>
+</p:sld>
+</file>
+
+<file path=ppt/slides/slide13.xml><?xml version="1.0" encoding="utf-8"?>
+<p:sld xmlns:a="http://schemas.openxmlformats.org/drawingml/2006/main" xmlns:r="http://schemas.openxmlformats.org/officeDocument/2006/relationships" xmlns:p="http://schemas.openxmlformats.org/presentationml/2006/main">
+  <p:cSld>
+    <p:spTree>
+      <p:nvGrpSpPr>
+        <p:cNvPr id="1" name=""/>
+        <p:cNvGrpSpPr/>
+        <p:nvPr/>
+      </p:nvGrpSpPr>
+      <p:grpSpPr>
+        <a:xfrm>
+          <a:off x="0" y="0"/>
+          <a:ext cx="0" cy="0"/>
+          <a:chOff x="0" y="0"/>
+          <a:chExt cx="0" cy="0"/>
+        </a:xfrm>
+      </p:grpSpPr>
+      <p:sp>
+        <p:nvSpPr>
           <p:cNvPr id="3" name="Title 2"/>
           <p:cNvSpPr>
             <a:spLocks noGrp="1"/>
@@ -7434,7 +7520,7 @@
           <a:graphicData uri="http://schemas.openxmlformats.org/presentationml/2006/ole">
             <mc:AlternateContent xmlns:mc="http://schemas.openxmlformats.org/markup-compatibility/2006">
               <mc:Choice xmlns:v="urn:schemas-microsoft-com:vml" Requires="v">
-                <p:oleObj spid="_x0000_s3093" name="Visio" r:id="rId3" imgW="9147060" imgH="7289860" progId="Visio.Drawing.11">
+                <p:oleObj spid="_x0000_s3106" name="Visio" r:id="rId3" imgW="9147060" imgH="7289860" progId="Visio.Drawing.11">
                   <p:embed/>
                 </p:oleObj>
               </mc:Choice>
@@ -7489,7 +7575,7 @@
 </p:sld>
 </file>
 
-<file path=ppt/slides/slide13.xml><?xml version="1.0" encoding="utf-8"?>
+<file path=ppt/slides/slide14.xml><?xml version="1.0" encoding="utf-8"?>
 <p:sld xmlns:a="http://schemas.openxmlformats.org/drawingml/2006/main" xmlns:r="http://schemas.openxmlformats.org/officeDocument/2006/relationships" xmlns:p="http://schemas.openxmlformats.org/presentationml/2006/main">
   <p:cSld>
     <p:spTree>
@@ -7549,7 +7635,7 @@
           <a:graphicData uri="http://schemas.openxmlformats.org/presentationml/2006/ole">
             <mc:AlternateContent xmlns:mc="http://schemas.openxmlformats.org/markup-compatibility/2006">
               <mc:Choice xmlns:v="urn:schemas-microsoft-com:vml" Requires="v">
-                <p:oleObj spid="_x0000_s2071" name="Visio" r:id="rId3" imgW="9147060" imgH="7289860" progId="Visio.Drawing.11">
+                <p:oleObj spid="_x0000_s2084" name="Visio" r:id="rId3" imgW="9147060" imgH="7289860" progId="Visio.Drawing.11">
                   <p:embed/>
                 </p:oleObj>
               </mc:Choice>
@@ -7604,7 +7690,7 @@
 </p:sld>
 </file>
 
-<file path=ppt/slides/slide14.xml><?xml version="1.0" encoding="utf-8"?>
+<file path=ppt/slides/slide15.xml><?xml version="1.0" encoding="utf-8"?>
 <p:sld xmlns:a="http://schemas.openxmlformats.org/drawingml/2006/main" xmlns:r="http://schemas.openxmlformats.org/officeDocument/2006/relationships" xmlns:p="http://schemas.openxmlformats.org/presentationml/2006/main">
   <p:cSld>
     <p:spTree>
@@ -7689,7 +7775,7 @@
 </p:sld>
 </file>
 
-<file path=ppt/slides/slide15.xml><?xml version="1.0" encoding="utf-8"?>
+<file path=ppt/slides/slide16.xml><?xml version="1.0" encoding="utf-8"?>
 <p:sld xmlns:a="http://schemas.openxmlformats.org/drawingml/2006/main" xmlns:r="http://schemas.openxmlformats.org/officeDocument/2006/relationships" xmlns:p="http://schemas.openxmlformats.org/presentationml/2006/main">
   <p:cSld>
     <p:spTree>
@@ -7791,7 +7877,7 @@
 </p:sld>
 </file>
 
-<file path=ppt/slides/slide16.xml><?xml version="1.0" encoding="utf-8"?>
+<file path=ppt/slides/slide17.xml><?xml version="1.0" encoding="utf-8"?>
 <p:sld xmlns:a="http://schemas.openxmlformats.org/drawingml/2006/main" xmlns:r="http://schemas.openxmlformats.org/officeDocument/2006/relationships" xmlns:p="http://schemas.openxmlformats.org/presentationml/2006/main">
   <p:cSld>
     <p:spTree>
@@ -7893,7 +7979,7 @@
 </p:sld>
 </file>
 
-<file path=ppt/slides/slide17.xml><?xml version="1.0" encoding="utf-8"?>
+<file path=ppt/slides/slide18.xml><?xml version="1.0" encoding="utf-8"?>
 <p:sld xmlns:a="http://schemas.openxmlformats.org/drawingml/2006/main" xmlns:r="http://schemas.openxmlformats.org/officeDocument/2006/relationships" xmlns:p="http://schemas.openxmlformats.org/presentationml/2006/main">
   <p:cSld>
     <p:spTree>
@@ -7995,7 +8081,7 @@
 </p:sld>
 </file>
 
-<file path=ppt/slides/slide18.xml><?xml version="1.0" encoding="utf-8"?>
+<file path=ppt/slides/slide19.xml><?xml version="1.0" encoding="utf-8"?>
 <p:sld xmlns:a="http://schemas.openxmlformats.org/drawingml/2006/main" xmlns:r="http://schemas.openxmlformats.org/officeDocument/2006/relationships" xmlns:p="http://schemas.openxmlformats.org/presentationml/2006/main">
   <p:cSld>
     <p:spTree>
@@ -8097,108 +8183,6 @@
 </p:sld>
 </file>
 
-<file path=ppt/slides/slide19.xml><?xml version="1.0" encoding="utf-8"?>
-<p:sld xmlns:a="http://schemas.openxmlformats.org/drawingml/2006/main" xmlns:r="http://schemas.openxmlformats.org/officeDocument/2006/relationships" xmlns:p="http://schemas.openxmlformats.org/presentationml/2006/main">
-  <p:cSld>
-    <p:spTree>
-      <p:nvGrpSpPr>
-        <p:cNvPr id="1" name=""/>
-        <p:cNvGrpSpPr/>
-        <p:nvPr/>
-      </p:nvGrpSpPr>
-      <p:grpSpPr>
-        <a:xfrm>
-          <a:off x="0" y="0"/>
-          <a:ext cx="0" cy="0"/>
-          <a:chOff x="0" y="0"/>
-          <a:chExt cx="0" cy="0"/>
-        </a:xfrm>
-      </p:grpSpPr>
-      <p:sp>
-        <p:nvSpPr>
-          <p:cNvPr id="3" name="Title 2"/>
-          <p:cNvSpPr>
-            <a:spLocks noGrp="1"/>
-          </p:cNvSpPr>
-          <p:nvPr>
-            <p:ph type="title"/>
-          </p:nvPr>
-        </p:nvSpPr>
-        <p:spPr/>
-        <p:txBody>
-          <a:bodyPr/>
-          <a:lstStyle/>
-          <a:p>
-            <a:pPr rtl="1"/>
-            <a:r>
-              <a:rPr lang="en-US" dirty="0" smtClean="0"/>
-              <a:t>Simulator demo</a:t>
-            </a:r>
-            <a:endParaRPr lang="en-US" dirty="0"/>
-          </a:p>
-        </p:txBody>
-      </p:sp>
-      <p:pic>
-        <p:nvPicPr>
-          <p:cNvPr id="8194" name="Picture 2" descr="D:\Dropbox\Z_PROJECTS\sls\Results\Dev0.JPG"/>
-          <p:cNvPicPr>
-            <a:picLocks noChangeAspect="1" noChangeArrowheads="1"/>
-          </p:cNvPicPr>
-          <p:nvPr/>
-        </p:nvPicPr>
-        <p:blipFill>
-          <a:blip r:embed="rId2">
-            <a:extLst>
-              <a:ext uri="{28A0092B-C50C-407E-A947-70E740481C1C}">
-                <a14:useLocalDpi xmlns:a14="http://schemas.microsoft.com/office/drawing/2010/main" val="0"/>
-              </a:ext>
-            </a:extLst>
-          </a:blip>
-          <a:srcRect/>
-          <a:stretch>
-            <a:fillRect/>
-          </a:stretch>
-        </p:blipFill>
-        <p:spPr bwMode="auto">
-          <a:xfrm>
-            <a:off x="766761" y="2286000"/>
-            <a:ext cx="7610475" cy="3933825"/>
-          </a:xfrm>
-          <a:prstGeom prst="rect">
-            <a:avLst/>
-          </a:prstGeom>
-          <a:noFill/>
-          <a:extLst>
-            <a:ext uri="{909E8E84-426E-40DD-AFC4-6F175D3DCCD1}">
-              <a14:hiddenFill xmlns:a14="http://schemas.microsoft.com/office/drawing/2010/main">
-                <a:solidFill>
-                  <a:srgbClr val="FFFFFF"/>
-                </a:solidFill>
-              </a14:hiddenFill>
-            </a:ext>
-          </a:extLst>
-        </p:spPr>
-      </p:pic>
-    </p:spTree>
-    <p:extLst>
-      <p:ext uri="{BB962C8B-B14F-4D97-AF65-F5344CB8AC3E}">
-        <p14:creationId xmlns:p14="http://schemas.microsoft.com/office/powerpoint/2010/main" val="1441071697"/>
-      </p:ext>
-    </p:extLst>
-  </p:cSld>
-  <p:clrMapOvr>
-    <a:masterClrMapping/>
-  </p:clrMapOvr>
-  <p:timing>
-    <p:tnLst>
-      <p:par>
-        <p:cTn id="1" dur="indefinite" restart="never" nodeType="tmRoot"/>
-      </p:par>
-    </p:tnLst>
-  </p:timing>
-</p:sld>
-</file>
-
 <file path=ppt/slides/slide2.xml><?xml version="1.0" encoding="utf-8"?>
 <p:sld xmlns:a="http://schemas.openxmlformats.org/drawingml/2006/main" xmlns:r="http://schemas.openxmlformats.org/officeDocument/2006/relationships" xmlns:p="http://schemas.openxmlformats.org/presentationml/2006/main">
   <p:cSld>
@@ -8218,28 +8202,6 @@
       </p:grpSpPr>
       <p:sp>
         <p:nvSpPr>
-          <p:cNvPr id="2" name="Content Placeholder 1"/>
-          <p:cNvSpPr>
-            <a:spLocks noGrp="1"/>
-          </p:cNvSpPr>
-          <p:nvPr>
-            <p:ph idx="1"/>
-          </p:nvPr>
-        </p:nvSpPr>
-        <p:spPr/>
-        <p:txBody>
-          <a:bodyPr/>
-          <a:lstStyle/>
-          <a:p>
-            <a:pPr marL="0" indent="0" algn="l">
-              <a:buNone/>
-            </a:pPr>
-            <a:endParaRPr lang="en-US" dirty="0" smtClean="0"/>
-          </a:p>
-        </p:txBody>
-      </p:sp>
-      <p:sp>
-        <p:nvSpPr>
           <p:cNvPr id="3" name="Title 2"/>
           <p:cNvSpPr>
             <a:spLocks noGrp="1"/>
@@ -8259,8 +8221,8 @@
               <a:t>Project </a:t>
             </a:r>
             <a:r>
-              <a:rPr lang="en-US" dirty="0" err="1" smtClean="0"/>
-              <a:t>Overwiew</a:t>
+              <a:rPr lang="en-US" dirty="0" smtClean="0"/>
+              <a:t>Overview</a:t>
             </a:r>
             <a:endParaRPr lang="en-US" dirty="0"/>
           </a:p>
@@ -8479,6 +8441,108 @@
       </p:sp>
       <p:pic>
         <p:nvPicPr>
+          <p:cNvPr id="8194" name="Picture 2" descr="D:\Dropbox\Z_PROJECTS\sls\Results\Dev0.JPG"/>
+          <p:cNvPicPr>
+            <a:picLocks noChangeAspect="1" noChangeArrowheads="1"/>
+          </p:cNvPicPr>
+          <p:nvPr/>
+        </p:nvPicPr>
+        <p:blipFill>
+          <a:blip r:embed="rId2">
+            <a:extLst>
+              <a:ext uri="{28A0092B-C50C-407E-A947-70E740481C1C}">
+                <a14:useLocalDpi xmlns:a14="http://schemas.microsoft.com/office/drawing/2010/main" val="0"/>
+              </a:ext>
+            </a:extLst>
+          </a:blip>
+          <a:srcRect/>
+          <a:stretch>
+            <a:fillRect/>
+          </a:stretch>
+        </p:blipFill>
+        <p:spPr bwMode="auto">
+          <a:xfrm>
+            <a:off x="766761" y="2286000"/>
+            <a:ext cx="7610475" cy="3933825"/>
+          </a:xfrm>
+          <a:prstGeom prst="rect">
+            <a:avLst/>
+          </a:prstGeom>
+          <a:noFill/>
+          <a:extLst>
+            <a:ext uri="{909E8E84-426E-40DD-AFC4-6F175D3DCCD1}">
+              <a14:hiddenFill xmlns:a14="http://schemas.microsoft.com/office/drawing/2010/main">
+                <a:solidFill>
+                  <a:srgbClr val="FFFFFF"/>
+                </a:solidFill>
+              </a14:hiddenFill>
+            </a:ext>
+          </a:extLst>
+        </p:spPr>
+      </p:pic>
+    </p:spTree>
+    <p:extLst>
+      <p:ext uri="{BB962C8B-B14F-4D97-AF65-F5344CB8AC3E}">
+        <p14:creationId xmlns:p14="http://schemas.microsoft.com/office/powerpoint/2010/main" val="1441071697"/>
+      </p:ext>
+    </p:extLst>
+  </p:cSld>
+  <p:clrMapOvr>
+    <a:masterClrMapping/>
+  </p:clrMapOvr>
+  <p:timing>
+    <p:tnLst>
+      <p:par>
+        <p:cTn id="1" dur="indefinite" restart="never" nodeType="tmRoot"/>
+      </p:par>
+    </p:tnLst>
+  </p:timing>
+</p:sld>
+</file>
+
+<file path=ppt/slides/slide21.xml><?xml version="1.0" encoding="utf-8"?>
+<p:sld xmlns:a="http://schemas.openxmlformats.org/drawingml/2006/main" xmlns:r="http://schemas.openxmlformats.org/officeDocument/2006/relationships" xmlns:p="http://schemas.openxmlformats.org/presentationml/2006/main">
+  <p:cSld>
+    <p:spTree>
+      <p:nvGrpSpPr>
+        <p:cNvPr id="1" name=""/>
+        <p:cNvGrpSpPr/>
+        <p:nvPr/>
+      </p:nvGrpSpPr>
+      <p:grpSpPr>
+        <a:xfrm>
+          <a:off x="0" y="0"/>
+          <a:ext cx="0" cy="0"/>
+          <a:chOff x="0" y="0"/>
+          <a:chExt cx="0" cy="0"/>
+        </a:xfrm>
+      </p:grpSpPr>
+      <p:sp>
+        <p:nvSpPr>
+          <p:cNvPr id="3" name="Title 2"/>
+          <p:cNvSpPr>
+            <a:spLocks noGrp="1"/>
+          </p:cNvSpPr>
+          <p:nvPr>
+            <p:ph type="title"/>
+          </p:nvPr>
+        </p:nvSpPr>
+        <p:spPr/>
+        <p:txBody>
+          <a:bodyPr/>
+          <a:lstStyle/>
+          <a:p>
+            <a:pPr rtl="1"/>
+            <a:r>
+              <a:rPr lang="en-US" dirty="0" smtClean="0"/>
+              <a:t>Simulator demo</a:t>
+            </a:r>
+            <a:endParaRPr lang="en-US" dirty="0"/>
+          </a:p>
+        </p:txBody>
+      </p:sp>
+      <p:pic>
+        <p:nvPicPr>
           <p:cNvPr id="9218" name="Picture 2" descr="D:\Dropbox\Z_PROJECTS\sls\Results\Dev.JPG"/>
           <p:cNvPicPr>
             <a:picLocks noChangeAspect="1" noChangeArrowheads="1"/>
@@ -8538,7 +8602,7 @@
 </p:sld>
 </file>
 
-<file path=ppt/slides/slide21.xml><?xml version="1.0" encoding="utf-8"?>
+<file path=ppt/slides/slide22.xml><?xml version="1.0" encoding="utf-8"?>
 <p:sld xmlns:a="http://schemas.openxmlformats.org/drawingml/2006/main" xmlns:r="http://schemas.openxmlformats.org/officeDocument/2006/relationships" xmlns:p="http://schemas.openxmlformats.org/presentationml/2006/main">
   <p:cSld>
     <p:spTree>
@@ -8640,7 +8704,7 @@
 </p:sld>
 </file>
 
-<file path=ppt/slides/slide22.xml><?xml version="1.0" encoding="utf-8"?>
+<file path=ppt/slides/slide23.xml><?xml version="1.0" encoding="utf-8"?>
 <p:sld xmlns:a="http://schemas.openxmlformats.org/drawingml/2006/main" xmlns:r="http://schemas.openxmlformats.org/officeDocument/2006/relationships" xmlns:p="http://schemas.openxmlformats.org/presentationml/2006/main">
   <p:cSld>
     <p:spTree>
@@ -8717,7 +8781,141 @@
 </p:sld>
 </file>
 
-<file path=ppt/slides/slide23.xml><?xml version="1.0" encoding="utf-8"?>
+<file path=ppt/slides/slide24.xml><?xml version="1.0" encoding="utf-8"?>
+<p:sld xmlns:a="http://schemas.openxmlformats.org/drawingml/2006/main" xmlns:r="http://schemas.openxmlformats.org/officeDocument/2006/relationships" xmlns:p="http://schemas.openxmlformats.org/presentationml/2006/main">
+  <p:cSld>
+    <p:spTree>
+      <p:nvGrpSpPr>
+        <p:cNvPr id="1" name=""/>
+        <p:cNvGrpSpPr/>
+        <p:nvPr/>
+      </p:nvGrpSpPr>
+      <p:grpSpPr>
+        <a:xfrm>
+          <a:off x="0" y="0"/>
+          <a:ext cx="0" cy="0"/>
+          <a:chOff x="0" y="0"/>
+          <a:chExt cx="0" cy="0"/>
+        </a:xfrm>
+      </p:grpSpPr>
+      <p:sp>
+        <p:nvSpPr>
+          <p:cNvPr id="3" name="Title 2"/>
+          <p:cNvSpPr>
+            <a:spLocks noGrp="1"/>
+          </p:cNvSpPr>
+          <p:nvPr>
+            <p:ph type="title"/>
+          </p:nvPr>
+        </p:nvSpPr>
+        <p:spPr/>
+        <p:txBody>
+          <a:bodyPr/>
+          <a:lstStyle/>
+          <a:p>
+            <a:r>
+              <a:rPr lang="en-US" dirty="0" smtClean="0"/>
+              <a:t>Repository</a:t>
+            </a:r>
+            <a:endParaRPr lang="en-US" dirty="0"/>
+          </a:p>
+        </p:txBody>
+      </p:sp>
+      <p:pic>
+        <p:nvPicPr>
+          <p:cNvPr id="4" name="Рисунок 3"/>
+          <p:cNvPicPr>
+            <a:picLocks noChangeAspect="1"/>
+          </p:cNvPicPr>
+          <p:nvPr/>
+        </p:nvPicPr>
+        <p:blipFill>
+          <a:blip r:embed="rId2" cstate="print">
+            <a:extLst>
+              <a:ext uri="{28A0092B-C50C-407E-A947-70E740481C1C}">
+                <a14:useLocalDpi xmlns:a14="http://schemas.microsoft.com/office/drawing/2010/main" val="0"/>
+              </a:ext>
+            </a:extLst>
+          </a:blip>
+          <a:stretch>
+            <a:fillRect/>
+          </a:stretch>
+        </p:blipFill>
+        <p:spPr>
+          <a:xfrm>
+            <a:off x="3505200" y="3276600"/>
+            <a:ext cx="2069283" cy="864096"/>
+          </a:xfrm>
+          <a:prstGeom prst="rect">
+            <a:avLst/>
+          </a:prstGeom>
+        </p:spPr>
+      </p:pic>
+      <p:sp>
+        <p:nvSpPr>
+          <p:cNvPr id="5" name="Прямоугольник 4"/>
+          <p:cNvSpPr/>
+          <p:nvPr/>
+        </p:nvSpPr>
+        <p:spPr>
+          <a:xfrm>
+            <a:off x="2514600" y="4346555"/>
+            <a:ext cx="4414991" cy="369332"/>
+          </a:xfrm>
+          <a:prstGeom prst="rect">
+            <a:avLst/>
+          </a:prstGeom>
+        </p:spPr>
+        <p:txBody>
+          <a:bodyPr wrap="none">
+            <a:spAutoFit/>
+          </a:bodyPr>
+          <a:lstStyle/>
+          <a:p>
+            <a:r>
+              <a:rPr lang="en-US" dirty="0">
+                <a:solidFill>
+                  <a:schemeClr val="tx1">
+                    <a:lumMod val="85000"/>
+                    <a:lumOff val="15000"/>
+                  </a:schemeClr>
+                </a:solidFill>
+                <a:hlinkClick r:id="rId3"/>
+              </a:rPr>
+              <a:t>https://github.com/AndreyShamis/sls/</a:t>
+            </a:r>
+            <a:endParaRPr lang="ru-RU" dirty="0">
+              <a:solidFill>
+                <a:schemeClr val="tx1">
+                  <a:lumMod val="85000"/>
+                  <a:lumOff val="15000"/>
+                </a:schemeClr>
+              </a:solidFill>
+            </a:endParaRPr>
+          </a:p>
+        </p:txBody>
+      </p:sp>
+    </p:spTree>
+    <p:extLst>
+      <p:ext uri="{BB962C8B-B14F-4D97-AF65-F5344CB8AC3E}">
+        <p14:creationId xmlns:p14="http://schemas.microsoft.com/office/powerpoint/2010/main" val="3937409365"/>
+      </p:ext>
+    </p:extLst>
+  </p:cSld>
+  <p:clrMapOvr>
+    <a:masterClrMapping/>
+  </p:clrMapOvr>
+  <p:timing>
+    <p:tnLst>
+      <p:par>
+        <p:cTn id="1" dur="indefinite" restart="never" nodeType="tmRoot"/>
+      </p:par>
+    </p:tnLst>
+  </p:timing>
+</p:sld>
+</file>
+
+<file path=ppt/slides/slide25.xml><?xml version="1.0" encoding="utf-8"?>
 <p:sld xmlns:a="http://schemas.openxmlformats.org/drawingml/2006/main" xmlns:r="http://schemas.openxmlformats.org/officeDocument/2006/relationships" xmlns:p="http://schemas.openxmlformats.org/presentationml/2006/main">
   <p:cSld>
     <p:spTree>
@@ -8830,10 +9028,102 @@
         </p:nvSpPr>
         <p:spPr/>
         <p:txBody>
-          <a:bodyPr/>
+          <a:bodyPr>
+            <a:normAutofit lnSpcReduction="10000"/>
+          </a:bodyPr>
           <a:lstStyle/>
           <a:p>
-            <a:endParaRPr lang="en-US"/>
+            <a:pPr algn="l"/>
+            <a:r>
+              <a:rPr lang="en-US" dirty="0" smtClean="0"/>
+              <a:t>Simulator</a:t>
+            </a:r>
+          </a:p>
+          <a:p>
+            <a:pPr lvl="1">
+              <a:buFont typeface="Wingdings" pitchFamily="2" charset="2"/>
+              <a:buChar char="Ø"/>
+            </a:pPr>
+            <a:r>
+              <a:rPr lang="en-US" dirty="0" smtClean="0"/>
+              <a:t>Design</a:t>
+            </a:r>
+          </a:p>
+          <a:p>
+            <a:pPr lvl="1">
+              <a:buFont typeface="Wingdings" pitchFamily="2" charset="2"/>
+              <a:buChar char="Ø"/>
+            </a:pPr>
+            <a:r>
+              <a:rPr lang="en-US" dirty="0" smtClean="0"/>
+              <a:t>Protocols support</a:t>
+            </a:r>
+          </a:p>
+          <a:p>
+            <a:pPr lvl="1">
+              <a:buFont typeface="Wingdings" pitchFamily="2" charset="2"/>
+              <a:buChar char="Ø"/>
+            </a:pPr>
+            <a:r>
+              <a:rPr lang="en-US" dirty="0" smtClean="0"/>
+              <a:t>Used algorithms </a:t>
+            </a:r>
+            <a:r>
+              <a:rPr lang="en-US" strike="sngStrike" dirty="0" smtClean="0"/>
+              <a:t>(</a:t>
+            </a:r>
+            <a:r>
+              <a:rPr lang="en-US" strike="sngStrike" dirty="0" err="1" smtClean="0"/>
+              <a:t>RSSI,Noise,Rate</a:t>
+            </a:r>
+            <a:r>
+              <a:rPr lang="en-US" strike="sngStrike" dirty="0" smtClean="0"/>
+              <a:t>)</a:t>
+            </a:r>
+            <a:endParaRPr lang="en-US" dirty="0" smtClean="0"/>
+          </a:p>
+          <a:p>
+            <a:pPr lvl="1">
+              <a:buFont typeface="Wingdings" pitchFamily="2" charset="2"/>
+              <a:buChar char="Ø"/>
+            </a:pPr>
+            <a:r>
+              <a:rPr lang="en-US" dirty="0" smtClean="0"/>
+              <a:t>Usability</a:t>
+            </a:r>
+          </a:p>
+          <a:p>
+            <a:pPr lvl="1">
+              <a:buFont typeface="Wingdings" pitchFamily="2" charset="2"/>
+              <a:buChar char="Ø"/>
+            </a:pPr>
+            <a:endParaRPr lang="en-US" dirty="0" smtClean="0"/>
+          </a:p>
+          <a:p>
+            <a:pPr algn="l"/>
+            <a:endParaRPr lang="en-US" dirty="0" smtClean="0"/>
+          </a:p>
+          <a:p>
+            <a:pPr algn="l"/>
+            <a:r>
+              <a:rPr lang="en-US" dirty="0" smtClean="0"/>
+              <a:t>SLS Algorithm</a:t>
+            </a:r>
+          </a:p>
+          <a:p>
+            <a:pPr lvl="1"/>
+            <a:r>
+              <a:rPr lang="en-US" dirty="0" smtClean="0"/>
+              <a:t>Algorithm flow</a:t>
+            </a:r>
+          </a:p>
+          <a:p>
+            <a:pPr lvl="1"/>
+            <a:r>
+              <a:rPr lang="en-US" dirty="0" smtClean="0"/>
+              <a:t>Statistic</a:t>
+            </a:r>
+            <a:endParaRPr lang="en-US" dirty="0"/>
           </a:p>
         </p:txBody>
       </p:sp>
@@ -8852,14 +9142,19 @@
           <a:bodyPr/>
           <a:lstStyle/>
           <a:p>
-            <a:endParaRPr lang="en-US"/>
+            <a:pPr rtl="1"/>
+            <a:r>
+              <a:rPr lang="en-US" dirty="0" smtClean="0"/>
+              <a:t>Project Overview - Goals</a:t>
+            </a:r>
+            <a:endParaRPr lang="en-US" dirty="0"/>
           </a:p>
         </p:txBody>
       </p:sp>
     </p:spTree>
     <p:extLst>
       <p:ext uri="{BB962C8B-B14F-4D97-AF65-F5344CB8AC3E}">
-        <p14:creationId xmlns:p14="http://schemas.microsoft.com/office/powerpoint/2010/main" val="3937409365"/>
+        <p14:creationId xmlns:p14="http://schemas.microsoft.com/office/powerpoint/2010/main" val="1441071697"/>
       </p:ext>
     </p:extLst>
   </p:cSld>
@@ -8906,75 +9201,79 @@
         <p:spPr/>
         <p:txBody>
           <a:bodyPr>
-            <a:normAutofit lnSpcReduction="10000"/>
+            <a:normAutofit/>
           </a:bodyPr>
           <a:lstStyle/>
           <a:p>
             <a:pPr algn="l"/>
             <a:r>
               <a:rPr lang="en-US" dirty="0" smtClean="0"/>
-              <a:t>Simulator</a:t>
-            </a:r>
-          </a:p>
-          <a:p>
-            <a:pPr lvl="1">
-              <a:buFont typeface="Wingdings" pitchFamily="2" charset="2"/>
-              <a:buChar char="Ø"/>
-            </a:pPr>
+              <a:t>Medium infrastructure.</a:t>
+            </a:r>
+          </a:p>
+          <a:p>
+            <a:pPr algn="l"/>
             <a:r>
               <a:rPr lang="en-US" dirty="0" smtClean="0"/>
-              <a:t>Design</a:t>
-            </a:r>
-          </a:p>
-          <a:p>
-            <a:pPr lvl="1">
-              <a:buFont typeface="Wingdings" pitchFamily="2" charset="2"/>
-              <a:buChar char="Ø"/>
-            </a:pPr>
+              <a:t>RF devices - </a:t>
+            </a:r>
+            <a:r>
+              <a:rPr lang="en-US" strike="sngStrike" dirty="0" smtClean="0"/>
+              <a:t>UML</a:t>
+            </a:r>
+          </a:p>
+          <a:p>
+            <a:pPr algn="l"/>
             <a:r>
               <a:rPr lang="en-US" dirty="0" smtClean="0"/>
-              <a:t>Protocols support</a:t>
-            </a:r>
-          </a:p>
-          <a:p>
-            <a:pPr lvl="1">
-              <a:buFont typeface="Wingdings" pitchFamily="2" charset="2"/>
-              <a:buChar char="Ø"/>
-            </a:pPr>
+              <a:t>Packets – </a:t>
+            </a:r>
+            <a:r>
+              <a:rPr lang="en-US" strike="sngStrike" dirty="0" smtClean="0"/>
+              <a:t>UML</a:t>
+            </a:r>
+          </a:p>
+          <a:p>
+            <a:pPr algn="l"/>
             <a:r>
               <a:rPr lang="en-US" dirty="0" smtClean="0"/>
-              <a:t>Used algorithms </a:t>
-            </a:r>
-            <a:r>
-              <a:rPr lang="en-US" strike="sngStrike" dirty="0" smtClean="0"/>
-              <a:t>(</a:t>
-            </a:r>
-            <a:r>
-              <a:rPr lang="en-US" strike="sngStrike" dirty="0" err="1" smtClean="0"/>
-              <a:t>RSSI,Noise,Rate</a:t>
-            </a:r>
-            <a:r>
-              <a:rPr lang="en-US" strike="sngStrike" dirty="0" smtClean="0"/>
-              <a:t>)</a:t>
-            </a:r>
-            <a:endParaRPr lang="en-US" dirty="0" smtClean="0"/>
-          </a:p>
-          <a:p>
-            <a:pPr lvl="1">
-              <a:buFont typeface="Wingdings" pitchFamily="2" charset="2"/>
-              <a:buChar char="Ø"/>
-            </a:pPr>
+              <a:t>Support of two different data links:</a:t>
+            </a:r>
+          </a:p>
+          <a:p>
+            <a:pPr lvl="1"/>
             <a:r>
               <a:rPr lang="en-US" dirty="0" smtClean="0"/>
-              <a:t>Usability</a:t>
-            </a:r>
-          </a:p>
-          <a:p>
-            <a:pPr lvl="1">
-              <a:buFont typeface="Wingdings" pitchFamily="2" charset="2"/>
-              <a:buChar char="Ø"/>
-            </a:pPr>
-            <a:endParaRPr lang="en-US" dirty="0" smtClean="0"/>
+              <a:t>BSS</a:t>
+            </a:r>
+          </a:p>
+          <a:p>
+            <a:pPr lvl="1"/>
+            <a:r>
+              <a:rPr lang="en-US" dirty="0" smtClean="0"/>
+              <a:t>TDLS</a:t>
+            </a:r>
+          </a:p>
+          <a:p>
+            <a:pPr algn="l"/>
+            <a:r>
+              <a:rPr lang="en-US" dirty="0" smtClean="0"/>
+              <a:t>Selection between links: </a:t>
+            </a:r>
+          </a:p>
+          <a:p>
+            <a:pPr lvl="1"/>
+            <a:r>
+              <a:rPr lang="en-US" dirty="0" smtClean="0"/>
+              <a:t>BSS</a:t>
+            </a:r>
+          </a:p>
+          <a:p>
+            <a:pPr lvl="1"/>
+            <a:r>
+              <a:rPr lang="en-US" dirty="0" smtClean="0"/>
+              <a:t>TDLS</a:t>
+            </a:r>
           </a:p>
           <a:p>
             <a:pPr algn="l"/>
@@ -8982,24 +9281,10 @@
           </a:p>
           <a:p>
             <a:pPr algn="l"/>
-            <a:r>
-              <a:rPr lang="en-US" dirty="0" smtClean="0"/>
-              <a:t>SLS Algorithm</a:t>
-            </a:r>
-          </a:p>
-          <a:p>
-            <a:pPr lvl="1"/>
-            <a:r>
-              <a:rPr lang="en-US" dirty="0" smtClean="0"/>
-              <a:t>Algorithm flow</a:t>
-            </a:r>
-          </a:p>
-          <a:p>
-            <a:pPr lvl="1"/>
-            <a:r>
-              <a:rPr lang="en-US" dirty="0" smtClean="0"/>
-              <a:t>Statistic</a:t>
-            </a:r>
+            <a:endParaRPr lang="en-US" dirty="0" smtClean="0"/>
+          </a:p>
+          <a:p>
+            <a:pPr algn="l"/>
             <a:endParaRPr lang="en-US" dirty="0"/>
           </a:p>
         </p:txBody>
@@ -9022,7 +9307,7 @@
             <a:pPr rtl="1"/>
             <a:r>
               <a:rPr lang="en-US" dirty="0" smtClean="0"/>
-              <a:t>Project Overview - Goals</a:t>
+              <a:t>Simulator - Design</a:t>
             </a:r>
             <a:endParaRPr lang="en-US" dirty="0"/>
           </a:p>
@@ -9038,13 +9323,6 @@
   <p:clrMapOvr>
     <a:masterClrMapping/>
   </p:clrMapOvr>
-  <p:timing>
-    <p:tnLst>
-      <p:par>
-        <p:cTn id="1" dur="indefinite" restart="never" nodeType="tmRoot"/>
-      </p:par>
-    </p:tnLst>
-  </p:timing>
 </p:sld>
 </file>
 
@@ -9078,90 +9356,115 @@
         <p:spPr/>
         <p:txBody>
           <a:bodyPr>
-            <a:normAutofit/>
+            <a:normAutofit fontScale="92500" lnSpcReduction="20000"/>
           </a:bodyPr>
           <a:lstStyle/>
           <a:p>
             <a:pPr algn="l"/>
             <a:r>
               <a:rPr lang="en-US" dirty="0" smtClean="0"/>
-              <a:t>Medium infrastructure.</a:t>
+              <a:t>IEEE80211</a:t>
             </a:r>
           </a:p>
           <a:p>
             <a:pPr algn="l"/>
             <a:r>
               <a:rPr lang="en-US" dirty="0" smtClean="0"/>
-              <a:t>RF devices - </a:t>
+              <a:t>Passive scan</a:t>
+            </a:r>
+          </a:p>
+          <a:p>
+            <a:pPr algn="l"/>
+            <a:r>
+              <a:rPr lang="en-US" dirty="0" smtClean="0"/>
+              <a:t>Beacon sending</a:t>
+            </a:r>
+          </a:p>
+          <a:p>
+            <a:pPr algn="l"/>
+            <a:r>
+              <a:rPr lang="en-US" dirty="0" smtClean="0"/>
+              <a:t>Acknowledgment</a:t>
+            </a:r>
+          </a:p>
+          <a:p>
+            <a:pPr algn="l"/>
+            <a:r>
+              <a:rPr lang="en-US" dirty="0" smtClean="0"/>
+              <a:t>BSS Connect/Disconnect flow</a:t>
+            </a:r>
+          </a:p>
+          <a:p>
+            <a:pPr algn="l"/>
+            <a:r>
+              <a:rPr lang="en-US" dirty="0" smtClean="0"/>
+              <a:t>Keep Alive mechanism</a:t>
+            </a:r>
+          </a:p>
+          <a:p>
+            <a:r>
+              <a:rPr lang="en-US" dirty="0"/>
+              <a:t>Received Signal Strength </a:t>
+            </a:r>
+            <a:r>
+              <a:rPr lang="en-US" dirty="0" smtClean="0"/>
+              <a:t>Indication (RSSI)</a:t>
+            </a:r>
+          </a:p>
+          <a:p>
+            <a:r>
+              <a:rPr lang="en-US" dirty="0" smtClean="0"/>
+              <a:t>Transmit Rate Calculation (SNR – </a:t>
+            </a:r>
+            <a:r>
+              <a:rPr lang="en-US" dirty="0" err="1" smtClean="0"/>
+              <a:t>adventeges</a:t>
+            </a:r>
+            <a:r>
+              <a:rPr lang="en-US" dirty="0" smtClean="0"/>
+              <a:t>/ </a:t>
+            </a:r>
+            <a:r>
+              <a:rPr lang="en-US" dirty="0" err="1" smtClean="0"/>
+              <a:t>disad</a:t>
+            </a:r>
+            <a:endParaRPr lang="en-US" dirty="0" smtClean="0"/>
+          </a:p>
+          <a:p>
+            <a:r>
+              <a:rPr lang="en-US" dirty="0" smtClean="0"/>
+              <a:t>Support of standards </a:t>
             </a:r>
             <a:r>
               <a:rPr lang="en-US" strike="sngStrike" dirty="0" smtClean="0"/>
-              <a:t>UML</a:t>
-            </a:r>
-          </a:p>
-          <a:p>
-            <a:pPr algn="l"/>
+              <a:t>Band</a:t>
+            </a:r>
             <a:r>
               <a:rPr lang="en-US" dirty="0" smtClean="0"/>
-              <a:t>Packets – </a:t>
+              <a:t> A, </a:t>
             </a:r>
             <a:r>
               <a:rPr lang="en-US" strike="sngStrike" dirty="0" smtClean="0"/>
-              <a:t>UML</a:t>
-            </a:r>
-          </a:p>
-          <a:p>
-            <a:pPr algn="l"/>
+              <a:t>Band</a:t>
+            </a:r>
             <a:r>
               <a:rPr lang="en-US" dirty="0" smtClean="0"/>
-              <a:t>Support of two different data links:</a:t>
-            </a:r>
-          </a:p>
-          <a:p>
-            <a:pPr lvl="1"/>
+              <a:t> N</a:t>
+            </a:r>
+          </a:p>
+          <a:p>
             <a:r>
               <a:rPr lang="en-US" dirty="0" smtClean="0"/>
-              <a:t>BSS</a:t>
-            </a:r>
-          </a:p>
-          <a:p>
-            <a:pPr lvl="1"/>
+              <a:t>Connection establishment negotiation</a:t>
+            </a:r>
+          </a:p>
+          <a:p>
             <a:r>
               <a:rPr lang="en-US" dirty="0" smtClean="0"/>
-              <a:t>TDLS</a:t>
-            </a:r>
-          </a:p>
-          <a:p>
-            <a:pPr algn="l"/>
-            <a:r>
-              <a:rPr lang="en-US" dirty="0" smtClean="0"/>
-              <a:t>Selection between links: </a:t>
-            </a:r>
-          </a:p>
-          <a:p>
-            <a:pPr lvl="1"/>
-            <a:r>
-              <a:rPr lang="en-US" dirty="0" smtClean="0"/>
-              <a:t>BSS</a:t>
-            </a:r>
-          </a:p>
-          <a:p>
-            <a:pPr lvl="1"/>
-            <a:r>
-              <a:rPr lang="en-US" dirty="0" smtClean="0"/>
-              <a:t>TDLS</a:t>
-            </a:r>
-          </a:p>
-          <a:p>
-            <a:pPr algn="l"/>
-            <a:endParaRPr lang="en-US" dirty="0" smtClean="0"/>
-          </a:p>
-          <a:p>
-            <a:pPr algn="l"/>
-            <a:endParaRPr lang="en-US" dirty="0" smtClean="0"/>
-          </a:p>
-          <a:p>
-            <a:pPr algn="l"/>
+              <a:t> Packets Encapsulation /Headers /hierarchy  </a:t>
+            </a:r>
+          </a:p>
+          <a:p>
             <a:endParaRPr lang="en-US" dirty="0"/>
           </a:p>
         </p:txBody>
@@ -9184,7 +9487,7 @@
             <a:pPr rtl="1"/>
             <a:r>
               <a:rPr lang="en-US" dirty="0" smtClean="0"/>
-              <a:t>Simulator - Design</a:t>
+              <a:t>Protocols Support</a:t>
             </a:r>
             <a:endParaRPr lang="en-US" dirty="0"/>
           </a:p>
@@ -9232,121 +9535,35 @@
         </p:nvSpPr>
         <p:spPr/>
         <p:txBody>
-          <a:bodyPr>
-            <a:normAutofit fontScale="92500" lnSpcReduction="20000"/>
-          </a:bodyPr>
+          <a:bodyPr/>
           <a:lstStyle/>
           <a:p>
             <a:pPr algn="l"/>
             <a:r>
               <a:rPr lang="en-US" dirty="0" smtClean="0"/>
-              <a:t>IEEE80211</a:t>
+              <a:t>Preferred channel selection</a:t>
             </a:r>
           </a:p>
           <a:p>
             <a:pPr algn="l"/>
             <a:r>
               <a:rPr lang="en-US" dirty="0" smtClean="0"/>
-              <a:t>Passive scan</a:t>
+              <a:t>Calculation of transmit rate regarding to RSSI</a:t>
             </a:r>
           </a:p>
           <a:p>
             <a:pPr algn="l"/>
             <a:r>
               <a:rPr lang="en-US" dirty="0" smtClean="0"/>
-              <a:t>Beacon sending</a:t>
+              <a:t>Calculation of RSSI regarding to Distance</a:t>
             </a:r>
           </a:p>
           <a:p>
             <a:pPr algn="l"/>
-            <a:r>
-              <a:rPr lang="en-US" dirty="0" smtClean="0"/>
-              <a:t>Acknowledgment</a:t>
-            </a:r>
+            <a:endParaRPr lang="en-US" dirty="0" smtClean="0"/>
           </a:p>
           <a:p>
             <a:pPr algn="l"/>
-            <a:r>
-              <a:rPr lang="en-US" dirty="0" smtClean="0"/>
-              <a:t>BSS Connect/Disconnect flow</a:t>
-            </a:r>
-          </a:p>
-          <a:p>
-            <a:pPr algn="l"/>
-            <a:r>
-              <a:rPr lang="en-US" dirty="0" smtClean="0"/>
-              <a:t>Keep Alive mechanism</a:t>
-            </a:r>
-          </a:p>
-          <a:p>
-            <a:r>
-              <a:rPr lang="en-US" dirty="0"/>
-              <a:t>Received Signal Strength </a:t>
-            </a:r>
-            <a:r>
-              <a:rPr lang="en-US" dirty="0" smtClean="0"/>
-              <a:t>Indication (RSSI)</a:t>
-            </a:r>
-          </a:p>
-          <a:p>
-            <a:r>
-              <a:rPr lang="en-US" dirty="0" smtClean="0"/>
-              <a:t>Transmit Rate Calculation (SNR – </a:t>
-            </a:r>
-            <a:r>
-              <a:rPr lang="en-US" dirty="0" err="1" smtClean="0"/>
-              <a:t>adventeges</a:t>
-            </a:r>
-            <a:r>
-              <a:rPr lang="en-US" dirty="0" smtClean="0"/>
-              <a:t>/ </a:t>
-            </a:r>
-            <a:r>
-              <a:rPr lang="en-US" dirty="0" err="1" smtClean="0"/>
-              <a:t>disad</a:t>
-            </a:r>
-            <a:endParaRPr lang="en-US" dirty="0" smtClean="0"/>
-          </a:p>
-          <a:p>
-            <a:r>
-              <a:rPr lang="en-US" dirty="0" smtClean="0"/>
-              <a:t>Support of standards </a:t>
-            </a:r>
-            <a:r>
-              <a:rPr lang="en-US" strike="sngStrike" dirty="0" smtClean="0"/>
-              <a:t>Band</a:t>
-            </a:r>
-            <a:r>
-              <a:rPr lang="en-US" dirty="0" smtClean="0"/>
-              <a:t> A, </a:t>
-            </a:r>
-            <a:r>
-              <a:rPr lang="en-US" strike="sngStrike" dirty="0" smtClean="0"/>
-              <a:t>Band</a:t>
-            </a:r>
-            <a:r>
-              <a:rPr lang="en-US" dirty="0" smtClean="0"/>
-              <a:t> </a:t>
-            </a:r>
-            <a:r>
-              <a:rPr lang="en-US" dirty="0" smtClean="0"/>
-              <a:t>N</a:t>
-            </a:r>
-          </a:p>
-          <a:p>
-            <a:r>
-              <a:rPr lang="en-US" dirty="0" smtClean="0"/>
-              <a:t>Connection establishment negotiation</a:t>
-            </a:r>
-          </a:p>
-          <a:p>
-            <a:r>
-              <a:rPr lang="en-US" dirty="0" smtClean="0"/>
-              <a:t> Packets Encapsulation /Headers /hierarchy  </a:t>
-            </a:r>
-            <a:endParaRPr lang="en-US" dirty="0" smtClean="0"/>
-          </a:p>
-          <a:p>
             <a:endParaRPr lang="en-US" dirty="0"/>
           </a:p>
         </p:txBody>
@@ -9369,7 +9586,7 @@
             <a:pPr rtl="1"/>
             <a:r>
               <a:rPr lang="en-US" dirty="0" smtClean="0"/>
-              <a:t>Protocols Support</a:t>
+              <a:t>Used Algorithms</a:t>
             </a:r>
             <a:endParaRPr lang="en-US" dirty="0"/>
           </a:p>
@@ -9417,32 +9634,131 @@
         </p:nvSpPr>
         <p:spPr/>
         <p:txBody>
-          <a:bodyPr/>
+          <a:bodyPr>
+            <a:normAutofit fontScale="70000" lnSpcReduction="20000"/>
+          </a:bodyPr>
           <a:lstStyle/>
           <a:p>
             <a:pPr algn="l"/>
             <a:r>
               <a:rPr lang="en-US" dirty="0" smtClean="0"/>
-              <a:t>Preferred channel selection</a:t>
+              <a:t>Statistic and information</a:t>
             </a:r>
           </a:p>
           <a:p>
             <a:pPr algn="l"/>
             <a:r>
               <a:rPr lang="en-US" dirty="0" smtClean="0"/>
-              <a:t>Calculation of transmit rate regarding to RSSI</a:t>
+              <a:t>Easy access to get all simulated information </a:t>
             </a:r>
           </a:p>
           <a:p>
             <a:pPr algn="l"/>
             <a:r>
               <a:rPr lang="en-US" dirty="0" smtClean="0"/>
-              <a:t>Calculation of RSSI regarding to </a:t>
-            </a:r>
+              <a:t>Ability to move objects on board</a:t>
+            </a:r>
+          </a:p>
+          <a:p>
+            <a:pPr algn="l"/>
             <a:r>
               <a:rPr lang="en-US" dirty="0" smtClean="0"/>
-              <a:t>Distance</a:t>
-            </a:r>
+              <a:t>Drag &amp; Drop</a:t>
+            </a:r>
+          </a:p>
+          <a:p>
+            <a:pPr algn="l"/>
+            <a:r>
+              <a:rPr lang="en-US" dirty="0" smtClean="0"/>
+              <a:t>Creation of RF device </a:t>
+            </a:r>
+          </a:p>
+          <a:p>
+            <a:pPr algn="l"/>
+            <a:r>
+              <a:rPr lang="en-US" dirty="0" smtClean="0"/>
+              <a:t>Random simulation</a:t>
+            </a:r>
+          </a:p>
+          <a:p>
+            <a:pPr algn="l"/>
+            <a:r>
+              <a:rPr lang="en-US" dirty="0" smtClean="0"/>
+              <a:t>Static simulation</a:t>
+            </a:r>
+          </a:p>
+          <a:p>
+            <a:pPr algn="l"/>
+            <a:r>
+              <a:rPr lang="en-US" dirty="0" smtClean="0"/>
+              <a:t>Station info form :</a:t>
+            </a:r>
+          </a:p>
+          <a:p>
+            <a:pPr lvl="1">
+              <a:buFont typeface="Wingdings" pitchFamily="2" charset="2"/>
+              <a:buChar char="Ø"/>
+            </a:pPr>
+            <a:r>
+              <a:rPr lang="en-US" dirty="0" smtClean="0"/>
+              <a:t>Statistic </a:t>
+            </a:r>
+          </a:p>
+          <a:p>
+            <a:pPr lvl="1">
+              <a:buFont typeface="Wingdings" pitchFamily="2" charset="2"/>
+              <a:buChar char="Ø"/>
+            </a:pPr>
+            <a:r>
+              <a:rPr lang="en-US" dirty="0" smtClean="0"/>
+              <a:t>Logs</a:t>
+            </a:r>
+          </a:p>
+          <a:p>
+            <a:pPr lvl="1">
+              <a:buFont typeface="Wingdings" pitchFamily="2" charset="2"/>
+              <a:buChar char="Ø"/>
+            </a:pPr>
+            <a:r>
+              <a:rPr lang="en-US" dirty="0" smtClean="0"/>
+              <a:t>Station configuration and overview</a:t>
+            </a:r>
+          </a:p>
+          <a:p>
+            <a:pPr lvl="1">
+              <a:buFont typeface="Wingdings" pitchFamily="2" charset="2"/>
+              <a:buChar char="Ø"/>
+            </a:pPr>
+            <a:r>
+              <a:rPr lang="en-US" dirty="0" smtClean="0"/>
+              <a:t>Configurable </a:t>
+            </a:r>
+            <a:r>
+              <a:rPr lang="en-US" dirty="0"/>
+              <a:t>d</a:t>
+            </a:r>
+            <a:r>
+              <a:rPr lang="en-US" dirty="0" smtClean="0"/>
+              <a:t>ump of STA object</a:t>
+            </a:r>
+          </a:p>
+          <a:p>
+            <a:pPr algn="l"/>
+            <a:r>
+              <a:rPr lang="en-US" dirty="0" smtClean="0"/>
+              <a:t>AP info form – provide basic configuration</a:t>
+            </a:r>
+          </a:p>
+          <a:p>
+            <a:pPr algn="l"/>
+            <a:r>
+              <a:rPr lang="en-US" dirty="0" smtClean="0"/>
+              <a:t>Saving and Load current simulation into file</a:t>
+            </a:r>
+          </a:p>
+          <a:p>
+            <a:pPr algn="l"/>
+            <a:endParaRPr lang="en-US" dirty="0" smtClean="0"/>
           </a:p>
           <a:p>
             <a:pPr algn="l"/>
@@ -9472,7 +9788,7 @@
             <a:pPr rtl="1"/>
             <a:r>
               <a:rPr lang="en-US" dirty="0" smtClean="0"/>
-              <a:t>Used Algorithms</a:t>
+              <a:t>GUI</a:t>
             </a:r>
             <a:endParaRPr lang="en-US" dirty="0"/>
           </a:p>
@@ -9521,137 +9837,80 @@
         <p:spPr/>
         <p:txBody>
           <a:bodyPr>
-            <a:normAutofit fontScale="70000" lnSpcReduction="20000"/>
+            <a:normAutofit fontScale="92500"/>
           </a:bodyPr>
           <a:lstStyle/>
           <a:p>
             <a:pPr algn="l"/>
             <a:r>
+              <a:rPr lang="en-US" strike="sngStrike" dirty="0" smtClean="0"/>
+              <a:t>Here insert graphs from wiki about standards</a:t>
+            </a:r>
+          </a:p>
+          <a:p>
+            <a:r>
+              <a:rPr lang="en-US" dirty="0">
+                <a:hlinkClick r:id="rId2"/>
+              </a:rPr>
+              <a:t>http://wiki.dhs01.com</a:t>
+            </a:r>
+            <a:r>
+              <a:rPr lang="en-US" dirty="0" smtClean="0">
+                <a:hlinkClick r:id="rId2"/>
+              </a:rPr>
+              <a:t>/</a:t>
+            </a:r>
+            <a:endParaRPr lang="en-US" dirty="0" smtClean="0"/>
+          </a:p>
+          <a:p>
+            <a:r>
               <a:rPr lang="en-US" dirty="0" smtClean="0"/>
-              <a:t>Statistic and information</a:t>
-            </a:r>
-          </a:p>
-          <a:p>
-            <a:pPr algn="l"/>
+              <a:t>RSSI</a:t>
+            </a:r>
+          </a:p>
+          <a:p>
+            <a:endParaRPr lang="en-US" dirty="0"/>
+          </a:p>
+          <a:p>
             <a:r>
               <a:rPr lang="en-US" dirty="0" smtClean="0"/>
-              <a:t>Easy access to get all simulated information </a:t>
-            </a:r>
-          </a:p>
-          <a:p>
-            <a:pPr algn="l"/>
+              <a:t>Challenge – medium</a:t>
+            </a:r>
+          </a:p>
+          <a:p>
+            <a:pPr lvl="1"/>
             <a:r>
               <a:rPr lang="en-US" dirty="0" smtClean="0"/>
-              <a:t>Ability to move objects on board</a:t>
-            </a:r>
-          </a:p>
-          <a:p>
-            <a:pPr algn="l"/>
+              <a:t>Send data</a:t>
+            </a:r>
+          </a:p>
+          <a:p>
+            <a:pPr lvl="1"/>
             <a:r>
               <a:rPr lang="en-US" dirty="0" smtClean="0"/>
-              <a:t>Drag &amp; Drop</a:t>
-            </a:r>
-          </a:p>
-          <a:p>
-            <a:pPr algn="l"/>
+              <a:t>Pars received packet</a:t>
+            </a:r>
+          </a:p>
+          <a:p>
+            <a:pPr lvl="1"/>
             <a:r>
               <a:rPr lang="en-US" dirty="0" smtClean="0"/>
-              <a:t>Creation of RF device </a:t>
-            </a:r>
-          </a:p>
-          <a:p>
-            <a:pPr algn="l"/>
+              <a:t>Medium registration</a:t>
+            </a:r>
+          </a:p>
+          <a:p>
+            <a:pPr lvl="1"/>
             <a:r>
               <a:rPr lang="en-US" dirty="0" smtClean="0"/>
-              <a:t>Random simulation</a:t>
-            </a:r>
-          </a:p>
-          <a:p>
-            <a:pPr algn="l"/>
+              <a:t>AP – support any kind of packets </a:t>
+            </a:r>
+          </a:p>
+          <a:p>
+            <a:pPr lvl="1"/>
             <a:r>
               <a:rPr lang="en-US" dirty="0" smtClean="0"/>
-              <a:t>Static simulation</a:t>
-            </a:r>
-          </a:p>
-          <a:p>
-            <a:pPr algn="l"/>
-            <a:r>
-              <a:rPr lang="en-US" dirty="0" smtClean="0"/>
-              <a:t>Station info form :</a:t>
-            </a:r>
-          </a:p>
-          <a:p>
-            <a:pPr lvl="1">
-              <a:buFont typeface="Wingdings" pitchFamily="2" charset="2"/>
-              <a:buChar char="Ø"/>
-            </a:pPr>
-            <a:r>
-              <a:rPr lang="en-US" dirty="0" smtClean="0"/>
-              <a:t>Statistic </a:t>
-            </a:r>
-          </a:p>
-          <a:p>
-            <a:pPr lvl="1">
-              <a:buFont typeface="Wingdings" pitchFamily="2" charset="2"/>
-              <a:buChar char="Ø"/>
-            </a:pPr>
-            <a:r>
-              <a:rPr lang="en-US" dirty="0" smtClean="0"/>
-              <a:t>Logs</a:t>
-            </a:r>
-          </a:p>
-          <a:p>
-            <a:pPr lvl="1">
-              <a:buFont typeface="Wingdings" pitchFamily="2" charset="2"/>
-              <a:buChar char="Ø"/>
-            </a:pPr>
-            <a:r>
-              <a:rPr lang="en-US" dirty="0" smtClean="0"/>
-              <a:t>Station configuration and overview</a:t>
-            </a:r>
-          </a:p>
-          <a:p>
-            <a:pPr lvl="1">
-              <a:buFont typeface="Wingdings" pitchFamily="2" charset="2"/>
-              <a:buChar char="Ø"/>
-            </a:pPr>
-            <a:r>
-              <a:rPr lang="en-US" dirty="0" smtClean="0"/>
-              <a:t>Configurable </a:t>
-            </a:r>
-            <a:r>
-              <a:rPr lang="en-US" dirty="0"/>
-              <a:t>d</a:t>
-            </a:r>
-            <a:r>
-              <a:rPr lang="en-US" dirty="0" smtClean="0"/>
-              <a:t>ump of STA object</a:t>
-            </a:r>
-          </a:p>
-          <a:p>
-            <a:pPr algn="l"/>
-            <a:r>
-              <a:rPr lang="en-US" dirty="0" smtClean="0"/>
-              <a:t>AP info form – provide basic configuration</a:t>
-            </a:r>
-          </a:p>
-          <a:p>
-            <a:pPr algn="l"/>
-            <a:r>
-              <a:rPr lang="en-US" dirty="0" smtClean="0"/>
-              <a:t>Saving and Load current simulation into file</a:t>
-            </a:r>
-          </a:p>
-          <a:p>
-            <a:pPr algn="l"/>
-            <a:endParaRPr lang="en-US" dirty="0" smtClean="0"/>
-          </a:p>
-          <a:p>
-            <a:pPr algn="l"/>
-            <a:endParaRPr lang="en-US" dirty="0" smtClean="0"/>
-          </a:p>
-          <a:p>
-            <a:pPr algn="l"/>
+              <a:t>Stream handler / File to Packet division and restoration    </a:t>
+            </a:r>
             <a:endParaRPr lang="en-US" dirty="0"/>
           </a:p>
         </p:txBody>
@@ -9672,10 +9931,6 @@
           <a:lstStyle/>
           <a:p>
             <a:pPr rtl="1"/>
-            <a:r>
-              <a:rPr lang="en-US" dirty="0" smtClean="0"/>
-              <a:t>GUI</a:t>
-            </a:r>
             <a:endParaRPr lang="en-US" dirty="0"/>
           </a:p>
         </p:txBody>
@@ -9722,90 +9977,10 @@
         </p:nvSpPr>
         <p:spPr/>
         <p:txBody>
-          <a:bodyPr>
-            <a:normAutofit fontScale="92500"/>
-          </a:bodyPr>
+          <a:bodyPr/>
           <a:lstStyle/>
           <a:p>
             <a:pPr algn="l"/>
-            <a:r>
-              <a:rPr lang="en-US" strike="sngStrike" dirty="0" smtClean="0"/>
-              <a:t>Here insert graphs from wiki about standards</a:t>
-            </a:r>
-          </a:p>
-          <a:p>
-            <a:r>
-              <a:rPr lang="en-US" dirty="0">
-                <a:hlinkClick r:id="rId2"/>
-              </a:rPr>
-              <a:t>http://wiki.dhs01.com</a:t>
-            </a:r>
-            <a:r>
-              <a:rPr lang="en-US" dirty="0" smtClean="0">
-                <a:hlinkClick r:id="rId2"/>
-              </a:rPr>
-              <a:t>/</a:t>
-            </a:r>
-            <a:endParaRPr lang="en-US" dirty="0" smtClean="0"/>
-          </a:p>
-          <a:p>
-            <a:r>
-              <a:rPr lang="en-US" dirty="0" smtClean="0"/>
-              <a:t>RSSI</a:t>
-            </a:r>
-          </a:p>
-          <a:p>
-            <a:endParaRPr lang="en-US" dirty="0"/>
-          </a:p>
-          <a:p>
-            <a:r>
-              <a:rPr lang="en-US" dirty="0" smtClean="0"/>
-              <a:t>Challenge – medium</a:t>
-            </a:r>
-          </a:p>
-          <a:p>
-            <a:pPr lvl="1"/>
-            <a:r>
-              <a:rPr lang="en-US" dirty="0" smtClean="0"/>
-              <a:t>Send data</a:t>
-            </a:r>
-          </a:p>
-          <a:p>
-            <a:pPr lvl="1"/>
-            <a:r>
-              <a:rPr lang="en-US" dirty="0" smtClean="0"/>
-              <a:t>Pars received packet</a:t>
-            </a:r>
-          </a:p>
-          <a:p>
-            <a:pPr lvl="1"/>
-            <a:r>
-              <a:rPr lang="en-US" dirty="0" smtClean="0"/>
-              <a:t>Medium </a:t>
-            </a:r>
-            <a:r>
-              <a:rPr lang="en-US" dirty="0" smtClean="0"/>
-              <a:t>registration</a:t>
-            </a:r>
-            <a:endParaRPr lang="en-US" dirty="0" smtClean="0"/>
-          </a:p>
-          <a:p>
-            <a:pPr lvl="1"/>
-            <a:r>
-              <a:rPr lang="en-US" dirty="0" smtClean="0"/>
-              <a:t>AP – support any kind of packets </a:t>
-            </a:r>
-          </a:p>
-          <a:p>
-            <a:pPr lvl="1"/>
-            <a:r>
-              <a:rPr lang="en-US" dirty="0" smtClean="0"/>
-              <a:t>Stream </a:t>
-            </a:r>
-            <a:r>
-              <a:rPr lang="en-US" dirty="0" smtClean="0"/>
-              <a:t>handler / File to Packet division and restoration    </a:t>
-            </a:r>
             <a:endParaRPr lang="en-US" dirty="0"/>
           </a:p>
         </p:txBody>
@@ -9826,6 +10001,13 @@
           <a:lstStyle/>
           <a:p>
             <a:pPr rtl="1"/>
+            <a:r>
+              <a:rPr lang="en-US" dirty="0"/>
+              <a:t>Notable Functions / Algorithms </a:t>
+            </a:r>
+            <a:br>
+              <a:rPr lang="en-US" dirty="0"/>
+            </a:br>
             <a:endParaRPr lang="en-US" dirty="0"/>
           </a:p>
         </p:txBody>

--- a/JudgesForumPresentation.pptx
+++ b/JudgesForumPresentation.pptx
@@ -5,37 +5,36 @@
     <p:sldMasterId id="2147483672" r:id="rId1"/>
   </p:sldMasterIdLst>
   <p:notesMasterIdLst>
-    <p:notesMasterId r:id="rId27"/>
+    <p:notesMasterId r:id="rId26"/>
   </p:notesMasterIdLst>
   <p:handoutMasterIdLst>
-    <p:handoutMasterId r:id="rId28"/>
+    <p:handoutMasterId r:id="rId27"/>
   </p:handoutMasterIdLst>
   <p:sldIdLst>
     <p:sldId id="256" r:id="rId2"/>
     <p:sldId id="299" r:id="rId3"/>
     <p:sldId id="300" r:id="rId4"/>
     <p:sldId id="301" r:id="rId5"/>
-    <p:sldId id="302" r:id="rId6"/>
-    <p:sldId id="303" r:id="rId7"/>
-    <p:sldId id="304" r:id="rId8"/>
-    <p:sldId id="305" r:id="rId9"/>
-    <p:sldId id="306" r:id="rId10"/>
-    <p:sldId id="310" r:id="rId11"/>
-    <p:sldId id="322" r:id="rId12"/>
-    <p:sldId id="323" r:id="rId13"/>
-    <p:sldId id="318" r:id="rId14"/>
-    <p:sldId id="311" r:id="rId15"/>
-    <p:sldId id="312" r:id="rId16"/>
-    <p:sldId id="313" r:id="rId17"/>
-    <p:sldId id="314" r:id="rId18"/>
+    <p:sldId id="310" r:id="rId6"/>
+    <p:sldId id="313" r:id="rId7"/>
+    <p:sldId id="314" r:id="rId8"/>
+    <p:sldId id="302" r:id="rId9"/>
+    <p:sldId id="303" r:id="rId10"/>
+    <p:sldId id="304" r:id="rId11"/>
+    <p:sldId id="305" r:id="rId12"/>
+    <p:sldId id="306" r:id="rId13"/>
+    <p:sldId id="322" r:id="rId14"/>
+    <p:sldId id="323" r:id="rId15"/>
+    <p:sldId id="318" r:id="rId16"/>
+    <p:sldId id="311" r:id="rId17"/>
+    <p:sldId id="312" r:id="rId18"/>
     <p:sldId id="315" r:id="rId19"/>
-    <p:sldId id="316" r:id="rId20"/>
-    <p:sldId id="309" r:id="rId21"/>
-    <p:sldId id="320" r:id="rId22"/>
-    <p:sldId id="321" r:id="rId23"/>
-    <p:sldId id="307" r:id="rId24"/>
-    <p:sldId id="317" r:id="rId25"/>
-    <p:sldId id="308" r:id="rId26"/>
+    <p:sldId id="309" r:id="rId20"/>
+    <p:sldId id="320" r:id="rId21"/>
+    <p:sldId id="321" r:id="rId22"/>
+    <p:sldId id="307" r:id="rId23"/>
+    <p:sldId id="317" r:id="rId24"/>
+    <p:sldId id="308" r:id="rId25"/>
   </p:sldIdLst>
   <p:sldSz cx="9144000" cy="6858000" type="screen4x3"/>
   <p:notesSz cx="6669088" cy="9928225"/>
@@ -1793,11 +1792,11 @@
           <c:showBubbleSize val="0"/>
         </c:dLbls>
         <c:gapWidth val="150"/>
-        <c:axId val="96133120"/>
-        <c:axId val="84515584"/>
+        <c:axId val="98103296"/>
+        <c:axId val="88709888"/>
       </c:barChart>
       <c:catAx>
-        <c:axId val="96133120"/>
+        <c:axId val="98103296"/>
         <c:scaling>
           <c:orientation val="minMax"/>
         </c:scaling>
@@ -1807,7 +1806,7 @@
         <c:majorTickMark val="none"/>
         <c:minorTickMark val="none"/>
         <c:tickLblPos val="nextTo"/>
-        <c:crossAx val="84515584"/>
+        <c:crossAx val="88709888"/>
         <c:crosses val="autoZero"/>
         <c:auto val="1"/>
         <c:lblAlgn val="ctr"/>
@@ -1815,7 +1814,7 @@
         <c:noMultiLvlLbl val="0"/>
       </c:catAx>
       <c:valAx>
-        <c:axId val="84515584"/>
+        <c:axId val="88709888"/>
         <c:scaling>
           <c:orientation val="minMax"/>
         </c:scaling>
@@ -1826,7 +1825,7 @@
         <c:majorTickMark val="none"/>
         <c:minorTickMark val="none"/>
         <c:tickLblPos val="nextTo"/>
-        <c:crossAx val="96133120"/>
+        <c:crossAx val="98103296"/>
         <c:crosses val="autoZero"/>
         <c:crossBetween val="between"/>
       </c:valAx>
@@ -7003,276 +7002,175 @@
           <a:chExt cx="0" cy="0"/>
         </a:xfrm>
       </p:grpSpPr>
-      <p:graphicFrame>
-        <p:nvGraphicFramePr>
+      <p:sp>
+        <p:nvSpPr>
           <p:cNvPr id="2" name="Content Placeholder 1"/>
-          <p:cNvGraphicFramePr>
-            <a:graphicFrameLocks noGrp="1" noChangeAspect="1"/>
-          </p:cNvGraphicFramePr>
+          <p:cNvSpPr>
+            <a:spLocks noGrp="1"/>
+          </p:cNvSpPr>
           <p:nvPr>
             <p:ph idx="1"/>
-            <p:extLst>
-              <p:ext uri="{D42A27DB-BD31-4B8C-83A1-F6EECF244321}">
-                <p14:modId xmlns:p14="http://schemas.microsoft.com/office/powerpoint/2010/main" val="2935771688"/>
-              </p:ext>
-            </p:extLst>
-          </p:nvPr>
-        </p:nvGraphicFramePr>
-        <p:xfrm>
-          <a:off x="228600" y="0"/>
-          <a:ext cx="8610600" cy="6863198"/>
-        </p:xfrm>
-        <a:graphic>
-          <a:graphicData uri="http://schemas.openxmlformats.org/presentationml/2006/ole">
-            <mc:AlternateContent xmlns:mc="http://schemas.openxmlformats.org/markup-compatibility/2006">
-              <mc:Choice xmlns:v="urn:schemas-microsoft-com:vml" Requires="v">
-                <p:oleObj spid="_x0000_s1060" name="Visio" r:id="rId3" imgW="9147060" imgH="7289860" progId="Visio.Drawing.11">
-                  <p:embed/>
-                </p:oleObj>
-              </mc:Choice>
-              <mc:Fallback>
-                <p:oleObj name="Visio" r:id="rId3" imgW="9147060" imgH="7289860" progId="Visio.Drawing.11">
-                  <p:embed/>
-                  <p:pic>
-                    <p:nvPicPr>
-                      <p:cNvPr id="0" name=""/>
-                      <p:cNvPicPr/>
-                      <p:nvPr/>
-                    </p:nvPicPr>
-                    <p:blipFill>
-                      <a:blip r:embed="rId4"/>
-                      <a:stretch>
-                        <a:fillRect/>
-                      </a:stretch>
-                    </p:blipFill>
-                    <p:spPr>
-                      <a:xfrm>
-                        <a:off x="228600" y="0"/>
-                        <a:ext cx="8610600" cy="6863198"/>
-                      </a:xfrm>
-                      <a:prstGeom prst="rect">
-                        <a:avLst/>
-                      </a:prstGeom>
-                    </p:spPr>
-                  </p:pic>
-                </p:oleObj>
-              </mc:Fallback>
-            </mc:AlternateContent>
-          </a:graphicData>
-        </a:graphic>
-      </p:graphicFrame>
-      <p:sp>
-        <p:nvSpPr>
-          <p:cNvPr id="7" name="TextBox 6"/>
-          <p:cNvSpPr txBox="1"/>
-          <p:nvPr/>
-        </p:nvSpPr>
-        <p:spPr>
-          <a:xfrm>
-            <a:off x="4343400" y="1135474"/>
-            <a:ext cx="4572000" cy="4478149"/>
-          </a:xfrm>
-          <a:prstGeom prst="rect">
-            <a:avLst/>
-          </a:prstGeom>
-          <a:noFill/>
-        </p:spPr>
-        <p:txBody>
-          <a:bodyPr wrap="square" rtlCol="0">
-            <a:spAutoFit/>
+          </p:nvPr>
+        </p:nvSpPr>
+        <p:spPr/>
+        <p:txBody>
+          <a:bodyPr>
+            <a:normAutofit fontScale="70000" lnSpcReduction="20000"/>
           </a:bodyPr>
           <a:lstStyle/>
           <a:p>
-            <a:pPr marL="285750" indent="-285750">
-              <a:spcBef>
-                <a:spcPts val="600"/>
-              </a:spcBef>
-              <a:buFont typeface="Arial" pitchFamily="34" charset="0"/>
-              <a:buChar char="•"/>
+            <a:pPr algn="l"/>
+            <a:r>
+              <a:rPr lang="en-US" dirty="0" smtClean="0"/>
+              <a:t>Statistic and information</a:t>
+            </a:r>
+          </a:p>
+          <a:p>
+            <a:pPr algn="l"/>
+            <a:r>
+              <a:rPr lang="en-US" dirty="0" smtClean="0"/>
+              <a:t>Easy access to get all simulated information </a:t>
+            </a:r>
+          </a:p>
+          <a:p>
+            <a:pPr algn="l"/>
+            <a:r>
+              <a:rPr lang="en-US" dirty="0" smtClean="0"/>
+              <a:t>Ability to move objects on board</a:t>
+            </a:r>
+          </a:p>
+          <a:p>
+            <a:pPr algn="l"/>
+            <a:r>
+              <a:rPr lang="en-US" dirty="0" smtClean="0"/>
+              <a:t>Drag &amp; Drop</a:t>
+            </a:r>
+          </a:p>
+          <a:p>
+            <a:pPr algn="l"/>
+            <a:r>
+              <a:rPr lang="en-US" dirty="0" smtClean="0"/>
+              <a:t>Creation of RF device </a:t>
+            </a:r>
+          </a:p>
+          <a:p>
+            <a:pPr algn="l"/>
+            <a:r>
+              <a:rPr lang="en-US" dirty="0" smtClean="0"/>
+              <a:t>Random simulation</a:t>
+            </a:r>
+          </a:p>
+          <a:p>
+            <a:pPr algn="l"/>
+            <a:r>
+              <a:rPr lang="en-US" dirty="0" smtClean="0"/>
+              <a:t>Static simulation</a:t>
+            </a:r>
+          </a:p>
+          <a:p>
+            <a:pPr algn="l"/>
+            <a:r>
+              <a:rPr lang="en-US" dirty="0" smtClean="0"/>
+              <a:t>Station info form :</a:t>
+            </a:r>
+          </a:p>
+          <a:p>
+            <a:pPr lvl="1">
+              <a:buFont typeface="Wingdings" pitchFamily="2" charset="2"/>
+              <a:buChar char="Ø"/>
             </a:pPr>
             <a:r>
-              <a:rPr lang="en-US" sz="2400" dirty="0">
-                <a:latin typeface="Arial" pitchFamily="34" charset="0"/>
-                <a:cs typeface="Arial" pitchFamily="34" charset="0"/>
-              </a:rPr>
-              <a:t>Rx/</a:t>
-            </a:r>
-            <a:r>
-              <a:rPr lang="en-US" sz="2400" dirty="0" err="1">
-                <a:latin typeface="Arial" pitchFamily="34" charset="0"/>
-                <a:cs typeface="Arial" pitchFamily="34" charset="0"/>
-              </a:rPr>
-              <a:t>Tx</a:t>
-            </a:r>
-            <a:r>
-              <a:rPr lang="en-US" sz="2400" dirty="0">
-                <a:latin typeface="Arial" pitchFamily="34" charset="0"/>
-                <a:cs typeface="Arial" pitchFamily="34" charset="0"/>
-              </a:rPr>
-              <a:t> e</a:t>
-            </a:r>
-            <a:r>
-              <a:rPr lang="en-US" sz="2400" dirty="0" smtClean="0">
-                <a:latin typeface="Arial" pitchFamily="34" charset="0"/>
-                <a:cs typeface="Arial" pitchFamily="34" charset="0"/>
-              </a:rPr>
-              <a:t>mulation over Medium</a:t>
-            </a:r>
-            <a:endParaRPr lang="en-US" sz="2400" dirty="0">
-              <a:latin typeface="Arial" pitchFamily="34" charset="0"/>
-              <a:cs typeface="Arial" pitchFamily="34" charset="0"/>
-            </a:endParaRPr>
-          </a:p>
-          <a:p>
-            <a:pPr marL="285750" indent="-285750">
-              <a:spcBef>
-                <a:spcPts val="600"/>
-              </a:spcBef>
-              <a:buFont typeface="Arial" pitchFamily="34" charset="0"/>
-              <a:buChar char="•"/>
+              <a:rPr lang="en-US" dirty="0" smtClean="0"/>
+              <a:t>Statistic </a:t>
+            </a:r>
+          </a:p>
+          <a:p>
+            <a:pPr lvl="1">
+              <a:buFont typeface="Wingdings" pitchFamily="2" charset="2"/>
+              <a:buChar char="Ø"/>
             </a:pPr>
             <a:r>
-              <a:rPr lang="en-US" sz="2400" dirty="0" smtClean="0">
-                <a:latin typeface="Arial" pitchFamily="34" charset="0"/>
-                <a:cs typeface="Arial" pitchFamily="34" charset="0"/>
-              </a:rPr>
-              <a:t>Radius Calculation</a:t>
-            </a:r>
-          </a:p>
-          <a:p>
-            <a:pPr marL="285750" indent="-285750">
-              <a:spcBef>
-                <a:spcPts val="600"/>
-              </a:spcBef>
-              <a:buFont typeface="Arial" pitchFamily="34" charset="0"/>
-              <a:buChar char="•"/>
+              <a:rPr lang="en-US" dirty="0" smtClean="0"/>
+              <a:t>Logs</a:t>
+            </a:r>
+          </a:p>
+          <a:p>
+            <a:pPr lvl="1">
+              <a:buFont typeface="Wingdings" pitchFamily="2" charset="2"/>
+              <a:buChar char="Ø"/>
             </a:pPr>
             <a:r>
-              <a:rPr lang="en-US" sz="2400" dirty="0" smtClean="0">
-                <a:latin typeface="Arial" pitchFamily="34" charset="0"/>
-                <a:cs typeface="Arial" pitchFamily="34" charset="0"/>
-              </a:rPr>
-              <a:t>Multiple Channel support</a:t>
-            </a:r>
-          </a:p>
-          <a:p>
-            <a:pPr marL="285750" indent="-285750">
-              <a:spcBef>
-                <a:spcPts val="600"/>
-              </a:spcBef>
-              <a:buFont typeface="Arial" pitchFamily="34" charset="0"/>
-              <a:buChar char="•"/>
+              <a:rPr lang="en-US" dirty="0" smtClean="0"/>
+              <a:t>Station configuration and overview</a:t>
+            </a:r>
+          </a:p>
+          <a:p>
+            <a:pPr lvl="1">
+              <a:buFont typeface="Wingdings" pitchFamily="2" charset="2"/>
+              <a:buChar char="Ø"/>
             </a:pPr>
             <a:r>
-              <a:rPr lang="en-US" sz="2400" dirty="0" smtClean="0">
-                <a:latin typeface="Arial" pitchFamily="34" charset="0"/>
-                <a:cs typeface="Arial" pitchFamily="34" charset="0"/>
-              </a:rPr>
-              <a:t>Dual Band support</a:t>
-            </a:r>
-          </a:p>
-          <a:p>
-            <a:pPr marL="285750" indent="-285750">
-              <a:spcBef>
-                <a:spcPts val="600"/>
-              </a:spcBef>
-              <a:buFont typeface="Arial" pitchFamily="34" charset="0"/>
-              <a:buChar char="•"/>
-            </a:pPr>
-            <a:r>
-              <a:rPr lang="en-US" sz="2400" dirty="0" smtClean="0">
-                <a:latin typeface="Arial" pitchFamily="34" charset="0"/>
-                <a:cs typeface="Arial" pitchFamily="34" charset="0"/>
-              </a:rPr>
-              <a:t>RSSI Calculation</a:t>
-            </a:r>
-          </a:p>
-          <a:p>
-            <a:pPr marL="285750" indent="-285750">
-              <a:spcBef>
-                <a:spcPts val="600"/>
-              </a:spcBef>
-              <a:buFont typeface="Arial" pitchFamily="34" charset="0"/>
-              <a:buChar char="•"/>
-            </a:pPr>
-            <a:r>
-              <a:rPr lang="en-US" sz="2400" dirty="0" smtClean="0">
-                <a:latin typeface="Arial" pitchFamily="34" charset="0"/>
-                <a:cs typeface="Arial" pitchFamily="34" charset="0"/>
-              </a:rPr>
-              <a:t>Transmission Data Rate</a:t>
-            </a:r>
-          </a:p>
-          <a:p>
-            <a:pPr marL="285750" indent="-285750">
-              <a:spcBef>
-                <a:spcPts val="600"/>
-              </a:spcBef>
-              <a:buFont typeface="Arial" pitchFamily="34" charset="0"/>
-              <a:buChar char="•"/>
-            </a:pPr>
-            <a:r>
-              <a:rPr lang="en-US" sz="2400" dirty="0" smtClean="0">
-                <a:latin typeface="Arial" pitchFamily="34" charset="0"/>
-                <a:cs typeface="Arial" pitchFamily="34" charset="0"/>
-              </a:rPr>
-              <a:t>Noise Simulation</a:t>
-            </a:r>
-          </a:p>
-          <a:p>
-            <a:pPr marL="285750" indent="-285750">
-              <a:spcBef>
-                <a:spcPts val="600"/>
-              </a:spcBef>
-              <a:buFont typeface="Arial" pitchFamily="34" charset="0"/>
-              <a:buChar char="•"/>
-            </a:pPr>
-            <a:r>
-              <a:rPr lang="en-US" sz="2400" dirty="0" err="1" smtClean="0">
-                <a:latin typeface="Arial" pitchFamily="34" charset="0"/>
-                <a:cs typeface="Arial" pitchFamily="34" charset="0"/>
-              </a:rPr>
-              <a:t>Tx</a:t>
-            </a:r>
-            <a:r>
-              <a:rPr lang="en-US" sz="2400" dirty="0" smtClean="0">
-                <a:latin typeface="Arial" pitchFamily="34" charset="0"/>
-                <a:cs typeface="Arial" pitchFamily="34" charset="0"/>
-              </a:rPr>
-              <a:t> opportunity </a:t>
-            </a:r>
-          </a:p>
-          <a:p>
-            <a:pPr marL="285750" indent="-285750">
-              <a:spcBef>
-                <a:spcPts val="600"/>
-              </a:spcBef>
-              <a:buFont typeface="Arial" pitchFamily="34" charset="0"/>
-              <a:buChar char="•"/>
-            </a:pPr>
-            <a:r>
-              <a:rPr lang="en-US" sz="2400" dirty="0" smtClean="0">
-                <a:latin typeface="Arial" pitchFamily="34" charset="0"/>
-                <a:cs typeface="Arial" pitchFamily="34" charset="0"/>
-              </a:rPr>
-              <a:t>Acknowledgment</a:t>
-            </a:r>
-          </a:p>
-          <a:p>
-            <a:pPr marL="285750" indent="-285750">
-              <a:spcBef>
-                <a:spcPts val="600"/>
-              </a:spcBef>
-              <a:buFont typeface="Arial" pitchFamily="34" charset="0"/>
-              <a:buChar char="•"/>
-            </a:pPr>
-            <a:r>
-              <a:rPr lang="en-US" sz="2400" dirty="0" smtClean="0">
-                <a:latin typeface="Arial" pitchFamily="34" charset="0"/>
-                <a:cs typeface="Arial" pitchFamily="34" charset="0"/>
-              </a:rPr>
-              <a:t>MAC resolution  </a:t>
-            </a:r>
+              <a:rPr lang="en-US" dirty="0" smtClean="0"/>
+              <a:t>Configurable </a:t>
+            </a:r>
+            <a:r>
+              <a:rPr lang="en-US" dirty="0"/>
+              <a:t>d</a:t>
+            </a:r>
+            <a:r>
+              <a:rPr lang="en-US" dirty="0" smtClean="0"/>
+              <a:t>ump of STA object</a:t>
+            </a:r>
+          </a:p>
+          <a:p>
+            <a:pPr algn="l"/>
+            <a:r>
+              <a:rPr lang="en-US" dirty="0" smtClean="0"/>
+              <a:t>AP info form – provide basic configuration</a:t>
+            </a:r>
+          </a:p>
+          <a:p>
+            <a:pPr algn="l"/>
+            <a:r>
+              <a:rPr lang="en-US" dirty="0" smtClean="0"/>
+              <a:t>Saving and Load current simulation into file</a:t>
+            </a:r>
+          </a:p>
+          <a:p>
+            <a:pPr algn="l"/>
+            <a:endParaRPr lang="en-US" dirty="0" smtClean="0"/>
+          </a:p>
+          <a:p>
+            <a:pPr algn="l"/>
+            <a:endParaRPr lang="en-US" dirty="0" smtClean="0"/>
+          </a:p>
+          <a:p>
+            <a:pPr algn="l"/>
+            <a:endParaRPr lang="en-US" dirty="0"/>
+          </a:p>
+        </p:txBody>
+      </p:sp>
+      <p:sp>
+        <p:nvSpPr>
+          <p:cNvPr id="3" name="Title 2"/>
+          <p:cNvSpPr>
+            <a:spLocks noGrp="1"/>
+          </p:cNvSpPr>
+          <p:nvPr>
+            <p:ph type="title"/>
+          </p:nvPr>
+        </p:nvSpPr>
+        <p:spPr/>
+        <p:txBody>
+          <a:bodyPr/>
+          <a:lstStyle/>
+          <a:p>
+            <a:pPr rtl="1"/>
+            <a:r>
+              <a:rPr lang="en-US" dirty="0" smtClean="0"/>
+              <a:t>GUI</a:t>
+            </a:r>
+            <a:endParaRPr lang="en-US" dirty="0"/>
           </a:p>
         </p:txBody>
       </p:sp>
@@ -7286,13 +7184,6 @@
   <p:clrMapOvr>
     <a:masterClrMapping/>
   </p:clrMapOvr>
-  <p:timing>
-    <p:tnLst>
-      <p:par>
-        <p:cTn id="1" dur="indefinite" restart="never" nodeType="tmRoot"/>
-      </p:par>
-    </p:tnLst>
-  </p:timing>
 </p:sld>
 </file>
 
@@ -7315,37 +7206,248 @@
       </p:grpSpPr>
       <p:sp>
         <p:nvSpPr>
-          <p:cNvPr id="3" name="Заголовок 2"/>
+          <p:cNvPr id="2" name="Content Placeholder 1"/>
           <p:cNvSpPr>
             <a:spLocks noGrp="1"/>
           </p:cNvSpPr>
           <p:nvPr>
+            <p:ph idx="1"/>
+          </p:nvPr>
+        </p:nvSpPr>
+        <p:spPr/>
+        <p:txBody>
+          <a:bodyPr>
+            <a:normAutofit fontScale="92500"/>
+          </a:bodyPr>
+          <a:lstStyle/>
+          <a:p>
+            <a:pPr algn="l"/>
+            <a:r>
+              <a:rPr lang="en-US" strike="sngStrike" dirty="0" smtClean="0"/>
+              <a:t>Here insert graphs from wiki about standards</a:t>
+            </a:r>
+          </a:p>
+          <a:p>
+            <a:r>
+              <a:rPr lang="en-US" dirty="0">
+                <a:hlinkClick r:id="rId2"/>
+              </a:rPr>
+              <a:t>http://wiki.dhs01.com</a:t>
+            </a:r>
+            <a:r>
+              <a:rPr lang="en-US" dirty="0" smtClean="0">
+                <a:hlinkClick r:id="rId2"/>
+              </a:rPr>
+              <a:t>/</a:t>
+            </a:r>
+            <a:endParaRPr lang="en-US" dirty="0" smtClean="0"/>
+          </a:p>
+          <a:p>
+            <a:r>
+              <a:rPr lang="en-US" dirty="0" smtClean="0"/>
+              <a:t>RSSI</a:t>
+            </a:r>
+          </a:p>
+          <a:p>
+            <a:endParaRPr lang="en-US" dirty="0"/>
+          </a:p>
+          <a:p>
+            <a:r>
+              <a:rPr lang="en-US" dirty="0" smtClean="0"/>
+              <a:t>Challenge – medium</a:t>
+            </a:r>
+          </a:p>
+          <a:p>
+            <a:pPr lvl="1"/>
+            <a:r>
+              <a:rPr lang="en-US" dirty="0" smtClean="0"/>
+              <a:t>Send data</a:t>
+            </a:r>
+          </a:p>
+          <a:p>
+            <a:pPr lvl="1"/>
+            <a:r>
+              <a:rPr lang="en-US" dirty="0" smtClean="0"/>
+              <a:t>Pars received packet</a:t>
+            </a:r>
+          </a:p>
+          <a:p>
+            <a:pPr lvl="1"/>
+            <a:r>
+              <a:rPr lang="en-US" dirty="0" smtClean="0"/>
+              <a:t>Medium registration</a:t>
+            </a:r>
+          </a:p>
+          <a:p>
+            <a:pPr lvl="1"/>
+            <a:r>
+              <a:rPr lang="en-US" dirty="0" smtClean="0"/>
+              <a:t>AP – support any kind of packets </a:t>
+            </a:r>
+          </a:p>
+          <a:p>
+            <a:pPr lvl="1"/>
+            <a:r>
+              <a:rPr lang="en-US" dirty="0" smtClean="0"/>
+              <a:t>Stream handler / File to Packet division and restoration    </a:t>
+            </a:r>
+            <a:endParaRPr lang="en-US" dirty="0"/>
+          </a:p>
+        </p:txBody>
+      </p:sp>
+      <p:sp>
+        <p:nvSpPr>
+          <p:cNvPr id="3" name="Title 2"/>
+          <p:cNvSpPr>
+            <a:spLocks noGrp="1"/>
+          </p:cNvSpPr>
+          <p:nvPr>
+            <p:ph type="title"/>
+          </p:nvPr>
+        </p:nvSpPr>
+        <p:spPr/>
+        <p:txBody>
+          <a:bodyPr/>
+          <a:lstStyle/>
+          <a:p>
+            <a:pPr rtl="1"/>
+            <a:endParaRPr lang="en-US" dirty="0"/>
+          </a:p>
+        </p:txBody>
+      </p:sp>
+    </p:spTree>
+    <p:extLst>
+      <p:ext uri="{BB962C8B-B14F-4D97-AF65-F5344CB8AC3E}">
+        <p14:creationId xmlns:p14="http://schemas.microsoft.com/office/powerpoint/2010/main" val="1441071697"/>
+      </p:ext>
+    </p:extLst>
+  </p:cSld>
+  <p:clrMapOvr>
+    <a:masterClrMapping/>
+  </p:clrMapOvr>
+</p:sld>
+</file>
+
+<file path=ppt/slides/slide12.xml><?xml version="1.0" encoding="utf-8"?>
+<p:sld xmlns:a="http://schemas.openxmlformats.org/drawingml/2006/main" xmlns:r="http://schemas.openxmlformats.org/officeDocument/2006/relationships" xmlns:p="http://schemas.openxmlformats.org/presentationml/2006/main">
+  <p:cSld>
+    <p:spTree>
+      <p:nvGrpSpPr>
+        <p:cNvPr id="1" name=""/>
+        <p:cNvGrpSpPr/>
+        <p:nvPr/>
+      </p:nvGrpSpPr>
+      <p:grpSpPr>
+        <a:xfrm>
+          <a:off x="0" y="0"/>
+          <a:ext cx="0" cy="0"/>
+          <a:chOff x="0" y="0"/>
+          <a:chExt cx="0" cy="0"/>
+        </a:xfrm>
+      </p:grpSpPr>
+      <p:sp>
+        <p:nvSpPr>
+          <p:cNvPr id="2" name="Content Placeholder 1"/>
+          <p:cNvSpPr>
+            <a:spLocks noGrp="1"/>
+          </p:cNvSpPr>
+          <p:nvPr>
+            <p:ph idx="1"/>
+          </p:nvPr>
+        </p:nvSpPr>
+        <p:spPr/>
+        <p:txBody>
+          <a:bodyPr/>
+          <a:lstStyle/>
+          <a:p>
+            <a:pPr algn="l"/>
+            <a:endParaRPr lang="en-US" dirty="0"/>
+          </a:p>
+        </p:txBody>
+      </p:sp>
+      <p:sp>
+        <p:nvSpPr>
+          <p:cNvPr id="3" name="Title 2"/>
+          <p:cNvSpPr>
+            <a:spLocks noGrp="1"/>
+          </p:cNvSpPr>
+          <p:nvPr>
+            <p:ph type="title"/>
+          </p:nvPr>
+        </p:nvSpPr>
+        <p:spPr/>
+        <p:txBody>
+          <a:bodyPr/>
+          <a:lstStyle/>
+          <a:p>
+            <a:pPr rtl="1"/>
+            <a:r>
+              <a:rPr lang="en-US" dirty="0"/>
+              <a:t>Notable Functions / Algorithms </a:t>
+            </a:r>
+            <a:br>
+              <a:rPr lang="en-US" dirty="0"/>
+            </a:br>
+            <a:endParaRPr lang="en-US" dirty="0"/>
+          </a:p>
+        </p:txBody>
+      </p:sp>
+    </p:spTree>
+    <p:extLst>
+      <p:ext uri="{BB962C8B-B14F-4D97-AF65-F5344CB8AC3E}">
+        <p14:creationId xmlns:p14="http://schemas.microsoft.com/office/powerpoint/2010/main" val="1441071697"/>
+      </p:ext>
+    </p:extLst>
+  </p:cSld>
+  <p:clrMapOvr>
+    <a:masterClrMapping/>
+  </p:clrMapOvr>
+</p:sld>
+</file>
+
+<file path=ppt/slides/slide13.xml><?xml version="1.0" encoding="utf-8"?>
+<p:sld xmlns:a="http://schemas.openxmlformats.org/drawingml/2006/main" xmlns:r="http://schemas.openxmlformats.org/officeDocument/2006/relationships" xmlns:p="http://schemas.openxmlformats.org/presentationml/2006/main">
+  <p:cSld>
+    <p:spTree>
+      <p:nvGrpSpPr>
+        <p:cNvPr id="1" name=""/>
+        <p:cNvGrpSpPr/>
+        <p:nvPr/>
+      </p:nvGrpSpPr>
+      <p:grpSpPr>
+        <a:xfrm>
+          <a:off x="0" y="0"/>
+          <a:ext cx="0" cy="0"/>
+          <a:chOff x="0" y="0"/>
+          <a:chExt cx="0" cy="0"/>
+        </a:xfrm>
+      </p:grpSpPr>
+      <p:sp>
+        <p:nvSpPr>
+          <p:cNvPr id="5" name="Title 2"/>
+          <p:cNvSpPr>
+            <a:spLocks noGrp="1"/>
+          </p:cNvSpPr>
+          <p:nvPr>
             <p:ph type="title"/>
           </p:nvPr>
         </p:nvSpPr>
         <p:spPr>
           <a:xfrm>
-            <a:off x="381000" y="570156"/>
-            <a:ext cx="8382000" cy="1030044"/>
+            <a:off x="688490" y="570156"/>
+            <a:ext cx="7756263" cy="1054250"/>
           </a:xfrm>
         </p:spPr>
         <p:txBody>
           <a:bodyPr/>
           <a:lstStyle/>
           <a:p>
+            <a:pPr rtl="1"/>
             <a:r>
               <a:rPr lang="en-US" dirty="0" smtClean="0"/>
-              <a:t>Why so</a:t>
-            </a:r>
-            <a:r>
-              <a:rPr lang="en-US" dirty="0"/>
-              <a:t> radius</a:t>
-            </a:r>
-            <a:r>
-              <a:rPr lang="en-US" dirty="0" smtClean="0"/>
-              <a:t> important?</a:t>
-            </a:r>
-            <a:endParaRPr lang="ru-RU" dirty="0"/>
+              <a:t>Solved problems</a:t>
+            </a:r>
+            <a:endParaRPr lang="en-US" dirty="0"/>
           </a:p>
         </p:txBody>
       </p:sp>
@@ -7362,7 +7464,7 @@
 </p:sld>
 </file>
 
-<file path=ppt/slides/slide12.xml><?xml version="1.0" encoding="utf-8"?>
+<file path=ppt/slides/slide14.xml><?xml version="1.0" encoding="utf-8"?>
 <p:sld xmlns:a="http://schemas.openxmlformats.org/drawingml/2006/main" xmlns:r="http://schemas.openxmlformats.org/officeDocument/2006/relationships" xmlns:p="http://schemas.openxmlformats.org/presentationml/2006/main">
   <p:cSld>
     <p:spTree>
@@ -7461,7 +7563,7 @@
 </p:sld>
 </file>
 
-<file path=ppt/slides/slide13.xml><?xml version="1.0" encoding="utf-8"?>
+<file path=ppt/slides/slide15.xml><?xml version="1.0" encoding="utf-8"?>
 <p:sld xmlns:a="http://schemas.openxmlformats.org/drawingml/2006/main" xmlns:r="http://schemas.openxmlformats.org/officeDocument/2006/relationships" xmlns:p="http://schemas.openxmlformats.org/presentationml/2006/main">
   <p:cSld>
     <p:spTree>
@@ -7520,7 +7622,7 @@
           <a:graphicData uri="http://schemas.openxmlformats.org/presentationml/2006/ole">
             <mc:AlternateContent xmlns:mc="http://schemas.openxmlformats.org/markup-compatibility/2006">
               <mc:Choice xmlns:v="urn:schemas-microsoft-com:vml" Requires="v">
-                <p:oleObj spid="_x0000_s3106" name="Visio" r:id="rId3" imgW="9147060" imgH="7289860" progId="Visio.Drawing.11">
+                <p:oleObj spid="_x0000_s3124" name="Visio" r:id="rId3" imgW="9147060" imgH="7289860" progId="Visio.Drawing.11">
                   <p:embed/>
                 </p:oleObj>
               </mc:Choice>
@@ -7575,7 +7677,7 @@
 </p:sld>
 </file>
 
-<file path=ppt/slides/slide14.xml><?xml version="1.0" encoding="utf-8"?>
+<file path=ppt/slides/slide16.xml><?xml version="1.0" encoding="utf-8"?>
 <p:sld xmlns:a="http://schemas.openxmlformats.org/drawingml/2006/main" xmlns:r="http://schemas.openxmlformats.org/officeDocument/2006/relationships" xmlns:p="http://schemas.openxmlformats.org/presentationml/2006/main">
   <p:cSld>
     <p:spTree>
@@ -7635,7 +7737,7 @@
           <a:graphicData uri="http://schemas.openxmlformats.org/presentationml/2006/ole">
             <mc:AlternateContent xmlns:mc="http://schemas.openxmlformats.org/markup-compatibility/2006">
               <mc:Choice xmlns:v="urn:schemas-microsoft-com:vml" Requires="v">
-                <p:oleObj spid="_x0000_s2084" name="Visio" r:id="rId3" imgW="9147060" imgH="7289860" progId="Visio.Drawing.11">
+                <p:oleObj spid="_x0000_s2102" name="Visio" r:id="rId3" imgW="9147060" imgH="7289860" progId="Visio.Drawing.11">
                   <p:embed/>
                 </p:oleObj>
               </mc:Choice>
@@ -7690,193 +7792,6 @@
 </p:sld>
 </file>
 
-<file path=ppt/slides/slide15.xml><?xml version="1.0" encoding="utf-8"?>
-<p:sld xmlns:a="http://schemas.openxmlformats.org/drawingml/2006/main" xmlns:r="http://schemas.openxmlformats.org/officeDocument/2006/relationships" xmlns:p="http://schemas.openxmlformats.org/presentationml/2006/main">
-  <p:cSld>
-    <p:spTree>
-      <p:nvGrpSpPr>
-        <p:cNvPr id="1" name=""/>
-        <p:cNvGrpSpPr/>
-        <p:nvPr/>
-      </p:nvGrpSpPr>
-      <p:grpSpPr>
-        <a:xfrm>
-          <a:off x="0" y="0"/>
-          <a:ext cx="0" cy="0"/>
-          <a:chOff x="0" y="0"/>
-          <a:chExt cx="0" cy="0"/>
-        </a:xfrm>
-      </p:grpSpPr>
-      <p:sp>
-        <p:nvSpPr>
-          <p:cNvPr id="3" name="Title 2"/>
-          <p:cNvSpPr>
-            <a:spLocks noGrp="1"/>
-          </p:cNvSpPr>
-          <p:nvPr>
-            <p:ph type="title"/>
-          </p:nvPr>
-        </p:nvSpPr>
-        <p:spPr/>
-        <p:txBody>
-          <a:bodyPr/>
-          <a:lstStyle/>
-          <a:p>
-            <a:pPr rtl="1"/>
-            <a:r>
-              <a:rPr lang="en-US" dirty="0" smtClean="0"/>
-              <a:t>Rates used</a:t>
-            </a:r>
-            <a:endParaRPr lang="en-US" dirty="0"/>
-          </a:p>
-        </p:txBody>
-      </p:sp>
-      <p:graphicFrame>
-        <p:nvGraphicFramePr>
-          <p:cNvPr id="5" name="Диаграмма 4"/>
-          <p:cNvGraphicFramePr>
-            <a:graphicFrameLocks/>
-          </p:cNvGraphicFramePr>
-          <p:nvPr>
-            <p:extLst>
-              <p:ext uri="{D42A27DB-BD31-4B8C-83A1-F6EECF244321}">
-                <p14:modId xmlns:p14="http://schemas.microsoft.com/office/powerpoint/2010/main" val="3962167458"/>
-              </p:ext>
-            </p:extLst>
-          </p:nvPr>
-        </p:nvGraphicFramePr>
-        <p:xfrm>
-          <a:off x="1143000" y="1676400"/>
-          <a:ext cx="6781800" cy="4848225"/>
-        </p:xfrm>
-        <a:graphic>
-          <a:graphicData uri="http://schemas.openxmlformats.org/drawingml/2006/chart">
-            <c:chart xmlns:c="http://schemas.openxmlformats.org/drawingml/2006/chart" xmlns:r="http://schemas.openxmlformats.org/officeDocument/2006/relationships" r:id="rId2"/>
-          </a:graphicData>
-        </a:graphic>
-      </p:graphicFrame>
-    </p:spTree>
-    <p:extLst>
-      <p:ext uri="{BB962C8B-B14F-4D97-AF65-F5344CB8AC3E}">
-        <p14:creationId xmlns:p14="http://schemas.microsoft.com/office/powerpoint/2010/main" val="1441071697"/>
-      </p:ext>
-    </p:extLst>
-  </p:cSld>
-  <p:clrMapOvr>
-    <a:masterClrMapping/>
-  </p:clrMapOvr>
-  <p:timing>
-    <p:tnLst>
-      <p:par>
-        <p:cTn id="1" dur="indefinite" restart="never" nodeType="tmRoot"/>
-      </p:par>
-    </p:tnLst>
-  </p:timing>
-</p:sld>
-</file>
-
-<file path=ppt/slides/slide16.xml><?xml version="1.0" encoding="utf-8"?>
-<p:sld xmlns:a="http://schemas.openxmlformats.org/drawingml/2006/main" xmlns:r="http://schemas.openxmlformats.org/officeDocument/2006/relationships" xmlns:p="http://schemas.openxmlformats.org/presentationml/2006/main">
-  <p:cSld>
-    <p:spTree>
-      <p:nvGrpSpPr>
-        <p:cNvPr id="1" name=""/>
-        <p:cNvGrpSpPr/>
-        <p:nvPr/>
-      </p:nvGrpSpPr>
-      <p:grpSpPr>
-        <a:xfrm>
-          <a:off x="0" y="0"/>
-          <a:ext cx="0" cy="0"/>
-          <a:chOff x="0" y="0"/>
-          <a:chExt cx="0" cy="0"/>
-        </a:xfrm>
-      </p:grpSpPr>
-      <p:sp>
-        <p:nvSpPr>
-          <p:cNvPr id="3" name="Title 2"/>
-          <p:cNvSpPr>
-            <a:spLocks noGrp="1"/>
-          </p:cNvSpPr>
-          <p:nvPr>
-            <p:ph type="title"/>
-          </p:nvPr>
-        </p:nvSpPr>
-        <p:spPr/>
-        <p:txBody>
-          <a:bodyPr/>
-          <a:lstStyle/>
-          <a:p>
-            <a:pPr rtl="1"/>
-            <a:r>
-              <a:rPr lang="en-US" dirty="0" smtClean="0"/>
-              <a:t>Packets UML</a:t>
-            </a:r>
-            <a:endParaRPr lang="en-US" dirty="0"/>
-          </a:p>
-        </p:txBody>
-      </p:sp>
-      <p:pic>
-        <p:nvPicPr>
-          <p:cNvPr id="4098" name="Picture 2" descr="D:\Dropbox\Z_PROJECTS\sls\Results\UML_Packets.JPG"/>
-          <p:cNvPicPr>
-            <a:picLocks noChangeAspect="1" noChangeArrowheads="1"/>
-          </p:cNvPicPr>
-          <p:nvPr/>
-        </p:nvPicPr>
-        <p:blipFill>
-          <a:blip r:embed="rId2">
-            <a:extLst>
-              <a:ext uri="{28A0092B-C50C-407E-A947-70E740481C1C}">
-                <a14:useLocalDpi xmlns:a14="http://schemas.microsoft.com/office/drawing/2010/main" val="0"/>
-              </a:ext>
-            </a:extLst>
-          </a:blip>
-          <a:srcRect/>
-          <a:stretch>
-            <a:fillRect/>
-          </a:stretch>
-        </p:blipFill>
-        <p:spPr bwMode="auto">
-          <a:xfrm>
-            <a:off x="152400" y="1676400"/>
-            <a:ext cx="8896350" cy="4953000"/>
-          </a:xfrm>
-          <a:prstGeom prst="rect">
-            <a:avLst/>
-          </a:prstGeom>
-          <a:noFill/>
-          <a:extLst>
-            <a:ext uri="{909E8E84-426E-40DD-AFC4-6F175D3DCCD1}">
-              <a14:hiddenFill xmlns:a14="http://schemas.microsoft.com/office/drawing/2010/main">
-                <a:solidFill>
-                  <a:srgbClr val="FFFFFF"/>
-                </a:solidFill>
-              </a14:hiddenFill>
-            </a:ext>
-          </a:extLst>
-        </p:spPr>
-      </p:pic>
-    </p:spTree>
-    <p:extLst>
-      <p:ext uri="{BB962C8B-B14F-4D97-AF65-F5344CB8AC3E}">
-        <p14:creationId xmlns:p14="http://schemas.microsoft.com/office/powerpoint/2010/main" val="1441071697"/>
-      </p:ext>
-    </p:extLst>
-  </p:cSld>
-  <p:clrMapOvr>
-    <a:masterClrMapping/>
-  </p:clrMapOvr>
-  <p:timing>
-    <p:tnLst>
-      <p:par>
-        <p:cTn id="1" dur="indefinite" restart="never" nodeType="tmRoot"/>
-      </p:par>
-    </p:tnLst>
-  </p:timing>
-</p:sld>
-</file>
-
 <file path=ppt/slides/slide17.xml><?xml version="1.0" encoding="utf-8"?>
 <p:sld xmlns:a="http://schemas.openxmlformats.org/drawingml/2006/main" xmlns:r="http://schemas.openxmlformats.org/officeDocument/2006/relationships" xmlns:p="http://schemas.openxmlformats.org/presentationml/2006/main">
   <p:cSld>
@@ -7912,53 +7827,36 @@
             <a:pPr rtl="1"/>
             <a:r>
               <a:rPr lang="en-US" dirty="0" smtClean="0"/>
-              <a:t>RF Devices UML</a:t>
+              <a:t>Rates used</a:t>
             </a:r>
             <a:endParaRPr lang="en-US" dirty="0"/>
           </a:p>
         </p:txBody>
       </p:sp>
-      <p:pic>
-        <p:nvPicPr>
-          <p:cNvPr id="5122" name="Picture 2" descr="D:\Dropbox\Z_PROJECTS\sls\Results\UML_RFDevices.JPG"/>
-          <p:cNvPicPr>
-            <a:picLocks noChangeAspect="1" noChangeArrowheads="1"/>
-          </p:cNvPicPr>
-          <p:nvPr/>
-        </p:nvPicPr>
-        <p:blipFill>
-          <a:blip r:embed="rId2">
-            <a:extLst>
-              <a:ext uri="{28A0092B-C50C-407E-A947-70E740481C1C}">
-                <a14:useLocalDpi xmlns:a14="http://schemas.microsoft.com/office/drawing/2010/main" val="0"/>
-              </a:ext>
-            </a:extLst>
-          </a:blip>
-          <a:srcRect/>
-          <a:stretch>
-            <a:fillRect/>
-          </a:stretch>
-        </p:blipFill>
-        <p:spPr bwMode="auto">
-          <a:xfrm>
-            <a:off x="142875" y="1600200"/>
-            <a:ext cx="8839200" cy="4135170"/>
-          </a:xfrm>
-          <a:prstGeom prst="rect">
-            <a:avLst/>
-          </a:prstGeom>
-          <a:noFill/>
-          <a:extLst>
-            <a:ext uri="{909E8E84-426E-40DD-AFC4-6F175D3DCCD1}">
-              <a14:hiddenFill xmlns:a14="http://schemas.microsoft.com/office/drawing/2010/main">
-                <a:solidFill>
-                  <a:srgbClr val="FFFFFF"/>
-                </a:solidFill>
-              </a14:hiddenFill>
-            </a:ext>
-          </a:extLst>
-        </p:spPr>
-      </p:pic>
+      <p:graphicFrame>
+        <p:nvGraphicFramePr>
+          <p:cNvPr id="5" name="Диаграмма 4"/>
+          <p:cNvGraphicFramePr>
+            <a:graphicFrameLocks/>
+          </p:cNvGraphicFramePr>
+          <p:nvPr>
+            <p:extLst>
+              <p:ext uri="{D42A27DB-BD31-4B8C-83A1-F6EECF244321}">
+                <p14:modId xmlns:p14="http://schemas.microsoft.com/office/powerpoint/2010/main" val="3962167458"/>
+              </p:ext>
+            </p:extLst>
+          </p:nvPr>
+        </p:nvGraphicFramePr>
+        <p:xfrm>
+          <a:off x="1143000" y="1676400"/>
+          <a:ext cx="6781800" cy="4848225"/>
+        </p:xfrm>
+        <a:graphic>
+          <a:graphicData uri="http://schemas.openxmlformats.org/drawingml/2006/chart">
+            <c:chart xmlns:c="http://schemas.openxmlformats.org/drawingml/2006/chart" xmlns:r="http://schemas.openxmlformats.org/officeDocument/2006/relationships" r:id="rId2"/>
+          </a:graphicData>
+        </a:graphic>
+      </p:graphicFrame>
     </p:spTree>
     <p:extLst>
       <p:ext uri="{BB962C8B-B14F-4D97-AF65-F5344CB8AC3E}">
@@ -8116,7 +8014,7 @@
             <a:pPr rtl="1"/>
             <a:r>
               <a:rPr lang="en-US" dirty="0" smtClean="0"/>
-              <a:t>Simulation</a:t>
+              <a:t>Simulator demo</a:t>
             </a:r>
             <a:endParaRPr lang="en-US" dirty="0"/>
           </a:p>
@@ -8124,7 +8022,7 @@
       </p:sp>
       <p:pic>
         <p:nvPicPr>
-          <p:cNvPr id="7170" name="Picture 2" descr="D:\Dropbox\Z_PROJECTS\sls\Results\Board.JPG"/>
+          <p:cNvPr id="8194" name="Picture 2" descr="D:\Dropbox\Z_PROJECTS\sls\Results\Dev0.JPG"/>
           <p:cNvPicPr>
             <a:picLocks noChangeAspect="1" noChangeArrowheads="1"/>
           </p:cNvPicPr>
@@ -8145,8 +8043,8 @@
         </p:blipFill>
         <p:spPr bwMode="auto">
           <a:xfrm>
-            <a:off x="781050" y="2286000"/>
-            <a:ext cx="7581900" cy="3895725"/>
+            <a:off x="766761" y="2286000"/>
+            <a:ext cx="7610475" cy="3933825"/>
           </a:xfrm>
           <a:prstGeom prst="rect">
             <a:avLst/>
@@ -8218,11 +8116,7 @@
             <a:pPr rtl="1"/>
             <a:r>
               <a:rPr lang="en-US" dirty="0" smtClean="0"/>
-              <a:t>Project </a:t>
-            </a:r>
-            <a:r>
-              <a:rPr lang="en-US" dirty="0" smtClean="0"/>
-              <a:t>Overview</a:t>
+              <a:t>Project Overview</a:t>
             </a:r>
             <a:endParaRPr lang="en-US" dirty="0"/>
           </a:p>
@@ -8441,108 +8335,6 @@
       </p:sp>
       <p:pic>
         <p:nvPicPr>
-          <p:cNvPr id="8194" name="Picture 2" descr="D:\Dropbox\Z_PROJECTS\sls\Results\Dev0.JPG"/>
-          <p:cNvPicPr>
-            <a:picLocks noChangeAspect="1" noChangeArrowheads="1"/>
-          </p:cNvPicPr>
-          <p:nvPr/>
-        </p:nvPicPr>
-        <p:blipFill>
-          <a:blip r:embed="rId2">
-            <a:extLst>
-              <a:ext uri="{28A0092B-C50C-407E-A947-70E740481C1C}">
-                <a14:useLocalDpi xmlns:a14="http://schemas.microsoft.com/office/drawing/2010/main" val="0"/>
-              </a:ext>
-            </a:extLst>
-          </a:blip>
-          <a:srcRect/>
-          <a:stretch>
-            <a:fillRect/>
-          </a:stretch>
-        </p:blipFill>
-        <p:spPr bwMode="auto">
-          <a:xfrm>
-            <a:off x="766761" y="2286000"/>
-            <a:ext cx="7610475" cy="3933825"/>
-          </a:xfrm>
-          <a:prstGeom prst="rect">
-            <a:avLst/>
-          </a:prstGeom>
-          <a:noFill/>
-          <a:extLst>
-            <a:ext uri="{909E8E84-426E-40DD-AFC4-6F175D3DCCD1}">
-              <a14:hiddenFill xmlns:a14="http://schemas.microsoft.com/office/drawing/2010/main">
-                <a:solidFill>
-                  <a:srgbClr val="FFFFFF"/>
-                </a:solidFill>
-              </a14:hiddenFill>
-            </a:ext>
-          </a:extLst>
-        </p:spPr>
-      </p:pic>
-    </p:spTree>
-    <p:extLst>
-      <p:ext uri="{BB962C8B-B14F-4D97-AF65-F5344CB8AC3E}">
-        <p14:creationId xmlns:p14="http://schemas.microsoft.com/office/powerpoint/2010/main" val="1441071697"/>
-      </p:ext>
-    </p:extLst>
-  </p:cSld>
-  <p:clrMapOvr>
-    <a:masterClrMapping/>
-  </p:clrMapOvr>
-  <p:timing>
-    <p:tnLst>
-      <p:par>
-        <p:cTn id="1" dur="indefinite" restart="never" nodeType="tmRoot"/>
-      </p:par>
-    </p:tnLst>
-  </p:timing>
-</p:sld>
-</file>
-
-<file path=ppt/slides/slide21.xml><?xml version="1.0" encoding="utf-8"?>
-<p:sld xmlns:a="http://schemas.openxmlformats.org/drawingml/2006/main" xmlns:r="http://schemas.openxmlformats.org/officeDocument/2006/relationships" xmlns:p="http://schemas.openxmlformats.org/presentationml/2006/main">
-  <p:cSld>
-    <p:spTree>
-      <p:nvGrpSpPr>
-        <p:cNvPr id="1" name=""/>
-        <p:cNvGrpSpPr/>
-        <p:nvPr/>
-      </p:nvGrpSpPr>
-      <p:grpSpPr>
-        <a:xfrm>
-          <a:off x="0" y="0"/>
-          <a:ext cx="0" cy="0"/>
-          <a:chOff x="0" y="0"/>
-          <a:chExt cx="0" cy="0"/>
-        </a:xfrm>
-      </p:grpSpPr>
-      <p:sp>
-        <p:nvSpPr>
-          <p:cNvPr id="3" name="Title 2"/>
-          <p:cNvSpPr>
-            <a:spLocks noGrp="1"/>
-          </p:cNvSpPr>
-          <p:nvPr>
-            <p:ph type="title"/>
-          </p:nvPr>
-        </p:nvSpPr>
-        <p:spPr/>
-        <p:txBody>
-          <a:bodyPr/>
-          <a:lstStyle/>
-          <a:p>
-            <a:pPr rtl="1"/>
-            <a:r>
-              <a:rPr lang="en-US" dirty="0" smtClean="0"/>
-              <a:t>Simulator demo</a:t>
-            </a:r>
-            <a:endParaRPr lang="en-US" dirty="0"/>
-          </a:p>
-        </p:txBody>
-      </p:sp>
-      <p:pic>
-        <p:nvPicPr>
           <p:cNvPr id="9218" name="Picture 2" descr="D:\Dropbox\Z_PROJECTS\sls\Results\Dev.JPG"/>
           <p:cNvPicPr>
             <a:picLocks noChangeAspect="1" noChangeArrowheads="1"/>
@@ -8602,7 +8394,7 @@
 </p:sld>
 </file>
 
-<file path=ppt/slides/slide22.xml><?xml version="1.0" encoding="utf-8"?>
+<file path=ppt/slides/slide21.xml><?xml version="1.0" encoding="utf-8"?>
 <p:sld xmlns:a="http://schemas.openxmlformats.org/drawingml/2006/main" xmlns:r="http://schemas.openxmlformats.org/officeDocument/2006/relationships" xmlns:p="http://schemas.openxmlformats.org/presentationml/2006/main">
   <p:cSld>
     <p:spTree>
@@ -8704,6 +8496,83 @@
 </p:sld>
 </file>
 
+<file path=ppt/slides/slide22.xml><?xml version="1.0" encoding="utf-8"?>
+<p:sld xmlns:a="http://schemas.openxmlformats.org/drawingml/2006/main" xmlns:r="http://schemas.openxmlformats.org/officeDocument/2006/relationships" xmlns:p="http://schemas.openxmlformats.org/presentationml/2006/main">
+  <p:cSld>
+    <p:spTree>
+      <p:nvGrpSpPr>
+        <p:cNvPr id="1" name=""/>
+        <p:cNvGrpSpPr/>
+        <p:nvPr/>
+      </p:nvGrpSpPr>
+      <p:grpSpPr>
+        <a:xfrm>
+          <a:off x="0" y="0"/>
+          <a:ext cx="0" cy="0"/>
+          <a:chOff x="0" y="0"/>
+          <a:chExt cx="0" cy="0"/>
+        </a:xfrm>
+      </p:grpSpPr>
+      <p:sp>
+        <p:nvSpPr>
+          <p:cNvPr id="2" name="Content Placeholder 1"/>
+          <p:cNvSpPr>
+            <a:spLocks noGrp="1"/>
+          </p:cNvSpPr>
+          <p:nvPr>
+            <p:ph idx="1"/>
+          </p:nvPr>
+        </p:nvSpPr>
+        <p:spPr/>
+        <p:txBody>
+          <a:bodyPr/>
+          <a:lstStyle/>
+          <a:p>
+            <a:pPr algn="l"/>
+            <a:endParaRPr lang="en-US" dirty="0"/>
+          </a:p>
+        </p:txBody>
+      </p:sp>
+      <p:sp>
+        <p:nvSpPr>
+          <p:cNvPr id="3" name="Title 2"/>
+          <p:cNvSpPr>
+            <a:spLocks noGrp="1"/>
+          </p:cNvSpPr>
+          <p:nvPr>
+            <p:ph type="title"/>
+          </p:nvPr>
+        </p:nvSpPr>
+        <p:spPr/>
+        <p:txBody>
+          <a:bodyPr/>
+          <a:lstStyle/>
+          <a:p>
+            <a:pPr rtl="1"/>
+            <a:r>
+              <a:rPr lang="en-US" dirty="0"/>
+              <a:t>Conclusions </a:t>
+            </a:r>
+            <a:br>
+              <a:rPr lang="en-US" dirty="0"/>
+            </a:br>
+            <a:endParaRPr lang="en-US" dirty="0"/>
+          </a:p>
+        </p:txBody>
+      </p:sp>
+    </p:spTree>
+    <p:extLst>
+      <p:ext uri="{BB962C8B-B14F-4D97-AF65-F5344CB8AC3E}">
+        <p14:creationId xmlns:p14="http://schemas.microsoft.com/office/powerpoint/2010/main" val="1441071697"/>
+      </p:ext>
+    </p:extLst>
+  </p:cSld>
+  <p:clrMapOvr>
+    <a:masterClrMapping/>
+  </p:clrMapOvr>
+</p:sld>
+</file>
+
 <file path=ppt/slides/slide23.xml><?xml version="1.0" encoding="utf-8"?>
 <p:sld xmlns:a="http://schemas.openxmlformats.org/drawingml/2006/main" xmlns:r="http://schemas.openxmlformats.org/officeDocument/2006/relationships" xmlns:p="http://schemas.openxmlformats.org/presentationml/2006/main">
   <p:cSld>
@@ -8723,26 +8592,6 @@
       </p:grpSpPr>
       <p:sp>
         <p:nvSpPr>
-          <p:cNvPr id="2" name="Content Placeholder 1"/>
-          <p:cNvSpPr>
-            <a:spLocks noGrp="1"/>
-          </p:cNvSpPr>
-          <p:nvPr>
-            <p:ph idx="1"/>
-          </p:nvPr>
-        </p:nvSpPr>
-        <p:spPr/>
-        <p:txBody>
-          <a:bodyPr/>
-          <a:lstStyle/>
-          <a:p>
-            <a:pPr algn="l"/>
-            <a:endParaRPr lang="en-US" dirty="0"/>
-          </a:p>
-        </p:txBody>
-      </p:sp>
-      <p:sp>
-        <p:nvSpPr>
           <p:cNvPr id="3" name="Title 2"/>
           <p:cNvSpPr>
             <a:spLocks noGrp="1"/>
@@ -8756,66 +8605,9 @@
           <a:bodyPr/>
           <a:lstStyle/>
           <a:p>
-            <a:pPr rtl="1"/>
-            <a:r>
-              <a:rPr lang="en-US" dirty="0"/>
-              <a:t>Conclusions </a:t>
-            </a:r>
-            <a:br>
-              <a:rPr lang="en-US" dirty="0"/>
-            </a:br>
-            <a:endParaRPr lang="en-US" dirty="0"/>
-          </a:p>
-        </p:txBody>
-      </p:sp>
-    </p:spTree>
-    <p:extLst>
-      <p:ext uri="{BB962C8B-B14F-4D97-AF65-F5344CB8AC3E}">
-        <p14:creationId xmlns:p14="http://schemas.microsoft.com/office/powerpoint/2010/main" val="1441071697"/>
-      </p:ext>
-    </p:extLst>
-  </p:cSld>
-  <p:clrMapOvr>
-    <a:masterClrMapping/>
-  </p:clrMapOvr>
-</p:sld>
-</file>
-
-<file path=ppt/slides/slide24.xml><?xml version="1.0" encoding="utf-8"?>
-<p:sld xmlns:a="http://schemas.openxmlformats.org/drawingml/2006/main" xmlns:r="http://schemas.openxmlformats.org/officeDocument/2006/relationships" xmlns:p="http://schemas.openxmlformats.org/presentationml/2006/main">
-  <p:cSld>
-    <p:spTree>
-      <p:nvGrpSpPr>
-        <p:cNvPr id="1" name=""/>
-        <p:cNvGrpSpPr/>
-        <p:nvPr/>
-      </p:nvGrpSpPr>
-      <p:grpSpPr>
-        <a:xfrm>
-          <a:off x="0" y="0"/>
-          <a:ext cx="0" cy="0"/>
-          <a:chOff x="0" y="0"/>
-          <a:chExt cx="0" cy="0"/>
-        </a:xfrm>
-      </p:grpSpPr>
-      <p:sp>
-        <p:nvSpPr>
-          <p:cNvPr id="3" name="Title 2"/>
-          <p:cNvSpPr>
-            <a:spLocks noGrp="1"/>
-          </p:cNvSpPr>
-          <p:nvPr>
-            <p:ph type="title"/>
-          </p:nvPr>
-        </p:nvSpPr>
-        <p:spPr/>
-        <p:txBody>
-          <a:bodyPr/>
-          <a:lstStyle/>
-          <a:p>
             <a:r>
               <a:rPr lang="en-US" dirty="0" smtClean="0"/>
-              <a:t>Repository</a:t>
+              <a:t>Management Tools</a:t>
             </a:r>
             <a:endParaRPr lang="en-US" dirty="0"/>
           </a:p>
@@ -8843,7 +8635,7 @@
         </p:blipFill>
         <p:spPr>
           <a:xfrm>
-            <a:off x="3505200" y="3276600"/>
+            <a:off x="3505200" y="2218313"/>
             <a:ext cx="2069283" cy="864096"/>
           </a:xfrm>
           <a:prstGeom prst="rect">
@@ -8859,7 +8651,7 @@
         </p:nvSpPr>
         <p:spPr>
           <a:xfrm>
-            <a:off x="2514600" y="4346555"/>
+            <a:off x="2514600" y="3124795"/>
             <a:ext cx="4414991" cy="369332"/>
           </a:xfrm>
           <a:prstGeom prst="rect">
@@ -8892,6 +8684,138 @@
                 </a:schemeClr>
               </a:solidFill>
             </a:endParaRPr>
+          </a:p>
+        </p:txBody>
+      </p:sp>
+      <p:pic>
+        <p:nvPicPr>
+          <p:cNvPr id="4099" name="Picture 3" descr="D:\Dropbox\Z_PROJECTS\sls\Results\Jenkins.png"/>
+          <p:cNvPicPr>
+            <a:picLocks noChangeAspect="1" noChangeArrowheads="1"/>
+          </p:cNvPicPr>
+          <p:nvPr/>
+        </p:nvPicPr>
+        <p:blipFill>
+          <a:blip r:embed="rId4">
+            <a:extLst>
+              <a:ext uri="{28A0092B-C50C-407E-A947-70E740481C1C}">
+                <a14:useLocalDpi xmlns:a14="http://schemas.microsoft.com/office/drawing/2010/main" val="0"/>
+              </a:ext>
+            </a:extLst>
+          </a:blip>
+          <a:srcRect/>
+          <a:stretch>
+            <a:fillRect/>
+          </a:stretch>
+        </p:blipFill>
+        <p:spPr bwMode="auto">
+          <a:xfrm>
+            <a:off x="1981200" y="4120866"/>
+            <a:ext cx="4855445" cy="1561550"/>
+          </a:xfrm>
+          <a:prstGeom prst="rect">
+            <a:avLst/>
+          </a:prstGeom>
+          <a:noFill/>
+          <a:extLst>
+            <a:ext uri="{909E8E84-426E-40DD-AFC4-6F175D3DCCD1}">
+              <a14:hiddenFill xmlns:a14="http://schemas.microsoft.com/office/drawing/2010/main">
+                <a:solidFill>
+                  <a:srgbClr val="FFFFFF"/>
+                </a:solidFill>
+              </a14:hiddenFill>
+            </a:ext>
+          </a:extLst>
+        </p:spPr>
+      </p:pic>
+      <p:sp>
+        <p:nvSpPr>
+          <p:cNvPr id="2" name="Прямоугольник 1"/>
+          <p:cNvSpPr/>
+          <p:nvPr/>
+        </p:nvSpPr>
+        <p:spPr>
+          <a:xfrm>
+            <a:off x="3429000" y="5313084"/>
+            <a:ext cx="2965877" cy="369332"/>
+          </a:xfrm>
+          <a:prstGeom prst="rect">
+            <a:avLst/>
+          </a:prstGeom>
+        </p:spPr>
+        <p:txBody>
+          <a:bodyPr wrap="none">
+            <a:spAutoFit/>
+          </a:bodyPr>
+          <a:lstStyle/>
+          <a:p>
+            <a:r>
+              <a:rPr lang="en-US" dirty="0">
+                <a:hlinkClick r:id="rId5"/>
+              </a:rPr>
+              <a:t>http://jenkins.dhs01.com/</a:t>
+            </a:r>
+            <a:endParaRPr lang="ru-RU" dirty="0"/>
+          </a:p>
+        </p:txBody>
+      </p:sp>
+      <p:sp>
+        <p:nvSpPr>
+          <p:cNvPr id="6" name="TextBox 5"/>
+          <p:cNvSpPr txBox="1"/>
+          <p:nvPr/>
+        </p:nvSpPr>
+        <p:spPr>
+          <a:xfrm>
+            <a:off x="314325" y="2178159"/>
+            <a:ext cx="1905000" cy="461665"/>
+          </a:xfrm>
+          <a:prstGeom prst="rect">
+            <a:avLst/>
+          </a:prstGeom>
+          <a:noFill/>
+        </p:spPr>
+        <p:txBody>
+          <a:bodyPr wrap="square" rtlCol="0">
+            <a:spAutoFit/>
+          </a:bodyPr>
+          <a:lstStyle/>
+          <a:p>
+            <a:r>
+              <a:rPr lang="en-US" sz="2400" dirty="0" smtClean="0"/>
+              <a:t>Repository</a:t>
+            </a:r>
+            <a:endParaRPr lang="ru-RU" sz="2400" dirty="0"/>
+          </a:p>
+        </p:txBody>
+      </p:sp>
+      <p:sp>
+        <p:nvSpPr>
+          <p:cNvPr id="9" name="TextBox 8"/>
+          <p:cNvSpPr txBox="1"/>
+          <p:nvPr/>
+        </p:nvSpPr>
+        <p:spPr>
+          <a:xfrm>
+            <a:off x="304800" y="3890033"/>
+            <a:ext cx="2333626" cy="461665"/>
+          </a:xfrm>
+          <a:prstGeom prst="rect">
+            <a:avLst/>
+          </a:prstGeom>
+          <a:noFill/>
+        </p:spPr>
+        <p:txBody>
+          <a:bodyPr wrap="square" rtlCol="0">
+            <a:spAutoFit/>
+          </a:bodyPr>
+          <a:lstStyle/>
+          <a:p>
+            <a:r>
+              <a:rPr lang="en-US" sz="2400" dirty="0" smtClean="0"/>
+              <a:t>Auto compiler</a:t>
+            </a:r>
+            <a:endParaRPr lang="ru-RU" sz="2400" dirty="0"/>
           </a:p>
         </p:txBody>
       </p:sp>
@@ -8915,7 +8839,7 @@
 </p:sld>
 </file>
 
-<file path=ppt/slides/slide25.xml><?xml version="1.0" encoding="utf-8"?>
+<file path=ppt/slides/slide24.xml><?xml version="1.0" encoding="utf-8"?>
 <p:sld xmlns:a="http://schemas.openxmlformats.org/drawingml/2006/main" xmlns:r="http://schemas.openxmlformats.org/officeDocument/2006/relationships" xmlns:p="http://schemas.openxmlformats.org/presentationml/2006/main">
   <p:cSld>
     <p:spTree>
@@ -9029,7 +8953,7 @@
         <p:spPr/>
         <p:txBody>
           <a:bodyPr>
-            <a:normAutofit lnSpcReduction="10000"/>
+            <a:normAutofit fontScale="92500" lnSpcReduction="10000"/>
           </a:bodyPr>
           <a:lstStyle/>
           <a:p>
@@ -9097,10 +9021,16 @@
               <a:buFont typeface="Wingdings" pitchFamily="2" charset="2"/>
               <a:buChar char="Ø"/>
             </a:pPr>
+            <a:r>
+              <a:rPr lang="en-US" dirty="0" smtClean="0"/>
+              <a:t>Saving simulation</a:t>
+            </a:r>
             <a:endParaRPr lang="en-US" dirty="0" smtClean="0"/>
           </a:p>
           <a:p>
-            <a:pPr algn="l"/>
+            <a:pPr marL="0" indent="0" algn="l">
+              <a:buNone/>
+            </a:pPr>
             <a:endParaRPr lang="en-US" dirty="0" smtClean="0"/>
           </a:p>
           <a:p>
@@ -9114,7 +9044,11 @@
             <a:pPr lvl="1"/>
             <a:r>
               <a:rPr lang="en-US" dirty="0" smtClean="0"/>
-              <a:t>Algorithm flow</a:t>
+              <a:t>Algorithms </a:t>
+            </a:r>
+            <a:r>
+              <a:rPr lang="en-US" dirty="0" smtClean="0"/>
+              <a:t>flow</a:t>
             </a:r>
           </a:p>
           <a:p>
@@ -9122,6 +9056,13 @@
             <a:r>
               <a:rPr lang="en-US" dirty="0" smtClean="0"/>
               <a:t>Statistic</a:t>
+            </a:r>
+          </a:p>
+          <a:p>
+            <a:pPr lvl="1"/>
+            <a:r>
+              <a:rPr lang="en-US" dirty="0" smtClean="0"/>
+              <a:t>Conclusion</a:t>
             </a:r>
             <a:endParaRPr lang="en-US" dirty="0"/>
           </a:p>
@@ -9215,23 +9156,17 @@
             <a:pPr algn="l"/>
             <a:r>
               <a:rPr lang="en-US" dirty="0" smtClean="0"/>
-              <a:t>RF devices - </a:t>
-            </a:r>
-            <a:r>
-              <a:rPr lang="en-US" strike="sngStrike" dirty="0" smtClean="0"/>
-              <a:t>UML</a:t>
-            </a:r>
+              <a:t>RF devices </a:t>
+            </a:r>
+            <a:endParaRPr lang="en-US" strike="sngStrike" dirty="0" smtClean="0"/>
           </a:p>
           <a:p>
             <a:pPr algn="l"/>
             <a:r>
               <a:rPr lang="en-US" dirty="0" smtClean="0"/>
-              <a:t>Packets – </a:t>
-            </a:r>
-            <a:r>
-              <a:rPr lang="en-US" strike="sngStrike" dirty="0" smtClean="0"/>
-              <a:t>UML</a:t>
-            </a:r>
+              <a:t>Packets </a:t>
+            </a:r>
+            <a:endParaRPr lang="en-US" strike="sngStrike" dirty="0" smtClean="0"/>
           </a:p>
           <a:p>
             <a:pPr algn="l"/>
@@ -9343,153 +9278,243 @@
           <a:chExt cx="0" cy="0"/>
         </a:xfrm>
       </p:grpSpPr>
-      <p:sp>
-        <p:nvSpPr>
+      <p:graphicFrame>
+        <p:nvGraphicFramePr>
           <p:cNvPr id="2" name="Content Placeholder 1"/>
-          <p:cNvSpPr>
-            <a:spLocks noGrp="1"/>
-          </p:cNvSpPr>
+          <p:cNvGraphicFramePr>
+            <a:graphicFrameLocks noGrp="1" noChangeAspect="1"/>
+          </p:cNvGraphicFramePr>
           <p:nvPr>
             <p:ph idx="1"/>
-          </p:nvPr>
-        </p:nvSpPr>
-        <p:spPr/>
-        <p:txBody>
-          <a:bodyPr>
-            <a:normAutofit fontScale="92500" lnSpcReduction="20000"/>
+            <p:extLst>
+              <p:ext uri="{D42A27DB-BD31-4B8C-83A1-F6EECF244321}">
+                <p14:modId xmlns:p14="http://schemas.microsoft.com/office/powerpoint/2010/main" val="2935771688"/>
+              </p:ext>
+            </p:extLst>
+          </p:nvPr>
+        </p:nvGraphicFramePr>
+        <p:xfrm>
+          <a:off x="228600" y="0"/>
+          <a:ext cx="8610600" cy="6863198"/>
+        </p:xfrm>
+        <a:graphic>
+          <a:graphicData uri="http://schemas.openxmlformats.org/presentationml/2006/ole">
+            <mc:AlternateContent xmlns:mc="http://schemas.openxmlformats.org/markup-compatibility/2006">
+              <mc:Choice xmlns:v="urn:schemas-microsoft-com:vml" Requires="v">
+                <p:oleObj spid="_x0000_s1078" name="Visio" r:id="rId3" imgW="9147060" imgH="7289860" progId="Visio.Drawing.11">
+                  <p:embed/>
+                </p:oleObj>
+              </mc:Choice>
+              <mc:Fallback>
+                <p:oleObj name="Visio" r:id="rId3" imgW="9147060" imgH="7289860" progId="Visio.Drawing.11">
+                  <p:embed/>
+                  <p:pic>
+                    <p:nvPicPr>
+                      <p:cNvPr id="0" name=""/>
+                      <p:cNvPicPr/>
+                      <p:nvPr/>
+                    </p:nvPicPr>
+                    <p:blipFill>
+                      <a:blip r:embed="rId4"/>
+                      <a:stretch>
+                        <a:fillRect/>
+                      </a:stretch>
+                    </p:blipFill>
+                    <p:spPr>
+                      <a:xfrm>
+                        <a:off x="228600" y="0"/>
+                        <a:ext cx="8610600" cy="6863198"/>
+                      </a:xfrm>
+                      <a:prstGeom prst="rect">
+                        <a:avLst/>
+                      </a:prstGeom>
+                    </p:spPr>
+                  </p:pic>
+                </p:oleObj>
+              </mc:Fallback>
+            </mc:AlternateContent>
+          </a:graphicData>
+        </a:graphic>
+      </p:graphicFrame>
+      <p:sp>
+        <p:nvSpPr>
+          <p:cNvPr id="7" name="TextBox 6"/>
+          <p:cNvSpPr txBox="1"/>
+          <p:nvPr/>
+        </p:nvSpPr>
+        <p:spPr>
+          <a:xfrm>
+            <a:off x="4343400" y="1135474"/>
+            <a:ext cx="4572000" cy="4847481"/>
+          </a:xfrm>
+          <a:prstGeom prst="rect">
+            <a:avLst/>
+          </a:prstGeom>
+          <a:noFill/>
+        </p:spPr>
+        <p:txBody>
+          <a:bodyPr wrap="square" rtlCol="0">
+            <a:spAutoFit/>
           </a:bodyPr>
           <a:lstStyle/>
           <a:p>
-            <a:pPr algn="l"/>
-            <a:r>
-              <a:rPr lang="en-US" dirty="0" smtClean="0"/>
-              <a:t>IEEE80211</a:t>
-            </a:r>
-          </a:p>
-          <a:p>
-            <a:pPr algn="l"/>
-            <a:r>
-              <a:rPr lang="en-US" dirty="0" smtClean="0"/>
-              <a:t>Passive scan</a:t>
-            </a:r>
-          </a:p>
-          <a:p>
-            <a:pPr algn="l"/>
-            <a:r>
-              <a:rPr lang="en-US" dirty="0" smtClean="0"/>
-              <a:t>Beacon sending</a:t>
-            </a:r>
-          </a:p>
-          <a:p>
-            <a:pPr algn="l"/>
-            <a:r>
-              <a:rPr lang="en-US" dirty="0" smtClean="0"/>
+            <a:pPr marL="457200" indent="-457200">
+              <a:spcBef>
+                <a:spcPts val="600"/>
+              </a:spcBef>
+              <a:buFont typeface="Wingdings" pitchFamily="2" charset="2"/>
+              <a:buChar char="Ø"/>
+            </a:pPr>
+            <a:r>
+              <a:rPr lang="en-US" sz="2400" dirty="0">
+                <a:cs typeface="Arial" pitchFamily="34" charset="0"/>
+              </a:rPr>
+              <a:t>Rx/Tx e</a:t>
+            </a:r>
+            <a:r>
+              <a:rPr lang="en-US" sz="2400" dirty="0" smtClean="0">
+                <a:cs typeface="Arial" pitchFamily="34" charset="0"/>
+              </a:rPr>
+              <a:t>mulation over Medium</a:t>
+            </a:r>
+            <a:endParaRPr lang="en-US" sz="2400" dirty="0">
+              <a:cs typeface="Arial" pitchFamily="34" charset="0"/>
+            </a:endParaRPr>
+          </a:p>
+          <a:p>
+            <a:pPr marL="457200" indent="-457200">
+              <a:spcBef>
+                <a:spcPts val="600"/>
+              </a:spcBef>
+              <a:buFont typeface="Wingdings" pitchFamily="2" charset="2"/>
+              <a:buChar char="Ø"/>
+            </a:pPr>
+            <a:r>
+              <a:rPr lang="en-US" sz="2400" dirty="0" smtClean="0">
+                <a:cs typeface="Arial" pitchFamily="34" charset="0"/>
+              </a:rPr>
+              <a:t>Radius Calculation</a:t>
+            </a:r>
+          </a:p>
+          <a:p>
+            <a:pPr marL="457200" indent="-457200">
+              <a:spcBef>
+                <a:spcPts val="600"/>
+              </a:spcBef>
+              <a:buFont typeface="Wingdings" pitchFamily="2" charset="2"/>
+              <a:buChar char="Ø"/>
+            </a:pPr>
+            <a:r>
+              <a:rPr lang="en-US" sz="2400" dirty="0" smtClean="0">
+                <a:cs typeface="Arial" pitchFamily="34" charset="0"/>
+              </a:rPr>
+              <a:t>Multiple Channel support</a:t>
+            </a:r>
+          </a:p>
+          <a:p>
+            <a:pPr marL="457200" indent="-457200">
+              <a:spcBef>
+                <a:spcPts val="600"/>
+              </a:spcBef>
+              <a:buFont typeface="Wingdings" pitchFamily="2" charset="2"/>
+              <a:buChar char="Ø"/>
+            </a:pPr>
+            <a:r>
+              <a:rPr lang="en-US" sz="2400" dirty="0" smtClean="0">
+                <a:cs typeface="Arial" pitchFamily="34" charset="0"/>
+              </a:rPr>
+              <a:t>Dual Band support</a:t>
+            </a:r>
+          </a:p>
+          <a:p>
+            <a:pPr marL="457200" indent="-457200">
+              <a:spcBef>
+                <a:spcPts val="600"/>
+              </a:spcBef>
+              <a:buFont typeface="Wingdings" pitchFamily="2" charset="2"/>
+              <a:buChar char="Ø"/>
+            </a:pPr>
+            <a:r>
+              <a:rPr lang="en-US" sz="2400" dirty="0" smtClean="0">
+                <a:cs typeface="Arial" pitchFamily="34" charset="0"/>
+              </a:rPr>
+              <a:t>RSSI Calculation</a:t>
+            </a:r>
+          </a:p>
+          <a:p>
+            <a:pPr marL="457200" indent="-457200">
+              <a:spcBef>
+                <a:spcPts val="600"/>
+              </a:spcBef>
+              <a:buFont typeface="Wingdings" pitchFamily="2" charset="2"/>
+              <a:buChar char="Ø"/>
+            </a:pPr>
+            <a:r>
+              <a:rPr lang="en-US" sz="2400" dirty="0" smtClean="0">
+                <a:cs typeface="Arial" pitchFamily="34" charset="0"/>
+              </a:rPr>
+              <a:t>Transmission Data Rate</a:t>
+            </a:r>
+          </a:p>
+          <a:p>
+            <a:pPr marL="457200" indent="-457200">
+              <a:spcBef>
+                <a:spcPts val="600"/>
+              </a:spcBef>
+              <a:buFont typeface="Wingdings" pitchFamily="2" charset="2"/>
+              <a:buChar char="Ø"/>
+            </a:pPr>
+            <a:r>
+              <a:rPr lang="en-US" sz="2400" dirty="0" smtClean="0">
+                <a:cs typeface="Arial" pitchFamily="34" charset="0"/>
+              </a:rPr>
+              <a:t>Noise Simulation</a:t>
+            </a:r>
+          </a:p>
+          <a:p>
+            <a:pPr marL="457200" indent="-457200">
+              <a:spcBef>
+                <a:spcPts val="600"/>
+              </a:spcBef>
+              <a:buFont typeface="Wingdings" pitchFamily="2" charset="2"/>
+              <a:buChar char="Ø"/>
+            </a:pPr>
+            <a:r>
+              <a:rPr lang="en-US" sz="2400" dirty="0" smtClean="0">
+                <a:cs typeface="Arial" pitchFamily="34" charset="0"/>
+              </a:rPr>
+              <a:t>Tx opportunity </a:t>
+            </a:r>
+          </a:p>
+          <a:p>
+            <a:pPr marL="457200" indent="-457200">
+              <a:spcBef>
+                <a:spcPts val="600"/>
+              </a:spcBef>
+              <a:buFont typeface="Wingdings" pitchFamily="2" charset="2"/>
+              <a:buChar char="Ø"/>
+            </a:pPr>
+            <a:r>
+              <a:rPr lang="en-US" sz="2400" dirty="0" smtClean="0">
+                <a:cs typeface="Arial" pitchFamily="34" charset="0"/>
+              </a:rPr>
               <a:t>Acknowledgment</a:t>
             </a:r>
           </a:p>
           <a:p>
-            <a:pPr algn="l"/>
-            <a:r>
-              <a:rPr lang="en-US" dirty="0" smtClean="0"/>
-              <a:t>BSS Connect/Disconnect flow</a:t>
-            </a:r>
-          </a:p>
-          <a:p>
-            <a:pPr algn="l"/>
-            <a:r>
-              <a:rPr lang="en-US" dirty="0" smtClean="0"/>
-              <a:t>Keep Alive mechanism</a:t>
-            </a:r>
-          </a:p>
-          <a:p>
-            <a:r>
-              <a:rPr lang="en-US" dirty="0"/>
-              <a:t>Received Signal Strength </a:t>
-            </a:r>
-            <a:r>
-              <a:rPr lang="en-US" dirty="0" smtClean="0"/>
-              <a:t>Indication (RSSI)</a:t>
-            </a:r>
-          </a:p>
-          <a:p>
-            <a:r>
-              <a:rPr lang="en-US" dirty="0" smtClean="0"/>
-              <a:t>Transmit Rate Calculation (SNR – </a:t>
-            </a:r>
-            <a:r>
-              <a:rPr lang="en-US" dirty="0" err="1" smtClean="0"/>
-              <a:t>adventeges</a:t>
-            </a:r>
-            <a:r>
-              <a:rPr lang="en-US" dirty="0" smtClean="0"/>
-              <a:t>/ </a:t>
-            </a:r>
-            <a:r>
-              <a:rPr lang="en-US" dirty="0" err="1" smtClean="0"/>
-              <a:t>disad</a:t>
-            </a:r>
-            <a:endParaRPr lang="en-US" dirty="0" smtClean="0"/>
-          </a:p>
-          <a:p>
-            <a:r>
-              <a:rPr lang="en-US" dirty="0" smtClean="0"/>
-              <a:t>Support of standards </a:t>
-            </a:r>
-            <a:r>
-              <a:rPr lang="en-US" strike="sngStrike" dirty="0" smtClean="0"/>
-              <a:t>Band</a:t>
-            </a:r>
-            <a:r>
-              <a:rPr lang="en-US" dirty="0" smtClean="0"/>
-              <a:t> A, </a:t>
-            </a:r>
-            <a:r>
-              <a:rPr lang="en-US" strike="sngStrike" dirty="0" smtClean="0"/>
-              <a:t>Band</a:t>
-            </a:r>
-            <a:r>
-              <a:rPr lang="en-US" dirty="0" smtClean="0"/>
-              <a:t> N</a:t>
-            </a:r>
-          </a:p>
-          <a:p>
-            <a:r>
-              <a:rPr lang="en-US" dirty="0" smtClean="0"/>
-              <a:t>Connection establishment negotiation</a:t>
-            </a:r>
-          </a:p>
-          <a:p>
-            <a:r>
-              <a:rPr lang="en-US" dirty="0" smtClean="0"/>
-              <a:t> Packets Encapsulation /Headers /hierarchy  </a:t>
-            </a:r>
-          </a:p>
-          <a:p>
-            <a:endParaRPr lang="en-US" dirty="0"/>
-          </a:p>
-        </p:txBody>
-      </p:sp>
-      <p:sp>
-        <p:nvSpPr>
-          <p:cNvPr id="3" name="Title 2"/>
-          <p:cNvSpPr>
-            <a:spLocks noGrp="1"/>
-          </p:cNvSpPr>
-          <p:nvPr>
-            <p:ph type="title"/>
-          </p:nvPr>
-        </p:nvSpPr>
-        <p:spPr/>
-        <p:txBody>
-          <a:bodyPr/>
-          <a:lstStyle/>
-          <a:p>
-            <a:pPr rtl="1"/>
-            <a:r>
-              <a:rPr lang="en-US" dirty="0" smtClean="0"/>
-              <a:t>Protocols Support</a:t>
-            </a:r>
-            <a:endParaRPr lang="en-US" dirty="0"/>
+            <a:pPr marL="457200" indent="-457200">
+              <a:spcBef>
+                <a:spcPts val="600"/>
+              </a:spcBef>
+              <a:buFont typeface="Wingdings" pitchFamily="2" charset="2"/>
+              <a:buChar char="Ø"/>
+            </a:pPr>
+            <a:r>
+              <a:rPr lang="en-US" sz="2400" dirty="0" smtClean="0">
+                <a:cs typeface="Arial" pitchFamily="34" charset="0"/>
+              </a:rPr>
+              <a:t>MAC resolution  </a:t>
+            </a:r>
           </a:p>
         </p:txBody>
       </p:sp>
@@ -9503,6 +9528,13 @@
   <p:clrMapOvr>
     <a:masterClrMapping/>
   </p:clrMapOvr>
+  <p:timing>
+    <p:tnLst>
+      <p:par>
+        <p:cTn id="1" dur="indefinite" restart="never" nodeType="tmRoot"/>
+      </p:par>
+    </p:tnLst>
+  </p:timing>
 </p:sld>
 </file>
 
@@ -9525,51 +9557,6 @@
       </p:grpSpPr>
       <p:sp>
         <p:nvSpPr>
-          <p:cNvPr id="2" name="Content Placeholder 1"/>
-          <p:cNvSpPr>
-            <a:spLocks noGrp="1"/>
-          </p:cNvSpPr>
-          <p:nvPr>
-            <p:ph idx="1"/>
-          </p:nvPr>
-        </p:nvSpPr>
-        <p:spPr/>
-        <p:txBody>
-          <a:bodyPr/>
-          <a:lstStyle/>
-          <a:p>
-            <a:pPr algn="l"/>
-            <a:r>
-              <a:rPr lang="en-US" dirty="0" smtClean="0"/>
-              <a:t>Preferred channel selection</a:t>
-            </a:r>
-          </a:p>
-          <a:p>
-            <a:pPr algn="l"/>
-            <a:r>
-              <a:rPr lang="en-US" dirty="0" smtClean="0"/>
-              <a:t>Calculation of transmit rate regarding to RSSI</a:t>
-            </a:r>
-          </a:p>
-          <a:p>
-            <a:pPr algn="l"/>
-            <a:r>
-              <a:rPr lang="en-US" dirty="0" smtClean="0"/>
-              <a:t>Calculation of RSSI regarding to Distance</a:t>
-            </a:r>
-          </a:p>
-          <a:p>
-            <a:pPr algn="l"/>
-            <a:endParaRPr lang="en-US" dirty="0" smtClean="0"/>
-          </a:p>
-          <a:p>
-            <a:pPr algn="l"/>
-            <a:endParaRPr lang="en-US" dirty="0"/>
-          </a:p>
-        </p:txBody>
-      </p:sp>
-      <p:sp>
-        <p:nvSpPr>
           <p:cNvPr id="3" name="Title 2"/>
           <p:cNvSpPr>
             <a:spLocks noGrp="1"/>
@@ -9586,12 +9573,53 @@
             <a:pPr rtl="1"/>
             <a:r>
               <a:rPr lang="en-US" dirty="0" smtClean="0"/>
-              <a:t>Used Algorithms</a:t>
+              <a:t>Packets UML</a:t>
             </a:r>
             <a:endParaRPr lang="en-US" dirty="0"/>
           </a:p>
         </p:txBody>
       </p:sp>
+      <p:pic>
+        <p:nvPicPr>
+          <p:cNvPr id="4098" name="Picture 2" descr="D:\Dropbox\Z_PROJECTS\sls\Results\UML_Packets.JPG"/>
+          <p:cNvPicPr>
+            <a:picLocks noChangeAspect="1" noChangeArrowheads="1"/>
+          </p:cNvPicPr>
+          <p:nvPr/>
+        </p:nvPicPr>
+        <p:blipFill>
+          <a:blip r:embed="rId2">
+            <a:extLst>
+              <a:ext uri="{28A0092B-C50C-407E-A947-70E740481C1C}">
+                <a14:useLocalDpi xmlns:a14="http://schemas.microsoft.com/office/drawing/2010/main" val="0"/>
+              </a:ext>
+            </a:extLst>
+          </a:blip>
+          <a:srcRect/>
+          <a:stretch>
+            <a:fillRect/>
+          </a:stretch>
+        </p:blipFill>
+        <p:spPr bwMode="auto">
+          <a:xfrm>
+            <a:off x="152400" y="1676400"/>
+            <a:ext cx="8896350" cy="4953000"/>
+          </a:xfrm>
+          <a:prstGeom prst="rect">
+            <a:avLst/>
+          </a:prstGeom>
+          <a:noFill/>
+          <a:extLst>
+            <a:ext uri="{909E8E84-426E-40DD-AFC4-6F175D3DCCD1}">
+              <a14:hiddenFill xmlns:a14="http://schemas.microsoft.com/office/drawing/2010/main">
+                <a:solidFill>
+                  <a:srgbClr val="FFFFFF"/>
+                </a:solidFill>
+              </a14:hiddenFill>
+            </a:ext>
+          </a:extLst>
+        </p:spPr>
+      </p:pic>
     </p:spTree>
     <p:extLst>
       <p:ext uri="{BB962C8B-B14F-4D97-AF65-F5344CB8AC3E}">
@@ -9602,6 +9630,13 @@
   <p:clrMapOvr>
     <a:masterClrMapping/>
   </p:clrMapOvr>
+  <p:timing>
+    <p:tnLst>
+      <p:par>
+        <p:cTn id="1" dur="indefinite" restart="never" nodeType="tmRoot"/>
+      </p:par>
+    </p:tnLst>
+  </p:timing>
 </p:sld>
 </file>
 
@@ -9624,154 +9659,6 @@
       </p:grpSpPr>
       <p:sp>
         <p:nvSpPr>
-          <p:cNvPr id="2" name="Content Placeholder 1"/>
-          <p:cNvSpPr>
-            <a:spLocks noGrp="1"/>
-          </p:cNvSpPr>
-          <p:nvPr>
-            <p:ph idx="1"/>
-          </p:nvPr>
-        </p:nvSpPr>
-        <p:spPr/>
-        <p:txBody>
-          <a:bodyPr>
-            <a:normAutofit fontScale="70000" lnSpcReduction="20000"/>
-          </a:bodyPr>
-          <a:lstStyle/>
-          <a:p>
-            <a:pPr algn="l"/>
-            <a:r>
-              <a:rPr lang="en-US" dirty="0" smtClean="0"/>
-              <a:t>Statistic and information</a:t>
-            </a:r>
-          </a:p>
-          <a:p>
-            <a:pPr algn="l"/>
-            <a:r>
-              <a:rPr lang="en-US" dirty="0" smtClean="0"/>
-              <a:t>Easy access to get all simulated information </a:t>
-            </a:r>
-          </a:p>
-          <a:p>
-            <a:pPr algn="l"/>
-            <a:r>
-              <a:rPr lang="en-US" dirty="0" smtClean="0"/>
-              <a:t>Ability to move objects on board</a:t>
-            </a:r>
-          </a:p>
-          <a:p>
-            <a:pPr algn="l"/>
-            <a:r>
-              <a:rPr lang="en-US" dirty="0" smtClean="0"/>
-              <a:t>Drag &amp; Drop</a:t>
-            </a:r>
-          </a:p>
-          <a:p>
-            <a:pPr algn="l"/>
-            <a:r>
-              <a:rPr lang="en-US" dirty="0" smtClean="0"/>
-              <a:t>Creation of RF device </a:t>
-            </a:r>
-          </a:p>
-          <a:p>
-            <a:pPr algn="l"/>
-            <a:r>
-              <a:rPr lang="en-US" dirty="0" smtClean="0"/>
-              <a:t>Random simulation</a:t>
-            </a:r>
-          </a:p>
-          <a:p>
-            <a:pPr algn="l"/>
-            <a:r>
-              <a:rPr lang="en-US" dirty="0" smtClean="0"/>
-              <a:t>Static simulation</a:t>
-            </a:r>
-          </a:p>
-          <a:p>
-            <a:pPr algn="l"/>
-            <a:r>
-              <a:rPr lang="en-US" dirty="0" smtClean="0"/>
-              <a:t>Station info form :</a:t>
-            </a:r>
-          </a:p>
-          <a:p>
-            <a:pPr lvl="1">
-              <a:buFont typeface="Wingdings" pitchFamily="2" charset="2"/>
-              <a:buChar char="Ø"/>
-            </a:pPr>
-            <a:r>
-              <a:rPr lang="en-US" dirty="0" smtClean="0"/>
-              <a:t>Statistic </a:t>
-            </a:r>
-          </a:p>
-          <a:p>
-            <a:pPr lvl="1">
-              <a:buFont typeface="Wingdings" pitchFamily="2" charset="2"/>
-              <a:buChar char="Ø"/>
-            </a:pPr>
-            <a:r>
-              <a:rPr lang="en-US" dirty="0" smtClean="0"/>
-              <a:t>Logs</a:t>
-            </a:r>
-          </a:p>
-          <a:p>
-            <a:pPr lvl="1">
-              <a:buFont typeface="Wingdings" pitchFamily="2" charset="2"/>
-              <a:buChar char="Ø"/>
-            </a:pPr>
-            <a:r>
-              <a:rPr lang="en-US" dirty="0" smtClean="0"/>
-              <a:t>Station configuration and overview</a:t>
-            </a:r>
-          </a:p>
-          <a:p>
-            <a:pPr lvl="1">
-              <a:buFont typeface="Wingdings" pitchFamily="2" charset="2"/>
-              <a:buChar char="Ø"/>
-            </a:pPr>
-            <a:r>
-              <a:rPr lang="en-US" dirty="0" smtClean="0"/>
-              <a:t>Configurable </a:t>
-            </a:r>
-            <a:r>
-              <a:rPr lang="en-US" dirty="0"/>
-              <a:t>d</a:t>
-            </a:r>
-            <a:r>
-              <a:rPr lang="en-US" dirty="0" smtClean="0"/>
-              <a:t>ump of STA object</a:t>
-            </a:r>
-          </a:p>
-          <a:p>
-            <a:pPr algn="l"/>
-            <a:r>
-              <a:rPr lang="en-US" dirty="0" smtClean="0"/>
-              <a:t>AP info form – provide basic configuration</a:t>
-            </a:r>
-          </a:p>
-          <a:p>
-            <a:pPr algn="l"/>
-            <a:r>
-              <a:rPr lang="en-US" dirty="0" smtClean="0"/>
-              <a:t>Saving and Load current simulation into file</a:t>
-            </a:r>
-          </a:p>
-          <a:p>
-            <a:pPr algn="l"/>
-            <a:endParaRPr lang="en-US" dirty="0" smtClean="0"/>
-          </a:p>
-          <a:p>
-            <a:pPr algn="l"/>
-            <a:endParaRPr lang="en-US" dirty="0" smtClean="0"/>
-          </a:p>
-          <a:p>
-            <a:pPr algn="l"/>
-            <a:endParaRPr lang="en-US" dirty="0"/>
-          </a:p>
-        </p:txBody>
-      </p:sp>
-      <p:sp>
-        <p:nvSpPr>
           <p:cNvPr id="3" name="Title 2"/>
           <p:cNvSpPr>
             <a:spLocks noGrp="1"/>
@@ -9788,12 +9675,53 @@
             <a:pPr rtl="1"/>
             <a:r>
               <a:rPr lang="en-US" dirty="0" smtClean="0"/>
-              <a:t>GUI</a:t>
+              <a:t>RF Devices UML</a:t>
             </a:r>
             <a:endParaRPr lang="en-US" dirty="0"/>
           </a:p>
         </p:txBody>
       </p:sp>
+      <p:pic>
+        <p:nvPicPr>
+          <p:cNvPr id="5122" name="Picture 2" descr="D:\Dropbox\Z_PROJECTS\sls\Results\UML_RFDevices.JPG"/>
+          <p:cNvPicPr>
+            <a:picLocks noChangeAspect="1" noChangeArrowheads="1"/>
+          </p:cNvPicPr>
+          <p:nvPr/>
+        </p:nvPicPr>
+        <p:blipFill>
+          <a:blip r:embed="rId2">
+            <a:extLst>
+              <a:ext uri="{28A0092B-C50C-407E-A947-70E740481C1C}">
+                <a14:useLocalDpi xmlns:a14="http://schemas.microsoft.com/office/drawing/2010/main" val="0"/>
+              </a:ext>
+            </a:extLst>
+          </a:blip>
+          <a:srcRect/>
+          <a:stretch>
+            <a:fillRect/>
+          </a:stretch>
+        </p:blipFill>
+        <p:spPr bwMode="auto">
+          <a:xfrm>
+            <a:off x="142875" y="1600200"/>
+            <a:ext cx="8839200" cy="4135170"/>
+          </a:xfrm>
+          <a:prstGeom prst="rect">
+            <a:avLst/>
+          </a:prstGeom>
+          <a:noFill/>
+          <a:extLst>
+            <a:ext uri="{909E8E84-426E-40DD-AFC4-6F175D3DCCD1}">
+              <a14:hiddenFill xmlns:a14="http://schemas.microsoft.com/office/drawing/2010/main">
+                <a:solidFill>
+                  <a:srgbClr val="FFFFFF"/>
+                </a:solidFill>
+              </a14:hiddenFill>
+            </a:ext>
+          </a:extLst>
+        </p:spPr>
+      </p:pic>
     </p:spTree>
     <p:extLst>
       <p:ext uri="{BB962C8B-B14F-4D97-AF65-F5344CB8AC3E}">
@@ -9804,6 +9732,13 @@
   <p:clrMapOvr>
     <a:masterClrMapping/>
   </p:clrMapOvr>
+  <p:timing>
+    <p:tnLst>
+      <p:par>
+        <p:cTn id="1" dur="indefinite" restart="never" nodeType="tmRoot"/>
+      </p:par>
+    </p:tnLst>
+  </p:timing>
 </p:sld>
 </file>
 
@@ -9837,80 +9772,115 @@
         <p:spPr/>
         <p:txBody>
           <a:bodyPr>
-            <a:normAutofit fontScale="92500"/>
+            <a:normAutofit fontScale="92500" lnSpcReduction="20000"/>
           </a:bodyPr>
           <a:lstStyle/>
           <a:p>
             <a:pPr algn="l"/>
             <a:r>
+              <a:rPr lang="en-US" dirty="0" smtClean="0"/>
+              <a:t>IEEE80211</a:t>
+            </a:r>
+          </a:p>
+          <a:p>
+            <a:pPr algn="l"/>
+            <a:r>
+              <a:rPr lang="en-US" dirty="0" smtClean="0"/>
+              <a:t>Passive scan</a:t>
+            </a:r>
+          </a:p>
+          <a:p>
+            <a:pPr algn="l"/>
+            <a:r>
+              <a:rPr lang="en-US" dirty="0" smtClean="0"/>
+              <a:t>Beacon sending</a:t>
+            </a:r>
+          </a:p>
+          <a:p>
+            <a:pPr algn="l"/>
+            <a:r>
+              <a:rPr lang="en-US" dirty="0" smtClean="0"/>
+              <a:t>Acknowledgment</a:t>
+            </a:r>
+          </a:p>
+          <a:p>
+            <a:pPr algn="l"/>
+            <a:r>
+              <a:rPr lang="en-US" dirty="0" smtClean="0"/>
+              <a:t>BSS Connect/Disconnect flow</a:t>
+            </a:r>
+          </a:p>
+          <a:p>
+            <a:pPr algn="l"/>
+            <a:r>
+              <a:rPr lang="en-US" dirty="0" smtClean="0"/>
+              <a:t>Keep Alive mechanism</a:t>
+            </a:r>
+          </a:p>
+          <a:p>
+            <a:r>
+              <a:rPr lang="en-US" dirty="0"/>
+              <a:t>Received Signal Strength </a:t>
+            </a:r>
+            <a:r>
+              <a:rPr lang="en-US" dirty="0" smtClean="0"/>
+              <a:t>Indication (RSSI)</a:t>
+            </a:r>
+          </a:p>
+          <a:p>
+            <a:r>
+              <a:rPr lang="en-US" dirty="0" smtClean="0"/>
+              <a:t>Transmit Rate Calculation (SNR – </a:t>
+            </a:r>
+            <a:r>
+              <a:rPr lang="en-US" dirty="0" err="1" smtClean="0"/>
+              <a:t>adventeges</a:t>
+            </a:r>
+            <a:r>
+              <a:rPr lang="en-US" dirty="0" smtClean="0"/>
+              <a:t>/ </a:t>
+            </a:r>
+            <a:r>
+              <a:rPr lang="en-US" dirty="0" err="1" smtClean="0"/>
+              <a:t>disad</a:t>
+            </a:r>
+            <a:endParaRPr lang="en-US" dirty="0" smtClean="0"/>
+          </a:p>
+          <a:p>
+            <a:r>
+              <a:rPr lang="en-US" dirty="0" smtClean="0"/>
+              <a:t>Support of standards </a:t>
+            </a:r>
+            <a:r>
               <a:rPr lang="en-US" strike="sngStrike" dirty="0" smtClean="0"/>
-              <a:t>Here insert graphs from wiki about standards</a:t>
-            </a:r>
-          </a:p>
-          <a:p>
-            <a:r>
-              <a:rPr lang="en-US" dirty="0">
-                <a:hlinkClick r:id="rId2"/>
-              </a:rPr>
-              <a:t>http://wiki.dhs01.com</a:t>
-            </a:r>
-            <a:r>
-              <a:rPr lang="en-US" dirty="0" smtClean="0">
-                <a:hlinkClick r:id="rId2"/>
-              </a:rPr>
-              <a:t>/</a:t>
-            </a:r>
-            <a:endParaRPr lang="en-US" dirty="0" smtClean="0"/>
-          </a:p>
-          <a:p>
+              <a:t>Band</a:t>
+            </a:r>
             <a:r>
               <a:rPr lang="en-US" dirty="0" smtClean="0"/>
-              <a:t>RSSI</a:t>
-            </a:r>
-          </a:p>
-          <a:p>
-            <a:endParaRPr lang="en-US" dirty="0"/>
-          </a:p>
-          <a:p>
+              <a:t> A, </a:t>
+            </a:r>
+            <a:r>
+              <a:rPr lang="en-US" strike="sngStrike" dirty="0" smtClean="0"/>
+              <a:t>Band</a:t>
+            </a:r>
             <a:r>
               <a:rPr lang="en-US" dirty="0" smtClean="0"/>
-              <a:t>Challenge – medium</a:t>
-            </a:r>
-          </a:p>
-          <a:p>
-            <a:pPr lvl="1"/>
+              <a:t> N</a:t>
+            </a:r>
+          </a:p>
+          <a:p>
             <a:r>
               <a:rPr lang="en-US" dirty="0" smtClean="0"/>
-              <a:t>Send data</a:t>
-            </a:r>
-          </a:p>
-          <a:p>
-            <a:pPr lvl="1"/>
+              <a:t>Connection establishment negotiation</a:t>
+            </a:r>
+          </a:p>
+          <a:p>
             <a:r>
               <a:rPr lang="en-US" dirty="0" smtClean="0"/>
-              <a:t>Pars received packet</a:t>
-            </a:r>
-          </a:p>
-          <a:p>
-            <a:pPr lvl="1"/>
-            <a:r>
-              <a:rPr lang="en-US" dirty="0" smtClean="0"/>
-              <a:t>Medium registration</a:t>
-            </a:r>
-          </a:p>
-          <a:p>
-            <a:pPr lvl="1"/>
-            <a:r>
-              <a:rPr lang="en-US" dirty="0" smtClean="0"/>
-              <a:t>AP – support any kind of packets </a:t>
-            </a:r>
-          </a:p>
-          <a:p>
-            <a:pPr lvl="1"/>
-            <a:r>
-              <a:rPr lang="en-US" dirty="0" smtClean="0"/>
-              <a:t>Stream handler / File to Packet division and restoration    </a:t>
-            </a:r>
+              <a:t> Packets Encapsulation /Headers /hierarchy  </a:t>
+            </a:r>
+          </a:p>
+          <a:p>
             <a:endParaRPr lang="en-US" dirty="0"/>
           </a:p>
         </p:txBody>
@@ -9931,6 +9901,10 @@
           <a:lstStyle/>
           <a:p>
             <a:pPr rtl="1"/>
+            <a:r>
+              <a:rPr lang="en-US" dirty="0" smtClean="0"/>
+              <a:t>Protocols Support</a:t>
+            </a:r>
             <a:endParaRPr lang="en-US" dirty="0"/>
           </a:p>
         </p:txBody>
@@ -9981,6 +9955,31 @@
           <a:lstStyle/>
           <a:p>
             <a:pPr algn="l"/>
+            <a:r>
+              <a:rPr lang="en-US" dirty="0" smtClean="0"/>
+              <a:t>Preferred channel selection</a:t>
+            </a:r>
+          </a:p>
+          <a:p>
+            <a:pPr algn="l"/>
+            <a:r>
+              <a:rPr lang="en-US" dirty="0" smtClean="0"/>
+              <a:t>Calculation of transmit rate regarding to RSSI</a:t>
+            </a:r>
+          </a:p>
+          <a:p>
+            <a:pPr algn="l"/>
+            <a:r>
+              <a:rPr lang="en-US" dirty="0" smtClean="0"/>
+              <a:t>Calculation of RSSI regarding to Distance</a:t>
+            </a:r>
+          </a:p>
+          <a:p>
+            <a:pPr algn="l"/>
+            <a:endParaRPr lang="en-US" dirty="0" smtClean="0"/>
+          </a:p>
+          <a:p>
+            <a:pPr algn="l"/>
             <a:endParaRPr lang="en-US" dirty="0"/>
           </a:p>
         </p:txBody>
@@ -10002,12 +10001,9 @@
           <a:p>
             <a:pPr rtl="1"/>
             <a:r>
-              <a:rPr lang="en-US" dirty="0"/>
-              <a:t>Notable Functions / Algorithms </a:t>
-            </a:r>
-            <a:br>
-              <a:rPr lang="en-US" dirty="0"/>
-            </a:br>
+              <a:rPr lang="en-US" dirty="0" smtClean="0"/>
+              <a:t>Used Algorithms</a:t>
+            </a:r>
             <a:endParaRPr lang="en-US" dirty="0"/>
           </a:p>
         </p:txBody>

--- a/JudgesForumPresentation.pptx
+++ b/JudgesForumPresentation.pptx
@@ -1792,11 +1792,11 @@
           <c:showBubbleSize val="0"/>
         </c:dLbls>
         <c:gapWidth val="150"/>
-        <c:axId val="98103296"/>
-        <c:axId val="88709888"/>
+        <c:axId val="46718976"/>
+        <c:axId val="92379904"/>
       </c:barChart>
       <c:catAx>
-        <c:axId val="98103296"/>
+        <c:axId val="46718976"/>
         <c:scaling>
           <c:orientation val="minMax"/>
         </c:scaling>
@@ -1806,7 +1806,7 @@
         <c:majorTickMark val="none"/>
         <c:minorTickMark val="none"/>
         <c:tickLblPos val="nextTo"/>
-        <c:crossAx val="88709888"/>
+        <c:crossAx val="92379904"/>
         <c:crosses val="autoZero"/>
         <c:auto val="1"/>
         <c:lblAlgn val="ctr"/>
@@ -1814,7 +1814,7 @@
         <c:noMultiLvlLbl val="0"/>
       </c:catAx>
       <c:valAx>
-        <c:axId val="88709888"/>
+        <c:axId val="92379904"/>
         <c:scaling>
           <c:orientation val="minMax"/>
         </c:scaling>
@@ -1825,7 +1825,7 @@
         <c:majorTickMark val="none"/>
         <c:minorTickMark val="none"/>
         <c:tickLblPos val="nextTo"/>
-        <c:crossAx val="98103296"/>
+        <c:crossAx val="46718976"/>
         <c:crosses val="autoZero"/>
         <c:crossBetween val="between"/>
       </c:valAx>
@@ -7622,7 +7622,7 @@
           <a:graphicData uri="http://schemas.openxmlformats.org/presentationml/2006/ole">
             <mc:AlternateContent xmlns:mc="http://schemas.openxmlformats.org/markup-compatibility/2006">
               <mc:Choice xmlns:v="urn:schemas-microsoft-com:vml" Requires="v">
-                <p:oleObj spid="_x0000_s3124" name="Visio" r:id="rId3" imgW="9147060" imgH="7289860" progId="Visio.Drawing.11">
+                <p:oleObj spid="_x0000_s3125" name="Visio" r:id="rId3" imgW="9147060" imgH="7289860" progId="Visio.Drawing.11">
                   <p:embed/>
                 </p:oleObj>
               </mc:Choice>
@@ -7737,7 +7737,7 @@
           <a:graphicData uri="http://schemas.openxmlformats.org/presentationml/2006/ole">
             <mc:AlternateContent xmlns:mc="http://schemas.openxmlformats.org/markup-compatibility/2006">
               <mc:Choice xmlns:v="urn:schemas-microsoft-com:vml" Requires="v">
-                <p:oleObj spid="_x0000_s2102" name="Visio" r:id="rId3" imgW="9147060" imgH="7289860" progId="Visio.Drawing.11">
+                <p:oleObj spid="_x0000_s2103" name="Visio" r:id="rId3" imgW="9147060" imgH="7289860" progId="Visio.Drawing.11">
                   <p:embed/>
                 </p:oleObj>
               </mc:Choice>
@@ -7941,8 +7941,8 @@
         </p:blipFill>
         <p:spPr bwMode="auto">
           <a:xfrm>
-            <a:off x="1785937" y="2286000"/>
-            <a:ext cx="5572125" cy="3914775"/>
+            <a:off x="1447800" y="2133600"/>
+            <a:ext cx="6182212" cy="4343400"/>
           </a:xfrm>
           <a:prstGeom prst="rect">
             <a:avLst/>
@@ -9025,7 +9025,6 @@
               <a:rPr lang="en-US" dirty="0" smtClean="0"/>
               <a:t>Saving simulation</a:t>
             </a:r>
-            <a:endParaRPr lang="en-US" dirty="0" smtClean="0"/>
           </a:p>
           <a:p>
             <a:pPr marL="0" indent="0" algn="l">
@@ -9044,11 +9043,7 @@
             <a:pPr lvl="1"/>
             <a:r>
               <a:rPr lang="en-US" dirty="0" smtClean="0"/>
-              <a:t>Algorithms </a:t>
-            </a:r>
-            <a:r>
-              <a:rPr lang="en-US" dirty="0" smtClean="0"/>
-              <a:t>flow</a:t>
+              <a:t>Algorithms flow</a:t>
             </a:r>
           </a:p>
           <a:p>
@@ -9301,7 +9296,7 @@
           <a:graphicData uri="http://schemas.openxmlformats.org/presentationml/2006/ole">
             <mc:AlternateContent xmlns:mc="http://schemas.openxmlformats.org/markup-compatibility/2006">
               <mc:Choice xmlns:v="urn:schemas-microsoft-com:vml" Requires="v">
-                <p:oleObj spid="_x0000_s1078" name="Visio" r:id="rId3" imgW="9147060" imgH="7289860" progId="Visio.Drawing.11">
+                <p:oleObj spid="_x0000_s1079" name="Visio" r:id="rId3" imgW="9147060" imgH="7289860" progId="Visio.Drawing.11">
                   <p:embed/>
                 </p:oleObj>
               </mc:Choice>

--- a/JudgesForumPresentation.pptx
+++ b/JudgesForumPresentation.pptx
@@ -5,10 +5,10 @@
     <p:sldMasterId id="2147483672" r:id="rId1"/>
   </p:sldMasterIdLst>
   <p:notesMasterIdLst>
-    <p:notesMasterId r:id="rId26"/>
+    <p:notesMasterId r:id="rId31"/>
   </p:notesMasterIdLst>
   <p:handoutMasterIdLst>
-    <p:handoutMasterId r:id="rId27"/>
+    <p:handoutMasterId r:id="rId32"/>
   </p:handoutMasterIdLst>
   <p:sldIdLst>
     <p:sldId id="256" r:id="rId2"/>
@@ -25,16 +25,21 @@
     <p:sldId id="306" r:id="rId13"/>
     <p:sldId id="322" r:id="rId14"/>
     <p:sldId id="323" r:id="rId15"/>
-    <p:sldId id="318" r:id="rId16"/>
-    <p:sldId id="311" r:id="rId17"/>
-    <p:sldId id="312" r:id="rId18"/>
-    <p:sldId id="315" r:id="rId19"/>
-    <p:sldId id="309" r:id="rId20"/>
-    <p:sldId id="320" r:id="rId21"/>
-    <p:sldId id="321" r:id="rId22"/>
-    <p:sldId id="307" r:id="rId23"/>
-    <p:sldId id="317" r:id="rId24"/>
-    <p:sldId id="308" r:id="rId25"/>
+    <p:sldId id="324" r:id="rId16"/>
+    <p:sldId id="325" r:id="rId17"/>
+    <p:sldId id="318" r:id="rId18"/>
+    <p:sldId id="326" r:id="rId19"/>
+    <p:sldId id="327" r:id="rId20"/>
+    <p:sldId id="311" r:id="rId21"/>
+    <p:sldId id="328" r:id="rId22"/>
+    <p:sldId id="312" r:id="rId23"/>
+    <p:sldId id="315" r:id="rId24"/>
+    <p:sldId id="309" r:id="rId25"/>
+    <p:sldId id="320" r:id="rId26"/>
+    <p:sldId id="321" r:id="rId27"/>
+    <p:sldId id="307" r:id="rId28"/>
+    <p:sldId id="317" r:id="rId29"/>
+    <p:sldId id="308" r:id="rId30"/>
   </p:sldIdLst>
   <p:sldSz cx="9144000" cy="6858000" type="screen4x3"/>
   <p:notesSz cx="6669088" cy="9928225"/>
@@ -1792,11 +1797,11 @@
           <c:showBubbleSize val="0"/>
         </c:dLbls>
         <c:gapWidth val="150"/>
-        <c:axId val="46718976"/>
-        <c:axId val="92379904"/>
+        <c:axId val="40820736"/>
+        <c:axId val="88439552"/>
       </c:barChart>
       <c:catAx>
-        <c:axId val="46718976"/>
+        <c:axId val="40820736"/>
         <c:scaling>
           <c:orientation val="minMax"/>
         </c:scaling>
@@ -1806,7 +1811,7 @@
         <c:majorTickMark val="none"/>
         <c:minorTickMark val="none"/>
         <c:tickLblPos val="nextTo"/>
-        <c:crossAx val="92379904"/>
+        <c:crossAx val="88439552"/>
         <c:crosses val="autoZero"/>
         <c:auto val="1"/>
         <c:lblAlgn val="ctr"/>
@@ -1814,7 +1819,7 @@
         <c:noMultiLvlLbl val="0"/>
       </c:catAx>
       <c:valAx>
-        <c:axId val="92379904"/>
+        <c:axId val="88439552"/>
         <c:scaling>
           <c:orientation val="minMax"/>
         </c:scaling>
@@ -1825,7 +1830,7 @@
         <c:majorTickMark val="none"/>
         <c:minorTickMark val="none"/>
         <c:tickLblPos val="nextTo"/>
-        <c:crossAx val="46718976"/>
+        <c:crossAx val="40820736"/>
         <c:crosses val="autoZero"/>
         <c:crossBetween val="between"/>
       </c:valAx>
@@ -1927,7 +1932,7 @@
           <a:p>
             <a:fld id="{791A93FE-F472-4350-BDC2-B421EDD75EC6}" type="datetimeFigureOut">
               <a:rPr lang="en-US" smtClean="0"/>
-              <a:t>6/14/2013</a:t>
+              <a:t>6/15/2013</a:t>
             </a:fld>
             <a:endParaRPr lang="en-US"/>
           </a:p>
@@ -2092,7 +2097,7 @@
           <a:p>
             <a:fld id="{5C90FD31-B673-4764-A46F-AA367EDFFC51}" type="datetimeFigureOut">
               <a:rPr lang="en-US" smtClean="0"/>
-              <a:t>6/14/2013</a:t>
+              <a:t>6/15/2013</a:t>
             </a:fld>
             <a:endParaRPr lang="en-US"/>
           </a:p>
@@ -2517,7 +2522,7 @@
             <a:fld id="{1D8BD707-D9CF-40AE-B4C6-C98DA3205C09}" type="datetimeFigureOut">
               <a:rPr lang="en-US" smtClean="0"/>
               <a:pPr/>
-              <a:t>6/14/2013</a:t>
+              <a:t>6/15/2013</a:t>
             </a:fld>
             <a:endParaRPr lang="en-US"/>
           </a:p>
@@ -3044,7 +3049,7 @@
             <a:fld id="{1D8BD707-D9CF-40AE-B4C6-C98DA3205C09}" type="datetimeFigureOut">
               <a:rPr lang="en-US" smtClean="0"/>
               <a:pPr/>
-              <a:t>6/14/2013</a:t>
+              <a:t>6/15/2013</a:t>
             </a:fld>
             <a:endParaRPr lang="en-US"/>
           </a:p>
@@ -3360,7 +3365,7 @@
             <a:fld id="{1D8BD707-D9CF-40AE-B4C6-C98DA3205C09}" type="datetimeFigureOut">
               <a:rPr lang="en-US" smtClean="0"/>
               <a:pPr/>
-              <a:t>6/14/2013</a:t>
+              <a:t>6/15/2013</a:t>
             </a:fld>
             <a:endParaRPr lang="en-US"/>
           </a:p>
@@ -3648,7 +3653,7 @@
             <a:fld id="{1D8BD707-D9CF-40AE-B4C6-C98DA3205C09}" type="datetimeFigureOut">
               <a:rPr lang="en-US" smtClean="0"/>
               <a:pPr/>
-              <a:t>6/14/2013</a:t>
+              <a:t>6/15/2013</a:t>
             </a:fld>
             <a:endParaRPr lang="en-US"/>
           </a:p>
@@ -4225,7 +4230,7 @@
             <a:fld id="{1D8BD707-D9CF-40AE-B4C6-C98DA3205C09}" type="datetimeFigureOut">
               <a:rPr lang="en-US" smtClean="0"/>
               <a:pPr/>
-              <a:t>6/14/2013</a:t>
+              <a:t>6/15/2013</a:t>
             </a:fld>
             <a:endParaRPr lang="en-US"/>
           </a:p>
@@ -4317,7 +4322,7 @@
             <a:fld id="{1D8BD707-D9CF-40AE-B4C6-C98DA3205C09}" type="datetimeFigureOut">
               <a:rPr lang="en-US" smtClean="0"/>
               <a:pPr/>
-              <a:t>6/14/2013</a:t>
+              <a:t>6/15/2013</a:t>
             </a:fld>
             <a:endParaRPr lang="en-US"/>
           </a:p>
@@ -5028,7 +5033,7 @@
             <a:fld id="{1D8BD707-D9CF-40AE-B4C6-C98DA3205C09}" type="datetimeFigureOut">
               <a:rPr lang="en-US" smtClean="0"/>
               <a:pPr/>
-              <a:t>6/14/2013</a:t>
+              <a:t>6/15/2013</a:t>
             </a:fld>
             <a:endParaRPr lang="en-US"/>
           </a:p>
@@ -5282,7 +5287,7 @@
             <a:fld id="{1D8BD707-D9CF-40AE-B4C6-C98DA3205C09}" type="datetimeFigureOut">
               <a:rPr lang="en-US" smtClean="0"/>
               <a:pPr/>
-              <a:t>6/14/2013</a:t>
+              <a:t>6/15/2013</a:t>
             </a:fld>
             <a:endParaRPr lang="en-US"/>
           </a:p>
@@ -5513,7 +5518,7 @@
             <a:fld id="{1D8BD707-D9CF-40AE-B4C6-C98DA3205C09}" type="datetimeFigureOut">
               <a:rPr lang="en-US" smtClean="0"/>
               <a:pPr/>
-              <a:t>6/14/2013</a:t>
+              <a:t>6/15/2013</a:t>
             </a:fld>
             <a:endParaRPr lang="en-US"/>
           </a:p>
@@ -5789,7 +5794,7 @@
             <a:fld id="{1D8BD707-D9CF-40AE-B4C6-C98DA3205C09}" type="datetimeFigureOut">
               <a:rPr lang="en-US" smtClean="0"/>
               <a:pPr/>
-              <a:t>6/14/2013</a:t>
+              <a:t>6/15/2013</a:t>
             </a:fld>
             <a:endParaRPr lang="en-US"/>
           </a:p>
@@ -6077,7 +6082,7 @@
             <a:fld id="{1D8BD707-D9CF-40AE-B4C6-C98DA3205C09}" type="datetimeFigureOut">
               <a:rPr lang="en-US" smtClean="0"/>
               <a:pPr/>
-              <a:t>6/14/2013</a:t>
+              <a:t>6/15/2013</a:t>
             </a:fld>
             <a:endParaRPr lang="en-US"/>
           </a:p>
@@ -6347,7 +6352,7 @@
             <a:fld id="{1D8BD707-D9CF-40AE-B4C6-C98DA3205C09}" type="datetimeFigureOut">
               <a:rPr lang="en-US" smtClean="0"/>
               <a:pPr/>
-              <a:t>6/14/2013</a:t>
+              <a:t>6/15/2013</a:t>
             </a:fld>
             <a:endParaRPr lang="en-US"/>
           </a:p>
@@ -7582,6 +7587,183 @@
       </p:grpSpPr>
       <p:sp>
         <p:nvSpPr>
+          <p:cNvPr id="2" name="Объект 1"/>
+          <p:cNvSpPr>
+            <a:spLocks noGrp="1"/>
+          </p:cNvSpPr>
+          <p:nvPr>
+            <p:ph idx="1"/>
+          </p:nvPr>
+        </p:nvSpPr>
+        <p:spPr/>
+        <p:txBody>
+          <a:bodyPr/>
+          <a:lstStyle/>
+          <a:p>
+            <a:r>
+              <a:rPr lang="en-US" dirty="0" smtClean="0"/>
+              <a:t>Null Data Packet </a:t>
+            </a:r>
+            <a:r>
+              <a:rPr lang="en-US" dirty="0"/>
+              <a:t>Based Algorithm</a:t>
+            </a:r>
+            <a:r>
+              <a:rPr lang="en-US" dirty="0" smtClean="0"/>
+              <a:t>  </a:t>
+            </a:r>
+          </a:p>
+          <a:p>
+            <a:r>
+              <a:rPr lang="en-US" dirty="0" smtClean="0"/>
+              <a:t>Window Based Algorithm</a:t>
+            </a:r>
+            <a:endParaRPr lang="ru-RU" dirty="0"/>
+          </a:p>
+        </p:txBody>
+      </p:sp>
+      <p:sp>
+        <p:nvSpPr>
+          <p:cNvPr id="3" name="Заголовок 2"/>
+          <p:cNvSpPr>
+            <a:spLocks noGrp="1"/>
+          </p:cNvSpPr>
+          <p:nvPr>
+            <p:ph type="title"/>
+          </p:nvPr>
+        </p:nvSpPr>
+        <p:spPr/>
+        <p:txBody>
+          <a:bodyPr/>
+          <a:lstStyle/>
+          <a:p>
+            <a:r>
+              <a:rPr lang="en-US" dirty="0" smtClean="0"/>
+              <a:t>SLS</a:t>
+            </a:r>
+            <a:endParaRPr lang="ru-RU" dirty="0"/>
+          </a:p>
+        </p:txBody>
+      </p:sp>
+    </p:spTree>
+    <p:extLst>
+      <p:ext uri="{BB962C8B-B14F-4D97-AF65-F5344CB8AC3E}">
+        <p14:creationId xmlns:p14="http://schemas.microsoft.com/office/powerpoint/2010/main" val="1106680985"/>
+      </p:ext>
+    </p:extLst>
+  </p:cSld>
+  <p:clrMapOvr>
+    <a:masterClrMapping/>
+  </p:clrMapOvr>
+</p:sld>
+</file>
+
+<file path=ppt/slides/slide16.xml><?xml version="1.0" encoding="utf-8"?>
+<p:sld xmlns:a="http://schemas.openxmlformats.org/drawingml/2006/main" xmlns:r="http://schemas.openxmlformats.org/officeDocument/2006/relationships" xmlns:p="http://schemas.openxmlformats.org/presentationml/2006/main">
+  <p:cSld>
+    <p:spTree>
+      <p:nvGrpSpPr>
+        <p:cNvPr id="1" name=""/>
+        <p:cNvGrpSpPr/>
+        <p:nvPr/>
+      </p:nvGrpSpPr>
+      <p:grpSpPr>
+        <a:xfrm>
+          <a:off x="0" y="0"/>
+          <a:ext cx="0" cy="0"/>
+          <a:chOff x="0" y="0"/>
+          <a:chExt cx="0" cy="0"/>
+        </a:xfrm>
+      </p:grpSpPr>
+      <p:sp>
+        <p:nvSpPr>
+          <p:cNvPr id="2" name="Объект 1"/>
+          <p:cNvSpPr>
+            <a:spLocks noGrp="1"/>
+          </p:cNvSpPr>
+          <p:nvPr>
+            <p:ph idx="1"/>
+          </p:nvPr>
+        </p:nvSpPr>
+        <p:spPr/>
+        <p:txBody>
+          <a:bodyPr/>
+          <a:lstStyle/>
+          <a:p>
+            <a:r>
+              <a:rPr lang="en-US" strike="sngStrike" dirty="0" smtClean="0"/>
+              <a:t>How its work</a:t>
+            </a:r>
+          </a:p>
+          <a:p>
+            <a:r>
+              <a:rPr lang="en-US" dirty="0" smtClean="0"/>
+              <a:t>2</a:t>
+            </a:r>
+          </a:p>
+          <a:p>
+            <a:r>
+              <a:rPr lang="en-US" dirty="0" smtClean="0"/>
+              <a:t>3</a:t>
+            </a:r>
+          </a:p>
+        </p:txBody>
+      </p:sp>
+      <p:sp>
+        <p:nvSpPr>
+          <p:cNvPr id="3" name="Заголовок 2"/>
+          <p:cNvSpPr>
+            <a:spLocks noGrp="1"/>
+          </p:cNvSpPr>
+          <p:nvPr>
+            <p:ph type="title"/>
+          </p:nvPr>
+        </p:nvSpPr>
+        <p:spPr/>
+        <p:txBody>
+          <a:bodyPr/>
+          <a:lstStyle/>
+          <a:p>
+            <a:r>
+              <a:rPr lang="en-US" dirty="0"/>
+              <a:t>Null Data Packet</a:t>
+            </a:r>
+            <a:endParaRPr lang="ru-RU" dirty="0"/>
+          </a:p>
+        </p:txBody>
+      </p:sp>
+    </p:spTree>
+    <p:extLst>
+      <p:ext uri="{BB962C8B-B14F-4D97-AF65-F5344CB8AC3E}">
+        <p14:creationId xmlns:p14="http://schemas.microsoft.com/office/powerpoint/2010/main" val="2602192676"/>
+      </p:ext>
+    </p:extLst>
+  </p:cSld>
+  <p:clrMapOvr>
+    <a:masterClrMapping/>
+  </p:clrMapOvr>
+</p:sld>
+</file>
+
+<file path=ppt/slides/slide17.xml><?xml version="1.0" encoding="utf-8"?>
+<p:sld xmlns:a="http://schemas.openxmlformats.org/drawingml/2006/main" xmlns:r="http://schemas.openxmlformats.org/officeDocument/2006/relationships" xmlns:p="http://schemas.openxmlformats.org/presentationml/2006/main">
+  <p:cSld>
+    <p:spTree>
+      <p:nvGrpSpPr>
+        <p:cNvPr id="1" name=""/>
+        <p:cNvGrpSpPr/>
+        <p:nvPr/>
+      </p:nvGrpSpPr>
+      <p:grpSpPr>
+        <a:xfrm>
+          <a:off x="0" y="0"/>
+          <a:ext cx="0" cy="0"/>
+          <a:chOff x="0" y="0"/>
+          <a:chExt cx="0" cy="0"/>
+        </a:xfrm>
+      </p:grpSpPr>
+      <p:sp>
+        <p:nvSpPr>
           <p:cNvPr id="3" name="Title 2"/>
           <p:cNvSpPr>
             <a:spLocks noGrp="1"/>
@@ -7622,7 +7804,7 @@
           <a:graphicData uri="http://schemas.openxmlformats.org/presentationml/2006/ole">
             <mc:AlternateContent xmlns:mc="http://schemas.openxmlformats.org/markup-compatibility/2006">
               <mc:Choice xmlns:v="urn:schemas-microsoft-com:vml" Requires="v">
-                <p:oleObj spid="_x0000_s3125" name="Visio" r:id="rId3" imgW="9147060" imgH="7289860" progId="Visio.Drawing.11">
+                <p:oleObj spid="_x0000_s3135" name="Visio" r:id="rId3" imgW="9147060" imgH="7289860" progId="Visio.Drawing.11">
                   <p:embed/>
                 </p:oleObj>
               </mc:Choice>
@@ -7677,206 +7859,6 @@
 </p:sld>
 </file>
 
-<file path=ppt/slides/slide16.xml><?xml version="1.0" encoding="utf-8"?>
-<p:sld xmlns:a="http://schemas.openxmlformats.org/drawingml/2006/main" xmlns:r="http://schemas.openxmlformats.org/officeDocument/2006/relationships" xmlns:p="http://schemas.openxmlformats.org/presentationml/2006/main">
-  <p:cSld>
-    <p:spTree>
-      <p:nvGrpSpPr>
-        <p:cNvPr id="1" name=""/>
-        <p:cNvGrpSpPr/>
-        <p:nvPr/>
-      </p:nvGrpSpPr>
-      <p:grpSpPr>
-        <a:xfrm>
-          <a:off x="0" y="0"/>
-          <a:ext cx="0" cy="0"/>
-          <a:chOff x="0" y="0"/>
-          <a:chExt cx="0" cy="0"/>
-        </a:xfrm>
-      </p:grpSpPr>
-      <p:sp>
-        <p:nvSpPr>
-          <p:cNvPr id="3" name="Title 2"/>
-          <p:cNvSpPr>
-            <a:spLocks noGrp="1"/>
-          </p:cNvSpPr>
-          <p:nvPr>
-            <p:ph type="title"/>
-          </p:nvPr>
-        </p:nvSpPr>
-        <p:spPr/>
-        <p:txBody>
-          <a:bodyPr/>
-          <a:lstStyle/>
-          <a:p>
-            <a:pPr rtl="1"/>
-            <a:endParaRPr lang="en-US" dirty="0"/>
-          </a:p>
-        </p:txBody>
-      </p:sp>
-      <p:graphicFrame>
-        <p:nvGraphicFramePr>
-          <p:cNvPr id="4" name="Content Placeholder 3"/>
-          <p:cNvGraphicFramePr>
-            <a:graphicFrameLocks noGrp="1" noChangeAspect="1"/>
-          </p:cNvGraphicFramePr>
-          <p:nvPr>
-            <p:ph idx="1"/>
-            <p:extLst>
-              <p:ext uri="{D42A27DB-BD31-4B8C-83A1-F6EECF244321}">
-                <p14:modId xmlns:p14="http://schemas.microsoft.com/office/powerpoint/2010/main" val="780019030"/>
-              </p:ext>
-            </p:extLst>
-          </p:nvPr>
-        </p:nvGraphicFramePr>
-        <p:xfrm>
-          <a:off x="228600" y="0"/>
-          <a:ext cx="8604079" cy="6858000"/>
-        </p:xfrm>
-        <a:graphic>
-          <a:graphicData uri="http://schemas.openxmlformats.org/presentationml/2006/ole">
-            <mc:AlternateContent xmlns:mc="http://schemas.openxmlformats.org/markup-compatibility/2006">
-              <mc:Choice xmlns:v="urn:schemas-microsoft-com:vml" Requires="v">
-                <p:oleObj spid="_x0000_s2103" name="Visio" r:id="rId3" imgW="9147060" imgH="7289860" progId="Visio.Drawing.11">
-                  <p:embed/>
-                </p:oleObj>
-              </mc:Choice>
-              <mc:Fallback>
-                <p:oleObj name="Visio" r:id="rId3" imgW="9147060" imgH="7289860" progId="Visio.Drawing.11">
-                  <p:embed/>
-                  <p:pic>
-                    <p:nvPicPr>
-                      <p:cNvPr id="0" name=""/>
-                      <p:cNvPicPr/>
-                      <p:nvPr/>
-                    </p:nvPicPr>
-                    <p:blipFill>
-                      <a:blip r:embed="rId4"/>
-                      <a:stretch>
-                        <a:fillRect/>
-                      </a:stretch>
-                    </p:blipFill>
-                    <p:spPr>
-                      <a:xfrm>
-                        <a:off x="228600" y="0"/>
-                        <a:ext cx="8604079" cy="6858000"/>
-                      </a:xfrm>
-                      <a:prstGeom prst="rect">
-                        <a:avLst/>
-                      </a:prstGeom>
-                    </p:spPr>
-                  </p:pic>
-                </p:oleObj>
-              </mc:Fallback>
-            </mc:AlternateContent>
-          </a:graphicData>
-        </a:graphic>
-      </p:graphicFrame>
-    </p:spTree>
-    <p:extLst>
-      <p:ext uri="{BB962C8B-B14F-4D97-AF65-F5344CB8AC3E}">
-        <p14:creationId xmlns:p14="http://schemas.microsoft.com/office/powerpoint/2010/main" val="1441071697"/>
-      </p:ext>
-    </p:extLst>
-  </p:cSld>
-  <p:clrMapOvr>
-    <a:masterClrMapping/>
-  </p:clrMapOvr>
-  <p:timing>
-    <p:tnLst>
-      <p:par>
-        <p:cTn id="1" dur="indefinite" restart="never" nodeType="tmRoot"/>
-      </p:par>
-    </p:tnLst>
-  </p:timing>
-</p:sld>
-</file>
-
-<file path=ppt/slides/slide17.xml><?xml version="1.0" encoding="utf-8"?>
-<p:sld xmlns:a="http://schemas.openxmlformats.org/drawingml/2006/main" xmlns:r="http://schemas.openxmlformats.org/officeDocument/2006/relationships" xmlns:p="http://schemas.openxmlformats.org/presentationml/2006/main">
-  <p:cSld>
-    <p:spTree>
-      <p:nvGrpSpPr>
-        <p:cNvPr id="1" name=""/>
-        <p:cNvGrpSpPr/>
-        <p:nvPr/>
-      </p:nvGrpSpPr>
-      <p:grpSpPr>
-        <a:xfrm>
-          <a:off x="0" y="0"/>
-          <a:ext cx="0" cy="0"/>
-          <a:chOff x="0" y="0"/>
-          <a:chExt cx="0" cy="0"/>
-        </a:xfrm>
-      </p:grpSpPr>
-      <p:sp>
-        <p:nvSpPr>
-          <p:cNvPr id="3" name="Title 2"/>
-          <p:cNvSpPr>
-            <a:spLocks noGrp="1"/>
-          </p:cNvSpPr>
-          <p:nvPr>
-            <p:ph type="title"/>
-          </p:nvPr>
-        </p:nvSpPr>
-        <p:spPr/>
-        <p:txBody>
-          <a:bodyPr/>
-          <a:lstStyle/>
-          <a:p>
-            <a:pPr rtl="1"/>
-            <a:r>
-              <a:rPr lang="en-US" dirty="0" smtClean="0"/>
-              <a:t>Rates used</a:t>
-            </a:r>
-            <a:endParaRPr lang="en-US" dirty="0"/>
-          </a:p>
-        </p:txBody>
-      </p:sp>
-      <p:graphicFrame>
-        <p:nvGraphicFramePr>
-          <p:cNvPr id="5" name="Диаграмма 4"/>
-          <p:cNvGraphicFramePr>
-            <a:graphicFrameLocks/>
-          </p:cNvGraphicFramePr>
-          <p:nvPr>
-            <p:extLst>
-              <p:ext uri="{D42A27DB-BD31-4B8C-83A1-F6EECF244321}">
-                <p14:modId xmlns:p14="http://schemas.microsoft.com/office/powerpoint/2010/main" val="3962167458"/>
-              </p:ext>
-            </p:extLst>
-          </p:nvPr>
-        </p:nvGraphicFramePr>
-        <p:xfrm>
-          <a:off x="1143000" y="1676400"/>
-          <a:ext cx="6781800" cy="4848225"/>
-        </p:xfrm>
-        <a:graphic>
-          <a:graphicData uri="http://schemas.openxmlformats.org/drawingml/2006/chart">
-            <c:chart xmlns:c="http://schemas.openxmlformats.org/drawingml/2006/chart" xmlns:r="http://schemas.openxmlformats.org/officeDocument/2006/relationships" r:id="rId2"/>
-          </a:graphicData>
-        </a:graphic>
-      </p:graphicFrame>
-    </p:spTree>
-    <p:extLst>
-      <p:ext uri="{BB962C8B-B14F-4D97-AF65-F5344CB8AC3E}">
-        <p14:creationId xmlns:p14="http://schemas.microsoft.com/office/powerpoint/2010/main" val="1441071697"/>
-      </p:ext>
-    </p:extLst>
-  </p:cSld>
-  <p:clrMapOvr>
-    <a:masterClrMapping/>
-  </p:clrMapOvr>
-  <p:timing>
-    <p:tnLst>
-      <p:par>
-        <p:cTn id="1" dur="indefinite" restart="never" nodeType="tmRoot"/>
-      </p:par>
-    </p:tnLst>
-  </p:timing>
-</p:sld>
-</file>
-
 <file path=ppt/slides/slide18.xml><?xml version="1.0" encoding="utf-8"?>
 <p:sld xmlns:a="http://schemas.openxmlformats.org/drawingml/2006/main" xmlns:r="http://schemas.openxmlformats.org/officeDocument/2006/relationships" xmlns:p="http://schemas.openxmlformats.org/presentationml/2006/main">
   <p:cSld>
@@ -7896,12 +7878,12 @@
       </p:grpSpPr>
       <p:sp>
         <p:nvSpPr>
-          <p:cNvPr id="3" name="Title 2"/>
-          <p:cNvSpPr>
-            <a:spLocks noGrp="1"/>
-          </p:cNvSpPr>
-          <p:nvPr>
-            <p:ph type="title"/>
+          <p:cNvPr id="2" name="Объект 1"/>
+          <p:cNvSpPr>
+            <a:spLocks noGrp="1"/>
+          </p:cNvSpPr>
+          <p:nvPr>
+            <p:ph idx="1"/>
           </p:nvPr>
         </p:nvSpPr>
         <p:spPr/>
@@ -7909,73 +7891,56 @@
           <a:bodyPr/>
           <a:lstStyle/>
           <a:p>
-            <a:pPr rtl="1"/>
             <a:r>
               <a:rPr lang="en-US" dirty="0" smtClean="0"/>
-              <a:t>Start Simulation</a:t>
-            </a:r>
+              <a:t>Advantages</a:t>
+            </a:r>
+          </a:p>
+          <a:p>
             <a:endParaRPr lang="en-US" dirty="0"/>
           </a:p>
-        </p:txBody>
-      </p:sp>
-      <p:pic>
-        <p:nvPicPr>
-          <p:cNvPr id="6146" name="Picture 2" descr="D:\Dropbox\Z_PROJECTS\sls\Results\Parameters.JPG"/>
-          <p:cNvPicPr>
-            <a:picLocks noChangeAspect="1" noChangeArrowheads="1"/>
-          </p:cNvPicPr>
-          <p:nvPr/>
-        </p:nvPicPr>
-        <p:blipFill>
-          <a:blip r:embed="rId2">
-            <a:extLst>
-              <a:ext uri="{28A0092B-C50C-407E-A947-70E740481C1C}">
-                <a14:useLocalDpi xmlns:a14="http://schemas.microsoft.com/office/drawing/2010/main" val="0"/>
-              </a:ext>
-            </a:extLst>
-          </a:blip>
-          <a:srcRect/>
-          <a:stretch>
-            <a:fillRect/>
-          </a:stretch>
-        </p:blipFill>
-        <p:spPr bwMode="auto">
-          <a:xfrm>
-            <a:off x="1447800" y="2133600"/>
-            <a:ext cx="6182212" cy="4343400"/>
-          </a:xfrm>
-          <a:prstGeom prst="rect">
-            <a:avLst/>
-          </a:prstGeom>
-          <a:noFill/>
-          <a:extLst>
-            <a:ext uri="{909E8E84-426E-40DD-AFC4-6F175D3DCCD1}">
-              <a14:hiddenFill xmlns:a14="http://schemas.microsoft.com/office/drawing/2010/main">
-                <a:solidFill>
-                  <a:srgbClr val="FFFFFF"/>
-                </a:solidFill>
-              </a14:hiddenFill>
-            </a:ext>
-          </a:extLst>
-        </p:spPr>
-      </p:pic>
+          <a:p>
+            <a:r>
+              <a:rPr lang="en-US" dirty="0" smtClean="0"/>
+              <a:t>Disadvantages</a:t>
+            </a:r>
+            <a:endParaRPr lang="ru-RU" dirty="0"/>
+          </a:p>
+        </p:txBody>
+      </p:sp>
+      <p:sp>
+        <p:nvSpPr>
+          <p:cNvPr id="3" name="Заголовок 2"/>
+          <p:cNvSpPr>
+            <a:spLocks noGrp="1"/>
+          </p:cNvSpPr>
+          <p:nvPr>
+            <p:ph type="title"/>
+          </p:nvPr>
+        </p:nvSpPr>
+        <p:spPr/>
+        <p:txBody>
+          <a:bodyPr/>
+          <a:lstStyle/>
+          <a:p>
+            <a:r>
+              <a:rPr lang="en-US" dirty="0"/>
+              <a:t>Null Data Packet</a:t>
+            </a:r>
+            <a:endParaRPr lang="ru-RU" dirty="0"/>
+          </a:p>
+        </p:txBody>
+      </p:sp>
     </p:spTree>
     <p:extLst>
       <p:ext uri="{BB962C8B-B14F-4D97-AF65-F5344CB8AC3E}">
-        <p14:creationId xmlns:p14="http://schemas.microsoft.com/office/powerpoint/2010/main" val="1441071697"/>
+        <p14:creationId xmlns:p14="http://schemas.microsoft.com/office/powerpoint/2010/main" val="4158592302"/>
       </p:ext>
     </p:extLst>
   </p:cSld>
   <p:clrMapOvr>
     <a:masterClrMapping/>
   </p:clrMapOvr>
-  <p:timing>
-    <p:tnLst>
-      <p:par>
-        <p:cTn id="1" dur="indefinite" restart="never" nodeType="tmRoot"/>
-      </p:par>
-    </p:tnLst>
-  </p:timing>
 </p:sld>
 </file>
 
@@ -7998,12 +7963,12 @@
       </p:grpSpPr>
       <p:sp>
         <p:nvSpPr>
-          <p:cNvPr id="3" name="Title 2"/>
-          <p:cNvSpPr>
-            <a:spLocks noGrp="1"/>
-          </p:cNvSpPr>
-          <p:nvPr>
-            <p:ph type="title"/>
+          <p:cNvPr id="2" name="Объект 1"/>
+          <p:cNvSpPr>
+            <a:spLocks noGrp="1"/>
+          </p:cNvSpPr>
+          <p:nvPr>
+            <p:ph idx="1"/>
           </p:nvPr>
         </p:nvSpPr>
         <p:spPr/>
@@ -8011,73 +7976,153 @@
           <a:bodyPr/>
           <a:lstStyle/>
           <a:p>
-            <a:pPr rtl="1"/>
+            <a:r>
+              <a:rPr lang="en-US" strike="sngStrike" dirty="0"/>
+              <a:t>How its work</a:t>
+            </a:r>
+          </a:p>
+          <a:p>
             <a:r>
               <a:rPr lang="en-US" dirty="0" smtClean="0"/>
-              <a:t>Simulator demo</a:t>
+              <a:t>Send actual data on both links – window percent of data on sampled link and the rest on main link</a:t>
             </a:r>
             <a:endParaRPr lang="en-US" dirty="0"/>
           </a:p>
-        </p:txBody>
-      </p:sp>
-      <p:pic>
-        <p:nvPicPr>
-          <p:cNvPr id="8194" name="Picture 2" descr="D:\Dropbox\Z_PROJECTS\sls\Results\Dev0.JPG"/>
-          <p:cNvPicPr>
-            <a:picLocks noChangeAspect="1" noChangeArrowheads="1"/>
-          </p:cNvPicPr>
+          <a:p>
+            <a:r>
+              <a:rPr lang="en-US" dirty="0" smtClean="0"/>
+              <a:t>Compare </a:t>
+            </a:r>
+            <a:endParaRPr lang="en-US" dirty="0"/>
+          </a:p>
+          <a:p>
+            <a:endParaRPr lang="ru-RU" dirty="0"/>
+          </a:p>
+        </p:txBody>
+      </p:sp>
+      <p:sp>
+        <p:nvSpPr>
+          <p:cNvPr id="3" name="Заголовок 2"/>
+          <p:cNvSpPr>
+            <a:spLocks noGrp="1"/>
+          </p:cNvSpPr>
+          <p:nvPr>
+            <p:ph type="title"/>
+          </p:nvPr>
+        </p:nvSpPr>
+        <p:spPr/>
+        <p:txBody>
+          <a:bodyPr/>
+          <a:lstStyle/>
+          <a:p>
+            <a:r>
+              <a:rPr lang="en-US" sz="4800" dirty="0"/>
+              <a:t>Window Based </a:t>
+            </a:r>
+            <a:r>
+              <a:rPr lang="en-US" sz="4800" dirty="0" smtClean="0"/>
+              <a:t>Algorithm</a:t>
+            </a:r>
+            <a:endParaRPr lang="ru-RU" dirty="0"/>
+          </a:p>
+        </p:txBody>
+      </p:sp>
+      <p:sp>
+        <p:nvSpPr>
+          <p:cNvPr id="4" name="Прямоугольник 3"/>
+          <p:cNvSpPr/>
           <p:nvPr/>
-        </p:nvPicPr>
-        <p:blipFill>
-          <a:blip r:embed="rId2">
-            <a:extLst>
-              <a:ext uri="{28A0092B-C50C-407E-A947-70E740481C1C}">
-                <a14:useLocalDpi xmlns:a14="http://schemas.microsoft.com/office/drawing/2010/main" val="0"/>
-              </a:ext>
-            </a:extLst>
-          </a:blip>
-          <a:srcRect/>
-          <a:stretch>
-            <a:fillRect/>
-          </a:stretch>
-        </p:blipFill>
-        <p:spPr bwMode="auto">
+        </p:nvSpPr>
+        <p:spPr>
           <a:xfrm>
-            <a:off x="766761" y="2286000"/>
-            <a:ext cx="7610475" cy="3933825"/>
+            <a:off x="6096000" y="3581400"/>
+            <a:ext cx="1752600" cy="2743200"/>
           </a:xfrm>
           <a:prstGeom prst="rect">
             <a:avLst/>
           </a:prstGeom>
-          <a:noFill/>
-          <a:extLst>
-            <a:ext uri="{909E8E84-426E-40DD-AFC4-6F175D3DCCD1}">
-              <a14:hiddenFill xmlns:a14="http://schemas.microsoft.com/office/drawing/2010/main">
-                <a:solidFill>
-                  <a:srgbClr val="FFFFFF"/>
-                </a:solidFill>
-              </a14:hiddenFill>
-            </a:ext>
-          </a:extLst>
+          <a:solidFill>
+            <a:srgbClr val="92D050"/>
+          </a:solidFill>
         </p:spPr>
-      </p:pic>
+        <p:style>
+          <a:lnRef idx="2">
+            <a:schemeClr val="accent1">
+              <a:shade val="50000"/>
+            </a:schemeClr>
+          </a:lnRef>
+          <a:fillRef idx="1">
+            <a:schemeClr val="accent1"/>
+          </a:fillRef>
+          <a:effectRef idx="0">
+            <a:schemeClr val="accent1"/>
+          </a:effectRef>
+          <a:fontRef idx="minor">
+            <a:schemeClr val="lt1"/>
+          </a:fontRef>
+        </p:style>
+        <p:txBody>
+          <a:bodyPr rtlCol="0" anchor="ctr"/>
+          <a:lstStyle/>
+          <a:p>
+            <a:pPr algn="ctr"/>
+            <a:endParaRPr lang="ru-RU"/>
+          </a:p>
+        </p:txBody>
+      </p:sp>
+      <p:sp>
+        <p:nvSpPr>
+          <p:cNvPr id="5" name="Прямоугольник 4"/>
+          <p:cNvSpPr/>
+          <p:nvPr/>
+        </p:nvSpPr>
+        <p:spPr>
+          <a:xfrm>
+            <a:off x="6096000" y="2552700"/>
+            <a:ext cx="1752600" cy="1028700"/>
+          </a:xfrm>
+          <a:prstGeom prst="rect">
+            <a:avLst/>
+          </a:prstGeom>
+          <a:solidFill>
+            <a:srgbClr val="00B0F0"/>
+          </a:solidFill>
+        </p:spPr>
+        <p:style>
+          <a:lnRef idx="2">
+            <a:schemeClr val="accent1">
+              <a:shade val="50000"/>
+            </a:schemeClr>
+          </a:lnRef>
+          <a:fillRef idx="1">
+            <a:schemeClr val="accent1"/>
+          </a:fillRef>
+          <a:effectRef idx="0">
+            <a:schemeClr val="accent1"/>
+          </a:effectRef>
+          <a:fontRef idx="minor">
+            <a:schemeClr val="lt1"/>
+          </a:fontRef>
+        </p:style>
+        <p:txBody>
+          <a:bodyPr rtlCol="0" anchor="ctr"/>
+          <a:lstStyle/>
+          <a:p>
+            <a:pPr algn="ctr"/>
+            <a:endParaRPr lang="ru-RU"/>
+          </a:p>
+        </p:txBody>
+      </p:sp>
     </p:spTree>
     <p:extLst>
       <p:ext uri="{BB962C8B-B14F-4D97-AF65-F5344CB8AC3E}">
-        <p14:creationId xmlns:p14="http://schemas.microsoft.com/office/powerpoint/2010/main" val="1441071697"/>
+        <p14:creationId xmlns:p14="http://schemas.microsoft.com/office/powerpoint/2010/main" val="3688157153"/>
       </p:ext>
     </p:extLst>
   </p:cSld>
   <p:clrMapOvr>
     <a:masterClrMapping/>
   </p:clrMapOvr>
-  <p:timing>
-    <p:tnLst>
-      <p:par>
-        <p:cTn id="1" dur="indefinite" restart="never" nodeType="tmRoot"/>
-      </p:par>
-    </p:tnLst>
-  </p:timing>
 </p:sld>
 </file>
 
@@ -8325,6 +8370,540 @@
           <a:lstStyle/>
           <a:p>
             <a:pPr rtl="1"/>
+            <a:endParaRPr lang="en-US" dirty="0"/>
+          </a:p>
+        </p:txBody>
+      </p:sp>
+      <p:graphicFrame>
+        <p:nvGraphicFramePr>
+          <p:cNvPr id="4" name="Content Placeholder 3"/>
+          <p:cNvGraphicFramePr>
+            <a:graphicFrameLocks noGrp="1" noChangeAspect="1"/>
+          </p:cNvGraphicFramePr>
+          <p:nvPr>
+            <p:ph idx="1"/>
+            <p:extLst>
+              <p:ext uri="{D42A27DB-BD31-4B8C-83A1-F6EECF244321}">
+                <p14:modId xmlns:p14="http://schemas.microsoft.com/office/powerpoint/2010/main" val="780019030"/>
+              </p:ext>
+            </p:extLst>
+          </p:nvPr>
+        </p:nvGraphicFramePr>
+        <p:xfrm>
+          <a:off x="228600" y="0"/>
+          <a:ext cx="8604079" cy="6858000"/>
+        </p:xfrm>
+        <a:graphic>
+          <a:graphicData uri="http://schemas.openxmlformats.org/presentationml/2006/ole">
+            <mc:AlternateContent xmlns:mc="http://schemas.openxmlformats.org/markup-compatibility/2006">
+              <mc:Choice xmlns:v="urn:schemas-microsoft-com:vml" Requires="v">
+                <p:oleObj spid="_x0000_s2113" name="Visio" r:id="rId3" imgW="9147060" imgH="7289860" progId="Visio.Drawing.11">
+                  <p:embed/>
+                </p:oleObj>
+              </mc:Choice>
+              <mc:Fallback>
+                <p:oleObj name="Visio" r:id="rId3" imgW="9147060" imgH="7289860" progId="Visio.Drawing.11">
+                  <p:embed/>
+                  <p:pic>
+                    <p:nvPicPr>
+                      <p:cNvPr id="0" name=""/>
+                      <p:cNvPicPr/>
+                      <p:nvPr/>
+                    </p:nvPicPr>
+                    <p:blipFill>
+                      <a:blip r:embed="rId4"/>
+                      <a:stretch>
+                        <a:fillRect/>
+                      </a:stretch>
+                    </p:blipFill>
+                    <p:spPr>
+                      <a:xfrm>
+                        <a:off x="228600" y="0"/>
+                        <a:ext cx="8604079" cy="6858000"/>
+                      </a:xfrm>
+                      <a:prstGeom prst="rect">
+                        <a:avLst/>
+                      </a:prstGeom>
+                    </p:spPr>
+                  </p:pic>
+                </p:oleObj>
+              </mc:Fallback>
+            </mc:AlternateContent>
+          </a:graphicData>
+        </a:graphic>
+      </p:graphicFrame>
+    </p:spTree>
+    <p:extLst>
+      <p:ext uri="{BB962C8B-B14F-4D97-AF65-F5344CB8AC3E}">
+        <p14:creationId xmlns:p14="http://schemas.microsoft.com/office/powerpoint/2010/main" val="1441071697"/>
+      </p:ext>
+    </p:extLst>
+  </p:cSld>
+  <p:clrMapOvr>
+    <a:masterClrMapping/>
+  </p:clrMapOvr>
+  <p:timing>
+    <p:tnLst>
+      <p:par>
+        <p:cTn id="1" dur="indefinite" restart="never" nodeType="tmRoot"/>
+      </p:par>
+    </p:tnLst>
+  </p:timing>
+</p:sld>
+</file>
+
+<file path=ppt/slides/slide21.xml><?xml version="1.0" encoding="utf-8"?>
+<p:sld xmlns:a="http://schemas.openxmlformats.org/drawingml/2006/main" xmlns:r="http://schemas.openxmlformats.org/officeDocument/2006/relationships" xmlns:p="http://schemas.openxmlformats.org/presentationml/2006/main">
+  <p:cSld>
+    <p:spTree>
+      <p:nvGrpSpPr>
+        <p:cNvPr id="1" name=""/>
+        <p:cNvGrpSpPr/>
+        <p:nvPr/>
+      </p:nvGrpSpPr>
+      <p:grpSpPr>
+        <a:xfrm>
+          <a:off x="0" y="0"/>
+          <a:ext cx="0" cy="0"/>
+          <a:chOff x="0" y="0"/>
+          <a:chExt cx="0" cy="0"/>
+        </a:xfrm>
+      </p:grpSpPr>
+      <p:sp>
+        <p:nvSpPr>
+          <p:cNvPr id="2" name="Объект 1"/>
+          <p:cNvSpPr>
+            <a:spLocks noGrp="1"/>
+          </p:cNvSpPr>
+          <p:nvPr>
+            <p:ph idx="1"/>
+          </p:nvPr>
+        </p:nvSpPr>
+        <p:spPr/>
+        <p:txBody>
+          <a:bodyPr>
+            <a:normAutofit fontScale="92500"/>
+          </a:bodyPr>
+          <a:lstStyle/>
+          <a:p>
+            <a:r>
+              <a:rPr lang="en-US" dirty="0" smtClean="0"/>
+              <a:t>Advantages</a:t>
+            </a:r>
+          </a:p>
+          <a:p>
+            <a:pPr lvl="1"/>
+            <a:r>
+              <a:rPr lang="en-US" dirty="0" smtClean="0"/>
+              <a:t>Uses actual Data Packets for sampling – No Overhead</a:t>
+            </a:r>
+          </a:p>
+          <a:p>
+            <a:pPr lvl="1"/>
+            <a:r>
+              <a:rPr lang="en-US" dirty="0" smtClean="0"/>
+              <a:t>Dynamic increase/decrease samples window size</a:t>
+            </a:r>
+          </a:p>
+          <a:p>
+            <a:pPr lvl="1"/>
+            <a:r>
+              <a:rPr lang="en-US" dirty="0" smtClean="0"/>
+              <a:t>Can be integrated in the MAC layer (Wi-Fi Driver) or on the device it self (Firmware)</a:t>
+            </a:r>
+          </a:p>
+          <a:p>
+            <a:pPr lvl="1"/>
+            <a:r>
+              <a:rPr lang="en-US" dirty="0" smtClean="0"/>
+              <a:t>Samples count parameter might be controllable regarding traffic load.</a:t>
+            </a:r>
+            <a:endParaRPr lang="en-US" dirty="0"/>
+          </a:p>
+          <a:p>
+            <a:r>
+              <a:rPr lang="en-US" dirty="0" smtClean="0"/>
+              <a:t>Disadvantages</a:t>
+            </a:r>
+          </a:p>
+          <a:p>
+            <a:pPr lvl="1"/>
+            <a:r>
+              <a:rPr lang="en-US" dirty="0" smtClean="0"/>
+              <a:t>Not end-to-end estimation </a:t>
+            </a:r>
+          </a:p>
+          <a:p>
+            <a:pPr lvl="1"/>
+            <a:r>
+              <a:rPr lang="en-US" strike="sngStrike" dirty="0" smtClean="0"/>
+              <a:t>On bad conditions, sample link may degrade throughput </a:t>
+            </a:r>
+            <a:endParaRPr lang="ru-RU" strike="sngStrike" dirty="0"/>
+          </a:p>
+          <a:p>
+            <a:endParaRPr lang="ru-RU" dirty="0"/>
+          </a:p>
+        </p:txBody>
+      </p:sp>
+      <p:sp>
+        <p:nvSpPr>
+          <p:cNvPr id="3" name="Заголовок 2"/>
+          <p:cNvSpPr>
+            <a:spLocks noGrp="1"/>
+          </p:cNvSpPr>
+          <p:nvPr>
+            <p:ph type="title"/>
+          </p:nvPr>
+        </p:nvSpPr>
+        <p:spPr/>
+        <p:txBody>
+          <a:bodyPr/>
+          <a:lstStyle/>
+          <a:p>
+            <a:r>
+              <a:rPr lang="en-US" sz="4800" dirty="0"/>
+              <a:t>Window Based Algorithm</a:t>
+            </a:r>
+            <a:endParaRPr lang="ru-RU" sz="4800" dirty="0"/>
+          </a:p>
+        </p:txBody>
+      </p:sp>
+    </p:spTree>
+    <p:extLst>
+      <p:ext uri="{BB962C8B-B14F-4D97-AF65-F5344CB8AC3E}">
+        <p14:creationId xmlns:p14="http://schemas.microsoft.com/office/powerpoint/2010/main" val="2265612564"/>
+      </p:ext>
+    </p:extLst>
+  </p:cSld>
+  <p:clrMapOvr>
+    <a:masterClrMapping/>
+  </p:clrMapOvr>
+</p:sld>
+</file>
+
+<file path=ppt/slides/slide22.xml><?xml version="1.0" encoding="utf-8"?>
+<p:sld xmlns:a="http://schemas.openxmlformats.org/drawingml/2006/main" xmlns:r="http://schemas.openxmlformats.org/officeDocument/2006/relationships" xmlns:p="http://schemas.openxmlformats.org/presentationml/2006/main">
+  <p:cSld>
+    <p:spTree>
+      <p:nvGrpSpPr>
+        <p:cNvPr id="1" name=""/>
+        <p:cNvGrpSpPr/>
+        <p:nvPr/>
+      </p:nvGrpSpPr>
+      <p:grpSpPr>
+        <a:xfrm>
+          <a:off x="0" y="0"/>
+          <a:ext cx="0" cy="0"/>
+          <a:chOff x="0" y="0"/>
+          <a:chExt cx="0" cy="0"/>
+        </a:xfrm>
+      </p:grpSpPr>
+      <p:sp>
+        <p:nvSpPr>
+          <p:cNvPr id="3" name="Title 2"/>
+          <p:cNvSpPr>
+            <a:spLocks noGrp="1"/>
+          </p:cNvSpPr>
+          <p:nvPr>
+            <p:ph type="title"/>
+          </p:nvPr>
+        </p:nvSpPr>
+        <p:spPr/>
+        <p:txBody>
+          <a:bodyPr/>
+          <a:lstStyle/>
+          <a:p>
+            <a:pPr rtl="1"/>
+            <a:r>
+              <a:rPr lang="en-US" dirty="0" smtClean="0"/>
+              <a:t>Rates used</a:t>
+            </a:r>
+            <a:endParaRPr lang="en-US" dirty="0"/>
+          </a:p>
+        </p:txBody>
+      </p:sp>
+      <p:graphicFrame>
+        <p:nvGraphicFramePr>
+          <p:cNvPr id="5" name="Диаграмма 4"/>
+          <p:cNvGraphicFramePr>
+            <a:graphicFrameLocks/>
+          </p:cNvGraphicFramePr>
+          <p:nvPr>
+            <p:extLst>
+              <p:ext uri="{D42A27DB-BD31-4B8C-83A1-F6EECF244321}">
+                <p14:modId xmlns:p14="http://schemas.microsoft.com/office/powerpoint/2010/main" val="3962167458"/>
+              </p:ext>
+            </p:extLst>
+          </p:nvPr>
+        </p:nvGraphicFramePr>
+        <p:xfrm>
+          <a:off x="1143000" y="1676400"/>
+          <a:ext cx="6781800" cy="4848225"/>
+        </p:xfrm>
+        <a:graphic>
+          <a:graphicData uri="http://schemas.openxmlformats.org/drawingml/2006/chart">
+            <c:chart xmlns:c="http://schemas.openxmlformats.org/drawingml/2006/chart" xmlns:r="http://schemas.openxmlformats.org/officeDocument/2006/relationships" r:id="rId2"/>
+          </a:graphicData>
+        </a:graphic>
+      </p:graphicFrame>
+    </p:spTree>
+    <p:extLst>
+      <p:ext uri="{BB962C8B-B14F-4D97-AF65-F5344CB8AC3E}">
+        <p14:creationId xmlns:p14="http://schemas.microsoft.com/office/powerpoint/2010/main" val="1441071697"/>
+      </p:ext>
+    </p:extLst>
+  </p:cSld>
+  <p:clrMapOvr>
+    <a:masterClrMapping/>
+  </p:clrMapOvr>
+  <p:timing>
+    <p:tnLst>
+      <p:par>
+        <p:cTn id="1" dur="indefinite" restart="never" nodeType="tmRoot"/>
+      </p:par>
+    </p:tnLst>
+  </p:timing>
+</p:sld>
+</file>
+
+<file path=ppt/slides/slide23.xml><?xml version="1.0" encoding="utf-8"?>
+<p:sld xmlns:a="http://schemas.openxmlformats.org/drawingml/2006/main" xmlns:r="http://schemas.openxmlformats.org/officeDocument/2006/relationships" xmlns:p="http://schemas.openxmlformats.org/presentationml/2006/main">
+  <p:cSld>
+    <p:spTree>
+      <p:nvGrpSpPr>
+        <p:cNvPr id="1" name=""/>
+        <p:cNvGrpSpPr/>
+        <p:nvPr/>
+      </p:nvGrpSpPr>
+      <p:grpSpPr>
+        <a:xfrm>
+          <a:off x="0" y="0"/>
+          <a:ext cx="0" cy="0"/>
+          <a:chOff x="0" y="0"/>
+          <a:chExt cx="0" cy="0"/>
+        </a:xfrm>
+      </p:grpSpPr>
+      <p:sp>
+        <p:nvSpPr>
+          <p:cNvPr id="3" name="Title 2"/>
+          <p:cNvSpPr>
+            <a:spLocks noGrp="1"/>
+          </p:cNvSpPr>
+          <p:nvPr>
+            <p:ph type="title"/>
+          </p:nvPr>
+        </p:nvSpPr>
+        <p:spPr/>
+        <p:txBody>
+          <a:bodyPr/>
+          <a:lstStyle/>
+          <a:p>
+            <a:pPr rtl="1"/>
+            <a:r>
+              <a:rPr lang="en-US" dirty="0" smtClean="0"/>
+              <a:t>Start Simulation</a:t>
+            </a:r>
+            <a:endParaRPr lang="en-US" dirty="0"/>
+          </a:p>
+        </p:txBody>
+      </p:sp>
+      <p:pic>
+        <p:nvPicPr>
+          <p:cNvPr id="6146" name="Picture 2" descr="D:\Dropbox\Z_PROJECTS\sls\Results\Parameters.JPG"/>
+          <p:cNvPicPr>
+            <a:picLocks noChangeAspect="1" noChangeArrowheads="1"/>
+          </p:cNvPicPr>
+          <p:nvPr/>
+        </p:nvPicPr>
+        <p:blipFill>
+          <a:blip r:embed="rId2">
+            <a:extLst>
+              <a:ext uri="{28A0092B-C50C-407E-A947-70E740481C1C}">
+                <a14:useLocalDpi xmlns:a14="http://schemas.microsoft.com/office/drawing/2010/main" val="0"/>
+              </a:ext>
+            </a:extLst>
+          </a:blip>
+          <a:srcRect/>
+          <a:stretch>
+            <a:fillRect/>
+          </a:stretch>
+        </p:blipFill>
+        <p:spPr bwMode="auto">
+          <a:xfrm>
+            <a:off x="1447800" y="2133600"/>
+            <a:ext cx="6182212" cy="4343400"/>
+          </a:xfrm>
+          <a:prstGeom prst="rect">
+            <a:avLst/>
+          </a:prstGeom>
+          <a:noFill/>
+          <a:extLst>
+            <a:ext uri="{909E8E84-426E-40DD-AFC4-6F175D3DCCD1}">
+              <a14:hiddenFill xmlns:a14="http://schemas.microsoft.com/office/drawing/2010/main">
+                <a:solidFill>
+                  <a:srgbClr val="FFFFFF"/>
+                </a:solidFill>
+              </a14:hiddenFill>
+            </a:ext>
+          </a:extLst>
+        </p:spPr>
+      </p:pic>
+    </p:spTree>
+    <p:extLst>
+      <p:ext uri="{BB962C8B-B14F-4D97-AF65-F5344CB8AC3E}">
+        <p14:creationId xmlns:p14="http://schemas.microsoft.com/office/powerpoint/2010/main" val="1441071697"/>
+      </p:ext>
+    </p:extLst>
+  </p:cSld>
+  <p:clrMapOvr>
+    <a:masterClrMapping/>
+  </p:clrMapOvr>
+  <p:timing>
+    <p:tnLst>
+      <p:par>
+        <p:cTn id="1" dur="indefinite" restart="never" nodeType="tmRoot"/>
+      </p:par>
+    </p:tnLst>
+  </p:timing>
+</p:sld>
+</file>
+
+<file path=ppt/slides/slide24.xml><?xml version="1.0" encoding="utf-8"?>
+<p:sld xmlns:a="http://schemas.openxmlformats.org/drawingml/2006/main" xmlns:r="http://schemas.openxmlformats.org/officeDocument/2006/relationships" xmlns:p="http://schemas.openxmlformats.org/presentationml/2006/main">
+  <p:cSld>
+    <p:spTree>
+      <p:nvGrpSpPr>
+        <p:cNvPr id="1" name=""/>
+        <p:cNvGrpSpPr/>
+        <p:nvPr/>
+      </p:nvGrpSpPr>
+      <p:grpSpPr>
+        <a:xfrm>
+          <a:off x="0" y="0"/>
+          <a:ext cx="0" cy="0"/>
+          <a:chOff x="0" y="0"/>
+          <a:chExt cx="0" cy="0"/>
+        </a:xfrm>
+      </p:grpSpPr>
+      <p:sp>
+        <p:nvSpPr>
+          <p:cNvPr id="3" name="Title 2"/>
+          <p:cNvSpPr>
+            <a:spLocks noGrp="1"/>
+          </p:cNvSpPr>
+          <p:nvPr>
+            <p:ph type="title"/>
+          </p:nvPr>
+        </p:nvSpPr>
+        <p:spPr/>
+        <p:txBody>
+          <a:bodyPr/>
+          <a:lstStyle/>
+          <a:p>
+            <a:pPr rtl="1"/>
+            <a:r>
+              <a:rPr lang="en-US" dirty="0" smtClean="0"/>
+              <a:t>Simulator demo</a:t>
+            </a:r>
+            <a:endParaRPr lang="en-US" dirty="0"/>
+          </a:p>
+        </p:txBody>
+      </p:sp>
+      <p:pic>
+        <p:nvPicPr>
+          <p:cNvPr id="8194" name="Picture 2" descr="D:\Dropbox\Z_PROJECTS\sls\Results\Dev0.JPG"/>
+          <p:cNvPicPr>
+            <a:picLocks noChangeAspect="1" noChangeArrowheads="1"/>
+          </p:cNvPicPr>
+          <p:nvPr/>
+        </p:nvPicPr>
+        <p:blipFill>
+          <a:blip r:embed="rId2">
+            <a:extLst>
+              <a:ext uri="{28A0092B-C50C-407E-A947-70E740481C1C}">
+                <a14:useLocalDpi xmlns:a14="http://schemas.microsoft.com/office/drawing/2010/main" val="0"/>
+              </a:ext>
+            </a:extLst>
+          </a:blip>
+          <a:srcRect/>
+          <a:stretch>
+            <a:fillRect/>
+          </a:stretch>
+        </p:blipFill>
+        <p:spPr bwMode="auto">
+          <a:xfrm>
+            <a:off x="766761" y="2286000"/>
+            <a:ext cx="7610475" cy="3933825"/>
+          </a:xfrm>
+          <a:prstGeom prst="rect">
+            <a:avLst/>
+          </a:prstGeom>
+          <a:noFill/>
+          <a:extLst>
+            <a:ext uri="{909E8E84-426E-40DD-AFC4-6F175D3DCCD1}">
+              <a14:hiddenFill xmlns:a14="http://schemas.microsoft.com/office/drawing/2010/main">
+                <a:solidFill>
+                  <a:srgbClr val="FFFFFF"/>
+                </a:solidFill>
+              </a14:hiddenFill>
+            </a:ext>
+          </a:extLst>
+        </p:spPr>
+      </p:pic>
+    </p:spTree>
+    <p:extLst>
+      <p:ext uri="{BB962C8B-B14F-4D97-AF65-F5344CB8AC3E}">
+        <p14:creationId xmlns:p14="http://schemas.microsoft.com/office/powerpoint/2010/main" val="1441071697"/>
+      </p:ext>
+    </p:extLst>
+  </p:cSld>
+  <p:clrMapOvr>
+    <a:masterClrMapping/>
+  </p:clrMapOvr>
+  <p:timing>
+    <p:tnLst>
+      <p:par>
+        <p:cTn id="1" dur="indefinite" restart="never" nodeType="tmRoot"/>
+      </p:par>
+    </p:tnLst>
+  </p:timing>
+</p:sld>
+</file>
+
+<file path=ppt/slides/slide25.xml><?xml version="1.0" encoding="utf-8"?>
+<p:sld xmlns:a="http://schemas.openxmlformats.org/drawingml/2006/main" xmlns:r="http://schemas.openxmlformats.org/officeDocument/2006/relationships" xmlns:p="http://schemas.openxmlformats.org/presentationml/2006/main">
+  <p:cSld>
+    <p:spTree>
+      <p:nvGrpSpPr>
+        <p:cNvPr id="1" name=""/>
+        <p:cNvGrpSpPr/>
+        <p:nvPr/>
+      </p:nvGrpSpPr>
+      <p:grpSpPr>
+        <a:xfrm>
+          <a:off x="0" y="0"/>
+          <a:ext cx="0" cy="0"/>
+          <a:chOff x="0" y="0"/>
+          <a:chExt cx="0" cy="0"/>
+        </a:xfrm>
+      </p:grpSpPr>
+      <p:sp>
+        <p:nvSpPr>
+          <p:cNvPr id="3" name="Title 2"/>
+          <p:cNvSpPr>
+            <a:spLocks noGrp="1"/>
+          </p:cNvSpPr>
+          <p:nvPr>
+            <p:ph type="title"/>
+          </p:nvPr>
+        </p:nvSpPr>
+        <p:spPr/>
+        <p:txBody>
+          <a:bodyPr/>
+          <a:lstStyle/>
+          <a:p>
+            <a:pPr rtl="1"/>
             <a:r>
               <a:rPr lang="en-US" dirty="0" smtClean="0"/>
               <a:t>Simulator demo</a:t>
@@ -8394,7 +8973,7 @@
 </p:sld>
 </file>
 
-<file path=ppt/slides/slide21.xml><?xml version="1.0" encoding="utf-8"?>
+<file path=ppt/slides/slide26.xml><?xml version="1.0" encoding="utf-8"?>
 <p:sld xmlns:a="http://schemas.openxmlformats.org/drawingml/2006/main" xmlns:r="http://schemas.openxmlformats.org/officeDocument/2006/relationships" xmlns:p="http://schemas.openxmlformats.org/presentationml/2006/main">
   <p:cSld>
     <p:spTree>
@@ -8496,7 +9075,7 @@
 </p:sld>
 </file>
 
-<file path=ppt/slides/slide22.xml><?xml version="1.0" encoding="utf-8"?>
+<file path=ppt/slides/slide27.xml><?xml version="1.0" encoding="utf-8"?>
 <p:sld xmlns:a="http://schemas.openxmlformats.org/drawingml/2006/main" xmlns:r="http://schemas.openxmlformats.org/officeDocument/2006/relationships" xmlns:p="http://schemas.openxmlformats.org/presentationml/2006/main">
   <p:cSld>
     <p:spTree>
@@ -8573,7 +9152,7 @@
 </p:sld>
 </file>
 
-<file path=ppt/slides/slide23.xml><?xml version="1.0" encoding="utf-8"?>
+<file path=ppt/slides/slide28.xml><?xml version="1.0" encoding="utf-8"?>
 <p:sld xmlns:a="http://schemas.openxmlformats.org/drawingml/2006/main" xmlns:r="http://schemas.openxmlformats.org/officeDocument/2006/relationships" xmlns:p="http://schemas.openxmlformats.org/presentationml/2006/main">
   <p:cSld>
     <p:spTree>
@@ -8839,7 +9418,7 @@
 </p:sld>
 </file>
 
-<file path=ppt/slides/slide24.xml><?xml version="1.0" encoding="utf-8"?>
+<file path=ppt/slides/slide29.xml><?xml version="1.0" encoding="utf-8"?>
 <p:sld xmlns:a="http://schemas.openxmlformats.org/drawingml/2006/main" xmlns:r="http://schemas.openxmlformats.org/officeDocument/2006/relationships" xmlns:p="http://schemas.openxmlformats.org/presentationml/2006/main">
   <p:cSld>
     <p:spTree>
@@ -9296,7 +9875,7 @@
           <a:graphicData uri="http://schemas.openxmlformats.org/presentationml/2006/ole">
             <mc:AlternateContent xmlns:mc="http://schemas.openxmlformats.org/markup-compatibility/2006">
               <mc:Choice xmlns:v="urn:schemas-microsoft-com:vml" Requires="v">
-                <p:oleObj spid="_x0000_s1079" name="Visio" r:id="rId3" imgW="9147060" imgH="7289860" progId="Visio.Drawing.11">
+                <p:oleObj spid="_x0000_s1089" name="Visio" r:id="rId3" imgW="9147060" imgH="7289860" progId="Visio.Drawing.11">
                   <p:embed/>
                 </p:oleObj>
               </mc:Choice>

--- a/JudgesForumPresentation.pptx
+++ b/JudgesForumPresentation.pptx
@@ -7597,28 +7597,42 @@
         </p:nvSpPr>
         <p:spPr/>
         <p:txBody>
-          <a:bodyPr/>
+          <a:bodyPr>
+            <a:normAutofit/>
+          </a:bodyPr>
           <a:lstStyle/>
           <a:p>
             <a:r>
-              <a:rPr lang="en-US" dirty="0" smtClean="0"/>
+              <a:rPr lang="en-US" sz="3200" dirty="0" smtClean="0"/>
               <a:t>Null Data Packet </a:t>
             </a:r>
             <a:r>
-              <a:rPr lang="en-US" dirty="0"/>
-              <a:t>Based Algorithm</a:t>
-            </a:r>
-            <a:r>
-              <a:rPr lang="en-US" dirty="0" smtClean="0"/>
-              <a:t>  </a:t>
-            </a:r>
-          </a:p>
-          <a:p>
-            <a:r>
-              <a:rPr lang="en-US" dirty="0" smtClean="0"/>
+              <a:rPr lang="en-US" sz="3200" dirty="0"/>
+              <a:t>Based </a:t>
+            </a:r>
+            <a:r>
+              <a:rPr lang="en-US" sz="3200" dirty="0" smtClean="0"/>
+              <a:t>Algorithm</a:t>
+            </a:r>
+          </a:p>
+          <a:p>
+            <a:pPr marL="0" indent="0">
+              <a:buNone/>
+            </a:pPr>
+            <a:endParaRPr lang="en-US" sz="3200" dirty="0"/>
+          </a:p>
+          <a:p>
+            <a:pPr marL="0" indent="0">
+              <a:buNone/>
+            </a:pPr>
+            <a:endParaRPr lang="en-US" sz="3200" dirty="0" smtClean="0"/>
+          </a:p>
+          <a:p>
+            <a:r>
+              <a:rPr lang="en-US" sz="3200" dirty="0" smtClean="0"/>
               <a:t>Window Based Algorithm</a:t>
             </a:r>
-            <a:endParaRPr lang="ru-RU" dirty="0"/>
+            <a:endParaRPr lang="ru-RU" sz="3200" dirty="0"/>
           </a:p>
         </p:txBody>
       </p:sp>
@@ -7691,21 +7705,73 @@
           <a:lstStyle/>
           <a:p>
             <a:r>
-              <a:rPr lang="en-US" strike="sngStrike" dirty="0" smtClean="0"/>
-              <a:t>How its work</a:t>
-            </a:r>
-          </a:p>
-          <a:p>
+              <a:rPr lang="en-US" dirty="0"/>
+              <a:t>Sampling by sending packet on </a:t>
+            </a:r>
             <a:r>
               <a:rPr lang="en-US" dirty="0" smtClean="0"/>
-              <a:t>2</a:t>
-            </a:r>
-          </a:p>
-          <a:p>
+              <a:t>TDLS link </a:t>
+            </a:r>
+            <a:r>
+              <a:rPr lang="en-US" dirty="0"/>
+              <a:t>and then on </a:t>
+            </a:r>
             <a:r>
               <a:rPr lang="en-US" dirty="0" smtClean="0"/>
-              <a:t>3</a:t>
-            </a:r>
+              <a:t>BSS link</a:t>
+            </a:r>
+          </a:p>
+          <a:p>
+            <a:endParaRPr lang="en-US" dirty="0" smtClean="0"/>
+          </a:p>
+          <a:p>
+            <a:r>
+              <a:rPr lang="en-US" dirty="0"/>
+              <a:t>Each channel is sent X packets</a:t>
+            </a:r>
+          </a:p>
+          <a:p>
+            <a:endParaRPr lang="en-US" dirty="0" smtClean="0"/>
+          </a:p>
+          <a:p>
+            <a:r>
+              <a:rPr lang="en-US" dirty="0"/>
+              <a:t>The </a:t>
+            </a:r>
+            <a:r>
+              <a:rPr lang="en-US" dirty="0" smtClean="0"/>
+              <a:t>sampling is </a:t>
+            </a:r>
+            <a:r>
+              <a:rPr lang="en-US" dirty="0"/>
+              <a:t>performed </a:t>
+            </a:r>
+            <a:r>
+              <a:rPr lang="en-US" dirty="0" smtClean="0"/>
+              <a:t>every Y seconds</a:t>
+            </a:r>
+          </a:p>
+          <a:p>
+            <a:endParaRPr lang="en-US" dirty="0" smtClean="0"/>
+          </a:p>
+          <a:p>
+            <a:r>
+              <a:rPr lang="en-US" dirty="0" smtClean="0"/>
+              <a:t>Sending </a:t>
+            </a:r>
+            <a:r>
+              <a:rPr lang="en-US" dirty="0"/>
+              <a:t>packets </a:t>
+            </a:r>
+            <a:r>
+              <a:rPr lang="en-US" dirty="0" smtClean="0"/>
+              <a:t>are in </a:t>
+            </a:r>
+            <a:r>
+              <a:rPr lang="en-US" dirty="0"/>
+              <a:t>parallel to sending data</a:t>
+            </a:r>
+            <a:endParaRPr lang="en-US" dirty="0" smtClean="0"/>
           </a:p>
         </p:txBody>
       </p:sp>
@@ -7804,7 +7870,7 @@
           <a:graphicData uri="http://schemas.openxmlformats.org/presentationml/2006/ole">
             <mc:AlternateContent xmlns:mc="http://schemas.openxmlformats.org/markup-compatibility/2006">
               <mc:Choice xmlns:v="urn:schemas-microsoft-com:vml" Requires="v">
-                <p:oleObj spid="_x0000_s3135" name="Visio" r:id="rId3" imgW="9147060" imgH="7289860" progId="Visio.Drawing.11">
+                <p:oleObj spid="_x0000_s3146" name="Visio" r:id="rId3" imgW="9147060" imgH="7289860" progId="Visio.Drawing.11">
                   <p:embed/>
                 </p:oleObj>
               </mc:Choice>
@@ -7897,13 +7963,84 @@
             </a:r>
           </a:p>
           <a:p>
-            <a:endParaRPr lang="en-US" dirty="0"/>
+            <a:pPr lvl="1">
+              <a:buFont typeface="Wingdings" pitchFamily="2" charset="2"/>
+              <a:buChar char="Ø"/>
+            </a:pPr>
+            <a:r>
+              <a:rPr lang="en-US" sz="1800" dirty="0" smtClean="0"/>
+              <a:t>Small packet size </a:t>
+            </a:r>
+            <a:r>
+              <a:rPr lang="en-US" sz="1800" dirty="0"/>
+              <a:t>– not overload the </a:t>
+            </a:r>
+            <a:r>
+              <a:rPr lang="en-US" sz="1800" dirty="0" smtClean="0"/>
+              <a:t>network</a:t>
+            </a:r>
+          </a:p>
+          <a:p>
+            <a:pPr lvl="1">
+              <a:buFont typeface="Wingdings" pitchFamily="2" charset="2"/>
+              <a:buChar char="Ø"/>
+            </a:pPr>
+            <a:r>
+              <a:rPr lang="en-US" sz="1800" dirty="0" smtClean="0"/>
+              <a:t>Simple </a:t>
+            </a:r>
+          </a:p>
+          <a:p>
+            <a:pPr lvl="1">
+              <a:buFont typeface="Wingdings" pitchFamily="2" charset="2"/>
+              <a:buChar char="Ø"/>
+            </a:pPr>
+            <a:r>
+              <a:rPr lang="en-US" sz="1800" dirty="0" smtClean="0"/>
+              <a:t>Independent on sending actual data</a:t>
+            </a:r>
+          </a:p>
+          <a:p>
+            <a:pPr marL="411480" lvl="1" indent="0">
+              <a:buNone/>
+            </a:pPr>
+            <a:endParaRPr lang="en-US" sz="1800" dirty="0"/>
           </a:p>
           <a:p>
             <a:r>
               <a:rPr lang="en-US" dirty="0" smtClean="0"/>
               <a:t>Disadvantages</a:t>
             </a:r>
+          </a:p>
+          <a:p>
+            <a:pPr lvl="1">
+              <a:buFont typeface="Wingdings" pitchFamily="2" charset="2"/>
+              <a:buChar char="Ø"/>
+            </a:pPr>
+            <a:r>
+              <a:rPr lang="en-US" sz="1800" dirty="0"/>
+              <a:t>While sampling, affects on sending actual </a:t>
+            </a:r>
+            <a:r>
+              <a:rPr lang="en-US" sz="1800" dirty="0" smtClean="0"/>
+              <a:t>data</a:t>
+            </a:r>
+          </a:p>
+          <a:p>
+            <a:pPr lvl="1">
+              <a:buFont typeface="Wingdings" pitchFamily="2" charset="2"/>
+              <a:buChar char="Ø"/>
+            </a:pPr>
+            <a:r>
+              <a:rPr lang="en-US" sz="1800" dirty="0" smtClean="0"/>
+              <a:t>Independent </a:t>
+            </a:r>
+            <a:r>
+              <a:rPr lang="en-US" sz="1800" dirty="0"/>
+              <a:t>on sending actual data</a:t>
+            </a:r>
+          </a:p>
+          <a:p>
             <a:endParaRPr lang="ru-RU" dirty="0"/>
           </a:p>
         </p:txBody>
@@ -8397,7 +8534,7 @@
           <a:graphicData uri="http://schemas.openxmlformats.org/presentationml/2006/ole">
             <mc:AlternateContent xmlns:mc="http://schemas.openxmlformats.org/markup-compatibility/2006">
               <mc:Choice xmlns:v="urn:schemas-microsoft-com:vml" Requires="v">
-                <p:oleObj spid="_x0000_s2113" name="Visio" r:id="rId3" imgW="9147060" imgH="7289860" progId="Visio.Drawing.11">
+                <p:oleObj spid="_x0000_s2124" name="Visio" r:id="rId3" imgW="9147060" imgH="7289860" progId="Visio.Drawing.11">
                   <p:embed/>
                 </p:oleObj>
               </mc:Choice>
@@ -8482,7 +8619,7 @@
         <p:spPr/>
         <p:txBody>
           <a:bodyPr>
-            <a:normAutofit fontScale="92500"/>
+            <a:normAutofit/>
           </a:bodyPr>
           <a:lstStyle/>
           <a:p>
@@ -8492,33 +8629,50 @@
             </a:r>
           </a:p>
           <a:p>
-            <a:pPr lvl="1"/>
-            <a:r>
-              <a:rPr lang="en-US" dirty="0" smtClean="0"/>
+            <a:pPr lvl="1">
+              <a:buFont typeface="Wingdings" pitchFamily="2" charset="2"/>
+              <a:buChar char="Ø"/>
+            </a:pPr>
+            <a:r>
+              <a:rPr lang="en-US" sz="1800" dirty="0" smtClean="0"/>
               <a:t>Uses actual Data Packets for sampling – No Overhead</a:t>
             </a:r>
           </a:p>
           <a:p>
-            <a:pPr lvl="1"/>
-            <a:r>
-              <a:rPr lang="en-US" dirty="0" smtClean="0"/>
+            <a:pPr lvl="1">
+              <a:buFont typeface="Wingdings" pitchFamily="2" charset="2"/>
+              <a:buChar char="Ø"/>
+            </a:pPr>
+            <a:r>
+              <a:rPr lang="en-US" sz="1800" dirty="0" smtClean="0"/>
               <a:t>Dynamic increase/decrease samples window size</a:t>
             </a:r>
           </a:p>
           <a:p>
-            <a:pPr lvl="1"/>
-            <a:r>
-              <a:rPr lang="en-US" dirty="0" smtClean="0"/>
+            <a:pPr lvl="1">
+              <a:buFont typeface="Wingdings" pitchFamily="2" charset="2"/>
+              <a:buChar char="Ø"/>
+            </a:pPr>
+            <a:r>
+              <a:rPr lang="en-US" sz="1800" dirty="0" smtClean="0"/>
               <a:t>Can be integrated in the MAC layer (Wi-Fi Driver) or on the device it self (Firmware)</a:t>
             </a:r>
           </a:p>
           <a:p>
-            <a:pPr lvl="1"/>
-            <a:r>
-              <a:rPr lang="en-US" dirty="0" smtClean="0"/>
+            <a:pPr lvl="1">
+              <a:buFont typeface="Wingdings" pitchFamily="2" charset="2"/>
+              <a:buChar char="Ø"/>
+            </a:pPr>
+            <a:r>
+              <a:rPr lang="en-US" sz="1800" dirty="0" smtClean="0"/>
               <a:t>Samples count parameter might be controllable regarding traffic load.</a:t>
             </a:r>
-            <a:endParaRPr lang="en-US" dirty="0"/>
+          </a:p>
+          <a:p>
+            <a:pPr marL="411480" lvl="1" indent="0">
+              <a:buNone/>
+            </a:pPr>
+            <a:endParaRPr lang="en-US" sz="1800" dirty="0"/>
           </a:p>
           <a:p>
             <a:r>
@@ -8527,19 +8681,25 @@
             </a:r>
           </a:p>
           <a:p>
-            <a:pPr lvl="1"/>
-            <a:r>
-              <a:rPr lang="en-US" dirty="0" smtClean="0"/>
+            <a:pPr lvl="1">
+              <a:buFont typeface="Wingdings" pitchFamily="2" charset="2"/>
+              <a:buChar char="Ø"/>
+            </a:pPr>
+            <a:r>
+              <a:rPr lang="en-US" sz="1800" dirty="0" smtClean="0"/>
               <a:t>Not end-to-end estimation </a:t>
             </a:r>
           </a:p>
           <a:p>
-            <a:pPr lvl="1"/>
-            <a:r>
-              <a:rPr lang="en-US" strike="sngStrike" dirty="0" smtClean="0"/>
+            <a:pPr lvl="1">
+              <a:buFont typeface="Wingdings" pitchFamily="2" charset="2"/>
+              <a:buChar char="Ø"/>
+            </a:pPr>
+            <a:r>
+              <a:rPr lang="en-US" sz="1800" strike="sngStrike" dirty="0" smtClean="0"/>
               <a:t>On bad conditions, sample link may degrade throughput </a:t>
             </a:r>
-            <a:endParaRPr lang="ru-RU" strike="sngStrike" dirty="0"/>
+            <a:endParaRPr lang="ru-RU" sz="1800" strike="sngStrike" dirty="0"/>
           </a:p>
           <a:p>
             <a:endParaRPr lang="ru-RU" dirty="0"/>
@@ -9875,7 +10035,7 @@
           <a:graphicData uri="http://schemas.openxmlformats.org/presentationml/2006/ole">
             <mc:AlternateContent xmlns:mc="http://schemas.openxmlformats.org/markup-compatibility/2006">
               <mc:Choice xmlns:v="urn:schemas-microsoft-com:vml" Requires="v">
-                <p:oleObj spid="_x0000_s1089" name="Visio" r:id="rId3" imgW="9147060" imgH="7289860" progId="Visio.Drawing.11">
+                <p:oleObj spid="_x0000_s1100" name="Visio" r:id="rId3" imgW="9147060" imgH="7289860" progId="Visio.Drawing.11">
                   <p:embed/>
                 </p:oleObj>
               </mc:Choice>

--- a/JudgesForumPresentation.pptx
+++ b/JudgesForumPresentation.pptx
@@ -7870,7 +7870,7 @@
           <a:graphicData uri="http://schemas.openxmlformats.org/presentationml/2006/ole">
             <mc:AlternateContent xmlns:mc="http://schemas.openxmlformats.org/markup-compatibility/2006">
               <mc:Choice xmlns:v="urn:schemas-microsoft-com:vml" Requires="v">
-                <p:oleObj spid="_x0000_s3146" name="Visio" r:id="rId3" imgW="9147060" imgH="7289860" progId="Visio.Drawing.11">
+                <p:oleObj spid="_x0000_s3147" name="Visio" r:id="rId3" imgW="9147060" imgH="7289860" progId="Visio.Drawing.11">
                   <p:embed/>
                 </p:oleObj>
               </mc:Choice>
@@ -8534,7 +8534,7 @@
           <a:graphicData uri="http://schemas.openxmlformats.org/presentationml/2006/ole">
             <mc:AlternateContent xmlns:mc="http://schemas.openxmlformats.org/markup-compatibility/2006">
               <mc:Choice xmlns:v="urn:schemas-microsoft-com:vml" Requires="v">
-                <p:oleObj spid="_x0000_s2124" name="Visio" r:id="rId3" imgW="9147060" imgH="7289860" progId="Visio.Drawing.11">
+                <p:oleObj spid="_x0000_s2125" name="Visio" r:id="rId3" imgW="9147060" imgH="7289860" progId="Visio.Drawing.11">
                   <p:embed/>
                 </p:oleObj>
               </mc:Choice>
@@ -10035,7 +10035,7 @@
           <a:graphicData uri="http://schemas.openxmlformats.org/presentationml/2006/ole">
             <mc:AlternateContent xmlns:mc="http://schemas.openxmlformats.org/markup-compatibility/2006">
               <mc:Choice xmlns:v="urn:schemas-microsoft-com:vml" Requires="v">
-                <p:oleObj spid="_x0000_s1100" name="Visio" r:id="rId3" imgW="9147060" imgH="7289860" progId="Visio.Drawing.11">
+                <p:oleObj spid="_x0000_s1101" name="Visio" r:id="rId3" imgW="9147060" imgH="7289860" progId="Visio.Drawing.11">
                   <p:embed/>
                 </p:oleObj>
               </mc:Choice>

--- a/JudgesForumPresentation.pptx
+++ b/JudgesForumPresentation.pptx
@@ -5,41 +5,44 @@
     <p:sldMasterId id="2147483672" r:id="rId1"/>
   </p:sldMasterIdLst>
   <p:notesMasterIdLst>
-    <p:notesMasterId r:id="rId31"/>
+    <p:notesMasterId r:id="rId34"/>
   </p:notesMasterIdLst>
   <p:handoutMasterIdLst>
-    <p:handoutMasterId r:id="rId32"/>
+    <p:handoutMasterId r:id="rId35"/>
   </p:handoutMasterIdLst>
   <p:sldIdLst>
     <p:sldId id="256" r:id="rId2"/>
     <p:sldId id="299" r:id="rId3"/>
-    <p:sldId id="300" r:id="rId4"/>
-    <p:sldId id="301" r:id="rId5"/>
-    <p:sldId id="310" r:id="rId6"/>
-    <p:sldId id="313" r:id="rId7"/>
+    <p:sldId id="331" r:id="rId4"/>
+    <p:sldId id="300" r:id="rId5"/>
+    <p:sldId id="301" r:id="rId6"/>
+    <p:sldId id="310" r:id="rId7"/>
     <p:sldId id="314" r:id="rId8"/>
-    <p:sldId id="302" r:id="rId9"/>
-    <p:sldId id="303" r:id="rId10"/>
-    <p:sldId id="304" r:id="rId11"/>
-    <p:sldId id="305" r:id="rId12"/>
-    <p:sldId id="306" r:id="rId13"/>
-    <p:sldId id="322" r:id="rId14"/>
-    <p:sldId id="323" r:id="rId15"/>
-    <p:sldId id="324" r:id="rId16"/>
-    <p:sldId id="325" r:id="rId17"/>
-    <p:sldId id="318" r:id="rId18"/>
-    <p:sldId id="326" r:id="rId19"/>
-    <p:sldId id="327" r:id="rId20"/>
-    <p:sldId id="311" r:id="rId21"/>
-    <p:sldId id="328" r:id="rId22"/>
-    <p:sldId id="312" r:id="rId23"/>
-    <p:sldId id="315" r:id="rId24"/>
-    <p:sldId id="309" r:id="rId25"/>
-    <p:sldId id="320" r:id="rId26"/>
-    <p:sldId id="321" r:id="rId27"/>
-    <p:sldId id="307" r:id="rId28"/>
-    <p:sldId id="317" r:id="rId29"/>
-    <p:sldId id="308" r:id="rId30"/>
+    <p:sldId id="313" r:id="rId9"/>
+    <p:sldId id="302" r:id="rId10"/>
+    <p:sldId id="303" r:id="rId11"/>
+    <p:sldId id="304" r:id="rId12"/>
+    <p:sldId id="305" r:id="rId13"/>
+    <p:sldId id="306" r:id="rId14"/>
+    <p:sldId id="322" r:id="rId15"/>
+    <p:sldId id="323" r:id="rId16"/>
+    <p:sldId id="324" r:id="rId17"/>
+    <p:sldId id="325" r:id="rId18"/>
+    <p:sldId id="318" r:id="rId19"/>
+    <p:sldId id="326" r:id="rId20"/>
+    <p:sldId id="327" r:id="rId21"/>
+    <p:sldId id="329" r:id="rId22"/>
+    <p:sldId id="330" r:id="rId23"/>
+    <p:sldId id="311" r:id="rId24"/>
+    <p:sldId id="328" r:id="rId25"/>
+    <p:sldId id="312" r:id="rId26"/>
+    <p:sldId id="315" r:id="rId27"/>
+    <p:sldId id="309" r:id="rId28"/>
+    <p:sldId id="320" r:id="rId29"/>
+    <p:sldId id="321" r:id="rId30"/>
+    <p:sldId id="307" r:id="rId31"/>
+    <p:sldId id="317" r:id="rId32"/>
+    <p:sldId id="308" r:id="rId33"/>
   </p:sldIdLst>
   <p:sldSz cx="9144000" cy="6858000" type="screen4x3"/>
   <p:notesSz cx="6669088" cy="9928225"/>
@@ -144,7 +147,7 @@
 <file path=ppt/charts/chart1.xml><?xml version="1.0" encoding="utf-8"?>
 <c:chartSpace xmlns:c="http://schemas.openxmlformats.org/drawingml/2006/chart" xmlns:a="http://schemas.openxmlformats.org/drawingml/2006/main" xmlns:r="http://schemas.openxmlformats.org/officeDocument/2006/relationships">
   <c:date1904 val="0"/>
-  <c:lang val="ru-RU"/>
+  <c:lang val="en-US"/>
   <c:roundedCorners val="0"/>
   <mc:AlternateContent xmlns:mc="http://schemas.openxmlformats.org/markup-compatibility/2006">
     <mc:Choice xmlns:c14="http://schemas.microsoft.com/office/drawing/2007/8/2/chart" Requires="c14">
@@ -1797,11 +1800,11 @@
           <c:showBubbleSize val="0"/>
         </c:dLbls>
         <c:gapWidth val="150"/>
-        <c:axId val="40820736"/>
-        <c:axId val="88439552"/>
+        <c:axId val="93035520"/>
+        <c:axId val="93037312"/>
       </c:barChart>
       <c:catAx>
-        <c:axId val="40820736"/>
+        <c:axId val="93035520"/>
         <c:scaling>
           <c:orientation val="minMax"/>
         </c:scaling>
@@ -1811,7 +1814,7 @@
         <c:majorTickMark val="none"/>
         <c:minorTickMark val="none"/>
         <c:tickLblPos val="nextTo"/>
-        <c:crossAx val="88439552"/>
+        <c:crossAx val="93037312"/>
         <c:crosses val="autoZero"/>
         <c:auto val="1"/>
         <c:lblAlgn val="ctr"/>
@@ -1819,7 +1822,7 @@
         <c:noMultiLvlLbl val="0"/>
       </c:catAx>
       <c:valAx>
-        <c:axId val="88439552"/>
+        <c:axId val="93037312"/>
         <c:scaling>
           <c:orientation val="minMax"/>
         </c:scaling>
@@ -1830,7 +1833,7 @@
         <c:majorTickMark val="none"/>
         <c:minorTickMark val="none"/>
         <c:tickLblPos val="nextTo"/>
-        <c:crossAx val="40820736"/>
+        <c:crossAx val="93035520"/>
         <c:crosses val="autoZero"/>
         <c:crossBetween val="between"/>
       </c:valAx>
@@ -7019,126 +7022,42 @@
         </p:nvSpPr>
         <p:spPr/>
         <p:txBody>
-          <a:bodyPr>
-            <a:normAutofit fontScale="70000" lnSpcReduction="20000"/>
-          </a:bodyPr>
+          <a:bodyPr/>
           <a:lstStyle/>
           <a:p>
             <a:pPr algn="l"/>
             <a:r>
               <a:rPr lang="en-US" dirty="0" smtClean="0"/>
-              <a:t>Statistic and information</a:t>
+              <a:t>Preferred channel selection</a:t>
             </a:r>
           </a:p>
           <a:p>
             <a:pPr algn="l"/>
             <a:r>
               <a:rPr lang="en-US" dirty="0" smtClean="0"/>
-              <a:t>Easy access to get all simulated information </a:t>
+              <a:t>Calculation </a:t>
+            </a:r>
+            <a:r>
+              <a:rPr lang="en-US" dirty="0" smtClean="0"/>
+              <a:t>of RSSI regarding to </a:t>
+            </a:r>
+            <a:r>
+              <a:rPr lang="en-US" dirty="0" smtClean="0"/>
+              <a:t>Distance</a:t>
             </a:r>
           </a:p>
           <a:p>
             <a:pPr algn="l"/>
             <a:r>
               <a:rPr lang="en-US" dirty="0" smtClean="0"/>
-              <a:t>Ability to move objects on board</a:t>
-            </a:r>
-          </a:p>
-          <a:p>
-            <a:pPr algn="l"/>
-            <a:r>
-              <a:rPr lang="en-US" dirty="0" smtClean="0"/>
-              <a:t>Drag &amp; Drop</a:t>
-            </a:r>
-          </a:p>
-          <a:p>
-            <a:pPr algn="l"/>
-            <a:r>
-              <a:rPr lang="en-US" dirty="0" smtClean="0"/>
-              <a:t>Creation of RF device </a:t>
-            </a:r>
-          </a:p>
-          <a:p>
-            <a:pPr algn="l"/>
-            <a:r>
-              <a:rPr lang="en-US" dirty="0" smtClean="0"/>
-              <a:t>Random simulation</a:t>
-            </a:r>
-          </a:p>
-          <a:p>
-            <a:pPr algn="l"/>
-            <a:r>
-              <a:rPr lang="en-US" dirty="0" smtClean="0"/>
-              <a:t>Static simulation</a:t>
-            </a:r>
-          </a:p>
-          <a:p>
-            <a:pPr algn="l"/>
-            <a:r>
-              <a:rPr lang="en-US" dirty="0" smtClean="0"/>
-              <a:t>Station info form :</a:t>
-            </a:r>
-          </a:p>
-          <a:p>
-            <a:pPr lvl="1">
-              <a:buFont typeface="Wingdings" pitchFamily="2" charset="2"/>
-              <a:buChar char="Ø"/>
-            </a:pPr>
-            <a:r>
-              <a:rPr lang="en-US" dirty="0" smtClean="0"/>
-              <a:t>Statistic </a:t>
-            </a:r>
-          </a:p>
-          <a:p>
-            <a:pPr lvl="1">
-              <a:buFont typeface="Wingdings" pitchFamily="2" charset="2"/>
-              <a:buChar char="Ø"/>
-            </a:pPr>
-            <a:r>
-              <a:rPr lang="en-US" dirty="0" smtClean="0"/>
-              <a:t>Logs</a:t>
-            </a:r>
-          </a:p>
-          <a:p>
-            <a:pPr lvl="1">
-              <a:buFont typeface="Wingdings" pitchFamily="2" charset="2"/>
-              <a:buChar char="Ø"/>
-            </a:pPr>
-            <a:r>
-              <a:rPr lang="en-US" dirty="0" smtClean="0"/>
-              <a:t>Station configuration and overview</a:t>
-            </a:r>
-          </a:p>
-          <a:p>
-            <a:pPr lvl="1">
-              <a:buFont typeface="Wingdings" pitchFamily="2" charset="2"/>
-              <a:buChar char="Ø"/>
-            </a:pPr>
-            <a:r>
-              <a:rPr lang="en-US" dirty="0" smtClean="0"/>
-              <a:t>Configurable </a:t>
-            </a:r>
+              <a:t>Signal to Noise Ratio (SNR) – Packet Loss </a:t>
+            </a:r>
+            <a:endParaRPr lang="en-US" dirty="0" smtClean="0"/>
+          </a:p>
+          <a:p>
             <a:r>
               <a:rPr lang="en-US" dirty="0"/>
-              <a:t>d</a:t>
-            </a:r>
-            <a:r>
-              <a:rPr lang="en-US" dirty="0" smtClean="0"/>
-              <a:t>ump of STA object</a:t>
-            </a:r>
-          </a:p>
-          <a:p>
-            <a:pPr algn="l"/>
-            <a:r>
-              <a:rPr lang="en-US" dirty="0" smtClean="0"/>
-              <a:t>AP info form – provide basic configuration</a:t>
-            </a:r>
-          </a:p>
-          <a:p>
-            <a:pPr algn="l"/>
-            <a:r>
-              <a:rPr lang="en-US" dirty="0" smtClean="0"/>
-              <a:t>Saving and Load current simulation into file</a:t>
+              <a:t>Calculation of transmit rate regarding to RSSI</a:t>
             </a:r>
           </a:p>
           <a:p>
@@ -7151,6 +7070,10 @@
           </a:p>
           <a:p>
             <a:pPr algn="l"/>
+            <a:endParaRPr lang="en-US" dirty="0" smtClean="0"/>
+          </a:p>
+          <a:p>
+            <a:pPr algn="l"/>
             <a:endParaRPr lang="en-US" dirty="0"/>
           </a:p>
         </p:txBody>
@@ -7173,7 +7096,7 @@
             <a:pPr rtl="1"/>
             <a:r>
               <a:rPr lang="en-US" dirty="0" smtClean="0"/>
-              <a:t>GUI</a:t>
+              <a:t>Used Algorithms</a:t>
             </a:r>
             <a:endParaRPr lang="en-US" dirty="0"/>
           </a:p>
@@ -7222,80 +7145,137 @@
         <p:spPr/>
         <p:txBody>
           <a:bodyPr>
-            <a:normAutofit fontScale="92500"/>
+            <a:normAutofit fontScale="70000" lnSpcReduction="20000"/>
           </a:bodyPr>
           <a:lstStyle/>
           <a:p>
             <a:pPr algn="l"/>
             <a:r>
-              <a:rPr lang="en-US" strike="sngStrike" dirty="0" smtClean="0"/>
-              <a:t>Here insert graphs from wiki about standards</a:t>
-            </a:r>
-          </a:p>
-          <a:p>
-            <a:r>
-              <a:rPr lang="en-US" dirty="0">
-                <a:hlinkClick r:id="rId2"/>
-              </a:rPr>
-              <a:t>http://wiki.dhs01.com</a:t>
-            </a:r>
-            <a:r>
-              <a:rPr lang="en-US" dirty="0" smtClean="0">
-                <a:hlinkClick r:id="rId2"/>
-              </a:rPr>
-              <a:t>/</a:t>
-            </a:r>
+              <a:rPr lang="en-US" dirty="0" smtClean="0"/>
+              <a:t>Statistic and information</a:t>
+            </a:r>
+          </a:p>
+          <a:p>
+            <a:pPr algn="l"/>
+            <a:r>
+              <a:rPr lang="en-US" dirty="0" smtClean="0"/>
+              <a:t>Easy access to get all simulated information </a:t>
+            </a:r>
+          </a:p>
+          <a:p>
+            <a:pPr algn="l"/>
+            <a:r>
+              <a:rPr lang="en-US" dirty="0" smtClean="0"/>
+              <a:t>Ability to move objects on board</a:t>
+            </a:r>
+          </a:p>
+          <a:p>
+            <a:pPr algn="l"/>
+            <a:r>
+              <a:rPr lang="en-US" dirty="0" smtClean="0"/>
+              <a:t>Drag &amp; Drop</a:t>
+            </a:r>
+          </a:p>
+          <a:p>
+            <a:pPr algn="l"/>
+            <a:r>
+              <a:rPr lang="en-US" dirty="0" smtClean="0"/>
+              <a:t>Creation of RF device </a:t>
+            </a:r>
+          </a:p>
+          <a:p>
+            <a:pPr algn="l"/>
+            <a:r>
+              <a:rPr lang="en-US" dirty="0" smtClean="0"/>
+              <a:t>Random simulation</a:t>
+            </a:r>
+          </a:p>
+          <a:p>
+            <a:pPr algn="l"/>
+            <a:r>
+              <a:rPr lang="en-US" dirty="0" smtClean="0"/>
+              <a:t>Static simulation</a:t>
+            </a:r>
+          </a:p>
+          <a:p>
+            <a:pPr algn="l"/>
+            <a:r>
+              <a:rPr lang="en-US" dirty="0" smtClean="0"/>
+              <a:t>Station info form :</a:t>
+            </a:r>
+          </a:p>
+          <a:p>
+            <a:pPr lvl="1">
+              <a:buFont typeface="Wingdings" pitchFamily="2" charset="2"/>
+              <a:buChar char="Ø"/>
+            </a:pPr>
+            <a:r>
+              <a:rPr lang="en-US" dirty="0" smtClean="0"/>
+              <a:t>Statistic </a:t>
+            </a:r>
+          </a:p>
+          <a:p>
+            <a:pPr lvl="1">
+              <a:buFont typeface="Wingdings" pitchFamily="2" charset="2"/>
+              <a:buChar char="Ø"/>
+            </a:pPr>
+            <a:r>
+              <a:rPr lang="en-US" dirty="0" smtClean="0"/>
+              <a:t>Logs</a:t>
+            </a:r>
+          </a:p>
+          <a:p>
+            <a:pPr lvl="1">
+              <a:buFont typeface="Wingdings" pitchFamily="2" charset="2"/>
+              <a:buChar char="Ø"/>
+            </a:pPr>
+            <a:r>
+              <a:rPr lang="en-US" dirty="0" smtClean="0"/>
+              <a:t>Station configuration and overview</a:t>
+            </a:r>
+          </a:p>
+          <a:p>
+            <a:pPr lvl="1">
+              <a:buFont typeface="Wingdings" pitchFamily="2" charset="2"/>
+              <a:buChar char="Ø"/>
+            </a:pPr>
+            <a:r>
+              <a:rPr lang="en-US" dirty="0" smtClean="0"/>
+              <a:t>Configurable </a:t>
+            </a:r>
+            <a:r>
+              <a:rPr lang="en-US" dirty="0"/>
+              <a:t>d</a:t>
+            </a:r>
+            <a:r>
+              <a:rPr lang="en-US" dirty="0" smtClean="0"/>
+              <a:t>ump of STA object</a:t>
+            </a:r>
+          </a:p>
+          <a:p>
+            <a:pPr algn="l"/>
+            <a:r>
+              <a:rPr lang="en-US" dirty="0" smtClean="0"/>
+              <a:t>AP info form – provide basic configuration</a:t>
+            </a:r>
+          </a:p>
+          <a:p>
+            <a:pPr algn="l"/>
+            <a:r>
+              <a:rPr lang="en-US" dirty="0" smtClean="0"/>
+              <a:t>Saving and Load current simulation into file</a:t>
+            </a:r>
+          </a:p>
+          <a:p>
+            <a:pPr algn="l"/>
             <a:endParaRPr lang="en-US" dirty="0" smtClean="0"/>
           </a:p>
           <a:p>
-            <a:r>
-              <a:rPr lang="en-US" dirty="0" smtClean="0"/>
-              <a:t>RSSI</a:t>
-            </a:r>
-          </a:p>
-          <a:p>
-            <a:endParaRPr lang="en-US" dirty="0"/>
-          </a:p>
-          <a:p>
-            <a:r>
-              <a:rPr lang="en-US" dirty="0" smtClean="0"/>
-              <a:t>Challenge – medium</a:t>
-            </a:r>
-          </a:p>
-          <a:p>
-            <a:pPr lvl="1"/>
-            <a:r>
-              <a:rPr lang="en-US" dirty="0" smtClean="0"/>
-              <a:t>Send data</a:t>
-            </a:r>
-          </a:p>
-          <a:p>
-            <a:pPr lvl="1"/>
-            <a:r>
-              <a:rPr lang="en-US" dirty="0" smtClean="0"/>
-              <a:t>Pars received packet</a:t>
-            </a:r>
-          </a:p>
-          <a:p>
-            <a:pPr lvl="1"/>
-            <a:r>
-              <a:rPr lang="en-US" dirty="0" smtClean="0"/>
-              <a:t>Medium registration</a:t>
-            </a:r>
-          </a:p>
-          <a:p>
-            <a:pPr lvl="1"/>
-            <a:r>
-              <a:rPr lang="en-US" dirty="0" smtClean="0"/>
-              <a:t>AP – support any kind of packets </a:t>
-            </a:r>
-          </a:p>
-          <a:p>
-            <a:pPr lvl="1"/>
-            <a:r>
-              <a:rPr lang="en-US" dirty="0" smtClean="0"/>
-              <a:t>Stream handler / File to Packet division and restoration    </a:t>
-            </a:r>
+            <a:pPr algn="l"/>
+            <a:endParaRPr lang="en-US" dirty="0" smtClean="0"/>
+          </a:p>
+          <a:p>
+            <a:pPr algn="l"/>
             <a:endParaRPr lang="en-US" dirty="0"/>
           </a:p>
         </p:txBody>
@@ -7316,6 +7296,10 @@
           <a:lstStyle/>
           <a:p>
             <a:pPr rtl="1"/>
+            <a:r>
+              <a:rPr lang="en-US" dirty="0" smtClean="0"/>
+              <a:t>GUI</a:t>
+            </a:r>
             <a:endParaRPr lang="en-US" dirty="0"/>
           </a:p>
         </p:txBody>
@@ -7362,37 +7346,101 @@
         </p:nvSpPr>
         <p:spPr/>
         <p:txBody>
+          <a:bodyPr>
+            <a:normAutofit fontScale="92500"/>
+          </a:bodyPr>
+          <a:lstStyle/>
+          <a:p>
+            <a:pPr algn="l"/>
+            <a:r>
+              <a:rPr lang="en-US" strike="sngStrike" dirty="0" smtClean="0"/>
+              <a:t>Here insert graphs from wiki about standards</a:t>
+            </a:r>
+          </a:p>
+          <a:p>
+            <a:r>
+              <a:rPr lang="en-US" dirty="0">
+                <a:hlinkClick r:id="rId2"/>
+              </a:rPr>
+              <a:t>http://wiki.dhs01.com</a:t>
+            </a:r>
+            <a:r>
+              <a:rPr lang="en-US" dirty="0" smtClean="0">
+                <a:hlinkClick r:id="rId2"/>
+              </a:rPr>
+              <a:t>/</a:t>
+            </a:r>
+            <a:endParaRPr lang="en-US" dirty="0" smtClean="0"/>
+          </a:p>
+          <a:p>
+            <a:r>
+              <a:rPr lang="en-US" dirty="0" smtClean="0"/>
+              <a:t>RSSI</a:t>
+            </a:r>
+          </a:p>
+          <a:p>
+            <a:endParaRPr lang="en-US" dirty="0"/>
+          </a:p>
+          <a:p>
+            <a:r>
+              <a:rPr lang="en-US" dirty="0" smtClean="0"/>
+              <a:t>Challenge – medium</a:t>
+            </a:r>
+          </a:p>
+          <a:p>
+            <a:pPr lvl="1"/>
+            <a:r>
+              <a:rPr lang="en-US" dirty="0" smtClean="0"/>
+              <a:t>Send data</a:t>
+            </a:r>
+          </a:p>
+          <a:p>
+            <a:pPr lvl="1"/>
+            <a:r>
+              <a:rPr lang="en-US" dirty="0" smtClean="0"/>
+              <a:t>Pars received packet</a:t>
+            </a:r>
+          </a:p>
+          <a:p>
+            <a:pPr lvl="1"/>
+            <a:r>
+              <a:rPr lang="en-US" dirty="0" smtClean="0"/>
+              <a:t>Medium registration</a:t>
+            </a:r>
+          </a:p>
+          <a:p>
+            <a:pPr lvl="1"/>
+            <a:r>
+              <a:rPr lang="en-US" dirty="0" smtClean="0"/>
+              <a:t>AP – support any kind of packets </a:t>
+            </a:r>
+          </a:p>
+          <a:p>
+            <a:pPr lvl="1"/>
+            <a:r>
+              <a:rPr lang="en-US" dirty="0" smtClean="0"/>
+              <a:t>Stream handler / File to Packet division and restoration    </a:t>
+            </a:r>
+            <a:endParaRPr lang="en-US" dirty="0"/>
+          </a:p>
+        </p:txBody>
+      </p:sp>
+      <p:sp>
+        <p:nvSpPr>
+          <p:cNvPr id="3" name="Title 2"/>
+          <p:cNvSpPr>
+            <a:spLocks noGrp="1"/>
+          </p:cNvSpPr>
+          <p:nvPr>
+            <p:ph type="title"/>
+          </p:nvPr>
+        </p:nvSpPr>
+        <p:spPr/>
+        <p:txBody>
           <a:bodyPr/>
           <a:lstStyle/>
           <a:p>
-            <a:pPr algn="l"/>
-            <a:endParaRPr lang="en-US" dirty="0"/>
-          </a:p>
-        </p:txBody>
-      </p:sp>
-      <p:sp>
-        <p:nvSpPr>
-          <p:cNvPr id="3" name="Title 2"/>
-          <p:cNvSpPr>
-            <a:spLocks noGrp="1"/>
-          </p:cNvSpPr>
-          <p:nvPr>
-            <p:ph type="title"/>
-          </p:nvPr>
-        </p:nvSpPr>
-        <p:spPr/>
-        <p:txBody>
-          <a:bodyPr/>
-          <a:lstStyle/>
-          <a:p>
             <a:pPr rtl="1"/>
-            <a:r>
-              <a:rPr lang="en-US" dirty="0"/>
-              <a:t>Notable Functions / Algorithms </a:t>
-            </a:r>
-            <a:br>
-              <a:rPr lang="en-US" dirty="0"/>
-            </a:br>
             <a:endParaRPr lang="en-US" dirty="0"/>
           </a:p>
         </p:txBody>
@@ -7429,6 +7477,83 @@
       </p:grpSpPr>
       <p:sp>
         <p:nvSpPr>
+          <p:cNvPr id="2" name="Content Placeholder 1"/>
+          <p:cNvSpPr>
+            <a:spLocks noGrp="1"/>
+          </p:cNvSpPr>
+          <p:nvPr>
+            <p:ph idx="1"/>
+          </p:nvPr>
+        </p:nvSpPr>
+        <p:spPr/>
+        <p:txBody>
+          <a:bodyPr/>
+          <a:lstStyle/>
+          <a:p>
+            <a:pPr algn="l"/>
+            <a:endParaRPr lang="en-US" dirty="0"/>
+          </a:p>
+        </p:txBody>
+      </p:sp>
+      <p:sp>
+        <p:nvSpPr>
+          <p:cNvPr id="3" name="Title 2"/>
+          <p:cNvSpPr>
+            <a:spLocks noGrp="1"/>
+          </p:cNvSpPr>
+          <p:nvPr>
+            <p:ph type="title"/>
+          </p:nvPr>
+        </p:nvSpPr>
+        <p:spPr/>
+        <p:txBody>
+          <a:bodyPr/>
+          <a:lstStyle/>
+          <a:p>
+            <a:pPr rtl="1"/>
+            <a:r>
+              <a:rPr lang="en-US" dirty="0"/>
+              <a:t>Notable Functions / Algorithms </a:t>
+            </a:r>
+            <a:br>
+              <a:rPr lang="en-US" dirty="0"/>
+            </a:br>
+            <a:endParaRPr lang="en-US" dirty="0"/>
+          </a:p>
+        </p:txBody>
+      </p:sp>
+    </p:spTree>
+    <p:extLst>
+      <p:ext uri="{BB962C8B-B14F-4D97-AF65-F5344CB8AC3E}">
+        <p14:creationId xmlns:p14="http://schemas.microsoft.com/office/powerpoint/2010/main" val="1441071697"/>
+      </p:ext>
+    </p:extLst>
+  </p:cSld>
+  <p:clrMapOvr>
+    <a:masterClrMapping/>
+  </p:clrMapOvr>
+</p:sld>
+</file>
+
+<file path=ppt/slides/slide14.xml><?xml version="1.0" encoding="utf-8"?>
+<p:sld xmlns:a="http://schemas.openxmlformats.org/drawingml/2006/main" xmlns:r="http://schemas.openxmlformats.org/officeDocument/2006/relationships" xmlns:p="http://schemas.openxmlformats.org/presentationml/2006/main">
+  <p:cSld>
+    <p:spTree>
+      <p:nvGrpSpPr>
+        <p:cNvPr id="1" name=""/>
+        <p:cNvGrpSpPr/>
+        <p:nvPr/>
+      </p:nvGrpSpPr>
+      <p:grpSpPr>
+        <a:xfrm>
+          <a:off x="0" y="0"/>
+          <a:ext cx="0" cy="0"/>
+          <a:chOff x="0" y="0"/>
+          <a:chExt cx="0" cy="0"/>
+        </a:xfrm>
+      </p:grpSpPr>
+      <p:sp>
+        <p:nvSpPr>
           <p:cNvPr id="5" name="Title 2"/>
           <p:cNvSpPr>
             <a:spLocks noGrp="1"/>
@@ -7469,7 +7594,7 @@
 </p:sld>
 </file>
 
-<file path=ppt/slides/slide14.xml><?xml version="1.0" encoding="utf-8"?>
+<file path=ppt/slides/slide15.xml><?xml version="1.0" encoding="utf-8"?>
 <p:sld xmlns:a="http://schemas.openxmlformats.org/drawingml/2006/main" xmlns:r="http://schemas.openxmlformats.org/officeDocument/2006/relationships" xmlns:p="http://schemas.openxmlformats.org/presentationml/2006/main">
   <p:cSld>
     <p:spTree>
@@ -7568,110 +7693,6 @@
 </p:sld>
 </file>
 
-<file path=ppt/slides/slide15.xml><?xml version="1.0" encoding="utf-8"?>
-<p:sld xmlns:a="http://schemas.openxmlformats.org/drawingml/2006/main" xmlns:r="http://schemas.openxmlformats.org/officeDocument/2006/relationships" xmlns:p="http://schemas.openxmlformats.org/presentationml/2006/main">
-  <p:cSld>
-    <p:spTree>
-      <p:nvGrpSpPr>
-        <p:cNvPr id="1" name=""/>
-        <p:cNvGrpSpPr/>
-        <p:nvPr/>
-      </p:nvGrpSpPr>
-      <p:grpSpPr>
-        <a:xfrm>
-          <a:off x="0" y="0"/>
-          <a:ext cx="0" cy="0"/>
-          <a:chOff x="0" y="0"/>
-          <a:chExt cx="0" cy="0"/>
-        </a:xfrm>
-      </p:grpSpPr>
-      <p:sp>
-        <p:nvSpPr>
-          <p:cNvPr id="2" name="Объект 1"/>
-          <p:cNvSpPr>
-            <a:spLocks noGrp="1"/>
-          </p:cNvSpPr>
-          <p:nvPr>
-            <p:ph idx="1"/>
-          </p:nvPr>
-        </p:nvSpPr>
-        <p:spPr/>
-        <p:txBody>
-          <a:bodyPr>
-            <a:normAutofit/>
-          </a:bodyPr>
-          <a:lstStyle/>
-          <a:p>
-            <a:r>
-              <a:rPr lang="en-US" sz="3200" dirty="0" smtClean="0"/>
-              <a:t>Null Data Packet </a:t>
-            </a:r>
-            <a:r>
-              <a:rPr lang="en-US" sz="3200" dirty="0"/>
-              <a:t>Based </a:t>
-            </a:r>
-            <a:r>
-              <a:rPr lang="en-US" sz="3200" dirty="0" smtClean="0"/>
-              <a:t>Algorithm</a:t>
-            </a:r>
-          </a:p>
-          <a:p>
-            <a:pPr marL="0" indent="0">
-              <a:buNone/>
-            </a:pPr>
-            <a:endParaRPr lang="en-US" sz="3200" dirty="0"/>
-          </a:p>
-          <a:p>
-            <a:pPr marL="0" indent="0">
-              <a:buNone/>
-            </a:pPr>
-            <a:endParaRPr lang="en-US" sz="3200" dirty="0" smtClean="0"/>
-          </a:p>
-          <a:p>
-            <a:r>
-              <a:rPr lang="en-US" sz="3200" dirty="0" smtClean="0"/>
-              <a:t>Window Based Algorithm</a:t>
-            </a:r>
-            <a:endParaRPr lang="ru-RU" sz="3200" dirty="0"/>
-          </a:p>
-        </p:txBody>
-      </p:sp>
-      <p:sp>
-        <p:nvSpPr>
-          <p:cNvPr id="3" name="Заголовок 2"/>
-          <p:cNvSpPr>
-            <a:spLocks noGrp="1"/>
-          </p:cNvSpPr>
-          <p:nvPr>
-            <p:ph type="title"/>
-          </p:nvPr>
-        </p:nvSpPr>
-        <p:spPr/>
-        <p:txBody>
-          <a:bodyPr/>
-          <a:lstStyle/>
-          <a:p>
-            <a:r>
-              <a:rPr lang="en-US" dirty="0" smtClean="0"/>
-              <a:t>SLS</a:t>
-            </a:r>
-            <a:endParaRPr lang="ru-RU" dirty="0"/>
-          </a:p>
-        </p:txBody>
-      </p:sp>
-    </p:spTree>
-    <p:extLst>
-      <p:ext uri="{BB962C8B-B14F-4D97-AF65-F5344CB8AC3E}">
-        <p14:creationId xmlns:p14="http://schemas.microsoft.com/office/powerpoint/2010/main" val="1106680985"/>
-      </p:ext>
-    </p:extLst>
-  </p:cSld>
-  <p:clrMapOvr>
-    <a:masterClrMapping/>
-  </p:clrMapOvr>
-</p:sld>
-</file>
-
 <file path=ppt/slides/slide16.xml><?xml version="1.0" encoding="utf-8"?>
 <p:sld xmlns:a="http://schemas.openxmlformats.org/drawingml/2006/main" xmlns:r="http://schemas.openxmlformats.org/officeDocument/2006/relationships" xmlns:p="http://schemas.openxmlformats.org/presentationml/2006/main">
   <p:cSld>
@@ -7701,98 +7722,63 @@
         </p:nvSpPr>
         <p:spPr/>
         <p:txBody>
+          <a:bodyPr>
+            <a:normAutofit/>
+          </a:bodyPr>
+          <a:lstStyle/>
+          <a:p>
+            <a:r>
+              <a:rPr lang="en-US" sz="3200" dirty="0" smtClean="0"/>
+              <a:t>Null Data Packet </a:t>
+            </a:r>
+            <a:r>
+              <a:rPr lang="en-US" sz="3200" dirty="0"/>
+              <a:t>Based </a:t>
+            </a:r>
+            <a:r>
+              <a:rPr lang="en-US" sz="3200" dirty="0" smtClean="0"/>
+              <a:t>Algorithm</a:t>
+            </a:r>
+          </a:p>
+          <a:p>
+            <a:pPr marL="0" indent="0">
+              <a:buNone/>
+            </a:pPr>
+            <a:endParaRPr lang="en-US" sz="3200" dirty="0"/>
+          </a:p>
+          <a:p>
+            <a:pPr marL="0" indent="0">
+              <a:buNone/>
+            </a:pPr>
+            <a:endParaRPr lang="en-US" sz="3200" dirty="0" smtClean="0"/>
+          </a:p>
+          <a:p>
+            <a:r>
+              <a:rPr lang="en-US" sz="3200" dirty="0" smtClean="0"/>
+              <a:t>Window Based Algorithm</a:t>
+            </a:r>
+            <a:endParaRPr lang="ru-RU" sz="3200" dirty="0"/>
+          </a:p>
+        </p:txBody>
+      </p:sp>
+      <p:sp>
+        <p:nvSpPr>
+          <p:cNvPr id="3" name="Заголовок 2"/>
+          <p:cNvSpPr>
+            <a:spLocks noGrp="1"/>
+          </p:cNvSpPr>
+          <p:nvPr>
+            <p:ph type="title"/>
+          </p:nvPr>
+        </p:nvSpPr>
+        <p:spPr/>
+        <p:txBody>
           <a:bodyPr/>
           <a:lstStyle/>
           <a:p>
             <a:r>
-              <a:rPr lang="en-US" dirty="0"/>
-              <a:t>Sampling by sending packet on </a:t>
-            </a:r>
-            <a:r>
               <a:rPr lang="en-US" dirty="0" smtClean="0"/>
-              <a:t>TDLS link </a:t>
-            </a:r>
-            <a:r>
-              <a:rPr lang="en-US" dirty="0"/>
-              <a:t>and then on </a:t>
-            </a:r>
-            <a:r>
-              <a:rPr lang="en-US" dirty="0" smtClean="0"/>
-              <a:t>BSS link</a:t>
-            </a:r>
-          </a:p>
-          <a:p>
-            <a:endParaRPr lang="en-US" dirty="0" smtClean="0"/>
-          </a:p>
-          <a:p>
-            <a:r>
-              <a:rPr lang="en-US" dirty="0"/>
-              <a:t>Each channel is sent X packets</a:t>
-            </a:r>
-          </a:p>
-          <a:p>
-            <a:endParaRPr lang="en-US" dirty="0" smtClean="0"/>
-          </a:p>
-          <a:p>
-            <a:r>
-              <a:rPr lang="en-US" dirty="0"/>
-              <a:t>The </a:t>
-            </a:r>
-            <a:r>
-              <a:rPr lang="en-US" dirty="0" smtClean="0"/>
-              <a:t>sampling is </a:t>
-            </a:r>
-            <a:r>
-              <a:rPr lang="en-US" dirty="0"/>
-              <a:t>performed </a:t>
-            </a:r>
-            <a:r>
-              <a:rPr lang="en-US" dirty="0" smtClean="0"/>
-              <a:t>every Y seconds</a:t>
-            </a:r>
-          </a:p>
-          <a:p>
-            <a:endParaRPr lang="en-US" dirty="0" smtClean="0"/>
-          </a:p>
-          <a:p>
-            <a:r>
-              <a:rPr lang="en-US" dirty="0" smtClean="0"/>
-              <a:t>Sending </a:t>
-            </a:r>
-            <a:r>
-              <a:rPr lang="en-US" dirty="0"/>
-              <a:t>packets </a:t>
-            </a:r>
-            <a:r>
-              <a:rPr lang="en-US" dirty="0" smtClean="0"/>
-              <a:t>are in </a:t>
-            </a:r>
-            <a:r>
-              <a:rPr lang="en-US" dirty="0"/>
-              <a:t>parallel to sending data</a:t>
-            </a:r>
-            <a:endParaRPr lang="en-US" dirty="0" smtClean="0"/>
-          </a:p>
-        </p:txBody>
-      </p:sp>
-      <p:sp>
-        <p:nvSpPr>
-          <p:cNvPr id="3" name="Заголовок 2"/>
-          <p:cNvSpPr>
-            <a:spLocks noGrp="1"/>
-          </p:cNvSpPr>
-          <p:nvPr>
-            <p:ph type="title"/>
-          </p:nvPr>
-        </p:nvSpPr>
-        <p:spPr/>
-        <p:txBody>
-          <a:bodyPr/>
-          <a:lstStyle/>
-          <a:p>
-            <a:r>
-              <a:rPr lang="en-US" dirty="0"/>
-              <a:t>Null Data Packet</a:t>
+              <a:t>SLS</a:t>
             </a:r>
             <a:endParaRPr lang="ru-RU" dirty="0"/>
           </a:p>
@@ -7801,7 +7787,7 @@
     </p:spTree>
     <p:extLst>
       <p:ext uri="{BB962C8B-B14F-4D97-AF65-F5344CB8AC3E}">
-        <p14:creationId xmlns:p14="http://schemas.microsoft.com/office/powerpoint/2010/main" val="2602192676"/>
+        <p14:creationId xmlns:p14="http://schemas.microsoft.com/office/powerpoint/2010/main" val="1106680985"/>
       </p:ext>
     </p:extLst>
   </p:cSld>
@@ -7830,6 +7816,145 @@
       </p:grpSpPr>
       <p:sp>
         <p:nvSpPr>
+          <p:cNvPr id="2" name="Объект 1"/>
+          <p:cNvSpPr>
+            <a:spLocks noGrp="1"/>
+          </p:cNvSpPr>
+          <p:nvPr>
+            <p:ph idx="1"/>
+          </p:nvPr>
+        </p:nvSpPr>
+        <p:spPr/>
+        <p:txBody>
+          <a:bodyPr/>
+          <a:lstStyle/>
+          <a:p>
+            <a:r>
+              <a:rPr lang="en-US" dirty="0"/>
+              <a:t>Sampling by sending packet on </a:t>
+            </a:r>
+            <a:r>
+              <a:rPr lang="en-US" dirty="0" smtClean="0"/>
+              <a:t>TDLS link </a:t>
+            </a:r>
+            <a:r>
+              <a:rPr lang="en-US" dirty="0"/>
+              <a:t>and then on </a:t>
+            </a:r>
+            <a:r>
+              <a:rPr lang="en-US" dirty="0" smtClean="0"/>
+              <a:t>BSS link</a:t>
+            </a:r>
+          </a:p>
+          <a:p>
+            <a:endParaRPr lang="en-US" dirty="0" smtClean="0"/>
+          </a:p>
+          <a:p>
+            <a:r>
+              <a:rPr lang="en-US" dirty="0"/>
+              <a:t>Each channel is sent X packets</a:t>
+            </a:r>
+          </a:p>
+          <a:p>
+            <a:endParaRPr lang="en-US" dirty="0" smtClean="0"/>
+          </a:p>
+          <a:p>
+            <a:r>
+              <a:rPr lang="en-US" dirty="0"/>
+              <a:t>The </a:t>
+            </a:r>
+            <a:r>
+              <a:rPr lang="en-US" dirty="0" smtClean="0"/>
+              <a:t>sampling is </a:t>
+            </a:r>
+            <a:r>
+              <a:rPr lang="en-US" dirty="0"/>
+              <a:t>performed </a:t>
+            </a:r>
+            <a:r>
+              <a:rPr lang="en-US" dirty="0" smtClean="0"/>
+              <a:t>every Y seconds</a:t>
+            </a:r>
+          </a:p>
+          <a:p>
+            <a:endParaRPr lang="en-US" dirty="0" smtClean="0"/>
+          </a:p>
+          <a:p>
+            <a:r>
+              <a:rPr lang="en-US" dirty="0" smtClean="0"/>
+              <a:t>Sending </a:t>
+            </a:r>
+            <a:r>
+              <a:rPr lang="en-US" dirty="0"/>
+              <a:t>packets </a:t>
+            </a:r>
+            <a:r>
+              <a:rPr lang="en-US" dirty="0" smtClean="0"/>
+              <a:t>are in </a:t>
+            </a:r>
+            <a:r>
+              <a:rPr lang="en-US" dirty="0"/>
+              <a:t>parallel to sending data</a:t>
+            </a:r>
+            <a:endParaRPr lang="en-US" dirty="0" smtClean="0"/>
+          </a:p>
+        </p:txBody>
+      </p:sp>
+      <p:sp>
+        <p:nvSpPr>
+          <p:cNvPr id="3" name="Заголовок 2"/>
+          <p:cNvSpPr>
+            <a:spLocks noGrp="1"/>
+          </p:cNvSpPr>
+          <p:nvPr>
+            <p:ph type="title"/>
+          </p:nvPr>
+        </p:nvSpPr>
+        <p:spPr/>
+        <p:txBody>
+          <a:bodyPr/>
+          <a:lstStyle/>
+          <a:p>
+            <a:r>
+              <a:rPr lang="en-US" dirty="0"/>
+              <a:t>Null Data Packet</a:t>
+            </a:r>
+            <a:endParaRPr lang="ru-RU" dirty="0"/>
+          </a:p>
+        </p:txBody>
+      </p:sp>
+    </p:spTree>
+    <p:extLst>
+      <p:ext uri="{BB962C8B-B14F-4D97-AF65-F5344CB8AC3E}">
+        <p14:creationId xmlns:p14="http://schemas.microsoft.com/office/powerpoint/2010/main" val="2602192676"/>
+      </p:ext>
+    </p:extLst>
+  </p:cSld>
+  <p:clrMapOvr>
+    <a:masterClrMapping/>
+  </p:clrMapOvr>
+</p:sld>
+</file>
+
+<file path=ppt/slides/slide18.xml><?xml version="1.0" encoding="utf-8"?>
+<p:sld xmlns:a="http://schemas.openxmlformats.org/drawingml/2006/main" xmlns:r="http://schemas.openxmlformats.org/officeDocument/2006/relationships" xmlns:p="http://schemas.openxmlformats.org/presentationml/2006/main">
+  <p:cSld>
+    <p:spTree>
+      <p:nvGrpSpPr>
+        <p:cNvPr id="1" name=""/>
+        <p:cNvGrpSpPr/>
+        <p:nvPr/>
+      </p:nvGrpSpPr>
+      <p:grpSpPr>
+        <a:xfrm>
+          <a:off x="0" y="0"/>
+          <a:ext cx="0" cy="0"/>
+          <a:chOff x="0" y="0"/>
+          <a:chExt cx="0" cy="0"/>
+        </a:xfrm>
+      </p:grpSpPr>
+      <p:sp>
+        <p:nvSpPr>
           <p:cNvPr id="3" name="Title 2"/>
           <p:cNvSpPr>
             <a:spLocks noGrp="1"/>
@@ -7870,7 +7995,7 @@
           <a:graphicData uri="http://schemas.openxmlformats.org/presentationml/2006/ole">
             <mc:AlternateContent xmlns:mc="http://schemas.openxmlformats.org/markup-compatibility/2006">
               <mc:Choice xmlns:v="urn:schemas-microsoft-com:vml" Requires="v">
-                <p:oleObj spid="_x0000_s3147" name="Visio" r:id="rId3" imgW="9147060" imgH="7289860" progId="Visio.Drawing.11">
+                <p:oleObj spid="_x0000_s3155" name="Visio" r:id="rId3" imgW="9147060" imgH="7289860" progId="Visio.Drawing.11">
                   <p:embed/>
                 </p:oleObj>
               </mc:Choice>
@@ -7925,162 +8050,6 @@
 </p:sld>
 </file>
 
-<file path=ppt/slides/slide18.xml><?xml version="1.0" encoding="utf-8"?>
-<p:sld xmlns:a="http://schemas.openxmlformats.org/drawingml/2006/main" xmlns:r="http://schemas.openxmlformats.org/officeDocument/2006/relationships" xmlns:p="http://schemas.openxmlformats.org/presentationml/2006/main">
-  <p:cSld>
-    <p:spTree>
-      <p:nvGrpSpPr>
-        <p:cNvPr id="1" name=""/>
-        <p:cNvGrpSpPr/>
-        <p:nvPr/>
-      </p:nvGrpSpPr>
-      <p:grpSpPr>
-        <a:xfrm>
-          <a:off x="0" y="0"/>
-          <a:ext cx="0" cy="0"/>
-          <a:chOff x="0" y="0"/>
-          <a:chExt cx="0" cy="0"/>
-        </a:xfrm>
-      </p:grpSpPr>
-      <p:sp>
-        <p:nvSpPr>
-          <p:cNvPr id="2" name="Объект 1"/>
-          <p:cNvSpPr>
-            <a:spLocks noGrp="1"/>
-          </p:cNvSpPr>
-          <p:nvPr>
-            <p:ph idx="1"/>
-          </p:nvPr>
-        </p:nvSpPr>
-        <p:spPr/>
-        <p:txBody>
-          <a:bodyPr/>
-          <a:lstStyle/>
-          <a:p>
-            <a:r>
-              <a:rPr lang="en-US" dirty="0" smtClean="0"/>
-              <a:t>Advantages</a:t>
-            </a:r>
-          </a:p>
-          <a:p>
-            <a:pPr lvl="1">
-              <a:buFont typeface="Wingdings" pitchFamily="2" charset="2"/>
-              <a:buChar char="Ø"/>
-            </a:pPr>
-            <a:r>
-              <a:rPr lang="en-US" sz="1800" dirty="0" smtClean="0"/>
-              <a:t>Small packet size </a:t>
-            </a:r>
-            <a:r>
-              <a:rPr lang="en-US" sz="1800" dirty="0"/>
-              <a:t>– not overload the </a:t>
-            </a:r>
-            <a:r>
-              <a:rPr lang="en-US" sz="1800" dirty="0" smtClean="0"/>
-              <a:t>network</a:t>
-            </a:r>
-          </a:p>
-          <a:p>
-            <a:pPr lvl="1">
-              <a:buFont typeface="Wingdings" pitchFamily="2" charset="2"/>
-              <a:buChar char="Ø"/>
-            </a:pPr>
-            <a:r>
-              <a:rPr lang="en-US" sz="1800" dirty="0" smtClean="0"/>
-              <a:t>Simple </a:t>
-            </a:r>
-          </a:p>
-          <a:p>
-            <a:pPr lvl="1">
-              <a:buFont typeface="Wingdings" pitchFamily="2" charset="2"/>
-              <a:buChar char="Ø"/>
-            </a:pPr>
-            <a:r>
-              <a:rPr lang="en-US" sz="1800" dirty="0" smtClean="0"/>
-              <a:t>Independent on sending actual data</a:t>
-            </a:r>
-          </a:p>
-          <a:p>
-            <a:pPr marL="411480" lvl="1" indent="0">
-              <a:buNone/>
-            </a:pPr>
-            <a:endParaRPr lang="en-US" sz="1800" dirty="0"/>
-          </a:p>
-          <a:p>
-            <a:r>
-              <a:rPr lang="en-US" dirty="0" smtClean="0"/>
-              <a:t>Disadvantages</a:t>
-            </a:r>
-          </a:p>
-          <a:p>
-            <a:pPr lvl="1">
-              <a:buFont typeface="Wingdings" pitchFamily="2" charset="2"/>
-              <a:buChar char="Ø"/>
-            </a:pPr>
-            <a:r>
-              <a:rPr lang="en-US" sz="1800" dirty="0"/>
-              <a:t>While sampling, affects on sending actual </a:t>
-            </a:r>
-            <a:r>
-              <a:rPr lang="en-US" sz="1800" dirty="0" smtClean="0"/>
-              <a:t>data</a:t>
-            </a:r>
-          </a:p>
-          <a:p>
-            <a:pPr lvl="1">
-              <a:buFont typeface="Wingdings" pitchFamily="2" charset="2"/>
-              <a:buChar char="Ø"/>
-            </a:pPr>
-            <a:r>
-              <a:rPr lang="en-US" sz="1800" dirty="0" smtClean="0"/>
-              <a:t>Independent </a:t>
-            </a:r>
-            <a:r>
-              <a:rPr lang="en-US" sz="1800" dirty="0"/>
-              <a:t>on sending actual data</a:t>
-            </a:r>
-          </a:p>
-          <a:p>
-            <a:endParaRPr lang="ru-RU" dirty="0"/>
-          </a:p>
-        </p:txBody>
-      </p:sp>
-      <p:sp>
-        <p:nvSpPr>
-          <p:cNvPr id="3" name="Заголовок 2"/>
-          <p:cNvSpPr>
-            <a:spLocks noGrp="1"/>
-          </p:cNvSpPr>
-          <p:nvPr>
-            <p:ph type="title"/>
-          </p:nvPr>
-        </p:nvSpPr>
-        <p:spPr/>
-        <p:txBody>
-          <a:bodyPr/>
-          <a:lstStyle/>
-          <a:p>
-            <a:r>
-              <a:rPr lang="en-US" dirty="0"/>
-              <a:t>Null Data Packet</a:t>
-            </a:r>
-            <a:endParaRPr lang="ru-RU" dirty="0"/>
-          </a:p>
-        </p:txBody>
-      </p:sp>
-    </p:spTree>
-    <p:extLst>
-      <p:ext uri="{BB962C8B-B14F-4D97-AF65-F5344CB8AC3E}">
-        <p14:creationId xmlns:p14="http://schemas.microsoft.com/office/powerpoint/2010/main" val="4158592302"/>
-      </p:ext>
-    </p:extLst>
-  </p:cSld>
-  <p:clrMapOvr>
-    <a:masterClrMapping/>
-  </p:clrMapOvr>
-</p:sld>
-</file>
-
 <file path=ppt/slides/slide19.xml><?xml version="1.0" encoding="utf-8"?>
 <p:sld xmlns:a="http://schemas.openxmlformats.org/drawingml/2006/main" xmlns:r="http://schemas.openxmlformats.org/officeDocument/2006/relationships" xmlns:p="http://schemas.openxmlformats.org/presentationml/2006/main">
   <p:cSld>
@@ -8114,23 +8083,87 @@
           <a:lstStyle/>
           <a:p>
             <a:r>
-              <a:rPr lang="en-US" strike="sngStrike" dirty="0"/>
-              <a:t>How its work</a:t>
-            </a:r>
-          </a:p>
-          <a:p>
-            <a:r>
               <a:rPr lang="en-US" dirty="0" smtClean="0"/>
-              <a:t>Send actual data on both links – window percent of data on sampled link and the rest on main link</a:t>
-            </a:r>
-            <a:endParaRPr lang="en-US" dirty="0"/>
+              <a:t>Advantages</a:t>
+            </a:r>
+          </a:p>
+          <a:p>
+            <a:pPr lvl="1">
+              <a:buFont typeface="Wingdings" pitchFamily="2" charset="2"/>
+              <a:buChar char="Ø"/>
+            </a:pPr>
+            <a:r>
+              <a:rPr lang="en-US" sz="1800" dirty="0" smtClean="0"/>
+              <a:t>Small packet size </a:t>
+            </a:r>
+            <a:r>
+              <a:rPr lang="en-US" sz="1800" dirty="0"/>
+              <a:t>– not overload the </a:t>
+            </a:r>
+            <a:r>
+              <a:rPr lang="en-US" sz="1800" dirty="0" smtClean="0"/>
+              <a:t>network</a:t>
+            </a:r>
+          </a:p>
+          <a:p>
+            <a:pPr lvl="1">
+              <a:buFont typeface="Wingdings" pitchFamily="2" charset="2"/>
+              <a:buChar char="Ø"/>
+            </a:pPr>
+            <a:r>
+              <a:rPr lang="en-US" sz="1800" dirty="0" smtClean="0"/>
+              <a:t>Simple </a:t>
+            </a:r>
+          </a:p>
+          <a:p>
+            <a:pPr lvl="1">
+              <a:buFont typeface="Wingdings" pitchFamily="2" charset="2"/>
+              <a:buChar char="Ø"/>
+            </a:pPr>
+            <a:r>
+              <a:rPr lang="en-US" sz="1800" dirty="0" smtClean="0"/>
+              <a:t>Independent on sending actual data</a:t>
+            </a:r>
+          </a:p>
+          <a:p>
+            <a:pPr marL="411480" lvl="1" indent="0">
+              <a:buNone/>
+            </a:pPr>
+            <a:endParaRPr lang="en-US" sz="1800" dirty="0"/>
           </a:p>
           <a:p>
             <a:r>
               <a:rPr lang="en-US" dirty="0" smtClean="0"/>
-              <a:t>Compare </a:t>
-            </a:r>
-            <a:endParaRPr lang="en-US" dirty="0"/>
+              <a:t>Disadvantages</a:t>
+            </a:r>
+          </a:p>
+          <a:p>
+            <a:pPr lvl="1">
+              <a:buFont typeface="Wingdings" pitchFamily="2" charset="2"/>
+              <a:buChar char="Ø"/>
+            </a:pPr>
+            <a:r>
+              <a:rPr lang="en-US" sz="1800" dirty="0"/>
+              <a:t>While sampling, affects on sending actual </a:t>
+            </a:r>
+            <a:r>
+              <a:rPr lang="en-US" sz="1800" dirty="0" smtClean="0"/>
+              <a:t>data</a:t>
+            </a:r>
+          </a:p>
+          <a:p>
+            <a:pPr lvl="1">
+              <a:buFont typeface="Wingdings" pitchFamily="2" charset="2"/>
+              <a:buChar char="Ø"/>
+            </a:pPr>
+            <a:r>
+              <a:rPr lang="en-US" sz="1800" dirty="0" smtClean="0"/>
+              <a:t>Independent </a:t>
+            </a:r>
+            <a:r>
+              <a:rPr lang="en-US" sz="1800" dirty="0"/>
+              <a:t>on sending actual data</a:t>
+            </a:r>
           </a:p>
           <a:p>
             <a:endParaRPr lang="ru-RU" dirty="0"/>
@@ -8153,113 +8186,30 @@
           <a:lstStyle/>
           <a:p>
             <a:r>
-              <a:rPr lang="en-US" sz="4800" dirty="0"/>
-              <a:t>Window Based </a:t>
-            </a:r>
-            <a:r>
-              <a:rPr lang="en-US" sz="4800" dirty="0" smtClean="0"/>
-              <a:t>Algorithm</a:t>
+              <a:rPr lang="en-US" dirty="0"/>
+              <a:t>Null Data Packet</a:t>
             </a:r>
             <a:endParaRPr lang="ru-RU" dirty="0"/>
-          </a:p>
-        </p:txBody>
-      </p:sp>
-      <p:sp>
-        <p:nvSpPr>
-          <p:cNvPr id="4" name="Прямоугольник 3"/>
-          <p:cNvSpPr/>
-          <p:nvPr/>
-        </p:nvSpPr>
-        <p:spPr>
-          <a:xfrm>
-            <a:off x="6096000" y="3581400"/>
-            <a:ext cx="1752600" cy="2743200"/>
-          </a:xfrm>
-          <a:prstGeom prst="rect">
-            <a:avLst/>
-          </a:prstGeom>
-          <a:solidFill>
-            <a:srgbClr val="92D050"/>
-          </a:solidFill>
-        </p:spPr>
-        <p:style>
-          <a:lnRef idx="2">
-            <a:schemeClr val="accent1">
-              <a:shade val="50000"/>
-            </a:schemeClr>
-          </a:lnRef>
-          <a:fillRef idx="1">
-            <a:schemeClr val="accent1"/>
-          </a:fillRef>
-          <a:effectRef idx="0">
-            <a:schemeClr val="accent1"/>
-          </a:effectRef>
-          <a:fontRef idx="minor">
-            <a:schemeClr val="lt1"/>
-          </a:fontRef>
-        </p:style>
-        <p:txBody>
-          <a:bodyPr rtlCol="0" anchor="ctr"/>
-          <a:lstStyle/>
-          <a:p>
-            <a:pPr algn="ctr"/>
-            <a:endParaRPr lang="ru-RU"/>
-          </a:p>
-        </p:txBody>
-      </p:sp>
-      <p:sp>
-        <p:nvSpPr>
-          <p:cNvPr id="5" name="Прямоугольник 4"/>
-          <p:cNvSpPr/>
-          <p:nvPr/>
-        </p:nvSpPr>
-        <p:spPr>
-          <a:xfrm>
-            <a:off x="6096000" y="2552700"/>
-            <a:ext cx="1752600" cy="1028700"/>
-          </a:xfrm>
-          <a:prstGeom prst="rect">
-            <a:avLst/>
-          </a:prstGeom>
-          <a:solidFill>
-            <a:srgbClr val="00B0F0"/>
-          </a:solidFill>
-        </p:spPr>
-        <p:style>
-          <a:lnRef idx="2">
-            <a:schemeClr val="accent1">
-              <a:shade val="50000"/>
-            </a:schemeClr>
-          </a:lnRef>
-          <a:fillRef idx="1">
-            <a:schemeClr val="accent1"/>
-          </a:fillRef>
-          <a:effectRef idx="0">
-            <a:schemeClr val="accent1"/>
-          </a:effectRef>
-          <a:fontRef idx="minor">
-            <a:schemeClr val="lt1"/>
-          </a:fontRef>
-        </p:style>
-        <p:txBody>
-          <a:bodyPr rtlCol="0" anchor="ctr"/>
-          <a:lstStyle/>
-          <a:p>
-            <a:pPr algn="ctr"/>
-            <a:endParaRPr lang="ru-RU"/>
           </a:p>
         </p:txBody>
       </p:sp>
     </p:spTree>
     <p:extLst>
       <p:ext uri="{BB962C8B-B14F-4D97-AF65-F5344CB8AC3E}">
-        <p14:creationId xmlns:p14="http://schemas.microsoft.com/office/powerpoint/2010/main" val="3688157153"/>
+        <p14:creationId xmlns:p14="http://schemas.microsoft.com/office/powerpoint/2010/main" val="4158592302"/>
       </p:ext>
     </p:extLst>
   </p:cSld>
   <p:clrMapOvr>
     <a:masterClrMapping/>
   </p:clrMapOvr>
+  <p:timing>
+    <p:tnLst>
+      <p:par>
+        <p:cTn id="1" dur="indefinite" restart="never" nodeType="tmRoot"/>
+      </p:par>
+    </p:tnLst>
+  </p:timing>
 </p:sld>
 </file>
 
@@ -8491,6 +8441,457 @@
           <a:chExt cx="0" cy="0"/>
         </a:xfrm>
       </p:grpSpPr>
+      <p:graphicFrame>
+        <p:nvGraphicFramePr>
+          <p:cNvPr id="6" name="Object 5"/>
+          <p:cNvGraphicFramePr>
+            <a:graphicFrameLocks noGrp="1" noChangeAspect="1"/>
+          </p:cNvGraphicFramePr>
+          <p:nvPr>
+            <p:extLst>
+              <p:ext uri="{D42A27DB-BD31-4B8C-83A1-F6EECF244321}">
+                <p14:modId xmlns:p14="http://schemas.microsoft.com/office/powerpoint/2010/main" val="2027050104"/>
+              </p:ext>
+            </p:extLst>
+          </p:nvPr>
+        </p:nvGraphicFramePr>
+        <p:xfrm>
+          <a:off x="7938" y="0"/>
+          <a:ext cx="9136062" cy="6877050"/>
+        </p:xfrm>
+        <a:graphic>
+          <a:graphicData uri="http://schemas.openxmlformats.org/presentationml/2006/ole">
+            <mc:AlternateContent xmlns:mc="http://schemas.openxmlformats.org/markup-compatibility/2006">
+              <mc:Choice xmlns:v="urn:schemas-microsoft-com:vml" Requires="v">
+                <p:oleObj spid="_x0000_s5135" name="Visio" r:id="rId3" imgW="10758690" imgH="7626560" progId="Visio.Drawing.11">
+                  <p:embed/>
+                </p:oleObj>
+              </mc:Choice>
+              <mc:Fallback>
+                <p:oleObj name="Visio" r:id="rId3" imgW="10758690" imgH="7626560" progId="Visio.Drawing.11">
+                  <p:embed/>
+                  <p:pic>
+                    <p:nvPicPr>
+                      <p:cNvPr id="0" name="Content Placeholder 3"/>
+                      <p:cNvPicPr>
+                        <a:picLocks noGrp="1" noChangeAspect="1" noChangeArrowheads="1"/>
+                      </p:cNvPicPr>
+                      <p:nvPr/>
+                    </p:nvPicPr>
+                    <p:blipFill>
+                      <a:blip r:embed="rId4">
+                        <a:extLst>
+                          <a:ext uri="{28A0092B-C50C-407E-A947-70E740481C1C}">
+                            <a14:useLocalDpi xmlns:a14="http://schemas.microsoft.com/office/drawing/2010/main" val="0"/>
+                          </a:ext>
+                        </a:extLst>
+                      </a:blip>
+                      <a:srcRect/>
+                      <a:stretch>
+                        <a:fillRect/>
+                      </a:stretch>
+                    </p:blipFill>
+                    <p:spPr bwMode="auto">
+                      <a:xfrm>
+                        <a:off x="7938" y="0"/>
+                        <a:ext cx="9136062" cy="6877050"/>
+                      </a:xfrm>
+                      <a:prstGeom prst="rect">
+                        <a:avLst/>
+                      </a:prstGeom>
+                      <a:noFill/>
+                      <a:ln>
+                        <a:noFill/>
+                      </a:ln>
+                    </p:spPr>
+                  </p:pic>
+                </p:oleObj>
+              </mc:Fallback>
+            </mc:AlternateContent>
+          </a:graphicData>
+        </a:graphic>
+      </p:graphicFrame>
+      <p:sp>
+        <p:nvSpPr>
+          <p:cNvPr id="2" name="Объект 1"/>
+          <p:cNvSpPr>
+            <a:spLocks noGrp="1"/>
+          </p:cNvSpPr>
+          <p:nvPr>
+            <p:ph idx="1"/>
+          </p:nvPr>
+        </p:nvSpPr>
+        <p:spPr>
+          <a:xfrm>
+            <a:off x="381000" y="1371600"/>
+            <a:ext cx="5181599" cy="4648200"/>
+          </a:xfrm>
+        </p:spPr>
+        <p:txBody>
+          <a:bodyPr/>
+          <a:lstStyle/>
+          <a:p>
+            <a:r>
+              <a:rPr lang="en-US" sz="2800" dirty="0" smtClean="0"/>
+              <a:t>Parameters</a:t>
+            </a:r>
+          </a:p>
+          <a:p>
+            <a:endParaRPr lang="en-US" dirty="0" smtClean="0"/>
+          </a:p>
+          <a:p>
+            <a:pPr lvl="1"/>
+            <a:r>
+              <a:rPr lang="en-US" dirty="0" smtClean="0"/>
+              <a:t>Cycle size (NUM of Packets)</a:t>
+            </a:r>
+          </a:p>
+          <a:p>
+            <a:pPr lvl="1"/>
+            <a:endParaRPr lang="en-US" dirty="0" smtClean="0"/>
+          </a:p>
+          <a:p>
+            <a:pPr lvl="1"/>
+            <a:r>
+              <a:rPr lang="en-US" dirty="0" smtClean="0"/>
+              <a:t>Window Size (Percent of Cycle)</a:t>
+            </a:r>
+          </a:p>
+          <a:p>
+            <a:pPr lvl="1"/>
+            <a:endParaRPr lang="en-US" dirty="0" smtClean="0"/>
+          </a:p>
+          <a:p>
+            <a:pPr lvl="1"/>
+            <a:r>
+              <a:rPr lang="en-US" dirty="0" smtClean="0"/>
+              <a:t>Window boundaries (MIN, MAX)</a:t>
+            </a:r>
+            <a:endParaRPr lang="ru-RU" dirty="0"/>
+          </a:p>
+        </p:txBody>
+      </p:sp>
+      <p:sp>
+        <p:nvSpPr>
+          <p:cNvPr id="3" name="Заголовок 2"/>
+          <p:cNvSpPr>
+            <a:spLocks noGrp="1"/>
+          </p:cNvSpPr>
+          <p:nvPr>
+            <p:ph type="title"/>
+          </p:nvPr>
+        </p:nvSpPr>
+        <p:spPr>
+          <a:xfrm>
+            <a:off x="285750" y="95250"/>
+            <a:ext cx="7756263" cy="1054250"/>
+          </a:xfrm>
+        </p:spPr>
+        <p:txBody>
+          <a:bodyPr/>
+          <a:lstStyle/>
+          <a:p>
+            <a:r>
+              <a:rPr lang="en-US" sz="4800" dirty="0"/>
+              <a:t>Window Based </a:t>
+            </a:r>
+            <a:r>
+              <a:rPr lang="en-US" sz="4800" dirty="0" smtClean="0"/>
+              <a:t>Algorithm</a:t>
+            </a:r>
+            <a:endParaRPr lang="ru-RU" dirty="0"/>
+          </a:p>
+        </p:txBody>
+      </p:sp>
+    </p:spTree>
+    <p:extLst>
+      <p:ext uri="{BB962C8B-B14F-4D97-AF65-F5344CB8AC3E}">
+        <p14:creationId xmlns:p14="http://schemas.microsoft.com/office/powerpoint/2010/main" val="3688157153"/>
+      </p:ext>
+    </p:extLst>
+  </p:cSld>
+  <p:clrMapOvr>
+    <a:masterClrMapping/>
+  </p:clrMapOvr>
+  <p:timing>
+    <p:tnLst>
+      <p:par>
+        <p:cTn id="1" dur="indefinite" restart="never" nodeType="tmRoot"/>
+      </p:par>
+    </p:tnLst>
+  </p:timing>
+</p:sld>
+</file>
+
+<file path=ppt/slides/slide21.xml><?xml version="1.0" encoding="utf-8"?>
+<p:sld xmlns:a="http://schemas.openxmlformats.org/drawingml/2006/main" xmlns:r="http://schemas.openxmlformats.org/officeDocument/2006/relationships" xmlns:p="http://schemas.openxmlformats.org/presentationml/2006/main">
+  <p:cSld>
+    <p:spTree>
+      <p:nvGrpSpPr>
+        <p:cNvPr id="1" name=""/>
+        <p:cNvGrpSpPr/>
+        <p:nvPr/>
+      </p:nvGrpSpPr>
+      <p:grpSpPr>
+        <a:xfrm>
+          <a:off x="0" y="0"/>
+          <a:ext cx="0" cy="0"/>
+          <a:chOff x="0" y="0"/>
+          <a:chExt cx="0" cy="0"/>
+        </a:xfrm>
+      </p:grpSpPr>
+      <p:graphicFrame>
+        <p:nvGraphicFramePr>
+          <p:cNvPr id="7" name="Object 6"/>
+          <p:cNvGraphicFramePr>
+            <a:graphicFrameLocks noChangeAspect="1"/>
+          </p:cNvGraphicFramePr>
+          <p:nvPr>
+            <p:extLst>
+              <p:ext uri="{D42A27DB-BD31-4B8C-83A1-F6EECF244321}">
+                <p14:modId xmlns:p14="http://schemas.microsoft.com/office/powerpoint/2010/main" val="1831266268"/>
+              </p:ext>
+            </p:extLst>
+          </p:nvPr>
+        </p:nvGraphicFramePr>
+        <p:xfrm>
+          <a:off x="0" y="-1"/>
+          <a:ext cx="9144000" cy="6858001"/>
+        </p:xfrm>
+        <a:graphic>
+          <a:graphicData uri="http://schemas.openxmlformats.org/presentationml/2006/ole">
+            <mc:AlternateContent xmlns:mc="http://schemas.openxmlformats.org/markup-compatibility/2006">
+              <mc:Choice xmlns:v="urn:schemas-microsoft-com:vml" Requires="v">
+                <p:oleObj spid="_x0000_s7177" name="Visio" r:id="rId3" imgW="10758690" imgH="7626560" progId="Visio.Drawing.11">
+                  <p:embed/>
+                </p:oleObj>
+              </mc:Choice>
+              <mc:Fallback>
+                <p:oleObj name="Visio" r:id="rId3" imgW="10758690" imgH="7626560" progId="Visio.Drawing.11">
+                  <p:embed/>
+                  <p:pic>
+                    <p:nvPicPr>
+                      <p:cNvPr id="0" name=""/>
+                      <p:cNvPicPr/>
+                      <p:nvPr/>
+                    </p:nvPicPr>
+                    <p:blipFill>
+                      <a:blip r:embed="rId4"/>
+                      <a:stretch>
+                        <a:fillRect/>
+                      </a:stretch>
+                    </p:blipFill>
+                    <p:spPr>
+                      <a:xfrm>
+                        <a:off x="0" y="-1"/>
+                        <a:ext cx="9144000" cy="6858001"/>
+                      </a:xfrm>
+                      <a:prstGeom prst="rect">
+                        <a:avLst/>
+                      </a:prstGeom>
+                    </p:spPr>
+                  </p:pic>
+                </p:oleObj>
+              </mc:Fallback>
+            </mc:AlternateContent>
+          </a:graphicData>
+        </a:graphic>
+      </p:graphicFrame>
+      <p:sp>
+        <p:nvSpPr>
+          <p:cNvPr id="3" name="Заголовок 2"/>
+          <p:cNvSpPr>
+            <a:spLocks noGrp="1"/>
+          </p:cNvSpPr>
+          <p:nvPr>
+            <p:ph type="title"/>
+          </p:nvPr>
+        </p:nvSpPr>
+        <p:spPr>
+          <a:xfrm>
+            <a:off x="285750" y="95250"/>
+            <a:ext cx="7756263" cy="1054250"/>
+          </a:xfrm>
+        </p:spPr>
+        <p:txBody>
+          <a:bodyPr/>
+          <a:lstStyle/>
+          <a:p>
+            <a:r>
+              <a:rPr lang="en-US" sz="4800" dirty="0"/>
+              <a:t>Window Based </a:t>
+            </a:r>
+            <a:r>
+              <a:rPr lang="en-US" sz="4800" dirty="0" smtClean="0"/>
+              <a:t>Algorithm</a:t>
+            </a:r>
+            <a:endParaRPr lang="ru-RU" dirty="0"/>
+          </a:p>
+        </p:txBody>
+      </p:sp>
+    </p:spTree>
+    <p:extLst>
+      <p:ext uri="{BB962C8B-B14F-4D97-AF65-F5344CB8AC3E}">
+        <p14:creationId xmlns:p14="http://schemas.microsoft.com/office/powerpoint/2010/main" val="2267959745"/>
+      </p:ext>
+    </p:extLst>
+  </p:cSld>
+  <p:clrMapOvr>
+    <a:masterClrMapping/>
+  </p:clrMapOvr>
+  <p:timing>
+    <p:tnLst>
+      <p:par>
+        <p:cTn id="1" dur="indefinite" restart="never" nodeType="tmRoot"/>
+      </p:par>
+    </p:tnLst>
+  </p:timing>
+</p:sld>
+</file>
+
+<file path=ppt/slides/slide22.xml><?xml version="1.0" encoding="utf-8"?>
+<p:sld xmlns:a="http://schemas.openxmlformats.org/drawingml/2006/main" xmlns:r="http://schemas.openxmlformats.org/officeDocument/2006/relationships" xmlns:p="http://schemas.openxmlformats.org/presentationml/2006/main">
+  <p:cSld>
+    <p:spTree>
+      <p:nvGrpSpPr>
+        <p:cNvPr id="1" name=""/>
+        <p:cNvGrpSpPr/>
+        <p:nvPr/>
+      </p:nvGrpSpPr>
+      <p:grpSpPr>
+        <a:xfrm>
+          <a:off x="0" y="0"/>
+          <a:ext cx="0" cy="0"/>
+          <a:chOff x="0" y="0"/>
+          <a:chExt cx="0" cy="0"/>
+        </a:xfrm>
+      </p:grpSpPr>
+      <p:graphicFrame>
+        <p:nvGraphicFramePr>
+          <p:cNvPr id="5" name="Object 4"/>
+          <p:cNvGraphicFramePr>
+            <a:graphicFrameLocks noChangeAspect="1"/>
+          </p:cNvGraphicFramePr>
+          <p:nvPr>
+            <p:extLst>
+              <p:ext uri="{D42A27DB-BD31-4B8C-83A1-F6EECF244321}">
+                <p14:modId xmlns:p14="http://schemas.microsoft.com/office/powerpoint/2010/main" val="1308127103"/>
+              </p:ext>
+            </p:extLst>
+          </p:nvPr>
+        </p:nvGraphicFramePr>
+        <p:xfrm>
+          <a:off x="0" y="0"/>
+          <a:ext cx="9144000" cy="6858000"/>
+        </p:xfrm>
+        <a:graphic>
+          <a:graphicData uri="http://schemas.openxmlformats.org/presentationml/2006/ole">
+            <mc:AlternateContent xmlns:mc="http://schemas.openxmlformats.org/markup-compatibility/2006">
+              <mc:Choice xmlns:v="urn:schemas-microsoft-com:vml" Requires="v">
+                <p:oleObj spid="_x0000_s8201" name="Visio" r:id="rId3" imgW="10758690" imgH="7626560" progId="Visio.Drawing.11">
+                  <p:embed/>
+                </p:oleObj>
+              </mc:Choice>
+              <mc:Fallback>
+                <p:oleObj name="Visio" r:id="rId3" imgW="10758690" imgH="7626560" progId="Visio.Drawing.11">
+                  <p:embed/>
+                  <p:pic>
+                    <p:nvPicPr>
+                      <p:cNvPr id="0" name=""/>
+                      <p:cNvPicPr/>
+                      <p:nvPr/>
+                    </p:nvPicPr>
+                    <p:blipFill>
+                      <a:blip r:embed="rId4"/>
+                      <a:stretch>
+                        <a:fillRect/>
+                      </a:stretch>
+                    </p:blipFill>
+                    <p:spPr>
+                      <a:xfrm>
+                        <a:off x="0" y="0"/>
+                        <a:ext cx="9144000" cy="6858000"/>
+                      </a:xfrm>
+                      <a:prstGeom prst="rect">
+                        <a:avLst/>
+                      </a:prstGeom>
+                    </p:spPr>
+                  </p:pic>
+                </p:oleObj>
+              </mc:Fallback>
+            </mc:AlternateContent>
+          </a:graphicData>
+        </a:graphic>
+      </p:graphicFrame>
+      <p:sp>
+        <p:nvSpPr>
+          <p:cNvPr id="3" name="Заголовок 2"/>
+          <p:cNvSpPr>
+            <a:spLocks noGrp="1"/>
+          </p:cNvSpPr>
+          <p:nvPr>
+            <p:ph type="title"/>
+          </p:nvPr>
+        </p:nvSpPr>
+        <p:spPr>
+          <a:xfrm>
+            <a:off x="285750" y="95250"/>
+            <a:ext cx="7756263" cy="1054250"/>
+          </a:xfrm>
+        </p:spPr>
+        <p:txBody>
+          <a:bodyPr/>
+          <a:lstStyle/>
+          <a:p>
+            <a:r>
+              <a:rPr lang="en-US" sz="4800" dirty="0"/>
+              <a:t>Window Based </a:t>
+            </a:r>
+            <a:r>
+              <a:rPr lang="en-US" sz="4800" dirty="0" smtClean="0"/>
+              <a:t>Algorithm</a:t>
+            </a:r>
+            <a:endParaRPr lang="ru-RU" dirty="0"/>
+          </a:p>
+        </p:txBody>
+      </p:sp>
+    </p:spTree>
+    <p:extLst>
+      <p:ext uri="{BB962C8B-B14F-4D97-AF65-F5344CB8AC3E}">
+        <p14:creationId xmlns:p14="http://schemas.microsoft.com/office/powerpoint/2010/main" val="2267959745"/>
+      </p:ext>
+    </p:extLst>
+  </p:cSld>
+  <p:clrMapOvr>
+    <a:masterClrMapping/>
+  </p:clrMapOvr>
+  <p:timing>
+    <p:tnLst>
+      <p:par>
+        <p:cTn id="1" dur="indefinite" restart="never" nodeType="tmRoot"/>
+      </p:par>
+    </p:tnLst>
+  </p:timing>
+</p:sld>
+</file>
+
+<file path=ppt/slides/slide23.xml><?xml version="1.0" encoding="utf-8"?>
+<p:sld xmlns:a="http://schemas.openxmlformats.org/drawingml/2006/main" xmlns:r="http://schemas.openxmlformats.org/officeDocument/2006/relationships" xmlns:p="http://schemas.openxmlformats.org/presentationml/2006/main">
+  <p:cSld>
+    <p:spTree>
+      <p:nvGrpSpPr>
+        <p:cNvPr id="1" name=""/>
+        <p:cNvGrpSpPr/>
+        <p:nvPr/>
+      </p:nvGrpSpPr>
+      <p:grpSpPr>
+        <a:xfrm>
+          <a:off x="0" y="0"/>
+          <a:ext cx="0" cy="0"/>
+          <a:chOff x="0" y="0"/>
+          <a:chExt cx="0" cy="0"/>
+        </a:xfrm>
+      </p:grpSpPr>
       <p:sp>
         <p:nvSpPr>
           <p:cNvPr id="3" name="Title 2"/>
@@ -8534,7 +8935,7 @@
           <a:graphicData uri="http://schemas.openxmlformats.org/presentationml/2006/ole">
             <mc:AlternateContent xmlns:mc="http://schemas.openxmlformats.org/markup-compatibility/2006">
               <mc:Choice xmlns:v="urn:schemas-microsoft-com:vml" Requires="v">
-                <p:oleObj spid="_x0000_s2125" name="Visio" r:id="rId3" imgW="9147060" imgH="7289860" progId="Visio.Drawing.11">
+                <p:oleObj spid="_x0000_s2133" name="Visio" r:id="rId3" imgW="9147060" imgH="7289860" progId="Visio.Drawing.11">
                   <p:embed/>
                 </p:oleObj>
               </mc:Choice>
@@ -8589,7 +8990,7 @@
 </p:sld>
 </file>
 
-<file path=ppt/slides/slide21.xml><?xml version="1.0" encoding="utf-8"?>
+<file path=ppt/slides/slide24.xml><?xml version="1.0" encoding="utf-8"?>
 <p:sld xmlns:a="http://schemas.openxmlformats.org/drawingml/2006/main" xmlns:r="http://schemas.openxmlformats.org/officeDocument/2006/relationships" xmlns:p="http://schemas.openxmlformats.org/presentationml/2006/main">
   <p:cSld>
     <p:spTree>
@@ -8739,10 +9140,17 @@
   <p:clrMapOvr>
     <a:masterClrMapping/>
   </p:clrMapOvr>
+  <p:timing>
+    <p:tnLst>
+      <p:par>
+        <p:cTn id="1" dur="indefinite" restart="never" nodeType="tmRoot"/>
+      </p:par>
+    </p:tnLst>
+  </p:timing>
 </p:sld>
 </file>
 
-<file path=ppt/slides/slide22.xml><?xml version="1.0" encoding="utf-8"?>
+<file path=ppt/slides/slide25.xml><?xml version="1.0" encoding="utf-8"?>
 <p:sld xmlns:a="http://schemas.openxmlformats.org/drawingml/2006/main" xmlns:r="http://schemas.openxmlformats.org/officeDocument/2006/relationships" xmlns:p="http://schemas.openxmlformats.org/presentationml/2006/main">
   <p:cSld>
     <p:spTree>
@@ -8827,7 +9235,7 @@
 </p:sld>
 </file>
 
-<file path=ppt/slides/slide23.xml><?xml version="1.0" encoding="utf-8"?>
+<file path=ppt/slides/slide26.xml><?xml version="1.0" encoding="utf-8"?>
 <p:sld xmlns:a="http://schemas.openxmlformats.org/drawingml/2006/main" xmlns:r="http://schemas.openxmlformats.org/officeDocument/2006/relationships" xmlns:p="http://schemas.openxmlformats.org/presentationml/2006/main">
   <p:cSld>
     <p:spTree>
@@ -8929,7 +9337,7 @@
 </p:sld>
 </file>
 
-<file path=ppt/slides/slide24.xml><?xml version="1.0" encoding="utf-8"?>
+<file path=ppt/slides/slide27.xml><?xml version="1.0" encoding="utf-8"?>
 <p:sld xmlns:a="http://schemas.openxmlformats.org/drawingml/2006/main" xmlns:r="http://schemas.openxmlformats.org/officeDocument/2006/relationships" xmlns:p="http://schemas.openxmlformats.org/presentationml/2006/main">
   <p:cSld>
     <p:spTree>
@@ -9031,7 +9439,7 @@
 </p:sld>
 </file>
 
-<file path=ppt/slides/slide25.xml><?xml version="1.0" encoding="utf-8"?>
+<file path=ppt/slides/slide28.xml><?xml version="1.0" encoding="utf-8"?>
 <p:sld xmlns:a="http://schemas.openxmlformats.org/drawingml/2006/main" xmlns:r="http://schemas.openxmlformats.org/officeDocument/2006/relationships" xmlns:p="http://schemas.openxmlformats.org/presentationml/2006/main">
   <p:cSld>
     <p:spTree>
@@ -9133,7 +9541,7 @@
 </p:sld>
 </file>
 
-<file path=ppt/slides/slide26.xml><?xml version="1.0" encoding="utf-8"?>
+<file path=ppt/slides/slide29.xml><?xml version="1.0" encoding="utf-8"?>
 <p:sld xmlns:a="http://schemas.openxmlformats.org/drawingml/2006/main" xmlns:r="http://schemas.openxmlformats.org/officeDocument/2006/relationships" xmlns:p="http://schemas.openxmlformats.org/presentationml/2006/main">
   <p:cSld>
     <p:spTree>
@@ -9235,7 +9643,7 @@
 </p:sld>
 </file>
 
-<file path=ppt/slides/slide27.xml><?xml version="1.0" encoding="utf-8"?>
+<file path=ppt/slides/slide3.xml><?xml version="1.0" encoding="utf-8"?>
 <p:sld xmlns:a="http://schemas.openxmlformats.org/drawingml/2006/main" xmlns:r="http://schemas.openxmlformats.org/officeDocument/2006/relationships" xmlns:p="http://schemas.openxmlformats.org/presentationml/2006/main">
   <p:cSld>
     <p:spTree>
@@ -9264,6 +9672,105 @@
         </p:nvSpPr>
         <p:spPr/>
         <p:txBody>
+          <a:bodyPr>
+            <a:normAutofit/>
+          </a:bodyPr>
+          <a:lstStyle/>
+          <a:p>
+            <a:pPr algn="l"/>
+            <a:r>
+              <a:rPr lang="en-US" dirty="0" smtClean="0"/>
+              <a:t>Creation of WiFi simulator in order to develop Smart Link Selection Algorithm</a:t>
+            </a:r>
+            <a:r>
+              <a:rPr lang="en-US" dirty="0" smtClean="0"/>
+              <a:t> </a:t>
+            </a:r>
+            <a:r>
+              <a:rPr lang="en-US" dirty="0" smtClean="0"/>
+              <a:t> </a:t>
+            </a:r>
+            <a:endParaRPr lang="en-US" dirty="0"/>
+          </a:p>
+        </p:txBody>
+      </p:sp>
+      <p:sp>
+        <p:nvSpPr>
+          <p:cNvPr id="3" name="Title 2"/>
+          <p:cNvSpPr>
+            <a:spLocks noGrp="1"/>
+          </p:cNvSpPr>
+          <p:nvPr>
+            <p:ph type="title"/>
+          </p:nvPr>
+        </p:nvSpPr>
+        <p:spPr/>
+        <p:txBody>
+          <a:bodyPr/>
+          <a:lstStyle/>
+          <a:p>
+            <a:pPr rtl="1"/>
+            <a:r>
+              <a:rPr lang="en-US" dirty="0" smtClean="0"/>
+              <a:t>Project </a:t>
+            </a:r>
+            <a:r>
+              <a:rPr lang="en-US" dirty="0" smtClean="0"/>
+              <a:t>Goals</a:t>
+            </a:r>
+            <a:endParaRPr lang="en-US" dirty="0"/>
+          </a:p>
+        </p:txBody>
+      </p:sp>
+    </p:spTree>
+    <p:extLst>
+      <p:ext uri="{BB962C8B-B14F-4D97-AF65-F5344CB8AC3E}">
+        <p14:creationId xmlns:p14="http://schemas.microsoft.com/office/powerpoint/2010/main" val="3472477673"/>
+      </p:ext>
+    </p:extLst>
+  </p:cSld>
+  <p:clrMapOvr>
+    <a:masterClrMapping/>
+  </p:clrMapOvr>
+  <p:timing>
+    <p:tnLst>
+      <p:par>
+        <p:cTn id="1" dur="indefinite" restart="never" nodeType="tmRoot"/>
+      </p:par>
+    </p:tnLst>
+  </p:timing>
+</p:sld>
+</file>
+
+<file path=ppt/slides/slide30.xml><?xml version="1.0" encoding="utf-8"?>
+<p:sld xmlns:a="http://schemas.openxmlformats.org/drawingml/2006/main" xmlns:r="http://schemas.openxmlformats.org/officeDocument/2006/relationships" xmlns:p="http://schemas.openxmlformats.org/presentationml/2006/main">
+  <p:cSld>
+    <p:spTree>
+      <p:nvGrpSpPr>
+        <p:cNvPr id="1" name=""/>
+        <p:cNvGrpSpPr/>
+        <p:nvPr/>
+      </p:nvGrpSpPr>
+      <p:grpSpPr>
+        <a:xfrm>
+          <a:off x="0" y="0"/>
+          <a:ext cx="0" cy="0"/>
+          <a:chOff x="0" y="0"/>
+          <a:chExt cx="0" cy="0"/>
+        </a:xfrm>
+      </p:grpSpPr>
+      <p:sp>
+        <p:nvSpPr>
+          <p:cNvPr id="2" name="Content Placeholder 1"/>
+          <p:cNvSpPr>
+            <a:spLocks noGrp="1"/>
+          </p:cNvSpPr>
+          <p:nvPr>
+            <p:ph idx="1"/>
+          </p:nvPr>
+        </p:nvSpPr>
+        <p:spPr/>
+        <p:txBody>
           <a:bodyPr/>
           <a:lstStyle/>
           <a:p>
@@ -9312,7 +9819,7 @@
 </p:sld>
 </file>
 
-<file path=ppt/slides/slide28.xml><?xml version="1.0" encoding="utf-8"?>
+<file path=ppt/slides/slide31.xml><?xml version="1.0" encoding="utf-8"?>
 <p:sld xmlns:a="http://schemas.openxmlformats.org/drawingml/2006/main" xmlns:r="http://schemas.openxmlformats.org/officeDocument/2006/relationships" xmlns:p="http://schemas.openxmlformats.org/presentationml/2006/main">
   <p:cSld>
     <p:spTree>
@@ -9578,7 +10085,7 @@
 </p:sld>
 </file>
 
-<file path=ppt/slides/slide29.xml><?xml version="1.0" encoding="utf-8"?>
+<file path=ppt/slides/slide32.xml><?xml version="1.0" encoding="utf-8"?>
 <p:sld xmlns:a="http://schemas.openxmlformats.org/drawingml/2006/main" xmlns:r="http://schemas.openxmlformats.org/officeDocument/2006/relationships" xmlns:p="http://schemas.openxmlformats.org/presentationml/2006/main">
   <p:cSld>
     <p:spTree>
@@ -9662,7 +10169,7 @@
 </p:sld>
 </file>
 
-<file path=ppt/slides/slide3.xml><?xml version="1.0" encoding="utf-8"?>
+<file path=ppt/slides/slide4.xml><?xml version="1.0" encoding="utf-8"?>
 <p:sld xmlns:a="http://schemas.openxmlformats.org/drawingml/2006/main" xmlns:r="http://schemas.openxmlformats.org/officeDocument/2006/relationships" xmlns:p="http://schemas.openxmlformats.org/presentationml/2006/main">
   <p:cSld>
     <p:spTree>
@@ -9820,7 +10327,11 @@
             <a:pPr rtl="1"/>
             <a:r>
               <a:rPr lang="en-US" dirty="0" smtClean="0"/>
-              <a:t>Project Overview - Goals</a:t>
+              <a:t>Project </a:t>
+            </a:r>
+            <a:r>
+              <a:rPr lang="en-US" dirty="0" smtClean="0"/>
+              <a:t>Overview</a:t>
             </a:r>
             <a:endParaRPr lang="en-US" dirty="0"/>
           </a:p>
@@ -9846,7 +10357,7 @@
 </p:sld>
 </file>
 
-<file path=ppt/slides/slide4.xml><?xml version="1.0" encoding="utf-8"?>
+<file path=ppt/slides/slide5.xml><?xml version="1.0" encoding="utf-8"?>
 <p:sld xmlns:a="http://schemas.openxmlformats.org/drawingml/2006/main" xmlns:r="http://schemas.openxmlformats.org/officeDocument/2006/relationships" xmlns:p="http://schemas.openxmlformats.org/presentationml/2006/main">
   <p:cSld>
     <p:spTree>
@@ -9995,7 +10506,7 @@
 </p:sld>
 </file>
 
-<file path=ppt/slides/slide5.xml><?xml version="1.0" encoding="utf-8"?>
+<file path=ppt/slides/slide6.xml><?xml version="1.0" encoding="utf-8"?>
 <p:sld xmlns:a="http://schemas.openxmlformats.org/drawingml/2006/main" xmlns:r="http://schemas.openxmlformats.org/officeDocument/2006/relationships" xmlns:p="http://schemas.openxmlformats.org/presentationml/2006/main">
   <p:cSld>
     <p:spTree>
@@ -10035,7 +10546,7 @@
           <a:graphicData uri="http://schemas.openxmlformats.org/presentationml/2006/ole">
             <mc:AlternateContent xmlns:mc="http://schemas.openxmlformats.org/markup-compatibility/2006">
               <mc:Choice xmlns:v="urn:schemas-microsoft-com:vml" Requires="v">
-                <p:oleObj spid="_x0000_s1101" name="Visio" r:id="rId3" imgW="9147060" imgH="7289860" progId="Visio.Drawing.11">
+                <p:oleObj spid="_x0000_s1109" name="Visio" r:id="rId3" imgW="9147060" imgH="7289860" progId="Visio.Drawing.11">
                   <p:embed/>
                 </p:oleObj>
               </mc:Choice>
@@ -10252,108 +10763,6 @@
           </a:p>
         </p:txBody>
       </p:sp>
-    </p:spTree>
-    <p:extLst>
-      <p:ext uri="{BB962C8B-B14F-4D97-AF65-F5344CB8AC3E}">
-        <p14:creationId xmlns:p14="http://schemas.microsoft.com/office/powerpoint/2010/main" val="1441071697"/>
-      </p:ext>
-    </p:extLst>
-  </p:cSld>
-  <p:clrMapOvr>
-    <a:masterClrMapping/>
-  </p:clrMapOvr>
-  <p:timing>
-    <p:tnLst>
-      <p:par>
-        <p:cTn id="1" dur="indefinite" restart="never" nodeType="tmRoot"/>
-      </p:par>
-    </p:tnLst>
-  </p:timing>
-</p:sld>
-</file>
-
-<file path=ppt/slides/slide6.xml><?xml version="1.0" encoding="utf-8"?>
-<p:sld xmlns:a="http://schemas.openxmlformats.org/drawingml/2006/main" xmlns:r="http://schemas.openxmlformats.org/officeDocument/2006/relationships" xmlns:p="http://schemas.openxmlformats.org/presentationml/2006/main">
-  <p:cSld>
-    <p:spTree>
-      <p:nvGrpSpPr>
-        <p:cNvPr id="1" name=""/>
-        <p:cNvGrpSpPr/>
-        <p:nvPr/>
-      </p:nvGrpSpPr>
-      <p:grpSpPr>
-        <a:xfrm>
-          <a:off x="0" y="0"/>
-          <a:ext cx="0" cy="0"/>
-          <a:chOff x="0" y="0"/>
-          <a:chExt cx="0" cy="0"/>
-        </a:xfrm>
-      </p:grpSpPr>
-      <p:sp>
-        <p:nvSpPr>
-          <p:cNvPr id="3" name="Title 2"/>
-          <p:cNvSpPr>
-            <a:spLocks noGrp="1"/>
-          </p:cNvSpPr>
-          <p:nvPr>
-            <p:ph type="title"/>
-          </p:nvPr>
-        </p:nvSpPr>
-        <p:spPr/>
-        <p:txBody>
-          <a:bodyPr/>
-          <a:lstStyle/>
-          <a:p>
-            <a:pPr rtl="1"/>
-            <a:r>
-              <a:rPr lang="en-US" dirty="0" smtClean="0"/>
-              <a:t>Packets UML</a:t>
-            </a:r>
-            <a:endParaRPr lang="en-US" dirty="0"/>
-          </a:p>
-        </p:txBody>
-      </p:sp>
-      <p:pic>
-        <p:nvPicPr>
-          <p:cNvPr id="4098" name="Picture 2" descr="D:\Dropbox\Z_PROJECTS\sls\Results\UML_Packets.JPG"/>
-          <p:cNvPicPr>
-            <a:picLocks noChangeAspect="1" noChangeArrowheads="1"/>
-          </p:cNvPicPr>
-          <p:nvPr/>
-        </p:nvPicPr>
-        <p:blipFill>
-          <a:blip r:embed="rId2">
-            <a:extLst>
-              <a:ext uri="{28A0092B-C50C-407E-A947-70E740481C1C}">
-                <a14:useLocalDpi xmlns:a14="http://schemas.microsoft.com/office/drawing/2010/main" val="0"/>
-              </a:ext>
-            </a:extLst>
-          </a:blip>
-          <a:srcRect/>
-          <a:stretch>
-            <a:fillRect/>
-          </a:stretch>
-        </p:blipFill>
-        <p:spPr bwMode="auto">
-          <a:xfrm>
-            <a:off x="152400" y="1676400"/>
-            <a:ext cx="8896350" cy="4953000"/>
-          </a:xfrm>
-          <a:prstGeom prst="rect">
-            <a:avLst/>
-          </a:prstGeom>
-          <a:noFill/>
-          <a:extLst>
-            <a:ext uri="{909E8E84-426E-40DD-AFC4-6F175D3DCCD1}">
-              <a14:hiddenFill xmlns:a14="http://schemas.microsoft.com/office/drawing/2010/main">
-                <a:solidFill>
-                  <a:srgbClr val="FFFFFF"/>
-                </a:solidFill>
-              </a14:hiddenFill>
-            </a:ext>
-          </a:extLst>
-        </p:spPr>
-      </p:pic>
     </p:spTree>
     <p:extLst>
       <p:ext uri="{BB962C8B-B14F-4D97-AF65-F5344CB8AC3E}">
@@ -10495,132 +10904,6 @@
       </p:grpSpPr>
       <p:sp>
         <p:nvSpPr>
-          <p:cNvPr id="2" name="Content Placeholder 1"/>
-          <p:cNvSpPr>
-            <a:spLocks noGrp="1"/>
-          </p:cNvSpPr>
-          <p:nvPr>
-            <p:ph idx="1"/>
-          </p:nvPr>
-        </p:nvSpPr>
-        <p:spPr/>
-        <p:txBody>
-          <a:bodyPr>
-            <a:normAutofit fontScale="92500" lnSpcReduction="20000"/>
-          </a:bodyPr>
-          <a:lstStyle/>
-          <a:p>
-            <a:pPr algn="l"/>
-            <a:r>
-              <a:rPr lang="en-US" dirty="0" smtClean="0"/>
-              <a:t>IEEE80211</a:t>
-            </a:r>
-          </a:p>
-          <a:p>
-            <a:pPr algn="l"/>
-            <a:r>
-              <a:rPr lang="en-US" dirty="0" smtClean="0"/>
-              <a:t>Passive scan</a:t>
-            </a:r>
-          </a:p>
-          <a:p>
-            <a:pPr algn="l"/>
-            <a:r>
-              <a:rPr lang="en-US" dirty="0" smtClean="0"/>
-              <a:t>Beacon sending</a:t>
-            </a:r>
-          </a:p>
-          <a:p>
-            <a:pPr algn="l"/>
-            <a:r>
-              <a:rPr lang="en-US" dirty="0" smtClean="0"/>
-              <a:t>Acknowledgment</a:t>
-            </a:r>
-          </a:p>
-          <a:p>
-            <a:pPr algn="l"/>
-            <a:r>
-              <a:rPr lang="en-US" dirty="0" smtClean="0"/>
-              <a:t>BSS Connect/Disconnect flow</a:t>
-            </a:r>
-          </a:p>
-          <a:p>
-            <a:pPr algn="l"/>
-            <a:r>
-              <a:rPr lang="en-US" dirty="0" smtClean="0"/>
-              <a:t>Keep Alive mechanism</a:t>
-            </a:r>
-          </a:p>
-          <a:p>
-            <a:r>
-              <a:rPr lang="en-US" dirty="0"/>
-              <a:t>Received Signal Strength </a:t>
-            </a:r>
-            <a:r>
-              <a:rPr lang="en-US" dirty="0" smtClean="0"/>
-              <a:t>Indication (RSSI)</a:t>
-            </a:r>
-          </a:p>
-          <a:p>
-            <a:r>
-              <a:rPr lang="en-US" dirty="0" smtClean="0"/>
-              <a:t>Transmit Rate Calculation (SNR – </a:t>
-            </a:r>
-            <a:r>
-              <a:rPr lang="en-US" dirty="0" err="1" smtClean="0"/>
-              <a:t>adventeges</a:t>
-            </a:r>
-            <a:r>
-              <a:rPr lang="en-US" dirty="0" smtClean="0"/>
-              <a:t>/ </a:t>
-            </a:r>
-            <a:r>
-              <a:rPr lang="en-US" dirty="0" err="1" smtClean="0"/>
-              <a:t>disad</a:t>
-            </a:r>
-            <a:endParaRPr lang="en-US" dirty="0" smtClean="0"/>
-          </a:p>
-          <a:p>
-            <a:r>
-              <a:rPr lang="en-US" dirty="0" smtClean="0"/>
-              <a:t>Support of standards </a:t>
-            </a:r>
-            <a:r>
-              <a:rPr lang="en-US" strike="sngStrike" dirty="0" smtClean="0"/>
-              <a:t>Band</a:t>
-            </a:r>
-            <a:r>
-              <a:rPr lang="en-US" dirty="0" smtClean="0"/>
-              <a:t> A, </a:t>
-            </a:r>
-            <a:r>
-              <a:rPr lang="en-US" strike="sngStrike" dirty="0" smtClean="0"/>
-              <a:t>Band</a:t>
-            </a:r>
-            <a:r>
-              <a:rPr lang="en-US" dirty="0" smtClean="0"/>
-              <a:t> N</a:t>
-            </a:r>
-          </a:p>
-          <a:p>
-            <a:r>
-              <a:rPr lang="en-US" dirty="0" smtClean="0"/>
-              <a:t>Connection establishment negotiation</a:t>
-            </a:r>
-          </a:p>
-          <a:p>
-            <a:r>
-              <a:rPr lang="en-US" dirty="0" smtClean="0"/>
-              <a:t> Packets Encapsulation /Headers /hierarchy  </a:t>
-            </a:r>
-          </a:p>
-          <a:p>
-            <a:endParaRPr lang="en-US" dirty="0"/>
-          </a:p>
-        </p:txBody>
-      </p:sp>
-      <p:sp>
-        <p:nvSpPr>
           <p:cNvPr id="3" name="Title 2"/>
           <p:cNvSpPr>
             <a:spLocks noGrp="1"/>
@@ -10637,12 +10920,53 @@
             <a:pPr rtl="1"/>
             <a:r>
               <a:rPr lang="en-US" dirty="0" smtClean="0"/>
-              <a:t>Protocols Support</a:t>
+              <a:t>Packets UML</a:t>
             </a:r>
             <a:endParaRPr lang="en-US" dirty="0"/>
           </a:p>
         </p:txBody>
       </p:sp>
+      <p:pic>
+        <p:nvPicPr>
+          <p:cNvPr id="4098" name="Picture 2" descr="D:\Dropbox\Z_PROJECTS\sls\Results\UML_Packets.JPG"/>
+          <p:cNvPicPr>
+            <a:picLocks noChangeAspect="1" noChangeArrowheads="1"/>
+          </p:cNvPicPr>
+          <p:nvPr/>
+        </p:nvPicPr>
+        <p:blipFill>
+          <a:blip r:embed="rId2">
+            <a:extLst>
+              <a:ext uri="{28A0092B-C50C-407E-A947-70E740481C1C}">
+                <a14:useLocalDpi xmlns:a14="http://schemas.microsoft.com/office/drawing/2010/main" val="0"/>
+              </a:ext>
+            </a:extLst>
+          </a:blip>
+          <a:srcRect/>
+          <a:stretch>
+            <a:fillRect/>
+          </a:stretch>
+        </p:blipFill>
+        <p:spPr bwMode="auto">
+          <a:xfrm>
+            <a:off x="152400" y="1676400"/>
+            <a:ext cx="8896350" cy="4953000"/>
+          </a:xfrm>
+          <a:prstGeom prst="rect">
+            <a:avLst/>
+          </a:prstGeom>
+          <a:noFill/>
+          <a:extLst>
+            <a:ext uri="{909E8E84-426E-40DD-AFC4-6F175D3DCCD1}">
+              <a14:hiddenFill xmlns:a14="http://schemas.microsoft.com/office/drawing/2010/main">
+                <a:solidFill>
+                  <a:srgbClr val="FFFFFF"/>
+                </a:solidFill>
+              </a14:hiddenFill>
+            </a:ext>
+          </a:extLst>
+        </p:spPr>
+      </p:pic>
     </p:spTree>
     <p:extLst>
       <p:ext uri="{BB962C8B-B14F-4D97-AF65-F5344CB8AC3E}">
@@ -10653,6 +10977,13 @@
   <p:clrMapOvr>
     <a:masterClrMapping/>
   </p:clrMapOvr>
+  <p:timing>
+    <p:tnLst>
+      <p:par>
+        <p:cTn id="1" dur="indefinite" restart="never" nodeType="tmRoot"/>
+      </p:par>
+    </p:tnLst>
+  </p:timing>
 </p:sld>
 </file>
 
@@ -10685,58 +11016,148 @@
         </p:nvSpPr>
         <p:spPr/>
         <p:txBody>
+          <a:bodyPr>
+            <a:normAutofit fontScale="92500" lnSpcReduction="20000"/>
+          </a:bodyPr>
+          <a:lstStyle/>
+          <a:p>
+            <a:pPr algn="l"/>
+            <a:r>
+              <a:rPr lang="en-US" dirty="0" smtClean="0"/>
+              <a:t>IEEE80211</a:t>
+            </a:r>
+            <a:endParaRPr lang="en-US" dirty="0" smtClean="0"/>
+          </a:p>
+          <a:p>
+            <a:pPr algn="l"/>
+            <a:r>
+              <a:rPr lang="en-US" dirty="0" smtClean="0"/>
+              <a:t>Passive scan</a:t>
+            </a:r>
+          </a:p>
+          <a:p>
+            <a:pPr algn="l"/>
+            <a:r>
+              <a:rPr lang="en-US" dirty="0" smtClean="0"/>
+              <a:t>Beacon sending</a:t>
+            </a:r>
+          </a:p>
+          <a:p>
+            <a:pPr algn="l"/>
+            <a:r>
+              <a:rPr lang="en-US" dirty="0" smtClean="0"/>
+              <a:t>Acknowledgment</a:t>
+            </a:r>
+          </a:p>
+          <a:p>
+            <a:pPr algn="l"/>
+            <a:r>
+              <a:rPr lang="en-US" dirty="0" smtClean="0"/>
+              <a:t>Connect/Disconnect </a:t>
+            </a:r>
+            <a:r>
+              <a:rPr lang="en-US" dirty="0" smtClean="0"/>
+              <a:t>flow</a:t>
+            </a:r>
+          </a:p>
+          <a:p>
+            <a:pPr algn="l"/>
+            <a:r>
+              <a:rPr lang="en-US" dirty="0" smtClean="0"/>
+              <a:t>Keep Alive mechanism</a:t>
+            </a:r>
+          </a:p>
+          <a:p>
+            <a:r>
+              <a:rPr lang="en-US" dirty="0"/>
+              <a:t>Received Signal Strength </a:t>
+            </a:r>
+            <a:r>
+              <a:rPr lang="en-US" dirty="0" smtClean="0"/>
+              <a:t>Indication (RSSI)</a:t>
+            </a:r>
+          </a:p>
+          <a:p>
+            <a:r>
+              <a:rPr lang="en-US" dirty="0" smtClean="0"/>
+              <a:t>Transmit Rate Calculation (SNR – </a:t>
+            </a:r>
+            <a:r>
+              <a:rPr lang="en-US" dirty="0" err="1" smtClean="0"/>
+              <a:t>adventeges</a:t>
+            </a:r>
+            <a:r>
+              <a:rPr lang="en-US" dirty="0" smtClean="0"/>
+              <a:t>/ </a:t>
+            </a:r>
+            <a:r>
+              <a:rPr lang="en-US" dirty="0" err="1" smtClean="0"/>
+              <a:t>disad</a:t>
+            </a:r>
+            <a:endParaRPr lang="en-US" dirty="0" smtClean="0"/>
+          </a:p>
+          <a:p>
+            <a:r>
+              <a:rPr lang="en-US" dirty="0" smtClean="0"/>
+              <a:t>Support of standards </a:t>
+            </a:r>
+            <a:r>
+              <a:rPr lang="en-US" strike="sngStrike" dirty="0" smtClean="0"/>
+              <a:t>Band</a:t>
+            </a:r>
+            <a:r>
+              <a:rPr lang="en-US" dirty="0" smtClean="0"/>
+              <a:t> A, </a:t>
+            </a:r>
+            <a:r>
+              <a:rPr lang="en-US" strike="sngStrike" dirty="0" smtClean="0"/>
+              <a:t>Band</a:t>
+            </a:r>
+            <a:r>
+              <a:rPr lang="en-US" dirty="0" smtClean="0"/>
+              <a:t> N</a:t>
+            </a:r>
+          </a:p>
+          <a:p>
+            <a:r>
+              <a:rPr lang="en-US" dirty="0" smtClean="0"/>
+              <a:t>Connection establishment negotiation</a:t>
+            </a:r>
+          </a:p>
+          <a:p>
+            <a:r>
+              <a:rPr lang="en-US" dirty="0" smtClean="0"/>
+              <a:t> Packets Encapsulation /Headers /hierarchy  </a:t>
+            </a:r>
+            <a:endParaRPr lang="en-US" dirty="0" smtClean="0"/>
+          </a:p>
+          <a:p>
+            <a:endParaRPr lang="en-US" dirty="0" smtClean="0"/>
+          </a:p>
+          <a:p>
+            <a:endParaRPr lang="en-US" dirty="0"/>
+          </a:p>
+        </p:txBody>
+      </p:sp>
+      <p:sp>
+        <p:nvSpPr>
+          <p:cNvPr id="3" name="Title 2"/>
+          <p:cNvSpPr>
+            <a:spLocks noGrp="1"/>
+          </p:cNvSpPr>
+          <p:nvPr>
+            <p:ph type="title"/>
+          </p:nvPr>
+        </p:nvSpPr>
+        <p:spPr/>
+        <p:txBody>
           <a:bodyPr/>
           <a:lstStyle/>
           <a:p>
-            <a:pPr algn="l"/>
+            <a:pPr rtl="1"/>
             <a:r>
               <a:rPr lang="en-US" dirty="0" smtClean="0"/>
-              <a:t>Preferred channel selection</a:t>
-            </a:r>
-          </a:p>
-          <a:p>
-            <a:pPr algn="l"/>
-            <a:r>
-              <a:rPr lang="en-US" dirty="0" smtClean="0"/>
-              <a:t>Calculation of transmit rate regarding to RSSI</a:t>
-            </a:r>
-          </a:p>
-          <a:p>
-            <a:pPr algn="l"/>
-            <a:r>
-              <a:rPr lang="en-US" dirty="0" smtClean="0"/>
-              <a:t>Calculation of RSSI regarding to Distance</a:t>
-            </a:r>
-          </a:p>
-          <a:p>
-            <a:pPr algn="l"/>
-            <a:endParaRPr lang="en-US" dirty="0" smtClean="0"/>
-          </a:p>
-          <a:p>
-            <a:pPr algn="l"/>
-            <a:endParaRPr lang="en-US" dirty="0"/>
-          </a:p>
-        </p:txBody>
-      </p:sp>
-      <p:sp>
-        <p:nvSpPr>
-          <p:cNvPr id="3" name="Title 2"/>
-          <p:cNvSpPr>
-            <a:spLocks noGrp="1"/>
-          </p:cNvSpPr>
-          <p:nvPr>
-            <p:ph type="title"/>
-          </p:nvPr>
-        </p:nvSpPr>
-        <p:spPr/>
-        <p:txBody>
-          <a:bodyPr/>
-          <a:lstStyle/>
-          <a:p>
-            <a:pPr rtl="1"/>
-            <a:r>
-              <a:rPr lang="en-US" dirty="0" smtClean="0"/>
-              <a:t>Used Algorithms</a:t>
+              <a:t>Protocols Support</a:t>
             </a:r>
             <a:endParaRPr lang="en-US" dirty="0"/>
           </a:p>

--- a/JudgesForumPresentation.pptx
+++ b/JudgesForumPresentation.pptx
@@ -23,26 +23,26 @@
     <p:sldId id="303" r:id="rId11"/>
     <p:sldId id="304" r:id="rId12"/>
     <p:sldId id="305" r:id="rId13"/>
-    <p:sldId id="306" r:id="rId14"/>
-    <p:sldId id="322" r:id="rId15"/>
-    <p:sldId id="323" r:id="rId16"/>
-    <p:sldId id="324" r:id="rId17"/>
-    <p:sldId id="325" r:id="rId18"/>
-    <p:sldId id="318" r:id="rId19"/>
-    <p:sldId id="326" r:id="rId20"/>
-    <p:sldId id="327" r:id="rId21"/>
-    <p:sldId id="329" r:id="rId22"/>
-    <p:sldId id="330" r:id="rId23"/>
-    <p:sldId id="311" r:id="rId24"/>
-    <p:sldId id="328" r:id="rId25"/>
-    <p:sldId id="312" r:id="rId26"/>
-    <p:sldId id="315" r:id="rId27"/>
-    <p:sldId id="309" r:id="rId28"/>
-    <p:sldId id="320" r:id="rId29"/>
-    <p:sldId id="321" r:id="rId30"/>
-    <p:sldId id="307" r:id="rId31"/>
-    <p:sldId id="317" r:id="rId32"/>
-    <p:sldId id="308" r:id="rId33"/>
+    <p:sldId id="323" r:id="rId14"/>
+    <p:sldId id="324" r:id="rId15"/>
+    <p:sldId id="325" r:id="rId16"/>
+    <p:sldId id="318" r:id="rId17"/>
+    <p:sldId id="326" r:id="rId18"/>
+    <p:sldId id="327" r:id="rId19"/>
+    <p:sldId id="329" r:id="rId20"/>
+    <p:sldId id="330" r:id="rId21"/>
+    <p:sldId id="311" r:id="rId22"/>
+    <p:sldId id="328" r:id="rId23"/>
+    <p:sldId id="312" r:id="rId24"/>
+    <p:sldId id="315" r:id="rId25"/>
+    <p:sldId id="309" r:id="rId26"/>
+    <p:sldId id="320" r:id="rId27"/>
+    <p:sldId id="321" r:id="rId28"/>
+    <p:sldId id="307" r:id="rId29"/>
+    <p:sldId id="332" r:id="rId30"/>
+    <p:sldId id="317" r:id="rId31"/>
+    <p:sldId id="308" r:id="rId32"/>
+    <p:sldId id="333" r:id="rId33"/>
   </p:sldIdLst>
   <p:sldSz cx="9144000" cy="6858000" type="screen4x3"/>
   <p:notesSz cx="6669088" cy="9928225"/>
@@ -147,7 +147,7 @@
 <file path=ppt/charts/chart1.xml><?xml version="1.0" encoding="utf-8"?>
 <c:chartSpace xmlns:c="http://schemas.openxmlformats.org/drawingml/2006/chart" xmlns:a="http://schemas.openxmlformats.org/drawingml/2006/main" xmlns:r="http://schemas.openxmlformats.org/officeDocument/2006/relationships">
   <c:date1904 val="0"/>
-  <c:lang val="en-US"/>
+  <c:lang val="ru-RU"/>
   <c:roundedCorners val="0"/>
   <mc:AlternateContent xmlns:mc="http://schemas.openxmlformats.org/markup-compatibility/2006">
     <mc:Choice xmlns:c14="http://schemas.microsoft.com/office/drawing/2007/8/2/chart" Requires="c14">
@@ -1800,11 +1800,11 @@
           <c:showBubbleSize val="0"/>
         </c:dLbls>
         <c:gapWidth val="150"/>
-        <c:axId val="93035520"/>
-        <c:axId val="93037312"/>
+        <c:axId val="47390720"/>
+        <c:axId val="86620928"/>
       </c:barChart>
       <c:catAx>
-        <c:axId val="93035520"/>
+        <c:axId val="47390720"/>
         <c:scaling>
           <c:orientation val="minMax"/>
         </c:scaling>
@@ -1814,7 +1814,7 @@
         <c:majorTickMark val="none"/>
         <c:minorTickMark val="none"/>
         <c:tickLblPos val="nextTo"/>
-        <c:crossAx val="93037312"/>
+        <c:crossAx val="86620928"/>
         <c:crosses val="autoZero"/>
         <c:auto val="1"/>
         <c:lblAlgn val="ctr"/>
@@ -1822,7 +1822,7 @@
         <c:noMultiLvlLbl val="0"/>
       </c:catAx>
       <c:valAx>
-        <c:axId val="93037312"/>
+        <c:axId val="86620928"/>
         <c:scaling>
           <c:orientation val="minMax"/>
         </c:scaling>
@@ -1833,7 +1833,7 @@
         <c:majorTickMark val="none"/>
         <c:minorTickMark val="none"/>
         <c:tickLblPos val="nextTo"/>
-        <c:crossAx val="93035520"/>
+        <c:crossAx val="47390720"/>
         <c:crosses val="autoZero"/>
         <c:crossBetween val="between"/>
       </c:valAx>
@@ -1847,6 +1847,713 @@
     <c:dispBlanksAs val="gap"/>
     <c:showDLblsOverMax val="0"/>
   </c:chart>
+  <c:externalData r:id="rId1">
+    <c:autoUpdate val="0"/>
+  </c:externalData>
+</c:chartSpace>
+</file>
+
+<file path=ppt/charts/chart2.xml><?xml version="1.0" encoding="utf-8"?>
+<c:chartSpace xmlns:c="http://schemas.openxmlformats.org/drawingml/2006/chart" xmlns:a="http://schemas.openxmlformats.org/drawingml/2006/main" xmlns:r="http://schemas.openxmlformats.org/officeDocument/2006/relationships">
+  <c:date1904 val="0"/>
+  <c:lang val="ru-RU"/>
+  <c:roundedCorners val="0"/>
+  <mc:AlternateContent xmlns:mc="http://schemas.openxmlformats.org/markup-compatibility/2006">
+    <mc:Choice xmlns:c14="http://schemas.microsoft.com/office/drawing/2007/8/2/chart" Requires="c14">
+      <c14:style val="102"/>
+    </mc:Choice>
+    <mc:Fallback>
+      <c:style val="2"/>
+    </mc:Fallback>
+  </mc:AlternateContent>
+  <c:chart>
+    <c:title>
+      <c:layout/>
+      <c:overlay val="0"/>
+    </c:title>
+    <c:autoTitleDeleted val="0"/>
+    <c:plotArea>
+      <c:layout/>
+      <c:barChart>
+        <c:barDir val="col"/>
+        <c:grouping val="clustered"/>
+        <c:varyColors val="0"/>
+        <c:ser>
+          <c:idx val="0"/>
+          <c:order val="0"/>
+          <c:tx>
+            <c:strRef>
+              <c:f>Лист1!$B$1</c:f>
+              <c:strCache>
+                <c:ptCount val="1"/>
+                <c:pt idx="0">
+                  <c:v>Speed Mbs</c:v>
+                </c:pt>
+              </c:strCache>
+            </c:strRef>
+          </c:tx>
+          <c:invertIfNegative val="0"/>
+          <c:cat>
+            <c:strRef>
+              <c:f>Лист1!$A$2:$A$5</c:f>
+              <c:strCache>
+                <c:ptCount val="4"/>
+                <c:pt idx="0">
+                  <c:v>BSS</c:v>
+                </c:pt>
+                <c:pt idx="1">
+                  <c:v>TDLS</c:v>
+                </c:pt>
+                <c:pt idx="2">
+                  <c:v>SLS NullData</c:v>
+                </c:pt>
+                <c:pt idx="3">
+                  <c:v>SLS Window</c:v>
+                </c:pt>
+              </c:strCache>
+            </c:strRef>
+          </c:cat>
+          <c:val>
+            <c:numRef>
+              <c:f>Лист1!$B$2:$B$5</c:f>
+              <c:numCache>
+                <c:formatCode>General</c:formatCode>
+                <c:ptCount val="4"/>
+                <c:pt idx="0">
+                  <c:v>17</c:v>
+                </c:pt>
+                <c:pt idx="1">
+                  <c:v>6</c:v>
+                </c:pt>
+                <c:pt idx="2">
+                  <c:v>8</c:v>
+                </c:pt>
+                <c:pt idx="3">
+                  <c:v>13</c:v>
+                </c:pt>
+              </c:numCache>
+            </c:numRef>
+          </c:val>
+        </c:ser>
+        <c:dLbls>
+          <c:showLegendKey val="0"/>
+          <c:showVal val="0"/>
+          <c:showCatName val="0"/>
+          <c:showSerName val="0"/>
+          <c:showPercent val="0"/>
+          <c:showBubbleSize val="0"/>
+        </c:dLbls>
+        <c:gapWidth val="150"/>
+        <c:axId val="78744576"/>
+        <c:axId val="52439872"/>
+      </c:barChart>
+      <c:catAx>
+        <c:axId val="78744576"/>
+        <c:scaling>
+          <c:orientation val="minMax"/>
+        </c:scaling>
+        <c:delete val="0"/>
+        <c:axPos val="b"/>
+        <c:majorTickMark val="out"/>
+        <c:minorTickMark val="none"/>
+        <c:tickLblPos val="nextTo"/>
+        <c:crossAx val="52439872"/>
+        <c:crosses val="autoZero"/>
+        <c:auto val="1"/>
+        <c:lblAlgn val="ctr"/>
+        <c:lblOffset val="100"/>
+        <c:noMultiLvlLbl val="0"/>
+      </c:catAx>
+      <c:valAx>
+        <c:axId val="52439872"/>
+        <c:scaling>
+          <c:orientation val="minMax"/>
+        </c:scaling>
+        <c:delete val="0"/>
+        <c:axPos val="l"/>
+        <c:majorGridlines/>
+        <c:numFmt formatCode="General" sourceLinked="1"/>
+        <c:majorTickMark val="out"/>
+        <c:minorTickMark val="none"/>
+        <c:tickLblPos val="nextTo"/>
+        <c:crossAx val="78744576"/>
+        <c:crosses val="autoZero"/>
+        <c:crossBetween val="between"/>
+      </c:valAx>
+    </c:plotArea>
+    <c:plotVisOnly val="1"/>
+    <c:dispBlanksAs val="gap"/>
+    <c:showDLblsOverMax val="0"/>
+  </c:chart>
+  <c:spPr>
+    <a:solidFill>
+      <a:schemeClr val="lt1"/>
+    </a:solidFill>
+    <a:ln w="19050" cap="flat" cmpd="sng" algn="ctr">
+      <a:solidFill>
+        <a:schemeClr val="accent5">
+          <a:shade val="75000"/>
+          <a:lumMod val="90000"/>
+        </a:schemeClr>
+      </a:solidFill>
+      <a:prstDash val="solid"/>
+    </a:ln>
+    <a:effectLst/>
+  </c:spPr>
+  <c:txPr>
+    <a:bodyPr/>
+    <a:lstStyle/>
+    <a:p>
+      <a:pPr>
+        <a:defRPr>
+          <a:solidFill>
+            <a:schemeClr val="dk1"/>
+          </a:solidFill>
+          <a:latin typeface="+mn-lt"/>
+          <a:ea typeface="+mn-ea"/>
+          <a:cs typeface="+mn-cs"/>
+        </a:defRPr>
+      </a:pPr>
+      <a:endParaRPr lang="ru-RU"/>
+    </a:p>
+  </c:txPr>
+  <c:externalData r:id="rId1">
+    <c:autoUpdate val="0"/>
+  </c:externalData>
+</c:chartSpace>
+</file>
+
+<file path=ppt/charts/chart3.xml><?xml version="1.0" encoding="utf-8"?>
+<c:chartSpace xmlns:c="http://schemas.openxmlformats.org/drawingml/2006/chart" xmlns:a="http://schemas.openxmlformats.org/drawingml/2006/main" xmlns:r="http://schemas.openxmlformats.org/officeDocument/2006/relationships">
+  <c:date1904 val="0"/>
+  <c:lang val="ru-RU"/>
+  <c:roundedCorners val="0"/>
+  <mc:AlternateContent xmlns:mc="http://schemas.openxmlformats.org/markup-compatibility/2006">
+    <mc:Choice xmlns:c14="http://schemas.microsoft.com/office/drawing/2007/8/2/chart" Requires="c14">
+      <c14:style val="102"/>
+    </mc:Choice>
+    <mc:Fallback>
+      <c:style val="2"/>
+    </mc:Fallback>
+  </mc:AlternateContent>
+  <c:chart>
+    <c:title>
+      <c:tx>
+        <c:rich>
+          <a:bodyPr/>
+          <a:lstStyle/>
+          <a:p>
+            <a:pPr>
+              <a:defRPr/>
+            </a:pPr>
+            <a:r>
+              <a:rPr lang="en-US"/>
+              <a:t>Retransmission</a:t>
+            </a:r>
+          </a:p>
+        </c:rich>
+      </c:tx>
+      <c:layout/>
+      <c:overlay val="0"/>
+    </c:title>
+    <c:autoTitleDeleted val="0"/>
+    <c:plotArea>
+      <c:layout/>
+      <c:barChart>
+        <c:barDir val="col"/>
+        <c:grouping val="clustered"/>
+        <c:varyColors val="0"/>
+        <c:ser>
+          <c:idx val="1"/>
+          <c:order val="0"/>
+          <c:tx>
+            <c:strRef>
+              <c:f>Лист1!$C$1</c:f>
+              <c:strCache>
+                <c:ptCount val="1"/>
+                <c:pt idx="0">
+                  <c:v>Retransmission</c:v>
+                </c:pt>
+              </c:strCache>
+            </c:strRef>
+          </c:tx>
+          <c:invertIfNegative val="0"/>
+          <c:cat>
+            <c:strRef>
+              <c:f>Лист1!$A$2:$A$5</c:f>
+              <c:strCache>
+                <c:ptCount val="4"/>
+                <c:pt idx="0">
+                  <c:v>BSS</c:v>
+                </c:pt>
+                <c:pt idx="1">
+                  <c:v>TDLS</c:v>
+                </c:pt>
+                <c:pt idx="2">
+                  <c:v>SLS NullData</c:v>
+                </c:pt>
+                <c:pt idx="3">
+                  <c:v>SLS Window</c:v>
+                </c:pt>
+              </c:strCache>
+            </c:strRef>
+          </c:cat>
+          <c:val>
+            <c:numRef>
+              <c:f>Лист1!$C$2:$C$5</c:f>
+              <c:numCache>
+                <c:formatCode>General</c:formatCode>
+                <c:ptCount val="4"/>
+                <c:pt idx="0">
+                  <c:v>110</c:v>
+                </c:pt>
+                <c:pt idx="1">
+                  <c:v>200</c:v>
+                </c:pt>
+                <c:pt idx="2">
+                  <c:v>190</c:v>
+                </c:pt>
+                <c:pt idx="3">
+                  <c:v>125</c:v>
+                </c:pt>
+              </c:numCache>
+            </c:numRef>
+          </c:val>
+        </c:ser>
+        <c:dLbls>
+          <c:showLegendKey val="0"/>
+          <c:showVal val="0"/>
+          <c:showCatName val="0"/>
+          <c:showSerName val="0"/>
+          <c:showPercent val="0"/>
+          <c:showBubbleSize val="0"/>
+        </c:dLbls>
+        <c:gapWidth val="150"/>
+        <c:axId val="78745088"/>
+        <c:axId val="47821888"/>
+      </c:barChart>
+      <c:catAx>
+        <c:axId val="78745088"/>
+        <c:scaling>
+          <c:orientation val="minMax"/>
+        </c:scaling>
+        <c:delete val="0"/>
+        <c:axPos val="b"/>
+        <c:majorTickMark val="none"/>
+        <c:minorTickMark val="none"/>
+        <c:tickLblPos val="nextTo"/>
+        <c:crossAx val="47821888"/>
+        <c:crosses val="autoZero"/>
+        <c:auto val="1"/>
+        <c:lblAlgn val="ctr"/>
+        <c:lblOffset val="100"/>
+        <c:noMultiLvlLbl val="0"/>
+      </c:catAx>
+      <c:valAx>
+        <c:axId val="47821888"/>
+        <c:scaling>
+          <c:orientation val="minMax"/>
+        </c:scaling>
+        <c:delete val="0"/>
+        <c:axPos val="l"/>
+        <c:majorGridlines/>
+        <c:numFmt formatCode="General" sourceLinked="1"/>
+        <c:majorTickMark val="none"/>
+        <c:minorTickMark val="none"/>
+        <c:tickLblPos val="nextTo"/>
+        <c:crossAx val="78745088"/>
+        <c:crosses val="autoZero"/>
+        <c:crossBetween val="between"/>
+      </c:valAx>
+      <c:dTable>
+        <c:showHorzBorder val="1"/>
+        <c:showVertBorder val="1"/>
+        <c:showOutline val="1"/>
+        <c:showKeys val="1"/>
+      </c:dTable>
+    </c:plotArea>
+    <c:plotVisOnly val="1"/>
+    <c:dispBlanksAs val="gap"/>
+    <c:showDLblsOverMax val="0"/>
+  </c:chart>
+  <c:spPr>
+    <a:solidFill>
+      <a:schemeClr val="lt1"/>
+    </a:solidFill>
+    <a:ln w="19050" cap="flat" cmpd="sng" algn="ctr">
+      <a:solidFill>
+        <a:schemeClr val="accent5">
+          <a:shade val="75000"/>
+          <a:lumMod val="90000"/>
+        </a:schemeClr>
+      </a:solidFill>
+      <a:prstDash val="solid"/>
+    </a:ln>
+    <a:effectLst/>
+  </c:spPr>
+  <c:txPr>
+    <a:bodyPr/>
+    <a:lstStyle/>
+    <a:p>
+      <a:pPr>
+        <a:defRPr>
+          <a:solidFill>
+            <a:schemeClr val="dk1"/>
+          </a:solidFill>
+          <a:latin typeface="+mn-lt"/>
+          <a:ea typeface="+mn-ea"/>
+          <a:cs typeface="+mn-cs"/>
+        </a:defRPr>
+      </a:pPr>
+      <a:endParaRPr lang="ru-RU"/>
+    </a:p>
+  </c:txPr>
+  <c:externalData r:id="rId1">
+    <c:autoUpdate val="0"/>
+  </c:externalData>
+</c:chartSpace>
+</file>
+
+<file path=ppt/charts/chart4.xml><?xml version="1.0" encoding="utf-8"?>
+<c:chartSpace xmlns:c="http://schemas.openxmlformats.org/drawingml/2006/chart" xmlns:a="http://schemas.openxmlformats.org/drawingml/2006/main" xmlns:r="http://schemas.openxmlformats.org/officeDocument/2006/relationships">
+  <c:date1904 val="0"/>
+  <c:lang val="ru-RU"/>
+  <c:roundedCorners val="0"/>
+  <mc:AlternateContent xmlns:mc="http://schemas.openxmlformats.org/markup-compatibility/2006">
+    <mc:Choice xmlns:c14="http://schemas.microsoft.com/office/drawing/2007/8/2/chart" Requires="c14">
+      <c14:style val="102"/>
+    </mc:Choice>
+    <mc:Fallback>
+      <c:style val="2"/>
+    </mc:Fallback>
+  </mc:AlternateContent>
+  <c:chart>
+    <c:title>
+      <c:layout/>
+      <c:overlay val="0"/>
+    </c:title>
+    <c:autoTitleDeleted val="0"/>
+    <c:plotArea>
+      <c:layout/>
+      <c:barChart>
+        <c:barDir val="col"/>
+        <c:grouping val="clustered"/>
+        <c:varyColors val="0"/>
+        <c:ser>
+          <c:idx val="0"/>
+          <c:order val="0"/>
+          <c:tx>
+            <c:strRef>
+              <c:f>Лист1!$B$1</c:f>
+              <c:strCache>
+                <c:ptCount val="1"/>
+                <c:pt idx="0">
+                  <c:v>Speed Mbs</c:v>
+                </c:pt>
+              </c:strCache>
+            </c:strRef>
+          </c:tx>
+          <c:invertIfNegative val="0"/>
+          <c:cat>
+            <c:strRef>
+              <c:f>Лист1!$A$13:$A$16</c:f>
+              <c:strCache>
+                <c:ptCount val="4"/>
+                <c:pt idx="0">
+                  <c:v>BSS</c:v>
+                </c:pt>
+                <c:pt idx="1">
+                  <c:v>TDLS</c:v>
+                </c:pt>
+                <c:pt idx="2">
+                  <c:v>SLS NullData</c:v>
+                </c:pt>
+                <c:pt idx="3">
+                  <c:v>SLS Window</c:v>
+                </c:pt>
+              </c:strCache>
+            </c:strRef>
+          </c:cat>
+          <c:val>
+            <c:numRef>
+              <c:f>Лист1!$B$13:$B$16</c:f>
+              <c:numCache>
+                <c:formatCode>General</c:formatCode>
+                <c:ptCount val="4"/>
+                <c:pt idx="0">
+                  <c:v>2</c:v>
+                </c:pt>
+                <c:pt idx="1">
+                  <c:v>50</c:v>
+                </c:pt>
+                <c:pt idx="2">
+                  <c:v>30</c:v>
+                </c:pt>
+                <c:pt idx="3">
+                  <c:v>31</c:v>
+                </c:pt>
+              </c:numCache>
+            </c:numRef>
+          </c:val>
+        </c:ser>
+        <c:dLbls>
+          <c:showLegendKey val="0"/>
+          <c:showVal val="0"/>
+          <c:showCatName val="0"/>
+          <c:showSerName val="0"/>
+          <c:showPercent val="0"/>
+          <c:showBubbleSize val="0"/>
+        </c:dLbls>
+        <c:gapWidth val="150"/>
+        <c:axId val="89999872"/>
+        <c:axId val="45818432"/>
+      </c:barChart>
+      <c:catAx>
+        <c:axId val="89999872"/>
+        <c:scaling>
+          <c:orientation val="minMax"/>
+        </c:scaling>
+        <c:delete val="0"/>
+        <c:axPos val="b"/>
+        <c:majorTickMark val="out"/>
+        <c:minorTickMark val="none"/>
+        <c:tickLblPos val="nextTo"/>
+        <c:crossAx val="45818432"/>
+        <c:crosses val="autoZero"/>
+        <c:auto val="1"/>
+        <c:lblAlgn val="ctr"/>
+        <c:lblOffset val="100"/>
+        <c:noMultiLvlLbl val="0"/>
+      </c:catAx>
+      <c:valAx>
+        <c:axId val="45818432"/>
+        <c:scaling>
+          <c:orientation val="minMax"/>
+        </c:scaling>
+        <c:delete val="0"/>
+        <c:axPos val="l"/>
+        <c:majorGridlines/>
+        <c:numFmt formatCode="General" sourceLinked="1"/>
+        <c:majorTickMark val="out"/>
+        <c:minorTickMark val="none"/>
+        <c:tickLblPos val="nextTo"/>
+        <c:crossAx val="89999872"/>
+        <c:crosses val="autoZero"/>
+        <c:crossBetween val="between"/>
+      </c:valAx>
+    </c:plotArea>
+    <c:plotVisOnly val="1"/>
+    <c:dispBlanksAs val="gap"/>
+    <c:showDLblsOverMax val="0"/>
+  </c:chart>
+  <c:spPr>
+    <a:solidFill>
+      <a:schemeClr val="lt1"/>
+    </a:solidFill>
+    <a:ln w="19050" cap="flat" cmpd="sng" algn="ctr">
+      <a:solidFill>
+        <a:schemeClr val="accent5">
+          <a:shade val="75000"/>
+          <a:lumMod val="90000"/>
+        </a:schemeClr>
+      </a:solidFill>
+      <a:prstDash val="solid"/>
+    </a:ln>
+    <a:effectLst/>
+  </c:spPr>
+  <c:txPr>
+    <a:bodyPr/>
+    <a:lstStyle/>
+    <a:p>
+      <a:pPr>
+        <a:defRPr>
+          <a:solidFill>
+            <a:schemeClr val="dk1"/>
+          </a:solidFill>
+          <a:latin typeface="+mn-lt"/>
+          <a:ea typeface="+mn-ea"/>
+          <a:cs typeface="+mn-cs"/>
+        </a:defRPr>
+      </a:pPr>
+      <a:endParaRPr lang="ru-RU"/>
+    </a:p>
+  </c:txPr>
+  <c:externalData r:id="rId1">
+    <c:autoUpdate val="0"/>
+  </c:externalData>
+</c:chartSpace>
+</file>
+
+<file path=ppt/charts/chart5.xml><?xml version="1.0" encoding="utf-8"?>
+<c:chartSpace xmlns:c="http://schemas.openxmlformats.org/drawingml/2006/chart" xmlns:a="http://schemas.openxmlformats.org/drawingml/2006/main" xmlns:r="http://schemas.openxmlformats.org/officeDocument/2006/relationships">
+  <c:date1904 val="0"/>
+  <c:lang val="ru-RU"/>
+  <c:roundedCorners val="0"/>
+  <mc:AlternateContent xmlns:mc="http://schemas.openxmlformats.org/markup-compatibility/2006">
+    <mc:Choice xmlns:c14="http://schemas.microsoft.com/office/drawing/2007/8/2/chart" Requires="c14">
+      <c14:style val="102"/>
+    </mc:Choice>
+    <mc:Fallback>
+      <c:style val="2"/>
+    </mc:Fallback>
+  </mc:AlternateContent>
+  <c:chart>
+    <c:title>
+      <c:layout/>
+      <c:overlay val="0"/>
+    </c:title>
+    <c:autoTitleDeleted val="0"/>
+    <c:plotArea>
+      <c:layout/>
+      <c:barChart>
+        <c:barDir val="col"/>
+        <c:grouping val="clustered"/>
+        <c:varyColors val="0"/>
+        <c:ser>
+          <c:idx val="1"/>
+          <c:order val="0"/>
+          <c:tx>
+            <c:strRef>
+              <c:f>Лист1!$C$1</c:f>
+              <c:strCache>
+                <c:ptCount val="1"/>
+                <c:pt idx="0">
+                  <c:v>Retransmission</c:v>
+                </c:pt>
+              </c:strCache>
+            </c:strRef>
+          </c:tx>
+          <c:invertIfNegative val="0"/>
+          <c:cat>
+            <c:strRef>
+              <c:f>Лист1!$A$13:$A$16</c:f>
+              <c:strCache>
+                <c:ptCount val="4"/>
+                <c:pt idx="0">
+                  <c:v>BSS</c:v>
+                </c:pt>
+                <c:pt idx="1">
+                  <c:v>TDLS</c:v>
+                </c:pt>
+                <c:pt idx="2">
+                  <c:v>SLS NullData</c:v>
+                </c:pt>
+                <c:pt idx="3">
+                  <c:v>SLS Window</c:v>
+                </c:pt>
+              </c:strCache>
+            </c:strRef>
+          </c:cat>
+          <c:val>
+            <c:numRef>
+              <c:f>Лист1!$C$13:$C$16</c:f>
+              <c:numCache>
+                <c:formatCode>General</c:formatCode>
+                <c:ptCount val="4"/>
+                <c:pt idx="0">
+                  <c:v>598</c:v>
+                </c:pt>
+                <c:pt idx="1">
+                  <c:v>11</c:v>
+                </c:pt>
+                <c:pt idx="2">
+                  <c:v>40</c:v>
+                </c:pt>
+                <c:pt idx="3">
+                  <c:v>37</c:v>
+                </c:pt>
+              </c:numCache>
+            </c:numRef>
+          </c:val>
+        </c:ser>
+        <c:dLbls>
+          <c:showLegendKey val="0"/>
+          <c:showVal val="0"/>
+          <c:showCatName val="0"/>
+          <c:showSerName val="0"/>
+          <c:showPercent val="0"/>
+          <c:showBubbleSize val="0"/>
+        </c:dLbls>
+        <c:gapWidth val="150"/>
+        <c:axId val="88154624"/>
+        <c:axId val="90487552"/>
+      </c:barChart>
+      <c:catAx>
+        <c:axId val="88154624"/>
+        <c:scaling>
+          <c:orientation val="minMax"/>
+        </c:scaling>
+        <c:delete val="0"/>
+        <c:axPos val="b"/>
+        <c:majorTickMark val="none"/>
+        <c:minorTickMark val="none"/>
+        <c:tickLblPos val="nextTo"/>
+        <c:crossAx val="90487552"/>
+        <c:crosses val="autoZero"/>
+        <c:auto val="1"/>
+        <c:lblAlgn val="ctr"/>
+        <c:lblOffset val="100"/>
+        <c:noMultiLvlLbl val="0"/>
+      </c:catAx>
+      <c:valAx>
+        <c:axId val="90487552"/>
+        <c:scaling>
+          <c:orientation val="minMax"/>
+        </c:scaling>
+        <c:delete val="0"/>
+        <c:axPos val="l"/>
+        <c:majorGridlines/>
+        <c:numFmt formatCode="General" sourceLinked="1"/>
+        <c:majorTickMark val="none"/>
+        <c:minorTickMark val="none"/>
+        <c:tickLblPos val="nextTo"/>
+        <c:crossAx val="88154624"/>
+        <c:crosses val="autoZero"/>
+        <c:crossBetween val="between"/>
+      </c:valAx>
+      <c:dTable>
+        <c:showHorzBorder val="1"/>
+        <c:showVertBorder val="1"/>
+        <c:showOutline val="1"/>
+        <c:showKeys val="1"/>
+      </c:dTable>
+    </c:plotArea>
+    <c:plotVisOnly val="1"/>
+    <c:dispBlanksAs val="gap"/>
+    <c:showDLblsOverMax val="0"/>
+  </c:chart>
+  <c:spPr>
+    <a:solidFill>
+      <a:schemeClr val="lt1"/>
+    </a:solidFill>
+    <a:ln w="19050" cap="flat" cmpd="sng" algn="ctr">
+      <a:solidFill>
+        <a:schemeClr val="accent5">
+          <a:shade val="75000"/>
+          <a:lumMod val="90000"/>
+        </a:schemeClr>
+      </a:solidFill>
+      <a:prstDash val="solid"/>
+    </a:ln>
+    <a:effectLst/>
+  </c:spPr>
+  <c:txPr>
+    <a:bodyPr/>
+    <a:lstStyle/>
+    <a:p>
+      <a:pPr>
+        <a:defRPr>
+          <a:solidFill>
+            <a:schemeClr val="dk1"/>
+          </a:solidFill>
+          <a:latin typeface="+mn-lt"/>
+          <a:ea typeface="+mn-ea"/>
+          <a:cs typeface="+mn-cs"/>
+        </a:defRPr>
+      </a:pPr>
+      <a:endParaRPr lang="ru-RU"/>
+    </a:p>
+  </c:txPr>
   <c:externalData r:id="rId1">
     <c:autoUpdate val="0"/>
   </c:externalData>
@@ -7035,15 +7742,7 @@
             <a:pPr algn="l"/>
             <a:r>
               <a:rPr lang="en-US" dirty="0" smtClean="0"/>
-              <a:t>Calculation </a:t>
-            </a:r>
-            <a:r>
-              <a:rPr lang="en-US" dirty="0" smtClean="0"/>
-              <a:t>of RSSI regarding to </a:t>
-            </a:r>
-            <a:r>
-              <a:rPr lang="en-US" dirty="0" smtClean="0"/>
-              <a:t>Distance</a:t>
+              <a:t>Calculation of RSSI regarding to Distance</a:t>
             </a:r>
           </a:p>
           <a:p>
@@ -7052,7 +7751,6 @@
               <a:rPr lang="en-US" dirty="0" smtClean="0"/>
               <a:t>Signal to Noise Ratio (SNR) – Packet Loss </a:t>
             </a:r>
-            <a:endParaRPr lang="en-US" dirty="0" smtClean="0"/>
           </a:p>
           <a:p>
             <a:r>
@@ -7347,36 +8045,15 @@
         <p:spPr/>
         <p:txBody>
           <a:bodyPr>
-            <a:normAutofit fontScale="92500"/>
+            <a:normAutofit/>
           </a:bodyPr>
           <a:lstStyle/>
           <a:p>
-            <a:pPr algn="l"/>
-            <a:r>
-              <a:rPr lang="en-US" strike="sngStrike" dirty="0" smtClean="0"/>
-              <a:t>Here insert graphs from wiki about standards</a:t>
-            </a:r>
-          </a:p>
-          <a:p>
-            <a:r>
-              <a:rPr lang="en-US" dirty="0">
-                <a:hlinkClick r:id="rId2"/>
-              </a:rPr>
-              <a:t>http://wiki.dhs01.com</a:t>
-            </a:r>
-            <a:r>
-              <a:rPr lang="en-US" dirty="0" smtClean="0">
-                <a:hlinkClick r:id="rId2"/>
-              </a:rPr>
-              <a:t>/</a:t>
-            </a:r>
-            <a:endParaRPr lang="en-US" dirty="0" smtClean="0"/>
-          </a:p>
-          <a:p>
             <a:r>
               <a:rPr lang="en-US" dirty="0" smtClean="0"/>
               <a:t>RSSI</a:t>
             </a:r>
+            <a:endParaRPr lang="en-US" dirty="0" smtClean="0"/>
           </a:p>
           <a:p>
             <a:endParaRPr lang="en-US" dirty="0"/>
@@ -7459,142 +8136,6 @@
 </file>
 
 <file path=ppt/slides/slide13.xml><?xml version="1.0" encoding="utf-8"?>
-<p:sld xmlns:a="http://schemas.openxmlformats.org/drawingml/2006/main" xmlns:r="http://schemas.openxmlformats.org/officeDocument/2006/relationships" xmlns:p="http://schemas.openxmlformats.org/presentationml/2006/main">
-  <p:cSld>
-    <p:spTree>
-      <p:nvGrpSpPr>
-        <p:cNvPr id="1" name=""/>
-        <p:cNvGrpSpPr/>
-        <p:nvPr/>
-      </p:nvGrpSpPr>
-      <p:grpSpPr>
-        <a:xfrm>
-          <a:off x="0" y="0"/>
-          <a:ext cx="0" cy="0"/>
-          <a:chOff x="0" y="0"/>
-          <a:chExt cx="0" cy="0"/>
-        </a:xfrm>
-      </p:grpSpPr>
-      <p:sp>
-        <p:nvSpPr>
-          <p:cNvPr id="2" name="Content Placeholder 1"/>
-          <p:cNvSpPr>
-            <a:spLocks noGrp="1"/>
-          </p:cNvSpPr>
-          <p:nvPr>
-            <p:ph idx="1"/>
-          </p:nvPr>
-        </p:nvSpPr>
-        <p:spPr/>
-        <p:txBody>
-          <a:bodyPr/>
-          <a:lstStyle/>
-          <a:p>
-            <a:pPr algn="l"/>
-            <a:endParaRPr lang="en-US" dirty="0"/>
-          </a:p>
-        </p:txBody>
-      </p:sp>
-      <p:sp>
-        <p:nvSpPr>
-          <p:cNvPr id="3" name="Title 2"/>
-          <p:cNvSpPr>
-            <a:spLocks noGrp="1"/>
-          </p:cNvSpPr>
-          <p:nvPr>
-            <p:ph type="title"/>
-          </p:nvPr>
-        </p:nvSpPr>
-        <p:spPr/>
-        <p:txBody>
-          <a:bodyPr/>
-          <a:lstStyle/>
-          <a:p>
-            <a:pPr rtl="1"/>
-            <a:r>
-              <a:rPr lang="en-US" dirty="0"/>
-              <a:t>Notable Functions / Algorithms </a:t>
-            </a:r>
-            <a:br>
-              <a:rPr lang="en-US" dirty="0"/>
-            </a:br>
-            <a:endParaRPr lang="en-US" dirty="0"/>
-          </a:p>
-        </p:txBody>
-      </p:sp>
-    </p:spTree>
-    <p:extLst>
-      <p:ext uri="{BB962C8B-B14F-4D97-AF65-F5344CB8AC3E}">
-        <p14:creationId xmlns:p14="http://schemas.microsoft.com/office/powerpoint/2010/main" val="1441071697"/>
-      </p:ext>
-    </p:extLst>
-  </p:cSld>
-  <p:clrMapOvr>
-    <a:masterClrMapping/>
-  </p:clrMapOvr>
-</p:sld>
-</file>
-
-<file path=ppt/slides/slide14.xml><?xml version="1.0" encoding="utf-8"?>
-<p:sld xmlns:a="http://schemas.openxmlformats.org/drawingml/2006/main" xmlns:r="http://schemas.openxmlformats.org/officeDocument/2006/relationships" xmlns:p="http://schemas.openxmlformats.org/presentationml/2006/main">
-  <p:cSld>
-    <p:spTree>
-      <p:nvGrpSpPr>
-        <p:cNvPr id="1" name=""/>
-        <p:cNvGrpSpPr/>
-        <p:nvPr/>
-      </p:nvGrpSpPr>
-      <p:grpSpPr>
-        <a:xfrm>
-          <a:off x="0" y="0"/>
-          <a:ext cx="0" cy="0"/>
-          <a:chOff x="0" y="0"/>
-          <a:chExt cx="0" cy="0"/>
-        </a:xfrm>
-      </p:grpSpPr>
-      <p:sp>
-        <p:nvSpPr>
-          <p:cNvPr id="5" name="Title 2"/>
-          <p:cNvSpPr>
-            <a:spLocks noGrp="1"/>
-          </p:cNvSpPr>
-          <p:nvPr>
-            <p:ph type="title"/>
-          </p:nvPr>
-        </p:nvSpPr>
-        <p:spPr>
-          <a:xfrm>
-            <a:off x="688490" y="570156"/>
-            <a:ext cx="7756263" cy="1054250"/>
-          </a:xfrm>
-        </p:spPr>
-        <p:txBody>
-          <a:bodyPr/>
-          <a:lstStyle/>
-          <a:p>
-            <a:pPr rtl="1"/>
-            <a:r>
-              <a:rPr lang="en-US" dirty="0" smtClean="0"/>
-              <a:t>Solved problems</a:t>
-            </a:r>
-            <a:endParaRPr lang="en-US" dirty="0"/>
-          </a:p>
-        </p:txBody>
-      </p:sp>
-    </p:spTree>
-    <p:extLst>
-      <p:ext uri="{BB962C8B-B14F-4D97-AF65-F5344CB8AC3E}">
-        <p14:creationId xmlns:p14="http://schemas.microsoft.com/office/powerpoint/2010/main" val="3287879999"/>
-      </p:ext>
-    </p:extLst>
-  </p:cSld>
-  <p:clrMapOvr>
-    <a:masterClrMapping/>
-  </p:clrMapOvr>
-</p:sld>
-</file>
-
-<file path=ppt/slides/slide15.xml><?xml version="1.0" encoding="utf-8"?>
 <p:sld xmlns:a="http://schemas.openxmlformats.org/drawingml/2006/main" xmlns:r="http://schemas.openxmlformats.org/officeDocument/2006/relationships" xmlns:p="http://schemas.openxmlformats.org/presentationml/2006/main">
   <p:cSld>
     <p:spTree>
@@ -7693,7 +8234,7 @@
 </p:sld>
 </file>
 
-<file path=ppt/slides/slide16.xml><?xml version="1.0" encoding="utf-8"?>
+<file path=ppt/slides/slide14.xml><?xml version="1.0" encoding="utf-8"?>
 <p:sld xmlns:a="http://schemas.openxmlformats.org/drawingml/2006/main" xmlns:r="http://schemas.openxmlformats.org/officeDocument/2006/relationships" xmlns:p="http://schemas.openxmlformats.org/presentationml/2006/main">
   <p:cSld>
     <p:spTree>
@@ -7797,7 +8338,7 @@
 </p:sld>
 </file>
 
-<file path=ppt/slides/slide17.xml><?xml version="1.0" encoding="utf-8"?>
+<file path=ppt/slides/slide15.xml><?xml version="1.0" encoding="utf-8"?>
 <p:sld xmlns:a="http://schemas.openxmlformats.org/drawingml/2006/main" xmlns:r="http://schemas.openxmlformats.org/officeDocument/2006/relationships" xmlns:p="http://schemas.openxmlformats.org/presentationml/2006/main">
   <p:cSld>
     <p:spTree>
@@ -7936,7 +8477,7 @@
 </p:sld>
 </file>
 
-<file path=ppt/slides/slide18.xml><?xml version="1.0" encoding="utf-8"?>
+<file path=ppt/slides/slide16.xml><?xml version="1.0" encoding="utf-8"?>
 <p:sld xmlns:a="http://schemas.openxmlformats.org/drawingml/2006/main" xmlns:r="http://schemas.openxmlformats.org/officeDocument/2006/relationships" xmlns:p="http://schemas.openxmlformats.org/presentationml/2006/main">
   <p:cSld>
     <p:spTree>
@@ -7995,7 +8536,7 @@
           <a:graphicData uri="http://schemas.openxmlformats.org/presentationml/2006/ole">
             <mc:AlternateContent xmlns:mc="http://schemas.openxmlformats.org/markup-compatibility/2006">
               <mc:Choice xmlns:v="urn:schemas-microsoft-com:vml" Requires="v">
-                <p:oleObj spid="_x0000_s3155" name="Visio" r:id="rId3" imgW="9147060" imgH="7289860" progId="Visio.Drawing.11">
+                <p:oleObj spid="_x0000_s3169" name="Visio" r:id="rId3" imgW="9147060" imgH="7289860" progId="Visio.Drawing.11">
                   <p:embed/>
                 </p:oleObj>
               </mc:Choice>
@@ -8050,7 +8591,7 @@
 </p:sld>
 </file>
 
-<file path=ppt/slides/slide19.xml><?xml version="1.0" encoding="utf-8"?>
+<file path=ppt/slides/slide17.xml><?xml version="1.0" encoding="utf-8"?>
 <p:sld xmlns:a="http://schemas.openxmlformats.org/drawingml/2006/main" xmlns:r="http://schemas.openxmlformats.org/officeDocument/2006/relationships" xmlns:p="http://schemas.openxmlformats.org/presentationml/2006/main">
   <p:cSld>
     <p:spTree>
@@ -8197,6 +8738,331 @@
     <p:extLst>
       <p:ext uri="{BB962C8B-B14F-4D97-AF65-F5344CB8AC3E}">
         <p14:creationId xmlns:p14="http://schemas.microsoft.com/office/powerpoint/2010/main" val="4158592302"/>
+      </p:ext>
+    </p:extLst>
+  </p:cSld>
+  <p:clrMapOvr>
+    <a:masterClrMapping/>
+  </p:clrMapOvr>
+  <p:timing>
+    <p:tnLst>
+      <p:par>
+        <p:cTn id="1" dur="indefinite" restart="never" nodeType="tmRoot"/>
+      </p:par>
+    </p:tnLst>
+  </p:timing>
+</p:sld>
+</file>
+
+<file path=ppt/slides/slide18.xml><?xml version="1.0" encoding="utf-8"?>
+<p:sld xmlns:a="http://schemas.openxmlformats.org/drawingml/2006/main" xmlns:r="http://schemas.openxmlformats.org/officeDocument/2006/relationships" xmlns:p="http://schemas.openxmlformats.org/presentationml/2006/main">
+  <p:cSld>
+    <p:spTree>
+      <p:nvGrpSpPr>
+        <p:cNvPr id="1" name=""/>
+        <p:cNvGrpSpPr/>
+        <p:nvPr/>
+      </p:nvGrpSpPr>
+      <p:grpSpPr>
+        <a:xfrm>
+          <a:off x="0" y="0"/>
+          <a:ext cx="0" cy="0"/>
+          <a:chOff x="0" y="0"/>
+          <a:chExt cx="0" cy="0"/>
+        </a:xfrm>
+      </p:grpSpPr>
+      <p:graphicFrame>
+        <p:nvGraphicFramePr>
+          <p:cNvPr id="6" name="Object 5"/>
+          <p:cNvGraphicFramePr>
+            <a:graphicFrameLocks noGrp="1" noChangeAspect="1"/>
+          </p:cNvGraphicFramePr>
+          <p:nvPr>
+            <p:extLst>
+              <p:ext uri="{D42A27DB-BD31-4B8C-83A1-F6EECF244321}">
+                <p14:modId xmlns:p14="http://schemas.microsoft.com/office/powerpoint/2010/main" val="2027050104"/>
+              </p:ext>
+            </p:extLst>
+          </p:nvPr>
+        </p:nvGraphicFramePr>
+        <p:xfrm>
+          <a:off x="7938" y="0"/>
+          <a:ext cx="9136062" cy="6877050"/>
+        </p:xfrm>
+        <a:graphic>
+          <a:graphicData uri="http://schemas.openxmlformats.org/presentationml/2006/ole">
+            <mc:AlternateContent xmlns:mc="http://schemas.openxmlformats.org/markup-compatibility/2006">
+              <mc:Choice xmlns:v="urn:schemas-microsoft-com:vml" Requires="v">
+                <p:oleObj spid="_x0000_s5149" name="Visio" r:id="rId3" imgW="10758690" imgH="7626560" progId="Visio.Drawing.11">
+                  <p:embed/>
+                </p:oleObj>
+              </mc:Choice>
+              <mc:Fallback>
+                <p:oleObj name="Visio" r:id="rId3" imgW="10758690" imgH="7626560" progId="Visio.Drawing.11">
+                  <p:embed/>
+                  <p:pic>
+                    <p:nvPicPr>
+                      <p:cNvPr id="0" name="Content Placeholder 3"/>
+                      <p:cNvPicPr>
+                        <a:picLocks noGrp="1" noChangeAspect="1" noChangeArrowheads="1"/>
+                      </p:cNvPicPr>
+                      <p:nvPr/>
+                    </p:nvPicPr>
+                    <p:blipFill>
+                      <a:blip r:embed="rId4">
+                        <a:extLst>
+                          <a:ext uri="{28A0092B-C50C-407E-A947-70E740481C1C}">
+                            <a14:useLocalDpi xmlns:a14="http://schemas.microsoft.com/office/drawing/2010/main" val="0"/>
+                          </a:ext>
+                        </a:extLst>
+                      </a:blip>
+                      <a:srcRect/>
+                      <a:stretch>
+                        <a:fillRect/>
+                      </a:stretch>
+                    </p:blipFill>
+                    <p:spPr bwMode="auto">
+                      <a:xfrm>
+                        <a:off x="7938" y="0"/>
+                        <a:ext cx="9136062" cy="6877050"/>
+                      </a:xfrm>
+                      <a:prstGeom prst="rect">
+                        <a:avLst/>
+                      </a:prstGeom>
+                      <a:noFill/>
+                      <a:ln>
+                        <a:noFill/>
+                      </a:ln>
+                    </p:spPr>
+                  </p:pic>
+                </p:oleObj>
+              </mc:Fallback>
+            </mc:AlternateContent>
+          </a:graphicData>
+        </a:graphic>
+      </p:graphicFrame>
+      <p:sp>
+        <p:nvSpPr>
+          <p:cNvPr id="2" name="Объект 1"/>
+          <p:cNvSpPr>
+            <a:spLocks noGrp="1"/>
+          </p:cNvSpPr>
+          <p:nvPr>
+            <p:ph idx="1"/>
+          </p:nvPr>
+        </p:nvSpPr>
+        <p:spPr>
+          <a:xfrm>
+            <a:off x="381000" y="1371600"/>
+            <a:ext cx="5181599" cy="4648200"/>
+          </a:xfrm>
+        </p:spPr>
+        <p:txBody>
+          <a:bodyPr/>
+          <a:lstStyle/>
+          <a:p>
+            <a:r>
+              <a:rPr lang="en-US" sz="2800" dirty="0" smtClean="0"/>
+              <a:t>Parameters</a:t>
+            </a:r>
+          </a:p>
+          <a:p>
+            <a:endParaRPr lang="en-US" dirty="0" smtClean="0"/>
+          </a:p>
+          <a:p>
+            <a:pPr lvl="1"/>
+            <a:r>
+              <a:rPr lang="en-US" dirty="0" smtClean="0"/>
+              <a:t>Cycle size (NUM of Packets)</a:t>
+            </a:r>
+          </a:p>
+          <a:p>
+            <a:pPr lvl="1"/>
+            <a:endParaRPr lang="en-US" dirty="0" smtClean="0"/>
+          </a:p>
+          <a:p>
+            <a:pPr lvl="1"/>
+            <a:r>
+              <a:rPr lang="en-US" dirty="0" smtClean="0"/>
+              <a:t>Window Size (Percent of Cycle)</a:t>
+            </a:r>
+          </a:p>
+          <a:p>
+            <a:pPr lvl="1"/>
+            <a:endParaRPr lang="en-US" dirty="0" smtClean="0"/>
+          </a:p>
+          <a:p>
+            <a:pPr lvl="1"/>
+            <a:r>
+              <a:rPr lang="en-US" dirty="0" smtClean="0"/>
+              <a:t>Window boundaries (MIN, MAX)</a:t>
+            </a:r>
+            <a:endParaRPr lang="ru-RU" dirty="0"/>
+          </a:p>
+        </p:txBody>
+      </p:sp>
+      <p:sp>
+        <p:nvSpPr>
+          <p:cNvPr id="3" name="Заголовок 2"/>
+          <p:cNvSpPr>
+            <a:spLocks noGrp="1"/>
+          </p:cNvSpPr>
+          <p:nvPr>
+            <p:ph type="title"/>
+          </p:nvPr>
+        </p:nvSpPr>
+        <p:spPr>
+          <a:xfrm>
+            <a:off x="285750" y="95250"/>
+            <a:ext cx="7756263" cy="1054250"/>
+          </a:xfrm>
+        </p:spPr>
+        <p:txBody>
+          <a:bodyPr/>
+          <a:lstStyle/>
+          <a:p>
+            <a:r>
+              <a:rPr lang="en-US" sz="4800" dirty="0"/>
+              <a:t>Window Based </a:t>
+            </a:r>
+            <a:r>
+              <a:rPr lang="en-US" sz="4800" dirty="0" smtClean="0"/>
+              <a:t>Algorithm</a:t>
+            </a:r>
+            <a:endParaRPr lang="ru-RU" dirty="0"/>
+          </a:p>
+        </p:txBody>
+      </p:sp>
+    </p:spTree>
+    <p:extLst>
+      <p:ext uri="{BB962C8B-B14F-4D97-AF65-F5344CB8AC3E}">
+        <p14:creationId xmlns:p14="http://schemas.microsoft.com/office/powerpoint/2010/main" val="3688157153"/>
+      </p:ext>
+    </p:extLst>
+  </p:cSld>
+  <p:clrMapOvr>
+    <a:masterClrMapping/>
+  </p:clrMapOvr>
+  <p:timing>
+    <p:tnLst>
+      <p:par>
+        <p:cTn id="1" dur="indefinite" restart="never" nodeType="tmRoot"/>
+      </p:par>
+    </p:tnLst>
+  </p:timing>
+</p:sld>
+</file>
+
+<file path=ppt/slides/slide19.xml><?xml version="1.0" encoding="utf-8"?>
+<p:sld xmlns:a="http://schemas.openxmlformats.org/drawingml/2006/main" xmlns:r="http://schemas.openxmlformats.org/officeDocument/2006/relationships" xmlns:p="http://schemas.openxmlformats.org/presentationml/2006/main">
+  <p:cSld>
+    <p:spTree>
+      <p:nvGrpSpPr>
+        <p:cNvPr id="1" name=""/>
+        <p:cNvGrpSpPr/>
+        <p:nvPr/>
+      </p:nvGrpSpPr>
+      <p:grpSpPr>
+        <a:xfrm>
+          <a:off x="0" y="0"/>
+          <a:ext cx="0" cy="0"/>
+          <a:chOff x="0" y="0"/>
+          <a:chExt cx="0" cy="0"/>
+        </a:xfrm>
+      </p:grpSpPr>
+      <p:graphicFrame>
+        <p:nvGraphicFramePr>
+          <p:cNvPr id="7" name="Object 6"/>
+          <p:cNvGraphicFramePr>
+            <a:graphicFrameLocks noChangeAspect="1"/>
+          </p:cNvGraphicFramePr>
+          <p:nvPr>
+            <p:extLst>
+              <p:ext uri="{D42A27DB-BD31-4B8C-83A1-F6EECF244321}">
+                <p14:modId xmlns:p14="http://schemas.microsoft.com/office/powerpoint/2010/main" val="1831266268"/>
+              </p:ext>
+            </p:extLst>
+          </p:nvPr>
+        </p:nvGraphicFramePr>
+        <p:xfrm>
+          <a:off x="0" y="-1"/>
+          <a:ext cx="9144000" cy="6858001"/>
+        </p:xfrm>
+        <a:graphic>
+          <a:graphicData uri="http://schemas.openxmlformats.org/presentationml/2006/ole">
+            <mc:AlternateContent xmlns:mc="http://schemas.openxmlformats.org/markup-compatibility/2006">
+              <mc:Choice xmlns:v="urn:schemas-microsoft-com:vml" Requires="v">
+                <p:oleObj spid="_x0000_s7191" name="Visio" r:id="rId3" imgW="10758690" imgH="7626560" progId="Visio.Drawing.11">
+                  <p:embed/>
+                </p:oleObj>
+              </mc:Choice>
+              <mc:Fallback>
+                <p:oleObj name="Visio" r:id="rId3" imgW="10758690" imgH="7626560" progId="Visio.Drawing.11">
+                  <p:embed/>
+                  <p:pic>
+                    <p:nvPicPr>
+                      <p:cNvPr id="0" name=""/>
+                      <p:cNvPicPr/>
+                      <p:nvPr/>
+                    </p:nvPicPr>
+                    <p:blipFill>
+                      <a:blip r:embed="rId4"/>
+                      <a:stretch>
+                        <a:fillRect/>
+                      </a:stretch>
+                    </p:blipFill>
+                    <p:spPr>
+                      <a:xfrm>
+                        <a:off x="0" y="-1"/>
+                        <a:ext cx="9144000" cy="6858001"/>
+                      </a:xfrm>
+                      <a:prstGeom prst="rect">
+                        <a:avLst/>
+                      </a:prstGeom>
+                    </p:spPr>
+                  </p:pic>
+                </p:oleObj>
+              </mc:Fallback>
+            </mc:AlternateContent>
+          </a:graphicData>
+        </a:graphic>
+      </p:graphicFrame>
+      <p:sp>
+        <p:nvSpPr>
+          <p:cNvPr id="3" name="Заголовок 2"/>
+          <p:cNvSpPr>
+            <a:spLocks noGrp="1"/>
+          </p:cNvSpPr>
+          <p:nvPr>
+            <p:ph type="title"/>
+          </p:nvPr>
+        </p:nvSpPr>
+        <p:spPr>
+          <a:xfrm>
+            <a:off x="285750" y="95250"/>
+            <a:ext cx="7756263" cy="1054250"/>
+          </a:xfrm>
+        </p:spPr>
+        <p:txBody>
+          <a:bodyPr/>
+          <a:lstStyle/>
+          <a:p>
+            <a:r>
+              <a:rPr lang="en-US" sz="4800" dirty="0"/>
+              <a:t>Window Based </a:t>
+            </a:r>
+            <a:r>
+              <a:rPr lang="en-US" sz="4800" dirty="0" smtClean="0"/>
+              <a:t>Algorithm</a:t>
+            </a:r>
+            <a:endParaRPr lang="ru-RU" dirty="0"/>
+          </a:p>
+        </p:txBody>
+      </p:sp>
+    </p:spTree>
+    <p:extLst>
+      <p:ext uri="{BB962C8B-B14F-4D97-AF65-F5344CB8AC3E}">
+        <p14:creationId xmlns:p14="http://schemas.microsoft.com/office/powerpoint/2010/main" val="2267959745"/>
       </p:ext>
     </p:extLst>
   </p:cSld>
@@ -8443,331 +9309,6 @@
       </p:grpSpPr>
       <p:graphicFrame>
         <p:nvGraphicFramePr>
-          <p:cNvPr id="6" name="Object 5"/>
-          <p:cNvGraphicFramePr>
-            <a:graphicFrameLocks noGrp="1" noChangeAspect="1"/>
-          </p:cNvGraphicFramePr>
-          <p:nvPr>
-            <p:extLst>
-              <p:ext uri="{D42A27DB-BD31-4B8C-83A1-F6EECF244321}">
-                <p14:modId xmlns:p14="http://schemas.microsoft.com/office/powerpoint/2010/main" val="2027050104"/>
-              </p:ext>
-            </p:extLst>
-          </p:nvPr>
-        </p:nvGraphicFramePr>
-        <p:xfrm>
-          <a:off x="7938" y="0"/>
-          <a:ext cx="9136062" cy="6877050"/>
-        </p:xfrm>
-        <a:graphic>
-          <a:graphicData uri="http://schemas.openxmlformats.org/presentationml/2006/ole">
-            <mc:AlternateContent xmlns:mc="http://schemas.openxmlformats.org/markup-compatibility/2006">
-              <mc:Choice xmlns:v="urn:schemas-microsoft-com:vml" Requires="v">
-                <p:oleObj spid="_x0000_s5135" name="Visio" r:id="rId3" imgW="10758690" imgH="7626560" progId="Visio.Drawing.11">
-                  <p:embed/>
-                </p:oleObj>
-              </mc:Choice>
-              <mc:Fallback>
-                <p:oleObj name="Visio" r:id="rId3" imgW="10758690" imgH="7626560" progId="Visio.Drawing.11">
-                  <p:embed/>
-                  <p:pic>
-                    <p:nvPicPr>
-                      <p:cNvPr id="0" name="Content Placeholder 3"/>
-                      <p:cNvPicPr>
-                        <a:picLocks noGrp="1" noChangeAspect="1" noChangeArrowheads="1"/>
-                      </p:cNvPicPr>
-                      <p:nvPr/>
-                    </p:nvPicPr>
-                    <p:blipFill>
-                      <a:blip r:embed="rId4">
-                        <a:extLst>
-                          <a:ext uri="{28A0092B-C50C-407E-A947-70E740481C1C}">
-                            <a14:useLocalDpi xmlns:a14="http://schemas.microsoft.com/office/drawing/2010/main" val="0"/>
-                          </a:ext>
-                        </a:extLst>
-                      </a:blip>
-                      <a:srcRect/>
-                      <a:stretch>
-                        <a:fillRect/>
-                      </a:stretch>
-                    </p:blipFill>
-                    <p:spPr bwMode="auto">
-                      <a:xfrm>
-                        <a:off x="7938" y="0"/>
-                        <a:ext cx="9136062" cy="6877050"/>
-                      </a:xfrm>
-                      <a:prstGeom prst="rect">
-                        <a:avLst/>
-                      </a:prstGeom>
-                      <a:noFill/>
-                      <a:ln>
-                        <a:noFill/>
-                      </a:ln>
-                    </p:spPr>
-                  </p:pic>
-                </p:oleObj>
-              </mc:Fallback>
-            </mc:AlternateContent>
-          </a:graphicData>
-        </a:graphic>
-      </p:graphicFrame>
-      <p:sp>
-        <p:nvSpPr>
-          <p:cNvPr id="2" name="Объект 1"/>
-          <p:cNvSpPr>
-            <a:spLocks noGrp="1"/>
-          </p:cNvSpPr>
-          <p:nvPr>
-            <p:ph idx="1"/>
-          </p:nvPr>
-        </p:nvSpPr>
-        <p:spPr>
-          <a:xfrm>
-            <a:off x="381000" y="1371600"/>
-            <a:ext cx="5181599" cy="4648200"/>
-          </a:xfrm>
-        </p:spPr>
-        <p:txBody>
-          <a:bodyPr/>
-          <a:lstStyle/>
-          <a:p>
-            <a:r>
-              <a:rPr lang="en-US" sz="2800" dirty="0" smtClean="0"/>
-              <a:t>Parameters</a:t>
-            </a:r>
-          </a:p>
-          <a:p>
-            <a:endParaRPr lang="en-US" dirty="0" smtClean="0"/>
-          </a:p>
-          <a:p>
-            <a:pPr lvl="1"/>
-            <a:r>
-              <a:rPr lang="en-US" dirty="0" smtClean="0"/>
-              <a:t>Cycle size (NUM of Packets)</a:t>
-            </a:r>
-          </a:p>
-          <a:p>
-            <a:pPr lvl="1"/>
-            <a:endParaRPr lang="en-US" dirty="0" smtClean="0"/>
-          </a:p>
-          <a:p>
-            <a:pPr lvl="1"/>
-            <a:r>
-              <a:rPr lang="en-US" dirty="0" smtClean="0"/>
-              <a:t>Window Size (Percent of Cycle)</a:t>
-            </a:r>
-          </a:p>
-          <a:p>
-            <a:pPr lvl="1"/>
-            <a:endParaRPr lang="en-US" dirty="0" smtClean="0"/>
-          </a:p>
-          <a:p>
-            <a:pPr lvl="1"/>
-            <a:r>
-              <a:rPr lang="en-US" dirty="0" smtClean="0"/>
-              <a:t>Window boundaries (MIN, MAX)</a:t>
-            </a:r>
-            <a:endParaRPr lang="ru-RU" dirty="0"/>
-          </a:p>
-        </p:txBody>
-      </p:sp>
-      <p:sp>
-        <p:nvSpPr>
-          <p:cNvPr id="3" name="Заголовок 2"/>
-          <p:cNvSpPr>
-            <a:spLocks noGrp="1"/>
-          </p:cNvSpPr>
-          <p:nvPr>
-            <p:ph type="title"/>
-          </p:nvPr>
-        </p:nvSpPr>
-        <p:spPr>
-          <a:xfrm>
-            <a:off x="285750" y="95250"/>
-            <a:ext cx="7756263" cy="1054250"/>
-          </a:xfrm>
-        </p:spPr>
-        <p:txBody>
-          <a:bodyPr/>
-          <a:lstStyle/>
-          <a:p>
-            <a:r>
-              <a:rPr lang="en-US" sz="4800" dirty="0"/>
-              <a:t>Window Based </a:t>
-            </a:r>
-            <a:r>
-              <a:rPr lang="en-US" sz="4800" dirty="0" smtClean="0"/>
-              <a:t>Algorithm</a:t>
-            </a:r>
-            <a:endParaRPr lang="ru-RU" dirty="0"/>
-          </a:p>
-        </p:txBody>
-      </p:sp>
-    </p:spTree>
-    <p:extLst>
-      <p:ext uri="{BB962C8B-B14F-4D97-AF65-F5344CB8AC3E}">
-        <p14:creationId xmlns:p14="http://schemas.microsoft.com/office/powerpoint/2010/main" val="3688157153"/>
-      </p:ext>
-    </p:extLst>
-  </p:cSld>
-  <p:clrMapOvr>
-    <a:masterClrMapping/>
-  </p:clrMapOvr>
-  <p:timing>
-    <p:tnLst>
-      <p:par>
-        <p:cTn id="1" dur="indefinite" restart="never" nodeType="tmRoot"/>
-      </p:par>
-    </p:tnLst>
-  </p:timing>
-</p:sld>
-</file>
-
-<file path=ppt/slides/slide21.xml><?xml version="1.0" encoding="utf-8"?>
-<p:sld xmlns:a="http://schemas.openxmlformats.org/drawingml/2006/main" xmlns:r="http://schemas.openxmlformats.org/officeDocument/2006/relationships" xmlns:p="http://schemas.openxmlformats.org/presentationml/2006/main">
-  <p:cSld>
-    <p:spTree>
-      <p:nvGrpSpPr>
-        <p:cNvPr id="1" name=""/>
-        <p:cNvGrpSpPr/>
-        <p:nvPr/>
-      </p:nvGrpSpPr>
-      <p:grpSpPr>
-        <a:xfrm>
-          <a:off x="0" y="0"/>
-          <a:ext cx="0" cy="0"/>
-          <a:chOff x="0" y="0"/>
-          <a:chExt cx="0" cy="0"/>
-        </a:xfrm>
-      </p:grpSpPr>
-      <p:graphicFrame>
-        <p:nvGraphicFramePr>
-          <p:cNvPr id="7" name="Object 6"/>
-          <p:cNvGraphicFramePr>
-            <a:graphicFrameLocks noChangeAspect="1"/>
-          </p:cNvGraphicFramePr>
-          <p:nvPr>
-            <p:extLst>
-              <p:ext uri="{D42A27DB-BD31-4B8C-83A1-F6EECF244321}">
-                <p14:modId xmlns:p14="http://schemas.microsoft.com/office/powerpoint/2010/main" val="1831266268"/>
-              </p:ext>
-            </p:extLst>
-          </p:nvPr>
-        </p:nvGraphicFramePr>
-        <p:xfrm>
-          <a:off x="0" y="-1"/>
-          <a:ext cx="9144000" cy="6858001"/>
-        </p:xfrm>
-        <a:graphic>
-          <a:graphicData uri="http://schemas.openxmlformats.org/presentationml/2006/ole">
-            <mc:AlternateContent xmlns:mc="http://schemas.openxmlformats.org/markup-compatibility/2006">
-              <mc:Choice xmlns:v="urn:schemas-microsoft-com:vml" Requires="v">
-                <p:oleObj spid="_x0000_s7177" name="Visio" r:id="rId3" imgW="10758690" imgH="7626560" progId="Visio.Drawing.11">
-                  <p:embed/>
-                </p:oleObj>
-              </mc:Choice>
-              <mc:Fallback>
-                <p:oleObj name="Visio" r:id="rId3" imgW="10758690" imgH="7626560" progId="Visio.Drawing.11">
-                  <p:embed/>
-                  <p:pic>
-                    <p:nvPicPr>
-                      <p:cNvPr id="0" name=""/>
-                      <p:cNvPicPr/>
-                      <p:nvPr/>
-                    </p:nvPicPr>
-                    <p:blipFill>
-                      <a:blip r:embed="rId4"/>
-                      <a:stretch>
-                        <a:fillRect/>
-                      </a:stretch>
-                    </p:blipFill>
-                    <p:spPr>
-                      <a:xfrm>
-                        <a:off x="0" y="-1"/>
-                        <a:ext cx="9144000" cy="6858001"/>
-                      </a:xfrm>
-                      <a:prstGeom prst="rect">
-                        <a:avLst/>
-                      </a:prstGeom>
-                    </p:spPr>
-                  </p:pic>
-                </p:oleObj>
-              </mc:Fallback>
-            </mc:AlternateContent>
-          </a:graphicData>
-        </a:graphic>
-      </p:graphicFrame>
-      <p:sp>
-        <p:nvSpPr>
-          <p:cNvPr id="3" name="Заголовок 2"/>
-          <p:cNvSpPr>
-            <a:spLocks noGrp="1"/>
-          </p:cNvSpPr>
-          <p:nvPr>
-            <p:ph type="title"/>
-          </p:nvPr>
-        </p:nvSpPr>
-        <p:spPr>
-          <a:xfrm>
-            <a:off x="285750" y="95250"/>
-            <a:ext cx="7756263" cy="1054250"/>
-          </a:xfrm>
-        </p:spPr>
-        <p:txBody>
-          <a:bodyPr/>
-          <a:lstStyle/>
-          <a:p>
-            <a:r>
-              <a:rPr lang="en-US" sz="4800" dirty="0"/>
-              <a:t>Window Based </a:t>
-            </a:r>
-            <a:r>
-              <a:rPr lang="en-US" sz="4800" dirty="0" smtClean="0"/>
-              <a:t>Algorithm</a:t>
-            </a:r>
-            <a:endParaRPr lang="ru-RU" dirty="0"/>
-          </a:p>
-        </p:txBody>
-      </p:sp>
-    </p:spTree>
-    <p:extLst>
-      <p:ext uri="{BB962C8B-B14F-4D97-AF65-F5344CB8AC3E}">
-        <p14:creationId xmlns:p14="http://schemas.microsoft.com/office/powerpoint/2010/main" val="2267959745"/>
-      </p:ext>
-    </p:extLst>
-  </p:cSld>
-  <p:clrMapOvr>
-    <a:masterClrMapping/>
-  </p:clrMapOvr>
-  <p:timing>
-    <p:tnLst>
-      <p:par>
-        <p:cTn id="1" dur="indefinite" restart="never" nodeType="tmRoot"/>
-      </p:par>
-    </p:tnLst>
-  </p:timing>
-</p:sld>
-</file>
-
-<file path=ppt/slides/slide22.xml><?xml version="1.0" encoding="utf-8"?>
-<p:sld xmlns:a="http://schemas.openxmlformats.org/drawingml/2006/main" xmlns:r="http://schemas.openxmlformats.org/officeDocument/2006/relationships" xmlns:p="http://schemas.openxmlformats.org/presentationml/2006/main">
-  <p:cSld>
-    <p:spTree>
-      <p:nvGrpSpPr>
-        <p:cNvPr id="1" name=""/>
-        <p:cNvGrpSpPr/>
-        <p:nvPr/>
-      </p:nvGrpSpPr>
-      <p:grpSpPr>
-        <a:xfrm>
-          <a:off x="0" y="0"/>
-          <a:ext cx="0" cy="0"/>
-          <a:chOff x="0" y="0"/>
-          <a:chExt cx="0" cy="0"/>
-        </a:xfrm>
-      </p:grpSpPr>
-      <p:graphicFrame>
-        <p:nvGraphicFramePr>
           <p:cNvPr id="5" name="Object 4"/>
           <p:cNvGraphicFramePr>
             <a:graphicFrameLocks noChangeAspect="1"/>
@@ -8788,7 +9329,7 @@
           <a:graphicData uri="http://schemas.openxmlformats.org/presentationml/2006/ole">
             <mc:AlternateContent xmlns:mc="http://schemas.openxmlformats.org/markup-compatibility/2006">
               <mc:Choice xmlns:v="urn:schemas-microsoft-com:vml" Requires="v">
-                <p:oleObj spid="_x0000_s8201" name="Visio" r:id="rId3" imgW="10758690" imgH="7626560" progId="Visio.Drawing.11">
+                <p:oleObj spid="_x0000_s8215" name="Visio" r:id="rId3" imgW="10758690" imgH="7626560" progId="Visio.Drawing.11">
                   <p:embed/>
                 </p:oleObj>
               </mc:Choice>
@@ -8875,7 +9416,7 @@
 </p:sld>
 </file>
 
-<file path=ppt/slides/slide23.xml><?xml version="1.0" encoding="utf-8"?>
+<file path=ppt/slides/slide21.xml><?xml version="1.0" encoding="utf-8"?>
 <p:sld xmlns:a="http://schemas.openxmlformats.org/drawingml/2006/main" xmlns:r="http://schemas.openxmlformats.org/officeDocument/2006/relationships" xmlns:p="http://schemas.openxmlformats.org/presentationml/2006/main">
   <p:cSld>
     <p:spTree>
@@ -8935,7 +9476,7 @@
           <a:graphicData uri="http://schemas.openxmlformats.org/presentationml/2006/ole">
             <mc:AlternateContent xmlns:mc="http://schemas.openxmlformats.org/markup-compatibility/2006">
               <mc:Choice xmlns:v="urn:schemas-microsoft-com:vml" Requires="v">
-                <p:oleObj spid="_x0000_s2133" name="Visio" r:id="rId3" imgW="9147060" imgH="7289860" progId="Visio.Drawing.11">
+                <p:oleObj spid="_x0000_s2147" name="Visio" r:id="rId3" imgW="9147060" imgH="7289860" progId="Visio.Drawing.11">
                   <p:embed/>
                 </p:oleObj>
               </mc:Choice>
@@ -8990,7 +9531,7 @@
 </p:sld>
 </file>
 
-<file path=ppt/slides/slide24.xml><?xml version="1.0" encoding="utf-8"?>
+<file path=ppt/slides/slide22.xml><?xml version="1.0" encoding="utf-8"?>
 <p:sld xmlns:a="http://schemas.openxmlformats.org/drawingml/2006/main" xmlns:r="http://schemas.openxmlformats.org/officeDocument/2006/relationships" xmlns:p="http://schemas.openxmlformats.org/presentationml/2006/main">
   <p:cSld>
     <p:spTree>
@@ -9150,7 +9691,7 @@
 </p:sld>
 </file>
 
-<file path=ppt/slides/slide25.xml><?xml version="1.0" encoding="utf-8"?>
+<file path=ppt/slides/slide23.xml><?xml version="1.0" encoding="utf-8"?>
 <p:sld xmlns:a="http://schemas.openxmlformats.org/drawingml/2006/main" xmlns:r="http://schemas.openxmlformats.org/officeDocument/2006/relationships" xmlns:p="http://schemas.openxmlformats.org/presentationml/2006/main">
   <p:cSld>
     <p:spTree>
@@ -9235,7 +9776,7 @@
 </p:sld>
 </file>
 
-<file path=ppt/slides/slide26.xml><?xml version="1.0" encoding="utf-8"?>
+<file path=ppt/slides/slide24.xml><?xml version="1.0" encoding="utf-8"?>
 <p:sld xmlns:a="http://schemas.openxmlformats.org/drawingml/2006/main" xmlns:r="http://schemas.openxmlformats.org/officeDocument/2006/relationships" xmlns:p="http://schemas.openxmlformats.org/presentationml/2006/main">
   <p:cSld>
     <p:spTree>
@@ -9337,7 +9878,7 @@
 </p:sld>
 </file>
 
-<file path=ppt/slides/slide27.xml><?xml version="1.0" encoding="utf-8"?>
+<file path=ppt/slides/slide25.xml><?xml version="1.0" encoding="utf-8"?>
 <p:sld xmlns:a="http://schemas.openxmlformats.org/drawingml/2006/main" xmlns:r="http://schemas.openxmlformats.org/officeDocument/2006/relationships" xmlns:p="http://schemas.openxmlformats.org/presentationml/2006/main">
   <p:cSld>
     <p:spTree>
@@ -9439,7 +9980,7 @@
 </p:sld>
 </file>
 
-<file path=ppt/slides/slide28.xml><?xml version="1.0" encoding="utf-8"?>
+<file path=ppt/slides/slide26.xml><?xml version="1.0" encoding="utf-8"?>
 <p:sld xmlns:a="http://schemas.openxmlformats.org/drawingml/2006/main" xmlns:r="http://schemas.openxmlformats.org/officeDocument/2006/relationships" xmlns:p="http://schemas.openxmlformats.org/presentationml/2006/main">
   <p:cSld>
     <p:spTree>
@@ -9541,7 +10082,7 @@
 </p:sld>
 </file>
 
-<file path=ppt/slides/slide29.xml><?xml version="1.0" encoding="utf-8"?>
+<file path=ppt/slides/slide27.xml><?xml version="1.0" encoding="utf-8"?>
 <p:sld xmlns:a="http://schemas.openxmlformats.org/drawingml/2006/main" xmlns:r="http://schemas.openxmlformats.org/officeDocument/2006/relationships" xmlns:p="http://schemas.openxmlformats.org/presentationml/2006/main">
   <p:cSld>
     <p:spTree>
@@ -9643,6 +10184,1079 @@
 </p:sld>
 </file>
 
+<file path=ppt/slides/slide28.xml><?xml version="1.0" encoding="utf-8"?>
+<p:sld xmlns:a="http://schemas.openxmlformats.org/drawingml/2006/main" xmlns:r="http://schemas.openxmlformats.org/officeDocument/2006/relationships" xmlns:p="http://schemas.openxmlformats.org/presentationml/2006/main">
+  <p:cSld>
+    <p:spTree>
+      <p:nvGrpSpPr>
+        <p:cNvPr id="1" name=""/>
+        <p:cNvGrpSpPr/>
+        <p:nvPr/>
+      </p:nvGrpSpPr>
+      <p:grpSpPr>
+        <a:xfrm>
+          <a:off x="0" y="0"/>
+          <a:ext cx="0" cy="0"/>
+          <a:chOff x="0" y="0"/>
+          <a:chExt cx="0" cy="0"/>
+        </a:xfrm>
+      </p:grpSpPr>
+      <p:sp>
+        <p:nvSpPr>
+          <p:cNvPr id="2" name="Content Placeholder 1"/>
+          <p:cNvSpPr>
+            <a:spLocks noGrp="1"/>
+          </p:cNvSpPr>
+          <p:nvPr>
+            <p:ph idx="1"/>
+          </p:nvPr>
+        </p:nvSpPr>
+        <p:spPr/>
+        <p:txBody>
+          <a:bodyPr/>
+          <a:lstStyle/>
+          <a:p>
+            <a:pPr marL="0" indent="0" algn="l">
+              <a:buNone/>
+            </a:pPr>
+            <a:r>
+              <a:rPr lang="en-US" dirty="0" smtClean="0"/>
+              <a:t>BSS better</a:t>
+            </a:r>
+          </a:p>
+          <a:p>
+            <a:pPr algn="l"/>
+            <a:endParaRPr lang="en-US" dirty="0"/>
+          </a:p>
+        </p:txBody>
+      </p:sp>
+      <p:sp>
+        <p:nvSpPr>
+          <p:cNvPr id="3" name="Title 2"/>
+          <p:cNvSpPr>
+            <a:spLocks noGrp="1"/>
+          </p:cNvSpPr>
+          <p:nvPr>
+            <p:ph type="title"/>
+          </p:nvPr>
+        </p:nvSpPr>
+        <p:spPr/>
+        <p:txBody>
+          <a:bodyPr/>
+          <a:lstStyle/>
+          <a:p>
+            <a:pPr rtl="1"/>
+            <a:r>
+              <a:rPr lang="en-US" dirty="0"/>
+              <a:t>Conclusions </a:t>
+            </a:r>
+            <a:br>
+              <a:rPr lang="en-US" dirty="0"/>
+            </a:br>
+            <a:endParaRPr lang="en-US" dirty="0"/>
+          </a:p>
+        </p:txBody>
+      </p:sp>
+      <p:graphicFrame>
+        <p:nvGraphicFramePr>
+          <p:cNvPr id="5" name="Таблица 4"/>
+          <p:cNvGraphicFramePr>
+            <a:graphicFrameLocks noGrp="1"/>
+          </p:cNvGraphicFramePr>
+          <p:nvPr>
+            <p:extLst>
+              <p:ext uri="{D42A27DB-BD31-4B8C-83A1-F6EECF244321}">
+                <p14:modId xmlns:p14="http://schemas.microsoft.com/office/powerpoint/2010/main" val="3293380053"/>
+              </p:ext>
+            </p:extLst>
+          </p:nvPr>
+        </p:nvGraphicFramePr>
+        <p:xfrm>
+          <a:off x="2971800" y="2514599"/>
+          <a:ext cx="5410200" cy="1371601"/>
+        </p:xfrm>
+        <a:graphic>
+          <a:graphicData uri="http://schemas.openxmlformats.org/drawingml/2006/table">
+            <a:tbl>
+              <a:tblPr firstRow="1" bandRow="1">
+                <a:tableStyleId>{16D9F66E-5EB9-4882-86FB-DCBF35E3C3E4}</a:tableStyleId>
+              </a:tblPr>
+              <a:tblGrid>
+                <a:gridCol w="1352550"/>
+                <a:gridCol w="1352550"/>
+                <a:gridCol w="1352550"/>
+                <a:gridCol w="1352550"/>
+              </a:tblGrid>
+              <a:tr h="363547">
+                <a:tc>
+                  <a:txBody>
+                    <a:bodyPr/>
+                    <a:lstStyle/>
+                    <a:p>
+                      <a:pPr algn="l" fontAlgn="b"/>
+                      <a:r>
+                        <a:rPr lang="en-US" sz="1100" u="none" strike="noStrike" dirty="0" smtClean="0">
+                          <a:effectLst/>
+                        </a:rPr>
+                        <a:t>Distance</a:t>
+                      </a:r>
+                      <a:r>
+                        <a:rPr lang="ru-RU" sz="1100" u="none" strike="noStrike" dirty="0">
+                          <a:effectLst/>
+                        </a:rPr>
+                        <a:t> </a:t>
+                      </a:r>
+                      <a:endParaRPr lang="ru-RU" sz="1100" b="0" i="0" u="none" strike="noStrike" dirty="0">
+                        <a:solidFill>
+                          <a:srgbClr val="000000"/>
+                        </a:solidFill>
+                        <a:effectLst/>
+                        <a:latin typeface="Calibri"/>
+                      </a:endParaRPr>
+                    </a:p>
+                  </a:txBody>
+                  <a:tcPr marL="9525" marR="9525" marT="9525" marB="0" anchor="b"/>
+                </a:tc>
+                <a:tc>
+                  <a:txBody>
+                    <a:bodyPr/>
+                    <a:lstStyle/>
+                    <a:p>
+                      <a:pPr algn="l" fontAlgn="b"/>
+                      <a:r>
+                        <a:rPr lang="en-US" sz="1100" u="none" strike="noStrike">
+                          <a:effectLst/>
+                        </a:rPr>
+                        <a:t>AP</a:t>
+                      </a:r>
+                      <a:endParaRPr lang="en-US" sz="1100" b="0" i="0" u="none" strike="noStrike">
+                        <a:solidFill>
+                          <a:srgbClr val="000000"/>
+                        </a:solidFill>
+                        <a:effectLst/>
+                        <a:latin typeface="Calibri"/>
+                      </a:endParaRPr>
+                    </a:p>
+                  </a:txBody>
+                  <a:tcPr marL="9525" marR="9525" marT="9525" marB="0" anchor="b"/>
+                </a:tc>
+                <a:tc>
+                  <a:txBody>
+                    <a:bodyPr/>
+                    <a:lstStyle/>
+                    <a:p>
+                      <a:pPr algn="l" fontAlgn="b"/>
+                      <a:r>
+                        <a:rPr lang="en-US" sz="1100" u="none" strike="noStrike" dirty="0">
+                          <a:effectLst/>
+                        </a:rPr>
+                        <a:t>STA 1</a:t>
+                      </a:r>
+                      <a:endParaRPr lang="en-US" sz="1100" b="0" i="0" u="none" strike="noStrike" dirty="0">
+                        <a:solidFill>
+                          <a:srgbClr val="000000"/>
+                        </a:solidFill>
+                        <a:effectLst/>
+                        <a:latin typeface="Calibri"/>
+                      </a:endParaRPr>
+                    </a:p>
+                  </a:txBody>
+                  <a:tcPr marL="9525" marR="9525" marT="9525" marB="0" anchor="b"/>
+                </a:tc>
+                <a:tc>
+                  <a:txBody>
+                    <a:bodyPr/>
+                    <a:lstStyle/>
+                    <a:p>
+                      <a:pPr algn="l" fontAlgn="b"/>
+                      <a:r>
+                        <a:rPr lang="en-US" sz="1100" u="none" strike="noStrike" dirty="0">
+                          <a:effectLst/>
+                        </a:rPr>
+                        <a:t>STA 2</a:t>
+                      </a:r>
+                      <a:endParaRPr lang="en-US" sz="1100" b="0" i="0" u="none" strike="noStrike" dirty="0">
+                        <a:solidFill>
+                          <a:srgbClr val="000000"/>
+                        </a:solidFill>
+                        <a:effectLst/>
+                        <a:latin typeface="Calibri"/>
+                      </a:endParaRPr>
+                    </a:p>
+                  </a:txBody>
+                  <a:tcPr marL="9525" marR="9525" marT="9525" marB="0" anchor="b"/>
+                </a:tc>
+              </a:tr>
+              <a:tr h="336018">
+                <a:tc>
+                  <a:txBody>
+                    <a:bodyPr/>
+                    <a:lstStyle/>
+                    <a:p>
+                      <a:pPr algn="l" fontAlgn="b"/>
+                      <a:r>
+                        <a:rPr lang="en-US" sz="1100" u="none" strike="noStrike" dirty="0">
+                          <a:effectLst/>
+                        </a:rPr>
+                        <a:t>AP</a:t>
+                      </a:r>
+                      <a:endParaRPr lang="en-US" sz="1100" b="0" i="0" u="none" strike="noStrike" dirty="0">
+                        <a:solidFill>
+                          <a:srgbClr val="000000"/>
+                        </a:solidFill>
+                        <a:effectLst/>
+                        <a:latin typeface="Calibri"/>
+                      </a:endParaRPr>
+                    </a:p>
+                  </a:txBody>
+                  <a:tcPr marL="9525" marR="9525" marT="9525" marB="0" anchor="b"/>
+                </a:tc>
+                <a:tc>
+                  <a:txBody>
+                    <a:bodyPr/>
+                    <a:lstStyle/>
+                    <a:p>
+                      <a:pPr algn="r" fontAlgn="b"/>
+                      <a:r>
+                        <a:rPr lang="ru-RU" sz="1100" u="none" strike="noStrike">
+                          <a:effectLst/>
+                        </a:rPr>
+                        <a:t>0</a:t>
+                      </a:r>
+                      <a:endParaRPr lang="ru-RU" sz="1100" b="0" i="0" u="none" strike="noStrike">
+                        <a:solidFill>
+                          <a:srgbClr val="000000"/>
+                        </a:solidFill>
+                        <a:effectLst/>
+                        <a:latin typeface="Calibri"/>
+                      </a:endParaRPr>
+                    </a:p>
+                  </a:txBody>
+                  <a:tcPr marL="9525" marR="9525" marT="9525" marB="0" anchor="b"/>
+                </a:tc>
+                <a:tc>
+                  <a:txBody>
+                    <a:bodyPr/>
+                    <a:lstStyle/>
+                    <a:p>
+                      <a:pPr algn="r" fontAlgn="b"/>
+                      <a:r>
+                        <a:rPr lang="ru-RU" sz="1100" u="none" strike="noStrike" dirty="0">
+                          <a:effectLst/>
+                        </a:rPr>
+                        <a:t>50</a:t>
+                      </a:r>
+                      <a:endParaRPr lang="ru-RU" sz="1100" b="0" i="0" u="none" strike="noStrike" dirty="0">
+                        <a:solidFill>
+                          <a:srgbClr val="000000"/>
+                        </a:solidFill>
+                        <a:effectLst/>
+                        <a:latin typeface="Calibri"/>
+                      </a:endParaRPr>
+                    </a:p>
+                  </a:txBody>
+                  <a:tcPr marL="9525" marR="9525" marT="9525" marB="0" anchor="b"/>
+                </a:tc>
+                <a:tc>
+                  <a:txBody>
+                    <a:bodyPr/>
+                    <a:lstStyle/>
+                    <a:p>
+                      <a:pPr algn="r" fontAlgn="b"/>
+                      <a:r>
+                        <a:rPr lang="ru-RU" sz="1100" u="none" strike="noStrike">
+                          <a:effectLst/>
+                        </a:rPr>
+                        <a:t>55</a:t>
+                      </a:r>
+                      <a:endParaRPr lang="ru-RU" sz="1100" b="0" i="0" u="none" strike="noStrike">
+                        <a:solidFill>
+                          <a:srgbClr val="000000"/>
+                        </a:solidFill>
+                        <a:effectLst/>
+                        <a:latin typeface="Calibri"/>
+                      </a:endParaRPr>
+                    </a:p>
+                  </a:txBody>
+                  <a:tcPr marL="9525" marR="9525" marT="9525" marB="0" anchor="b"/>
+                </a:tc>
+              </a:tr>
+              <a:tr h="336018">
+                <a:tc>
+                  <a:txBody>
+                    <a:bodyPr/>
+                    <a:lstStyle/>
+                    <a:p>
+                      <a:pPr algn="l" fontAlgn="b"/>
+                      <a:r>
+                        <a:rPr lang="en-US" sz="1100" u="none" strike="noStrike">
+                          <a:effectLst/>
+                        </a:rPr>
+                        <a:t>STA 1</a:t>
+                      </a:r>
+                      <a:endParaRPr lang="en-US" sz="1100" b="0" i="0" u="none" strike="noStrike">
+                        <a:solidFill>
+                          <a:srgbClr val="000000"/>
+                        </a:solidFill>
+                        <a:effectLst/>
+                        <a:latin typeface="Calibri"/>
+                      </a:endParaRPr>
+                    </a:p>
+                  </a:txBody>
+                  <a:tcPr marL="9525" marR="9525" marT="9525" marB="0" anchor="b"/>
+                </a:tc>
+                <a:tc>
+                  <a:txBody>
+                    <a:bodyPr/>
+                    <a:lstStyle/>
+                    <a:p>
+                      <a:pPr algn="r" fontAlgn="b"/>
+                      <a:r>
+                        <a:rPr lang="ru-RU" sz="1100" b="1" u="none" strike="noStrike" dirty="0">
+                          <a:effectLst/>
+                        </a:rPr>
+                        <a:t>50</a:t>
+                      </a:r>
+                      <a:endParaRPr lang="ru-RU" sz="1100" b="1" i="0" u="none" strike="noStrike" dirty="0">
+                        <a:solidFill>
+                          <a:srgbClr val="000000"/>
+                        </a:solidFill>
+                        <a:effectLst/>
+                        <a:latin typeface="Calibri"/>
+                      </a:endParaRPr>
+                    </a:p>
+                  </a:txBody>
+                  <a:tcPr marL="9525" marR="9525" marT="9525" marB="0" anchor="b"/>
+                </a:tc>
+                <a:tc>
+                  <a:txBody>
+                    <a:bodyPr/>
+                    <a:lstStyle/>
+                    <a:p>
+                      <a:pPr algn="r" fontAlgn="b"/>
+                      <a:r>
+                        <a:rPr lang="ru-RU" sz="1100" u="none" strike="noStrike">
+                          <a:effectLst/>
+                        </a:rPr>
+                        <a:t>0</a:t>
+                      </a:r>
+                      <a:endParaRPr lang="ru-RU" sz="1100" b="0" i="0" u="none" strike="noStrike">
+                        <a:solidFill>
+                          <a:srgbClr val="000000"/>
+                        </a:solidFill>
+                        <a:effectLst/>
+                        <a:latin typeface="Calibri"/>
+                      </a:endParaRPr>
+                    </a:p>
+                  </a:txBody>
+                  <a:tcPr marL="9525" marR="9525" marT="9525" marB="0" anchor="b"/>
+                </a:tc>
+                <a:tc>
+                  <a:txBody>
+                    <a:bodyPr/>
+                    <a:lstStyle/>
+                    <a:p>
+                      <a:pPr algn="r" fontAlgn="b"/>
+                      <a:r>
+                        <a:rPr lang="ru-RU" sz="1100" u="none" strike="noStrike">
+                          <a:effectLst/>
+                        </a:rPr>
+                        <a:t>80</a:t>
+                      </a:r>
+                      <a:endParaRPr lang="ru-RU" sz="1100" b="0" i="0" u="none" strike="noStrike">
+                        <a:solidFill>
+                          <a:srgbClr val="000000"/>
+                        </a:solidFill>
+                        <a:effectLst/>
+                        <a:latin typeface="Calibri"/>
+                      </a:endParaRPr>
+                    </a:p>
+                  </a:txBody>
+                  <a:tcPr marL="9525" marR="9525" marT="9525" marB="0" anchor="b"/>
+                </a:tc>
+              </a:tr>
+              <a:tr h="336018">
+                <a:tc>
+                  <a:txBody>
+                    <a:bodyPr/>
+                    <a:lstStyle/>
+                    <a:p>
+                      <a:pPr algn="l" fontAlgn="b"/>
+                      <a:r>
+                        <a:rPr lang="en-US" sz="1100" u="none" strike="noStrike">
+                          <a:effectLst/>
+                        </a:rPr>
+                        <a:t>STA 2</a:t>
+                      </a:r>
+                      <a:endParaRPr lang="en-US" sz="1100" b="0" i="0" u="none" strike="noStrike">
+                        <a:solidFill>
+                          <a:srgbClr val="000000"/>
+                        </a:solidFill>
+                        <a:effectLst/>
+                        <a:latin typeface="Calibri"/>
+                      </a:endParaRPr>
+                    </a:p>
+                  </a:txBody>
+                  <a:tcPr marL="9525" marR="9525" marT="9525" marB="0" anchor="b"/>
+                </a:tc>
+                <a:tc>
+                  <a:txBody>
+                    <a:bodyPr/>
+                    <a:lstStyle/>
+                    <a:p>
+                      <a:pPr algn="r" fontAlgn="b"/>
+                      <a:r>
+                        <a:rPr lang="ru-RU" sz="1100" b="1" u="none" strike="noStrike" dirty="0">
+                          <a:effectLst/>
+                        </a:rPr>
+                        <a:t>55</a:t>
+                      </a:r>
+                      <a:endParaRPr lang="ru-RU" sz="1100" b="1" i="0" u="none" strike="noStrike" dirty="0">
+                        <a:solidFill>
+                          <a:srgbClr val="000000"/>
+                        </a:solidFill>
+                        <a:effectLst/>
+                        <a:latin typeface="Calibri"/>
+                      </a:endParaRPr>
+                    </a:p>
+                  </a:txBody>
+                  <a:tcPr marL="9525" marR="9525" marT="9525" marB="0" anchor="b"/>
+                </a:tc>
+                <a:tc>
+                  <a:txBody>
+                    <a:bodyPr/>
+                    <a:lstStyle/>
+                    <a:p>
+                      <a:pPr algn="r" fontAlgn="b"/>
+                      <a:r>
+                        <a:rPr lang="ru-RU" sz="1100" b="1" u="none" strike="noStrike" dirty="0">
+                          <a:effectLst/>
+                        </a:rPr>
+                        <a:t>80</a:t>
+                      </a:r>
+                      <a:endParaRPr lang="ru-RU" sz="1100" b="1" i="0" u="none" strike="noStrike" dirty="0">
+                        <a:solidFill>
+                          <a:srgbClr val="000000"/>
+                        </a:solidFill>
+                        <a:effectLst/>
+                        <a:latin typeface="Calibri"/>
+                      </a:endParaRPr>
+                    </a:p>
+                  </a:txBody>
+                  <a:tcPr marL="9525" marR="9525" marT="9525" marB="0" anchor="b"/>
+                </a:tc>
+                <a:tc>
+                  <a:txBody>
+                    <a:bodyPr/>
+                    <a:lstStyle/>
+                    <a:p>
+                      <a:pPr algn="r" fontAlgn="b"/>
+                      <a:r>
+                        <a:rPr lang="ru-RU" sz="1100" u="none" strike="noStrike" dirty="0">
+                          <a:effectLst/>
+                        </a:rPr>
+                        <a:t>0</a:t>
+                      </a:r>
+                      <a:endParaRPr lang="ru-RU" sz="1100" b="0" i="0" u="none" strike="noStrike" dirty="0">
+                        <a:solidFill>
+                          <a:srgbClr val="000000"/>
+                        </a:solidFill>
+                        <a:effectLst/>
+                        <a:latin typeface="Calibri"/>
+                      </a:endParaRPr>
+                    </a:p>
+                  </a:txBody>
+                  <a:tcPr marL="9525" marR="9525" marT="9525" marB="0" anchor="b"/>
+                </a:tc>
+              </a:tr>
+            </a:tbl>
+          </a:graphicData>
+        </a:graphic>
+      </p:graphicFrame>
+      <p:graphicFrame>
+        <p:nvGraphicFramePr>
+          <p:cNvPr id="6" name="Диаграмма 5"/>
+          <p:cNvGraphicFramePr>
+            <a:graphicFrameLocks/>
+          </p:cNvGraphicFramePr>
+          <p:nvPr>
+            <p:extLst>
+              <p:ext uri="{D42A27DB-BD31-4B8C-83A1-F6EECF244321}">
+                <p14:modId xmlns:p14="http://schemas.microsoft.com/office/powerpoint/2010/main" val="2641684414"/>
+              </p:ext>
+            </p:extLst>
+          </p:nvPr>
+        </p:nvGraphicFramePr>
+        <p:xfrm>
+          <a:off x="609600" y="4114800"/>
+          <a:ext cx="3790950" cy="2205038"/>
+        </p:xfrm>
+        <a:graphic>
+          <a:graphicData uri="http://schemas.openxmlformats.org/drawingml/2006/chart">
+            <c:chart xmlns:c="http://schemas.openxmlformats.org/drawingml/2006/chart" xmlns:r="http://schemas.openxmlformats.org/officeDocument/2006/relationships" r:id="rId2"/>
+          </a:graphicData>
+        </a:graphic>
+      </p:graphicFrame>
+      <p:graphicFrame>
+        <p:nvGraphicFramePr>
+          <p:cNvPr id="7" name="Диаграмма 6"/>
+          <p:cNvGraphicFramePr>
+            <a:graphicFrameLocks/>
+          </p:cNvGraphicFramePr>
+          <p:nvPr>
+            <p:extLst>
+              <p:ext uri="{D42A27DB-BD31-4B8C-83A1-F6EECF244321}">
+                <p14:modId xmlns:p14="http://schemas.microsoft.com/office/powerpoint/2010/main" val="2150589850"/>
+              </p:ext>
+            </p:extLst>
+          </p:nvPr>
+        </p:nvGraphicFramePr>
+        <p:xfrm>
+          <a:off x="4495800" y="4114800"/>
+          <a:ext cx="3933826" cy="2224088"/>
+        </p:xfrm>
+        <a:graphic>
+          <a:graphicData uri="http://schemas.openxmlformats.org/drawingml/2006/chart">
+            <c:chart xmlns:c="http://schemas.openxmlformats.org/drawingml/2006/chart" xmlns:r="http://schemas.openxmlformats.org/officeDocument/2006/relationships" r:id="rId3"/>
+          </a:graphicData>
+        </a:graphic>
+      </p:graphicFrame>
+    </p:spTree>
+    <p:extLst>
+      <p:ext uri="{BB962C8B-B14F-4D97-AF65-F5344CB8AC3E}">
+        <p14:creationId xmlns:p14="http://schemas.microsoft.com/office/powerpoint/2010/main" val="1441071697"/>
+      </p:ext>
+    </p:extLst>
+  </p:cSld>
+  <p:clrMapOvr>
+    <a:masterClrMapping/>
+  </p:clrMapOvr>
+</p:sld>
+</file>
+
+<file path=ppt/slides/slide29.xml><?xml version="1.0" encoding="utf-8"?>
+<p:sld xmlns:a="http://schemas.openxmlformats.org/drawingml/2006/main" xmlns:r="http://schemas.openxmlformats.org/officeDocument/2006/relationships" xmlns:p="http://schemas.openxmlformats.org/presentationml/2006/main">
+  <p:cSld>
+    <p:spTree>
+      <p:nvGrpSpPr>
+        <p:cNvPr id="1" name=""/>
+        <p:cNvGrpSpPr/>
+        <p:nvPr/>
+      </p:nvGrpSpPr>
+      <p:grpSpPr>
+        <a:xfrm>
+          <a:off x="0" y="0"/>
+          <a:ext cx="0" cy="0"/>
+          <a:chOff x="0" y="0"/>
+          <a:chExt cx="0" cy="0"/>
+        </a:xfrm>
+      </p:grpSpPr>
+      <p:sp>
+        <p:nvSpPr>
+          <p:cNvPr id="2" name="Content Placeholder 1"/>
+          <p:cNvSpPr>
+            <a:spLocks noGrp="1"/>
+          </p:cNvSpPr>
+          <p:nvPr>
+            <p:ph idx="1"/>
+          </p:nvPr>
+        </p:nvSpPr>
+        <p:spPr/>
+        <p:txBody>
+          <a:bodyPr/>
+          <a:lstStyle/>
+          <a:p>
+            <a:pPr marL="0" indent="0" algn="l">
+              <a:buNone/>
+            </a:pPr>
+            <a:r>
+              <a:rPr lang="en-US" dirty="0" smtClean="0"/>
+              <a:t>TDLS better</a:t>
+            </a:r>
+          </a:p>
+          <a:p>
+            <a:pPr algn="l"/>
+            <a:endParaRPr lang="en-US" dirty="0"/>
+          </a:p>
+        </p:txBody>
+      </p:sp>
+      <p:sp>
+        <p:nvSpPr>
+          <p:cNvPr id="3" name="Title 2"/>
+          <p:cNvSpPr>
+            <a:spLocks noGrp="1"/>
+          </p:cNvSpPr>
+          <p:nvPr>
+            <p:ph type="title"/>
+          </p:nvPr>
+        </p:nvSpPr>
+        <p:spPr/>
+        <p:txBody>
+          <a:bodyPr/>
+          <a:lstStyle/>
+          <a:p>
+            <a:pPr rtl="1"/>
+            <a:r>
+              <a:rPr lang="en-US" dirty="0"/>
+              <a:t>Conclusions </a:t>
+            </a:r>
+            <a:br>
+              <a:rPr lang="en-US" dirty="0"/>
+            </a:br>
+            <a:endParaRPr lang="en-US" dirty="0"/>
+          </a:p>
+        </p:txBody>
+      </p:sp>
+      <p:graphicFrame>
+        <p:nvGraphicFramePr>
+          <p:cNvPr id="5" name="Таблица 4"/>
+          <p:cNvGraphicFramePr>
+            <a:graphicFrameLocks noGrp="1"/>
+          </p:cNvGraphicFramePr>
+          <p:nvPr>
+            <p:extLst>
+              <p:ext uri="{D42A27DB-BD31-4B8C-83A1-F6EECF244321}">
+                <p14:modId xmlns:p14="http://schemas.microsoft.com/office/powerpoint/2010/main" val="3588538240"/>
+              </p:ext>
+            </p:extLst>
+          </p:nvPr>
+        </p:nvGraphicFramePr>
+        <p:xfrm>
+          <a:off x="2971800" y="2514599"/>
+          <a:ext cx="5410200" cy="1371601"/>
+        </p:xfrm>
+        <a:graphic>
+          <a:graphicData uri="http://schemas.openxmlformats.org/drawingml/2006/table">
+            <a:tbl>
+              <a:tblPr firstRow="1" bandRow="1">
+                <a:tableStyleId>{16D9F66E-5EB9-4882-86FB-DCBF35E3C3E4}</a:tableStyleId>
+              </a:tblPr>
+              <a:tblGrid>
+                <a:gridCol w="1352550"/>
+                <a:gridCol w="1352550"/>
+                <a:gridCol w="1352550"/>
+                <a:gridCol w="1352550"/>
+              </a:tblGrid>
+              <a:tr h="363547">
+                <a:tc>
+                  <a:txBody>
+                    <a:bodyPr/>
+                    <a:lstStyle/>
+                    <a:p>
+                      <a:pPr algn="l" fontAlgn="b"/>
+                      <a:r>
+                        <a:rPr lang="en-US" sz="1100" u="none" strike="noStrike" dirty="0" smtClean="0">
+                          <a:effectLst/>
+                        </a:rPr>
+                        <a:t>Distance</a:t>
+                      </a:r>
+                      <a:r>
+                        <a:rPr lang="ru-RU" sz="1100" u="none" strike="noStrike" dirty="0">
+                          <a:effectLst/>
+                        </a:rPr>
+                        <a:t> </a:t>
+                      </a:r>
+                      <a:endParaRPr lang="ru-RU" sz="1100" b="0" i="0" u="none" strike="noStrike" dirty="0">
+                        <a:solidFill>
+                          <a:srgbClr val="000000"/>
+                        </a:solidFill>
+                        <a:effectLst/>
+                        <a:latin typeface="Calibri"/>
+                      </a:endParaRPr>
+                    </a:p>
+                  </a:txBody>
+                  <a:tcPr marL="9525" marR="9525" marT="9525" marB="0" anchor="b"/>
+                </a:tc>
+                <a:tc>
+                  <a:txBody>
+                    <a:bodyPr/>
+                    <a:lstStyle/>
+                    <a:p>
+                      <a:pPr algn="l" fontAlgn="b"/>
+                      <a:r>
+                        <a:rPr lang="en-US" sz="1100" u="none" strike="noStrike">
+                          <a:effectLst/>
+                        </a:rPr>
+                        <a:t>AP</a:t>
+                      </a:r>
+                      <a:endParaRPr lang="en-US" sz="1100" b="0" i="0" u="none" strike="noStrike">
+                        <a:solidFill>
+                          <a:srgbClr val="000000"/>
+                        </a:solidFill>
+                        <a:effectLst/>
+                        <a:latin typeface="Calibri"/>
+                      </a:endParaRPr>
+                    </a:p>
+                  </a:txBody>
+                  <a:tcPr marL="9525" marR="9525" marT="9525" marB="0" anchor="b"/>
+                </a:tc>
+                <a:tc>
+                  <a:txBody>
+                    <a:bodyPr/>
+                    <a:lstStyle/>
+                    <a:p>
+                      <a:pPr algn="l" fontAlgn="b"/>
+                      <a:r>
+                        <a:rPr lang="en-US" sz="1100" u="none" strike="noStrike" dirty="0">
+                          <a:effectLst/>
+                        </a:rPr>
+                        <a:t>STA 1</a:t>
+                      </a:r>
+                      <a:endParaRPr lang="en-US" sz="1100" b="0" i="0" u="none" strike="noStrike" dirty="0">
+                        <a:solidFill>
+                          <a:srgbClr val="000000"/>
+                        </a:solidFill>
+                        <a:effectLst/>
+                        <a:latin typeface="Calibri"/>
+                      </a:endParaRPr>
+                    </a:p>
+                  </a:txBody>
+                  <a:tcPr marL="9525" marR="9525" marT="9525" marB="0" anchor="b"/>
+                </a:tc>
+                <a:tc>
+                  <a:txBody>
+                    <a:bodyPr/>
+                    <a:lstStyle/>
+                    <a:p>
+                      <a:pPr algn="l" fontAlgn="b"/>
+                      <a:r>
+                        <a:rPr lang="en-US" sz="1100" u="none" strike="noStrike" dirty="0">
+                          <a:effectLst/>
+                        </a:rPr>
+                        <a:t>STA 2</a:t>
+                      </a:r>
+                      <a:endParaRPr lang="en-US" sz="1100" b="0" i="0" u="none" strike="noStrike" dirty="0">
+                        <a:solidFill>
+                          <a:srgbClr val="000000"/>
+                        </a:solidFill>
+                        <a:effectLst/>
+                        <a:latin typeface="Calibri"/>
+                      </a:endParaRPr>
+                    </a:p>
+                  </a:txBody>
+                  <a:tcPr marL="9525" marR="9525" marT="9525" marB="0" anchor="b"/>
+                </a:tc>
+              </a:tr>
+              <a:tr h="336018">
+                <a:tc>
+                  <a:txBody>
+                    <a:bodyPr/>
+                    <a:lstStyle/>
+                    <a:p>
+                      <a:pPr algn="l" fontAlgn="b"/>
+                      <a:r>
+                        <a:rPr lang="en-US" sz="1100" u="none" strike="noStrike" dirty="0">
+                          <a:effectLst/>
+                        </a:rPr>
+                        <a:t>AP</a:t>
+                      </a:r>
+                      <a:endParaRPr lang="en-US" sz="1100" b="0" i="0" u="none" strike="noStrike" dirty="0">
+                        <a:solidFill>
+                          <a:srgbClr val="000000"/>
+                        </a:solidFill>
+                        <a:effectLst/>
+                        <a:latin typeface="Calibri"/>
+                      </a:endParaRPr>
+                    </a:p>
+                  </a:txBody>
+                  <a:tcPr marL="9525" marR="9525" marT="9525" marB="0" anchor="b"/>
+                </a:tc>
+                <a:tc>
+                  <a:txBody>
+                    <a:bodyPr/>
+                    <a:lstStyle/>
+                    <a:p>
+                      <a:pPr algn="r" fontAlgn="b"/>
+                      <a:r>
+                        <a:rPr lang="ru-RU" sz="1100" b="0" i="0" u="none" strike="noStrike" dirty="0">
+                          <a:solidFill>
+                            <a:srgbClr val="000000"/>
+                          </a:solidFill>
+                          <a:effectLst/>
+                          <a:latin typeface="Calibri"/>
+                        </a:rPr>
+                        <a:t>0</a:t>
+                      </a:r>
+                    </a:p>
+                  </a:txBody>
+                  <a:tcPr marL="9525" marR="9525" marT="9525" marB="0" anchor="b"/>
+                </a:tc>
+                <a:tc>
+                  <a:txBody>
+                    <a:bodyPr/>
+                    <a:lstStyle/>
+                    <a:p>
+                      <a:pPr algn="r" fontAlgn="b"/>
+                      <a:r>
+                        <a:rPr lang="ru-RU" sz="1100" b="0" i="0" u="none" strike="noStrike">
+                          <a:solidFill>
+                            <a:srgbClr val="000000"/>
+                          </a:solidFill>
+                          <a:effectLst/>
+                          <a:latin typeface="Calibri"/>
+                        </a:rPr>
+                        <a:t>92</a:t>
+                      </a:r>
+                    </a:p>
+                  </a:txBody>
+                  <a:tcPr marL="9525" marR="9525" marT="9525" marB="0" anchor="b"/>
+                </a:tc>
+                <a:tc>
+                  <a:txBody>
+                    <a:bodyPr/>
+                    <a:lstStyle/>
+                    <a:p>
+                      <a:pPr algn="r" fontAlgn="b"/>
+                      <a:r>
+                        <a:rPr lang="ru-RU" sz="1100" b="0" i="0" u="none" strike="noStrike">
+                          <a:solidFill>
+                            <a:srgbClr val="000000"/>
+                          </a:solidFill>
+                          <a:effectLst/>
+                          <a:latin typeface="Calibri"/>
+                        </a:rPr>
+                        <a:t>93</a:t>
+                      </a:r>
+                    </a:p>
+                  </a:txBody>
+                  <a:tcPr marL="9525" marR="9525" marT="9525" marB="0" anchor="b"/>
+                </a:tc>
+              </a:tr>
+              <a:tr h="336018">
+                <a:tc>
+                  <a:txBody>
+                    <a:bodyPr/>
+                    <a:lstStyle/>
+                    <a:p>
+                      <a:pPr algn="l" fontAlgn="b"/>
+                      <a:r>
+                        <a:rPr lang="en-US" sz="1100" u="none" strike="noStrike">
+                          <a:effectLst/>
+                        </a:rPr>
+                        <a:t>STA 1</a:t>
+                      </a:r>
+                      <a:endParaRPr lang="en-US" sz="1100" b="0" i="0" u="none" strike="noStrike">
+                        <a:solidFill>
+                          <a:srgbClr val="000000"/>
+                        </a:solidFill>
+                        <a:effectLst/>
+                        <a:latin typeface="Calibri"/>
+                      </a:endParaRPr>
+                    </a:p>
+                  </a:txBody>
+                  <a:tcPr marL="9525" marR="9525" marT="9525" marB="0" anchor="b"/>
+                </a:tc>
+                <a:tc>
+                  <a:txBody>
+                    <a:bodyPr/>
+                    <a:lstStyle/>
+                    <a:p>
+                      <a:pPr algn="r" fontAlgn="b"/>
+                      <a:r>
+                        <a:rPr lang="ru-RU" sz="1100" b="1" i="0" u="none" strike="noStrike" dirty="0">
+                          <a:solidFill>
+                            <a:srgbClr val="000000"/>
+                          </a:solidFill>
+                          <a:effectLst/>
+                          <a:latin typeface="Calibri"/>
+                        </a:rPr>
+                        <a:t>92</a:t>
+                      </a:r>
+                    </a:p>
+                  </a:txBody>
+                  <a:tcPr marL="9525" marR="9525" marT="9525" marB="0" anchor="b"/>
+                </a:tc>
+                <a:tc>
+                  <a:txBody>
+                    <a:bodyPr/>
+                    <a:lstStyle/>
+                    <a:p>
+                      <a:pPr algn="r" fontAlgn="b"/>
+                      <a:r>
+                        <a:rPr lang="ru-RU" sz="1100" b="0" i="0" u="none" strike="noStrike">
+                          <a:solidFill>
+                            <a:srgbClr val="000000"/>
+                          </a:solidFill>
+                          <a:effectLst/>
+                          <a:latin typeface="Calibri"/>
+                        </a:rPr>
+                        <a:t>0</a:t>
+                      </a:r>
+                    </a:p>
+                  </a:txBody>
+                  <a:tcPr marL="9525" marR="9525" marT="9525" marB="0" anchor="b"/>
+                </a:tc>
+                <a:tc>
+                  <a:txBody>
+                    <a:bodyPr/>
+                    <a:lstStyle/>
+                    <a:p>
+                      <a:pPr algn="r" fontAlgn="b"/>
+                      <a:r>
+                        <a:rPr lang="ru-RU" sz="1100" b="0" i="0" u="none" strike="noStrike">
+                          <a:solidFill>
+                            <a:srgbClr val="000000"/>
+                          </a:solidFill>
+                          <a:effectLst/>
+                          <a:latin typeface="Calibri"/>
+                        </a:rPr>
+                        <a:t>5</a:t>
+                      </a:r>
+                    </a:p>
+                  </a:txBody>
+                  <a:tcPr marL="9525" marR="9525" marT="9525" marB="0" anchor="b"/>
+                </a:tc>
+              </a:tr>
+              <a:tr h="336018">
+                <a:tc>
+                  <a:txBody>
+                    <a:bodyPr/>
+                    <a:lstStyle/>
+                    <a:p>
+                      <a:pPr algn="l" fontAlgn="b"/>
+                      <a:r>
+                        <a:rPr lang="en-US" sz="1100" u="none" strike="noStrike">
+                          <a:effectLst/>
+                        </a:rPr>
+                        <a:t>STA 2</a:t>
+                      </a:r>
+                      <a:endParaRPr lang="en-US" sz="1100" b="0" i="0" u="none" strike="noStrike">
+                        <a:solidFill>
+                          <a:srgbClr val="000000"/>
+                        </a:solidFill>
+                        <a:effectLst/>
+                        <a:latin typeface="Calibri"/>
+                      </a:endParaRPr>
+                    </a:p>
+                  </a:txBody>
+                  <a:tcPr marL="9525" marR="9525" marT="9525" marB="0" anchor="b"/>
+                </a:tc>
+                <a:tc>
+                  <a:txBody>
+                    <a:bodyPr/>
+                    <a:lstStyle/>
+                    <a:p>
+                      <a:pPr algn="r" fontAlgn="b"/>
+                      <a:r>
+                        <a:rPr lang="ru-RU" sz="1100" b="1" i="0" u="none" strike="noStrike" dirty="0">
+                          <a:solidFill>
+                            <a:srgbClr val="000000"/>
+                          </a:solidFill>
+                          <a:effectLst/>
+                          <a:latin typeface="Calibri"/>
+                        </a:rPr>
+                        <a:t>93</a:t>
+                      </a:r>
+                    </a:p>
+                  </a:txBody>
+                  <a:tcPr marL="9525" marR="9525" marT="9525" marB="0" anchor="b"/>
+                </a:tc>
+                <a:tc>
+                  <a:txBody>
+                    <a:bodyPr/>
+                    <a:lstStyle/>
+                    <a:p>
+                      <a:pPr algn="r" fontAlgn="b"/>
+                      <a:r>
+                        <a:rPr lang="ru-RU" sz="1100" b="1" i="0" u="none" strike="noStrike" dirty="0">
+                          <a:solidFill>
+                            <a:srgbClr val="000000"/>
+                          </a:solidFill>
+                          <a:effectLst/>
+                          <a:latin typeface="Calibri"/>
+                        </a:rPr>
+                        <a:t>5</a:t>
+                      </a:r>
+                    </a:p>
+                  </a:txBody>
+                  <a:tcPr marL="9525" marR="9525" marT="9525" marB="0" anchor="b"/>
+                </a:tc>
+                <a:tc>
+                  <a:txBody>
+                    <a:bodyPr/>
+                    <a:lstStyle/>
+                    <a:p>
+                      <a:pPr algn="r" fontAlgn="b"/>
+                      <a:r>
+                        <a:rPr lang="ru-RU" sz="1100" b="0" i="0" u="none" strike="noStrike" dirty="0">
+                          <a:solidFill>
+                            <a:srgbClr val="000000"/>
+                          </a:solidFill>
+                          <a:effectLst/>
+                          <a:latin typeface="Calibri"/>
+                        </a:rPr>
+                        <a:t>0</a:t>
+                      </a:r>
+                    </a:p>
+                  </a:txBody>
+                  <a:tcPr marL="9525" marR="9525" marT="9525" marB="0" anchor="b"/>
+                </a:tc>
+              </a:tr>
+            </a:tbl>
+          </a:graphicData>
+        </a:graphic>
+      </p:graphicFrame>
+      <p:graphicFrame>
+        <p:nvGraphicFramePr>
+          <p:cNvPr id="8" name="Диаграмма 7"/>
+          <p:cNvGraphicFramePr>
+            <a:graphicFrameLocks/>
+          </p:cNvGraphicFramePr>
+          <p:nvPr>
+            <p:extLst>
+              <p:ext uri="{D42A27DB-BD31-4B8C-83A1-F6EECF244321}">
+                <p14:modId xmlns:p14="http://schemas.microsoft.com/office/powerpoint/2010/main" val="3609268317"/>
+              </p:ext>
+            </p:extLst>
+          </p:nvPr>
+        </p:nvGraphicFramePr>
+        <p:xfrm>
+          <a:off x="609600" y="4114800"/>
+          <a:ext cx="3810000" cy="2286000"/>
+        </p:xfrm>
+        <a:graphic>
+          <a:graphicData uri="http://schemas.openxmlformats.org/drawingml/2006/chart">
+            <c:chart xmlns:c="http://schemas.openxmlformats.org/drawingml/2006/chart" xmlns:r="http://schemas.openxmlformats.org/officeDocument/2006/relationships" r:id="rId2"/>
+          </a:graphicData>
+        </a:graphic>
+      </p:graphicFrame>
+      <p:graphicFrame>
+        <p:nvGraphicFramePr>
+          <p:cNvPr id="9" name="Диаграмма 8"/>
+          <p:cNvGraphicFramePr>
+            <a:graphicFrameLocks/>
+          </p:cNvGraphicFramePr>
+          <p:nvPr>
+            <p:extLst>
+              <p:ext uri="{D42A27DB-BD31-4B8C-83A1-F6EECF244321}">
+                <p14:modId xmlns:p14="http://schemas.microsoft.com/office/powerpoint/2010/main" val="3438908833"/>
+              </p:ext>
+            </p:extLst>
+          </p:nvPr>
+        </p:nvGraphicFramePr>
+        <p:xfrm>
+          <a:off x="4495800" y="4114800"/>
+          <a:ext cx="3962400" cy="2286000"/>
+        </p:xfrm>
+        <a:graphic>
+          <a:graphicData uri="http://schemas.openxmlformats.org/drawingml/2006/chart">
+            <c:chart xmlns:c="http://schemas.openxmlformats.org/drawingml/2006/chart" xmlns:r="http://schemas.openxmlformats.org/officeDocument/2006/relationships" r:id="rId3"/>
+          </a:graphicData>
+        </a:graphic>
+      </p:graphicFrame>
+    </p:spTree>
+    <p:extLst>
+      <p:ext uri="{BB962C8B-B14F-4D97-AF65-F5344CB8AC3E}">
+        <p14:creationId xmlns:p14="http://schemas.microsoft.com/office/powerpoint/2010/main" val="3999605201"/>
+      </p:ext>
+    </p:extLst>
+  </p:cSld>
+  <p:clrMapOvr>
+    <a:masterClrMapping/>
+  </p:clrMapOvr>
+</p:sld>
+</file>
+
 <file path=ppt/slides/slide3.xml><?xml version="1.0" encoding="utf-8"?>
 <p:sld xmlns:a="http://schemas.openxmlformats.org/drawingml/2006/main" xmlns:r="http://schemas.openxmlformats.org/officeDocument/2006/relationships" xmlns:p="http://schemas.openxmlformats.org/presentationml/2006/main">
   <p:cSld>
@@ -9680,15 +11294,7 @@
             <a:pPr algn="l"/>
             <a:r>
               <a:rPr lang="en-US" dirty="0" smtClean="0"/>
-              <a:t>Creation of WiFi simulator in order to develop Smart Link Selection Algorithm</a:t>
-            </a:r>
-            <a:r>
-              <a:rPr lang="en-US" dirty="0" smtClean="0"/>
-              <a:t> </a:t>
-            </a:r>
-            <a:r>
-              <a:rPr lang="en-US" dirty="0" smtClean="0"/>
-              <a:t> </a:t>
+              <a:t>Creation of WiFi simulator in order to develop Smart Link Selection Algorithm  </a:t>
             </a:r>
             <a:endParaRPr lang="en-US" dirty="0"/>
           </a:p>
@@ -9712,11 +11318,7 @@
             <a:pPr rtl="1"/>
             <a:r>
               <a:rPr lang="en-US" dirty="0" smtClean="0"/>
-              <a:t>Project </a:t>
-            </a:r>
-            <a:r>
-              <a:rPr lang="en-US" dirty="0" smtClean="0"/>
-              <a:t>Goals</a:t>
+              <a:t>Project Goals</a:t>
             </a:r>
             <a:endParaRPr lang="en-US" dirty="0"/>
           </a:p>
@@ -9743,83 +11345,6 @@
 </file>
 
 <file path=ppt/slides/slide30.xml><?xml version="1.0" encoding="utf-8"?>
-<p:sld xmlns:a="http://schemas.openxmlformats.org/drawingml/2006/main" xmlns:r="http://schemas.openxmlformats.org/officeDocument/2006/relationships" xmlns:p="http://schemas.openxmlformats.org/presentationml/2006/main">
-  <p:cSld>
-    <p:spTree>
-      <p:nvGrpSpPr>
-        <p:cNvPr id="1" name=""/>
-        <p:cNvGrpSpPr/>
-        <p:nvPr/>
-      </p:nvGrpSpPr>
-      <p:grpSpPr>
-        <a:xfrm>
-          <a:off x="0" y="0"/>
-          <a:ext cx="0" cy="0"/>
-          <a:chOff x="0" y="0"/>
-          <a:chExt cx="0" cy="0"/>
-        </a:xfrm>
-      </p:grpSpPr>
-      <p:sp>
-        <p:nvSpPr>
-          <p:cNvPr id="2" name="Content Placeholder 1"/>
-          <p:cNvSpPr>
-            <a:spLocks noGrp="1"/>
-          </p:cNvSpPr>
-          <p:nvPr>
-            <p:ph idx="1"/>
-          </p:nvPr>
-        </p:nvSpPr>
-        <p:spPr/>
-        <p:txBody>
-          <a:bodyPr/>
-          <a:lstStyle/>
-          <a:p>
-            <a:pPr algn="l"/>
-            <a:endParaRPr lang="en-US" dirty="0"/>
-          </a:p>
-        </p:txBody>
-      </p:sp>
-      <p:sp>
-        <p:nvSpPr>
-          <p:cNvPr id="3" name="Title 2"/>
-          <p:cNvSpPr>
-            <a:spLocks noGrp="1"/>
-          </p:cNvSpPr>
-          <p:nvPr>
-            <p:ph type="title"/>
-          </p:nvPr>
-        </p:nvSpPr>
-        <p:spPr/>
-        <p:txBody>
-          <a:bodyPr/>
-          <a:lstStyle/>
-          <a:p>
-            <a:pPr rtl="1"/>
-            <a:r>
-              <a:rPr lang="en-US" dirty="0"/>
-              <a:t>Conclusions </a:t>
-            </a:r>
-            <a:br>
-              <a:rPr lang="en-US" dirty="0"/>
-            </a:br>
-            <a:endParaRPr lang="en-US" dirty="0"/>
-          </a:p>
-        </p:txBody>
-      </p:sp>
-    </p:spTree>
-    <p:extLst>
-      <p:ext uri="{BB962C8B-B14F-4D97-AF65-F5344CB8AC3E}">
-        <p14:creationId xmlns:p14="http://schemas.microsoft.com/office/powerpoint/2010/main" val="1441071697"/>
-      </p:ext>
-    </p:extLst>
-  </p:cSld>
-  <p:clrMapOvr>
-    <a:masterClrMapping/>
-  </p:clrMapOvr>
-</p:sld>
-</file>
-
-<file path=ppt/slides/slide31.xml><?xml version="1.0" encoding="utf-8"?>
 <p:sld xmlns:a="http://schemas.openxmlformats.org/drawingml/2006/main" xmlns:r="http://schemas.openxmlformats.org/officeDocument/2006/relationships" xmlns:p="http://schemas.openxmlformats.org/presentationml/2006/main">
   <p:cSld>
     <p:spTree>
@@ -10085,7 +11610,7 @@
 </p:sld>
 </file>
 
-<file path=ppt/slides/slide32.xml><?xml version="1.0" encoding="utf-8"?>
+<file path=ppt/slides/slide31.xml><?xml version="1.0" encoding="utf-8"?>
 <p:sld xmlns:a="http://schemas.openxmlformats.org/drawingml/2006/main" xmlns:r="http://schemas.openxmlformats.org/officeDocument/2006/relationships" xmlns:p="http://schemas.openxmlformats.org/presentationml/2006/main">
   <p:cSld>
     <p:spTree>
@@ -10169,6 +11694,300 @@
 </p:sld>
 </file>
 
+<file path=ppt/slides/slide32.xml><?xml version="1.0" encoding="utf-8"?>
+<p:sld xmlns:a="http://schemas.openxmlformats.org/drawingml/2006/main" xmlns:r="http://schemas.openxmlformats.org/officeDocument/2006/relationships" xmlns:p="http://schemas.openxmlformats.org/presentationml/2006/main">
+  <p:cSld>
+    <p:spTree>
+      <p:nvGrpSpPr>
+        <p:cNvPr id="1" name=""/>
+        <p:cNvGrpSpPr/>
+        <p:nvPr/>
+      </p:nvGrpSpPr>
+      <p:grpSpPr>
+        <a:xfrm>
+          <a:off x="0" y="0"/>
+          <a:ext cx="0" cy="0"/>
+          <a:chOff x="0" y="0"/>
+          <a:chExt cx="0" cy="0"/>
+        </a:xfrm>
+      </p:grpSpPr>
+      <p:sp>
+        <p:nvSpPr>
+          <p:cNvPr id="2" name="Объект 1"/>
+          <p:cNvSpPr>
+            <a:spLocks noGrp="1"/>
+          </p:cNvSpPr>
+          <p:nvPr>
+            <p:ph idx="1"/>
+          </p:nvPr>
+        </p:nvSpPr>
+        <p:spPr/>
+        <p:txBody>
+          <a:bodyPr>
+            <a:normAutofit fontScale="62500" lnSpcReduction="20000"/>
+          </a:bodyPr>
+          <a:lstStyle/>
+          <a:p>
+            <a:pPr>
+              <a:lnSpc>
+                <a:spcPct val="160000"/>
+              </a:lnSpc>
+            </a:pPr>
+            <a:r>
+              <a:rPr lang="en-US" dirty="0">
+                <a:latin typeface="Arial" pitchFamily="34" charset="0"/>
+                <a:cs typeface="Arial" pitchFamily="34" charset="0"/>
+              </a:rPr>
+              <a:t>IEEE 802.11 SPEC - </a:t>
+            </a:r>
+            <a:r>
+              <a:rPr lang="en-US" dirty="0" err="1">
+                <a:latin typeface="Arial" pitchFamily="34" charset="0"/>
+                <a:cs typeface="Arial" pitchFamily="34" charset="0"/>
+              </a:rPr>
+              <a:t>WiFi</a:t>
+            </a:r>
+            <a:endParaRPr lang="en-US" dirty="0">
+              <a:latin typeface="Arial" pitchFamily="34" charset="0"/>
+              <a:cs typeface="Arial" pitchFamily="34" charset="0"/>
+            </a:endParaRPr>
+          </a:p>
+          <a:p>
+            <a:pPr>
+              <a:lnSpc>
+                <a:spcPct val="160000"/>
+              </a:lnSpc>
+            </a:pPr>
+            <a:r>
+              <a:rPr lang="en-US" dirty="0">
+                <a:latin typeface="Arial" pitchFamily="34" charset="0"/>
+                <a:cs typeface="Arial" pitchFamily="34" charset="0"/>
+              </a:rPr>
+              <a:t>IEEE 802.11z SPEC - TDLS</a:t>
+            </a:r>
+          </a:p>
+          <a:p>
+            <a:pPr>
+              <a:lnSpc>
+                <a:spcPct val="160000"/>
+              </a:lnSpc>
+            </a:pPr>
+            <a:r>
+              <a:rPr lang="en-US" dirty="0">
+                <a:latin typeface="Arial" pitchFamily="34" charset="0"/>
+                <a:cs typeface="Arial" pitchFamily="34" charset="0"/>
+                <a:hlinkClick r:id="rId2"/>
+              </a:rPr>
+              <a:t>Wireless Rate Control Algorithms </a:t>
+            </a:r>
+            <a:endParaRPr lang="he-IL" dirty="0">
+              <a:latin typeface="Arial" pitchFamily="34" charset="0"/>
+              <a:cs typeface="Arial" pitchFamily="34" charset="0"/>
+            </a:endParaRPr>
+          </a:p>
+          <a:p>
+            <a:pPr>
+              <a:lnSpc>
+                <a:spcPct val="160000"/>
+              </a:lnSpc>
+            </a:pPr>
+            <a:r>
+              <a:rPr lang="en-US" dirty="0">
+                <a:latin typeface="Arial" pitchFamily="34" charset="0"/>
+                <a:cs typeface="Arial" pitchFamily="34" charset="0"/>
+                <a:hlinkClick r:id="rId3"/>
+              </a:rPr>
+              <a:t>DDRS</a:t>
+            </a:r>
+            <a:endParaRPr lang="en-US" dirty="0">
+              <a:latin typeface="Arial" pitchFamily="34" charset="0"/>
+              <a:cs typeface="Arial" pitchFamily="34" charset="0"/>
+            </a:endParaRPr>
+          </a:p>
+          <a:p>
+            <a:pPr>
+              <a:lnSpc>
+                <a:spcPct val="160000"/>
+              </a:lnSpc>
+            </a:pPr>
+            <a:r>
+              <a:rPr lang="en-US" b="1" dirty="0">
+                <a:hlinkClick r:id="rId4"/>
+              </a:rPr>
+              <a:t>MAC rate control algorithm</a:t>
+            </a:r>
+            <a:endParaRPr lang="he-IL" dirty="0">
+              <a:latin typeface="Arial" pitchFamily="34" charset="0"/>
+              <a:cs typeface="Arial" pitchFamily="34" charset="0"/>
+            </a:endParaRPr>
+          </a:p>
+          <a:p>
+            <a:pPr>
+              <a:lnSpc>
+                <a:spcPct val="160000"/>
+              </a:lnSpc>
+            </a:pPr>
+            <a:r>
+              <a:rPr lang="en-US" dirty="0" err="1">
+                <a:latin typeface="Arial" pitchFamily="34" charset="0"/>
+                <a:cs typeface="Arial" pitchFamily="34" charset="0"/>
+                <a:hlinkClick r:id="rId5"/>
+              </a:rPr>
+              <a:t>WiFi</a:t>
+            </a:r>
+            <a:r>
+              <a:rPr lang="en-US" dirty="0">
+                <a:latin typeface="Arial" pitchFamily="34" charset="0"/>
+                <a:cs typeface="Arial" pitchFamily="34" charset="0"/>
+                <a:hlinkClick r:id="rId5"/>
+              </a:rPr>
+              <a:t> Alliance</a:t>
+            </a:r>
+            <a:r>
+              <a:rPr lang="ru-RU" dirty="0">
+                <a:latin typeface="Arial" pitchFamily="34" charset="0"/>
+                <a:cs typeface="Arial" pitchFamily="34" charset="0"/>
+                <a:hlinkClick r:id="rId5"/>
+              </a:rPr>
+              <a:t> </a:t>
+            </a:r>
+            <a:endParaRPr lang="he-IL" dirty="0">
+              <a:latin typeface="Arial" pitchFamily="34" charset="0"/>
+              <a:cs typeface="Arial" pitchFamily="34" charset="0"/>
+            </a:endParaRPr>
+          </a:p>
+          <a:p>
+            <a:pPr>
+              <a:lnSpc>
+                <a:spcPct val="160000"/>
+              </a:lnSpc>
+            </a:pPr>
+            <a:r>
+              <a:rPr lang="en-US" dirty="0" err="1">
+                <a:latin typeface="Arial" pitchFamily="34" charset="0"/>
+                <a:cs typeface="Arial" pitchFamily="34" charset="0"/>
+                <a:hlinkClick r:id="rId6"/>
+              </a:rPr>
+              <a:t>WiFi</a:t>
+            </a:r>
+            <a:r>
+              <a:rPr lang="en-US" dirty="0">
+                <a:latin typeface="Arial" pitchFamily="34" charset="0"/>
+                <a:cs typeface="Arial" pitchFamily="34" charset="0"/>
+                <a:hlinkClick r:id="rId6"/>
+              </a:rPr>
+              <a:t> Direct - http://linuxwireless.org/</a:t>
+            </a:r>
+            <a:endParaRPr lang="he-IL" dirty="0">
+              <a:latin typeface="Arial" pitchFamily="34" charset="0"/>
+              <a:cs typeface="Arial" pitchFamily="34" charset="0"/>
+            </a:endParaRPr>
+          </a:p>
+          <a:p>
+            <a:pPr>
+              <a:lnSpc>
+                <a:spcPct val="160000"/>
+              </a:lnSpc>
+            </a:pPr>
+            <a:r>
+              <a:rPr lang="en-US" b="1" dirty="0">
+                <a:hlinkClick r:id="rId7"/>
+              </a:rPr>
+              <a:t>A Routing Algorithm for Wireless Ad Hoc Networks with Unidirectional Links</a:t>
+            </a:r>
+            <a:endParaRPr lang="en-US" b="1" dirty="0"/>
+          </a:p>
+          <a:p>
+            <a:pPr>
+              <a:lnSpc>
+                <a:spcPct val="160000"/>
+              </a:lnSpc>
+            </a:pPr>
+            <a:r>
+              <a:rPr lang="en-US" b="1" dirty="0">
+                <a:latin typeface="Arial" pitchFamily="34" charset="0"/>
+                <a:cs typeface="Arial" pitchFamily="34" charset="0"/>
+                <a:hlinkClick r:id="rId8"/>
+              </a:rPr>
+              <a:t>Wikipedia - </a:t>
+            </a:r>
+            <a:r>
+              <a:rPr lang="en-US" dirty="0">
+                <a:hlinkClick r:id="rId8"/>
+              </a:rPr>
+              <a:t>Wireless </a:t>
+            </a:r>
+            <a:r>
+              <a:rPr lang="en-US" dirty="0" smtClean="0">
+                <a:hlinkClick r:id="rId8"/>
+              </a:rPr>
+              <a:t>network</a:t>
+            </a:r>
+            <a:endParaRPr lang="en-US" dirty="0" smtClean="0"/>
+          </a:p>
+          <a:p>
+            <a:pPr>
+              <a:lnSpc>
+                <a:spcPct val="160000"/>
+              </a:lnSpc>
+            </a:pPr>
+            <a:r>
+              <a:rPr lang="en-US" dirty="0">
+                <a:hlinkClick r:id="rId9"/>
+              </a:rPr>
+              <a:t>http://wiki.dhs01.com/</a:t>
+            </a:r>
+            <a:endParaRPr lang="en-US" dirty="0"/>
+          </a:p>
+          <a:p>
+            <a:pPr>
+              <a:lnSpc>
+                <a:spcPct val="160000"/>
+              </a:lnSpc>
+            </a:pPr>
+            <a:endParaRPr lang="en-US" dirty="0"/>
+          </a:p>
+          <a:p>
+            <a:endParaRPr lang="ru-RU" dirty="0"/>
+          </a:p>
+        </p:txBody>
+      </p:sp>
+      <p:sp>
+        <p:nvSpPr>
+          <p:cNvPr id="3" name="Заголовок 2"/>
+          <p:cNvSpPr>
+            <a:spLocks noGrp="1"/>
+          </p:cNvSpPr>
+          <p:nvPr>
+            <p:ph type="title"/>
+          </p:nvPr>
+        </p:nvSpPr>
+        <p:spPr/>
+        <p:txBody>
+          <a:bodyPr/>
+          <a:lstStyle/>
+          <a:p>
+            <a:r>
+              <a:rPr lang="en-US" dirty="0"/>
+              <a:t>Bibliography</a:t>
+            </a:r>
+            <a:endParaRPr lang="ru-RU" dirty="0"/>
+          </a:p>
+        </p:txBody>
+      </p:sp>
+    </p:spTree>
+    <p:extLst>
+      <p:ext uri="{BB962C8B-B14F-4D97-AF65-F5344CB8AC3E}">
+        <p14:creationId xmlns:p14="http://schemas.microsoft.com/office/powerpoint/2010/main" val="4092822900"/>
+      </p:ext>
+    </p:extLst>
+  </p:cSld>
+  <p:clrMapOvr>
+    <a:masterClrMapping/>
+  </p:clrMapOvr>
+</p:sld>
+</file>
+
 <file path=ppt/slides/slide4.xml><?xml version="1.0" encoding="utf-8"?>
 <p:sld xmlns:a="http://schemas.openxmlformats.org/drawingml/2006/main" xmlns:r="http://schemas.openxmlformats.org/officeDocument/2006/relationships" xmlns:p="http://schemas.openxmlformats.org/presentationml/2006/main">
   <p:cSld>
@@ -10327,11 +12146,7 @@
             <a:pPr rtl="1"/>
             <a:r>
               <a:rPr lang="en-US" dirty="0" smtClean="0"/>
-              <a:t>Project </a:t>
-            </a:r>
-            <a:r>
-              <a:rPr lang="en-US" dirty="0" smtClean="0"/>
-              <a:t>Overview</a:t>
+              <a:t>Project Overview</a:t>
             </a:r>
             <a:endParaRPr lang="en-US" dirty="0"/>
           </a:p>
@@ -10394,8 +12209,18 @@
             <a:pPr algn="l"/>
             <a:r>
               <a:rPr lang="en-US" dirty="0" smtClean="0"/>
-              <a:t>Medium infrastructure.</a:t>
-            </a:r>
+              <a:t>Medium infrastructure</a:t>
+            </a:r>
+            <a:r>
+              <a:rPr lang="en-US" dirty="0" smtClean="0"/>
+              <a:t>.</a:t>
+            </a:r>
+          </a:p>
+          <a:p>
+            <a:pPr marL="0" indent="0" algn="l">
+              <a:buNone/>
+            </a:pPr>
+            <a:endParaRPr lang="en-US" sz="1400" dirty="0" smtClean="0"/>
           </a:p>
           <a:p>
             <a:pPr algn="l"/>
@@ -10403,7 +12228,13 @@
               <a:rPr lang="en-US" dirty="0" smtClean="0"/>
               <a:t>RF devices </a:t>
             </a:r>
-            <a:endParaRPr lang="en-US" strike="sngStrike" dirty="0" smtClean="0"/>
+            <a:endParaRPr lang="en-US" dirty="0" smtClean="0"/>
+          </a:p>
+          <a:p>
+            <a:pPr marL="0" indent="0" algn="l">
+              <a:buNone/>
+            </a:pPr>
+            <a:endParaRPr lang="en-US" sz="1400" strike="sngStrike" dirty="0" smtClean="0"/>
           </a:p>
           <a:p>
             <a:pPr algn="l"/>
@@ -10411,7 +12242,13 @@
               <a:rPr lang="en-US" dirty="0" smtClean="0"/>
               <a:t>Packets </a:t>
             </a:r>
-            <a:endParaRPr lang="en-US" strike="sngStrike" dirty="0" smtClean="0"/>
+            <a:endParaRPr lang="en-US" dirty="0" smtClean="0"/>
+          </a:p>
+          <a:p>
+            <a:pPr marL="0" indent="0" algn="l">
+              <a:buNone/>
+            </a:pPr>
+            <a:endParaRPr lang="en-US" sz="1400" strike="sngStrike" dirty="0" smtClean="0"/>
           </a:p>
           <a:p>
             <a:pPr algn="l"/>
@@ -10421,42 +12258,29 @@
             </a:r>
           </a:p>
           <a:p>
-            <a:pPr lvl="1"/>
-            <a:r>
-              <a:rPr lang="en-US" dirty="0" smtClean="0"/>
+            <a:pPr lvl="1">
+              <a:buFont typeface="Wingdings" pitchFamily="2" charset="2"/>
+              <a:buChar char="Ø"/>
+            </a:pPr>
+            <a:r>
+              <a:rPr lang="en-US" sz="1800" dirty="0" smtClean="0"/>
               <a:t>BSS</a:t>
             </a:r>
           </a:p>
           <a:p>
-            <a:pPr lvl="1"/>
-            <a:r>
-              <a:rPr lang="en-US" dirty="0" smtClean="0"/>
+            <a:pPr lvl="1">
+              <a:buFont typeface="Wingdings" pitchFamily="2" charset="2"/>
+              <a:buChar char="Ø"/>
+            </a:pPr>
+            <a:r>
+              <a:rPr lang="en-US" sz="1800" dirty="0" smtClean="0"/>
               <a:t>TDLS</a:t>
             </a:r>
           </a:p>
           <a:p>
-            <a:pPr algn="l"/>
-            <a:r>
-              <a:rPr lang="en-US" dirty="0" smtClean="0"/>
-              <a:t>Selection between links: </a:t>
-            </a:r>
-          </a:p>
-          <a:p>
-            <a:pPr lvl="1"/>
-            <a:r>
-              <a:rPr lang="en-US" dirty="0" smtClean="0"/>
-              <a:t>BSS</a:t>
-            </a:r>
-          </a:p>
-          <a:p>
-            <a:pPr lvl="1"/>
-            <a:r>
-              <a:rPr lang="en-US" dirty="0" smtClean="0"/>
-              <a:t>TDLS</a:t>
-            </a:r>
-          </a:p>
-          <a:p>
-            <a:pPr algn="l"/>
+            <a:pPr marL="0" indent="0" algn="l">
+              <a:buNone/>
+            </a:pPr>
             <a:endParaRPr lang="en-US" dirty="0" smtClean="0"/>
           </a:p>
           <a:p>
@@ -10546,7 +12370,7 @@
           <a:graphicData uri="http://schemas.openxmlformats.org/presentationml/2006/ole">
             <mc:AlternateContent xmlns:mc="http://schemas.openxmlformats.org/markup-compatibility/2006">
               <mc:Choice xmlns:v="urn:schemas-microsoft-com:vml" Requires="v">
-                <p:oleObj spid="_x0000_s1109" name="Visio" r:id="rId3" imgW="9147060" imgH="7289860" progId="Visio.Drawing.11">
+                <p:oleObj spid="_x0000_s1123" name="Visio" r:id="rId3" imgW="9147060" imgH="7289860" progId="Visio.Drawing.11">
                   <p:embed/>
                 </p:oleObj>
               </mc:Choice>
@@ -11026,7 +12850,6 @@
               <a:rPr lang="en-US" dirty="0" smtClean="0"/>
               <a:t>IEEE80211</a:t>
             </a:r>
-            <a:endParaRPr lang="en-US" dirty="0" smtClean="0"/>
           </a:p>
           <a:p>
             <a:pPr algn="l"/>
@@ -11053,11 +12876,7 @@
             <a:pPr algn="l"/>
             <a:r>
               <a:rPr lang="en-US" dirty="0" smtClean="0"/>
-              <a:t>Connect/Disconnect </a:t>
-            </a:r>
-            <a:r>
-              <a:rPr lang="en-US" dirty="0" smtClean="0"/>
-              <a:t>flow</a:t>
+              <a:t>Connect/Disconnect flow</a:t>
             </a:r>
           </a:p>
           <a:p>
@@ -11080,21 +12899,12 @@
           <a:p>
             <a:r>
               <a:rPr lang="en-US" dirty="0" smtClean="0"/>
-              <a:t>Transmit Rate Calculation (SNR – </a:t>
-            </a:r>
-            <a:r>
-              <a:rPr lang="en-US" dirty="0" err="1" smtClean="0"/>
-              <a:t>adventeges</a:t>
+              <a:t>Transmit Rate Calculation (</a:t>
             </a:r>
             <a:r>
               <a:rPr lang="en-US" dirty="0" smtClean="0"/>
-              <a:t>/ </a:t>
-            </a:r>
-            <a:r>
-              <a:rPr lang="en-US" dirty="0" err="1" smtClean="0"/>
-              <a:t>disad</a:t>
-            </a:r>
-            <a:endParaRPr lang="en-US" dirty="0" smtClean="0"/>
+              <a:t>SNR)</a:t>
+            </a:r>
           </a:p>
           <a:p>
             <a:r>
@@ -11121,7 +12931,11 @@
           <a:p>
             <a:r>
               <a:rPr lang="en-US" dirty="0" smtClean="0"/>
-              <a:t>Connection establishment negotiation</a:t>
+              <a:t>Connection </a:t>
+            </a:r>
+            <a:r>
+              <a:rPr lang="en-US" dirty="0" smtClean="0"/>
+              <a:t>establishment negotiation</a:t>
             </a:r>
           </a:p>
           <a:p>
@@ -11129,7 +12943,6 @@
               <a:rPr lang="en-US" dirty="0" smtClean="0"/>
               <a:t> Packets Encapsulation /Headers /hierarchy  </a:t>
             </a:r>
-            <a:endParaRPr lang="en-US" dirty="0" smtClean="0"/>
           </a:p>
           <a:p>
             <a:endParaRPr lang="en-US" dirty="0" smtClean="0"/>

--- a/JudgesForumPresentation.pptx
+++ b/JudgesForumPresentation.pptx
@@ -12,29 +12,29 @@
   </p:handoutMasterIdLst>
   <p:sldIdLst>
     <p:sldId id="256" r:id="rId2"/>
-    <p:sldId id="299" r:id="rId3"/>
-    <p:sldId id="331" r:id="rId4"/>
-    <p:sldId id="300" r:id="rId5"/>
-    <p:sldId id="301" r:id="rId6"/>
-    <p:sldId id="310" r:id="rId7"/>
-    <p:sldId id="314" r:id="rId8"/>
+    <p:sldId id="331" r:id="rId3"/>
+    <p:sldId id="300" r:id="rId4"/>
+    <p:sldId id="301" r:id="rId5"/>
+    <p:sldId id="310" r:id="rId6"/>
+    <p:sldId id="314" r:id="rId7"/>
+    <p:sldId id="334" r:id="rId8"/>
     <p:sldId id="313" r:id="rId9"/>
-    <p:sldId id="302" r:id="rId10"/>
-    <p:sldId id="303" r:id="rId11"/>
-    <p:sldId id="304" r:id="rId12"/>
-    <p:sldId id="305" r:id="rId13"/>
-    <p:sldId id="323" r:id="rId14"/>
-    <p:sldId id="324" r:id="rId15"/>
-    <p:sldId id="325" r:id="rId16"/>
-    <p:sldId id="318" r:id="rId17"/>
-    <p:sldId id="326" r:id="rId18"/>
-    <p:sldId id="327" r:id="rId19"/>
-    <p:sldId id="329" r:id="rId20"/>
-    <p:sldId id="330" r:id="rId21"/>
-    <p:sldId id="311" r:id="rId22"/>
-    <p:sldId id="328" r:id="rId23"/>
-    <p:sldId id="312" r:id="rId24"/>
-    <p:sldId id="315" r:id="rId25"/>
+    <p:sldId id="304" r:id="rId10"/>
+    <p:sldId id="302" r:id="rId11"/>
+    <p:sldId id="303" r:id="rId12"/>
+    <p:sldId id="336" r:id="rId13"/>
+    <p:sldId id="337" r:id="rId14"/>
+    <p:sldId id="338" r:id="rId15"/>
+    <p:sldId id="324" r:id="rId16"/>
+    <p:sldId id="325" r:id="rId17"/>
+    <p:sldId id="318" r:id="rId18"/>
+    <p:sldId id="326" r:id="rId19"/>
+    <p:sldId id="327" r:id="rId20"/>
+    <p:sldId id="329" r:id="rId21"/>
+    <p:sldId id="330" r:id="rId22"/>
+    <p:sldId id="311" r:id="rId23"/>
+    <p:sldId id="328" r:id="rId24"/>
+    <p:sldId id="339" r:id="rId25"/>
     <p:sldId id="309" r:id="rId26"/>
     <p:sldId id="320" r:id="rId27"/>
     <p:sldId id="321" r:id="rId28"/>
@@ -1800,11 +1800,11 @@
           <c:showBubbleSize val="0"/>
         </c:dLbls>
         <c:gapWidth val="150"/>
-        <c:axId val="47390720"/>
-        <c:axId val="86620928"/>
+        <c:axId val="89334784"/>
+        <c:axId val="51533440"/>
       </c:barChart>
       <c:catAx>
-        <c:axId val="47390720"/>
+        <c:axId val="89334784"/>
         <c:scaling>
           <c:orientation val="minMax"/>
         </c:scaling>
@@ -1814,7 +1814,7 @@
         <c:majorTickMark val="none"/>
         <c:minorTickMark val="none"/>
         <c:tickLblPos val="nextTo"/>
-        <c:crossAx val="86620928"/>
+        <c:crossAx val="51533440"/>
         <c:crosses val="autoZero"/>
         <c:auto val="1"/>
         <c:lblAlgn val="ctr"/>
@@ -1822,7 +1822,7 @@
         <c:noMultiLvlLbl val="0"/>
       </c:catAx>
       <c:valAx>
-        <c:axId val="86620928"/>
+        <c:axId val="51533440"/>
         <c:scaling>
           <c:orientation val="minMax"/>
         </c:scaling>
@@ -1833,14 +1833,23 @@
         <c:majorTickMark val="none"/>
         <c:minorTickMark val="none"/>
         <c:tickLblPos val="nextTo"/>
-        <c:crossAx val="47390720"/>
+        <c:crossAx val="89334784"/>
         <c:crosses val="autoZero"/>
         <c:crossBetween val="between"/>
       </c:valAx>
     </c:plotArea>
     <c:legend>
       <c:legendPos val="r"/>
-      <c:layout/>
+      <c:layout>
+        <c:manualLayout>
+          <c:xMode val="edge"/>
+          <c:yMode val="edge"/>
+          <c:x val="0.93238422280548261"/>
+          <c:y val="2.0497930547143151E-2"/>
+          <c:w val="5.6504666083406242E-2"/>
+          <c:h val="0.90355516858469609"/>
+        </c:manualLayout>
+      </c:layout>
       <c:overlay val="0"/>
     </c:legend>
     <c:plotVisOnly val="1"/>
@@ -1868,6 +1877,26 @@
   </mc:AlternateContent>
   <c:chart>
     <c:title>
+      <c:tx>
+        <c:rich>
+          <a:bodyPr/>
+          <a:lstStyle/>
+          <a:p>
+            <a:pPr>
+              <a:defRPr/>
+            </a:pPr>
+            <a:r>
+              <a:rPr lang="en-US" dirty="0"/>
+              <a:t>Speed </a:t>
+            </a:r>
+            <a:r>
+              <a:rPr lang="en-US" dirty="0" err="1" smtClean="0"/>
+              <a:t>MBps</a:t>
+            </a:r>
+            <a:endParaRPr lang="en-US" dirty="0"/>
+          </a:p>
+        </c:rich>
+      </c:tx>
       <c:layout/>
       <c:overlay val="0"/>
     </c:title>
@@ -2229,6 +2258,26 @@
   </mc:AlternateContent>
   <c:chart>
     <c:title>
+      <c:tx>
+        <c:rich>
+          <a:bodyPr/>
+          <a:lstStyle/>
+          <a:p>
+            <a:pPr>
+              <a:defRPr/>
+            </a:pPr>
+            <a:r>
+              <a:rPr lang="en-US" dirty="0"/>
+              <a:t>Speed </a:t>
+            </a:r>
+            <a:r>
+              <a:rPr lang="en-US" dirty="0" err="1" smtClean="0"/>
+              <a:t>MBps</a:t>
+            </a:r>
+            <a:endParaRPr lang="en-US" dirty="0"/>
+          </a:p>
+        </c:rich>
+      </c:tx>
       <c:layout/>
       <c:overlay val="0"/>
     </c:title>
@@ -7729,49 +7778,106 @@
         </p:nvSpPr>
         <p:spPr/>
         <p:txBody>
-          <a:bodyPr/>
+          <a:bodyPr>
+            <a:normAutofit lnSpcReduction="10000"/>
+          </a:bodyPr>
           <a:lstStyle/>
           <a:p>
             <a:pPr algn="l"/>
             <a:r>
               <a:rPr lang="en-US" dirty="0" smtClean="0"/>
-              <a:t>Preferred channel selection</a:t>
-            </a:r>
-          </a:p>
-          <a:p>
-            <a:pPr algn="l"/>
+              <a:t>IEEE80211</a:t>
+            </a:r>
+          </a:p>
+          <a:p>
+            <a:pPr lvl="1"/>
             <a:r>
               <a:rPr lang="en-US" dirty="0" smtClean="0"/>
-              <a:t>Calculation of RSSI regarding to Distance</a:t>
-            </a:r>
-          </a:p>
-          <a:p>
-            <a:pPr algn="l"/>
+              <a:t>Passive scan</a:t>
+            </a:r>
+          </a:p>
+          <a:p>
+            <a:pPr lvl="1"/>
             <a:r>
               <a:rPr lang="en-US" dirty="0" smtClean="0"/>
-              <a:t>Signal to Noise Ratio (SNR) – Packet Loss </a:t>
-            </a:r>
-          </a:p>
-          <a:p>
+              <a:t>Beacon sending</a:t>
+            </a:r>
+          </a:p>
+          <a:p>
+            <a:pPr lvl="1"/>
+            <a:r>
+              <a:rPr lang="en-US" dirty="0" smtClean="0"/>
+              <a:t>Acknowledgment</a:t>
+            </a:r>
+          </a:p>
+          <a:p>
+            <a:pPr lvl="1"/>
+            <a:r>
+              <a:rPr lang="en-US" dirty="0" smtClean="0"/>
+              <a:t>Connect/Disconnect flow</a:t>
+            </a:r>
+          </a:p>
+          <a:p>
+            <a:pPr lvl="1"/>
+            <a:r>
+              <a:rPr lang="en-US" dirty="0" smtClean="0"/>
+              <a:t>Keep Alive </a:t>
+            </a:r>
+            <a:r>
+              <a:rPr lang="en-US" dirty="0" smtClean="0"/>
+              <a:t>mechanism</a:t>
+            </a:r>
+          </a:p>
+          <a:p>
+            <a:pPr lvl="1"/>
             <a:r>
               <a:rPr lang="en-US" dirty="0"/>
-              <a:t>Calculation of transmit rate regarding to RSSI</a:t>
-            </a:r>
-          </a:p>
-          <a:p>
-            <a:pPr algn="l"/>
+              <a:t>Support of </a:t>
+            </a:r>
+            <a:r>
+              <a:rPr lang="en-US" dirty="0" smtClean="0"/>
+              <a:t>standards - </a:t>
+            </a:r>
+            <a:r>
+              <a:rPr lang="en-US" dirty="0"/>
+              <a:t>Band A, Band </a:t>
+            </a:r>
+            <a:r>
+              <a:rPr lang="en-US" dirty="0" smtClean="0"/>
+              <a:t>N</a:t>
+            </a:r>
             <a:endParaRPr lang="en-US" dirty="0" smtClean="0"/>
           </a:p>
           <a:p>
-            <a:pPr algn="l"/>
+            <a:pPr lvl="1"/>
+            <a:r>
+              <a:rPr lang="en-US" dirty="0" smtClean="0"/>
+              <a:t>Connection </a:t>
+            </a:r>
+            <a:r>
+              <a:rPr lang="en-US" dirty="0" smtClean="0"/>
+              <a:t>establishment negotiation</a:t>
+            </a:r>
+          </a:p>
+          <a:p>
+            <a:pPr lvl="1"/>
+            <a:r>
+              <a:rPr lang="en-US" dirty="0" smtClean="0"/>
+              <a:t>Base Service Set</a:t>
+            </a:r>
+          </a:p>
+          <a:p>
+            <a:pPr lvl="1"/>
+            <a:r>
+              <a:rPr lang="en-US" dirty="0" smtClean="0"/>
+              <a:t>Tunneled Direct Link Setup </a:t>
+            </a:r>
             <a:endParaRPr lang="en-US" dirty="0" smtClean="0"/>
           </a:p>
           <a:p>
-            <a:pPr algn="l"/>
             <a:endParaRPr lang="en-US" dirty="0" smtClean="0"/>
           </a:p>
           <a:p>
-            <a:pPr algn="l"/>
             <a:endParaRPr lang="en-US" dirty="0"/>
           </a:p>
         </p:txBody>
@@ -7794,7 +7900,7 @@
             <a:pPr rtl="1"/>
             <a:r>
               <a:rPr lang="en-US" dirty="0" smtClean="0"/>
-              <a:t>Used Algorithms</a:t>
+              <a:t>Supported Protocols</a:t>
             </a:r>
             <a:endParaRPr lang="en-US" dirty="0"/>
           </a:p>
@@ -7842,130 +7948,33 @@
         </p:nvSpPr>
         <p:spPr/>
         <p:txBody>
-          <a:bodyPr>
-            <a:normAutofit fontScale="70000" lnSpcReduction="20000"/>
-          </a:bodyPr>
+          <a:bodyPr/>
           <a:lstStyle/>
           <a:p>
-            <a:pPr algn="l"/>
             <a:r>
               <a:rPr lang="en-US" dirty="0" smtClean="0"/>
-              <a:t>Statistic and information</a:t>
-            </a:r>
-          </a:p>
-          <a:p>
-            <a:pPr algn="l"/>
+              <a:t>Calculation </a:t>
+            </a:r>
+            <a:r>
+              <a:rPr lang="en-US" dirty="0"/>
+              <a:t>of </a:t>
+            </a:r>
+            <a:r>
+              <a:rPr lang="en-US" sz="2000" b="1" i="1" dirty="0"/>
+              <a:t>Received Signal Strength Indication</a:t>
+            </a:r>
+            <a:r>
+              <a:rPr lang="en-US" sz="2000" b="1" dirty="0"/>
+              <a:t> </a:t>
+            </a:r>
             <a:r>
               <a:rPr lang="en-US" dirty="0" smtClean="0"/>
-              <a:t>Easy access to get all simulated information </a:t>
-            </a:r>
-          </a:p>
-          <a:p>
-            <a:pPr algn="l"/>
+              <a:t>(</a:t>
+            </a:r>
             <a:r>
               <a:rPr lang="en-US" dirty="0" smtClean="0"/>
-              <a:t>Ability to move objects on board</a:t>
-            </a:r>
-          </a:p>
-          <a:p>
-            <a:pPr algn="l"/>
-            <a:r>
-              <a:rPr lang="en-US" dirty="0" smtClean="0"/>
-              <a:t>Drag &amp; Drop</a:t>
-            </a:r>
-          </a:p>
-          <a:p>
-            <a:pPr algn="l"/>
-            <a:r>
-              <a:rPr lang="en-US" dirty="0" smtClean="0"/>
-              <a:t>Creation of RF device </a:t>
-            </a:r>
-          </a:p>
-          <a:p>
-            <a:pPr algn="l"/>
-            <a:r>
-              <a:rPr lang="en-US" dirty="0" smtClean="0"/>
-              <a:t>Random simulation</a:t>
-            </a:r>
-          </a:p>
-          <a:p>
-            <a:pPr algn="l"/>
-            <a:r>
-              <a:rPr lang="en-US" dirty="0" smtClean="0"/>
-              <a:t>Static simulation</a:t>
-            </a:r>
-          </a:p>
-          <a:p>
-            <a:pPr algn="l"/>
-            <a:r>
-              <a:rPr lang="en-US" dirty="0" smtClean="0"/>
-              <a:t>Station info form :</a:t>
-            </a:r>
-          </a:p>
-          <a:p>
-            <a:pPr lvl="1">
-              <a:buFont typeface="Wingdings" pitchFamily="2" charset="2"/>
-              <a:buChar char="Ø"/>
-            </a:pPr>
-            <a:r>
-              <a:rPr lang="en-US" dirty="0" smtClean="0"/>
-              <a:t>Statistic </a:t>
-            </a:r>
-          </a:p>
-          <a:p>
-            <a:pPr lvl="1">
-              <a:buFont typeface="Wingdings" pitchFamily="2" charset="2"/>
-              <a:buChar char="Ø"/>
-            </a:pPr>
-            <a:r>
-              <a:rPr lang="en-US" dirty="0" smtClean="0"/>
-              <a:t>Logs</a:t>
-            </a:r>
-          </a:p>
-          <a:p>
-            <a:pPr lvl="1">
-              <a:buFont typeface="Wingdings" pitchFamily="2" charset="2"/>
-              <a:buChar char="Ø"/>
-            </a:pPr>
-            <a:r>
-              <a:rPr lang="en-US" dirty="0" smtClean="0"/>
-              <a:t>Station configuration and overview</a:t>
-            </a:r>
-          </a:p>
-          <a:p>
-            <a:pPr lvl="1">
-              <a:buFont typeface="Wingdings" pitchFamily="2" charset="2"/>
-              <a:buChar char="Ø"/>
-            </a:pPr>
-            <a:r>
-              <a:rPr lang="en-US" dirty="0" smtClean="0"/>
-              <a:t>Configurable </a:t>
-            </a:r>
-            <a:r>
-              <a:rPr lang="en-US" dirty="0"/>
-              <a:t>d</a:t>
-            </a:r>
-            <a:r>
-              <a:rPr lang="en-US" dirty="0" smtClean="0"/>
-              <a:t>ump of STA object</a:t>
-            </a:r>
-          </a:p>
-          <a:p>
-            <a:pPr algn="l"/>
-            <a:r>
-              <a:rPr lang="en-US" dirty="0" smtClean="0"/>
-              <a:t>AP info form – provide basic configuration</a:t>
-            </a:r>
-          </a:p>
-          <a:p>
-            <a:pPr algn="l"/>
-            <a:r>
-              <a:rPr lang="en-US" dirty="0" smtClean="0"/>
-              <a:t>Saving and Load current simulation into file</a:t>
-            </a:r>
-          </a:p>
-          <a:p>
-            <a:pPr algn="l"/>
+              <a:t>RSSI)</a:t>
+            </a:r>
             <a:endParaRPr lang="en-US" dirty="0" smtClean="0"/>
           </a:p>
           <a:p>
@@ -7996,9 +8005,148 @@
             <a:pPr rtl="1"/>
             <a:r>
               <a:rPr lang="en-US" dirty="0" smtClean="0"/>
-              <a:t>GUI</a:t>
+              <a:t>Used Algorithms</a:t>
             </a:r>
             <a:endParaRPr lang="en-US" dirty="0"/>
+          </a:p>
+        </p:txBody>
+      </p:sp>
+      <p:pic>
+        <p:nvPicPr>
+          <p:cNvPr id="4" name="Picture 2"/>
+          <p:cNvPicPr>
+            <a:picLocks noChangeAspect="1" noChangeArrowheads="1"/>
+          </p:cNvPicPr>
+          <p:nvPr/>
+        </p:nvPicPr>
+        <p:blipFill rotWithShape="1">
+          <a:blip r:embed="rId2">
+            <a:extLst>
+              <a:ext uri="{28A0092B-C50C-407E-A947-70E740481C1C}">
+                <a14:useLocalDpi xmlns:a14="http://schemas.microsoft.com/office/drawing/2010/main" val="0"/>
+              </a:ext>
+            </a:extLst>
+          </a:blip>
+          <a:srcRect t="9762"/>
+          <a:stretch/>
+        </p:blipFill>
+        <p:spPr bwMode="auto">
+          <a:xfrm>
+            <a:off x="1981200" y="2807576"/>
+            <a:ext cx="4724400" cy="4050423"/>
+          </a:xfrm>
+          <a:prstGeom prst="rect">
+            <a:avLst/>
+          </a:prstGeom>
+          <a:noFill/>
+          <a:ln>
+            <a:noFill/>
+          </a:ln>
+          <a:effectLst/>
+          <a:extLst>
+            <a:ext uri="{909E8E84-426E-40DD-AFC4-6F175D3DCCD1}">
+              <a14:hiddenFill xmlns:a14="http://schemas.microsoft.com/office/drawing/2010/main">
+                <a:solidFill>
+                  <a:schemeClr val="accent1"/>
+                </a:solidFill>
+              </a14:hiddenFill>
+            </a:ext>
+            <a:ext uri="{91240B29-F687-4F45-9708-019B960494DF}">
+              <a14:hiddenLine xmlns:a14="http://schemas.microsoft.com/office/drawing/2010/main" w="9525">
+                <a:solidFill>
+                  <a:schemeClr val="tx1"/>
+                </a:solidFill>
+                <a:miter lim="800000"/>
+                <a:headEnd/>
+                <a:tailEnd/>
+              </a14:hiddenLine>
+            </a:ext>
+            <a:ext uri="{AF507438-7753-43E0-B8FC-AC1667EBCBE1}">
+              <a14:hiddenEffects xmlns:a14="http://schemas.microsoft.com/office/drawing/2010/main">
+                <a:effectLst>
+                  <a:outerShdw dist="35921" dir="2700000" algn="ctr" rotWithShape="0">
+                    <a:schemeClr val="bg2"/>
+                  </a:outerShdw>
+                </a:effectLst>
+              </a14:hiddenEffects>
+            </a:ext>
+          </a:extLst>
+        </p:spPr>
+      </p:pic>
+      <p:sp>
+        <p:nvSpPr>
+          <p:cNvPr id="5" name="TextBox 4"/>
+          <p:cNvSpPr txBox="1"/>
+          <p:nvPr/>
+        </p:nvSpPr>
+        <p:spPr>
+          <a:xfrm>
+            <a:off x="1295400" y="5576500"/>
+            <a:ext cx="838200" cy="276999"/>
+          </a:xfrm>
+          <a:prstGeom prst="rect">
+            <a:avLst/>
+          </a:prstGeom>
+          <a:solidFill>
+            <a:schemeClr val="bg1"/>
+          </a:solidFill>
+          <a:effectLst>
+            <a:outerShdw blurRad="50800" dist="50800" dir="5400000" algn="ctr" rotWithShape="0">
+              <a:schemeClr val="bg1"/>
+            </a:outerShdw>
+          </a:effectLst>
+        </p:spPr>
+        <p:txBody>
+          <a:bodyPr wrap="square" rtlCol="0">
+            <a:spAutoFit/>
+          </a:bodyPr>
+          <a:lstStyle/>
+          <a:p>
+            <a:pPr algn="r"/>
+            <a:r>
+              <a:rPr lang="en-US" sz="1200" dirty="0" smtClean="0"/>
+              <a:t>(</a:t>
+            </a:r>
+            <a:r>
+              <a:rPr lang="en-US" sz="1200" dirty="0" err="1" smtClean="0"/>
+              <a:t>DBm</a:t>
+            </a:r>
+            <a:r>
+              <a:rPr lang="en-US" sz="1200" dirty="0" smtClean="0"/>
+              <a:t>)</a:t>
+            </a:r>
+            <a:endParaRPr lang="ru-RU" sz="1200" dirty="0"/>
+          </a:p>
+        </p:txBody>
+      </p:sp>
+      <p:sp>
+        <p:nvSpPr>
+          <p:cNvPr id="6" name="TextBox 5"/>
+          <p:cNvSpPr txBox="1"/>
+          <p:nvPr/>
+        </p:nvSpPr>
+        <p:spPr>
+          <a:xfrm>
+            <a:off x="3771900" y="4204899"/>
+            <a:ext cx="1752600" cy="276999"/>
+          </a:xfrm>
+          <a:prstGeom prst="rect">
+            <a:avLst/>
+          </a:prstGeom>
+          <a:noFill/>
+        </p:spPr>
+        <p:txBody>
+          <a:bodyPr wrap="square" rtlCol="0">
+            <a:spAutoFit/>
+          </a:bodyPr>
+          <a:lstStyle/>
+          <a:p>
+            <a:pPr algn="r"/>
+            <a:r>
+              <a:rPr lang="en-US" sz="1200" dirty="0" smtClean="0"/>
+              <a:t>Distance (meters)</a:t>
+            </a:r>
+            <a:endParaRPr lang="ru-RU" sz="1200" dirty="0"/>
           </a:p>
         </p:txBody>
       </p:sp>
@@ -8012,6 +8160,13 @@
   <p:clrMapOvr>
     <a:masterClrMapping/>
   </p:clrMapOvr>
+  <p:timing>
+    <p:tnLst>
+      <p:par>
+        <p:cTn id="1" dur="indefinite" restart="never" nodeType="tmRoot"/>
+      </p:par>
+    </p:tnLst>
+  </p:timing>
 </p:sld>
 </file>
 
@@ -8044,60 +8199,29 @@
         </p:nvSpPr>
         <p:spPr/>
         <p:txBody>
-          <a:bodyPr>
-            <a:normAutofit/>
-          </a:bodyPr>
+          <a:bodyPr/>
           <a:lstStyle/>
           <a:p>
+            <a:pPr algn="l"/>
             <a:r>
               <a:rPr lang="en-US" dirty="0" smtClean="0"/>
-              <a:t>RSSI</a:t>
-            </a:r>
+              <a:t>Signal </a:t>
+            </a:r>
+            <a:r>
+              <a:rPr lang="en-US" dirty="0" smtClean="0"/>
+              <a:t>to Noise Ratio (SNR) – Packet Loss </a:t>
+            </a:r>
+          </a:p>
+          <a:p>
+            <a:pPr algn="l"/>
             <a:endParaRPr lang="en-US" dirty="0" smtClean="0"/>
           </a:p>
           <a:p>
-            <a:endParaRPr lang="en-US" dirty="0"/>
-          </a:p>
-          <a:p>
-            <a:r>
-              <a:rPr lang="en-US" dirty="0" smtClean="0"/>
-              <a:t>Challenge – medium</a:t>
-            </a:r>
-          </a:p>
-          <a:p>
-            <a:pPr lvl="1"/>
-            <a:r>
-              <a:rPr lang="en-US" dirty="0" smtClean="0"/>
-              <a:t>Send data</a:t>
-            </a:r>
-          </a:p>
-          <a:p>
-            <a:pPr lvl="1"/>
-            <a:r>
-              <a:rPr lang="en-US" dirty="0" smtClean="0"/>
-              <a:t>Pars received packet</a:t>
-            </a:r>
-          </a:p>
-          <a:p>
-            <a:pPr lvl="1"/>
-            <a:r>
-              <a:rPr lang="en-US" dirty="0" smtClean="0"/>
-              <a:t>Medium registration</a:t>
-            </a:r>
-          </a:p>
-          <a:p>
-            <a:pPr lvl="1"/>
-            <a:r>
-              <a:rPr lang="en-US" dirty="0" smtClean="0"/>
-              <a:t>AP – support any kind of packets </a:t>
-            </a:r>
-          </a:p>
-          <a:p>
-            <a:pPr lvl="1"/>
-            <a:r>
-              <a:rPr lang="en-US" dirty="0" smtClean="0"/>
-              <a:t>Stream handler / File to Packet division and restoration    </a:t>
-            </a:r>
+            <a:pPr algn="l"/>
+            <a:endParaRPr lang="en-US" dirty="0" smtClean="0"/>
+          </a:p>
+          <a:p>
+            <a:pPr algn="l"/>
             <a:endParaRPr lang="en-US" dirty="0"/>
           </a:p>
         </p:txBody>
@@ -8118,6 +8242,10 @@
           <a:lstStyle/>
           <a:p>
             <a:pPr rtl="1"/>
+            <a:r>
+              <a:rPr lang="en-US" dirty="0" smtClean="0"/>
+              <a:t>Used Algorithms</a:t>
+            </a:r>
             <a:endParaRPr lang="en-US" dirty="0"/>
           </a:p>
         </p:txBody>
@@ -8125,7 +8253,7 @@
     </p:spTree>
     <p:extLst>
       <p:ext uri="{BB962C8B-B14F-4D97-AF65-F5344CB8AC3E}">
-        <p14:creationId xmlns:p14="http://schemas.microsoft.com/office/powerpoint/2010/main" val="1441071697"/>
+        <p14:creationId xmlns:p14="http://schemas.microsoft.com/office/powerpoint/2010/main" val="2241084113"/>
       </p:ext>
     </p:extLst>
   </p:cSld>
@@ -8154,7 +8282,49 @@
       </p:grpSpPr>
       <p:sp>
         <p:nvSpPr>
-          <p:cNvPr id="3" name="Заголовок 2"/>
+          <p:cNvPr id="2" name="Content Placeholder 1"/>
+          <p:cNvSpPr>
+            <a:spLocks noGrp="1"/>
+          </p:cNvSpPr>
+          <p:nvPr>
+            <p:ph idx="1"/>
+          </p:nvPr>
+        </p:nvSpPr>
+        <p:spPr/>
+        <p:txBody>
+          <a:bodyPr/>
+          <a:lstStyle/>
+          <a:p>
+            <a:r>
+              <a:rPr lang="en-US" dirty="0" smtClean="0"/>
+              <a:t>Calculation </a:t>
+            </a:r>
+            <a:r>
+              <a:rPr lang="en-US" dirty="0"/>
+              <a:t>of transmit rate regarding to RSSI</a:t>
+            </a:r>
+          </a:p>
+          <a:p>
+            <a:pPr algn="l"/>
+            <a:endParaRPr lang="en-US" dirty="0" smtClean="0"/>
+          </a:p>
+          <a:p>
+            <a:pPr algn="l"/>
+            <a:endParaRPr lang="en-US" dirty="0" smtClean="0"/>
+          </a:p>
+          <a:p>
+            <a:pPr algn="l"/>
+            <a:endParaRPr lang="en-US" dirty="0" smtClean="0"/>
+          </a:p>
+          <a:p>
+            <a:pPr algn="l"/>
+            <a:endParaRPr lang="en-US" dirty="0"/>
+          </a:p>
+        </p:txBody>
+      </p:sp>
+      <p:sp>
+        <p:nvSpPr>
+          <p:cNvPr id="3" name="Title 2"/>
           <p:cNvSpPr>
             <a:spLocks noGrp="1"/>
           </p:cNvSpPr>
@@ -8162,27 +8332,219 @@
             <p:ph type="title"/>
           </p:nvPr>
         </p:nvSpPr>
-        <p:spPr>
-          <a:xfrm>
-            <a:off x="381000" y="570156"/>
-            <a:ext cx="8382000" cy="1030044"/>
-          </a:xfrm>
-        </p:spPr>
+        <p:spPr/>
         <p:txBody>
           <a:bodyPr/>
           <a:lstStyle/>
           <a:p>
-            <a:r>
-              <a:rPr lang="en-US"/>
-              <a:t>Low Rate Clients Degrade WLAN Performance</a:t>
-            </a:r>
-            <a:endParaRPr lang="ru-RU" dirty="0"/>
+            <a:pPr rtl="1"/>
+            <a:r>
+              <a:rPr lang="en-US" dirty="0" smtClean="0"/>
+              <a:t>Used Algorithms</a:t>
+            </a:r>
+            <a:endParaRPr lang="en-US" dirty="0"/>
+          </a:p>
+        </p:txBody>
+      </p:sp>
+      <p:graphicFrame>
+        <p:nvGraphicFramePr>
+          <p:cNvPr id="4" name="Диаграмма 3"/>
+          <p:cNvGraphicFramePr>
+            <a:graphicFrameLocks/>
+          </p:cNvGraphicFramePr>
+          <p:nvPr>
+            <p:extLst>
+              <p:ext uri="{D42A27DB-BD31-4B8C-83A1-F6EECF244321}">
+                <p14:modId xmlns:p14="http://schemas.microsoft.com/office/powerpoint/2010/main" val="830276947"/>
+              </p:ext>
+            </p:extLst>
+          </p:nvPr>
+        </p:nvGraphicFramePr>
+        <p:xfrm>
+          <a:off x="1143000" y="2743200"/>
+          <a:ext cx="6858000" cy="3962400"/>
+        </p:xfrm>
+        <a:graphic>
+          <a:graphicData uri="http://schemas.openxmlformats.org/drawingml/2006/chart">
+            <c:chart xmlns:c="http://schemas.openxmlformats.org/drawingml/2006/chart" xmlns:r="http://schemas.openxmlformats.org/officeDocument/2006/relationships" r:id="rId2"/>
+          </a:graphicData>
+        </a:graphic>
+      </p:graphicFrame>
+      <p:sp>
+        <p:nvSpPr>
+          <p:cNvPr id="5" name="TextBox 4"/>
+          <p:cNvSpPr txBox="1"/>
+          <p:nvPr/>
+        </p:nvSpPr>
+        <p:spPr>
+          <a:xfrm>
+            <a:off x="7391400" y="6410325"/>
+            <a:ext cx="838200" cy="261610"/>
+          </a:xfrm>
+          <a:prstGeom prst="rect">
+            <a:avLst/>
+          </a:prstGeom>
+          <a:noFill/>
+        </p:spPr>
+        <p:txBody>
+          <a:bodyPr wrap="square" rtlCol="0">
+            <a:spAutoFit/>
+          </a:bodyPr>
+          <a:lstStyle/>
+          <a:p>
+            <a:r>
+              <a:rPr lang="en-US" sz="1100" dirty="0" smtClean="0"/>
+              <a:t>(Kbps)</a:t>
+            </a:r>
+            <a:endParaRPr lang="ru-RU" sz="1100" dirty="0"/>
+          </a:p>
+        </p:txBody>
+      </p:sp>
+      <p:sp>
+        <p:nvSpPr>
+          <p:cNvPr id="6" name="TextBox 5"/>
+          <p:cNvSpPr txBox="1"/>
+          <p:nvPr/>
+        </p:nvSpPr>
+        <p:spPr>
+          <a:xfrm>
+            <a:off x="6705600" y="2819400"/>
+            <a:ext cx="838200" cy="276999"/>
+          </a:xfrm>
+          <a:prstGeom prst="rect">
+            <a:avLst/>
+          </a:prstGeom>
+          <a:noFill/>
+        </p:spPr>
+        <p:txBody>
+          <a:bodyPr wrap="square" rtlCol="0">
+            <a:spAutoFit/>
+          </a:bodyPr>
+          <a:lstStyle/>
+          <a:p>
+            <a:pPr algn="r"/>
+            <a:r>
+              <a:rPr lang="en-US" sz="1200" dirty="0" smtClean="0"/>
+              <a:t>(</a:t>
+            </a:r>
+            <a:r>
+              <a:rPr lang="en-US" sz="1200" dirty="0" err="1" smtClean="0"/>
+              <a:t>DBm</a:t>
+            </a:r>
+            <a:r>
+              <a:rPr lang="en-US" sz="1200" dirty="0" smtClean="0"/>
+              <a:t>)</a:t>
+            </a:r>
+            <a:endParaRPr lang="ru-RU" sz="1200" dirty="0"/>
+          </a:p>
+        </p:txBody>
+      </p:sp>
+    </p:spTree>
+    <p:extLst>
+      <p:ext uri="{BB962C8B-B14F-4D97-AF65-F5344CB8AC3E}">
+        <p14:creationId xmlns:p14="http://schemas.microsoft.com/office/powerpoint/2010/main" val="2241084113"/>
+      </p:ext>
+    </p:extLst>
+  </p:cSld>
+  <p:clrMapOvr>
+    <a:masterClrMapping/>
+  </p:clrMapOvr>
+  <p:timing>
+    <p:tnLst>
+      <p:par>
+        <p:cTn id="1" dur="indefinite" restart="never" nodeType="tmRoot"/>
+      </p:par>
+    </p:tnLst>
+  </p:timing>
+</p:sld>
+</file>
+
+<file path=ppt/slides/slide14.xml><?xml version="1.0" encoding="utf-8"?>
+<p:sld xmlns:a="http://schemas.openxmlformats.org/drawingml/2006/main" xmlns:r="http://schemas.openxmlformats.org/officeDocument/2006/relationships" xmlns:p="http://schemas.openxmlformats.org/presentationml/2006/main">
+  <p:cSld>
+    <p:spTree>
+      <p:nvGrpSpPr>
+        <p:cNvPr id="1" name=""/>
+        <p:cNvGrpSpPr/>
+        <p:nvPr/>
+      </p:nvGrpSpPr>
+      <p:grpSpPr>
+        <a:xfrm>
+          <a:off x="0" y="0"/>
+          <a:ext cx="0" cy="0"/>
+          <a:chOff x="0" y="0"/>
+          <a:chExt cx="0" cy="0"/>
+        </a:xfrm>
+      </p:grpSpPr>
+      <p:sp>
+        <p:nvSpPr>
+          <p:cNvPr id="2" name="Content Placeholder 1"/>
+          <p:cNvSpPr>
+            <a:spLocks noGrp="1"/>
+          </p:cNvSpPr>
+          <p:nvPr>
+            <p:ph idx="1"/>
+          </p:nvPr>
+        </p:nvSpPr>
+        <p:spPr/>
+        <p:txBody>
+          <a:bodyPr/>
+          <a:lstStyle/>
+          <a:p>
+            <a:r>
+              <a:rPr lang="en-US" dirty="0" smtClean="0"/>
+              <a:t>Calculation </a:t>
+            </a:r>
+            <a:r>
+              <a:rPr lang="en-US" dirty="0"/>
+              <a:t>of transmit rate regarding to RSSI</a:t>
+            </a:r>
+          </a:p>
+          <a:p>
+            <a:pPr algn="l"/>
+            <a:endParaRPr lang="en-US" dirty="0" smtClean="0"/>
+          </a:p>
+          <a:p>
+            <a:pPr algn="l"/>
+            <a:endParaRPr lang="en-US" dirty="0" smtClean="0"/>
+          </a:p>
+          <a:p>
+            <a:pPr algn="l"/>
+            <a:endParaRPr lang="en-US" dirty="0" smtClean="0"/>
+          </a:p>
+          <a:p>
+            <a:pPr algn="l"/>
+            <a:endParaRPr lang="en-US" dirty="0"/>
+          </a:p>
+        </p:txBody>
+      </p:sp>
+      <p:sp>
+        <p:nvSpPr>
+          <p:cNvPr id="3" name="Title 2"/>
+          <p:cNvSpPr>
+            <a:spLocks noGrp="1"/>
+          </p:cNvSpPr>
+          <p:nvPr>
+            <p:ph type="title"/>
+          </p:nvPr>
+        </p:nvSpPr>
+        <p:spPr/>
+        <p:txBody>
+          <a:bodyPr/>
+          <a:lstStyle/>
+          <a:p>
+            <a:pPr rtl="1"/>
+            <a:r>
+              <a:rPr lang="en-US" dirty="0" smtClean="0"/>
+              <a:t>Used Algorithms</a:t>
+            </a:r>
+            <a:endParaRPr lang="en-US" dirty="0"/>
           </a:p>
         </p:txBody>
       </p:sp>
       <p:pic>
         <p:nvPicPr>
-          <p:cNvPr id="5122" name="Picture 2" descr="D:\Dropbox\Z_PROJECTS\sls\Results\Coverage Area.JPG"/>
+          <p:cNvPr id="7" name="Picture 2" descr="D:\Dropbox\Z_PROJECTS\sls\Results\Coverage Area.JPG"/>
           <p:cNvPicPr>
             <a:picLocks noChangeAspect="1" noChangeArrowheads="1"/>
           </p:cNvPicPr>
@@ -8203,8 +8565,8 @@
         </p:blipFill>
         <p:spPr bwMode="auto">
           <a:xfrm>
-            <a:off x="1143000" y="1676400"/>
-            <a:ext cx="6986588" cy="4991016"/>
+            <a:off x="1219199" y="2748089"/>
+            <a:ext cx="5753189" cy="4109911"/>
           </a:xfrm>
           <a:prstGeom prst="rect">
             <a:avLst/>
@@ -8224,17 +8586,24 @@
     </p:spTree>
     <p:extLst>
       <p:ext uri="{BB962C8B-B14F-4D97-AF65-F5344CB8AC3E}">
-        <p14:creationId xmlns:p14="http://schemas.microsoft.com/office/powerpoint/2010/main" val="2687470670"/>
+        <p14:creationId xmlns:p14="http://schemas.microsoft.com/office/powerpoint/2010/main" val="1697233512"/>
       </p:ext>
     </p:extLst>
   </p:cSld>
   <p:clrMapOvr>
     <a:masterClrMapping/>
   </p:clrMapOvr>
+  <p:timing>
+    <p:tnLst>
+      <p:par>
+        <p:cTn id="1" dur="indefinite" restart="never" nodeType="tmRoot"/>
+      </p:par>
+    </p:tnLst>
+  </p:timing>
 </p:sld>
 </file>
 
-<file path=ppt/slides/slide14.xml><?xml version="1.0" encoding="utf-8"?>
+<file path=ppt/slides/slide15.xml><?xml version="1.0" encoding="utf-8"?>
 <p:sld xmlns:a="http://schemas.openxmlformats.org/drawingml/2006/main" xmlns:r="http://schemas.openxmlformats.org/officeDocument/2006/relationships" xmlns:p="http://schemas.openxmlformats.org/presentationml/2006/main">
   <p:cSld>
     <p:spTree>
@@ -8270,35 +8639,50 @@
           <a:p>
             <a:r>
               <a:rPr lang="en-US" sz="3200" dirty="0" smtClean="0"/>
-              <a:t>Null Data Packet </a:t>
-            </a:r>
-            <a:r>
-              <a:rPr lang="en-US" sz="3200" dirty="0"/>
+              <a:t>We have developed 2 different SLS algorithms: </a:t>
+            </a:r>
+          </a:p>
+          <a:p>
+            <a:endParaRPr lang="en-US" sz="3200" dirty="0"/>
+          </a:p>
+          <a:p>
+            <a:pPr lvl="1">
+              <a:buFont typeface="Wingdings" pitchFamily="2" charset="2"/>
+              <a:buChar char="Ø"/>
+            </a:pPr>
+            <a:r>
+              <a:rPr lang="en-US" sz="3000" dirty="0" smtClean="0"/>
+              <a:t>Null </a:t>
+            </a:r>
+            <a:r>
+              <a:rPr lang="en-US" sz="3000" dirty="0" smtClean="0"/>
+              <a:t>Data Packet </a:t>
+            </a:r>
+            <a:r>
+              <a:rPr lang="en-US" sz="3000" dirty="0"/>
               <a:t>Based </a:t>
             </a:r>
             <a:r>
-              <a:rPr lang="en-US" sz="3200" dirty="0" smtClean="0"/>
+              <a:rPr lang="en-US" sz="3000" dirty="0" smtClean="0"/>
               <a:t>Algorithm</a:t>
             </a:r>
           </a:p>
           <a:p>
-            <a:pPr marL="0" indent="0">
+            <a:pPr marL="411480" lvl="1" indent="0">
               <a:buNone/>
             </a:pPr>
-            <a:endParaRPr lang="en-US" sz="3200" dirty="0"/>
-          </a:p>
-          <a:p>
-            <a:pPr marL="0" indent="0">
-              <a:buNone/>
+            <a:endParaRPr lang="en-US" sz="3000" dirty="0" smtClean="0"/>
+          </a:p>
+          <a:p>
+            <a:pPr lvl="1">
+              <a:buFont typeface="Wingdings" pitchFamily="2" charset="2"/>
+              <a:buChar char="Ø"/>
             </a:pPr>
-            <a:endParaRPr lang="en-US" sz="3200" dirty="0" smtClean="0"/>
-          </a:p>
-          <a:p>
-            <a:r>
-              <a:rPr lang="en-US" sz="3200" dirty="0" smtClean="0"/>
+            <a:r>
+              <a:rPr lang="en-US" sz="3000" dirty="0" smtClean="0"/>
               <a:t>Window Based Algorithm</a:t>
             </a:r>
-            <a:endParaRPr lang="ru-RU" sz="3200" dirty="0"/>
+            <a:endParaRPr lang="ru-RU" sz="3000" dirty="0"/>
           </a:p>
         </p:txBody>
       </p:sp>
@@ -8319,7 +8703,7 @@
           <a:p>
             <a:r>
               <a:rPr lang="en-US" dirty="0" smtClean="0"/>
-              <a:t>SLS</a:t>
+              <a:t>Smart Link Selection</a:t>
             </a:r>
             <a:endParaRPr lang="ru-RU" dirty="0"/>
           </a:p>
@@ -8335,10 +8719,17 @@
   <p:clrMapOvr>
     <a:masterClrMapping/>
   </p:clrMapOvr>
+  <p:timing>
+    <p:tnLst>
+      <p:par>
+        <p:cTn id="1" dur="indefinite" restart="never" nodeType="tmRoot"/>
+      </p:par>
+    </p:tnLst>
+  </p:timing>
 </p:sld>
 </file>
 
-<file path=ppt/slides/slide15.xml><?xml version="1.0" encoding="utf-8"?>
+<file path=ppt/slides/slide16.xml><?xml version="1.0" encoding="utf-8"?>
 <p:sld xmlns:a="http://schemas.openxmlformats.org/drawingml/2006/main" xmlns:r="http://schemas.openxmlformats.org/officeDocument/2006/relationships" xmlns:p="http://schemas.openxmlformats.org/presentationml/2006/main">
   <p:cSld>
     <p:spTree>
@@ -8474,10 +8865,17 @@
   <p:clrMapOvr>
     <a:masterClrMapping/>
   </p:clrMapOvr>
+  <p:timing>
+    <p:tnLst>
+      <p:par>
+        <p:cTn id="1" dur="indefinite" restart="never" nodeType="tmRoot"/>
+      </p:par>
+    </p:tnLst>
+  </p:timing>
 </p:sld>
 </file>
 
-<file path=ppt/slides/slide16.xml><?xml version="1.0" encoding="utf-8"?>
+<file path=ppt/slides/slide17.xml><?xml version="1.0" encoding="utf-8"?>
 <p:sld xmlns:a="http://schemas.openxmlformats.org/drawingml/2006/main" xmlns:r="http://schemas.openxmlformats.org/officeDocument/2006/relationships" xmlns:p="http://schemas.openxmlformats.org/presentationml/2006/main">
   <p:cSld>
     <p:spTree>
@@ -8536,7 +8934,7 @@
           <a:graphicData uri="http://schemas.openxmlformats.org/presentationml/2006/ole">
             <mc:AlternateContent xmlns:mc="http://schemas.openxmlformats.org/markup-compatibility/2006">
               <mc:Choice xmlns:v="urn:schemas-microsoft-com:vml" Requires="v">
-                <p:oleObj spid="_x0000_s3169" name="Visio" r:id="rId3" imgW="9147060" imgH="7289860" progId="Visio.Drawing.11">
+                <p:oleObj spid="_x0000_s3176" name="Visio" r:id="rId3" imgW="9147060" imgH="7289860" progId="Visio.Drawing.11">
                   <p:embed/>
                 </p:oleObj>
               </mc:Choice>
@@ -8591,7 +8989,7 @@
 </p:sld>
 </file>
 
-<file path=ppt/slides/slide17.xml><?xml version="1.0" encoding="utf-8"?>
+<file path=ppt/slides/slide18.xml><?xml version="1.0" encoding="utf-8"?>
 <p:sld xmlns:a="http://schemas.openxmlformats.org/drawingml/2006/main" xmlns:r="http://schemas.openxmlformats.org/officeDocument/2006/relationships" xmlns:p="http://schemas.openxmlformats.org/presentationml/2006/main">
   <p:cSld>
     <p:spTree>
@@ -8754,7 +9152,7 @@
 </p:sld>
 </file>
 
-<file path=ppt/slides/slide18.xml><?xml version="1.0" encoding="utf-8"?>
+<file path=ppt/slides/slide19.xml><?xml version="1.0" encoding="utf-8"?>
 <p:sld xmlns:a="http://schemas.openxmlformats.org/drawingml/2006/main" xmlns:r="http://schemas.openxmlformats.org/officeDocument/2006/relationships" xmlns:p="http://schemas.openxmlformats.org/presentationml/2006/main">
   <p:cSld>
     <p:spTree>
@@ -8793,7 +9191,7 @@
           <a:graphicData uri="http://schemas.openxmlformats.org/presentationml/2006/ole">
             <mc:AlternateContent xmlns:mc="http://schemas.openxmlformats.org/markup-compatibility/2006">
               <mc:Choice xmlns:v="urn:schemas-microsoft-com:vml" Requires="v">
-                <p:oleObj spid="_x0000_s5149" name="Visio" r:id="rId3" imgW="10758690" imgH="7626560" progId="Visio.Drawing.11">
+                <p:oleObj spid="_x0000_s5156" name="Visio" r:id="rId3" imgW="10758690" imgH="7626560" progId="Visio.Drawing.11">
                   <p:embed/>
                 </p:oleObj>
               </mc:Choice>
@@ -8953,132 +9351,6 @@
 </p:sld>
 </file>
 
-<file path=ppt/slides/slide19.xml><?xml version="1.0" encoding="utf-8"?>
-<p:sld xmlns:a="http://schemas.openxmlformats.org/drawingml/2006/main" xmlns:r="http://schemas.openxmlformats.org/officeDocument/2006/relationships" xmlns:p="http://schemas.openxmlformats.org/presentationml/2006/main">
-  <p:cSld>
-    <p:spTree>
-      <p:nvGrpSpPr>
-        <p:cNvPr id="1" name=""/>
-        <p:cNvGrpSpPr/>
-        <p:nvPr/>
-      </p:nvGrpSpPr>
-      <p:grpSpPr>
-        <a:xfrm>
-          <a:off x="0" y="0"/>
-          <a:ext cx="0" cy="0"/>
-          <a:chOff x="0" y="0"/>
-          <a:chExt cx="0" cy="0"/>
-        </a:xfrm>
-      </p:grpSpPr>
-      <p:graphicFrame>
-        <p:nvGraphicFramePr>
-          <p:cNvPr id="7" name="Object 6"/>
-          <p:cNvGraphicFramePr>
-            <a:graphicFrameLocks noChangeAspect="1"/>
-          </p:cNvGraphicFramePr>
-          <p:nvPr>
-            <p:extLst>
-              <p:ext uri="{D42A27DB-BD31-4B8C-83A1-F6EECF244321}">
-                <p14:modId xmlns:p14="http://schemas.microsoft.com/office/powerpoint/2010/main" val="1831266268"/>
-              </p:ext>
-            </p:extLst>
-          </p:nvPr>
-        </p:nvGraphicFramePr>
-        <p:xfrm>
-          <a:off x="0" y="-1"/>
-          <a:ext cx="9144000" cy="6858001"/>
-        </p:xfrm>
-        <a:graphic>
-          <a:graphicData uri="http://schemas.openxmlformats.org/presentationml/2006/ole">
-            <mc:AlternateContent xmlns:mc="http://schemas.openxmlformats.org/markup-compatibility/2006">
-              <mc:Choice xmlns:v="urn:schemas-microsoft-com:vml" Requires="v">
-                <p:oleObj spid="_x0000_s7191" name="Visio" r:id="rId3" imgW="10758690" imgH="7626560" progId="Visio.Drawing.11">
-                  <p:embed/>
-                </p:oleObj>
-              </mc:Choice>
-              <mc:Fallback>
-                <p:oleObj name="Visio" r:id="rId3" imgW="10758690" imgH="7626560" progId="Visio.Drawing.11">
-                  <p:embed/>
-                  <p:pic>
-                    <p:nvPicPr>
-                      <p:cNvPr id="0" name=""/>
-                      <p:cNvPicPr/>
-                      <p:nvPr/>
-                    </p:nvPicPr>
-                    <p:blipFill>
-                      <a:blip r:embed="rId4"/>
-                      <a:stretch>
-                        <a:fillRect/>
-                      </a:stretch>
-                    </p:blipFill>
-                    <p:spPr>
-                      <a:xfrm>
-                        <a:off x="0" y="-1"/>
-                        <a:ext cx="9144000" cy="6858001"/>
-                      </a:xfrm>
-                      <a:prstGeom prst="rect">
-                        <a:avLst/>
-                      </a:prstGeom>
-                    </p:spPr>
-                  </p:pic>
-                </p:oleObj>
-              </mc:Fallback>
-            </mc:AlternateContent>
-          </a:graphicData>
-        </a:graphic>
-      </p:graphicFrame>
-      <p:sp>
-        <p:nvSpPr>
-          <p:cNvPr id="3" name="Заголовок 2"/>
-          <p:cNvSpPr>
-            <a:spLocks noGrp="1"/>
-          </p:cNvSpPr>
-          <p:nvPr>
-            <p:ph type="title"/>
-          </p:nvPr>
-        </p:nvSpPr>
-        <p:spPr>
-          <a:xfrm>
-            <a:off x="285750" y="95250"/>
-            <a:ext cx="7756263" cy="1054250"/>
-          </a:xfrm>
-        </p:spPr>
-        <p:txBody>
-          <a:bodyPr/>
-          <a:lstStyle/>
-          <a:p>
-            <a:r>
-              <a:rPr lang="en-US" sz="4800" dirty="0"/>
-              <a:t>Window Based </a:t>
-            </a:r>
-            <a:r>
-              <a:rPr lang="en-US" sz="4800" dirty="0" smtClean="0"/>
-              <a:t>Algorithm</a:t>
-            </a:r>
-            <a:endParaRPr lang="ru-RU" dirty="0"/>
-          </a:p>
-        </p:txBody>
-      </p:sp>
-    </p:spTree>
-    <p:extLst>
-      <p:ext uri="{BB962C8B-B14F-4D97-AF65-F5344CB8AC3E}">
-        <p14:creationId xmlns:p14="http://schemas.microsoft.com/office/powerpoint/2010/main" val="2267959745"/>
-      </p:ext>
-    </p:extLst>
-  </p:cSld>
-  <p:clrMapOvr>
-    <a:masterClrMapping/>
-  </p:clrMapOvr>
-  <p:timing>
-    <p:tnLst>
-      <p:par>
-        <p:cTn id="1" dur="indefinite" restart="never" nodeType="tmRoot"/>
-      </p:par>
-    </p:tnLst>
-  </p:timing>
-</p:sld>
-</file>
-
 <file path=ppt/slides/slide2.xml><?xml version="1.0" encoding="utf-8"?>
 <p:sld xmlns:a="http://schemas.openxmlformats.org/drawingml/2006/main" xmlns:r="http://schemas.openxmlformats.org/officeDocument/2006/relationships" xmlns:p="http://schemas.openxmlformats.org/presentationml/2006/main">
   <p:cSld>
@@ -9098,6 +9370,36 @@
       </p:grpSpPr>
       <p:sp>
         <p:nvSpPr>
+          <p:cNvPr id="2" name="Content Placeholder 1"/>
+          <p:cNvSpPr>
+            <a:spLocks noGrp="1"/>
+          </p:cNvSpPr>
+          <p:nvPr>
+            <p:ph idx="1"/>
+          </p:nvPr>
+        </p:nvSpPr>
+        <p:spPr/>
+        <p:txBody>
+          <a:bodyPr>
+            <a:normAutofit/>
+          </a:bodyPr>
+          <a:lstStyle/>
+          <a:p>
+            <a:pPr algn="l"/>
+            <a:r>
+              <a:rPr lang="en-US" dirty="0" smtClean="0"/>
+              <a:t>Creation of WiFi simulator in order to develop Smart Link Selection </a:t>
+            </a:r>
+            <a:r>
+              <a:rPr lang="en-US" dirty="0" smtClean="0"/>
+              <a:t>Algorithms  </a:t>
+            </a:r>
+            <a:endParaRPr lang="en-US" dirty="0"/>
+          </a:p>
+        </p:txBody>
+      </p:sp>
+      <p:sp>
+        <p:nvSpPr>
           <p:cNvPr id="3" name="Title 2"/>
           <p:cNvSpPr>
             <a:spLocks noGrp="1"/>
@@ -9114,7 +9416,11 @@
             <a:pPr rtl="1"/>
             <a:r>
               <a:rPr lang="en-US" dirty="0" smtClean="0"/>
-              <a:t>Project Overview</a:t>
+              <a:t>Project </a:t>
+            </a:r>
+            <a:r>
+              <a:rPr lang="en-US" dirty="0" smtClean="0"/>
+              <a:t>Goal</a:t>
             </a:r>
             <a:endParaRPr lang="en-US" dirty="0"/>
           </a:p>
@@ -9142,8 +9448,8 @@
         </p:blipFill>
         <p:spPr>
           <a:xfrm>
-            <a:off x="1600200" y="2133600"/>
-            <a:ext cx="5976664" cy="4320481"/>
+            <a:off x="2209800" y="3084411"/>
+            <a:ext cx="4648200" cy="3360145"/>
           </a:xfrm>
           <a:prstGeom prst="rect">
             <a:avLst/>
@@ -9159,7 +9465,7 @@
     </p:spTree>
     <p:extLst>
       <p:ext uri="{BB962C8B-B14F-4D97-AF65-F5344CB8AC3E}">
-        <p14:creationId xmlns:p14="http://schemas.microsoft.com/office/powerpoint/2010/main" val="3615643797"/>
+        <p14:creationId xmlns:p14="http://schemas.microsoft.com/office/powerpoint/2010/main" val="3472477673"/>
       </p:ext>
     </p:extLst>
   </p:cSld>
@@ -9309,6 +9615,132 @@
       </p:grpSpPr>
       <p:graphicFrame>
         <p:nvGraphicFramePr>
+          <p:cNvPr id="7" name="Object 6"/>
+          <p:cNvGraphicFramePr>
+            <a:graphicFrameLocks noChangeAspect="1"/>
+          </p:cNvGraphicFramePr>
+          <p:nvPr>
+            <p:extLst>
+              <p:ext uri="{D42A27DB-BD31-4B8C-83A1-F6EECF244321}">
+                <p14:modId xmlns:p14="http://schemas.microsoft.com/office/powerpoint/2010/main" val="1831266268"/>
+              </p:ext>
+            </p:extLst>
+          </p:nvPr>
+        </p:nvGraphicFramePr>
+        <p:xfrm>
+          <a:off x="0" y="-1"/>
+          <a:ext cx="9144000" cy="6858001"/>
+        </p:xfrm>
+        <a:graphic>
+          <a:graphicData uri="http://schemas.openxmlformats.org/presentationml/2006/ole">
+            <mc:AlternateContent xmlns:mc="http://schemas.openxmlformats.org/markup-compatibility/2006">
+              <mc:Choice xmlns:v="urn:schemas-microsoft-com:vml" Requires="v">
+                <p:oleObj spid="_x0000_s7198" name="Visio" r:id="rId3" imgW="10758690" imgH="7626560" progId="Visio.Drawing.11">
+                  <p:embed/>
+                </p:oleObj>
+              </mc:Choice>
+              <mc:Fallback>
+                <p:oleObj name="Visio" r:id="rId3" imgW="10758690" imgH="7626560" progId="Visio.Drawing.11">
+                  <p:embed/>
+                  <p:pic>
+                    <p:nvPicPr>
+                      <p:cNvPr id="0" name=""/>
+                      <p:cNvPicPr/>
+                      <p:nvPr/>
+                    </p:nvPicPr>
+                    <p:blipFill>
+                      <a:blip r:embed="rId4"/>
+                      <a:stretch>
+                        <a:fillRect/>
+                      </a:stretch>
+                    </p:blipFill>
+                    <p:spPr>
+                      <a:xfrm>
+                        <a:off x="0" y="-1"/>
+                        <a:ext cx="9144000" cy="6858001"/>
+                      </a:xfrm>
+                      <a:prstGeom prst="rect">
+                        <a:avLst/>
+                      </a:prstGeom>
+                    </p:spPr>
+                  </p:pic>
+                </p:oleObj>
+              </mc:Fallback>
+            </mc:AlternateContent>
+          </a:graphicData>
+        </a:graphic>
+      </p:graphicFrame>
+      <p:sp>
+        <p:nvSpPr>
+          <p:cNvPr id="3" name="Заголовок 2"/>
+          <p:cNvSpPr>
+            <a:spLocks noGrp="1"/>
+          </p:cNvSpPr>
+          <p:nvPr>
+            <p:ph type="title"/>
+          </p:nvPr>
+        </p:nvSpPr>
+        <p:spPr>
+          <a:xfrm>
+            <a:off x="285750" y="95250"/>
+            <a:ext cx="7756263" cy="1054250"/>
+          </a:xfrm>
+        </p:spPr>
+        <p:txBody>
+          <a:bodyPr/>
+          <a:lstStyle/>
+          <a:p>
+            <a:r>
+              <a:rPr lang="en-US" sz="4800" dirty="0"/>
+              <a:t>Window Based </a:t>
+            </a:r>
+            <a:r>
+              <a:rPr lang="en-US" sz="4800" dirty="0" smtClean="0"/>
+              <a:t>Algorithm</a:t>
+            </a:r>
+            <a:endParaRPr lang="ru-RU" dirty="0"/>
+          </a:p>
+        </p:txBody>
+      </p:sp>
+    </p:spTree>
+    <p:extLst>
+      <p:ext uri="{BB962C8B-B14F-4D97-AF65-F5344CB8AC3E}">
+        <p14:creationId xmlns:p14="http://schemas.microsoft.com/office/powerpoint/2010/main" val="2267959745"/>
+      </p:ext>
+    </p:extLst>
+  </p:cSld>
+  <p:clrMapOvr>
+    <a:masterClrMapping/>
+  </p:clrMapOvr>
+  <p:timing>
+    <p:tnLst>
+      <p:par>
+        <p:cTn id="1" dur="indefinite" restart="never" nodeType="tmRoot"/>
+      </p:par>
+    </p:tnLst>
+  </p:timing>
+</p:sld>
+</file>
+
+<file path=ppt/slides/slide21.xml><?xml version="1.0" encoding="utf-8"?>
+<p:sld xmlns:a="http://schemas.openxmlformats.org/drawingml/2006/main" xmlns:r="http://schemas.openxmlformats.org/officeDocument/2006/relationships" xmlns:p="http://schemas.openxmlformats.org/presentationml/2006/main">
+  <p:cSld>
+    <p:spTree>
+      <p:nvGrpSpPr>
+        <p:cNvPr id="1" name=""/>
+        <p:cNvGrpSpPr/>
+        <p:nvPr/>
+      </p:nvGrpSpPr>
+      <p:grpSpPr>
+        <a:xfrm>
+          <a:off x="0" y="0"/>
+          <a:ext cx="0" cy="0"/>
+          <a:chOff x="0" y="0"/>
+          <a:chExt cx="0" cy="0"/>
+        </a:xfrm>
+      </p:grpSpPr>
+      <p:graphicFrame>
+        <p:nvGraphicFramePr>
           <p:cNvPr id="5" name="Object 4"/>
           <p:cNvGraphicFramePr>
             <a:graphicFrameLocks noChangeAspect="1"/>
@@ -9329,7 +9761,7 @@
           <a:graphicData uri="http://schemas.openxmlformats.org/presentationml/2006/ole">
             <mc:AlternateContent xmlns:mc="http://schemas.openxmlformats.org/markup-compatibility/2006">
               <mc:Choice xmlns:v="urn:schemas-microsoft-com:vml" Requires="v">
-                <p:oleObj spid="_x0000_s8215" name="Visio" r:id="rId3" imgW="10758690" imgH="7626560" progId="Visio.Drawing.11">
+                <p:oleObj spid="_x0000_s8222" name="Visio" r:id="rId3" imgW="10758690" imgH="7626560" progId="Visio.Drawing.11">
                   <p:embed/>
                 </p:oleObj>
               </mc:Choice>
@@ -9416,7 +9848,7 @@
 </p:sld>
 </file>
 
-<file path=ppt/slides/slide21.xml><?xml version="1.0" encoding="utf-8"?>
+<file path=ppt/slides/slide22.xml><?xml version="1.0" encoding="utf-8"?>
 <p:sld xmlns:a="http://schemas.openxmlformats.org/drawingml/2006/main" xmlns:r="http://schemas.openxmlformats.org/officeDocument/2006/relationships" xmlns:p="http://schemas.openxmlformats.org/presentationml/2006/main">
   <p:cSld>
     <p:spTree>
@@ -9476,7 +9908,7 @@
           <a:graphicData uri="http://schemas.openxmlformats.org/presentationml/2006/ole">
             <mc:AlternateContent xmlns:mc="http://schemas.openxmlformats.org/markup-compatibility/2006">
               <mc:Choice xmlns:v="urn:schemas-microsoft-com:vml" Requires="v">
-                <p:oleObj spid="_x0000_s2147" name="Visio" r:id="rId3" imgW="9147060" imgH="7289860" progId="Visio.Drawing.11">
+                <p:oleObj spid="_x0000_s2154" name="Visio" r:id="rId3" imgW="9147060" imgH="7289860" progId="Visio.Drawing.11">
                   <p:embed/>
                 </p:oleObj>
               </mc:Choice>
@@ -9531,7 +9963,7 @@
 </p:sld>
 </file>
 
-<file path=ppt/slides/slide22.xml><?xml version="1.0" encoding="utf-8"?>
+<file path=ppt/slides/slide23.xml><?xml version="1.0" encoding="utf-8"?>
 <p:sld xmlns:a="http://schemas.openxmlformats.org/drawingml/2006/main" xmlns:r="http://schemas.openxmlformats.org/officeDocument/2006/relationships" xmlns:p="http://schemas.openxmlformats.org/presentationml/2006/main">
   <p:cSld>
     <p:spTree>
@@ -9675,91 +10107,6 @@
     <p:extLst>
       <p:ext uri="{BB962C8B-B14F-4D97-AF65-F5344CB8AC3E}">
         <p14:creationId xmlns:p14="http://schemas.microsoft.com/office/powerpoint/2010/main" val="2265612564"/>
-      </p:ext>
-    </p:extLst>
-  </p:cSld>
-  <p:clrMapOvr>
-    <a:masterClrMapping/>
-  </p:clrMapOvr>
-  <p:timing>
-    <p:tnLst>
-      <p:par>
-        <p:cTn id="1" dur="indefinite" restart="never" nodeType="tmRoot"/>
-      </p:par>
-    </p:tnLst>
-  </p:timing>
-</p:sld>
-</file>
-
-<file path=ppt/slides/slide23.xml><?xml version="1.0" encoding="utf-8"?>
-<p:sld xmlns:a="http://schemas.openxmlformats.org/drawingml/2006/main" xmlns:r="http://schemas.openxmlformats.org/officeDocument/2006/relationships" xmlns:p="http://schemas.openxmlformats.org/presentationml/2006/main">
-  <p:cSld>
-    <p:spTree>
-      <p:nvGrpSpPr>
-        <p:cNvPr id="1" name=""/>
-        <p:cNvGrpSpPr/>
-        <p:nvPr/>
-      </p:nvGrpSpPr>
-      <p:grpSpPr>
-        <a:xfrm>
-          <a:off x="0" y="0"/>
-          <a:ext cx="0" cy="0"/>
-          <a:chOff x="0" y="0"/>
-          <a:chExt cx="0" cy="0"/>
-        </a:xfrm>
-      </p:grpSpPr>
-      <p:sp>
-        <p:nvSpPr>
-          <p:cNvPr id="3" name="Title 2"/>
-          <p:cNvSpPr>
-            <a:spLocks noGrp="1"/>
-          </p:cNvSpPr>
-          <p:nvPr>
-            <p:ph type="title"/>
-          </p:nvPr>
-        </p:nvSpPr>
-        <p:spPr/>
-        <p:txBody>
-          <a:bodyPr/>
-          <a:lstStyle/>
-          <a:p>
-            <a:pPr rtl="1"/>
-            <a:r>
-              <a:rPr lang="en-US" dirty="0" smtClean="0"/>
-              <a:t>Rates used</a:t>
-            </a:r>
-            <a:endParaRPr lang="en-US" dirty="0"/>
-          </a:p>
-        </p:txBody>
-      </p:sp>
-      <p:graphicFrame>
-        <p:nvGraphicFramePr>
-          <p:cNvPr id="5" name="Диаграмма 4"/>
-          <p:cNvGraphicFramePr>
-            <a:graphicFrameLocks/>
-          </p:cNvGraphicFramePr>
-          <p:nvPr>
-            <p:extLst>
-              <p:ext uri="{D42A27DB-BD31-4B8C-83A1-F6EECF244321}">
-                <p14:modId xmlns:p14="http://schemas.microsoft.com/office/powerpoint/2010/main" val="3962167458"/>
-              </p:ext>
-            </p:extLst>
-          </p:nvPr>
-        </p:nvGraphicFramePr>
-        <p:xfrm>
-          <a:off x="1143000" y="1676400"/>
-          <a:ext cx="6781800" cy="4848225"/>
-        </p:xfrm>
-        <a:graphic>
-          <a:graphicData uri="http://schemas.openxmlformats.org/drawingml/2006/chart">
-            <c:chart xmlns:c="http://schemas.openxmlformats.org/drawingml/2006/chart" xmlns:r="http://schemas.openxmlformats.org/officeDocument/2006/relationships" r:id="rId2"/>
-          </a:graphicData>
-        </a:graphic>
-      </p:graphicFrame>
-    </p:spTree>
-    <p:extLst>
-      <p:ext uri="{BB962C8B-B14F-4D97-AF65-F5344CB8AC3E}">
-        <p14:creationId xmlns:p14="http://schemas.microsoft.com/office/powerpoint/2010/main" val="1441071697"/>
       </p:ext>
     </p:extLst>
   </p:cSld>
@@ -9861,7 +10208,7 @@
     </p:spTree>
     <p:extLst>
       <p:ext uri="{BB962C8B-B14F-4D97-AF65-F5344CB8AC3E}">
-        <p14:creationId xmlns:p14="http://schemas.microsoft.com/office/powerpoint/2010/main" val="1441071697"/>
+        <p14:creationId xmlns:p14="http://schemas.microsoft.com/office/powerpoint/2010/main" val="2302769290"/>
       </p:ext>
     </p:extLst>
   </p:cSld>
@@ -10211,7 +10558,12 @@
             <p:ph idx="1"/>
           </p:nvPr>
         </p:nvSpPr>
-        <p:spPr/>
+        <p:spPr>
+          <a:xfrm>
+            <a:off x="457200" y="1905001"/>
+            <a:ext cx="7987553" cy="4221162"/>
+          </a:xfrm>
+        </p:spPr>
         <p:txBody>
           <a:bodyPr/>
           <a:lstStyle/>
@@ -10266,14 +10618,14 @@
           <p:nvPr>
             <p:extLst>
               <p:ext uri="{D42A27DB-BD31-4B8C-83A1-F6EECF244321}">
-                <p14:modId xmlns:p14="http://schemas.microsoft.com/office/powerpoint/2010/main" val="3293380053"/>
+                <p14:modId xmlns:p14="http://schemas.microsoft.com/office/powerpoint/2010/main" val="2763180952"/>
               </p:ext>
             </p:extLst>
           </p:nvPr>
         </p:nvGraphicFramePr>
         <p:xfrm>
-          <a:off x="2971800" y="2514599"/>
-          <a:ext cx="5410200" cy="1371601"/>
+          <a:off x="609600" y="5334000"/>
+          <a:ext cx="3733800" cy="1371601"/>
         </p:xfrm>
         <a:graphic>
           <a:graphicData uri="http://schemas.openxmlformats.org/drawingml/2006/table">
@@ -10282,10 +10634,10 @@
                 <a:tableStyleId>{16D9F66E-5EB9-4882-86FB-DCBF35E3C3E4}</a:tableStyleId>
               </a:tblPr>
               <a:tblGrid>
-                <a:gridCol w="1352550"/>
-                <a:gridCol w="1352550"/>
-                <a:gridCol w="1352550"/>
-                <a:gridCol w="1352550"/>
+                <a:gridCol w="933450"/>
+                <a:gridCol w="933450"/>
+                <a:gridCol w="933450"/>
+                <a:gridCol w="933450"/>
               </a:tblGrid>
               <a:tr h="363547">
                 <a:tc>
@@ -10324,12 +10676,12 @@
                     <a:p>
                       <a:pPr algn="l" fontAlgn="b"/>
                       <a:r>
-                        <a:rPr lang="en-US" sz="1100" u="none" strike="noStrike">
+                        <a:rPr lang="en-US" sz="1100" u="none" strike="noStrike" dirty="0">
                           <a:effectLst/>
                         </a:rPr>
                         <a:t>AP</a:t>
                       </a:r>
-                      <a:endParaRPr lang="en-US" sz="1100" b="0" i="0" u="none" strike="noStrike">
+                      <a:endParaRPr lang="en-US" sz="1100" b="0" i="0" u="none" strike="noStrike" dirty="0">
                         <a:solidFill>
                           <a:srgbClr val="000000"/>
                         </a:solidFill>
@@ -10682,14 +11034,14 @@
           <p:nvPr>
             <p:extLst>
               <p:ext uri="{D42A27DB-BD31-4B8C-83A1-F6EECF244321}">
-                <p14:modId xmlns:p14="http://schemas.microsoft.com/office/powerpoint/2010/main" val="2641684414"/>
+                <p14:modId xmlns:p14="http://schemas.microsoft.com/office/powerpoint/2010/main" val="3037562827"/>
               </p:ext>
             </p:extLst>
           </p:nvPr>
         </p:nvGraphicFramePr>
         <p:xfrm>
-          <a:off x="609600" y="4114800"/>
-          <a:ext cx="3790950" cy="2205038"/>
+          <a:off x="4495800" y="2209800"/>
+          <a:ext cx="3943350" cy="2205038"/>
         </p:xfrm>
         <a:graphic>
           <a:graphicData uri="http://schemas.openxmlformats.org/drawingml/2006/chart">
@@ -10706,13 +11058,13 @@
           <p:nvPr>
             <p:extLst>
               <p:ext uri="{D42A27DB-BD31-4B8C-83A1-F6EECF244321}">
-                <p14:modId xmlns:p14="http://schemas.microsoft.com/office/powerpoint/2010/main" val="2150589850"/>
+                <p14:modId xmlns:p14="http://schemas.microsoft.com/office/powerpoint/2010/main" val="3332857893"/>
               </p:ext>
             </p:extLst>
           </p:nvPr>
         </p:nvGraphicFramePr>
         <p:xfrm>
-          <a:off x="4495800" y="4114800"/>
+          <a:off x="4495800" y="4495800"/>
           <a:ext cx="3933826" cy="2224088"/>
         </p:xfrm>
         <a:graphic>
@@ -10721,6 +11073,52 @@
           </a:graphicData>
         </a:graphic>
       </p:graphicFrame>
+      <p:pic>
+        <p:nvPicPr>
+          <p:cNvPr id="11266" name="Picture 2" descr="D:\Снимок.PNG"/>
+          <p:cNvPicPr>
+            <a:picLocks noChangeAspect="1" noChangeArrowheads="1"/>
+          </p:cNvPicPr>
+          <p:nvPr/>
+        </p:nvPicPr>
+        <p:blipFill>
+          <a:blip r:embed="rId4">
+            <a:extLst>
+              <a:ext uri="{28A0092B-C50C-407E-A947-70E740481C1C}">
+                <a14:useLocalDpi xmlns:a14="http://schemas.microsoft.com/office/drawing/2010/main" val="0"/>
+              </a:ext>
+            </a:extLst>
+          </a:blip>
+          <a:srcRect/>
+          <a:stretch>
+            <a:fillRect/>
+          </a:stretch>
+        </p:blipFill>
+        <p:spPr bwMode="auto">
+          <a:xfrm>
+            <a:off x="609600" y="2324099"/>
+            <a:ext cx="3048000" cy="2891425"/>
+          </a:xfrm>
+          <a:prstGeom prst="rect">
+            <a:avLst/>
+          </a:prstGeom>
+          <a:ln>
+            <a:noFill/>
+          </a:ln>
+          <a:effectLst>
+            <a:softEdge rad="112500"/>
+          </a:effectLst>
+          <a:extLst>
+            <a:ext uri="{909E8E84-426E-40DD-AFC4-6F175D3DCCD1}">
+              <a14:hiddenFill xmlns:a14="http://schemas.microsoft.com/office/drawing/2010/main">
+                <a:solidFill>
+                  <a:srgbClr val="FFFFFF"/>
+                </a:solidFill>
+              </a14:hiddenFill>
+            </a:ext>
+          </a:extLst>
+        </p:spPr>
+      </p:pic>
     </p:spTree>
     <p:extLst>
       <p:ext uri="{BB962C8B-B14F-4D97-AF65-F5344CB8AC3E}">
@@ -10731,6 +11129,13 @@
   <p:clrMapOvr>
     <a:masterClrMapping/>
   </p:clrMapOvr>
+  <p:timing>
+    <p:tnLst>
+      <p:par>
+        <p:cTn id="1" dur="indefinite" restart="never" nodeType="tmRoot"/>
+      </p:par>
+    </p:tnLst>
+  </p:timing>
 </p:sld>
 </file>
 
@@ -10761,7 +11166,12 @@
             <p:ph idx="1"/>
           </p:nvPr>
         </p:nvSpPr>
-        <p:spPr/>
+        <p:spPr>
+          <a:xfrm>
+            <a:off x="533401" y="1905000"/>
+            <a:ext cx="7911352" cy="4221163"/>
+          </a:xfrm>
+        </p:spPr>
         <p:txBody>
           <a:bodyPr/>
           <a:lstStyle/>
@@ -10816,14 +11226,14 @@
           <p:nvPr>
             <p:extLst>
               <p:ext uri="{D42A27DB-BD31-4B8C-83A1-F6EECF244321}">
-                <p14:modId xmlns:p14="http://schemas.microsoft.com/office/powerpoint/2010/main" val="3588538240"/>
+                <p14:modId xmlns:p14="http://schemas.microsoft.com/office/powerpoint/2010/main" val="661008965"/>
               </p:ext>
             </p:extLst>
           </p:nvPr>
         </p:nvGraphicFramePr>
         <p:xfrm>
-          <a:off x="2971800" y="2514599"/>
-          <a:ext cx="5410200" cy="1371601"/>
+          <a:off x="609598" y="5334000"/>
+          <a:ext cx="3733800" cy="1371601"/>
         </p:xfrm>
         <a:graphic>
           <a:graphicData uri="http://schemas.openxmlformats.org/drawingml/2006/table">
@@ -10832,10 +11242,10 @@
                 <a:tableStyleId>{16D9F66E-5EB9-4882-86FB-DCBF35E3C3E4}</a:tableStyleId>
               </a:tblPr>
               <a:tblGrid>
-                <a:gridCol w="1352550"/>
-                <a:gridCol w="1352550"/>
-                <a:gridCol w="1352550"/>
-                <a:gridCol w="1352550"/>
+                <a:gridCol w="933450"/>
+                <a:gridCol w="933450"/>
+                <a:gridCol w="933450"/>
+                <a:gridCol w="933450"/>
               </a:tblGrid>
               <a:tr h="363547">
                 <a:tc>
@@ -10856,6 +11266,12 @@
                         </a:rPr>
                         <a:t> </a:t>
                       </a:r>
+                      <a:r>
+                        <a:rPr lang="en-US" sz="1100" u="none" strike="noStrike" dirty="0" smtClean="0">
+                          <a:effectLst/>
+                        </a:rPr>
+                        <a:t> (meters)</a:t>
+                      </a:r>
                       <a:endParaRPr lang="ru-RU" sz="1100" b="0" i="0" u="none" strike="noStrike" dirty="0">
                         <a:solidFill>
                           <a:srgbClr val="000000"/>
@@ -10874,12 +11290,12 @@
                     <a:p>
                       <a:pPr algn="l" fontAlgn="b"/>
                       <a:r>
-                        <a:rPr lang="en-US" sz="1100" u="none" strike="noStrike">
+                        <a:rPr lang="en-US" sz="1100" u="none" strike="noStrike" dirty="0">
                           <a:effectLst/>
                         </a:rPr>
                         <a:t>AP</a:t>
                       </a:r>
-                      <a:endParaRPr lang="en-US" sz="1100" b="0" i="0" u="none" strike="noStrike">
+                      <a:endParaRPr lang="en-US" sz="1100" b="0" i="0" u="none" strike="noStrike" dirty="0">
                         <a:solidFill>
                           <a:srgbClr val="000000"/>
                         </a:solidFill>
@@ -11205,14 +11621,14 @@
           <p:nvPr>
             <p:extLst>
               <p:ext uri="{D42A27DB-BD31-4B8C-83A1-F6EECF244321}">
-                <p14:modId xmlns:p14="http://schemas.microsoft.com/office/powerpoint/2010/main" val="3609268317"/>
+                <p14:modId xmlns:p14="http://schemas.microsoft.com/office/powerpoint/2010/main" val="155132641"/>
               </p:ext>
             </p:extLst>
           </p:nvPr>
         </p:nvGraphicFramePr>
         <p:xfrm>
-          <a:off x="609600" y="4114800"/>
-          <a:ext cx="3810000" cy="2286000"/>
+          <a:off x="4495800" y="2129871"/>
+          <a:ext cx="3962400" cy="2286000"/>
         </p:xfrm>
         <a:graphic>
           <a:graphicData uri="http://schemas.openxmlformats.org/drawingml/2006/chart">
@@ -11229,14 +11645,14 @@
           <p:nvPr>
             <p:extLst>
               <p:ext uri="{D42A27DB-BD31-4B8C-83A1-F6EECF244321}">
-                <p14:modId xmlns:p14="http://schemas.microsoft.com/office/powerpoint/2010/main" val="3438908833"/>
+                <p14:modId xmlns:p14="http://schemas.microsoft.com/office/powerpoint/2010/main" val="130435482"/>
               </p:ext>
             </p:extLst>
           </p:nvPr>
         </p:nvGraphicFramePr>
         <p:xfrm>
-          <a:off x="4495800" y="4114800"/>
-          <a:ext cx="3962400" cy="2286000"/>
+          <a:off x="4495800" y="4495800"/>
+          <a:ext cx="3962400" cy="2209800"/>
         </p:xfrm>
         <a:graphic>
           <a:graphicData uri="http://schemas.openxmlformats.org/drawingml/2006/chart">
@@ -11244,6 +11660,71 @@
           </a:graphicData>
         </a:graphic>
       </p:graphicFrame>
+      <p:pic>
+        <p:nvPicPr>
+          <p:cNvPr id="10244" name="Picture 4"/>
+          <p:cNvPicPr>
+            <a:picLocks noChangeAspect="1" noChangeArrowheads="1"/>
+          </p:cNvPicPr>
+          <p:nvPr/>
+        </p:nvPicPr>
+        <p:blipFill>
+          <a:blip r:embed="rId4">
+            <a:extLst>
+              <a:ext uri="{28A0092B-C50C-407E-A947-70E740481C1C}">
+                <a14:useLocalDpi xmlns:a14="http://schemas.microsoft.com/office/drawing/2010/main" val="0"/>
+              </a:ext>
+            </a:extLst>
+          </a:blip>
+          <a:srcRect/>
+          <a:stretch>
+            <a:fillRect/>
+          </a:stretch>
+        </p:blipFill>
+        <p:spPr bwMode="auto">
+          <a:xfrm>
+            <a:off x="609600" y="2368882"/>
+            <a:ext cx="3051856" cy="2812718"/>
+          </a:xfrm>
+          <a:prstGeom prst="rect">
+            <a:avLst/>
+          </a:prstGeom>
+          <a:ln>
+            <a:noFill/>
+          </a:ln>
+          <a:effectLst>
+            <a:softEdge rad="112500"/>
+          </a:effectLst>
+          <a:extLst>
+            <a:ext uri="{909E8E84-426E-40DD-AFC4-6F175D3DCCD1}">
+              <a14:hiddenFill xmlns:a14="http://schemas.microsoft.com/office/drawing/2010/main">
+                <a:solidFill>
+                  <a:schemeClr val="accent1"/>
+                </a:solidFill>
+              </a14:hiddenFill>
+            </a:ext>
+            <a:ext uri="{91240B29-F687-4F45-9708-019B960494DF}">
+              <a14:hiddenLine xmlns:a14="http://schemas.microsoft.com/office/drawing/2010/main" w="9525">
+                <a:solidFill>
+                  <a:schemeClr val="tx1"/>
+                </a:solidFill>
+                <a:miter lim="800000"/>
+                <a:headEnd/>
+                <a:tailEnd/>
+              </a14:hiddenLine>
+            </a:ext>
+            <a:ext uri="{AF507438-7753-43E0-B8FC-AC1667EBCBE1}">
+              <a14:hiddenEffects xmlns:a14="http://schemas.microsoft.com/office/drawing/2010/main">
+                <a:effectLst>
+                  <a:outerShdw dist="35921" dir="2700000" algn="ctr" rotWithShape="0">
+                    <a:schemeClr val="bg2"/>
+                  </a:outerShdw>
+                </a:effectLst>
+              </a14:hiddenEffects>
+            </a:ext>
+          </a:extLst>
+        </p:spPr>
+      </p:pic>
     </p:spTree>
     <p:extLst>
       <p:ext uri="{BB962C8B-B14F-4D97-AF65-F5344CB8AC3E}">
@@ -11254,6 +11735,13 @@
   <p:clrMapOvr>
     <a:masterClrMapping/>
   </p:clrMapOvr>
+  <p:timing>
+    <p:tnLst>
+      <p:par>
+        <p:cTn id="1" dur="indefinite" restart="never" nodeType="tmRoot"/>
+      </p:par>
+    </p:tnLst>
+  </p:timing>
 </p:sld>
 </file>
 
@@ -11287,14 +11775,98 @@
         <p:spPr/>
         <p:txBody>
           <a:bodyPr>
-            <a:normAutofit/>
+            <a:normAutofit lnSpcReduction="10000"/>
           </a:bodyPr>
           <a:lstStyle/>
           <a:p>
             <a:pPr algn="l"/>
             <a:r>
               <a:rPr lang="en-US" dirty="0" smtClean="0"/>
-              <a:t>Creation of WiFi simulator in order to develop Smart Link Selection Algorithm  </a:t>
+              <a:t>Simulator</a:t>
+            </a:r>
+          </a:p>
+          <a:p>
+            <a:pPr lvl="1">
+              <a:buFont typeface="Wingdings" pitchFamily="2" charset="2"/>
+              <a:buChar char="Ø"/>
+            </a:pPr>
+            <a:r>
+              <a:rPr lang="en-US" dirty="0" smtClean="0"/>
+              <a:t>Design</a:t>
+            </a:r>
+          </a:p>
+          <a:p>
+            <a:pPr lvl="1">
+              <a:buFont typeface="Wingdings" pitchFamily="2" charset="2"/>
+              <a:buChar char="Ø"/>
+            </a:pPr>
+            <a:r>
+              <a:rPr lang="en-US" dirty="0" smtClean="0"/>
+              <a:t>S</a:t>
+            </a:r>
+            <a:r>
+              <a:rPr lang="en-US" dirty="0" smtClean="0"/>
+              <a:t>upported Protocols </a:t>
+            </a:r>
+            <a:endParaRPr lang="en-US" dirty="0" smtClean="0"/>
+          </a:p>
+          <a:p>
+            <a:pPr lvl="1">
+              <a:buFont typeface="Wingdings" pitchFamily="2" charset="2"/>
+              <a:buChar char="Ø"/>
+            </a:pPr>
+            <a:r>
+              <a:rPr lang="en-US" dirty="0" smtClean="0"/>
+              <a:t>Used </a:t>
+            </a:r>
+            <a:r>
+              <a:rPr lang="en-US" dirty="0" smtClean="0"/>
+              <a:t>algorithms</a:t>
+            </a:r>
+            <a:endParaRPr lang="en-US" dirty="0" smtClean="0"/>
+          </a:p>
+          <a:p>
+            <a:pPr lvl="1">
+              <a:buFont typeface="Wingdings" pitchFamily="2" charset="2"/>
+              <a:buChar char="Ø"/>
+            </a:pPr>
+            <a:r>
+              <a:rPr lang="en-US" dirty="0" smtClean="0"/>
+              <a:t>Usability</a:t>
+            </a:r>
+          </a:p>
+          <a:p>
+            <a:pPr marL="0" indent="0" algn="l">
+              <a:buNone/>
+            </a:pPr>
+            <a:endParaRPr lang="en-US" dirty="0" smtClean="0"/>
+          </a:p>
+          <a:p>
+            <a:pPr algn="l"/>
+            <a:r>
+              <a:rPr lang="en-US" dirty="0" smtClean="0"/>
+              <a:t>SLS Algorithm</a:t>
+            </a:r>
+          </a:p>
+          <a:p>
+            <a:pPr lvl="1"/>
+            <a:r>
+              <a:rPr lang="en-US" dirty="0" smtClean="0"/>
+              <a:t>Algorithms flow</a:t>
+            </a:r>
+          </a:p>
+          <a:p>
+            <a:pPr lvl="1"/>
+            <a:r>
+              <a:rPr lang="en-US" dirty="0" smtClean="0"/>
+              <a:t>Statistic</a:t>
+            </a:r>
+          </a:p>
+          <a:p>
+            <a:pPr lvl="1"/>
+            <a:r>
+              <a:rPr lang="en-US" dirty="0" smtClean="0"/>
+              <a:t>Conclusion</a:t>
             </a:r>
             <a:endParaRPr lang="en-US" dirty="0"/>
           </a:p>
@@ -11318,7 +11890,7 @@
             <a:pPr rtl="1"/>
             <a:r>
               <a:rPr lang="en-US" dirty="0" smtClean="0"/>
-              <a:t>Project Goals</a:t>
+              <a:t>Project Overview</a:t>
             </a:r>
             <a:endParaRPr lang="en-US" dirty="0"/>
           </a:p>
@@ -11327,7 +11899,7 @@
     </p:spTree>
     <p:extLst>
       <p:ext uri="{BB962C8B-B14F-4D97-AF65-F5344CB8AC3E}">
-        <p14:creationId xmlns:p14="http://schemas.microsoft.com/office/powerpoint/2010/main" val="3472477673"/>
+        <p14:creationId xmlns:p14="http://schemas.microsoft.com/office/powerpoint/2010/main" val="1441071697"/>
       </p:ext>
     </p:extLst>
   </p:cSld>
@@ -11691,6 +12263,13 @@
   <p:clrMapOvr>
     <a:masterClrMapping/>
   </p:clrMapOvr>
+  <p:timing>
+    <p:tnLst>
+      <p:par>
+        <p:cTn id="1" dur="indefinite" restart="never" nodeType="tmRoot"/>
+      </p:par>
+    </p:tnLst>
+  </p:timing>
 </p:sld>
 </file>
 
@@ -11985,6 +12564,13 @@
   <p:clrMapOvr>
     <a:masterClrMapping/>
   </p:clrMapOvr>
+  <p:timing>
+    <p:tnLst>
+      <p:par>
+        <p:cTn id="1" dur="indefinite" restart="never" nodeType="tmRoot"/>
+      </p:par>
+    </p:tnLst>
+  </p:timing>
 </p:sld>
 </file>
 
@@ -12018,15 +12604,82 @@
         <p:spPr/>
         <p:txBody>
           <a:bodyPr>
-            <a:normAutofit fontScale="92500" lnSpcReduction="10000"/>
+            <a:normAutofit lnSpcReduction="10000"/>
           </a:bodyPr>
           <a:lstStyle/>
           <a:p>
             <a:pPr algn="l"/>
             <a:r>
               <a:rPr lang="en-US" dirty="0" smtClean="0"/>
-              <a:t>Simulator</a:t>
-            </a:r>
+              <a:t>Medium infrastructure</a:t>
+            </a:r>
+            <a:r>
+              <a:rPr lang="en-US" dirty="0" smtClean="0"/>
+              <a:t>.</a:t>
+            </a:r>
+          </a:p>
+          <a:p>
+            <a:pPr marL="0" indent="0" algn="l">
+              <a:buNone/>
+            </a:pPr>
+            <a:endParaRPr lang="en-US" sz="1400" dirty="0" smtClean="0"/>
+          </a:p>
+          <a:p>
+            <a:pPr algn="l"/>
+            <a:r>
+              <a:rPr lang="en-US" dirty="0" smtClean="0"/>
+              <a:t>RF devices </a:t>
+            </a:r>
+            <a:endParaRPr lang="en-US" dirty="0" smtClean="0"/>
+          </a:p>
+          <a:p>
+            <a:pPr marL="0" indent="0" algn="l">
+              <a:buNone/>
+            </a:pPr>
+            <a:endParaRPr lang="en-US" sz="1400" strike="sngStrike" dirty="0" smtClean="0"/>
+          </a:p>
+          <a:p>
+            <a:pPr algn="l"/>
+            <a:r>
+              <a:rPr lang="en-US" dirty="0" smtClean="0"/>
+              <a:t>Packets </a:t>
+            </a:r>
+            <a:endParaRPr lang="en-US" dirty="0" smtClean="0"/>
+          </a:p>
+          <a:p>
+            <a:pPr algn="l"/>
+            <a:endParaRPr lang="en-US" dirty="0" smtClean="0"/>
+          </a:p>
+          <a:p>
+            <a:pPr algn="l"/>
+            <a:r>
+              <a:rPr lang="en-US" dirty="0" smtClean="0"/>
+              <a:t>GUI</a:t>
+            </a:r>
+            <a:endParaRPr lang="en-US" dirty="0" smtClean="0"/>
+          </a:p>
+          <a:p>
+            <a:pPr marL="0" indent="0" algn="l">
+              <a:buNone/>
+            </a:pPr>
+            <a:endParaRPr lang="en-US" sz="1400" strike="sngStrike" dirty="0" smtClean="0"/>
+          </a:p>
+          <a:p>
+            <a:pPr algn="l"/>
+            <a:r>
+              <a:rPr lang="en-US" dirty="0" smtClean="0"/>
+              <a:t>Support of two different data links</a:t>
+            </a:r>
+            <a:r>
+              <a:rPr lang="en-US" dirty="0" smtClean="0"/>
+              <a:t>:</a:t>
+            </a:r>
+          </a:p>
+          <a:p>
+            <a:pPr marL="0" indent="0" algn="l">
+              <a:buNone/>
+            </a:pPr>
+            <a:endParaRPr lang="en-US" sz="400" dirty="0" smtClean="0"/>
           </a:p>
           <a:p>
             <a:pPr lvl="1">
@@ -12034,8 +12687,8 @@
               <a:buChar char="Ø"/>
             </a:pPr>
             <a:r>
-              <a:rPr lang="en-US" dirty="0" smtClean="0"/>
-              <a:t>Design</a:t>
+              <a:rPr lang="en-US" sz="1800" dirty="0" smtClean="0"/>
+              <a:t>BSS</a:t>
             </a:r>
           </a:p>
           <a:p>
@@ -12044,51 +12697,8 @@
               <a:buChar char="Ø"/>
             </a:pPr>
             <a:r>
-              <a:rPr lang="en-US" dirty="0" smtClean="0"/>
-              <a:t>Protocols support</a:t>
-            </a:r>
-          </a:p>
-          <a:p>
-            <a:pPr lvl="1">
-              <a:buFont typeface="Wingdings" pitchFamily="2" charset="2"/>
-              <a:buChar char="Ø"/>
-            </a:pPr>
-            <a:r>
-              <a:rPr lang="en-US" dirty="0" smtClean="0"/>
-              <a:t>Used algorithms </a:t>
-            </a:r>
-            <a:r>
-              <a:rPr lang="en-US" strike="sngStrike" dirty="0" smtClean="0"/>
-              <a:t>(</a:t>
-            </a:r>
-            <a:r>
-              <a:rPr lang="en-US" strike="sngStrike" dirty="0" err="1" smtClean="0"/>
-              <a:t>RSSI,Noise,Rate</a:t>
-            </a:r>
-            <a:r>
-              <a:rPr lang="en-US" strike="sngStrike" dirty="0" smtClean="0"/>
-              <a:t>)</a:t>
-            </a:r>
-            <a:endParaRPr lang="en-US" dirty="0" smtClean="0"/>
-          </a:p>
-          <a:p>
-            <a:pPr lvl="1">
-              <a:buFont typeface="Wingdings" pitchFamily="2" charset="2"/>
-              <a:buChar char="Ø"/>
-            </a:pPr>
-            <a:r>
-              <a:rPr lang="en-US" dirty="0" smtClean="0"/>
-              <a:t>Usability</a:t>
-            </a:r>
-          </a:p>
-          <a:p>
-            <a:pPr lvl="1">
-              <a:buFont typeface="Wingdings" pitchFamily="2" charset="2"/>
-              <a:buChar char="Ø"/>
-            </a:pPr>
-            <a:r>
-              <a:rPr lang="en-US" dirty="0" smtClean="0"/>
-              <a:t>Saving simulation</a:t>
+              <a:rPr lang="en-US" sz="1800" dirty="0" smtClean="0"/>
+              <a:t>TDLS</a:t>
             </a:r>
           </a:p>
           <a:p>
@@ -12099,31 +12709,10 @@
           </a:p>
           <a:p>
             <a:pPr algn="l"/>
-            <a:r>
-              <a:rPr lang="en-US" dirty="0" smtClean="0"/>
-              <a:t>SLS Algorithm</a:t>
-            </a:r>
-          </a:p>
-          <a:p>
-            <a:pPr lvl="1"/>
-            <a:r>
-              <a:rPr lang="en-US" dirty="0" smtClean="0"/>
-              <a:t>Algorithms flow</a:t>
-            </a:r>
-          </a:p>
-          <a:p>
-            <a:pPr lvl="1"/>
-            <a:r>
-              <a:rPr lang="en-US" dirty="0" smtClean="0"/>
-              <a:t>Statistic</a:t>
-            </a:r>
-          </a:p>
-          <a:p>
-            <a:pPr lvl="1"/>
-            <a:r>
-              <a:rPr lang="en-US" dirty="0" smtClean="0"/>
-              <a:t>Conclusion</a:t>
-            </a:r>
+            <a:endParaRPr lang="en-US" dirty="0" smtClean="0"/>
+          </a:p>
+          <a:p>
+            <a:pPr algn="l"/>
             <a:endParaRPr lang="en-US" dirty="0"/>
           </a:p>
         </p:txBody>
@@ -12146,171 +12735,6 @@
             <a:pPr rtl="1"/>
             <a:r>
               <a:rPr lang="en-US" dirty="0" smtClean="0"/>
-              <a:t>Project Overview</a:t>
-            </a:r>
-            <a:endParaRPr lang="en-US" dirty="0"/>
-          </a:p>
-        </p:txBody>
-      </p:sp>
-    </p:spTree>
-    <p:extLst>
-      <p:ext uri="{BB962C8B-B14F-4D97-AF65-F5344CB8AC3E}">
-        <p14:creationId xmlns:p14="http://schemas.microsoft.com/office/powerpoint/2010/main" val="1441071697"/>
-      </p:ext>
-    </p:extLst>
-  </p:cSld>
-  <p:clrMapOvr>
-    <a:masterClrMapping/>
-  </p:clrMapOvr>
-  <p:timing>
-    <p:tnLst>
-      <p:par>
-        <p:cTn id="1" dur="indefinite" restart="never" nodeType="tmRoot"/>
-      </p:par>
-    </p:tnLst>
-  </p:timing>
-</p:sld>
-</file>
-
-<file path=ppt/slides/slide5.xml><?xml version="1.0" encoding="utf-8"?>
-<p:sld xmlns:a="http://schemas.openxmlformats.org/drawingml/2006/main" xmlns:r="http://schemas.openxmlformats.org/officeDocument/2006/relationships" xmlns:p="http://schemas.openxmlformats.org/presentationml/2006/main">
-  <p:cSld>
-    <p:spTree>
-      <p:nvGrpSpPr>
-        <p:cNvPr id="1" name=""/>
-        <p:cNvGrpSpPr/>
-        <p:nvPr/>
-      </p:nvGrpSpPr>
-      <p:grpSpPr>
-        <a:xfrm>
-          <a:off x="0" y="0"/>
-          <a:ext cx="0" cy="0"/>
-          <a:chOff x="0" y="0"/>
-          <a:chExt cx="0" cy="0"/>
-        </a:xfrm>
-      </p:grpSpPr>
-      <p:sp>
-        <p:nvSpPr>
-          <p:cNvPr id="2" name="Content Placeholder 1"/>
-          <p:cNvSpPr>
-            <a:spLocks noGrp="1"/>
-          </p:cNvSpPr>
-          <p:nvPr>
-            <p:ph idx="1"/>
-          </p:nvPr>
-        </p:nvSpPr>
-        <p:spPr/>
-        <p:txBody>
-          <a:bodyPr>
-            <a:normAutofit/>
-          </a:bodyPr>
-          <a:lstStyle/>
-          <a:p>
-            <a:pPr algn="l"/>
-            <a:r>
-              <a:rPr lang="en-US" dirty="0" smtClean="0"/>
-              <a:t>Medium infrastructure</a:t>
-            </a:r>
-            <a:r>
-              <a:rPr lang="en-US" dirty="0" smtClean="0"/>
-              <a:t>.</a:t>
-            </a:r>
-          </a:p>
-          <a:p>
-            <a:pPr marL="0" indent="0" algn="l">
-              <a:buNone/>
-            </a:pPr>
-            <a:endParaRPr lang="en-US" sz="1400" dirty="0" smtClean="0"/>
-          </a:p>
-          <a:p>
-            <a:pPr algn="l"/>
-            <a:r>
-              <a:rPr lang="en-US" dirty="0" smtClean="0"/>
-              <a:t>RF devices </a:t>
-            </a:r>
-            <a:endParaRPr lang="en-US" dirty="0" smtClean="0"/>
-          </a:p>
-          <a:p>
-            <a:pPr marL="0" indent="0" algn="l">
-              <a:buNone/>
-            </a:pPr>
-            <a:endParaRPr lang="en-US" sz="1400" strike="sngStrike" dirty="0" smtClean="0"/>
-          </a:p>
-          <a:p>
-            <a:pPr algn="l"/>
-            <a:r>
-              <a:rPr lang="en-US" dirty="0" smtClean="0"/>
-              <a:t>Packets </a:t>
-            </a:r>
-            <a:endParaRPr lang="en-US" dirty="0" smtClean="0"/>
-          </a:p>
-          <a:p>
-            <a:pPr marL="0" indent="0" algn="l">
-              <a:buNone/>
-            </a:pPr>
-            <a:endParaRPr lang="en-US" sz="1400" strike="sngStrike" dirty="0" smtClean="0"/>
-          </a:p>
-          <a:p>
-            <a:pPr algn="l"/>
-            <a:r>
-              <a:rPr lang="en-US" dirty="0" smtClean="0"/>
-              <a:t>Support of two different data links:</a:t>
-            </a:r>
-          </a:p>
-          <a:p>
-            <a:pPr lvl="1">
-              <a:buFont typeface="Wingdings" pitchFamily="2" charset="2"/>
-              <a:buChar char="Ø"/>
-            </a:pPr>
-            <a:r>
-              <a:rPr lang="en-US" sz="1800" dirty="0" smtClean="0"/>
-              <a:t>BSS</a:t>
-            </a:r>
-          </a:p>
-          <a:p>
-            <a:pPr lvl="1">
-              <a:buFont typeface="Wingdings" pitchFamily="2" charset="2"/>
-              <a:buChar char="Ø"/>
-            </a:pPr>
-            <a:r>
-              <a:rPr lang="en-US" sz="1800" dirty="0" smtClean="0"/>
-              <a:t>TDLS</a:t>
-            </a:r>
-          </a:p>
-          <a:p>
-            <a:pPr marL="0" indent="0" algn="l">
-              <a:buNone/>
-            </a:pPr>
-            <a:endParaRPr lang="en-US" dirty="0" smtClean="0"/>
-          </a:p>
-          <a:p>
-            <a:pPr algn="l"/>
-            <a:endParaRPr lang="en-US" dirty="0" smtClean="0"/>
-          </a:p>
-          <a:p>
-            <a:pPr algn="l"/>
-            <a:endParaRPr lang="en-US" dirty="0"/>
-          </a:p>
-        </p:txBody>
-      </p:sp>
-      <p:sp>
-        <p:nvSpPr>
-          <p:cNvPr id="3" name="Title 2"/>
-          <p:cNvSpPr>
-            <a:spLocks noGrp="1"/>
-          </p:cNvSpPr>
-          <p:nvPr>
-            <p:ph type="title"/>
-          </p:nvPr>
-        </p:nvSpPr>
-        <p:spPr/>
-        <p:txBody>
-          <a:bodyPr/>
-          <a:lstStyle/>
-          <a:p>
-            <a:pPr rtl="1"/>
-            <a:r>
-              <a:rPr lang="en-US" dirty="0" smtClean="0"/>
               <a:t>Simulator - Design</a:t>
             </a:r>
             <a:endParaRPr lang="en-US" dirty="0"/>
@@ -12330,7 +12754,7 @@
 </p:sld>
 </file>
 
-<file path=ppt/slides/slide6.xml><?xml version="1.0" encoding="utf-8"?>
+<file path=ppt/slides/slide5.xml><?xml version="1.0" encoding="utf-8"?>
 <p:sld xmlns:a="http://schemas.openxmlformats.org/drawingml/2006/main" xmlns:r="http://schemas.openxmlformats.org/officeDocument/2006/relationships" xmlns:p="http://schemas.openxmlformats.org/presentationml/2006/main">
   <p:cSld>
     <p:spTree>
@@ -12370,7 +12794,7 @@
           <a:graphicData uri="http://schemas.openxmlformats.org/presentationml/2006/ole">
             <mc:AlternateContent xmlns:mc="http://schemas.openxmlformats.org/markup-compatibility/2006">
               <mc:Choice xmlns:v="urn:schemas-microsoft-com:vml" Requires="v">
-                <p:oleObj spid="_x0000_s1123" name="Visio" r:id="rId3" imgW="9147060" imgH="7289860" progId="Visio.Drawing.11">
+                <p:oleObj spid="_x0000_s1130" name="Visio" r:id="rId3" imgW="9147060" imgH="7289860" progId="Visio.Drawing.11">
                   <p:embed/>
                 </p:oleObj>
               </mc:Choice>
@@ -12607,7 +13031,7 @@
 </p:sld>
 </file>
 
-<file path=ppt/slides/slide7.xml><?xml version="1.0" encoding="utf-8"?>
+<file path=ppt/slides/slide6.xml><?xml version="1.0" encoding="utf-8"?>
 <p:sld xmlns:a="http://schemas.openxmlformats.org/drawingml/2006/main" xmlns:r="http://schemas.openxmlformats.org/officeDocument/2006/relationships" xmlns:p="http://schemas.openxmlformats.org/presentationml/2006/main">
   <p:cSld>
     <p:spTree>
@@ -12706,6 +13130,164 @@
       </p:par>
     </p:tnLst>
   </p:timing>
+</p:sld>
+</file>
+
+<file path=ppt/slides/slide7.xml><?xml version="1.0" encoding="utf-8"?>
+<p:sld xmlns:a="http://schemas.openxmlformats.org/drawingml/2006/main" xmlns:r="http://schemas.openxmlformats.org/officeDocument/2006/relationships" xmlns:p="http://schemas.openxmlformats.org/presentationml/2006/main">
+  <p:cSld>
+    <p:spTree>
+      <p:nvGrpSpPr>
+        <p:cNvPr id="1" name=""/>
+        <p:cNvGrpSpPr/>
+        <p:nvPr/>
+      </p:nvGrpSpPr>
+      <p:grpSpPr>
+        <a:xfrm>
+          <a:off x="0" y="0"/>
+          <a:ext cx="0" cy="0"/>
+          <a:chOff x="0" y="0"/>
+          <a:chExt cx="0" cy="0"/>
+        </a:xfrm>
+      </p:grpSpPr>
+      <p:sp>
+        <p:nvSpPr>
+          <p:cNvPr id="2" name="Объект 1"/>
+          <p:cNvSpPr>
+            <a:spLocks noGrp="1"/>
+          </p:cNvSpPr>
+          <p:nvPr>
+            <p:ph idx="1"/>
+          </p:nvPr>
+        </p:nvSpPr>
+        <p:spPr/>
+        <p:txBody>
+          <a:bodyPr/>
+          <a:lstStyle/>
+          <a:p>
+            <a:r>
+              <a:rPr lang="en-US" dirty="0" smtClean="0"/>
+              <a:t>AP</a:t>
+            </a:r>
+          </a:p>
+          <a:p>
+            <a:pPr marL="731520" lvl="2">
+              <a:buFont typeface="Wingdings" pitchFamily="2" charset="2"/>
+              <a:buChar char="Ø"/>
+            </a:pPr>
+            <a:r>
+              <a:rPr lang="en-US" dirty="0" smtClean="0"/>
+              <a:t>Able to transfer any </a:t>
+            </a:r>
+            <a:r>
+              <a:rPr lang="en-US" dirty="0"/>
+              <a:t>kind of packets </a:t>
+            </a:r>
+            <a:r>
+              <a:rPr lang="en-US" dirty="0" smtClean="0"/>
+              <a:t>without any code change</a:t>
+            </a:r>
+          </a:p>
+          <a:p>
+            <a:pPr marL="731520" lvl="2">
+              <a:buFont typeface="Wingdings" pitchFamily="2" charset="2"/>
+              <a:buChar char="Ø"/>
+            </a:pPr>
+            <a:r>
+              <a:rPr lang="en-US" dirty="0" smtClean="0"/>
+              <a:t>Buffers packet for each STA</a:t>
+            </a:r>
+          </a:p>
+          <a:p>
+            <a:pPr marL="365760" lvl="1">
+              <a:buFont typeface="Wingdings" pitchFamily="2" charset="2"/>
+              <a:buChar char=""/>
+            </a:pPr>
+            <a:endParaRPr lang="en-US" dirty="0"/>
+          </a:p>
+          <a:p>
+            <a:pPr marL="365760" lvl="1">
+              <a:buFont typeface="Wingdings" pitchFamily="2" charset="2"/>
+              <a:buChar char=""/>
+            </a:pPr>
+            <a:r>
+              <a:rPr lang="en-US" dirty="0" smtClean="0"/>
+              <a:t>STA</a:t>
+            </a:r>
+          </a:p>
+          <a:p>
+            <a:pPr marL="708660" lvl="2" indent="-342900">
+              <a:buFont typeface="Wingdings" pitchFamily="2" charset="2"/>
+              <a:buChar char="Ø"/>
+            </a:pPr>
+            <a:r>
+              <a:rPr lang="en-US" dirty="0" smtClean="0"/>
+              <a:t>Preferred (best) Channel finding for TDLS </a:t>
+            </a:r>
+          </a:p>
+          <a:p>
+            <a:pPr marL="708660" lvl="2" indent="-342900">
+              <a:buFont typeface="Wingdings" pitchFamily="2" charset="2"/>
+              <a:buChar char="Ø"/>
+            </a:pPr>
+            <a:r>
+              <a:rPr lang="en-US" dirty="0"/>
+              <a:t>Stream handler / File to </a:t>
+            </a:r>
+            <a:r>
+              <a:rPr lang="en-US" dirty="0" smtClean="0"/>
+              <a:t>Packets </a:t>
+            </a:r>
+            <a:r>
+              <a:rPr lang="en-US" dirty="0"/>
+              <a:t>division and restoration    </a:t>
+            </a:r>
+          </a:p>
+          <a:p>
+            <a:pPr marL="365760" lvl="1">
+              <a:buFont typeface="Wingdings" pitchFamily="2" charset="2"/>
+              <a:buChar char=""/>
+            </a:pPr>
+            <a:endParaRPr lang="en-US" dirty="0"/>
+          </a:p>
+          <a:p>
+            <a:endParaRPr lang="ru-RU" dirty="0"/>
+          </a:p>
+        </p:txBody>
+      </p:sp>
+      <p:sp>
+        <p:nvSpPr>
+          <p:cNvPr id="3" name="Заголовок 2"/>
+          <p:cNvSpPr>
+            <a:spLocks noGrp="1"/>
+          </p:cNvSpPr>
+          <p:nvPr>
+            <p:ph type="title"/>
+          </p:nvPr>
+        </p:nvSpPr>
+        <p:spPr/>
+        <p:txBody>
+          <a:bodyPr/>
+          <a:lstStyle/>
+          <a:p>
+            <a:r>
+              <a:rPr lang="en-US" dirty="0" smtClean="0"/>
+              <a:t>RF Devices</a:t>
+            </a:r>
+            <a:endParaRPr lang="ru-RU" dirty="0"/>
+          </a:p>
+        </p:txBody>
+      </p:sp>
+    </p:spTree>
+    <p:extLst>
+      <p:ext uri="{BB962C8B-B14F-4D97-AF65-F5344CB8AC3E}">
+        <p14:creationId xmlns:p14="http://schemas.microsoft.com/office/powerpoint/2010/main" val="72287815"/>
+      </p:ext>
+    </p:extLst>
+  </p:cSld>
+  <p:clrMapOvr>
+    <a:masterClrMapping/>
+  </p:clrMapOvr>
 </p:sld>
 </file>
 
@@ -12841,113 +13423,148 @@
         <p:spPr/>
         <p:txBody>
           <a:bodyPr>
-            <a:normAutofit fontScale="92500" lnSpcReduction="20000"/>
+            <a:normAutofit/>
           </a:bodyPr>
           <a:lstStyle/>
           <a:p>
             <a:pPr algn="l"/>
             <a:r>
+              <a:rPr lang="en-US" sz="1050" strike="sngStrike" dirty="0" smtClean="0"/>
+              <a:t>Easy </a:t>
+            </a:r>
+            <a:r>
+              <a:rPr lang="en-US" sz="1050" strike="sngStrike" dirty="0" smtClean="0"/>
+              <a:t>access to get all simulated information </a:t>
+            </a:r>
+          </a:p>
+          <a:p>
+            <a:pPr algn="l"/>
+            <a:r>
+              <a:rPr lang="en-US" sz="1050" strike="sngStrike" dirty="0" smtClean="0"/>
+              <a:t>Ability to move objects on </a:t>
+            </a:r>
+            <a:r>
+              <a:rPr lang="en-US" sz="1050" strike="sngStrike" dirty="0" smtClean="0"/>
+              <a:t>board - Drag </a:t>
+            </a:r>
+            <a:r>
+              <a:rPr lang="en-US" sz="1050" strike="sngStrike" dirty="0" smtClean="0"/>
+              <a:t>&amp; Drop</a:t>
+            </a:r>
+          </a:p>
+          <a:p>
+            <a:pPr algn="l"/>
+            <a:r>
+              <a:rPr lang="en-US" sz="1050" strike="sngStrike" dirty="0" smtClean="0"/>
+              <a:t>Creation of RF device </a:t>
+            </a:r>
+          </a:p>
+          <a:p>
+            <a:pPr algn="l"/>
+            <a:r>
+              <a:rPr lang="en-US" sz="1050" strike="sngStrike" dirty="0" smtClean="0"/>
+              <a:t>Random simulation</a:t>
+            </a:r>
+          </a:p>
+          <a:p>
+            <a:pPr algn="l"/>
+            <a:r>
+              <a:rPr lang="en-US" sz="1050" strike="sngStrike" dirty="0" smtClean="0"/>
+              <a:t>Static simulation</a:t>
+            </a:r>
+          </a:p>
+          <a:p>
+            <a:pPr algn="l"/>
+            <a:r>
+              <a:rPr lang="en-US" sz="1050" strike="sngStrike" dirty="0" smtClean="0"/>
+              <a:t>Station info form :</a:t>
+            </a:r>
+          </a:p>
+          <a:p>
+            <a:pPr lvl="1">
+              <a:buFont typeface="Wingdings" pitchFamily="2" charset="2"/>
+              <a:buChar char="Ø"/>
+            </a:pPr>
+            <a:r>
+              <a:rPr lang="en-US" sz="1050" strike="sngStrike" dirty="0" smtClean="0"/>
+              <a:t>Statistic </a:t>
+            </a:r>
+          </a:p>
+          <a:p>
+            <a:pPr lvl="1">
+              <a:buFont typeface="Wingdings" pitchFamily="2" charset="2"/>
+              <a:buChar char="Ø"/>
+            </a:pPr>
+            <a:r>
+              <a:rPr lang="en-US" sz="1050" strike="sngStrike" dirty="0" smtClean="0"/>
+              <a:t>Logs</a:t>
+            </a:r>
+          </a:p>
+          <a:p>
+            <a:pPr lvl="1">
+              <a:buFont typeface="Wingdings" pitchFamily="2" charset="2"/>
+              <a:buChar char="Ø"/>
+            </a:pPr>
+            <a:r>
+              <a:rPr lang="en-US" sz="1050" strike="sngStrike" dirty="0" smtClean="0"/>
+              <a:t>Station configuration and overview</a:t>
+            </a:r>
+          </a:p>
+          <a:p>
+            <a:pPr lvl="1">
+              <a:buFont typeface="Wingdings" pitchFamily="2" charset="2"/>
+              <a:buChar char="Ø"/>
+            </a:pPr>
+            <a:r>
+              <a:rPr lang="en-US" sz="1050" strike="sngStrike" dirty="0" smtClean="0"/>
+              <a:t>Configurable </a:t>
+            </a:r>
+            <a:r>
+              <a:rPr lang="en-US" sz="1050" strike="sngStrike" dirty="0"/>
+              <a:t>d</a:t>
+            </a:r>
+            <a:r>
+              <a:rPr lang="en-US" sz="1050" strike="sngStrike" dirty="0" smtClean="0"/>
+              <a:t>ump of STA object</a:t>
+            </a:r>
+          </a:p>
+          <a:p>
+            <a:pPr algn="l"/>
+            <a:r>
+              <a:rPr lang="en-US" sz="1050" strike="sngStrike" dirty="0" smtClean="0"/>
+              <a:t>AP info form – provide basic configuration</a:t>
+            </a:r>
+          </a:p>
+          <a:p>
+            <a:pPr algn="l"/>
+            <a:r>
+              <a:rPr lang="en-US" sz="1050" strike="sngStrike" dirty="0" smtClean="0"/>
+              <a:t>Saving and Load current simulation into </a:t>
+            </a:r>
+            <a:r>
+              <a:rPr lang="en-US" sz="1050" strike="sngStrike" dirty="0" smtClean="0"/>
+              <a:t>file</a:t>
+            </a:r>
+            <a:endParaRPr lang="en-US" sz="1050" strike="sngStrike" dirty="0" smtClean="0"/>
+          </a:p>
+          <a:p>
+            <a:pPr algn="l"/>
+            <a:endParaRPr lang="en-US" dirty="0"/>
+          </a:p>
+          <a:p>
+            <a:pPr algn="l"/>
+            <a:r>
               <a:rPr lang="en-US" dirty="0" smtClean="0"/>
-              <a:t>IEEE80211</a:t>
-            </a:r>
+              <a:t>Here we will show the bullets mentioned above on the real Program. </a:t>
+            </a:r>
+            <a:endParaRPr lang="en-US" dirty="0" smtClean="0"/>
           </a:p>
           <a:p>
             <a:pPr algn="l"/>
-            <a:r>
-              <a:rPr lang="en-US" dirty="0" smtClean="0"/>
-              <a:t>Passive scan</a:t>
-            </a:r>
+            <a:endParaRPr lang="en-US" dirty="0" smtClean="0"/>
           </a:p>
           <a:p>
             <a:pPr algn="l"/>
-            <a:r>
-              <a:rPr lang="en-US" dirty="0" smtClean="0"/>
-              <a:t>Beacon sending</a:t>
-            </a:r>
-          </a:p>
-          <a:p>
-            <a:pPr algn="l"/>
-            <a:r>
-              <a:rPr lang="en-US" dirty="0" smtClean="0"/>
-              <a:t>Acknowledgment</a:t>
-            </a:r>
-          </a:p>
-          <a:p>
-            <a:pPr algn="l"/>
-            <a:r>
-              <a:rPr lang="en-US" dirty="0" smtClean="0"/>
-              <a:t>Connect/Disconnect flow</a:t>
-            </a:r>
-          </a:p>
-          <a:p>
-            <a:pPr algn="l"/>
-            <a:r>
-              <a:rPr lang="en-US" dirty="0" smtClean="0"/>
-              <a:t>Keep Alive mechanism</a:t>
-            </a:r>
-          </a:p>
-          <a:p>
-            <a:r>
-              <a:rPr lang="en-US" dirty="0"/>
-              <a:t>Received Signal Strength </a:t>
-            </a:r>
-            <a:r>
-              <a:rPr lang="en-US" dirty="0" smtClean="0"/>
-              <a:t>Indication (RSSI)</a:t>
-            </a:r>
-          </a:p>
-          <a:p>
-            <a:r>
-              <a:rPr lang="en-US" dirty="0" smtClean="0"/>
-              <a:t>Transmit Rate Calculation (</a:t>
-            </a:r>
-            <a:r>
-              <a:rPr lang="en-US" dirty="0" smtClean="0"/>
-              <a:t>SNR)</a:t>
-            </a:r>
-          </a:p>
-          <a:p>
-            <a:r>
-              <a:rPr lang="en-US" dirty="0" smtClean="0"/>
-              <a:t>Support of standards </a:t>
-            </a:r>
-            <a:r>
-              <a:rPr lang="en-US" strike="sngStrike" dirty="0" smtClean="0"/>
-              <a:t>Band</a:t>
-            </a:r>
-            <a:r>
-              <a:rPr lang="en-US" dirty="0" smtClean="0"/>
-              <a:t> A, </a:t>
-            </a:r>
-            <a:r>
-              <a:rPr lang="en-US" strike="sngStrike" dirty="0" smtClean="0"/>
-              <a:t>Band</a:t>
-            </a:r>
-            <a:r>
-              <a:rPr lang="en-US" dirty="0" smtClean="0"/>
-              <a:t> N</a:t>
-            </a:r>
-          </a:p>
-          <a:p>
-            <a:r>
-              <a:rPr lang="en-US" dirty="0" smtClean="0"/>
-              <a:t>Connection </a:t>
-            </a:r>
-            <a:r>
-              <a:rPr lang="en-US" dirty="0" smtClean="0"/>
-              <a:t>establishment negotiation</a:t>
-            </a:r>
-          </a:p>
-          <a:p>
-            <a:r>
-              <a:rPr lang="en-US" dirty="0" smtClean="0"/>
-              <a:t> Packets Encapsulation /Headers /hierarchy  </a:t>
-            </a:r>
-          </a:p>
-          <a:p>
-            <a:endParaRPr lang="en-US" dirty="0" smtClean="0"/>
-          </a:p>
-          <a:p>
             <a:endParaRPr lang="en-US" dirty="0"/>
           </a:p>
         </p:txBody>
@@ -12970,7 +13587,7 @@
             <a:pPr rtl="1"/>
             <a:r>
               <a:rPr lang="en-US" dirty="0" smtClean="0"/>
-              <a:t>Protocols Support</a:t>
+              <a:t>GUI</a:t>
             </a:r>
             <a:endParaRPr lang="en-US" dirty="0"/>
           </a:p>

--- a/JudgesForumPresentation.pptx
+++ b/JudgesForumPresentation.pptx
@@ -5,10 +5,10 @@
     <p:sldMasterId id="2147483672" r:id="rId1"/>
   </p:sldMasterIdLst>
   <p:notesMasterIdLst>
-    <p:notesMasterId r:id="rId34"/>
+    <p:notesMasterId r:id="rId31"/>
   </p:notesMasterIdLst>
   <p:handoutMasterIdLst>
-    <p:handoutMasterId r:id="rId35"/>
+    <p:handoutMasterId r:id="rId32"/>
   </p:handoutMasterIdLst>
   <p:sldIdLst>
     <p:sldId id="256" r:id="rId2"/>
@@ -34,15 +34,12 @@
     <p:sldId id="330" r:id="rId22"/>
     <p:sldId id="311" r:id="rId23"/>
     <p:sldId id="328" r:id="rId24"/>
-    <p:sldId id="339" r:id="rId25"/>
-    <p:sldId id="309" r:id="rId26"/>
-    <p:sldId id="320" r:id="rId27"/>
-    <p:sldId id="321" r:id="rId28"/>
-    <p:sldId id="307" r:id="rId29"/>
-    <p:sldId id="332" r:id="rId30"/>
-    <p:sldId id="317" r:id="rId31"/>
-    <p:sldId id="308" r:id="rId32"/>
-    <p:sldId id="333" r:id="rId33"/>
+    <p:sldId id="307" r:id="rId25"/>
+    <p:sldId id="332" r:id="rId26"/>
+    <p:sldId id="317" r:id="rId27"/>
+    <p:sldId id="339" r:id="rId28"/>
+    <p:sldId id="308" r:id="rId29"/>
+    <p:sldId id="333" r:id="rId30"/>
   </p:sldIdLst>
   <p:sldSz cx="9144000" cy="6858000" type="screen4x3"/>
   <p:notesSz cx="6669088" cy="9928225"/>
@@ -7916,6 +7913,13 @@
   <p:clrMapOvr>
     <a:masterClrMapping/>
   </p:clrMapOvr>
+  <p:timing>
+    <p:tnLst>
+      <p:par>
+        <p:cTn id="1" dur="indefinite" restart="never" nodeType="tmRoot"/>
+      </p:par>
+    </p:tnLst>
+  </p:timing>
 </p:sld>
 </file>
 
@@ -8211,6 +8215,19 @@
               <a:rPr lang="en-US" dirty="0" smtClean="0"/>
               <a:t>to Noise Ratio (SNR) – Packet Loss </a:t>
             </a:r>
+            <a:endParaRPr lang="en-US" dirty="0" smtClean="0"/>
+          </a:p>
+          <a:p>
+            <a:pPr algn="l"/>
+            <a:endParaRPr lang="en-US" dirty="0"/>
+          </a:p>
+          <a:p>
+            <a:pPr algn="l"/>
+            <a:r>
+              <a:rPr lang="en-US" smtClean="0"/>
+              <a:t>Graph will be here</a:t>
+            </a:r>
+            <a:endParaRPr lang="en-US" dirty="0" smtClean="0"/>
           </a:p>
           <a:p>
             <a:pPr algn="l"/>
@@ -8260,6 +8277,13 @@
   <p:clrMapOvr>
     <a:masterClrMapping/>
   </p:clrMapOvr>
+  <p:timing>
+    <p:tnLst>
+      <p:par>
+        <p:cTn id="1" dur="indefinite" restart="never" nodeType="tmRoot"/>
+      </p:par>
+    </p:tnLst>
+  </p:timing>
 </p:sld>
 </file>
 
@@ -8934,7 +8958,7 @@
           <a:graphicData uri="http://schemas.openxmlformats.org/presentationml/2006/ole">
             <mc:AlternateContent xmlns:mc="http://schemas.openxmlformats.org/markup-compatibility/2006">
               <mc:Choice xmlns:v="urn:schemas-microsoft-com:vml" Requires="v">
-                <p:oleObj spid="_x0000_s3176" name="Visio" r:id="rId3" imgW="9147060" imgH="7289860" progId="Visio.Drawing.11">
+                <p:oleObj spid="_x0000_s3177" name="Visio" r:id="rId3" imgW="9147060" imgH="7289860" progId="Visio.Drawing.11">
                   <p:embed/>
                 </p:oleObj>
               </mc:Choice>
@@ -9191,7 +9215,7 @@
           <a:graphicData uri="http://schemas.openxmlformats.org/presentationml/2006/ole">
             <mc:AlternateContent xmlns:mc="http://schemas.openxmlformats.org/markup-compatibility/2006">
               <mc:Choice xmlns:v="urn:schemas-microsoft-com:vml" Requires="v">
-                <p:oleObj spid="_x0000_s5156" name="Visio" r:id="rId3" imgW="10758690" imgH="7626560" progId="Visio.Drawing.11">
+                <p:oleObj spid="_x0000_s5157" name="Visio" r:id="rId3" imgW="10758690" imgH="7626560" progId="Visio.Drawing.11">
                   <p:embed/>
                 </p:oleObj>
               </mc:Choice>
@@ -9635,7 +9659,7 @@
           <a:graphicData uri="http://schemas.openxmlformats.org/presentationml/2006/ole">
             <mc:AlternateContent xmlns:mc="http://schemas.openxmlformats.org/markup-compatibility/2006">
               <mc:Choice xmlns:v="urn:schemas-microsoft-com:vml" Requires="v">
-                <p:oleObj spid="_x0000_s7198" name="Visio" r:id="rId3" imgW="10758690" imgH="7626560" progId="Visio.Drawing.11">
+                <p:oleObj spid="_x0000_s7199" name="Visio" r:id="rId3" imgW="10758690" imgH="7626560" progId="Visio.Drawing.11">
                   <p:embed/>
                 </p:oleObj>
               </mc:Choice>
@@ -9761,7 +9785,7 @@
           <a:graphicData uri="http://schemas.openxmlformats.org/presentationml/2006/ole">
             <mc:AlternateContent xmlns:mc="http://schemas.openxmlformats.org/markup-compatibility/2006">
               <mc:Choice xmlns:v="urn:schemas-microsoft-com:vml" Requires="v">
-                <p:oleObj spid="_x0000_s8222" name="Visio" r:id="rId3" imgW="10758690" imgH="7626560" progId="Visio.Drawing.11">
+                <p:oleObj spid="_x0000_s8223" name="Visio" r:id="rId3" imgW="10758690" imgH="7626560" progId="Visio.Drawing.11">
                   <p:embed/>
                 </p:oleObj>
               </mc:Choice>
@@ -9908,7 +9932,7 @@
           <a:graphicData uri="http://schemas.openxmlformats.org/presentationml/2006/ole">
             <mc:AlternateContent xmlns:mc="http://schemas.openxmlformats.org/markup-compatibility/2006">
               <mc:Choice xmlns:v="urn:schemas-microsoft-com:vml" Requires="v">
-                <p:oleObj spid="_x0000_s2154" name="Visio" r:id="rId3" imgW="9147060" imgH="7289860" progId="Visio.Drawing.11">
+                <p:oleObj spid="_x0000_s2155" name="Visio" r:id="rId3" imgW="9147060" imgH="7289860" progId="Visio.Drawing.11">
                   <p:embed/>
                 </p:oleObj>
               </mc:Choice>
@@ -10142,414 +10166,6 @@
       </p:grpSpPr>
       <p:sp>
         <p:nvSpPr>
-          <p:cNvPr id="3" name="Title 2"/>
-          <p:cNvSpPr>
-            <a:spLocks noGrp="1"/>
-          </p:cNvSpPr>
-          <p:nvPr>
-            <p:ph type="title"/>
-          </p:nvPr>
-        </p:nvSpPr>
-        <p:spPr/>
-        <p:txBody>
-          <a:bodyPr/>
-          <a:lstStyle/>
-          <a:p>
-            <a:pPr rtl="1"/>
-            <a:r>
-              <a:rPr lang="en-US" dirty="0" smtClean="0"/>
-              <a:t>Start Simulation</a:t>
-            </a:r>
-            <a:endParaRPr lang="en-US" dirty="0"/>
-          </a:p>
-        </p:txBody>
-      </p:sp>
-      <p:pic>
-        <p:nvPicPr>
-          <p:cNvPr id="6146" name="Picture 2" descr="D:\Dropbox\Z_PROJECTS\sls\Results\Parameters.JPG"/>
-          <p:cNvPicPr>
-            <a:picLocks noChangeAspect="1" noChangeArrowheads="1"/>
-          </p:cNvPicPr>
-          <p:nvPr/>
-        </p:nvPicPr>
-        <p:blipFill>
-          <a:blip r:embed="rId2">
-            <a:extLst>
-              <a:ext uri="{28A0092B-C50C-407E-A947-70E740481C1C}">
-                <a14:useLocalDpi xmlns:a14="http://schemas.microsoft.com/office/drawing/2010/main" val="0"/>
-              </a:ext>
-            </a:extLst>
-          </a:blip>
-          <a:srcRect/>
-          <a:stretch>
-            <a:fillRect/>
-          </a:stretch>
-        </p:blipFill>
-        <p:spPr bwMode="auto">
-          <a:xfrm>
-            <a:off x="1447800" y="2133600"/>
-            <a:ext cx="6182212" cy="4343400"/>
-          </a:xfrm>
-          <a:prstGeom prst="rect">
-            <a:avLst/>
-          </a:prstGeom>
-          <a:noFill/>
-          <a:extLst>
-            <a:ext uri="{909E8E84-426E-40DD-AFC4-6F175D3DCCD1}">
-              <a14:hiddenFill xmlns:a14="http://schemas.microsoft.com/office/drawing/2010/main">
-                <a:solidFill>
-                  <a:srgbClr val="FFFFFF"/>
-                </a:solidFill>
-              </a14:hiddenFill>
-            </a:ext>
-          </a:extLst>
-        </p:spPr>
-      </p:pic>
-    </p:spTree>
-    <p:extLst>
-      <p:ext uri="{BB962C8B-B14F-4D97-AF65-F5344CB8AC3E}">
-        <p14:creationId xmlns:p14="http://schemas.microsoft.com/office/powerpoint/2010/main" val="2302769290"/>
-      </p:ext>
-    </p:extLst>
-  </p:cSld>
-  <p:clrMapOvr>
-    <a:masterClrMapping/>
-  </p:clrMapOvr>
-  <p:timing>
-    <p:tnLst>
-      <p:par>
-        <p:cTn id="1" dur="indefinite" restart="never" nodeType="tmRoot"/>
-      </p:par>
-    </p:tnLst>
-  </p:timing>
-</p:sld>
-</file>
-
-<file path=ppt/slides/slide25.xml><?xml version="1.0" encoding="utf-8"?>
-<p:sld xmlns:a="http://schemas.openxmlformats.org/drawingml/2006/main" xmlns:r="http://schemas.openxmlformats.org/officeDocument/2006/relationships" xmlns:p="http://schemas.openxmlformats.org/presentationml/2006/main">
-  <p:cSld>
-    <p:spTree>
-      <p:nvGrpSpPr>
-        <p:cNvPr id="1" name=""/>
-        <p:cNvGrpSpPr/>
-        <p:nvPr/>
-      </p:nvGrpSpPr>
-      <p:grpSpPr>
-        <a:xfrm>
-          <a:off x="0" y="0"/>
-          <a:ext cx="0" cy="0"/>
-          <a:chOff x="0" y="0"/>
-          <a:chExt cx="0" cy="0"/>
-        </a:xfrm>
-      </p:grpSpPr>
-      <p:sp>
-        <p:nvSpPr>
-          <p:cNvPr id="3" name="Title 2"/>
-          <p:cNvSpPr>
-            <a:spLocks noGrp="1"/>
-          </p:cNvSpPr>
-          <p:nvPr>
-            <p:ph type="title"/>
-          </p:nvPr>
-        </p:nvSpPr>
-        <p:spPr/>
-        <p:txBody>
-          <a:bodyPr/>
-          <a:lstStyle/>
-          <a:p>
-            <a:pPr rtl="1"/>
-            <a:r>
-              <a:rPr lang="en-US" dirty="0" smtClean="0"/>
-              <a:t>Simulator demo</a:t>
-            </a:r>
-            <a:endParaRPr lang="en-US" dirty="0"/>
-          </a:p>
-        </p:txBody>
-      </p:sp>
-      <p:pic>
-        <p:nvPicPr>
-          <p:cNvPr id="8194" name="Picture 2" descr="D:\Dropbox\Z_PROJECTS\sls\Results\Dev0.JPG"/>
-          <p:cNvPicPr>
-            <a:picLocks noChangeAspect="1" noChangeArrowheads="1"/>
-          </p:cNvPicPr>
-          <p:nvPr/>
-        </p:nvPicPr>
-        <p:blipFill>
-          <a:blip r:embed="rId2">
-            <a:extLst>
-              <a:ext uri="{28A0092B-C50C-407E-A947-70E740481C1C}">
-                <a14:useLocalDpi xmlns:a14="http://schemas.microsoft.com/office/drawing/2010/main" val="0"/>
-              </a:ext>
-            </a:extLst>
-          </a:blip>
-          <a:srcRect/>
-          <a:stretch>
-            <a:fillRect/>
-          </a:stretch>
-        </p:blipFill>
-        <p:spPr bwMode="auto">
-          <a:xfrm>
-            <a:off x="766761" y="2286000"/>
-            <a:ext cx="7610475" cy="3933825"/>
-          </a:xfrm>
-          <a:prstGeom prst="rect">
-            <a:avLst/>
-          </a:prstGeom>
-          <a:noFill/>
-          <a:extLst>
-            <a:ext uri="{909E8E84-426E-40DD-AFC4-6F175D3DCCD1}">
-              <a14:hiddenFill xmlns:a14="http://schemas.microsoft.com/office/drawing/2010/main">
-                <a:solidFill>
-                  <a:srgbClr val="FFFFFF"/>
-                </a:solidFill>
-              </a14:hiddenFill>
-            </a:ext>
-          </a:extLst>
-        </p:spPr>
-      </p:pic>
-    </p:spTree>
-    <p:extLst>
-      <p:ext uri="{BB962C8B-B14F-4D97-AF65-F5344CB8AC3E}">
-        <p14:creationId xmlns:p14="http://schemas.microsoft.com/office/powerpoint/2010/main" val="1441071697"/>
-      </p:ext>
-    </p:extLst>
-  </p:cSld>
-  <p:clrMapOvr>
-    <a:masterClrMapping/>
-  </p:clrMapOvr>
-  <p:timing>
-    <p:tnLst>
-      <p:par>
-        <p:cTn id="1" dur="indefinite" restart="never" nodeType="tmRoot"/>
-      </p:par>
-    </p:tnLst>
-  </p:timing>
-</p:sld>
-</file>
-
-<file path=ppt/slides/slide26.xml><?xml version="1.0" encoding="utf-8"?>
-<p:sld xmlns:a="http://schemas.openxmlformats.org/drawingml/2006/main" xmlns:r="http://schemas.openxmlformats.org/officeDocument/2006/relationships" xmlns:p="http://schemas.openxmlformats.org/presentationml/2006/main">
-  <p:cSld>
-    <p:spTree>
-      <p:nvGrpSpPr>
-        <p:cNvPr id="1" name=""/>
-        <p:cNvGrpSpPr/>
-        <p:nvPr/>
-      </p:nvGrpSpPr>
-      <p:grpSpPr>
-        <a:xfrm>
-          <a:off x="0" y="0"/>
-          <a:ext cx="0" cy="0"/>
-          <a:chOff x="0" y="0"/>
-          <a:chExt cx="0" cy="0"/>
-        </a:xfrm>
-      </p:grpSpPr>
-      <p:sp>
-        <p:nvSpPr>
-          <p:cNvPr id="3" name="Title 2"/>
-          <p:cNvSpPr>
-            <a:spLocks noGrp="1"/>
-          </p:cNvSpPr>
-          <p:nvPr>
-            <p:ph type="title"/>
-          </p:nvPr>
-        </p:nvSpPr>
-        <p:spPr/>
-        <p:txBody>
-          <a:bodyPr/>
-          <a:lstStyle/>
-          <a:p>
-            <a:pPr rtl="1"/>
-            <a:r>
-              <a:rPr lang="en-US" dirty="0" smtClean="0"/>
-              <a:t>Simulator demo</a:t>
-            </a:r>
-            <a:endParaRPr lang="en-US" dirty="0"/>
-          </a:p>
-        </p:txBody>
-      </p:sp>
-      <p:pic>
-        <p:nvPicPr>
-          <p:cNvPr id="9218" name="Picture 2" descr="D:\Dropbox\Z_PROJECTS\sls\Results\Dev.JPG"/>
-          <p:cNvPicPr>
-            <a:picLocks noChangeAspect="1" noChangeArrowheads="1"/>
-          </p:cNvPicPr>
-          <p:nvPr/>
-        </p:nvPicPr>
-        <p:blipFill>
-          <a:blip r:embed="rId2">
-            <a:extLst>
-              <a:ext uri="{28A0092B-C50C-407E-A947-70E740481C1C}">
-                <a14:useLocalDpi xmlns:a14="http://schemas.microsoft.com/office/drawing/2010/main" val="0"/>
-              </a:ext>
-            </a:extLst>
-          </a:blip>
-          <a:srcRect/>
-          <a:stretch>
-            <a:fillRect/>
-          </a:stretch>
-        </p:blipFill>
-        <p:spPr bwMode="auto">
-          <a:xfrm>
-            <a:off x="1347787" y="2438400"/>
-            <a:ext cx="6448425" cy="3171825"/>
-          </a:xfrm>
-          <a:prstGeom prst="rect">
-            <a:avLst/>
-          </a:prstGeom>
-          <a:noFill/>
-          <a:extLst>
-            <a:ext uri="{909E8E84-426E-40DD-AFC4-6F175D3DCCD1}">
-              <a14:hiddenFill xmlns:a14="http://schemas.microsoft.com/office/drawing/2010/main">
-                <a:solidFill>
-                  <a:srgbClr val="FFFFFF"/>
-                </a:solidFill>
-              </a14:hiddenFill>
-            </a:ext>
-          </a:extLst>
-        </p:spPr>
-      </p:pic>
-    </p:spTree>
-    <p:extLst>
-      <p:ext uri="{BB962C8B-B14F-4D97-AF65-F5344CB8AC3E}">
-        <p14:creationId xmlns:p14="http://schemas.microsoft.com/office/powerpoint/2010/main" val="3570863975"/>
-      </p:ext>
-    </p:extLst>
-  </p:cSld>
-  <p:clrMapOvr>
-    <a:masterClrMapping/>
-  </p:clrMapOvr>
-  <p:timing>
-    <p:tnLst>
-      <p:par>
-        <p:cTn id="1" dur="indefinite" restart="never" nodeType="tmRoot"/>
-      </p:par>
-    </p:tnLst>
-  </p:timing>
-</p:sld>
-</file>
-
-<file path=ppt/slides/slide27.xml><?xml version="1.0" encoding="utf-8"?>
-<p:sld xmlns:a="http://schemas.openxmlformats.org/drawingml/2006/main" xmlns:r="http://schemas.openxmlformats.org/officeDocument/2006/relationships" xmlns:p="http://schemas.openxmlformats.org/presentationml/2006/main">
-  <p:cSld>
-    <p:spTree>
-      <p:nvGrpSpPr>
-        <p:cNvPr id="1" name=""/>
-        <p:cNvGrpSpPr/>
-        <p:nvPr/>
-      </p:nvGrpSpPr>
-      <p:grpSpPr>
-        <a:xfrm>
-          <a:off x="0" y="0"/>
-          <a:ext cx="0" cy="0"/>
-          <a:chOff x="0" y="0"/>
-          <a:chExt cx="0" cy="0"/>
-        </a:xfrm>
-      </p:grpSpPr>
-      <p:sp>
-        <p:nvSpPr>
-          <p:cNvPr id="3" name="Title 2"/>
-          <p:cNvSpPr>
-            <a:spLocks noGrp="1"/>
-          </p:cNvSpPr>
-          <p:nvPr>
-            <p:ph type="title"/>
-          </p:nvPr>
-        </p:nvSpPr>
-        <p:spPr/>
-        <p:txBody>
-          <a:bodyPr/>
-          <a:lstStyle/>
-          <a:p>
-            <a:pPr rtl="1"/>
-            <a:r>
-              <a:rPr lang="en-US" dirty="0" smtClean="0"/>
-              <a:t>Simulator demo</a:t>
-            </a:r>
-            <a:endParaRPr lang="en-US" dirty="0"/>
-          </a:p>
-        </p:txBody>
-      </p:sp>
-      <p:pic>
-        <p:nvPicPr>
-          <p:cNvPr id="10242" name="Picture 2" descr="D:\Dropbox\Z_PROJECTS\sls\Results\Dev2.JPG"/>
-          <p:cNvPicPr>
-            <a:picLocks noChangeAspect="1" noChangeArrowheads="1"/>
-          </p:cNvPicPr>
-          <p:nvPr/>
-        </p:nvPicPr>
-        <p:blipFill>
-          <a:blip r:embed="rId2">
-            <a:extLst>
-              <a:ext uri="{28A0092B-C50C-407E-A947-70E740481C1C}">
-                <a14:useLocalDpi xmlns:a14="http://schemas.microsoft.com/office/drawing/2010/main" val="0"/>
-              </a:ext>
-            </a:extLst>
-          </a:blip>
-          <a:srcRect/>
-          <a:stretch>
-            <a:fillRect/>
-          </a:stretch>
-        </p:blipFill>
-        <p:spPr bwMode="auto">
-          <a:xfrm>
-            <a:off x="1347787" y="2438400"/>
-            <a:ext cx="6448425" cy="3171825"/>
-          </a:xfrm>
-          <a:prstGeom prst="rect">
-            <a:avLst/>
-          </a:prstGeom>
-          <a:noFill/>
-          <a:extLst>
-            <a:ext uri="{909E8E84-426E-40DD-AFC4-6F175D3DCCD1}">
-              <a14:hiddenFill xmlns:a14="http://schemas.microsoft.com/office/drawing/2010/main">
-                <a:solidFill>
-                  <a:srgbClr val="FFFFFF"/>
-                </a:solidFill>
-              </a14:hiddenFill>
-            </a:ext>
-          </a:extLst>
-        </p:spPr>
-      </p:pic>
-    </p:spTree>
-    <p:extLst>
-      <p:ext uri="{BB962C8B-B14F-4D97-AF65-F5344CB8AC3E}">
-        <p14:creationId xmlns:p14="http://schemas.microsoft.com/office/powerpoint/2010/main" val="1151157969"/>
-      </p:ext>
-    </p:extLst>
-  </p:cSld>
-  <p:clrMapOvr>
-    <a:masterClrMapping/>
-  </p:clrMapOvr>
-  <p:timing>
-    <p:tnLst>
-      <p:par>
-        <p:cTn id="1" dur="indefinite" restart="never" nodeType="tmRoot"/>
-      </p:par>
-    </p:tnLst>
-  </p:timing>
-</p:sld>
-</file>
-
-<file path=ppt/slides/slide28.xml><?xml version="1.0" encoding="utf-8"?>
-<p:sld xmlns:a="http://schemas.openxmlformats.org/drawingml/2006/main" xmlns:r="http://schemas.openxmlformats.org/officeDocument/2006/relationships" xmlns:p="http://schemas.openxmlformats.org/presentationml/2006/main">
-  <p:cSld>
-    <p:spTree>
-      <p:nvGrpSpPr>
-        <p:cNvPr id="1" name=""/>
-        <p:cNvGrpSpPr/>
-        <p:nvPr/>
-      </p:nvGrpSpPr>
-      <p:grpSpPr>
-        <a:xfrm>
-          <a:off x="0" y="0"/>
-          <a:ext cx="0" cy="0"/>
-          <a:chOff x="0" y="0"/>
-          <a:chExt cx="0" cy="0"/>
-        </a:xfrm>
-      </p:grpSpPr>
-      <p:sp>
-        <p:nvSpPr>
           <p:cNvPr id="2" name="Content Placeholder 1"/>
           <p:cNvSpPr>
             <a:spLocks noGrp="1"/>
@@ -10599,12 +10215,9 @@
           <a:p>
             <a:pPr rtl="1"/>
             <a:r>
-              <a:rPr lang="en-US" dirty="0"/>
-              <a:t>Conclusions </a:t>
-            </a:r>
-            <a:br>
-              <a:rPr lang="en-US" dirty="0"/>
-            </a:br>
+              <a:rPr lang="en-US" dirty="0" smtClean="0"/>
+              <a:t>Simulation Results</a:t>
+            </a:r>
             <a:endParaRPr lang="en-US" dirty="0"/>
           </a:p>
         </p:txBody>
@@ -11139,7 +10752,7 @@
 </p:sld>
 </file>
 
-<file path=ppt/slides/slide29.xml><?xml version="1.0" encoding="utf-8"?>
+<file path=ppt/slides/slide25.xml><?xml version="1.0" encoding="utf-8"?>
 <p:sld xmlns:a="http://schemas.openxmlformats.org/drawingml/2006/main" xmlns:r="http://schemas.openxmlformats.org/officeDocument/2006/relationships" xmlns:p="http://schemas.openxmlformats.org/presentationml/2006/main">
   <p:cSld>
     <p:spTree>
@@ -11208,11 +10821,8 @@
             <a:pPr rtl="1"/>
             <a:r>
               <a:rPr lang="en-US" dirty="0"/>
-              <a:t>Conclusions </a:t>
-            </a:r>
-            <a:br>
-              <a:rPr lang="en-US" dirty="0"/>
-            </a:br>
+              <a:t>Simulation Results</a:t>
+            </a:r>
             <a:endParaRPr lang="en-US" dirty="0"/>
           </a:p>
         </p:txBody>
@@ -11745,178 +11355,7 @@
 </p:sld>
 </file>
 
-<file path=ppt/slides/slide3.xml><?xml version="1.0" encoding="utf-8"?>
-<p:sld xmlns:a="http://schemas.openxmlformats.org/drawingml/2006/main" xmlns:r="http://schemas.openxmlformats.org/officeDocument/2006/relationships" xmlns:p="http://schemas.openxmlformats.org/presentationml/2006/main">
-  <p:cSld>
-    <p:spTree>
-      <p:nvGrpSpPr>
-        <p:cNvPr id="1" name=""/>
-        <p:cNvGrpSpPr/>
-        <p:nvPr/>
-      </p:nvGrpSpPr>
-      <p:grpSpPr>
-        <a:xfrm>
-          <a:off x="0" y="0"/>
-          <a:ext cx="0" cy="0"/>
-          <a:chOff x="0" y="0"/>
-          <a:chExt cx="0" cy="0"/>
-        </a:xfrm>
-      </p:grpSpPr>
-      <p:sp>
-        <p:nvSpPr>
-          <p:cNvPr id="2" name="Content Placeholder 1"/>
-          <p:cNvSpPr>
-            <a:spLocks noGrp="1"/>
-          </p:cNvSpPr>
-          <p:nvPr>
-            <p:ph idx="1"/>
-          </p:nvPr>
-        </p:nvSpPr>
-        <p:spPr/>
-        <p:txBody>
-          <a:bodyPr>
-            <a:normAutofit lnSpcReduction="10000"/>
-          </a:bodyPr>
-          <a:lstStyle/>
-          <a:p>
-            <a:pPr algn="l"/>
-            <a:r>
-              <a:rPr lang="en-US" dirty="0" smtClean="0"/>
-              <a:t>Simulator</a:t>
-            </a:r>
-          </a:p>
-          <a:p>
-            <a:pPr lvl="1">
-              <a:buFont typeface="Wingdings" pitchFamily="2" charset="2"/>
-              <a:buChar char="Ø"/>
-            </a:pPr>
-            <a:r>
-              <a:rPr lang="en-US" dirty="0" smtClean="0"/>
-              <a:t>Design</a:t>
-            </a:r>
-          </a:p>
-          <a:p>
-            <a:pPr lvl="1">
-              <a:buFont typeface="Wingdings" pitchFamily="2" charset="2"/>
-              <a:buChar char="Ø"/>
-            </a:pPr>
-            <a:r>
-              <a:rPr lang="en-US" dirty="0" smtClean="0"/>
-              <a:t>S</a:t>
-            </a:r>
-            <a:r>
-              <a:rPr lang="en-US" dirty="0" smtClean="0"/>
-              <a:t>upported Protocols </a:t>
-            </a:r>
-            <a:endParaRPr lang="en-US" dirty="0" smtClean="0"/>
-          </a:p>
-          <a:p>
-            <a:pPr lvl="1">
-              <a:buFont typeface="Wingdings" pitchFamily="2" charset="2"/>
-              <a:buChar char="Ø"/>
-            </a:pPr>
-            <a:r>
-              <a:rPr lang="en-US" dirty="0" smtClean="0"/>
-              <a:t>Used </a:t>
-            </a:r>
-            <a:r>
-              <a:rPr lang="en-US" dirty="0" smtClean="0"/>
-              <a:t>algorithms</a:t>
-            </a:r>
-            <a:endParaRPr lang="en-US" dirty="0" smtClean="0"/>
-          </a:p>
-          <a:p>
-            <a:pPr lvl="1">
-              <a:buFont typeface="Wingdings" pitchFamily="2" charset="2"/>
-              <a:buChar char="Ø"/>
-            </a:pPr>
-            <a:r>
-              <a:rPr lang="en-US" dirty="0" smtClean="0"/>
-              <a:t>Usability</a:t>
-            </a:r>
-          </a:p>
-          <a:p>
-            <a:pPr marL="0" indent="0" algn="l">
-              <a:buNone/>
-            </a:pPr>
-            <a:endParaRPr lang="en-US" dirty="0" smtClean="0"/>
-          </a:p>
-          <a:p>
-            <a:pPr algn="l"/>
-            <a:r>
-              <a:rPr lang="en-US" dirty="0" smtClean="0"/>
-              <a:t>SLS Algorithm</a:t>
-            </a:r>
-          </a:p>
-          <a:p>
-            <a:pPr lvl="1"/>
-            <a:r>
-              <a:rPr lang="en-US" dirty="0" smtClean="0"/>
-              <a:t>Algorithms flow</a:t>
-            </a:r>
-          </a:p>
-          <a:p>
-            <a:pPr lvl="1"/>
-            <a:r>
-              <a:rPr lang="en-US" dirty="0" smtClean="0"/>
-              <a:t>Statistic</a:t>
-            </a:r>
-          </a:p>
-          <a:p>
-            <a:pPr lvl="1"/>
-            <a:r>
-              <a:rPr lang="en-US" dirty="0" smtClean="0"/>
-              <a:t>Conclusion</a:t>
-            </a:r>
-            <a:endParaRPr lang="en-US" dirty="0"/>
-          </a:p>
-        </p:txBody>
-      </p:sp>
-      <p:sp>
-        <p:nvSpPr>
-          <p:cNvPr id="3" name="Title 2"/>
-          <p:cNvSpPr>
-            <a:spLocks noGrp="1"/>
-          </p:cNvSpPr>
-          <p:nvPr>
-            <p:ph type="title"/>
-          </p:nvPr>
-        </p:nvSpPr>
-        <p:spPr/>
-        <p:txBody>
-          <a:bodyPr/>
-          <a:lstStyle/>
-          <a:p>
-            <a:pPr rtl="1"/>
-            <a:r>
-              <a:rPr lang="en-US" dirty="0" smtClean="0"/>
-              <a:t>Project Overview</a:t>
-            </a:r>
-            <a:endParaRPr lang="en-US" dirty="0"/>
-          </a:p>
-        </p:txBody>
-      </p:sp>
-    </p:spTree>
-    <p:extLst>
-      <p:ext uri="{BB962C8B-B14F-4D97-AF65-F5344CB8AC3E}">
-        <p14:creationId xmlns:p14="http://schemas.microsoft.com/office/powerpoint/2010/main" val="1441071697"/>
-      </p:ext>
-    </p:extLst>
-  </p:cSld>
-  <p:clrMapOvr>
-    <a:masterClrMapping/>
-  </p:clrMapOvr>
-  <p:timing>
-    <p:tnLst>
-      <p:par>
-        <p:cTn id="1" dur="indefinite" restart="never" nodeType="tmRoot"/>
-      </p:par>
-    </p:tnLst>
-  </p:timing>
-</p:sld>
-</file>
-
-<file path=ppt/slides/slide30.xml><?xml version="1.0" encoding="utf-8"?>
+<file path=ppt/slides/slide26.xml><?xml version="1.0" encoding="utf-8"?>
 <p:sld xmlns:a="http://schemas.openxmlformats.org/drawingml/2006/main" xmlns:r="http://schemas.openxmlformats.org/officeDocument/2006/relationships" xmlns:p="http://schemas.openxmlformats.org/presentationml/2006/main">
   <p:cSld>
     <p:spTree>
@@ -12182,7 +11621,91 @@
 </p:sld>
 </file>
 
-<file path=ppt/slides/slide31.xml><?xml version="1.0" encoding="utf-8"?>
+<file path=ppt/slides/slide27.xml><?xml version="1.0" encoding="utf-8"?>
+<p:sld xmlns:a="http://schemas.openxmlformats.org/drawingml/2006/main" xmlns:r="http://schemas.openxmlformats.org/officeDocument/2006/relationships" xmlns:p="http://schemas.openxmlformats.org/presentationml/2006/main">
+  <p:cSld>
+    <p:spTree>
+      <p:nvGrpSpPr>
+        <p:cNvPr id="1" name=""/>
+        <p:cNvGrpSpPr/>
+        <p:nvPr/>
+      </p:nvGrpSpPr>
+      <p:grpSpPr>
+        <a:xfrm>
+          <a:off x="0" y="0"/>
+          <a:ext cx="0" cy="0"/>
+          <a:chOff x="0" y="0"/>
+          <a:chExt cx="0" cy="0"/>
+        </a:xfrm>
+      </p:grpSpPr>
+      <p:sp>
+        <p:nvSpPr>
+          <p:cNvPr id="2" name="Объект 1"/>
+          <p:cNvSpPr>
+            <a:spLocks noGrp="1"/>
+          </p:cNvSpPr>
+          <p:nvPr>
+            <p:ph idx="1"/>
+          </p:nvPr>
+        </p:nvSpPr>
+        <p:spPr/>
+        <p:txBody>
+          <a:bodyPr/>
+          <a:lstStyle/>
+          <a:p>
+            <a:endParaRPr lang="ru-RU"/>
+          </a:p>
+        </p:txBody>
+      </p:sp>
+      <p:sp>
+        <p:nvSpPr>
+          <p:cNvPr id="3" name="Заголовок 2"/>
+          <p:cNvSpPr>
+            <a:spLocks noGrp="1"/>
+          </p:cNvSpPr>
+          <p:nvPr>
+            <p:ph type="title"/>
+          </p:nvPr>
+        </p:nvSpPr>
+        <p:spPr>
+          <a:xfrm>
+            <a:off x="533400" y="2286000"/>
+            <a:ext cx="7756263" cy="3352800"/>
+          </a:xfrm>
+        </p:spPr>
+        <p:txBody>
+          <a:bodyPr/>
+          <a:lstStyle/>
+          <a:p>
+            <a:r>
+              <a:rPr lang="en-US" sz="13800" dirty="0" smtClean="0"/>
+              <a:t>Demo</a:t>
+            </a:r>
+            <a:endParaRPr lang="ru-RU" sz="13800" dirty="0"/>
+          </a:p>
+        </p:txBody>
+      </p:sp>
+    </p:spTree>
+    <p:extLst>
+      <p:ext uri="{BB962C8B-B14F-4D97-AF65-F5344CB8AC3E}">
+        <p14:creationId xmlns:p14="http://schemas.microsoft.com/office/powerpoint/2010/main" val="876268902"/>
+      </p:ext>
+    </p:extLst>
+  </p:cSld>
+  <p:clrMapOvr>
+    <a:masterClrMapping/>
+  </p:clrMapOvr>
+  <p:timing>
+    <p:tnLst>
+      <p:par>
+        <p:cTn id="1" dur="indefinite" restart="never" nodeType="tmRoot"/>
+      </p:par>
+    </p:tnLst>
+  </p:timing>
+</p:sld>
+</file>
+
+<file path=ppt/slides/slide28.xml><?xml version="1.0" encoding="utf-8"?>
 <p:sld xmlns:a="http://schemas.openxmlformats.org/drawingml/2006/main" xmlns:r="http://schemas.openxmlformats.org/officeDocument/2006/relationships" xmlns:p="http://schemas.openxmlformats.org/presentationml/2006/main">
   <p:cSld>
     <p:spTree>
@@ -12273,7 +11796,7 @@
 </p:sld>
 </file>
 
-<file path=ppt/slides/slide32.xml><?xml version="1.0" encoding="utf-8"?>
+<file path=ppt/slides/slide29.xml><?xml version="1.0" encoding="utf-8"?>
 <p:sld xmlns:a="http://schemas.openxmlformats.org/drawingml/2006/main" xmlns:r="http://schemas.openxmlformats.org/officeDocument/2006/relationships" xmlns:p="http://schemas.openxmlformats.org/presentationml/2006/main">
   <p:cSld>
     <p:spTree>
@@ -12558,6 +12081,177 @@
     <p:extLst>
       <p:ext uri="{BB962C8B-B14F-4D97-AF65-F5344CB8AC3E}">
         <p14:creationId xmlns:p14="http://schemas.microsoft.com/office/powerpoint/2010/main" val="4092822900"/>
+      </p:ext>
+    </p:extLst>
+  </p:cSld>
+  <p:clrMapOvr>
+    <a:masterClrMapping/>
+  </p:clrMapOvr>
+  <p:timing>
+    <p:tnLst>
+      <p:par>
+        <p:cTn id="1" dur="indefinite" restart="never" nodeType="tmRoot"/>
+      </p:par>
+    </p:tnLst>
+  </p:timing>
+</p:sld>
+</file>
+
+<file path=ppt/slides/slide3.xml><?xml version="1.0" encoding="utf-8"?>
+<p:sld xmlns:a="http://schemas.openxmlformats.org/drawingml/2006/main" xmlns:r="http://schemas.openxmlformats.org/officeDocument/2006/relationships" xmlns:p="http://schemas.openxmlformats.org/presentationml/2006/main">
+  <p:cSld>
+    <p:spTree>
+      <p:nvGrpSpPr>
+        <p:cNvPr id="1" name=""/>
+        <p:cNvGrpSpPr/>
+        <p:nvPr/>
+      </p:nvGrpSpPr>
+      <p:grpSpPr>
+        <a:xfrm>
+          <a:off x="0" y="0"/>
+          <a:ext cx="0" cy="0"/>
+          <a:chOff x="0" y="0"/>
+          <a:chExt cx="0" cy="0"/>
+        </a:xfrm>
+      </p:grpSpPr>
+      <p:sp>
+        <p:nvSpPr>
+          <p:cNvPr id="2" name="Content Placeholder 1"/>
+          <p:cNvSpPr>
+            <a:spLocks noGrp="1"/>
+          </p:cNvSpPr>
+          <p:nvPr>
+            <p:ph idx="1"/>
+          </p:nvPr>
+        </p:nvSpPr>
+        <p:spPr/>
+        <p:txBody>
+          <a:bodyPr>
+            <a:normAutofit lnSpcReduction="10000"/>
+          </a:bodyPr>
+          <a:lstStyle/>
+          <a:p>
+            <a:pPr algn="l"/>
+            <a:r>
+              <a:rPr lang="en-US" dirty="0" smtClean="0"/>
+              <a:t>Simulator</a:t>
+            </a:r>
+          </a:p>
+          <a:p>
+            <a:pPr lvl="1">
+              <a:buFont typeface="Wingdings" pitchFamily="2" charset="2"/>
+              <a:buChar char="Ø"/>
+            </a:pPr>
+            <a:r>
+              <a:rPr lang="en-US" dirty="0" smtClean="0"/>
+              <a:t>Design</a:t>
+            </a:r>
+          </a:p>
+          <a:p>
+            <a:pPr lvl="1">
+              <a:buFont typeface="Wingdings" pitchFamily="2" charset="2"/>
+              <a:buChar char="Ø"/>
+            </a:pPr>
+            <a:r>
+              <a:rPr lang="en-US" dirty="0" smtClean="0"/>
+              <a:t>S</a:t>
+            </a:r>
+            <a:r>
+              <a:rPr lang="en-US" dirty="0" smtClean="0"/>
+              <a:t>upported Protocols </a:t>
+            </a:r>
+            <a:endParaRPr lang="en-US" dirty="0" smtClean="0"/>
+          </a:p>
+          <a:p>
+            <a:pPr lvl="1">
+              <a:buFont typeface="Wingdings" pitchFamily="2" charset="2"/>
+              <a:buChar char="Ø"/>
+            </a:pPr>
+            <a:r>
+              <a:rPr lang="en-US" dirty="0" smtClean="0"/>
+              <a:t>Used </a:t>
+            </a:r>
+            <a:r>
+              <a:rPr lang="en-US" dirty="0" smtClean="0"/>
+              <a:t>algorithms</a:t>
+            </a:r>
+            <a:endParaRPr lang="en-US" dirty="0" smtClean="0"/>
+          </a:p>
+          <a:p>
+            <a:pPr lvl="1">
+              <a:buFont typeface="Wingdings" pitchFamily="2" charset="2"/>
+              <a:buChar char="Ø"/>
+            </a:pPr>
+            <a:r>
+              <a:rPr lang="en-US" dirty="0" smtClean="0"/>
+              <a:t>Usability</a:t>
+            </a:r>
+          </a:p>
+          <a:p>
+            <a:pPr marL="0" indent="0" algn="l">
+              <a:buNone/>
+            </a:pPr>
+            <a:endParaRPr lang="en-US" dirty="0" smtClean="0"/>
+          </a:p>
+          <a:p>
+            <a:pPr algn="l"/>
+            <a:r>
+              <a:rPr lang="en-US" dirty="0" smtClean="0"/>
+              <a:t>SLS Algorithm</a:t>
+            </a:r>
+          </a:p>
+          <a:p>
+            <a:pPr lvl="1"/>
+            <a:r>
+              <a:rPr lang="en-US" dirty="0" smtClean="0"/>
+              <a:t>Algorithms flow</a:t>
+            </a:r>
+          </a:p>
+          <a:p>
+            <a:pPr lvl="1"/>
+            <a:r>
+              <a:rPr lang="en-US" dirty="0" smtClean="0"/>
+              <a:t>Statistic</a:t>
+            </a:r>
+          </a:p>
+          <a:p>
+            <a:pPr lvl="1"/>
+            <a:r>
+              <a:rPr lang="en-US" dirty="0" smtClean="0"/>
+              <a:t>Conclusion</a:t>
+            </a:r>
+            <a:endParaRPr lang="en-US" dirty="0"/>
+          </a:p>
+        </p:txBody>
+      </p:sp>
+      <p:sp>
+        <p:nvSpPr>
+          <p:cNvPr id="3" name="Title 2"/>
+          <p:cNvSpPr>
+            <a:spLocks noGrp="1"/>
+          </p:cNvSpPr>
+          <p:nvPr>
+            <p:ph type="title"/>
+          </p:nvPr>
+        </p:nvSpPr>
+        <p:spPr/>
+        <p:txBody>
+          <a:bodyPr/>
+          <a:lstStyle/>
+          <a:p>
+            <a:pPr rtl="1"/>
+            <a:r>
+              <a:rPr lang="en-US" dirty="0" smtClean="0"/>
+              <a:t>Project Overview</a:t>
+            </a:r>
+            <a:endParaRPr lang="en-US" dirty="0"/>
+          </a:p>
+        </p:txBody>
+      </p:sp>
+    </p:spTree>
+    <p:extLst>
+      <p:ext uri="{BB962C8B-B14F-4D97-AF65-F5344CB8AC3E}">
+        <p14:creationId xmlns:p14="http://schemas.microsoft.com/office/powerpoint/2010/main" val="1441071697"/>
       </p:ext>
     </p:extLst>
   </p:cSld>
@@ -12751,6 +12445,13 @@
   <p:clrMapOvr>
     <a:masterClrMapping/>
   </p:clrMapOvr>
+  <p:timing>
+    <p:tnLst>
+      <p:par>
+        <p:cTn id="1" dur="indefinite" restart="never" nodeType="tmRoot"/>
+      </p:par>
+    </p:tnLst>
+  </p:timing>
 </p:sld>
 </file>
 
@@ -12794,7 +12495,7 @@
           <a:graphicData uri="http://schemas.openxmlformats.org/presentationml/2006/ole">
             <mc:AlternateContent xmlns:mc="http://schemas.openxmlformats.org/markup-compatibility/2006">
               <mc:Choice xmlns:v="urn:schemas-microsoft-com:vml" Requires="v">
-                <p:oleObj spid="_x0000_s1130" name="Visio" r:id="rId3" imgW="9147060" imgH="7289860" progId="Visio.Drawing.11">
+                <p:oleObj spid="_x0000_s1131" name="Visio" r:id="rId3" imgW="9147060" imgH="7289860" progId="Visio.Drawing.11">
                   <p:embed/>
                 </p:oleObj>
               </mc:Choice>
@@ -13288,6 +12989,13 @@
   <p:clrMapOvr>
     <a:masterClrMapping/>
   </p:clrMapOvr>
+  <p:timing>
+    <p:tnLst>
+      <p:par>
+        <p:cTn id="1" dur="indefinite" restart="never" nodeType="tmRoot"/>
+      </p:par>
+    </p:tnLst>
+  </p:timing>
 </p:sld>
 </file>
 
@@ -13603,6 +13311,13 @@
   <p:clrMapOvr>
     <a:masterClrMapping/>
   </p:clrMapOvr>
+  <p:timing>
+    <p:tnLst>
+      <p:par>
+        <p:cTn id="1" dur="indefinite" restart="never" nodeType="tmRoot"/>
+      </p:par>
+    </p:tnLst>
+  </p:timing>
 </p:sld>
 </file>
 

--- a/JudgesForumPresentation.pptx
+++ b/JudgesForumPresentation.pptx
@@ -8224,7 +8224,7 @@
           <a:p>
             <a:pPr algn="l"/>
             <a:r>
-              <a:rPr lang="en-US" smtClean="0"/>
+              <a:rPr lang="en-US" dirty="0" smtClean="0"/>
               <a:t>Graph will be here</a:t>
             </a:r>
             <a:endParaRPr lang="en-US" dirty="0" smtClean="0"/>
@@ -8958,7 +8958,7 @@
           <a:graphicData uri="http://schemas.openxmlformats.org/presentationml/2006/ole">
             <mc:AlternateContent xmlns:mc="http://schemas.openxmlformats.org/markup-compatibility/2006">
               <mc:Choice xmlns:v="urn:schemas-microsoft-com:vml" Requires="v">
-                <p:oleObj spid="_x0000_s3177" name="Visio" r:id="rId3" imgW="9147060" imgH="7289860" progId="Visio.Drawing.11">
+                <p:oleObj spid="_x0000_s3178" name="Visio" r:id="rId3" imgW="9147060" imgH="7289860" progId="Visio.Drawing.11">
                   <p:embed/>
                 </p:oleObj>
               </mc:Choice>
@@ -9215,7 +9215,7 @@
           <a:graphicData uri="http://schemas.openxmlformats.org/presentationml/2006/ole">
             <mc:AlternateContent xmlns:mc="http://schemas.openxmlformats.org/markup-compatibility/2006">
               <mc:Choice xmlns:v="urn:schemas-microsoft-com:vml" Requires="v">
-                <p:oleObj spid="_x0000_s5157" name="Visio" r:id="rId3" imgW="10758690" imgH="7626560" progId="Visio.Drawing.11">
+                <p:oleObj spid="_x0000_s5158" name="Visio" r:id="rId3" imgW="10758690" imgH="7626560" progId="Visio.Drawing.11">
                   <p:embed/>
                 </p:oleObj>
               </mc:Choice>
@@ -9659,7 +9659,7 @@
           <a:graphicData uri="http://schemas.openxmlformats.org/presentationml/2006/ole">
             <mc:AlternateContent xmlns:mc="http://schemas.openxmlformats.org/markup-compatibility/2006">
               <mc:Choice xmlns:v="urn:schemas-microsoft-com:vml" Requires="v">
-                <p:oleObj spid="_x0000_s7199" name="Visio" r:id="rId3" imgW="10758690" imgH="7626560" progId="Visio.Drawing.11">
+                <p:oleObj spid="_x0000_s7200" name="Visio" r:id="rId3" imgW="10758690" imgH="7626560" progId="Visio.Drawing.11">
                   <p:embed/>
                 </p:oleObj>
               </mc:Choice>
@@ -9785,7 +9785,7 @@
           <a:graphicData uri="http://schemas.openxmlformats.org/presentationml/2006/ole">
             <mc:AlternateContent xmlns:mc="http://schemas.openxmlformats.org/markup-compatibility/2006">
               <mc:Choice xmlns:v="urn:schemas-microsoft-com:vml" Requires="v">
-                <p:oleObj spid="_x0000_s8223" name="Visio" r:id="rId3" imgW="10758690" imgH="7626560" progId="Visio.Drawing.11">
+                <p:oleObj spid="_x0000_s8224" name="Visio" r:id="rId3" imgW="10758690" imgH="7626560" progId="Visio.Drawing.11">
                   <p:embed/>
                 </p:oleObj>
               </mc:Choice>
@@ -9932,7 +9932,7 @@
           <a:graphicData uri="http://schemas.openxmlformats.org/presentationml/2006/ole">
             <mc:AlternateContent xmlns:mc="http://schemas.openxmlformats.org/markup-compatibility/2006">
               <mc:Choice xmlns:v="urn:schemas-microsoft-com:vml" Requires="v">
-                <p:oleObj spid="_x0000_s2155" name="Visio" r:id="rId3" imgW="9147060" imgH="7289860" progId="Visio.Drawing.11">
+                <p:oleObj spid="_x0000_s2156" name="Visio" r:id="rId3" imgW="9147060" imgH="7289860" progId="Visio.Drawing.11">
                   <p:embed/>
                 </p:oleObj>
               </mc:Choice>
@@ -12495,7 +12495,7 @@
           <a:graphicData uri="http://schemas.openxmlformats.org/presentationml/2006/ole">
             <mc:AlternateContent xmlns:mc="http://schemas.openxmlformats.org/markup-compatibility/2006">
               <mc:Choice xmlns:v="urn:schemas-microsoft-com:vml" Requires="v">
-                <p:oleObj spid="_x0000_s1131" name="Visio" r:id="rId3" imgW="9147060" imgH="7289860" progId="Visio.Drawing.11">
+                <p:oleObj spid="_x0000_s1132" name="Visio" r:id="rId3" imgW="9147060" imgH="7289860" progId="Visio.Drawing.11">
                   <p:embed/>
                 </p:oleObj>
               </mc:Choice>

--- a/JudgesForumPresentation.pptx
+++ b/JudgesForumPresentation.pptx
@@ -8017,13 +8017,13 @@
       </p:sp>
       <p:pic>
         <p:nvPicPr>
-          <p:cNvPr id="4" name="Picture 2"/>
+          <p:cNvPr id="12290" name="Picture 2"/>
           <p:cNvPicPr>
             <a:picLocks noChangeAspect="1" noChangeArrowheads="1"/>
           </p:cNvPicPr>
           <p:nvPr/>
         </p:nvPicPr>
-        <p:blipFill rotWithShape="1">
+        <p:blipFill>
           <a:blip r:embed="rId2">
             <a:extLst>
               <a:ext uri="{28A0092B-C50C-407E-A947-70E740481C1C}">
@@ -8031,13 +8031,15 @@
               </a:ext>
             </a:extLst>
           </a:blip>
-          <a:srcRect t="9762"/>
-          <a:stretch/>
+          <a:srcRect/>
+          <a:stretch>
+            <a:fillRect/>
+          </a:stretch>
         </p:blipFill>
         <p:spPr bwMode="auto">
           <a:xfrm>
-            <a:off x="1981200" y="2807576"/>
-            <a:ext cx="4724400" cy="4050423"/>
+            <a:off x="1905000" y="2743200"/>
+            <a:ext cx="4953000" cy="3771900"/>
           </a:xfrm>
           <a:prstGeom prst="rect">
             <a:avLst/>
@@ -8077,83 +8079,6 @@
           </a:extLst>
         </p:spPr>
       </p:pic>
-      <p:sp>
-        <p:nvSpPr>
-          <p:cNvPr id="5" name="TextBox 4"/>
-          <p:cNvSpPr txBox="1"/>
-          <p:nvPr/>
-        </p:nvSpPr>
-        <p:spPr>
-          <a:xfrm>
-            <a:off x="1295400" y="5576500"/>
-            <a:ext cx="838200" cy="276999"/>
-          </a:xfrm>
-          <a:prstGeom prst="rect">
-            <a:avLst/>
-          </a:prstGeom>
-          <a:solidFill>
-            <a:schemeClr val="bg1"/>
-          </a:solidFill>
-          <a:effectLst>
-            <a:outerShdw blurRad="50800" dist="50800" dir="5400000" algn="ctr" rotWithShape="0">
-              <a:schemeClr val="bg1"/>
-            </a:outerShdw>
-          </a:effectLst>
-        </p:spPr>
-        <p:txBody>
-          <a:bodyPr wrap="square" rtlCol="0">
-            <a:spAutoFit/>
-          </a:bodyPr>
-          <a:lstStyle/>
-          <a:p>
-            <a:pPr algn="r"/>
-            <a:r>
-              <a:rPr lang="en-US" sz="1200" dirty="0" smtClean="0"/>
-              <a:t>(</a:t>
-            </a:r>
-            <a:r>
-              <a:rPr lang="en-US" sz="1200" dirty="0" err="1" smtClean="0"/>
-              <a:t>DBm</a:t>
-            </a:r>
-            <a:r>
-              <a:rPr lang="en-US" sz="1200" dirty="0" smtClean="0"/>
-              <a:t>)</a:t>
-            </a:r>
-            <a:endParaRPr lang="ru-RU" sz="1200" dirty="0"/>
-          </a:p>
-        </p:txBody>
-      </p:sp>
-      <p:sp>
-        <p:nvSpPr>
-          <p:cNvPr id="6" name="TextBox 5"/>
-          <p:cNvSpPr txBox="1"/>
-          <p:nvPr/>
-        </p:nvSpPr>
-        <p:spPr>
-          <a:xfrm>
-            <a:off x="3771900" y="4204899"/>
-            <a:ext cx="1752600" cy="276999"/>
-          </a:xfrm>
-          <a:prstGeom prst="rect">
-            <a:avLst/>
-          </a:prstGeom>
-          <a:noFill/>
-        </p:spPr>
-        <p:txBody>
-          <a:bodyPr wrap="square" rtlCol="0">
-            <a:spAutoFit/>
-          </a:bodyPr>
-          <a:lstStyle/>
-          <a:p>
-            <a:pPr algn="r"/>
-            <a:r>
-              <a:rPr lang="en-US" sz="1200" dirty="0" smtClean="0"/>
-              <a:t>Distance (meters)</a:t>
-            </a:r>
-            <a:endParaRPr lang="ru-RU" sz="1200" dirty="0"/>
-          </a:p>
-        </p:txBody>
-      </p:sp>
     </p:spTree>
     <p:extLst>
       <p:ext uri="{BB962C8B-B14F-4D97-AF65-F5344CB8AC3E}">
@@ -8958,7 +8883,7 @@
           <a:graphicData uri="http://schemas.openxmlformats.org/presentationml/2006/ole">
             <mc:AlternateContent xmlns:mc="http://schemas.openxmlformats.org/markup-compatibility/2006">
               <mc:Choice xmlns:v="urn:schemas-microsoft-com:vml" Requires="v">
-                <p:oleObj spid="_x0000_s3178" name="Visio" r:id="rId3" imgW="9147060" imgH="7289860" progId="Visio.Drawing.11">
+                <p:oleObj spid="_x0000_s3179" name="Visio" r:id="rId3" imgW="9147060" imgH="7289860" progId="Visio.Drawing.11">
                   <p:embed/>
                 </p:oleObj>
               </mc:Choice>
@@ -9215,7 +9140,7 @@
           <a:graphicData uri="http://schemas.openxmlformats.org/presentationml/2006/ole">
             <mc:AlternateContent xmlns:mc="http://schemas.openxmlformats.org/markup-compatibility/2006">
               <mc:Choice xmlns:v="urn:schemas-microsoft-com:vml" Requires="v">
-                <p:oleObj spid="_x0000_s5158" name="Visio" r:id="rId3" imgW="10758690" imgH="7626560" progId="Visio.Drawing.11">
+                <p:oleObj spid="_x0000_s5159" name="Visio" r:id="rId3" imgW="10758690" imgH="7626560" progId="Visio.Drawing.11">
                   <p:embed/>
                 </p:oleObj>
               </mc:Choice>
@@ -9659,7 +9584,7 @@
           <a:graphicData uri="http://schemas.openxmlformats.org/presentationml/2006/ole">
             <mc:AlternateContent xmlns:mc="http://schemas.openxmlformats.org/markup-compatibility/2006">
               <mc:Choice xmlns:v="urn:schemas-microsoft-com:vml" Requires="v">
-                <p:oleObj spid="_x0000_s7200" name="Visio" r:id="rId3" imgW="10758690" imgH="7626560" progId="Visio.Drawing.11">
+                <p:oleObj spid="_x0000_s7201" name="Visio" r:id="rId3" imgW="10758690" imgH="7626560" progId="Visio.Drawing.11">
                   <p:embed/>
                 </p:oleObj>
               </mc:Choice>
@@ -9785,7 +9710,7 @@
           <a:graphicData uri="http://schemas.openxmlformats.org/presentationml/2006/ole">
             <mc:AlternateContent xmlns:mc="http://schemas.openxmlformats.org/markup-compatibility/2006">
               <mc:Choice xmlns:v="urn:schemas-microsoft-com:vml" Requires="v">
-                <p:oleObj spid="_x0000_s8224" name="Visio" r:id="rId3" imgW="10758690" imgH="7626560" progId="Visio.Drawing.11">
+                <p:oleObj spid="_x0000_s8225" name="Visio" r:id="rId3" imgW="10758690" imgH="7626560" progId="Visio.Drawing.11">
                   <p:embed/>
                 </p:oleObj>
               </mc:Choice>
@@ -9932,7 +9857,7 @@
           <a:graphicData uri="http://schemas.openxmlformats.org/presentationml/2006/ole">
             <mc:AlternateContent xmlns:mc="http://schemas.openxmlformats.org/markup-compatibility/2006">
               <mc:Choice xmlns:v="urn:schemas-microsoft-com:vml" Requires="v">
-                <p:oleObj spid="_x0000_s2156" name="Visio" r:id="rId3" imgW="9147060" imgH="7289860" progId="Visio.Drawing.11">
+                <p:oleObj spid="_x0000_s2157" name="Visio" r:id="rId3" imgW="9147060" imgH="7289860" progId="Visio.Drawing.11">
                   <p:embed/>
                 </p:oleObj>
               </mc:Choice>
@@ -12495,7 +12420,7 @@
           <a:graphicData uri="http://schemas.openxmlformats.org/presentationml/2006/ole">
             <mc:AlternateContent xmlns:mc="http://schemas.openxmlformats.org/markup-compatibility/2006">
               <mc:Choice xmlns:v="urn:schemas-microsoft-com:vml" Requires="v">
-                <p:oleObj spid="_x0000_s1132" name="Visio" r:id="rId3" imgW="9147060" imgH="7289860" progId="Visio.Drawing.11">
+                <p:oleObj spid="_x0000_s1133" name="Visio" r:id="rId3" imgW="9147060" imgH="7289860" progId="Visio.Drawing.11">
                   <p:embed/>
                 </p:oleObj>
               </mc:Choice>

--- a/JudgesForumPresentation.pptx
+++ b/JudgesForumPresentation.pptx
@@ -5,10 +5,10 @@
     <p:sldMasterId id="2147483672" r:id="rId1"/>
   </p:sldMasterIdLst>
   <p:notesMasterIdLst>
-    <p:notesMasterId r:id="rId31"/>
+    <p:notesMasterId r:id="rId32"/>
   </p:notesMasterIdLst>
   <p:handoutMasterIdLst>
-    <p:handoutMasterId r:id="rId32"/>
+    <p:handoutMasterId r:id="rId33"/>
   </p:handoutMasterIdLst>
   <p:sldIdLst>
     <p:sldId id="256" r:id="rId2"/>
@@ -40,6 +40,7 @@
     <p:sldId id="339" r:id="rId28"/>
     <p:sldId id="308" r:id="rId29"/>
     <p:sldId id="333" r:id="rId30"/>
+    <p:sldId id="340" r:id="rId31"/>
   </p:sldIdLst>
   <p:sldSz cx="9144000" cy="6858000" type="screen4x3"/>
   <p:notesSz cx="6669088" cy="9928225"/>
@@ -144,7 +145,7 @@
 <file path=ppt/charts/chart1.xml><?xml version="1.0" encoding="utf-8"?>
 <c:chartSpace xmlns:c="http://schemas.openxmlformats.org/drawingml/2006/chart" xmlns:a="http://schemas.openxmlformats.org/drawingml/2006/main" xmlns:r="http://schemas.openxmlformats.org/officeDocument/2006/relationships">
   <c:date1904 val="0"/>
-  <c:lang val="ru-RU"/>
+  <c:lang val="en-US"/>
   <c:roundedCorners val="0"/>
   <mc:AlternateContent xmlns:mc="http://schemas.openxmlformats.org/markup-compatibility/2006">
     <mc:Choice xmlns:c14="http://schemas.microsoft.com/office/drawing/2007/8/2/chart" Requires="c14">
@@ -172,7 +173,6 @@
           </a:p>
         </c:rich>
       </c:tx>
-      <c:layout/>
       <c:overlay val="0"/>
     </c:title>
     <c:autoTitleDeleted val="0"/>
@@ -1797,11 +1797,11 @@
           <c:showBubbleSize val="0"/>
         </c:dLbls>
         <c:gapWidth val="150"/>
-        <c:axId val="89334784"/>
-        <c:axId val="51533440"/>
+        <c:axId val="91919872"/>
+        <c:axId val="91921408"/>
       </c:barChart>
       <c:catAx>
-        <c:axId val="89334784"/>
+        <c:axId val="91919872"/>
         <c:scaling>
           <c:orientation val="minMax"/>
         </c:scaling>
@@ -1811,7 +1811,7 @@
         <c:majorTickMark val="none"/>
         <c:minorTickMark val="none"/>
         <c:tickLblPos val="nextTo"/>
-        <c:crossAx val="51533440"/>
+        <c:crossAx val="91921408"/>
         <c:crosses val="autoZero"/>
         <c:auto val="1"/>
         <c:lblAlgn val="ctr"/>
@@ -1819,7 +1819,7 @@
         <c:noMultiLvlLbl val="0"/>
       </c:catAx>
       <c:valAx>
-        <c:axId val="51533440"/>
+        <c:axId val="91921408"/>
         <c:scaling>
           <c:orientation val="minMax"/>
         </c:scaling>
@@ -1830,7 +1830,7 @@
         <c:majorTickMark val="none"/>
         <c:minorTickMark val="none"/>
         <c:tickLblPos val="nextTo"/>
-        <c:crossAx val="89334784"/>
+        <c:crossAx val="91919872"/>
         <c:crosses val="autoZero"/>
         <c:crossBetween val="between"/>
       </c:valAx>
@@ -1862,7 +1862,7 @@
 <file path=ppt/charts/chart2.xml><?xml version="1.0" encoding="utf-8"?>
 <c:chartSpace xmlns:c="http://schemas.openxmlformats.org/drawingml/2006/chart" xmlns:a="http://schemas.openxmlformats.org/drawingml/2006/main" xmlns:r="http://schemas.openxmlformats.org/officeDocument/2006/relationships">
   <c:date1904 val="0"/>
-  <c:lang val="ru-RU"/>
+  <c:lang val="en-US"/>
   <c:roundedCorners val="0"/>
   <mc:AlternateContent xmlns:mc="http://schemas.openxmlformats.org/markup-compatibility/2006">
     <mc:Choice xmlns:c14="http://schemas.microsoft.com/office/drawing/2007/8/2/chart" Requires="c14">
@@ -1894,7 +1894,6 @@
           </a:p>
         </c:rich>
       </c:tx>
-      <c:layout/>
       <c:overlay val="0"/>
     </c:title>
     <c:autoTitleDeleted val="0"/>
@@ -1970,11 +1969,11 @@
           <c:showBubbleSize val="0"/>
         </c:dLbls>
         <c:gapWidth val="150"/>
-        <c:axId val="78744576"/>
-        <c:axId val="52439872"/>
+        <c:axId val="93659136"/>
+        <c:axId val="93660672"/>
       </c:barChart>
       <c:catAx>
-        <c:axId val="78744576"/>
+        <c:axId val="93659136"/>
         <c:scaling>
           <c:orientation val="minMax"/>
         </c:scaling>
@@ -1983,7 +1982,7 @@
         <c:majorTickMark val="out"/>
         <c:minorTickMark val="none"/>
         <c:tickLblPos val="nextTo"/>
-        <c:crossAx val="52439872"/>
+        <c:crossAx val="93660672"/>
         <c:crosses val="autoZero"/>
         <c:auto val="1"/>
         <c:lblAlgn val="ctr"/>
@@ -1991,7 +1990,7 @@
         <c:noMultiLvlLbl val="0"/>
       </c:catAx>
       <c:valAx>
-        <c:axId val="52439872"/>
+        <c:axId val="93660672"/>
         <c:scaling>
           <c:orientation val="minMax"/>
         </c:scaling>
@@ -2002,7 +2001,7 @@
         <c:majorTickMark val="out"/>
         <c:minorTickMark val="none"/>
         <c:tickLblPos val="nextTo"/>
-        <c:crossAx val="78744576"/>
+        <c:crossAx val="93659136"/>
         <c:crosses val="autoZero"/>
         <c:crossBetween val="between"/>
       </c:valAx>
@@ -2040,7 +2039,7 @@
           <a:cs typeface="+mn-cs"/>
         </a:defRPr>
       </a:pPr>
-      <a:endParaRPr lang="ru-RU"/>
+      <a:endParaRPr lang="en-US"/>
     </a:p>
   </c:txPr>
   <c:externalData r:id="rId1">
@@ -2052,7 +2051,7 @@
 <file path=ppt/charts/chart3.xml><?xml version="1.0" encoding="utf-8"?>
 <c:chartSpace xmlns:c="http://schemas.openxmlformats.org/drawingml/2006/chart" xmlns:a="http://schemas.openxmlformats.org/drawingml/2006/main" xmlns:r="http://schemas.openxmlformats.org/officeDocument/2006/relationships">
   <c:date1904 val="0"/>
-  <c:lang val="ru-RU"/>
+  <c:lang val="en-US"/>
   <c:roundedCorners val="0"/>
   <mc:AlternateContent xmlns:mc="http://schemas.openxmlformats.org/markup-compatibility/2006">
     <mc:Choice xmlns:c14="http://schemas.microsoft.com/office/drawing/2007/8/2/chart" Requires="c14">
@@ -2079,7 +2078,6 @@
           </a:p>
         </c:rich>
       </c:tx>
-      <c:layout/>
       <c:overlay val="0"/>
     </c:title>
     <c:autoTitleDeleted val="0"/>
@@ -2155,11 +2153,11 @@
           <c:showBubbleSize val="0"/>
         </c:dLbls>
         <c:gapWidth val="150"/>
-        <c:axId val="78745088"/>
-        <c:axId val="47821888"/>
+        <c:axId val="93680768"/>
+        <c:axId val="93682304"/>
       </c:barChart>
       <c:catAx>
-        <c:axId val="78745088"/>
+        <c:axId val="93680768"/>
         <c:scaling>
           <c:orientation val="minMax"/>
         </c:scaling>
@@ -2168,7 +2166,7 @@
         <c:majorTickMark val="none"/>
         <c:minorTickMark val="none"/>
         <c:tickLblPos val="nextTo"/>
-        <c:crossAx val="47821888"/>
+        <c:crossAx val="93682304"/>
         <c:crosses val="autoZero"/>
         <c:auto val="1"/>
         <c:lblAlgn val="ctr"/>
@@ -2176,7 +2174,7 @@
         <c:noMultiLvlLbl val="0"/>
       </c:catAx>
       <c:valAx>
-        <c:axId val="47821888"/>
+        <c:axId val="93682304"/>
         <c:scaling>
           <c:orientation val="minMax"/>
         </c:scaling>
@@ -2187,7 +2185,7 @@
         <c:majorTickMark val="none"/>
         <c:minorTickMark val="none"/>
         <c:tickLblPos val="nextTo"/>
-        <c:crossAx val="78745088"/>
+        <c:crossAx val="93680768"/>
         <c:crosses val="autoZero"/>
         <c:crossBetween val="between"/>
       </c:valAx>
@@ -2231,7 +2229,7 @@
           <a:cs typeface="+mn-cs"/>
         </a:defRPr>
       </a:pPr>
-      <a:endParaRPr lang="ru-RU"/>
+      <a:endParaRPr lang="en-US"/>
     </a:p>
   </c:txPr>
   <c:externalData r:id="rId1">
@@ -2243,7 +2241,7 @@
 <file path=ppt/charts/chart4.xml><?xml version="1.0" encoding="utf-8"?>
 <c:chartSpace xmlns:c="http://schemas.openxmlformats.org/drawingml/2006/chart" xmlns:a="http://schemas.openxmlformats.org/drawingml/2006/main" xmlns:r="http://schemas.openxmlformats.org/officeDocument/2006/relationships">
   <c:date1904 val="0"/>
-  <c:lang val="ru-RU"/>
+  <c:lang val="en-US"/>
   <c:roundedCorners val="0"/>
   <mc:AlternateContent xmlns:mc="http://schemas.openxmlformats.org/markup-compatibility/2006">
     <mc:Choice xmlns:c14="http://schemas.microsoft.com/office/drawing/2007/8/2/chart" Requires="c14">
@@ -2275,7 +2273,6 @@
           </a:p>
         </c:rich>
       </c:tx>
-      <c:layout/>
       <c:overlay val="0"/>
     </c:title>
     <c:autoTitleDeleted val="0"/>
@@ -2351,11 +2348,11 @@
           <c:showBubbleSize val="0"/>
         </c:dLbls>
         <c:gapWidth val="150"/>
-        <c:axId val="89999872"/>
-        <c:axId val="45818432"/>
+        <c:axId val="102057472"/>
+        <c:axId val="102059008"/>
       </c:barChart>
       <c:catAx>
-        <c:axId val="89999872"/>
+        <c:axId val="102057472"/>
         <c:scaling>
           <c:orientation val="minMax"/>
         </c:scaling>
@@ -2364,7 +2361,7 @@
         <c:majorTickMark val="out"/>
         <c:minorTickMark val="none"/>
         <c:tickLblPos val="nextTo"/>
-        <c:crossAx val="45818432"/>
+        <c:crossAx val="102059008"/>
         <c:crosses val="autoZero"/>
         <c:auto val="1"/>
         <c:lblAlgn val="ctr"/>
@@ -2372,7 +2369,7 @@
         <c:noMultiLvlLbl val="0"/>
       </c:catAx>
       <c:valAx>
-        <c:axId val="45818432"/>
+        <c:axId val="102059008"/>
         <c:scaling>
           <c:orientation val="minMax"/>
         </c:scaling>
@@ -2383,7 +2380,7 @@
         <c:majorTickMark val="out"/>
         <c:minorTickMark val="none"/>
         <c:tickLblPos val="nextTo"/>
-        <c:crossAx val="89999872"/>
+        <c:crossAx val="102057472"/>
         <c:crosses val="autoZero"/>
         <c:crossBetween val="between"/>
       </c:valAx>
@@ -2421,7 +2418,7 @@
           <a:cs typeface="+mn-cs"/>
         </a:defRPr>
       </a:pPr>
-      <a:endParaRPr lang="ru-RU"/>
+      <a:endParaRPr lang="en-US"/>
     </a:p>
   </c:txPr>
   <c:externalData r:id="rId1">
@@ -2433,7 +2430,7 @@
 <file path=ppt/charts/chart5.xml><?xml version="1.0" encoding="utf-8"?>
 <c:chartSpace xmlns:c="http://schemas.openxmlformats.org/drawingml/2006/chart" xmlns:a="http://schemas.openxmlformats.org/drawingml/2006/main" xmlns:r="http://schemas.openxmlformats.org/officeDocument/2006/relationships">
   <c:date1904 val="0"/>
-  <c:lang val="ru-RU"/>
+  <c:lang val="en-US"/>
   <c:roundedCorners val="0"/>
   <mc:AlternateContent xmlns:mc="http://schemas.openxmlformats.org/markup-compatibility/2006">
     <mc:Choice xmlns:c14="http://schemas.microsoft.com/office/drawing/2007/8/2/chart" Requires="c14">
@@ -2445,7 +2442,6 @@
   </mc:AlternateContent>
   <c:chart>
     <c:title>
-      <c:layout/>
       <c:overlay val="0"/>
     </c:title>
     <c:autoTitleDeleted val="0"/>
@@ -2521,11 +2517,11 @@
           <c:showBubbleSize val="0"/>
         </c:dLbls>
         <c:gapWidth val="150"/>
-        <c:axId val="88154624"/>
-        <c:axId val="90487552"/>
+        <c:axId val="102075008"/>
+        <c:axId val="102084992"/>
       </c:barChart>
       <c:catAx>
-        <c:axId val="88154624"/>
+        <c:axId val="102075008"/>
         <c:scaling>
           <c:orientation val="minMax"/>
         </c:scaling>
@@ -2534,7 +2530,7 @@
         <c:majorTickMark val="none"/>
         <c:minorTickMark val="none"/>
         <c:tickLblPos val="nextTo"/>
-        <c:crossAx val="90487552"/>
+        <c:crossAx val="102084992"/>
         <c:crosses val="autoZero"/>
         <c:auto val="1"/>
         <c:lblAlgn val="ctr"/>
@@ -2542,7 +2538,7 @@
         <c:noMultiLvlLbl val="0"/>
       </c:catAx>
       <c:valAx>
-        <c:axId val="90487552"/>
+        <c:axId val="102084992"/>
         <c:scaling>
           <c:orientation val="minMax"/>
         </c:scaling>
@@ -2553,7 +2549,7 @@
         <c:majorTickMark val="none"/>
         <c:minorTickMark val="none"/>
         <c:tickLblPos val="nextTo"/>
-        <c:crossAx val="88154624"/>
+        <c:crossAx val="102075008"/>
         <c:crosses val="autoZero"/>
         <c:crossBetween val="between"/>
       </c:valAx>
@@ -2597,7 +2593,7 @@
           <a:cs typeface="+mn-cs"/>
         </a:defRPr>
       </a:pPr>
-      <a:endParaRPr lang="ru-RU"/>
+      <a:endParaRPr lang="en-US"/>
     </a:p>
   </c:txPr>
   <c:externalData r:id="rId1">
@@ -7818,11 +7814,7 @@
             <a:pPr lvl="1"/>
             <a:r>
               <a:rPr lang="en-US" dirty="0" smtClean="0"/>
-              <a:t>Keep Alive </a:t>
-            </a:r>
-            <a:r>
-              <a:rPr lang="en-US" dirty="0" smtClean="0"/>
-              <a:t>mechanism</a:t>
+              <a:t>Keep Alive mechanism</a:t>
             </a:r>
           </a:p>
           <a:p>
@@ -7843,17 +7835,12 @@
               <a:rPr lang="en-US" dirty="0" smtClean="0"/>
               <a:t>N</a:t>
             </a:r>
-            <a:endParaRPr lang="en-US" dirty="0" smtClean="0"/>
           </a:p>
           <a:p>
             <a:pPr lvl="1"/>
             <a:r>
               <a:rPr lang="en-US" dirty="0" smtClean="0"/>
-              <a:t>Connection </a:t>
-            </a:r>
-            <a:r>
-              <a:rPr lang="en-US" dirty="0" smtClean="0"/>
-              <a:t>establishment negotiation</a:t>
+              <a:t>Connection establishment negotiation</a:t>
             </a:r>
           </a:p>
           <a:p>
@@ -7869,7 +7856,6 @@
               <a:rPr lang="en-US" dirty="0" smtClean="0"/>
               <a:t>Tunneled Direct Link Setup </a:t>
             </a:r>
-            <a:endParaRPr lang="en-US" dirty="0" smtClean="0"/>
           </a:p>
           <a:p>
             <a:endParaRPr lang="en-US" dirty="0" smtClean="0"/>
@@ -7973,13 +7959,8 @@
             </a:r>
             <a:r>
               <a:rPr lang="en-US" dirty="0" smtClean="0"/>
-              <a:t>(</a:t>
-            </a:r>
-            <a:r>
-              <a:rPr lang="en-US" dirty="0" smtClean="0"/>
-              <a:t>RSSI)</a:t>
-            </a:r>
-            <a:endParaRPr lang="en-US" dirty="0" smtClean="0"/>
+              <a:t>(RSSI)</a:t>
+            </a:r>
           </a:p>
           <a:p>
             <a:pPr algn="l"/>
@@ -8134,13 +8115,8 @@
             <a:pPr algn="l"/>
             <a:r>
               <a:rPr lang="en-US" dirty="0" smtClean="0"/>
-              <a:t>Signal </a:t>
-            </a:r>
-            <a:r>
-              <a:rPr lang="en-US" dirty="0" smtClean="0"/>
-              <a:t>to Noise Ratio (SNR) – Packet Loss </a:t>
-            </a:r>
-            <a:endParaRPr lang="en-US" dirty="0" smtClean="0"/>
+              <a:t>Signal to Noise Ratio (SNR) – Packet Loss </a:t>
+            </a:r>
           </a:p>
           <a:p>
             <a:pPr algn="l"/>
@@ -8152,7 +8128,6 @@
               <a:rPr lang="en-US" dirty="0" smtClean="0"/>
               <a:t>Graph will be here</a:t>
             </a:r>
-            <a:endParaRPr lang="en-US" dirty="0" smtClean="0"/>
           </a:p>
           <a:p>
             <a:pPr algn="l"/>
@@ -8601,11 +8576,7 @@
             </a:pPr>
             <a:r>
               <a:rPr lang="en-US" sz="3000" dirty="0" smtClean="0"/>
-              <a:t>Null </a:t>
-            </a:r>
-            <a:r>
-              <a:rPr lang="en-US" sz="3000" dirty="0" smtClean="0"/>
-              <a:t>Data Packet </a:t>
+              <a:t>Null Data Packet </a:t>
             </a:r>
             <a:r>
               <a:rPr lang="en-US" sz="3000" dirty="0"/>
@@ -8883,7 +8854,7 @@
           <a:graphicData uri="http://schemas.openxmlformats.org/presentationml/2006/ole">
             <mc:AlternateContent xmlns:mc="http://schemas.openxmlformats.org/markup-compatibility/2006">
               <mc:Choice xmlns:v="urn:schemas-microsoft-com:vml" Requires="v">
-                <p:oleObj spid="_x0000_s3179" name="Visio" r:id="rId3" imgW="9147060" imgH="7289860" progId="Visio.Drawing.11">
+                <p:oleObj spid="_x0000_s3182" name="Visio" r:id="rId3" imgW="9147060" imgH="7289860" progId="Visio.Drawing.11">
                   <p:embed/>
                 </p:oleObj>
               </mc:Choice>
@@ -9140,7 +9111,7 @@
           <a:graphicData uri="http://schemas.openxmlformats.org/presentationml/2006/ole">
             <mc:AlternateContent xmlns:mc="http://schemas.openxmlformats.org/markup-compatibility/2006">
               <mc:Choice xmlns:v="urn:schemas-microsoft-com:vml" Requires="v">
-                <p:oleObj spid="_x0000_s5159" name="Visio" r:id="rId3" imgW="10758690" imgH="7626560" progId="Visio.Drawing.11">
+                <p:oleObj spid="_x0000_s5162" name="Visio" r:id="rId3" imgW="10758690" imgH="7626560" progId="Visio.Drawing.11">
                   <p:embed/>
                 </p:oleObj>
               </mc:Choice>
@@ -9337,11 +9308,7 @@
             <a:pPr algn="l"/>
             <a:r>
               <a:rPr lang="en-US" dirty="0" smtClean="0"/>
-              <a:t>Creation of WiFi simulator in order to develop Smart Link Selection </a:t>
-            </a:r>
-            <a:r>
-              <a:rPr lang="en-US" dirty="0" smtClean="0"/>
-              <a:t>Algorithms  </a:t>
+              <a:t>Creation of WiFi simulator in order to develop Smart Link Selection Algorithms  </a:t>
             </a:r>
             <a:endParaRPr lang="en-US" dirty="0"/>
           </a:p>
@@ -9365,11 +9332,7 @@
             <a:pPr rtl="1"/>
             <a:r>
               <a:rPr lang="en-US" dirty="0" smtClean="0"/>
-              <a:t>Project </a:t>
-            </a:r>
-            <a:r>
-              <a:rPr lang="en-US" dirty="0" smtClean="0"/>
-              <a:t>Goal</a:t>
+              <a:t>Project Goal</a:t>
             </a:r>
             <a:endParaRPr lang="en-US" dirty="0"/>
           </a:p>
@@ -9584,7 +9547,7 @@
           <a:graphicData uri="http://schemas.openxmlformats.org/presentationml/2006/ole">
             <mc:AlternateContent xmlns:mc="http://schemas.openxmlformats.org/markup-compatibility/2006">
               <mc:Choice xmlns:v="urn:schemas-microsoft-com:vml" Requires="v">
-                <p:oleObj spid="_x0000_s7201" name="Visio" r:id="rId3" imgW="10758690" imgH="7626560" progId="Visio.Drawing.11">
+                <p:oleObj spid="_x0000_s7204" name="Visio" r:id="rId3" imgW="10758690" imgH="7626560" progId="Visio.Drawing.11">
                   <p:embed/>
                 </p:oleObj>
               </mc:Choice>
@@ -9710,7 +9673,7 @@
           <a:graphicData uri="http://schemas.openxmlformats.org/presentationml/2006/ole">
             <mc:AlternateContent xmlns:mc="http://schemas.openxmlformats.org/markup-compatibility/2006">
               <mc:Choice xmlns:v="urn:schemas-microsoft-com:vml" Requires="v">
-                <p:oleObj spid="_x0000_s8225" name="Visio" r:id="rId3" imgW="10758690" imgH="7626560" progId="Visio.Drawing.11">
+                <p:oleObj spid="_x0000_s8228" name="Visio" r:id="rId3" imgW="10758690" imgH="7626560" progId="Visio.Drawing.11">
                   <p:embed/>
                 </p:oleObj>
               </mc:Choice>
@@ -9857,7 +9820,7 @@
           <a:graphicData uri="http://schemas.openxmlformats.org/presentationml/2006/ole">
             <mc:AlternateContent xmlns:mc="http://schemas.openxmlformats.org/markup-compatibility/2006">
               <mc:Choice xmlns:v="urn:schemas-microsoft-com:vml" Requires="v">
-                <p:oleObj spid="_x0000_s2157" name="Visio" r:id="rId3" imgW="9147060" imgH="7289860" progId="Visio.Drawing.11">
+                <p:oleObj spid="_x0000_s2160" name="Visio" r:id="rId3" imgW="9147060" imgH="7289860" progId="Visio.Drawing.11">
                   <p:embed/>
                 </p:oleObj>
               </mc:Choice>
@@ -10748,7 +10711,6 @@
               <a:rPr lang="en-US" dirty="0"/>
               <a:t>Simulation Results</a:t>
             </a:r>
-            <a:endParaRPr lang="en-US" dirty="0"/>
           </a:p>
         </p:txBody>
       </p:sp>
@@ -11959,10 +11921,16 @@
               </a:lnSpc>
             </a:pPr>
             <a:r>
+              <a:rPr lang="en-US" dirty="0" smtClean="0">
+                <a:hlinkClick r:id="rId9"/>
+              </a:rPr>
+              <a:t>Our web site for project: http</a:t>
+            </a:r>
+            <a:r>
               <a:rPr lang="en-US" dirty="0">
                 <a:hlinkClick r:id="rId9"/>
               </a:rPr>
-              <a:t>http://wiki.dhs01.com/</a:t>
+              <a:t>://wiki.dhs01.com/</a:t>
             </a:r>
             <a:endParaRPr lang="en-US" dirty="0"/>
           </a:p>
@@ -12079,13 +12047,8 @@
             </a:pPr>
             <a:r>
               <a:rPr lang="en-US" dirty="0" smtClean="0"/>
-              <a:t>S</a:t>
-            </a:r>
-            <a:r>
-              <a:rPr lang="en-US" dirty="0" smtClean="0"/>
-              <a:t>upported Protocols </a:t>
-            </a:r>
-            <a:endParaRPr lang="en-US" dirty="0" smtClean="0"/>
+              <a:t>Supported Protocols </a:t>
+            </a:r>
           </a:p>
           <a:p>
             <a:pPr lvl="1">
@@ -12094,13 +12057,8 @@
             </a:pPr>
             <a:r>
               <a:rPr lang="en-US" dirty="0" smtClean="0"/>
-              <a:t>Used </a:t>
-            </a:r>
-            <a:r>
-              <a:rPr lang="en-US" dirty="0" smtClean="0"/>
-              <a:t>algorithms</a:t>
-            </a:r>
-            <a:endParaRPr lang="en-US" dirty="0" smtClean="0"/>
+              <a:t>Used algorithms</a:t>
+            </a:r>
           </a:p>
           <a:p>
             <a:pPr lvl="1">
@@ -12177,6 +12135,167 @@
     <p:extLst>
       <p:ext uri="{BB962C8B-B14F-4D97-AF65-F5344CB8AC3E}">
         <p14:creationId xmlns:p14="http://schemas.microsoft.com/office/powerpoint/2010/main" val="1441071697"/>
+      </p:ext>
+    </p:extLst>
+  </p:cSld>
+  <p:clrMapOvr>
+    <a:masterClrMapping/>
+  </p:clrMapOvr>
+  <p:timing>
+    <p:tnLst>
+      <p:par>
+        <p:cTn id="1" dur="indefinite" restart="never" nodeType="tmRoot"/>
+      </p:par>
+    </p:tnLst>
+  </p:timing>
+</p:sld>
+</file>
+
+<file path=ppt/slides/slide30.xml><?xml version="1.0" encoding="utf-8"?>
+<p:sld xmlns:a="http://schemas.openxmlformats.org/drawingml/2006/main" xmlns:r="http://schemas.openxmlformats.org/officeDocument/2006/relationships" xmlns:p="http://schemas.openxmlformats.org/presentationml/2006/main">
+  <p:cSld>
+    <p:spTree>
+      <p:nvGrpSpPr>
+        <p:cNvPr id="1" name=""/>
+        <p:cNvGrpSpPr/>
+        <p:nvPr/>
+      </p:nvGrpSpPr>
+      <p:grpSpPr>
+        <a:xfrm>
+          <a:off x="0" y="0"/>
+          <a:ext cx="0" cy="0"/>
+          <a:chOff x="0" y="0"/>
+          <a:chExt cx="0" cy="0"/>
+        </a:xfrm>
+      </p:grpSpPr>
+      <p:sp>
+        <p:nvSpPr>
+          <p:cNvPr id="2" name="Объект 1"/>
+          <p:cNvSpPr>
+            <a:spLocks noGrp="1"/>
+          </p:cNvSpPr>
+          <p:nvPr>
+            <p:ph idx="1"/>
+          </p:nvPr>
+        </p:nvSpPr>
+        <p:spPr/>
+        <p:txBody>
+          <a:bodyPr>
+            <a:normAutofit/>
+          </a:bodyPr>
+          <a:lstStyle/>
+          <a:p>
+            <a:pPr>
+              <a:lnSpc>
+                <a:spcPct val="160000"/>
+              </a:lnSpc>
+            </a:pPr>
+            <a:r>
+              <a:rPr lang="en-US" sz="1400" dirty="0" smtClean="0">
+                <a:hlinkClick r:id="rId2"/>
+              </a:rPr>
+              <a:t>Signal-to-noise ratio</a:t>
+            </a:r>
+            <a:endParaRPr lang="en-US" sz="1400" dirty="0" smtClean="0"/>
+          </a:p>
+          <a:p>
+            <a:pPr>
+              <a:lnSpc>
+                <a:spcPct val="160000"/>
+              </a:lnSpc>
+            </a:pPr>
+            <a:r>
+              <a:rPr lang="en-US" sz="1400" dirty="0" smtClean="0">
+                <a:hlinkClick r:id="rId3"/>
+              </a:rPr>
+              <a:t>RSSI </a:t>
+            </a:r>
+            <a:r>
+              <a:rPr lang="en-US" sz="1400" dirty="0" err="1" smtClean="0">
+                <a:hlinkClick r:id="rId3"/>
+              </a:rPr>
+              <a:t>vs</a:t>
+            </a:r>
+            <a:r>
+              <a:rPr lang="en-US" sz="1400" dirty="0" smtClean="0">
+                <a:hlinkClick r:id="rId3"/>
+              </a:rPr>
+              <a:t> Data rates</a:t>
+            </a:r>
+            <a:endParaRPr lang="en-US" sz="1400" dirty="0" smtClean="0"/>
+          </a:p>
+          <a:p>
+            <a:pPr>
+              <a:lnSpc>
+                <a:spcPct val="160000"/>
+              </a:lnSpc>
+            </a:pPr>
+            <a:r>
+              <a:rPr lang="en-US" sz="1400" dirty="0" smtClean="0">
+                <a:hlinkClick r:id="rId4"/>
+              </a:rPr>
+              <a:t>Configure 802.11n on the WLC</a:t>
+            </a:r>
+            <a:endParaRPr lang="en-US" sz="1400" dirty="0" smtClean="0"/>
+          </a:p>
+          <a:p>
+            <a:pPr>
+              <a:lnSpc>
+                <a:spcPct val="160000"/>
+              </a:lnSpc>
+            </a:pPr>
+            <a:r>
+              <a:rPr lang="en-US" sz="1400" dirty="0" smtClean="0">
+                <a:hlinkClick r:id="rId5"/>
+              </a:rPr>
+              <a:t>Coverage or Capacity - Making the best use of 802.11N</a:t>
+            </a:r>
+            <a:r>
+              <a:rPr lang="en-US" sz="1400" dirty="0" smtClean="0"/>
+              <a:t> </a:t>
+            </a:r>
+            <a:endParaRPr lang="en-US" sz="1400" dirty="0"/>
+          </a:p>
+          <a:p>
+            <a:pPr>
+              <a:lnSpc>
+                <a:spcPct val="160000"/>
+              </a:lnSpc>
+            </a:pPr>
+            <a:endParaRPr lang="en-US" dirty="0"/>
+          </a:p>
+          <a:p>
+            <a:endParaRPr lang="ru-RU" dirty="0"/>
+          </a:p>
+        </p:txBody>
+      </p:sp>
+      <p:sp>
+        <p:nvSpPr>
+          <p:cNvPr id="3" name="Заголовок 2"/>
+          <p:cNvSpPr>
+            <a:spLocks noGrp="1"/>
+          </p:cNvSpPr>
+          <p:nvPr>
+            <p:ph type="title"/>
+          </p:nvPr>
+        </p:nvSpPr>
+        <p:spPr/>
+        <p:txBody>
+          <a:bodyPr/>
+          <a:lstStyle/>
+          <a:p>
+            <a:r>
+              <a:rPr lang="en-US" dirty="0"/>
+              <a:t>Bibliography</a:t>
+            </a:r>
+            <a:endParaRPr lang="ru-RU" dirty="0"/>
+          </a:p>
+        </p:txBody>
+      </p:sp>
+    </p:spTree>
+    <p:extLst>
+      <p:ext uri="{BB962C8B-B14F-4D97-AF65-F5344CB8AC3E}">
+        <p14:creationId xmlns:p14="http://schemas.microsoft.com/office/powerpoint/2010/main" val="3627255615"/>
       </p:ext>
     </p:extLst>
   </p:cSld>
@@ -12230,11 +12349,7 @@
             <a:pPr algn="l"/>
             <a:r>
               <a:rPr lang="en-US" dirty="0" smtClean="0"/>
-              <a:t>Medium infrastructure</a:t>
-            </a:r>
-            <a:r>
-              <a:rPr lang="en-US" dirty="0" smtClean="0"/>
-              <a:t>.</a:t>
+              <a:t>Medium infrastructure.</a:t>
             </a:r>
           </a:p>
           <a:p>
@@ -12249,7 +12364,6 @@
               <a:rPr lang="en-US" dirty="0" smtClean="0"/>
               <a:t>RF devices </a:t>
             </a:r>
-            <a:endParaRPr lang="en-US" dirty="0" smtClean="0"/>
           </a:p>
           <a:p>
             <a:pPr marL="0" indent="0" algn="l">
@@ -12263,7 +12377,6 @@
               <a:rPr lang="en-US" dirty="0" smtClean="0"/>
               <a:t>Packets </a:t>
             </a:r>
-            <a:endParaRPr lang="en-US" dirty="0" smtClean="0"/>
           </a:p>
           <a:p>
             <a:pPr algn="l"/>
@@ -12275,7 +12388,6 @@
               <a:rPr lang="en-US" dirty="0" smtClean="0"/>
               <a:t>GUI</a:t>
             </a:r>
-            <a:endParaRPr lang="en-US" dirty="0" smtClean="0"/>
           </a:p>
           <a:p>
             <a:pPr marL="0" indent="0" algn="l">
@@ -12287,11 +12399,7 @@
             <a:pPr algn="l"/>
             <a:r>
               <a:rPr lang="en-US" dirty="0" smtClean="0"/>
-              <a:t>Support of two different data links</a:t>
-            </a:r>
-            <a:r>
-              <a:rPr lang="en-US" dirty="0" smtClean="0"/>
-              <a:t>:</a:t>
+              <a:t>Support of two different data links:</a:t>
             </a:r>
           </a:p>
           <a:p>
@@ -12420,7 +12528,7 @@
           <a:graphicData uri="http://schemas.openxmlformats.org/presentationml/2006/ole">
             <mc:AlternateContent xmlns:mc="http://schemas.openxmlformats.org/markup-compatibility/2006">
               <mc:Choice xmlns:v="urn:schemas-microsoft-com:vml" Requires="v">
-                <p:oleObj spid="_x0000_s1133" name="Visio" r:id="rId3" imgW="9147060" imgH="7289860" progId="Visio.Drawing.11">
+                <p:oleObj spid="_x0000_s1136" name="Visio" r:id="rId3" imgW="9147060" imgH="7289860" progId="Visio.Drawing.11">
                   <p:embed/>
                 </p:oleObj>
               </mc:Choice>
@@ -13063,26 +13171,14 @@
             <a:pPr algn="l"/>
             <a:r>
               <a:rPr lang="en-US" sz="1050" strike="sngStrike" dirty="0" smtClean="0"/>
-              <a:t>Easy </a:t>
-            </a:r>
+              <a:t>Easy access to get all simulated information </a:t>
+            </a:r>
+          </a:p>
+          <a:p>
+            <a:pPr algn="l"/>
             <a:r>
               <a:rPr lang="en-US" sz="1050" strike="sngStrike" dirty="0" smtClean="0"/>
-              <a:t>access to get all simulated information </a:t>
-            </a:r>
-          </a:p>
-          <a:p>
-            <a:pPr algn="l"/>
-            <a:r>
-              <a:rPr lang="en-US" sz="1050" strike="sngStrike" dirty="0" smtClean="0"/>
-              <a:t>Ability to move objects on </a:t>
-            </a:r>
-            <a:r>
-              <a:rPr lang="en-US" sz="1050" strike="sngStrike" dirty="0" smtClean="0"/>
-              <a:t>board - Drag </a:t>
-            </a:r>
-            <a:r>
-              <a:rPr lang="en-US" sz="1050" strike="sngStrike" dirty="0" smtClean="0"/>
-              <a:t>&amp; Drop</a:t>
+              <a:t>Ability to move objects on board - Drag &amp; Drop</a:t>
             </a:r>
           </a:p>
           <a:p>
@@ -13172,13 +13268,8 @@
             <a:pPr algn="l"/>
             <a:r>
               <a:rPr lang="en-US" sz="1050" strike="sngStrike" dirty="0" smtClean="0"/>
-              <a:t>Saving and Load current simulation into </a:t>
-            </a:r>
-            <a:r>
-              <a:rPr lang="en-US" sz="1050" strike="sngStrike" dirty="0" smtClean="0"/>
-              <a:t>file</a:t>
-            </a:r>
-            <a:endParaRPr lang="en-US" sz="1050" strike="sngStrike" dirty="0" smtClean="0"/>
+              <a:t>Saving and Load current simulation into file</a:t>
+            </a:r>
           </a:p>
           <a:p>
             <a:pPr algn="l"/>
@@ -13190,7 +13281,6 @@
               <a:rPr lang="en-US" dirty="0" smtClean="0"/>
               <a:t>Here we will show the bullets mentioned above on the real Program. </a:t>
             </a:r>
-            <a:endParaRPr lang="en-US" dirty="0" smtClean="0"/>
           </a:p>
           <a:p>
             <a:pPr algn="l"/>

--- a/JudgesForumPresentation.pptx
+++ b/JudgesForumPresentation.pptx
@@ -148,6 +148,302 @@
   <c:roundedCorners val="0"/>
   <mc:AlternateContent xmlns:mc="http://schemas.openxmlformats.org/markup-compatibility/2006">
     <mc:Choice xmlns:c14="http://schemas.microsoft.com/office/drawing/2007/8/2/chart" Requires="c14">
+      <c14:style val="102"/>
+    </mc:Choice>
+    <mc:Fallback>
+      <c:style val="2"/>
+    </mc:Fallback>
+  </mc:AlternateContent>
+  <c:chart>
+    <c:title>
+      <c:tx>
+        <c:rich>
+          <a:bodyPr/>
+          <a:lstStyle/>
+          <a:p>
+            <a:pPr>
+              <a:defRPr/>
+            </a:pPr>
+            <a:r>
+              <a:rPr lang="en-US" dirty="0" smtClean="0"/>
+              <a:t>Probability of </a:t>
+            </a:r>
+            <a:r>
+              <a:rPr lang="en-US" dirty="0"/>
+              <a:t>loss </a:t>
+            </a:r>
+            <a:r>
+              <a:rPr lang="en-US" dirty="0" smtClean="0"/>
+              <a:t>packet</a:t>
+            </a:r>
+            <a:endParaRPr lang="en-US" dirty="0"/>
+          </a:p>
+        </c:rich>
+      </c:tx>
+      <c:layout/>
+      <c:overlay val="0"/>
+    </c:title>
+    <c:autoTitleDeleted val="0"/>
+    <c:plotArea>
+      <c:layout/>
+      <c:lineChart>
+        <c:grouping val="standard"/>
+        <c:varyColors val="0"/>
+        <c:ser>
+          <c:idx val="1"/>
+          <c:order val="0"/>
+          <c:tx>
+            <c:strRef>
+              <c:f>Лист2!$D$18</c:f>
+              <c:strCache>
+                <c:ptCount val="1"/>
+                <c:pt idx="0">
+                  <c:v>Probability %</c:v>
+                </c:pt>
+              </c:strCache>
+            </c:strRef>
+          </c:tx>
+          <c:marker>
+            <c:symbol val="none"/>
+          </c:marker>
+          <c:cat>
+            <c:numRef>
+              <c:f>Лист2!$C$19:$C$39</c:f>
+              <c:numCache>
+                <c:formatCode>General</c:formatCode>
+                <c:ptCount val="21"/>
+                <c:pt idx="0">
+                  <c:v>0</c:v>
+                </c:pt>
+                <c:pt idx="1">
+                  <c:v>5</c:v>
+                </c:pt>
+                <c:pt idx="2">
+                  <c:v>10</c:v>
+                </c:pt>
+                <c:pt idx="3">
+                  <c:v>15</c:v>
+                </c:pt>
+                <c:pt idx="4">
+                  <c:v>20</c:v>
+                </c:pt>
+                <c:pt idx="5">
+                  <c:v>25</c:v>
+                </c:pt>
+                <c:pt idx="6">
+                  <c:v>30</c:v>
+                </c:pt>
+                <c:pt idx="7">
+                  <c:v>35</c:v>
+                </c:pt>
+                <c:pt idx="8">
+                  <c:v>40</c:v>
+                </c:pt>
+                <c:pt idx="9">
+                  <c:v>45</c:v>
+                </c:pt>
+                <c:pt idx="10">
+                  <c:v>50</c:v>
+                </c:pt>
+                <c:pt idx="11">
+                  <c:v>55</c:v>
+                </c:pt>
+                <c:pt idx="12">
+                  <c:v>60</c:v>
+                </c:pt>
+                <c:pt idx="13">
+                  <c:v>65</c:v>
+                </c:pt>
+                <c:pt idx="14">
+                  <c:v>70</c:v>
+                </c:pt>
+                <c:pt idx="15">
+                  <c:v>75</c:v>
+                </c:pt>
+                <c:pt idx="16">
+                  <c:v>80</c:v>
+                </c:pt>
+                <c:pt idx="17">
+                  <c:v>85</c:v>
+                </c:pt>
+                <c:pt idx="18">
+                  <c:v>90</c:v>
+                </c:pt>
+                <c:pt idx="19">
+                  <c:v>95</c:v>
+                </c:pt>
+                <c:pt idx="20">
+                  <c:v>100</c:v>
+                </c:pt>
+              </c:numCache>
+            </c:numRef>
+          </c:cat>
+          <c:val>
+            <c:numRef>
+              <c:f>Лист2!$D$19:$D$39</c:f>
+              <c:numCache>
+                <c:formatCode>General</c:formatCode>
+                <c:ptCount val="21"/>
+                <c:pt idx="0">
+                  <c:v>0</c:v>
+                </c:pt>
+                <c:pt idx="1">
+                  <c:v>0</c:v>
+                </c:pt>
+                <c:pt idx="2">
+                  <c:v>0</c:v>
+                </c:pt>
+                <c:pt idx="3">
+                  <c:v>1.4999999999999999E-2</c:v>
+                </c:pt>
+                <c:pt idx="4">
+                  <c:v>2.98E-2</c:v>
+                </c:pt>
+                <c:pt idx="5">
+                  <c:v>5.7500000000000002E-2</c:v>
+                </c:pt>
+                <c:pt idx="6">
+                  <c:v>8.43E-2</c:v>
+                </c:pt>
+                <c:pt idx="7">
+                  <c:v>0.1048</c:v>
+                </c:pt>
+                <c:pt idx="8">
+                  <c:v>0.13669999999999999</c:v>
+                </c:pt>
+                <c:pt idx="9">
+                  <c:v>0.16550000000000001</c:v>
+                </c:pt>
+                <c:pt idx="10">
+                  <c:v>0.18959999999999999</c:v>
+                </c:pt>
+                <c:pt idx="11">
+                  <c:v>0.21210000000000001</c:v>
+                </c:pt>
+                <c:pt idx="12">
+                  <c:v>0.24379999999999999</c:v>
+                </c:pt>
+                <c:pt idx="13">
+                  <c:v>0.27089999999999997</c:v>
+                </c:pt>
+                <c:pt idx="14">
+                  <c:v>0.2898</c:v>
+                </c:pt>
+                <c:pt idx="15">
+                  <c:v>0.3165</c:v>
+                </c:pt>
+                <c:pt idx="16">
+                  <c:v>0.34229999999999999</c:v>
+                </c:pt>
+                <c:pt idx="17">
+                  <c:v>0.37609999999999999</c:v>
+                </c:pt>
+                <c:pt idx="18">
+                  <c:v>0.40229999999999999</c:v>
+                </c:pt>
+                <c:pt idx="19">
+                  <c:v>0.42909999999999998</c:v>
+                </c:pt>
+                <c:pt idx="20">
+                  <c:v>0.46179999999999999</c:v>
+                </c:pt>
+              </c:numCache>
+            </c:numRef>
+          </c:val>
+          <c:smooth val="0"/>
+        </c:ser>
+        <c:dLbls>
+          <c:showLegendKey val="0"/>
+          <c:showVal val="0"/>
+          <c:showCatName val="0"/>
+          <c:showSerName val="0"/>
+          <c:showPercent val="0"/>
+          <c:showBubbleSize val="0"/>
+        </c:dLbls>
+        <c:marker val="1"/>
+        <c:smooth val="0"/>
+        <c:axId val="145008128"/>
+        <c:axId val="45873920"/>
+      </c:lineChart>
+      <c:catAx>
+        <c:axId val="145008128"/>
+        <c:scaling>
+          <c:orientation val="minMax"/>
+        </c:scaling>
+        <c:delete val="0"/>
+        <c:axPos val="b"/>
+        <c:numFmt formatCode="General" sourceLinked="1"/>
+        <c:majorTickMark val="none"/>
+        <c:minorTickMark val="none"/>
+        <c:tickLblPos val="nextTo"/>
+        <c:crossAx val="45873920"/>
+        <c:crosses val="autoZero"/>
+        <c:auto val="1"/>
+        <c:lblAlgn val="ctr"/>
+        <c:lblOffset val="100"/>
+        <c:noMultiLvlLbl val="0"/>
+      </c:catAx>
+      <c:valAx>
+        <c:axId val="45873920"/>
+        <c:scaling>
+          <c:orientation val="minMax"/>
+        </c:scaling>
+        <c:delete val="0"/>
+        <c:axPos val="l"/>
+        <c:majorGridlines/>
+        <c:title>
+          <c:tx>
+            <c:rich>
+              <a:bodyPr/>
+              <a:lstStyle/>
+              <a:p>
+                <a:pPr>
+                  <a:defRPr/>
+                </a:pPr>
+                <a:r>
+                  <a:rPr lang="en-US"/>
+                  <a:t>Probability to loss %</a:t>
+                </a:r>
+                <a:endParaRPr lang="ru-RU"/>
+              </a:p>
+            </c:rich>
+          </c:tx>
+          <c:layout/>
+          <c:overlay val="0"/>
+        </c:title>
+        <c:numFmt formatCode="General" sourceLinked="1"/>
+        <c:majorTickMark val="none"/>
+        <c:minorTickMark val="none"/>
+        <c:tickLblPos val="nextTo"/>
+        <c:crossAx val="145008128"/>
+        <c:crosses val="autoZero"/>
+        <c:crossBetween val="between"/>
+      </c:valAx>
+      <c:dTable>
+        <c:showHorzBorder val="1"/>
+        <c:showVertBorder val="1"/>
+        <c:showOutline val="1"/>
+        <c:showKeys val="1"/>
+      </c:dTable>
+    </c:plotArea>
+    <c:plotVisOnly val="1"/>
+    <c:dispBlanksAs val="gap"/>
+    <c:showDLblsOverMax val="0"/>
+  </c:chart>
+  <c:externalData r:id="rId1">
+    <c:autoUpdate val="0"/>
+  </c:externalData>
+  <c:userShapes r:id="rId2"/>
+</c:chartSpace>
+</file>
+
+<file path=ppt/charts/chart2.xml><?xml version="1.0" encoding="utf-8"?>
+<c:chartSpace xmlns:c="http://schemas.openxmlformats.org/drawingml/2006/chart" xmlns:a="http://schemas.openxmlformats.org/drawingml/2006/main" xmlns:r="http://schemas.openxmlformats.org/officeDocument/2006/relationships">
+  <c:date1904 val="0"/>
+  <c:lang val="ru-RU"/>
+  <c:roundedCorners val="0"/>
+  <mc:AlternateContent xmlns:mc="http://schemas.openxmlformats.org/markup-compatibility/2006">
+    <mc:Choice xmlns:c14="http://schemas.microsoft.com/office/drawing/2007/8/2/chart" Requires="c14">
       <c14:style val="136"/>
     </mc:Choice>
     <mc:Fallback>
@@ -1859,7 +2155,7 @@
 </c:chartSpace>
 </file>
 
-<file path=ppt/charts/chart2.xml><?xml version="1.0" encoding="utf-8"?>
+<file path=ppt/charts/chart3.xml><?xml version="1.0" encoding="utf-8"?>
 <c:chartSpace xmlns:c="http://schemas.openxmlformats.org/drawingml/2006/chart" xmlns:a="http://schemas.openxmlformats.org/drawingml/2006/main" xmlns:r="http://schemas.openxmlformats.org/officeDocument/2006/relationships">
   <c:date1904 val="0"/>
   <c:lang val="ru-RU"/>
@@ -2049,7 +2345,7 @@
 </c:chartSpace>
 </file>
 
-<file path=ppt/charts/chart3.xml><?xml version="1.0" encoding="utf-8"?>
+<file path=ppt/charts/chart4.xml><?xml version="1.0" encoding="utf-8"?>
 <c:chartSpace xmlns:c="http://schemas.openxmlformats.org/drawingml/2006/chart" xmlns:a="http://schemas.openxmlformats.org/drawingml/2006/main" xmlns:r="http://schemas.openxmlformats.org/officeDocument/2006/relationships">
   <c:date1904 val="0"/>
   <c:lang val="ru-RU"/>
@@ -2240,7 +2536,7 @@
 </c:chartSpace>
 </file>
 
-<file path=ppt/charts/chart4.xml><?xml version="1.0" encoding="utf-8"?>
+<file path=ppt/charts/chart5.xml><?xml version="1.0" encoding="utf-8"?>
 <c:chartSpace xmlns:c="http://schemas.openxmlformats.org/drawingml/2006/chart" xmlns:a="http://schemas.openxmlformats.org/drawingml/2006/main" xmlns:r="http://schemas.openxmlformats.org/officeDocument/2006/relationships">
   <c:date1904 val="0"/>
   <c:lang val="ru-RU"/>
@@ -2430,7 +2726,7 @@
 </c:chartSpace>
 </file>
 
-<file path=ppt/charts/chart5.xml><?xml version="1.0" encoding="utf-8"?>
+<file path=ppt/charts/chart6.xml><?xml version="1.0" encoding="utf-8"?>
 <c:chartSpace xmlns:c="http://schemas.openxmlformats.org/drawingml/2006/chart" xmlns:a="http://schemas.openxmlformats.org/drawingml/2006/main" xmlns:r="http://schemas.openxmlformats.org/officeDocument/2006/relationships">
   <c:date1904 val="0"/>
   <c:lang val="ru-RU"/>
@@ -2604,6 +2900,47 @@
     <c:autoUpdate val="0"/>
   </c:externalData>
 </c:chartSpace>
+</file>
+
+<file path=ppt/drawings/drawing1.xml><?xml version="1.0" encoding="utf-8"?>
+<c:userShapes xmlns:c="http://schemas.openxmlformats.org/drawingml/2006/chart">
+  <cdr:relSizeAnchor xmlns:cdr="http://schemas.openxmlformats.org/drawingml/2006/chartDrawing">
+    <cdr:from>
+      <cdr:x>0.47573</cdr:x>
+      <cdr:y>0.8</cdr:y>
+    </cdr:from>
+    <cdr:to>
+      <cdr:x>0.64078</cdr:x>
+      <cdr:y>0.86667</cdr:y>
+    </cdr:to>
+    <cdr:sp macro="" textlink="">
+      <cdr:nvSpPr>
+        <cdr:cNvPr id="2" name="TextBox 1"/>
+        <cdr:cNvSpPr txBox="1"/>
+      </cdr:nvSpPr>
+      <cdr:spPr>
+        <a:xfrm xmlns:a="http://schemas.openxmlformats.org/drawingml/2006/main">
+          <a:off x="3733800" y="2743200"/>
+          <a:ext cx="1295400" cy="228600"/>
+        </a:xfrm>
+        <a:prstGeom xmlns:a="http://schemas.openxmlformats.org/drawingml/2006/main" prst="rect">
+          <a:avLst/>
+        </a:prstGeom>
+      </cdr:spPr>
+      <cdr:txBody>
+        <a:bodyPr xmlns:a="http://schemas.openxmlformats.org/drawingml/2006/main" vertOverflow="clip" wrap="square" rtlCol="0"/>
+        <a:lstStyle xmlns:a="http://schemas.openxmlformats.org/drawingml/2006/main"/>
+        <a:p xmlns:a="http://schemas.openxmlformats.org/drawingml/2006/main">
+          <a:r>
+            <a:rPr lang="en-US" sz="1100" dirty="0" smtClean="0"/>
+            <a:t>&lt; Noise Level &gt;</a:t>
+          </a:r>
+          <a:endParaRPr lang="ru-RU" sz="1100" dirty="0"/>
+        </a:p>
+      </cdr:txBody>
+    </cdr:sp>
+  </cdr:relSizeAnchor>
+</c:userShapes>
 </file>
 
 <file path=ppt/handoutMasters/handoutMaster1.xml><?xml version="1.0" encoding="utf-8"?>
@@ -8126,7 +8463,12 @@
             <p:ph idx="1"/>
           </p:nvPr>
         </p:nvSpPr>
-        <p:spPr/>
+        <p:spPr>
+          <a:xfrm>
+            <a:off x="699247" y="2248347"/>
+            <a:ext cx="7745505" cy="647253"/>
+          </a:xfrm>
+        </p:spPr>
         <p:txBody>
           <a:bodyPr/>
           <a:lstStyle/>
@@ -8143,19 +8485,9 @@
             <a:endParaRPr lang="en-US" dirty="0" smtClean="0"/>
           </a:p>
           <a:p>
-            <a:pPr algn="l"/>
-            <a:endParaRPr lang="en-US" dirty="0"/>
-          </a:p>
-          <a:p>
-            <a:pPr algn="l"/>
-            <a:r>
-              <a:rPr lang="en-US" dirty="0" smtClean="0"/>
-              <a:t>Graph will be here</a:t>
-            </a:r>
-            <a:endParaRPr lang="en-US" dirty="0" smtClean="0"/>
-          </a:p>
-          <a:p>
-            <a:pPr algn="l"/>
+            <a:pPr marL="0" indent="0" algn="l">
+              <a:buNone/>
+            </a:pPr>
             <a:endParaRPr lang="en-US" dirty="0" smtClean="0"/>
           </a:p>
           <a:p>
@@ -8192,6 +8524,30 @@
           </a:p>
         </p:txBody>
       </p:sp>
+      <p:graphicFrame>
+        <p:nvGraphicFramePr>
+          <p:cNvPr id="4" name="Диаграмма 3"/>
+          <p:cNvGraphicFramePr>
+            <a:graphicFrameLocks/>
+          </p:cNvGraphicFramePr>
+          <p:nvPr>
+            <p:extLst>
+              <p:ext uri="{D42A27DB-BD31-4B8C-83A1-F6EECF244321}">
+                <p14:modId xmlns:p14="http://schemas.microsoft.com/office/powerpoint/2010/main" val="1602435485"/>
+              </p:ext>
+            </p:extLst>
+          </p:nvPr>
+        </p:nvGraphicFramePr>
+        <p:xfrm>
+          <a:off x="685800" y="2819400"/>
+          <a:ext cx="7848600" cy="3429000"/>
+        </p:xfrm>
+        <a:graphic>
+          <a:graphicData uri="http://schemas.openxmlformats.org/drawingml/2006/chart">
+            <c:chart xmlns:c="http://schemas.openxmlformats.org/drawingml/2006/chart" xmlns:r="http://schemas.openxmlformats.org/officeDocument/2006/relationships" r:id="rId2"/>
+          </a:graphicData>
+        </a:graphic>
+      </p:graphicFrame>
     </p:spTree>
     <p:extLst>
       <p:ext uri="{BB962C8B-B14F-4D97-AF65-F5344CB8AC3E}">
@@ -8883,7 +9239,7 @@
           <a:graphicData uri="http://schemas.openxmlformats.org/presentationml/2006/ole">
             <mc:AlternateContent xmlns:mc="http://schemas.openxmlformats.org/markup-compatibility/2006">
               <mc:Choice xmlns:v="urn:schemas-microsoft-com:vml" Requires="v">
-                <p:oleObj spid="_x0000_s3179" name="Visio" r:id="rId3" imgW="9147060" imgH="7289860" progId="Visio.Drawing.11">
+                <p:oleObj spid="_x0000_s3181" name="Visio" r:id="rId3" imgW="9147060" imgH="7289860" progId="Visio.Drawing.11">
                   <p:embed/>
                 </p:oleObj>
               </mc:Choice>
@@ -9140,7 +9496,7 @@
           <a:graphicData uri="http://schemas.openxmlformats.org/presentationml/2006/ole">
             <mc:AlternateContent xmlns:mc="http://schemas.openxmlformats.org/markup-compatibility/2006">
               <mc:Choice xmlns:v="urn:schemas-microsoft-com:vml" Requires="v">
-                <p:oleObj spid="_x0000_s5159" name="Visio" r:id="rId3" imgW="10758690" imgH="7626560" progId="Visio.Drawing.11">
+                <p:oleObj spid="_x0000_s5161" name="Visio" r:id="rId3" imgW="10758690" imgH="7626560" progId="Visio.Drawing.11">
                   <p:embed/>
                 </p:oleObj>
               </mc:Choice>
@@ -9584,7 +9940,7 @@
           <a:graphicData uri="http://schemas.openxmlformats.org/presentationml/2006/ole">
             <mc:AlternateContent xmlns:mc="http://schemas.openxmlformats.org/markup-compatibility/2006">
               <mc:Choice xmlns:v="urn:schemas-microsoft-com:vml" Requires="v">
-                <p:oleObj spid="_x0000_s7201" name="Visio" r:id="rId3" imgW="10758690" imgH="7626560" progId="Visio.Drawing.11">
+                <p:oleObj spid="_x0000_s7203" name="Visio" r:id="rId3" imgW="10758690" imgH="7626560" progId="Visio.Drawing.11">
                   <p:embed/>
                 </p:oleObj>
               </mc:Choice>
@@ -9710,7 +10066,7 @@
           <a:graphicData uri="http://schemas.openxmlformats.org/presentationml/2006/ole">
             <mc:AlternateContent xmlns:mc="http://schemas.openxmlformats.org/markup-compatibility/2006">
               <mc:Choice xmlns:v="urn:schemas-microsoft-com:vml" Requires="v">
-                <p:oleObj spid="_x0000_s8225" name="Visio" r:id="rId3" imgW="10758690" imgH="7626560" progId="Visio.Drawing.11">
+                <p:oleObj spid="_x0000_s8227" name="Visio" r:id="rId3" imgW="10758690" imgH="7626560" progId="Visio.Drawing.11">
                   <p:embed/>
                 </p:oleObj>
               </mc:Choice>
@@ -9857,7 +10213,7 @@
           <a:graphicData uri="http://schemas.openxmlformats.org/presentationml/2006/ole">
             <mc:AlternateContent xmlns:mc="http://schemas.openxmlformats.org/markup-compatibility/2006">
               <mc:Choice xmlns:v="urn:schemas-microsoft-com:vml" Requires="v">
-                <p:oleObj spid="_x0000_s2157" name="Visio" r:id="rId3" imgW="9147060" imgH="7289860" progId="Visio.Drawing.11">
+                <p:oleObj spid="_x0000_s2159" name="Visio" r:id="rId3" imgW="9147060" imgH="7289860" progId="Visio.Drawing.11">
                   <p:embed/>
                 </p:oleObj>
               </mc:Choice>
@@ -12420,7 +12776,7 @@
           <a:graphicData uri="http://schemas.openxmlformats.org/presentationml/2006/ole">
             <mc:AlternateContent xmlns:mc="http://schemas.openxmlformats.org/markup-compatibility/2006">
               <mc:Choice xmlns:v="urn:schemas-microsoft-com:vml" Requires="v">
-                <p:oleObj spid="_x0000_s1133" name="Visio" r:id="rId3" imgW="9147060" imgH="7289860" progId="Visio.Drawing.11">
+                <p:oleObj spid="_x0000_s1135" name="Visio" r:id="rId3" imgW="9147060" imgH="7289860" progId="Visio.Drawing.11">
                   <p:embed/>
                 </p:oleObj>
               </mc:Choice>

--- a/JudgesForumPresentation.pptx
+++ b/JudgesForumPresentation.pptx
@@ -22,7 +22,7 @@
     <p:sldId id="304" r:id="rId10"/>
     <p:sldId id="302" r:id="rId11"/>
     <p:sldId id="303" r:id="rId12"/>
-    <p:sldId id="336" r:id="rId13"/>
+    <p:sldId id="341" r:id="rId13"/>
     <p:sldId id="337" r:id="rId14"/>
     <p:sldId id="338" r:id="rId15"/>
     <p:sldId id="324" r:id="rId16"/>
@@ -145,7 +145,303 @@
 <file path=ppt/charts/chart1.xml><?xml version="1.0" encoding="utf-8"?>
 <c:chartSpace xmlns:c="http://schemas.openxmlformats.org/drawingml/2006/chart" xmlns:a="http://schemas.openxmlformats.org/drawingml/2006/main" xmlns:r="http://schemas.openxmlformats.org/officeDocument/2006/relationships">
   <c:date1904 val="0"/>
-  <c:lang val="en-US"/>
+  <c:lang val="ru-RU"/>
+  <c:roundedCorners val="0"/>
+  <mc:AlternateContent xmlns:mc="http://schemas.openxmlformats.org/markup-compatibility/2006">
+    <mc:Choice xmlns:c14="http://schemas.microsoft.com/office/drawing/2007/8/2/chart" Requires="c14">
+      <c14:style val="102"/>
+    </mc:Choice>
+    <mc:Fallback>
+      <c:style val="2"/>
+    </mc:Fallback>
+  </mc:AlternateContent>
+  <c:chart>
+    <c:title>
+      <c:tx>
+        <c:rich>
+          <a:bodyPr/>
+          <a:lstStyle/>
+          <a:p>
+            <a:pPr>
+              <a:defRPr/>
+            </a:pPr>
+            <a:r>
+              <a:rPr lang="en-US" dirty="0" smtClean="0"/>
+              <a:t>Probability of </a:t>
+            </a:r>
+            <a:r>
+              <a:rPr lang="en-US" dirty="0"/>
+              <a:t>loss </a:t>
+            </a:r>
+            <a:r>
+              <a:rPr lang="en-US" dirty="0" smtClean="0"/>
+              <a:t>packet</a:t>
+            </a:r>
+            <a:endParaRPr lang="en-US" dirty="0"/>
+          </a:p>
+        </c:rich>
+      </c:tx>
+      <c:layout/>
+      <c:overlay val="0"/>
+    </c:title>
+    <c:autoTitleDeleted val="0"/>
+    <c:plotArea>
+      <c:layout/>
+      <c:lineChart>
+        <c:grouping val="standard"/>
+        <c:varyColors val="0"/>
+        <c:ser>
+          <c:idx val="1"/>
+          <c:order val="0"/>
+          <c:tx>
+            <c:strRef>
+              <c:f>Лист2!$D$18</c:f>
+              <c:strCache>
+                <c:ptCount val="1"/>
+                <c:pt idx="0">
+                  <c:v>Probability %</c:v>
+                </c:pt>
+              </c:strCache>
+            </c:strRef>
+          </c:tx>
+          <c:marker>
+            <c:symbol val="none"/>
+          </c:marker>
+          <c:cat>
+            <c:numRef>
+              <c:f>Лист2!$C$19:$C$39</c:f>
+              <c:numCache>
+                <c:formatCode>General</c:formatCode>
+                <c:ptCount val="21"/>
+                <c:pt idx="0">
+                  <c:v>0</c:v>
+                </c:pt>
+                <c:pt idx="1">
+                  <c:v>5</c:v>
+                </c:pt>
+                <c:pt idx="2">
+                  <c:v>10</c:v>
+                </c:pt>
+                <c:pt idx="3">
+                  <c:v>15</c:v>
+                </c:pt>
+                <c:pt idx="4">
+                  <c:v>20</c:v>
+                </c:pt>
+                <c:pt idx="5">
+                  <c:v>25</c:v>
+                </c:pt>
+                <c:pt idx="6">
+                  <c:v>30</c:v>
+                </c:pt>
+                <c:pt idx="7">
+                  <c:v>35</c:v>
+                </c:pt>
+                <c:pt idx="8">
+                  <c:v>40</c:v>
+                </c:pt>
+                <c:pt idx="9">
+                  <c:v>45</c:v>
+                </c:pt>
+                <c:pt idx="10">
+                  <c:v>50</c:v>
+                </c:pt>
+                <c:pt idx="11">
+                  <c:v>55</c:v>
+                </c:pt>
+                <c:pt idx="12">
+                  <c:v>60</c:v>
+                </c:pt>
+                <c:pt idx="13">
+                  <c:v>65</c:v>
+                </c:pt>
+                <c:pt idx="14">
+                  <c:v>70</c:v>
+                </c:pt>
+                <c:pt idx="15">
+                  <c:v>75</c:v>
+                </c:pt>
+                <c:pt idx="16">
+                  <c:v>80</c:v>
+                </c:pt>
+                <c:pt idx="17">
+                  <c:v>85</c:v>
+                </c:pt>
+                <c:pt idx="18">
+                  <c:v>90</c:v>
+                </c:pt>
+                <c:pt idx="19">
+                  <c:v>95</c:v>
+                </c:pt>
+                <c:pt idx="20">
+                  <c:v>100</c:v>
+                </c:pt>
+              </c:numCache>
+            </c:numRef>
+          </c:cat>
+          <c:val>
+            <c:numRef>
+              <c:f>Лист2!$D$19:$D$39</c:f>
+              <c:numCache>
+                <c:formatCode>General</c:formatCode>
+                <c:ptCount val="21"/>
+                <c:pt idx="0">
+                  <c:v>0</c:v>
+                </c:pt>
+                <c:pt idx="1">
+                  <c:v>0</c:v>
+                </c:pt>
+                <c:pt idx="2">
+                  <c:v>0</c:v>
+                </c:pt>
+                <c:pt idx="3">
+                  <c:v>1.4999999999999999E-2</c:v>
+                </c:pt>
+                <c:pt idx="4">
+                  <c:v>2.98E-2</c:v>
+                </c:pt>
+                <c:pt idx="5">
+                  <c:v>5.7500000000000002E-2</c:v>
+                </c:pt>
+                <c:pt idx="6">
+                  <c:v>8.43E-2</c:v>
+                </c:pt>
+                <c:pt idx="7">
+                  <c:v>0.1048</c:v>
+                </c:pt>
+                <c:pt idx="8">
+                  <c:v>0.13669999999999999</c:v>
+                </c:pt>
+                <c:pt idx="9">
+                  <c:v>0.16550000000000001</c:v>
+                </c:pt>
+                <c:pt idx="10">
+                  <c:v>0.18959999999999999</c:v>
+                </c:pt>
+                <c:pt idx="11">
+                  <c:v>0.21210000000000001</c:v>
+                </c:pt>
+                <c:pt idx="12">
+                  <c:v>0.24379999999999999</c:v>
+                </c:pt>
+                <c:pt idx="13">
+                  <c:v>0.27089999999999997</c:v>
+                </c:pt>
+                <c:pt idx="14">
+                  <c:v>0.2898</c:v>
+                </c:pt>
+                <c:pt idx="15">
+                  <c:v>0.3165</c:v>
+                </c:pt>
+                <c:pt idx="16">
+                  <c:v>0.34229999999999999</c:v>
+                </c:pt>
+                <c:pt idx="17">
+                  <c:v>0.37609999999999999</c:v>
+                </c:pt>
+                <c:pt idx="18">
+                  <c:v>0.40229999999999999</c:v>
+                </c:pt>
+                <c:pt idx="19">
+                  <c:v>0.42909999999999998</c:v>
+                </c:pt>
+                <c:pt idx="20">
+                  <c:v>0.46179999999999999</c:v>
+                </c:pt>
+              </c:numCache>
+            </c:numRef>
+          </c:val>
+          <c:smooth val="0"/>
+        </c:ser>
+        <c:dLbls>
+          <c:showLegendKey val="0"/>
+          <c:showVal val="0"/>
+          <c:showCatName val="0"/>
+          <c:showSerName val="0"/>
+          <c:showPercent val="0"/>
+          <c:showBubbleSize val="0"/>
+        </c:dLbls>
+        <c:marker val="1"/>
+        <c:smooth val="0"/>
+        <c:axId val="68931584"/>
+        <c:axId val="144912320"/>
+      </c:lineChart>
+      <c:catAx>
+        <c:axId val="68931584"/>
+        <c:scaling>
+          <c:orientation val="minMax"/>
+        </c:scaling>
+        <c:delete val="0"/>
+        <c:axPos val="b"/>
+        <c:numFmt formatCode="General" sourceLinked="1"/>
+        <c:majorTickMark val="none"/>
+        <c:minorTickMark val="none"/>
+        <c:tickLblPos val="nextTo"/>
+        <c:crossAx val="144912320"/>
+        <c:crosses val="autoZero"/>
+        <c:auto val="1"/>
+        <c:lblAlgn val="ctr"/>
+        <c:lblOffset val="100"/>
+        <c:noMultiLvlLbl val="0"/>
+      </c:catAx>
+      <c:valAx>
+        <c:axId val="144912320"/>
+        <c:scaling>
+          <c:orientation val="minMax"/>
+        </c:scaling>
+        <c:delete val="0"/>
+        <c:axPos val="l"/>
+        <c:majorGridlines/>
+        <c:title>
+          <c:tx>
+            <c:rich>
+              <a:bodyPr/>
+              <a:lstStyle/>
+              <a:p>
+                <a:pPr>
+                  <a:defRPr/>
+                </a:pPr>
+                <a:r>
+                  <a:rPr lang="en-US"/>
+                  <a:t>Probability to loss %</a:t>
+                </a:r>
+                <a:endParaRPr lang="ru-RU"/>
+              </a:p>
+            </c:rich>
+          </c:tx>
+          <c:layout/>
+          <c:overlay val="0"/>
+        </c:title>
+        <c:numFmt formatCode="General" sourceLinked="1"/>
+        <c:majorTickMark val="none"/>
+        <c:minorTickMark val="none"/>
+        <c:tickLblPos val="nextTo"/>
+        <c:crossAx val="68931584"/>
+        <c:crosses val="autoZero"/>
+        <c:crossBetween val="between"/>
+      </c:valAx>
+      <c:dTable>
+        <c:showHorzBorder val="1"/>
+        <c:showVertBorder val="1"/>
+        <c:showOutline val="1"/>
+        <c:showKeys val="1"/>
+      </c:dTable>
+    </c:plotArea>
+    <c:plotVisOnly val="1"/>
+    <c:dispBlanksAs val="gap"/>
+    <c:showDLblsOverMax val="0"/>
+  </c:chart>
+  <c:externalData r:id="rId1">
+    <c:autoUpdate val="0"/>
+  </c:externalData>
+  <c:userShapes r:id="rId2"/>
+</c:chartSpace>
+</file>
+
+<file path=ppt/charts/chart2.xml><?xml version="1.0" encoding="utf-8"?>
+<c:chartSpace xmlns:c="http://schemas.openxmlformats.org/drawingml/2006/chart" xmlns:a="http://schemas.openxmlformats.org/drawingml/2006/main" xmlns:r="http://schemas.openxmlformats.org/officeDocument/2006/relationships">
+  <c:date1904 val="0"/>
+  <c:lang val="ru-RU"/>
   <c:roundedCorners val="0"/>
   <mc:AlternateContent xmlns:mc="http://schemas.openxmlformats.org/markup-compatibility/2006">
     <mc:Choice xmlns:c14="http://schemas.microsoft.com/office/drawing/2007/8/2/chart" Requires="c14">
@@ -173,6 +469,7 @@
           </a:p>
         </c:rich>
       </c:tx>
+      <c:layout/>
       <c:overlay val="0"/>
     </c:title>
     <c:autoTitleDeleted val="0"/>
@@ -1797,11 +2094,11 @@
           <c:showBubbleSize val="0"/>
         </c:dLbls>
         <c:gapWidth val="150"/>
-        <c:axId val="91919872"/>
-        <c:axId val="91921408"/>
+        <c:axId val="33719808"/>
+        <c:axId val="99095040"/>
       </c:barChart>
       <c:catAx>
-        <c:axId val="91919872"/>
+        <c:axId val="33719808"/>
         <c:scaling>
           <c:orientation val="minMax"/>
         </c:scaling>
@@ -1811,7 +2108,7 @@
         <c:majorTickMark val="none"/>
         <c:minorTickMark val="none"/>
         <c:tickLblPos val="nextTo"/>
-        <c:crossAx val="91921408"/>
+        <c:crossAx val="99095040"/>
         <c:crosses val="autoZero"/>
         <c:auto val="1"/>
         <c:lblAlgn val="ctr"/>
@@ -1819,7 +2116,7 @@
         <c:noMultiLvlLbl val="0"/>
       </c:catAx>
       <c:valAx>
-        <c:axId val="91921408"/>
+        <c:axId val="99095040"/>
         <c:scaling>
           <c:orientation val="minMax"/>
         </c:scaling>
@@ -1830,7 +2127,7 @@
         <c:majorTickMark val="none"/>
         <c:minorTickMark val="none"/>
         <c:tickLblPos val="nextTo"/>
-        <c:crossAx val="91919872"/>
+        <c:crossAx val="33719808"/>
         <c:crosses val="autoZero"/>
         <c:crossBetween val="between"/>
       </c:valAx>
@@ -1859,10 +2156,10 @@
 </c:chartSpace>
 </file>
 
-<file path=ppt/charts/chart2.xml><?xml version="1.0" encoding="utf-8"?>
+<file path=ppt/charts/chart3.xml><?xml version="1.0" encoding="utf-8"?>
 <c:chartSpace xmlns:c="http://schemas.openxmlformats.org/drawingml/2006/chart" xmlns:a="http://schemas.openxmlformats.org/drawingml/2006/main" xmlns:r="http://schemas.openxmlformats.org/officeDocument/2006/relationships">
   <c:date1904 val="0"/>
-  <c:lang val="en-US"/>
+  <c:lang val="ru-RU"/>
   <c:roundedCorners val="0"/>
   <mc:AlternateContent xmlns:mc="http://schemas.openxmlformats.org/markup-compatibility/2006">
     <mc:Choice xmlns:c14="http://schemas.microsoft.com/office/drawing/2007/8/2/chart" Requires="c14">
@@ -1894,6 +2191,7 @@
           </a:p>
         </c:rich>
       </c:tx>
+      <c:layout/>
       <c:overlay val="0"/>
     </c:title>
     <c:autoTitleDeleted val="0"/>
@@ -1969,11 +2267,11 @@
           <c:showBubbleSize val="0"/>
         </c:dLbls>
         <c:gapWidth val="150"/>
-        <c:axId val="93659136"/>
-        <c:axId val="93660672"/>
+        <c:axId val="99041792"/>
+        <c:axId val="92388096"/>
       </c:barChart>
       <c:catAx>
-        <c:axId val="93659136"/>
+        <c:axId val="99041792"/>
         <c:scaling>
           <c:orientation val="minMax"/>
         </c:scaling>
@@ -1982,7 +2280,7 @@
         <c:majorTickMark val="out"/>
         <c:minorTickMark val="none"/>
         <c:tickLblPos val="nextTo"/>
-        <c:crossAx val="93660672"/>
+        <c:crossAx val="92388096"/>
         <c:crosses val="autoZero"/>
         <c:auto val="1"/>
         <c:lblAlgn val="ctr"/>
@@ -1990,7 +2288,7 @@
         <c:noMultiLvlLbl val="0"/>
       </c:catAx>
       <c:valAx>
-        <c:axId val="93660672"/>
+        <c:axId val="92388096"/>
         <c:scaling>
           <c:orientation val="minMax"/>
         </c:scaling>
@@ -2001,7 +2299,7 @@
         <c:majorTickMark val="out"/>
         <c:minorTickMark val="none"/>
         <c:tickLblPos val="nextTo"/>
-        <c:crossAx val="93659136"/>
+        <c:crossAx val="99041792"/>
         <c:crosses val="autoZero"/>
         <c:crossBetween val="between"/>
       </c:valAx>
@@ -2039,7 +2337,7 @@
           <a:cs typeface="+mn-cs"/>
         </a:defRPr>
       </a:pPr>
-      <a:endParaRPr lang="en-US"/>
+      <a:endParaRPr lang="ru-RU"/>
     </a:p>
   </c:txPr>
   <c:externalData r:id="rId1">
@@ -2048,10 +2346,10 @@
 </c:chartSpace>
 </file>
 
-<file path=ppt/charts/chart3.xml><?xml version="1.0" encoding="utf-8"?>
+<file path=ppt/charts/chart4.xml><?xml version="1.0" encoding="utf-8"?>
 <c:chartSpace xmlns:c="http://schemas.openxmlformats.org/drawingml/2006/chart" xmlns:a="http://schemas.openxmlformats.org/drawingml/2006/main" xmlns:r="http://schemas.openxmlformats.org/officeDocument/2006/relationships">
   <c:date1904 val="0"/>
-  <c:lang val="en-US"/>
+  <c:lang val="ru-RU"/>
   <c:roundedCorners val="0"/>
   <mc:AlternateContent xmlns:mc="http://schemas.openxmlformats.org/markup-compatibility/2006">
     <mc:Choice xmlns:c14="http://schemas.microsoft.com/office/drawing/2007/8/2/chart" Requires="c14">
@@ -2078,6 +2376,7 @@
           </a:p>
         </c:rich>
       </c:tx>
+      <c:layout/>
       <c:overlay val="0"/>
     </c:title>
     <c:autoTitleDeleted val="0"/>
@@ -2153,11 +2452,11 @@
           <c:showBubbleSize val="0"/>
         </c:dLbls>
         <c:gapWidth val="150"/>
-        <c:axId val="93680768"/>
-        <c:axId val="93682304"/>
+        <c:axId val="95648256"/>
+        <c:axId val="97395264"/>
       </c:barChart>
       <c:catAx>
-        <c:axId val="93680768"/>
+        <c:axId val="95648256"/>
         <c:scaling>
           <c:orientation val="minMax"/>
         </c:scaling>
@@ -2166,7 +2465,7 @@
         <c:majorTickMark val="none"/>
         <c:minorTickMark val="none"/>
         <c:tickLblPos val="nextTo"/>
-        <c:crossAx val="93682304"/>
+        <c:crossAx val="97395264"/>
         <c:crosses val="autoZero"/>
         <c:auto val="1"/>
         <c:lblAlgn val="ctr"/>
@@ -2174,7 +2473,7 @@
         <c:noMultiLvlLbl val="0"/>
       </c:catAx>
       <c:valAx>
-        <c:axId val="93682304"/>
+        <c:axId val="97395264"/>
         <c:scaling>
           <c:orientation val="minMax"/>
         </c:scaling>
@@ -2185,7 +2484,7 @@
         <c:majorTickMark val="none"/>
         <c:minorTickMark val="none"/>
         <c:tickLblPos val="nextTo"/>
-        <c:crossAx val="93680768"/>
+        <c:crossAx val="95648256"/>
         <c:crosses val="autoZero"/>
         <c:crossBetween val="between"/>
       </c:valAx>
@@ -2229,7 +2528,7 @@
           <a:cs typeface="+mn-cs"/>
         </a:defRPr>
       </a:pPr>
-      <a:endParaRPr lang="en-US"/>
+      <a:endParaRPr lang="ru-RU"/>
     </a:p>
   </c:txPr>
   <c:externalData r:id="rId1">
@@ -2238,10 +2537,10 @@
 </c:chartSpace>
 </file>
 
-<file path=ppt/charts/chart4.xml><?xml version="1.0" encoding="utf-8"?>
+<file path=ppt/charts/chart5.xml><?xml version="1.0" encoding="utf-8"?>
 <c:chartSpace xmlns:c="http://schemas.openxmlformats.org/drawingml/2006/chart" xmlns:a="http://schemas.openxmlformats.org/drawingml/2006/main" xmlns:r="http://schemas.openxmlformats.org/officeDocument/2006/relationships">
   <c:date1904 val="0"/>
-  <c:lang val="en-US"/>
+  <c:lang val="ru-RU"/>
   <c:roundedCorners val="0"/>
   <mc:AlternateContent xmlns:mc="http://schemas.openxmlformats.org/markup-compatibility/2006">
     <mc:Choice xmlns:c14="http://schemas.microsoft.com/office/drawing/2007/8/2/chart" Requires="c14">
@@ -2273,6 +2572,7 @@
           </a:p>
         </c:rich>
       </c:tx>
+      <c:layout/>
       <c:overlay val="0"/>
     </c:title>
     <c:autoTitleDeleted val="0"/>
@@ -2348,11 +2648,11 @@
           <c:showBubbleSize val="0"/>
         </c:dLbls>
         <c:gapWidth val="150"/>
-        <c:axId val="102057472"/>
-        <c:axId val="102059008"/>
+        <c:axId val="99044864"/>
+        <c:axId val="97398144"/>
       </c:barChart>
       <c:catAx>
-        <c:axId val="102057472"/>
+        <c:axId val="99044864"/>
         <c:scaling>
           <c:orientation val="minMax"/>
         </c:scaling>
@@ -2361,7 +2661,7 @@
         <c:majorTickMark val="out"/>
         <c:minorTickMark val="none"/>
         <c:tickLblPos val="nextTo"/>
-        <c:crossAx val="102059008"/>
+        <c:crossAx val="97398144"/>
         <c:crosses val="autoZero"/>
         <c:auto val="1"/>
         <c:lblAlgn val="ctr"/>
@@ -2369,7 +2669,7 @@
         <c:noMultiLvlLbl val="0"/>
       </c:catAx>
       <c:valAx>
-        <c:axId val="102059008"/>
+        <c:axId val="97398144"/>
         <c:scaling>
           <c:orientation val="minMax"/>
         </c:scaling>
@@ -2380,7 +2680,7 @@
         <c:majorTickMark val="out"/>
         <c:minorTickMark val="none"/>
         <c:tickLblPos val="nextTo"/>
-        <c:crossAx val="102057472"/>
+        <c:crossAx val="99044864"/>
         <c:crosses val="autoZero"/>
         <c:crossBetween val="between"/>
       </c:valAx>
@@ -2418,7 +2718,7 @@
           <a:cs typeface="+mn-cs"/>
         </a:defRPr>
       </a:pPr>
-      <a:endParaRPr lang="en-US"/>
+      <a:endParaRPr lang="ru-RU"/>
     </a:p>
   </c:txPr>
   <c:externalData r:id="rId1">
@@ -2427,10 +2727,10 @@
 </c:chartSpace>
 </file>
 
-<file path=ppt/charts/chart5.xml><?xml version="1.0" encoding="utf-8"?>
+<file path=ppt/charts/chart6.xml><?xml version="1.0" encoding="utf-8"?>
 <c:chartSpace xmlns:c="http://schemas.openxmlformats.org/drawingml/2006/chart" xmlns:a="http://schemas.openxmlformats.org/drawingml/2006/main" xmlns:r="http://schemas.openxmlformats.org/officeDocument/2006/relationships">
   <c:date1904 val="0"/>
-  <c:lang val="en-US"/>
+  <c:lang val="ru-RU"/>
   <c:roundedCorners val="0"/>
   <mc:AlternateContent xmlns:mc="http://schemas.openxmlformats.org/markup-compatibility/2006">
     <mc:Choice xmlns:c14="http://schemas.microsoft.com/office/drawing/2007/8/2/chart" Requires="c14">
@@ -2442,6 +2742,7 @@
   </mc:AlternateContent>
   <c:chart>
     <c:title>
+      <c:layout/>
       <c:overlay val="0"/>
     </c:title>
     <c:autoTitleDeleted val="0"/>
@@ -2517,11 +2818,11 @@
           <c:showBubbleSize val="0"/>
         </c:dLbls>
         <c:gapWidth val="150"/>
-        <c:axId val="102075008"/>
-        <c:axId val="102084992"/>
+        <c:axId val="131100672"/>
+        <c:axId val="97399872"/>
       </c:barChart>
       <c:catAx>
-        <c:axId val="102075008"/>
+        <c:axId val="131100672"/>
         <c:scaling>
           <c:orientation val="minMax"/>
         </c:scaling>
@@ -2530,7 +2831,7 @@
         <c:majorTickMark val="none"/>
         <c:minorTickMark val="none"/>
         <c:tickLblPos val="nextTo"/>
-        <c:crossAx val="102084992"/>
+        <c:crossAx val="97399872"/>
         <c:crosses val="autoZero"/>
         <c:auto val="1"/>
         <c:lblAlgn val="ctr"/>
@@ -2538,7 +2839,7 @@
         <c:noMultiLvlLbl val="0"/>
       </c:catAx>
       <c:valAx>
-        <c:axId val="102084992"/>
+        <c:axId val="97399872"/>
         <c:scaling>
           <c:orientation val="minMax"/>
         </c:scaling>
@@ -2549,7 +2850,7 @@
         <c:majorTickMark val="none"/>
         <c:minorTickMark val="none"/>
         <c:tickLblPos val="nextTo"/>
-        <c:crossAx val="102075008"/>
+        <c:crossAx val="131100672"/>
         <c:crosses val="autoZero"/>
         <c:crossBetween val="between"/>
       </c:valAx>
@@ -2593,13 +2894,54 @@
           <a:cs typeface="+mn-cs"/>
         </a:defRPr>
       </a:pPr>
-      <a:endParaRPr lang="en-US"/>
+      <a:endParaRPr lang="ru-RU"/>
     </a:p>
   </c:txPr>
   <c:externalData r:id="rId1">
     <c:autoUpdate val="0"/>
   </c:externalData>
 </c:chartSpace>
+</file>
+
+<file path=ppt/drawings/drawing1.xml><?xml version="1.0" encoding="utf-8"?>
+<c:userShapes xmlns:c="http://schemas.openxmlformats.org/drawingml/2006/chart">
+  <cdr:relSizeAnchor xmlns:cdr="http://schemas.openxmlformats.org/drawingml/2006/chartDrawing">
+    <cdr:from>
+      <cdr:x>0.47573</cdr:x>
+      <cdr:y>0.8</cdr:y>
+    </cdr:from>
+    <cdr:to>
+      <cdr:x>0.64078</cdr:x>
+      <cdr:y>0.86667</cdr:y>
+    </cdr:to>
+    <cdr:sp macro="" textlink="">
+      <cdr:nvSpPr>
+        <cdr:cNvPr id="2" name="TextBox 1"/>
+        <cdr:cNvSpPr txBox="1"/>
+      </cdr:nvSpPr>
+      <cdr:spPr>
+        <a:xfrm xmlns:a="http://schemas.openxmlformats.org/drawingml/2006/main">
+          <a:off x="3733800" y="2743200"/>
+          <a:ext cx="1295400" cy="228600"/>
+        </a:xfrm>
+        <a:prstGeom xmlns:a="http://schemas.openxmlformats.org/drawingml/2006/main" prst="rect">
+          <a:avLst/>
+        </a:prstGeom>
+      </cdr:spPr>
+      <cdr:txBody>
+        <a:bodyPr xmlns:a="http://schemas.openxmlformats.org/drawingml/2006/main" vertOverflow="clip" wrap="square" rtlCol="0"/>
+        <a:lstStyle xmlns:a="http://schemas.openxmlformats.org/drawingml/2006/main"/>
+        <a:p xmlns:a="http://schemas.openxmlformats.org/drawingml/2006/main">
+          <a:r>
+            <a:rPr lang="en-US" sz="1100" dirty="0" smtClean="0"/>
+            <a:t>&lt; Noise Level &gt;</a:t>
+          </a:r>
+          <a:endParaRPr lang="ru-RU" sz="1100" dirty="0"/>
+        </a:p>
+      </cdr:txBody>
+    </cdr:sp>
+  </cdr:relSizeAnchor>
+</c:userShapes>
 </file>
 
 <file path=ppt/handoutMasters/handoutMaster1.xml><?xml version="1.0" encoding="utf-8"?>
@@ -8107,7 +8449,12 @@
             <p:ph idx="1"/>
           </p:nvPr>
         </p:nvSpPr>
-        <p:spPr/>
+        <p:spPr>
+          <a:xfrm>
+            <a:off x="699247" y="2248347"/>
+            <a:ext cx="7745505" cy="647253"/>
+          </a:xfrm>
+        </p:spPr>
         <p:txBody>
           <a:bodyPr/>
           <a:lstStyle/>
@@ -8119,18 +8466,9 @@
             </a:r>
           </a:p>
           <a:p>
-            <a:pPr algn="l"/>
-            <a:endParaRPr lang="en-US" dirty="0"/>
-          </a:p>
-          <a:p>
-            <a:pPr algn="l"/>
-            <a:r>
-              <a:rPr lang="en-US" dirty="0" smtClean="0"/>
-              <a:t>Graph will be here</a:t>
-            </a:r>
-          </a:p>
-          <a:p>
-            <a:pPr algn="l"/>
+            <a:pPr marL="0" indent="0" algn="l">
+              <a:buNone/>
+            </a:pPr>
             <a:endParaRPr lang="en-US" dirty="0" smtClean="0"/>
           </a:p>
           <a:p>
@@ -8167,10 +8505,34 @@
           </a:p>
         </p:txBody>
       </p:sp>
+      <p:graphicFrame>
+        <p:nvGraphicFramePr>
+          <p:cNvPr id="4" name="Диаграмма 3"/>
+          <p:cNvGraphicFramePr>
+            <a:graphicFrameLocks/>
+          </p:cNvGraphicFramePr>
+          <p:nvPr>
+            <p:extLst>
+              <p:ext uri="{D42A27DB-BD31-4B8C-83A1-F6EECF244321}">
+                <p14:modId xmlns:p14="http://schemas.microsoft.com/office/powerpoint/2010/main" val="290615900"/>
+              </p:ext>
+            </p:extLst>
+          </p:nvPr>
+        </p:nvGraphicFramePr>
+        <p:xfrm>
+          <a:off x="685800" y="2819400"/>
+          <a:ext cx="7848600" cy="3429000"/>
+        </p:xfrm>
+        <a:graphic>
+          <a:graphicData uri="http://schemas.openxmlformats.org/drawingml/2006/chart">
+            <c:chart xmlns:c="http://schemas.openxmlformats.org/drawingml/2006/chart" xmlns:r="http://schemas.openxmlformats.org/officeDocument/2006/relationships" r:id="rId2"/>
+          </a:graphicData>
+        </a:graphic>
+      </p:graphicFrame>
     </p:spTree>
     <p:extLst>
       <p:ext uri="{BB962C8B-B14F-4D97-AF65-F5344CB8AC3E}">
-        <p14:creationId xmlns:p14="http://schemas.microsoft.com/office/powerpoint/2010/main" val="2241084113"/>
+        <p14:creationId xmlns:p14="http://schemas.microsoft.com/office/powerpoint/2010/main" val="2056970460"/>
       </p:ext>
     </p:extLst>
   </p:cSld>
@@ -8854,7 +9216,7 @@
           <a:graphicData uri="http://schemas.openxmlformats.org/presentationml/2006/ole">
             <mc:AlternateContent xmlns:mc="http://schemas.openxmlformats.org/markup-compatibility/2006">
               <mc:Choice xmlns:v="urn:schemas-microsoft-com:vml" Requires="v">
-                <p:oleObj spid="_x0000_s3182" name="Visio" r:id="rId3" imgW="9147060" imgH="7289860" progId="Visio.Drawing.11">
+                <p:oleObj spid="_x0000_s3183" name="Visio" r:id="rId3" imgW="9147060" imgH="7289860" progId="Visio.Drawing.11">
                   <p:embed/>
                 </p:oleObj>
               </mc:Choice>
@@ -9111,7 +9473,7 @@
           <a:graphicData uri="http://schemas.openxmlformats.org/presentationml/2006/ole">
             <mc:AlternateContent xmlns:mc="http://schemas.openxmlformats.org/markup-compatibility/2006">
               <mc:Choice xmlns:v="urn:schemas-microsoft-com:vml" Requires="v">
-                <p:oleObj spid="_x0000_s5162" name="Visio" r:id="rId3" imgW="10758690" imgH="7626560" progId="Visio.Drawing.11">
+                <p:oleObj spid="_x0000_s5163" name="Visio" r:id="rId3" imgW="10758690" imgH="7626560" progId="Visio.Drawing.11">
                   <p:embed/>
                 </p:oleObj>
               </mc:Choice>
@@ -9547,7 +9909,7 @@
           <a:graphicData uri="http://schemas.openxmlformats.org/presentationml/2006/ole">
             <mc:AlternateContent xmlns:mc="http://schemas.openxmlformats.org/markup-compatibility/2006">
               <mc:Choice xmlns:v="urn:schemas-microsoft-com:vml" Requires="v">
-                <p:oleObj spid="_x0000_s7204" name="Visio" r:id="rId3" imgW="10758690" imgH="7626560" progId="Visio.Drawing.11">
+                <p:oleObj spid="_x0000_s7205" name="Visio" r:id="rId3" imgW="10758690" imgH="7626560" progId="Visio.Drawing.11">
                   <p:embed/>
                 </p:oleObj>
               </mc:Choice>
@@ -9673,7 +10035,7 @@
           <a:graphicData uri="http://schemas.openxmlformats.org/presentationml/2006/ole">
             <mc:AlternateContent xmlns:mc="http://schemas.openxmlformats.org/markup-compatibility/2006">
               <mc:Choice xmlns:v="urn:schemas-microsoft-com:vml" Requires="v">
-                <p:oleObj spid="_x0000_s8228" name="Visio" r:id="rId3" imgW="10758690" imgH="7626560" progId="Visio.Drawing.11">
+                <p:oleObj spid="_x0000_s8229" name="Visio" r:id="rId3" imgW="10758690" imgH="7626560" progId="Visio.Drawing.11">
                   <p:embed/>
                 </p:oleObj>
               </mc:Choice>
@@ -9820,7 +10182,7 @@
           <a:graphicData uri="http://schemas.openxmlformats.org/presentationml/2006/ole">
             <mc:AlternateContent xmlns:mc="http://schemas.openxmlformats.org/markup-compatibility/2006">
               <mc:Choice xmlns:v="urn:schemas-microsoft-com:vml" Requires="v">
-                <p:oleObj spid="_x0000_s2160" name="Visio" r:id="rId3" imgW="9147060" imgH="7289860" progId="Visio.Drawing.11">
+                <p:oleObj spid="_x0000_s2161" name="Visio" r:id="rId3" imgW="9147060" imgH="7289860" progId="Visio.Drawing.11">
                   <p:embed/>
                 </p:oleObj>
               </mc:Choice>
@@ -12528,7 +12890,7 @@
           <a:graphicData uri="http://schemas.openxmlformats.org/presentationml/2006/ole">
             <mc:AlternateContent xmlns:mc="http://schemas.openxmlformats.org/markup-compatibility/2006">
               <mc:Choice xmlns:v="urn:schemas-microsoft-com:vml" Requires="v">
-                <p:oleObj spid="_x0000_s1136" name="Visio" r:id="rId3" imgW="9147060" imgH="7289860" progId="Visio.Drawing.11">
+                <p:oleObj spid="_x0000_s1137" name="Visio" r:id="rId3" imgW="9147060" imgH="7289860" progId="Visio.Drawing.11">
                   <p:embed/>
                 </p:oleObj>
               </mc:Choice>

--- a/JudgesForumPresentation.pptx
+++ b/JudgesForumPresentation.pptx
@@ -5,10 +5,10 @@
     <p:sldMasterId id="2147483672" r:id="rId1"/>
   </p:sldMasterIdLst>
   <p:notesMasterIdLst>
-    <p:notesMasterId r:id="rId32"/>
+    <p:notesMasterId r:id="rId33"/>
   </p:notesMasterIdLst>
   <p:handoutMasterIdLst>
-    <p:handoutMasterId r:id="rId33"/>
+    <p:handoutMasterId r:id="rId34"/>
   </p:handoutMasterIdLst>
   <p:sldIdLst>
     <p:sldId id="256" r:id="rId2"/>
@@ -34,13 +34,14 @@
     <p:sldId id="330" r:id="rId22"/>
     <p:sldId id="311" r:id="rId23"/>
     <p:sldId id="328" r:id="rId24"/>
-    <p:sldId id="307" r:id="rId25"/>
-    <p:sldId id="332" r:id="rId26"/>
-    <p:sldId id="317" r:id="rId27"/>
-    <p:sldId id="339" r:id="rId28"/>
-    <p:sldId id="308" r:id="rId29"/>
-    <p:sldId id="333" r:id="rId30"/>
-    <p:sldId id="340" r:id="rId31"/>
+    <p:sldId id="342" r:id="rId25"/>
+    <p:sldId id="307" r:id="rId26"/>
+    <p:sldId id="332" r:id="rId27"/>
+    <p:sldId id="317" r:id="rId28"/>
+    <p:sldId id="339" r:id="rId29"/>
+    <p:sldId id="308" r:id="rId30"/>
+    <p:sldId id="333" r:id="rId31"/>
+    <p:sldId id="340" r:id="rId32"/>
   </p:sldIdLst>
   <p:sldSz cx="9144000" cy="6858000" type="screen4x3"/>
   <p:notesSz cx="6669088" cy="9928225"/>
@@ -145,7 +146,7 @@
 <file path=ppt/charts/chart1.xml><?xml version="1.0" encoding="utf-8"?>
 <c:chartSpace xmlns:c="http://schemas.openxmlformats.org/drawingml/2006/chart" xmlns:a="http://schemas.openxmlformats.org/drawingml/2006/main" xmlns:r="http://schemas.openxmlformats.org/officeDocument/2006/relationships">
   <c:date1904 val="0"/>
-  <c:lang val="ru-RU"/>
+  <c:lang val="en-US"/>
   <c:roundedCorners val="0"/>
   <mc:AlternateContent xmlns:mc="http://schemas.openxmlformats.org/markup-compatibility/2006">
     <mc:Choice xmlns:c14="http://schemas.microsoft.com/office/drawing/2007/8/2/chart" Requires="c14">
@@ -363,11 +364,11 @@
         </c:dLbls>
         <c:marker val="1"/>
         <c:smooth val="0"/>
-        <c:axId val="68931584"/>
-        <c:axId val="144912320"/>
+        <c:axId val="40924672"/>
+        <c:axId val="40926208"/>
       </c:lineChart>
       <c:catAx>
-        <c:axId val="68931584"/>
+        <c:axId val="40924672"/>
         <c:scaling>
           <c:orientation val="minMax"/>
         </c:scaling>
@@ -377,7 +378,7 @@
         <c:majorTickMark val="none"/>
         <c:minorTickMark val="none"/>
         <c:tickLblPos val="nextTo"/>
-        <c:crossAx val="144912320"/>
+        <c:crossAx val="40926208"/>
         <c:crosses val="autoZero"/>
         <c:auto val="1"/>
         <c:lblAlgn val="ctr"/>
@@ -385,7 +386,7 @@
         <c:noMultiLvlLbl val="0"/>
       </c:catAx>
       <c:valAx>
-        <c:axId val="144912320"/>
+        <c:axId val="40926208"/>
         <c:scaling>
           <c:orientation val="minMax"/>
         </c:scaling>
@@ -416,7 +417,7 @@
         <c:majorTickMark val="none"/>
         <c:minorTickMark val="none"/>
         <c:tickLblPos val="nextTo"/>
-        <c:crossAx val="68931584"/>
+        <c:crossAx val="40924672"/>
         <c:crosses val="autoZero"/>
         <c:crossBetween val="between"/>
       </c:valAx>
@@ -441,7 +442,7 @@
 <file path=ppt/charts/chart2.xml><?xml version="1.0" encoding="utf-8"?>
 <c:chartSpace xmlns:c="http://schemas.openxmlformats.org/drawingml/2006/chart" xmlns:a="http://schemas.openxmlformats.org/drawingml/2006/main" xmlns:r="http://schemas.openxmlformats.org/officeDocument/2006/relationships">
   <c:date1904 val="0"/>
-  <c:lang val="ru-RU"/>
+  <c:lang val="en-US"/>
   <c:roundedCorners val="0"/>
   <mc:AlternateContent xmlns:mc="http://schemas.openxmlformats.org/markup-compatibility/2006">
     <mc:Choice xmlns:c14="http://schemas.microsoft.com/office/drawing/2007/8/2/chart" Requires="c14">
@@ -2094,11 +2095,11 @@
           <c:showBubbleSize val="0"/>
         </c:dLbls>
         <c:gapWidth val="150"/>
-        <c:axId val="33719808"/>
-        <c:axId val="99095040"/>
+        <c:axId val="123315712"/>
+        <c:axId val="123317248"/>
       </c:barChart>
       <c:catAx>
-        <c:axId val="33719808"/>
+        <c:axId val="123315712"/>
         <c:scaling>
           <c:orientation val="minMax"/>
         </c:scaling>
@@ -2108,7 +2109,7 @@
         <c:majorTickMark val="none"/>
         <c:minorTickMark val="none"/>
         <c:tickLblPos val="nextTo"/>
-        <c:crossAx val="99095040"/>
+        <c:crossAx val="123317248"/>
         <c:crosses val="autoZero"/>
         <c:auto val="1"/>
         <c:lblAlgn val="ctr"/>
@@ -2116,7 +2117,7 @@
         <c:noMultiLvlLbl val="0"/>
       </c:catAx>
       <c:valAx>
-        <c:axId val="99095040"/>
+        <c:axId val="123317248"/>
         <c:scaling>
           <c:orientation val="minMax"/>
         </c:scaling>
@@ -2127,7 +2128,7 @@
         <c:majorTickMark val="none"/>
         <c:minorTickMark val="none"/>
         <c:tickLblPos val="nextTo"/>
-        <c:crossAx val="33719808"/>
+        <c:crossAx val="123315712"/>
         <c:crosses val="autoZero"/>
         <c:crossBetween val="between"/>
       </c:valAx>
@@ -2159,7 +2160,7 @@
 <file path=ppt/charts/chart3.xml><?xml version="1.0" encoding="utf-8"?>
 <c:chartSpace xmlns:c="http://schemas.openxmlformats.org/drawingml/2006/chart" xmlns:a="http://schemas.openxmlformats.org/drawingml/2006/main" xmlns:r="http://schemas.openxmlformats.org/officeDocument/2006/relationships">
   <c:date1904 val="0"/>
-  <c:lang val="ru-RU"/>
+  <c:lang val="en-US"/>
   <c:roundedCorners val="0"/>
   <mc:AlternateContent xmlns:mc="http://schemas.openxmlformats.org/markup-compatibility/2006">
     <mc:Choice xmlns:c14="http://schemas.microsoft.com/office/drawing/2007/8/2/chart" Requires="c14">
@@ -2267,11 +2268,11 @@
           <c:showBubbleSize val="0"/>
         </c:dLbls>
         <c:gapWidth val="150"/>
-        <c:axId val="99041792"/>
-        <c:axId val="92388096"/>
+        <c:axId val="41236352"/>
+        <c:axId val="41237888"/>
       </c:barChart>
       <c:catAx>
-        <c:axId val="99041792"/>
+        <c:axId val="41236352"/>
         <c:scaling>
           <c:orientation val="minMax"/>
         </c:scaling>
@@ -2280,7 +2281,7 @@
         <c:majorTickMark val="out"/>
         <c:minorTickMark val="none"/>
         <c:tickLblPos val="nextTo"/>
-        <c:crossAx val="92388096"/>
+        <c:crossAx val="41237888"/>
         <c:crosses val="autoZero"/>
         <c:auto val="1"/>
         <c:lblAlgn val="ctr"/>
@@ -2288,7 +2289,7 @@
         <c:noMultiLvlLbl val="0"/>
       </c:catAx>
       <c:valAx>
-        <c:axId val="92388096"/>
+        <c:axId val="41237888"/>
         <c:scaling>
           <c:orientation val="minMax"/>
         </c:scaling>
@@ -2299,7 +2300,7 @@
         <c:majorTickMark val="out"/>
         <c:minorTickMark val="none"/>
         <c:tickLblPos val="nextTo"/>
-        <c:crossAx val="99041792"/>
+        <c:crossAx val="41236352"/>
         <c:crosses val="autoZero"/>
         <c:crossBetween val="between"/>
       </c:valAx>
@@ -2337,7 +2338,7 @@
           <a:cs typeface="+mn-cs"/>
         </a:defRPr>
       </a:pPr>
-      <a:endParaRPr lang="ru-RU"/>
+      <a:endParaRPr lang="en-US"/>
     </a:p>
   </c:txPr>
   <c:externalData r:id="rId1">
@@ -2349,7 +2350,7 @@
 <file path=ppt/charts/chart4.xml><?xml version="1.0" encoding="utf-8"?>
 <c:chartSpace xmlns:c="http://schemas.openxmlformats.org/drawingml/2006/chart" xmlns:a="http://schemas.openxmlformats.org/drawingml/2006/main" xmlns:r="http://schemas.openxmlformats.org/officeDocument/2006/relationships">
   <c:date1904 val="0"/>
-  <c:lang val="ru-RU"/>
+  <c:lang val="en-US"/>
   <c:roundedCorners val="0"/>
   <mc:AlternateContent xmlns:mc="http://schemas.openxmlformats.org/markup-compatibility/2006">
     <mc:Choice xmlns:c14="http://schemas.microsoft.com/office/drawing/2007/8/2/chart" Requires="c14">
@@ -2452,11 +2453,11 @@
           <c:showBubbleSize val="0"/>
         </c:dLbls>
         <c:gapWidth val="150"/>
-        <c:axId val="95648256"/>
-        <c:axId val="97395264"/>
+        <c:axId val="41266176"/>
+        <c:axId val="98177792"/>
       </c:barChart>
       <c:catAx>
-        <c:axId val="95648256"/>
+        <c:axId val="41266176"/>
         <c:scaling>
           <c:orientation val="minMax"/>
         </c:scaling>
@@ -2465,7 +2466,7 @@
         <c:majorTickMark val="none"/>
         <c:minorTickMark val="none"/>
         <c:tickLblPos val="nextTo"/>
-        <c:crossAx val="97395264"/>
+        <c:crossAx val="98177792"/>
         <c:crosses val="autoZero"/>
         <c:auto val="1"/>
         <c:lblAlgn val="ctr"/>
@@ -2473,7 +2474,7 @@
         <c:noMultiLvlLbl val="0"/>
       </c:catAx>
       <c:valAx>
-        <c:axId val="97395264"/>
+        <c:axId val="98177792"/>
         <c:scaling>
           <c:orientation val="minMax"/>
         </c:scaling>
@@ -2484,7 +2485,7 @@
         <c:majorTickMark val="none"/>
         <c:minorTickMark val="none"/>
         <c:tickLblPos val="nextTo"/>
-        <c:crossAx val="95648256"/>
+        <c:crossAx val="41266176"/>
         <c:crosses val="autoZero"/>
         <c:crossBetween val="between"/>
       </c:valAx>
@@ -2528,7 +2529,7 @@
           <a:cs typeface="+mn-cs"/>
         </a:defRPr>
       </a:pPr>
-      <a:endParaRPr lang="ru-RU"/>
+      <a:endParaRPr lang="en-US"/>
     </a:p>
   </c:txPr>
   <c:externalData r:id="rId1">
@@ -2540,7 +2541,7 @@
 <file path=ppt/charts/chart5.xml><?xml version="1.0" encoding="utf-8"?>
 <c:chartSpace xmlns:c="http://schemas.openxmlformats.org/drawingml/2006/chart" xmlns:a="http://schemas.openxmlformats.org/drawingml/2006/main" xmlns:r="http://schemas.openxmlformats.org/officeDocument/2006/relationships">
   <c:date1904 val="0"/>
-  <c:lang val="ru-RU"/>
+  <c:lang val="en-US"/>
   <c:roundedCorners val="0"/>
   <mc:AlternateContent xmlns:mc="http://schemas.openxmlformats.org/markup-compatibility/2006">
     <mc:Choice xmlns:c14="http://schemas.microsoft.com/office/drawing/2007/8/2/chart" Requires="c14">
@@ -2648,11 +2649,11 @@
           <c:showBubbleSize val="0"/>
         </c:dLbls>
         <c:gapWidth val="150"/>
-        <c:axId val="99044864"/>
-        <c:axId val="97398144"/>
+        <c:axId val="40963456"/>
+        <c:axId val="40965248"/>
       </c:barChart>
       <c:catAx>
-        <c:axId val="99044864"/>
+        <c:axId val="40963456"/>
         <c:scaling>
           <c:orientation val="minMax"/>
         </c:scaling>
@@ -2661,7 +2662,7 @@
         <c:majorTickMark val="out"/>
         <c:minorTickMark val="none"/>
         <c:tickLblPos val="nextTo"/>
-        <c:crossAx val="97398144"/>
+        <c:crossAx val="40965248"/>
         <c:crosses val="autoZero"/>
         <c:auto val="1"/>
         <c:lblAlgn val="ctr"/>
@@ -2669,7 +2670,7 @@
         <c:noMultiLvlLbl val="0"/>
       </c:catAx>
       <c:valAx>
-        <c:axId val="97398144"/>
+        <c:axId val="40965248"/>
         <c:scaling>
           <c:orientation val="minMax"/>
         </c:scaling>
@@ -2680,7 +2681,7 @@
         <c:majorTickMark val="out"/>
         <c:minorTickMark val="none"/>
         <c:tickLblPos val="nextTo"/>
-        <c:crossAx val="99044864"/>
+        <c:crossAx val="40963456"/>
         <c:crosses val="autoZero"/>
         <c:crossBetween val="between"/>
       </c:valAx>
@@ -2718,7 +2719,7 @@
           <a:cs typeface="+mn-cs"/>
         </a:defRPr>
       </a:pPr>
-      <a:endParaRPr lang="ru-RU"/>
+      <a:endParaRPr lang="en-US"/>
     </a:p>
   </c:txPr>
   <c:externalData r:id="rId1">
@@ -2730,7 +2731,7 @@
 <file path=ppt/charts/chart6.xml><?xml version="1.0" encoding="utf-8"?>
 <c:chartSpace xmlns:c="http://schemas.openxmlformats.org/drawingml/2006/chart" xmlns:a="http://schemas.openxmlformats.org/drawingml/2006/main" xmlns:r="http://schemas.openxmlformats.org/officeDocument/2006/relationships">
   <c:date1904 val="0"/>
-  <c:lang val="ru-RU"/>
+  <c:lang val="en-US"/>
   <c:roundedCorners val="0"/>
   <mc:AlternateContent xmlns:mc="http://schemas.openxmlformats.org/markup-compatibility/2006">
     <mc:Choice xmlns:c14="http://schemas.microsoft.com/office/drawing/2007/8/2/chart" Requires="c14">
@@ -2818,11 +2819,11 @@
           <c:showBubbleSize val="0"/>
         </c:dLbls>
         <c:gapWidth val="150"/>
-        <c:axId val="131100672"/>
-        <c:axId val="97399872"/>
+        <c:axId val="40977152"/>
+        <c:axId val="40978688"/>
       </c:barChart>
       <c:catAx>
-        <c:axId val="131100672"/>
+        <c:axId val="40977152"/>
         <c:scaling>
           <c:orientation val="minMax"/>
         </c:scaling>
@@ -2831,7 +2832,7 @@
         <c:majorTickMark val="none"/>
         <c:minorTickMark val="none"/>
         <c:tickLblPos val="nextTo"/>
-        <c:crossAx val="97399872"/>
+        <c:crossAx val="40978688"/>
         <c:crosses val="autoZero"/>
         <c:auto val="1"/>
         <c:lblAlgn val="ctr"/>
@@ -2839,7 +2840,7 @@
         <c:noMultiLvlLbl val="0"/>
       </c:catAx>
       <c:valAx>
-        <c:axId val="97399872"/>
+        <c:axId val="40978688"/>
         <c:scaling>
           <c:orientation val="minMax"/>
         </c:scaling>
@@ -2850,7 +2851,7 @@
         <c:majorTickMark val="none"/>
         <c:minorTickMark val="none"/>
         <c:tickLblPos val="nextTo"/>
-        <c:crossAx val="131100672"/>
+        <c:crossAx val="40977152"/>
         <c:crosses val="autoZero"/>
         <c:crossBetween val="between"/>
       </c:valAx>
@@ -2894,7 +2895,7 @@
           <a:cs typeface="+mn-cs"/>
         </a:defRPr>
       </a:pPr>
-      <a:endParaRPr lang="ru-RU"/>
+      <a:endParaRPr lang="en-US"/>
     </a:p>
   </c:txPr>
   <c:externalData r:id="rId1">
@@ -2978,8 +2979,8 @@
         </p:nvSpPr>
         <p:spPr>
           <a:xfrm>
-            <a:off x="0" y="0"/>
-            <a:ext cx="2889250" cy="496888"/>
+            <a:off x="0" y="1"/>
+            <a:ext cx="2889250" cy="496889"/>
           </a:xfrm>
           <a:prstGeom prst="rect">
             <a:avLst/>
@@ -3009,8 +3010,8 @@
         </p:nvSpPr>
         <p:spPr>
           <a:xfrm>
-            <a:off x="3778250" y="0"/>
-            <a:ext cx="2889250" cy="496888"/>
+            <a:off x="3778250" y="1"/>
+            <a:ext cx="2889250" cy="496889"/>
           </a:xfrm>
           <a:prstGeom prst="rect">
             <a:avLst/>
@@ -3026,7 +3027,7 @@
           <a:p>
             <a:fld id="{791A93FE-F472-4350-BDC2-B421EDD75EC6}" type="datetimeFigureOut">
               <a:rPr lang="en-US" smtClean="0"/>
-              <a:t>6/15/2013</a:t>
+              <a:t>06/15/2013</a:t>
             </a:fld>
             <a:endParaRPr lang="en-US"/>
           </a:p>
@@ -3045,7 +3046,7 @@
         <p:spPr>
           <a:xfrm>
             <a:off x="0" y="9429750"/>
-            <a:ext cx="2889250" cy="496888"/>
+            <a:ext cx="2889250" cy="496889"/>
           </a:xfrm>
           <a:prstGeom prst="rect">
             <a:avLst/>
@@ -3076,7 +3077,7 @@
         <p:spPr>
           <a:xfrm>
             <a:off x="3778250" y="9429750"/>
-            <a:ext cx="2889250" cy="496888"/>
+            <a:ext cx="2889250" cy="496889"/>
           </a:xfrm>
           <a:prstGeom prst="rect">
             <a:avLst/>
@@ -3191,7 +3192,7 @@
           <a:p>
             <a:fld id="{5C90FD31-B673-4764-A46F-AA367EDFFC51}" type="datetimeFigureOut">
               <a:rPr lang="en-US" smtClean="0"/>
-              <a:t>6/15/2013</a:t>
+              <a:t>06/15/2013</a:t>
             </a:fld>
             <a:endParaRPr lang="en-US"/>
           </a:p>
@@ -3242,8 +3243,8 @@
         </p:nvSpPr>
         <p:spPr>
           <a:xfrm>
-            <a:off x="666909" y="4715907"/>
-            <a:ext cx="5335270" cy="4467701"/>
+            <a:off x="666909" y="4715908"/>
+            <a:ext cx="5335270" cy="4467700"/>
           </a:xfrm>
           <a:prstGeom prst="rect">
             <a:avLst/>
@@ -3302,7 +3303,7 @@
         </p:nvSpPr>
         <p:spPr>
           <a:xfrm>
-            <a:off x="0" y="9430091"/>
+            <a:off x="0" y="9430092"/>
             <a:ext cx="2889938" cy="496411"/>
           </a:xfrm>
           <a:prstGeom prst="rect">
@@ -3333,7 +3334,7 @@
         </p:nvSpPr>
         <p:spPr>
           <a:xfrm>
-            <a:off x="3777607" y="9430091"/>
+            <a:off x="3777607" y="9430092"/>
             <a:ext cx="2889938" cy="496411"/>
           </a:xfrm>
           <a:prstGeom prst="rect">
@@ -3544,6 +3545,2623 @@
 </p:notes>
 </file>
 
+<file path=ppt/notesSlides/notesSlide10.xml><?xml version="1.0" encoding="utf-8"?>
+<p:notes xmlns:a="http://schemas.openxmlformats.org/drawingml/2006/main" xmlns:r="http://schemas.openxmlformats.org/officeDocument/2006/relationships" xmlns:p="http://schemas.openxmlformats.org/presentationml/2006/main">
+  <p:cSld>
+    <p:spTree>
+      <p:nvGrpSpPr>
+        <p:cNvPr id="1" name=""/>
+        <p:cNvGrpSpPr/>
+        <p:nvPr/>
+      </p:nvGrpSpPr>
+      <p:grpSpPr>
+        <a:xfrm>
+          <a:off x="0" y="0"/>
+          <a:ext cx="0" cy="0"/>
+          <a:chOff x="0" y="0"/>
+          <a:chExt cx="0" cy="0"/>
+        </a:xfrm>
+      </p:grpSpPr>
+      <p:sp>
+        <p:nvSpPr>
+          <p:cNvPr id="2" name="Slide Image Placeholder 1"/>
+          <p:cNvSpPr>
+            <a:spLocks noGrp="1" noRot="1" noChangeAspect="1"/>
+          </p:cNvSpPr>
+          <p:nvPr>
+            <p:ph type="sldImg"/>
+          </p:nvPr>
+        </p:nvSpPr>
+        <p:spPr/>
+      </p:sp>
+      <p:sp>
+        <p:nvSpPr>
+          <p:cNvPr id="3" name="Notes Placeholder 2"/>
+          <p:cNvSpPr>
+            <a:spLocks noGrp="1"/>
+          </p:cNvSpPr>
+          <p:nvPr>
+            <p:ph type="body" idx="1"/>
+          </p:nvPr>
+        </p:nvSpPr>
+        <p:spPr/>
+        <p:txBody>
+          <a:bodyPr/>
+          <a:lstStyle/>
+          <a:p>
+            <a:endParaRPr lang="en-US"/>
+          </a:p>
+        </p:txBody>
+      </p:sp>
+      <p:sp>
+        <p:nvSpPr>
+          <p:cNvPr id="4" name="Slide Number Placeholder 3"/>
+          <p:cNvSpPr>
+            <a:spLocks noGrp="1"/>
+          </p:cNvSpPr>
+          <p:nvPr>
+            <p:ph type="sldNum" sz="quarter" idx="10"/>
+          </p:nvPr>
+        </p:nvSpPr>
+        <p:spPr/>
+        <p:txBody>
+          <a:bodyPr/>
+          <a:lstStyle/>
+          <a:p>
+            <a:fld id="{4BD8E522-60E3-4197-854A-59687A623685}" type="slidenum">
+              <a:rPr lang="en-US" smtClean="0"/>
+              <a:t>10</a:t>
+            </a:fld>
+            <a:endParaRPr lang="en-US"/>
+          </a:p>
+        </p:txBody>
+      </p:sp>
+    </p:spTree>
+    <p:extLst>
+      <p:ext uri="{BB962C8B-B14F-4D97-AF65-F5344CB8AC3E}">
+        <p14:creationId xmlns:p14="http://schemas.microsoft.com/office/powerpoint/2010/main" val="2783911700"/>
+      </p:ext>
+    </p:extLst>
+  </p:cSld>
+  <p:clrMapOvr>
+    <a:masterClrMapping/>
+  </p:clrMapOvr>
+</p:notes>
+</file>
+
+<file path=ppt/notesSlides/notesSlide11.xml><?xml version="1.0" encoding="utf-8"?>
+<p:notes xmlns:a="http://schemas.openxmlformats.org/drawingml/2006/main" xmlns:r="http://schemas.openxmlformats.org/officeDocument/2006/relationships" xmlns:p="http://schemas.openxmlformats.org/presentationml/2006/main">
+  <p:cSld>
+    <p:spTree>
+      <p:nvGrpSpPr>
+        <p:cNvPr id="1" name=""/>
+        <p:cNvGrpSpPr/>
+        <p:nvPr/>
+      </p:nvGrpSpPr>
+      <p:grpSpPr>
+        <a:xfrm>
+          <a:off x="0" y="0"/>
+          <a:ext cx="0" cy="0"/>
+          <a:chOff x="0" y="0"/>
+          <a:chExt cx="0" cy="0"/>
+        </a:xfrm>
+      </p:grpSpPr>
+      <p:sp>
+        <p:nvSpPr>
+          <p:cNvPr id="2" name="Slide Image Placeholder 1"/>
+          <p:cNvSpPr>
+            <a:spLocks noGrp="1" noRot="1" noChangeAspect="1"/>
+          </p:cNvSpPr>
+          <p:nvPr>
+            <p:ph type="sldImg"/>
+          </p:nvPr>
+        </p:nvSpPr>
+        <p:spPr/>
+      </p:sp>
+      <p:sp>
+        <p:nvSpPr>
+          <p:cNvPr id="3" name="Notes Placeholder 2"/>
+          <p:cNvSpPr>
+            <a:spLocks noGrp="1"/>
+          </p:cNvSpPr>
+          <p:nvPr>
+            <p:ph type="body" idx="1"/>
+          </p:nvPr>
+        </p:nvSpPr>
+        <p:spPr/>
+        <p:txBody>
+          <a:bodyPr/>
+          <a:lstStyle/>
+          <a:p>
+            <a:endParaRPr lang="en-US"/>
+          </a:p>
+        </p:txBody>
+      </p:sp>
+      <p:sp>
+        <p:nvSpPr>
+          <p:cNvPr id="4" name="Slide Number Placeholder 3"/>
+          <p:cNvSpPr>
+            <a:spLocks noGrp="1"/>
+          </p:cNvSpPr>
+          <p:nvPr>
+            <p:ph type="sldNum" sz="quarter" idx="10"/>
+          </p:nvPr>
+        </p:nvSpPr>
+        <p:spPr/>
+        <p:txBody>
+          <a:bodyPr/>
+          <a:lstStyle/>
+          <a:p>
+            <a:fld id="{4BD8E522-60E3-4197-854A-59687A623685}" type="slidenum">
+              <a:rPr lang="en-US" smtClean="0"/>
+              <a:t>11</a:t>
+            </a:fld>
+            <a:endParaRPr lang="en-US"/>
+          </a:p>
+        </p:txBody>
+      </p:sp>
+    </p:spTree>
+    <p:extLst>
+      <p:ext uri="{BB962C8B-B14F-4D97-AF65-F5344CB8AC3E}">
+        <p14:creationId xmlns:p14="http://schemas.microsoft.com/office/powerpoint/2010/main" val="4129818359"/>
+      </p:ext>
+    </p:extLst>
+  </p:cSld>
+  <p:clrMapOvr>
+    <a:masterClrMapping/>
+  </p:clrMapOvr>
+</p:notes>
+</file>
+
+<file path=ppt/notesSlides/notesSlide12.xml><?xml version="1.0" encoding="utf-8"?>
+<p:notes xmlns:a="http://schemas.openxmlformats.org/drawingml/2006/main" xmlns:r="http://schemas.openxmlformats.org/officeDocument/2006/relationships" xmlns:p="http://schemas.openxmlformats.org/presentationml/2006/main">
+  <p:cSld>
+    <p:spTree>
+      <p:nvGrpSpPr>
+        <p:cNvPr id="1" name=""/>
+        <p:cNvGrpSpPr/>
+        <p:nvPr/>
+      </p:nvGrpSpPr>
+      <p:grpSpPr>
+        <a:xfrm>
+          <a:off x="0" y="0"/>
+          <a:ext cx="0" cy="0"/>
+          <a:chOff x="0" y="0"/>
+          <a:chExt cx="0" cy="0"/>
+        </a:xfrm>
+      </p:grpSpPr>
+      <p:sp>
+        <p:nvSpPr>
+          <p:cNvPr id="2" name="Slide Image Placeholder 1"/>
+          <p:cNvSpPr>
+            <a:spLocks noGrp="1" noRot="1" noChangeAspect="1"/>
+          </p:cNvSpPr>
+          <p:nvPr>
+            <p:ph type="sldImg"/>
+          </p:nvPr>
+        </p:nvSpPr>
+        <p:spPr/>
+      </p:sp>
+      <p:sp>
+        <p:nvSpPr>
+          <p:cNvPr id="3" name="Notes Placeholder 2"/>
+          <p:cNvSpPr>
+            <a:spLocks noGrp="1"/>
+          </p:cNvSpPr>
+          <p:nvPr>
+            <p:ph type="body" idx="1"/>
+          </p:nvPr>
+        </p:nvSpPr>
+        <p:spPr/>
+        <p:txBody>
+          <a:bodyPr/>
+          <a:lstStyle/>
+          <a:p>
+            <a:endParaRPr lang="en-US"/>
+          </a:p>
+        </p:txBody>
+      </p:sp>
+      <p:sp>
+        <p:nvSpPr>
+          <p:cNvPr id="4" name="Slide Number Placeholder 3"/>
+          <p:cNvSpPr>
+            <a:spLocks noGrp="1"/>
+          </p:cNvSpPr>
+          <p:nvPr>
+            <p:ph type="sldNum" sz="quarter" idx="10"/>
+          </p:nvPr>
+        </p:nvSpPr>
+        <p:spPr/>
+        <p:txBody>
+          <a:bodyPr/>
+          <a:lstStyle/>
+          <a:p>
+            <a:fld id="{4BD8E522-60E3-4197-854A-59687A623685}" type="slidenum">
+              <a:rPr lang="en-US" smtClean="0"/>
+              <a:t>12</a:t>
+            </a:fld>
+            <a:endParaRPr lang="en-US"/>
+          </a:p>
+        </p:txBody>
+      </p:sp>
+    </p:spTree>
+    <p:extLst>
+      <p:ext uri="{BB962C8B-B14F-4D97-AF65-F5344CB8AC3E}">
+        <p14:creationId xmlns:p14="http://schemas.microsoft.com/office/powerpoint/2010/main" val="2686268185"/>
+      </p:ext>
+    </p:extLst>
+  </p:cSld>
+  <p:clrMapOvr>
+    <a:masterClrMapping/>
+  </p:clrMapOvr>
+</p:notes>
+</file>
+
+<file path=ppt/notesSlides/notesSlide13.xml><?xml version="1.0" encoding="utf-8"?>
+<p:notes xmlns:a="http://schemas.openxmlformats.org/drawingml/2006/main" xmlns:r="http://schemas.openxmlformats.org/officeDocument/2006/relationships" xmlns:p="http://schemas.openxmlformats.org/presentationml/2006/main">
+  <p:cSld>
+    <p:spTree>
+      <p:nvGrpSpPr>
+        <p:cNvPr id="1" name=""/>
+        <p:cNvGrpSpPr/>
+        <p:nvPr/>
+      </p:nvGrpSpPr>
+      <p:grpSpPr>
+        <a:xfrm>
+          <a:off x="0" y="0"/>
+          <a:ext cx="0" cy="0"/>
+          <a:chOff x="0" y="0"/>
+          <a:chExt cx="0" cy="0"/>
+        </a:xfrm>
+      </p:grpSpPr>
+      <p:sp>
+        <p:nvSpPr>
+          <p:cNvPr id="2" name="Slide Image Placeholder 1"/>
+          <p:cNvSpPr>
+            <a:spLocks noGrp="1" noRot="1" noChangeAspect="1"/>
+          </p:cNvSpPr>
+          <p:nvPr>
+            <p:ph type="sldImg"/>
+          </p:nvPr>
+        </p:nvSpPr>
+        <p:spPr/>
+      </p:sp>
+      <p:sp>
+        <p:nvSpPr>
+          <p:cNvPr id="3" name="Notes Placeholder 2"/>
+          <p:cNvSpPr>
+            <a:spLocks noGrp="1"/>
+          </p:cNvSpPr>
+          <p:nvPr>
+            <p:ph type="body" idx="1"/>
+          </p:nvPr>
+        </p:nvSpPr>
+        <p:spPr/>
+        <p:txBody>
+          <a:bodyPr/>
+          <a:lstStyle/>
+          <a:p>
+            <a:endParaRPr lang="en-US"/>
+          </a:p>
+        </p:txBody>
+      </p:sp>
+      <p:sp>
+        <p:nvSpPr>
+          <p:cNvPr id="4" name="Slide Number Placeholder 3"/>
+          <p:cNvSpPr>
+            <a:spLocks noGrp="1"/>
+          </p:cNvSpPr>
+          <p:nvPr>
+            <p:ph type="sldNum" sz="quarter" idx="10"/>
+          </p:nvPr>
+        </p:nvSpPr>
+        <p:spPr/>
+        <p:txBody>
+          <a:bodyPr/>
+          <a:lstStyle/>
+          <a:p>
+            <a:fld id="{4BD8E522-60E3-4197-854A-59687A623685}" type="slidenum">
+              <a:rPr lang="en-US" smtClean="0"/>
+              <a:t>13</a:t>
+            </a:fld>
+            <a:endParaRPr lang="en-US"/>
+          </a:p>
+        </p:txBody>
+      </p:sp>
+    </p:spTree>
+    <p:extLst>
+      <p:ext uri="{BB962C8B-B14F-4D97-AF65-F5344CB8AC3E}">
+        <p14:creationId xmlns:p14="http://schemas.microsoft.com/office/powerpoint/2010/main" val="3070348956"/>
+      </p:ext>
+    </p:extLst>
+  </p:cSld>
+  <p:clrMapOvr>
+    <a:masterClrMapping/>
+  </p:clrMapOvr>
+</p:notes>
+</file>
+
+<file path=ppt/notesSlides/notesSlide14.xml><?xml version="1.0" encoding="utf-8"?>
+<p:notes xmlns:a="http://schemas.openxmlformats.org/drawingml/2006/main" xmlns:r="http://schemas.openxmlformats.org/officeDocument/2006/relationships" xmlns:p="http://schemas.openxmlformats.org/presentationml/2006/main">
+  <p:cSld>
+    <p:spTree>
+      <p:nvGrpSpPr>
+        <p:cNvPr id="1" name=""/>
+        <p:cNvGrpSpPr/>
+        <p:nvPr/>
+      </p:nvGrpSpPr>
+      <p:grpSpPr>
+        <a:xfrm>
+          <a:off x="0" y="0"/>
+          <a:ext cx="0" cy="0"/>
+          <a:chOff x="0" y="0"/>
+          <a:chExt cx="0" cy="0"/>
+        </a:xfrm>
+      </p:grpSpPr>
+      <p:sp>
+        <p:nvSpPr>
+          <p:cNvPr id="2" name="Slide Image Placeholder 1"/>
+          <p:cNvSpPr>
+            <a:spLocks noGrp="1" noRot="1" noChangeAspect="1"/>
+          </p:cNvSpPr>
+          <p:nvPr>
+            <p:ph type="sldImg"/>
+          </p:nvPr>
+        </p:nvSpPr>
+        <p:spPr/>
+      </p:sp>
+      <p:sp>
+        <p:nvSpPr>
+          <p:cNvPr id="3" name="Notes Placeholder 2"/>
+          <p:cNvSpPr>
+            <a:spLocks noGrp="1"/>
+          </p:cNvSpPr>
+          <p:nvPr>
+            <p:ph type="body" idx="1"/>
+          </p:nvPr>
+        </p:nvSpPr>
+        <p:spPr/>
+        <p:txBody>
+          <a:bodyPr/>
+          <a:lstStyle/>
+          <a:p>
+            <a:endParaRPr lang="en-US"/>
+          </a:p>
+        </p:txBody>
+      </p:sp>
+      <p:sp>
+        <p:nvSpPr>
+          <p:cNvPr id="4" name="Slide Number Placeholder 3"/>
+          <p:cNvSpPr>
+            <a:spLocks noGrp="1"/>
+          </p:cNvSpPr>
+          <p:nvPr>
+            <p:ph type="sldNum" sz="quarter" idx="10"/>
+          </p:nvPr>
+        </p:nvSpPr>
+        <p:spPr/>
+        <p:txBody>
+          <a:bodyPr/>
+          <a:lstStyle/>
+          <a:p>
+            <a:fld id="{4BD8E522-60E3-4197-854A-59687A623685}" type="slidenum">
+              <a:rPr lang="en-US" smtClean="0"/>
+              <a:t>14</a:t>
+            </a:fld>
+            <a:endParaRPr lang="en-US"/>
+          </a:p>
+        </p:txBody>
+      </p:sp>
+    </p:spTree>
+    <p:extLst>
+      <p:ext uri="{BB962C8B-B14F-4D97-AF65-F5344CB8AC3E}">
+        <p14:creationId xmlns:p14="http://schemas.microsoft.com/office/powerpoint/2010/main" val="3699609501"/>
+      </p:ext>
+    </p:extLst>
+  </p:cSld>
+  <p:clrMapOvr>
+    <a:masterClrMapping/>
+  </p:clrMapOvr>
+</p:notes>
+</file>
+
+<file path=ppt/notesSlides/notesSlide15.xml><?xml version="1.0" encoding="utf-8"?>
+<p:notes xmlns:a="http://schemas.openxmlformats.org/drawingml/2006/main" xmlns:r="http://schemas.openxmlformats.org/officeDocument/2006/relationships" xmlns:p="http://schemas.openxmlformats.org/presentationml/2006/main">
+  <p:cSld>
+    <p:spTree>
+      <p:nvGrpSpPr>
+        <p:cNvPr id="1" name=""/>
+        <p:cNvGrpSpPr/>
+        <p:nvPr/>
+      </p:nvGrpSpPr>
+      <p:grpSpPr>
+        <a:xfrm>
+          <a:off x="0" y="0"/>
+          <a:ext cx="0" cy="0"/>
+          <a:chOff x="0" y="0"/>
+          <a:chExt cx="0" cy="0"/>
+        </a:xfrm>
+      </p:grpSpPr>
+      <p:sp>
+        <p:nvSpPr>
+          <p:cNvPr id="2" name="Slide Image Placeholder 1"/>
+          <p:cNvSpPr>
+            <a:spLocks noGrp="1" noRot="1" noChangeAspect="1"/>
+          </p:cNvSpPr>
+          <p:nvPr>
+            <p:ph type="sldImg"/>
+          </p:nvPr>
+        </p:nvSpPr>
+        <p:spPr/>
+      </p:sp>
+      <p:sp>
+        <p:nvSpPr>
+          <p:cNvPr id="3" name="Notes Placeholder 2"/>
+          <p:cNvSpPr>
+            <a:spLocks noGrp="1"/>
+          </p:cNvSpPr>
+          <p:nvPr>
+            <p:ph type="body" idx="1"/>
+          </p:nvPr>
+        </p:nvSpPr>
+        <p:spPr/>
+        <p:txBody>
+          <a:bodyPr/>
+          <a:lstStyle/>
+          <a:p>
+            <a:endParaRPr lang="en-US"/>
+          </a:p>
+        </p:txBody>
+      </p:sp>
+      <p:sp>
+        <p:nvSpPr>
+          <p:cNvPr id="4" name="Slide Number Placeholder 3"/>
+          <p:cNvSpPr>
+            <a:spLocks noGrp="1"/>
+          </p:cNvSpPr>
+          <p:nvPr>
+            <p:ph type="sldNum" sz="quarter" idx="10"/>
+          </p:nvPr>
+        </p:nvSpPr>
+        <p:spPr/>
+        <p:txBody>
+          <a:bodyPr/>
+          <a:lstStyle/>
+          <a:p>
+            <a:fld id="{4BD8E522-60E3-4197-854A-59687A623685}" type="slidenum">
+              <a:rPr lang="en-US" smtClean="0"/>
+              <a:t>15</a:t>
+            </a:fld>
+            <a:endParaRPr lang="en-US"/>
+          </a:p>
+        </p:txBody>
+      </p:sp>
+    </p:spTree>
+    <p:extLst>
+      <p:ext uri="{BB962C8B-B14F-4D97-AF65-F5344CB8AC3E}">
+        <p14:creationId xmlns:p14="http://schemas.microsoft.com/office/powerpoint/2010/main" val="1061819801"/>
+      </p:ext>
+    </p:extLst>
+  </p:cSld>
+  <p:clrMapOvr>
+    <a:masterClrMapping/>
+  </p:clrMapOvr>
+</p:notes>
+</file>
+
+<file path=ppt/notesSlides/notesSlide16.xml><?xml version="1.0" encoding="utf-8"?>
+<p:notes xmlns:a="http://schemas.openxmlformats.org/drawingml/2006/main" xmlns:r="http://schemas.openxmlformats.org/officeDocument/2006/relationships" xmlns:p="http://schemas.openxmlformats.org/presentationml/2006/main">
+  <p:cSld>
+    <p:spTree>
+      <p:nvGrpSpPr>
+        <p:cNvPr id="1" name=""/>
+        <p:cNvGrpSpPr/>
+        <p:nvPr/>
+      </p:nvGrpSpPr>
+      <p:grpSpPr>
+        <a:xfrm>
+          <a:off x="0" y="0"/>
+          <a:ext cx="0" cy="0"/>
+          <a:chOff x="0" y="0"/>
+          <a:chExt cx="0" cy="0"/>
+        </a:xfrm>
+      </p:grpSpPr>
+      <p:sp>
+        <p:nvSpPr>
+          <p:cNvPr id="2" name="Slide Image Placeholder 1"/>
+          <p:cNvSpPr>
+            <a:spLocks noGrp="1" noRot="1" noChangeAspect="1"/>
+          </p:cNvSpPr>
+          <p:nvPr>
+            <p:ph type="sldImg"/>
+          </p:nvPr>
+        </p:nvSpPr>
+        <p:spPr/>
+      </p:sp>
+      <p:sp>
+        <p:nvSpPr>
+          <p:cNvPr id="3" name="Notes Placeholder 2"/>
+          <p:cNvSpPr>
+            <a:spLocks noGrp="1"/>
+          </p:cNvSpPr>
+          <p:nvPr>
+            <p:ph type="body" idx="1"/>
+          </p:nvPr>
+        </p:nvSpPr>
+        <p:spPr/>
+        <p:txBody>
+          <a:bodyPr/>
+          <a:lstStyle/>
+          <a:p>
+            <a:endParaRPr lang="en-US"/>
+          </a:p>
+        </p:txBody>
+      </p:sp>
+      <p:sp>
+        <p:nvSpPr>
+          <p:cNvPr id="4" name="Slide Number Placeholder 3"/>
+          <p:cNvSpPr>
+            <a:spLocks noGrp="1"/>
+          </p:cNvSpPr>
+          <p:nvPr>
+            <p:ph type="sldNum" sz="quarter" idx="10"/>
+          </p:nvPr>
+        </p:nvSpPr>
+        <p:spPr/>
+        <p:txBody>
+          <a:bodyPr/>
+          <a:lstStyle/>
+          <a:p>
+            <a:fld id="{4BD8E522-60E3-4197-854A-59687A623685}" type="slidenum">
+              <a:rPr lang="en-US" smtClean="0"/>
+              <a:t>16</a:t>
+            </a:fld>
+            <a:endParaRPr lang="en-US"/>
+          </a:p>
+        </p:txBody>
+      </p:sp>
+    </p:spTree>
+    <p:extLst>
+      <p:ext uri="{BB962C8B-B14F-4D97-AF65-F5344CB8AC3E}">
+        <p14:creationId xmlns:p14="http://schemas.microsoft.com/office/powerpoint/2010/main" val="366642946"/>
+      </p:ext>
+    </p:extLst>
+  </p:cSld>
+  <p:clrMapOvr>
+    <a:masterClrMapping/>
+  </p:clrMapOvr>
+</p:notes>
+</file>
+
+<file path=ppt/notesSlides/notesSlide17.xml><?xml version="1.0" encoding="utf-8"?>
+<p:notes xmlns:a="http://schemas.openxmlformats.org/drawingml/2006/main" xmlns:r="http://schemas.openxmlformats.org/officeDocument/2006/relationships" xmlns:p="http://schemas.openxmlformats.org/presentationml/2006/main">
+  <p:cSld>
+    <p:spTree>
+      <p:nvGrpSpPr>
+        <p:cNvPr id="1" name=""/>
+        <p:cNvGrpSpPr/>
+        <p:nvPr/>
+      </p:nvGrpSpPr>
+      <p:grpSpPr>
+        <a:xfrm>
+          <a:off x="0" y="0"/>
+          <a:ext cx="0" cy="0"/>
+          <a:chOff x="0" y="0"/>
+          <a:chExt cx="0" cy="0"/>
+        </a:xfrm>
+      </p:grpSpPr>
+      <p:sp>
+        <p:nvSpPr>
+          <p:cNvPr id="2" name="Slide Image Placeholder 1"/>
+          <p:cNvSpPr>
+            <a:spLocks noGrp="1" noRot="1" noChangeAspect="1"/>
+          </p:cNvSpPr>
+          <p:nvPr>
+            <p:ph type="sldImg"/>
+          </p:nvPr>
+        </p:nvSpPr>
+        <p:spPr/>
+      </p:sp>
+      <p:sp>
+        <p:nvSpPr>
+          <p:cNvPr id="3" name="Notes Placeholder 2"/>
+          <p:cNvSpPr>
+            <a:spLocks noGrp="1"/>
+          </p:cNvSpPr>
+          <p:nvPr>
+            <p:ph type="body" idx="1"/>
+          </p:nvPr>
+        </p:nvSpPr>
+        <p:spPr/>
+        <p:txBody>
+          <a:bodyPr/>
+          <a:lstStyle/>
+          <a:p>
+            <a:endParaRPr lang="en-US"/>
+          </a:p>
+        </p:txBody>
+      </p:sp>
+      <p:sp>
+        <p:nvSpPr>
+          <p:cNvPr id="4" name="Slide Number Placeholder 3"/>
+          <p:cNvSpPr>
+            <a:spLocks noGrp="1"/>
+          </p:cNvSpPr>
+          <p:nvPr>
+            <p:ph type="sldNum" sz="quarter" idx="10"/>
+          </p:nvPr>
+        </p:nvSpPr>
+        <p:spPr/>
+        <p:txBody>
+          <a:bodyPr/>
+          <a:lstStyle/>
+          <a:p>
+            <a:fld id="{4BD8E522-60E3-4197-854A-59687A623685}" type="slidenum">
+              <a:rPr lang="en-US" smtClean="0"/>
+              <a:t>17</a:t>
+            </a:fld>
+            <a:endParaRPr lang="en-US"/>
+          </a:p>
+        </p:txBody>
+      </p:sp>
+    </p:spTree>
+    <p:extLst>
+      <p:ext uri="{BB962C8B-B14F-4D97-AF65-F5344CB8AC3E}">
+        <p14:creationId xmlns:p14="http://schemas.microsoft.com/office/powerpoint/2010/main" val="2890314596"/>
+      </p:ext>
+    </p:extLst>
+  </p:cSld>
+  <p:clrMapOvr>
+    <a:masterClrMapping/>
+  </p:clrMapOvr>
+</p:notes>
+</file>
+
+<file path=ppt/notesSlides/notesSlide18.xml><?xml version="1.0" encoding="utf-8"?>
+<p:notes xmlns:a="http://schemas.openxmlformats.org/drawingml/2006/main" xmlns:r="http://schemas.openxmlformats.org/officeDocument/2006/relationships" xmlns:p="http://schemas.openxmlformats.org/presentationml/2006/main">
+  <p:cSld>
+    <p:spTree>
+      <p:nvGrpSpPr>
+        <p:cNvPr id="1" name=""/>
+        <p:cNvGrpSpPr/>
+        <p:nvPr/>
+      </p:nvGrpSpPr>
+      <p:grpSpPr>
+        <a:xfrm>
+          <a:off x="0" y="0"/>
+          <a:ext cx="0" cy="0"/>
+          <a:chOff x="0" y="0"/>
+          <a:chExt cx="0" cy="0"/>
+        </a:xfrm>
+      </p:grpSpPr>
+      <p:sp>
+        <p:nvSpPr>
+          <p:cNvPr id="2" name="Slide Image Placeholder 1"/>
+          <p:cNvSpPr>
+            <a:spLocks noGrp="1" noRot="1" noChangeAspect="1"/>
+          </p:cNvSpPr>
+          <p:nvPr>
+            <p:ph type="sldImg"/>
+          </p:nvPr>
+        </p:nvSpPr>
+        <p:spPr/>
+      </p:sp>
+      <p:sp>
+        <p:nvSpPr>
+          <p:cNvPr id="3" name="Notes Placeholder 2"/>
+          <p:cNvSpPr>
+            <a:spLocks noGrp="1"/>
+          </p:cNvSpPr>
+          <p:nvPr>
+            <p:ph type="body" idx="1"/>
+          </p:nvPr>
+        </p:nvSpPr>
+        <p:spPr/>
+        <p:txBody>
+          <a:bodyPr/>
+          <a:lstStyle/>
+          <a:p>
+            <a:endParaRPr lang="en-US"/>
+          </a:p>
+        </p:txBody>
+      </p:sp>
+      <p:sp>
+        <p:nvSpPr>
+          <p:cNvPr id="4" name="Slide Number Placeholder 3"/>
+          <p:cNvSpPr>
+            <a:spLocks noGrp="1"/>
+          </p:cNvSpPr>
+          <p:nvPr>
+            <p:ph type="sldNum" sz="quarter" idx="10"/>
+          </p:nvPr>
+        </p:nvSpPr>
+        <p:spPr/>
+        <p:txBody>
+          <a:bodyPr/>
+          <a:lstStyle/>
+          <a:p>
+            <a:fld id="{4BD8E522-60E3-4197-854A-59687A623685}" type="slidenum">
+              <a:rPr lang="en-US" smtClean="0"/>
+              <a:t>18</a:t>
+            </a:fld>
+            <a:endParaRPr lang="en-US"/>
+          </a:p>
+        </p:txBody>
+      </p:sp>
+    </p:spTree>
+    <p:extLst>
+      <p:ext uri="{BB962C8B-B14F-4D97-AF65-F5344CB8AC3E}">
+        <p14:creationId xmlns:p14="http://schemas.microsoft.com/office/powerpoint/2010/main" val="1842904820"/>
+      </p:ext>
+    </p:extLst>
+  </p:cSld>
+  <p:clrMapOvr>
+    <a:masterClrMapping/>
+  </p:clrMapOvr>
+</p:notes>
+</file>
+
+<file path=ppt/notesSlides/notesSlide19.xml><?xml version="1.0" encoding="utf-8"?>
+<p:notes xmlns:a="http://schemas.openxmlformats.org/drawingml/2006/main" xmlns:r="http://schemas.openxmlformats.org/officeDocument/2006/relationships" xmlns:p="http://schemas.openxmlformats.org/presentationml/2006/main">
+  <p:cSld>
+    <p:spTree>
+      <p:nvGrpSpPr>
+        <p:cNvPr id="1" name=""/>
+        <p:cNvGrpSpPr/>
+        <p:nvPr/>
+      </p:nvGrpSpPr>
+      <p:grpSpPr>
+        <a:xfrm>
+          <a:off x="0" y="0"/>
+          <a:ext cx="0" cy="0"/>
+          <a:chOff x="0" y="0"/>
+          <a:chExt cx="0" cy="0"/>
+        </a:xfrm>
+      </p:grpSpPr>
+      <p:sp>
+        <p:nvSpPr>
+          <p:cNvPr id="2" name="Slide Image Placeholder 1"/>
+          <p:cNvSpPr>
+            <a:spLocks noGrp="1" noRot="1" noChangeAspect="1"/>
+          </p:cNvSpPr>
+          <p:nvPr>
+            <p:ph type="sldImg"/>
+          </p:nvPr>
+        </p:nvSpPr>
+        <p:spPr/>
+      </p:sp>
+      <p:sp>
+        <p:nvSpPr>
+          <p:cNvPr id="3" name="Notes Placeholder 2"/>
+          <p:cNvSpPr>
+            <a:spLocks noGrp="1"/>
+          </p:cNvSpPr>
+          <p:nvPr>
+            <p:ph type="body" idx="1"/>
+          </p:nvPr>
+        </p:nvSpPr>
+        <p:spPr/>
+        <p:txBody>
+          <a:bodyPr/>
+          <a:lstStyle/>
+          <a:p>
+            <a:endParaRPr lang="en-US"/>
+          </a:p>
+        </p:txBody>
+      </p:sp>
+      <p:sp>
+        <p:nvSpPr>
+          <p:cNvPr id="4" name="Slide Number Placeholder 3"/>
+          <p:cNvSpPr>
+            <a:spLocks noGrp="1"/>
+          </p:cNvSpPr>
+          <p:nvPr>
+            <p:ph type="sldNum" sz="quarter" idx="10"/>
+          </p:nvPr>
+        </p:nvSpPr>
+        <p:spPr/>
+        <p:txBody>
+          <a:bodyPr/>
+          <a:lstStyle/>
+          <a:p>
+            <a:fld id="{4BD8E522-60E3-4197-854A-59687A623685}" type="slidenum">
+              <a:rPr lang="en-US" smtClean="0"/>
+              <a:t>19</a:t>
+            </a:fld>
+            <a:endParaRPr lang="en-US"/>
+          </a:p>
+        </p:txBody>
+      </p:sp>
+    </p:spTree>
+    <p:extLst>
+      <p:ext uri="{BB962C8B-B14F-4D97-AF65-F5344CB8AC3E}">
+        <p14:creationId xmlns:p14="http://schemas.microsoft.com/office/powerpoint/2010/main" val="940751834"/>
+      </p:ext>
+    </p:extLst>
+  </p:cSld>
+  <p:clrMapOvr>
+    <a:masterClrMapping/>
+  </p:clrMapOvr>
+</p:notes>
+</file>
+
+<file path=ppt/notesSlides/notesSlide2.xml><?xml version="1.0" encoding="utf-8"?>
+<p:notes xmlns:a="http://schemas.openxmlformats.org/drawingml/2006/main" xmlns:r="http://schemas.openxmlformats.org/officeDocument/2006/relationships" xmlns:p="http://schemas.openxmlformats.org/presentationml/2006/main">
+  <p:cSld>
+    <p:spTree>
+      <p:nvGrpSpPr>
+        <p:cNvPr id="1" name=""/>
+        <p:cNvGrpSpPr/>
+        <p:nvPr/>
+      </p:nvGrpSpPr>
+      <p:grpSpPr>
+        <a:xfrm>
+          <a:off x="0" y="0"/>
+          <a:ext cx="0" cy="0"/>
+          <a:chOff x="0" y="0"/>
+          <a:chExt cx="0" cy="0"/>
+        </a:xfrm>
+      </p:grpSpPr>
+      <p:sp>
+        <p:nvSpPr>
+          <p:cNvPr id="2" name="Slide Image Placeholder 1"/>
+          <p:cNvSpPr>
+            <a:spLocks noGrp="1" noRot="1" noChangeAspect="1"/>
+          </p:cNvSpPr>
+          <p:nvPr>
+            <p:ph type="sldImg"/>
+          </p:nvPr>
+        </p:nvSpPr>
+        <p:spPr/>
+      </p:sp>
+      <p:sp>
+        <p:nvSpPr>
+          <p:cNvPr id="3" name="Notes Placeholder 2"/>
+          <p:cNvSpPr>
+            <a:spLocks noGrp="1"/>
+          </p:cNvSpPr>
+          <p:nvPr>
+            <p:ph type="body" idx="1"/>
+          </p:nvPr>
+        </p:nvSpPr>
+        <p:spPr/>
+        <p:txBody>
+          <a:bodyPr/>
+          <a:lstStyle/>
+          <a:p>
+            <a:endParaRPr lang="en-US"/>
+          </a:p>
+        </p:txBody>
+      </p:sp>
+      <p:sp>
+        <p:nvSpPr>
+          <p:cNvPr id="4" name="Slide Number Placeholder 3"/>
+          <p:cNvSpPr>
+            <a:spLocks noGrp="1"/>
+          </p:cNvSpPr>
+          <p:nvPr>
+            <p:ph type="sldNum" sz="quarter" idx="10"/>
+          </p:nvPr>
+        </p:nvSpPr>
+        <p:spPr/>
+        <p:txBody>
+          <a:bodyPr/>
+          <a:lstStyle/>
+          <a:p>
+            <a:fld id="{4BD8E522-60E3-4197-854A-59687A623685}" type="slidenum">
+              <a:rPr lang="en-US" smtClean="0"/>
+              <a:t>2</a:t>
+            </a:fld>
+            <a:endParaRPr lang="en-US"/>
+          </a:p>
+        </p:txBody>
+      </p:sp>
+    </p:spTree>
+    <p:extLst>
+      <p:ext uri="{BB962C8B-B14F-4D97-AF65-F5344CB8AC3E}">
+        <p14:creationId xmlns:p14="http://schemas.microsoft.com/office/powerpoint/2010/main" val="1313764303"/>
+      </p:ext>
+    </p:extLst>
+  </p:cSld>
+  <p:clrMapOvr>
+    <a:masterClrMapping/>
+  </p:clrMapOvr>
+</p:notes>
+</file>
+
+<file path=ppt/notesSlides/notesSlide20.xml><?xml version="1.0" encoding="utf-8"?>
+<p:notes xmlns:a="http://schemas.openxmlformats.org/drawingml/2006/main" xmlns:r="http://schemas.openxmlformats.org/officeDocument/2006/relationships" xmlns:p="http://schemas.openxmlformats.org/presentationml/2006/main">
+  <p:cSld>
+    <p:spTree>
+      <p:nvGrpSpPr>
+        <p:cNvPr id="1" name=""/>
+        <p:cNvGrpSpPr/>
+        <p:nvPr/>
+      </p:nvGrpSpPr>
+      <p:grpSpPr>
+        <a:xfrm>
+          <a:off x="0" y="0"/>
+          <a:ext cx="0" cy="0"/>
+          <a:chOff x="0" y="0"/>
+          <a:chExt cx="0" cy="0"/>
+        </a:xfrm>
+      </p:grpSpPr>
+      <p:sp>
+        <p:nvSpPr>
+          <p:cNvPr id="2" name="Slide Image Placeholder 1"/>
+          <p:cNvSpPr>
+            <a:spLocks noGrp="1" noRot="1" noChangeAspect="1"/>
+          </p:cNvSpPr>
+          <p:nvPr>
+            <p:ph type="sldImg"/>
+          </p:nvPr>
+        </p:nvSpPr>
+        <p:spPr/>
+      </p:sp>
+      <p:sp>
+        <p:nvSpPr>
+          <p:cNvPr id="3" name="Notes Placeholder 2"/>
+          <p:cNvSpPr>
+            <a:spLocks noGrp="1"/>
+          </p:cNvSpPr>
+          <p:nvPr>
+            <p:ph type="body" idx="1"/>
+          </p:nvPr>
+        </p:nvSpPr>
+        <p:spPr/>
+        <p:txBody>
+          <a:bodyPr/>
+          <a:lstStyle/>
+          <a:p>
+            <a:endParaRPr lang="en-US"/>
+          </a:p>
+        </p:txBody>
+      </p:sp>
+      <p:sp>
+        <p:nvSpPr>
+          <p:cNvPr id="4" name="Slide Number Placeholder 3"/>
+          <p:cNvSpPr>
+            <a:spLocks noGrp="1"/>
+          </p:cNvSpPr>
+          <p:nvPr>
+            <p:ph type="sldNum" sz="quarter" idx="10"/>
+          </p:nvPr>
+        </p:nvSpPr>
+        <p:spPr/>
+        <p:txBody>
+          <a:bodyPr/>
+          <a:lstStyle/>
+          <a:p>
+            <a:fld id="{4BD8E522-60E3-4197-854A-59687A623685}" type="slidenum">
+              <a:rPr lang="en-US" smtClean="0"/>
+              <a:t>20</a:t>
+            </a:fld>
+            <a:endParaRPr lang="en-US"/>
+          </a:p>
+        </p:txBody>
+      </p:sp>
+    </p:spTree>
+    <p:extLst>
+      <p:ext uri="{BB962C8B-B14F-4D97-AF65-F5344CB8AC3E}">
+        <p14:creationId xmlns:p14="http://schemas.microsoft.com/office/powerpoint/2010/main" val="1857368084"/>
+      </p:ext>
+    </p:extLst>
+  </p:cSld>
+  <p:clrMapOvr>
+    <a:masterClrMapping/>
+  </p:clrMapOvr>
+</p:notes>
+</file>
+
+<file path=ppt/notesSlides/notesSlide21.xml><?xml version="1.0" encoding="utf-8"?>
+<p:notes xmlns:a="http://schemas.openxmlformats.org/drawingml/2006/main" xmlns:r="http://schemas.openxmlformats.org/officeDocument/2006/relationships" xmlns:p="http://schemas.openxmlformats.org/presentationml/2006/main">
+  <p:cSld>
+    <p:spTree>
+      <p:nvGrpSpPr>
+        <p:cNvPr id="1" name=""/>
+        <p:cNvGrpSpPr/>
+        <p:nvPr/>
+      </p:nvGrpSpPr>
+      <p:grpSpPr>
+        <a:xfrm>
+          <a:off x="0" y="0"/>
+          <a:ext cx="0" cy="0"/>
+          <a:chOff x="0" y="0"/>
+          <a:chExt cx="0" cy="0"/>
+        </a:xfrm>
+      </p:grpSpPr>
+      <p:sp>
+        <p:nvSpPr>
+          <p:cNvPr id="2" name="Slide Image Placeholder 1"/>
+          <p:cNvSpPr>
+            <a:spLocks noGrp="1" noRot="1" noChangeAspect="1"/>
+          </p:cNvSpPr>
+          <p:nvPr>
+            <p:ph type="sldImg"/>
+          </p:nvPr>
+        </p:nvSpPr>
+        <p:spPr/>
+      </p:sp>
+      <p:sp>
+        <p:nvSpPr>
+          <p:cNvPr id="3" name="Notes Placeholder 2"/>
+          <p:cNvSpPr>
+            <a:spLocks noGrp="1"/>
+          </p:cNvSpPr>
+          <p:nvPr>
+            <p:ph type="body" idx="1"/>
+          </p:nvPr>
+        </p:nvSpPr>
+        <p:spPr/>
+        <p:txBody>
+          <a:bodyPr/>
+          <a:lstStyle/>
+          <a:p>
+            <a:endParaRPr lang="en-US"/>
+          </a:p>
+        </p:txBody>
+      </p:sp>
+      <p:sp>
+        <p:nvSpPr>
+          <p:cNvPr id="4" name="Slide Number Placeholder 3"/>
+          <p:cNvSpPr>
+            <a:spLocks noGrp="1"/>
+          </p:cNvSpPr>
+          <p:nvPr>
+            <p:ph type="sldNum" sz="quarter" idx="10"/>
+          </p:nvPr>
+        </p:nvSpPr>
+        <p:spPr/>
+        <p:txBody>
+          <a:bodyPr/>
+          <a:lstStyle/>
+          <a:p>
+            <a:fld id="{4BD8E522-60E3-4197-854A-59687A623685}" type="slidenum">
+              <a:rPr lang="en-US" smtClean="0"/>
+              <a:t>21</a:t>
+            </a:fld>
+            <a:endParaRPr lang="en-US"/>
+          </a:p>
+        </p:txBody>
+      </p:sp>
+    </p:spTree>
+    <p:extLst>
+      <p:ext uri="{BB962C8B-B14F-4D97-AF65-F5344CB8AC3E}">
+        <p14:creationId xmlns:p14="http://schemas.microsoft.com/office/powerpoint/2010/main" val="1650334873"/>
+      </p:ext>
+    </p:extLst>
+  </p:cSld>
+  <p:clrMapOvr>
+    <a:masterClrMapping/>
+  </p:clrMapOvr>
+</p:notes>
+</file>
+
+<file path=ppt/notesSlides/notesSlide22.xml><?xml version="1.0" encoding="utf-8"?>
+<p:notes xmlns:a="http://schemas.openxmlformats.org/drawingml/2006/main" xmlns:r="http://schemas.openxmlformats.org/officeDocument/2006/relationships" xmlns:p="http://schemas.openxmlformats.org/presentationml/2006/main">
+  <p:cSld>
+    <p:spTree>
+      <p:nvGrpSpPr>
+        <p:cNvPr id="1" name=""/>
+        <p:cNvGrpSpPr/>
+        <p:nvPr/>
+      </p:nvGrpSpPr>
+      <p:grpSpPr>
+        <a:xfrm>
+          <a:off x="0" y="0"/>
+          <a:ext cx="0" cy="0"/>
+          <a:chOff x="0" y="0"/>
+          <a:chExt cx="0" cy="0"/>
+        </a:xfrm>
+      </p:grpSpPr>
+      <p:sp>
+        <p:nvSpPr>
+          <p:cNvPr id="2" name="Slide Image Placeholder 1"/>
+          <p:cNvSpPr>
+            <a:spLocks noGrp="1" noRot="1" noChangeAspect="1"/>
+          </p:cNvSpPr>
+          <p:nvPr>
+            <p:ph type="sldImg"/>
+          </p:nvPr>
+        </p:nvSpPr>
+        <p:spPr/>
+      </p:sp>
+      <p:sp>
+        <p:nvSpPr>
+          <p:cNvPr id="3" name="Notes Placeholder 2"/>
+          <p:cNvSpPr>
+            <a:spLocks noGrp="1"/>
+          </p:cNvSpPr>
+          <p:nvPr>
+            <p:ph type="body" idx="1"/>
+          </p:nvPr>
+        </p:nvSpPr>
+        <p:spPr/>
+        <p:txBody>
+          <a:bodyPr/>
+          <a:lstStyle/>
+          <a:p>
+            <a:endParaRPr lang="en-US"/>
+          </a:p>
+        </p:txBody>
+      </p:sp>
+      <p:sp>
+        <p:nvSpPr>
+          <p:cNvPr id="4" name="Slide Number Placeholder 3"/>
+          <p:cNvSpPr>
+            <a:spLocks noGrp="1"/>
+          </p:cNvSpPr>
+          <p:nvPr>
+            <p:ph type="sldNum" sz="quarter" idx="10"/>
+          </p:nvPr>
+        </p:nvSpPr>
+        <p:spPr/>
+        <p:txBody>
+          <a:bodyPr/>
+          <a:lstStyle/>
+          <a:p>
+            <a:fld id="{4BD8E522-60E3-4197-854A-59687A623685}" type="slidenum">
+              <a:rPr lang="en-US" smtClean="0"/>
+              <a:t>22</a:t>
+            </a:fld>
+            <a:endParaRPr lang="en-US"/>
+          </a:p>
+        </p:txBody>
+      </p:sp>
+    </p:spTree>
+    <p:extLst>
+      <p:ext uri="{BB962C8B-B14F-4D97-AF65-F5344CB8AC3E}">
+        <p14:creationId xmlns:p14="http://schemas.microsoft.com/office/powerpoint/2010/main" val="3884380138"/>
+      </p:ext>
+    </p:extLst>
+  </p:cSld>
+  <p:clrMapOvr>
+    <a:masterClrMapping/>
+  </p:clrMapOvr>
+</p:notes>
+</file>
+
+<file path=ppt/notesSlides/notesSlide23.xml><?xml version="1.0" encoding="utf-8"?>
+<p:notes xmlns:a="http://schemas.openxmlformats.org/drawingml/2006/main" xmlns:r="http://schemas.openxmlformats.org/officeDocument/2006/relationships" xmlns:p="http://schemas.openxmlformats.org/presentationml/2006/main">
+  <p:cSld>
+    <p:spTree>
+      <p:nvGrpSpPr>
+        <p:cNvPr id="1" name=""/>
+        <p:cNvGrpSpPr/>
+        <p:nvPr/>
+      </p:nvGrpSpPr>
+      <p:grpSpPr>
+        <a:xfrm>
+          <a:off x="0" y="0"/>
+          <a:ext cx="0" cy="0"/>
+          <a:chOff x="0" y="0"/>
+          <a:chExt cx="0" cy="0"/>
+        </a:xfrm>
+      </p:grpSpPr>
+      <p:sp>
+        <p:nvSpPr>
+          <p:cNvPr id="2" name="Slide Image Placeholder 1"/>
+          <p:cNvSpPr>
+            <a:spLocks noGrp="1" noRot="1" noChangeAspect="1"/>
+          </p:cNvSpPr>
+          <p:nvPr>
+            <p:ph type="sldImg"/>
+          </p:nvPr>
+        </p:nvSpPr>
+        <p:spPr/>
+      </p:sp>
+      <p:sp>
+        <p:nvSpPr>
+          <p:cNvPr id="3" name="Notes Placeholder 2"/>
+          <p:cNvSpPr>
+            <a:spLocks noGrp="1"/>
+          </p:cNvSpPr>
+          <p:nvPr>
+            <p:ph type="body" idx="1"/>
+          </p:nvPr>
+        </p:nvSpPr>
+        <p:spPr/>
+        <p:txBody>
+          <a:bodyPr/>
+          <a:lstStyle/>
+          <a:p>
+            <a:endParaRPr lang="en-US"/>
+          </a:p>
+        </p:txBody>
+      </p:sp>
+      <p:sp>
+        <p:nvSpPr>
+          <p:cNvPr id="4" name="Slide Number Placeholder 3"/>
+          <p:cNvSpPr>
+            <a:spLocks noGrp="1"/>
+          </p:cNvSpPr>
+          <p:nvPr>
+            <p:ph type="sldNum" sz="quarter" idx="10"/>
+          </p:nvPr>
+        </p:nvSpPr>
+        <p:spPr/>
+        <p:txBody>
+          <a:bodyPr/>
+          <a:lstStyle/>
+          <a:p>
+            <a:fld id="{4BD8E522-60E3-4197-854A-59687A623685}" type="slidenum">
+              <a:rPr lang="en-US" smtClean="0"/>
+              <a:t>23</a:t>
+            </a:fld>
+            <a:endParaRPr lang="en-US"/>
+          </a:p>
+        </p:txBody>
+      </p:sp>
+    </p:spTree>
+    <p:extLst>
+      <p:ext uri="{BB962C8B-B14F-4D97-AF65-F5344CB8AC3E}">
+        <p14:creationId xmlns:p14="http://schemas.microsoft.com/office/powerpoint/2010/main" val="2910547948"/>
+      </p:ext>
+    </p:extLst>
+  </p:cSld>
+  <p:clrMapOvr>
+    <a:masterClrMapping/>
+  </p:clrMapOvr>
+</p:notes>
+</file>
+
+<file path=ppt/notesSlides/notesSlide24.xml><?xml version="1.0" encoding="utf-8"?>
+<p:notes xmlns:a="http://schemas.openxmlformats.org/drawingml/2006/main" xmlns:r="http://schemas.openxmlformats.org/officeDocument/2006/relationships" xmlns:p="http://schemas.openxmlformats.org/presentationml/2006/main">
+  <p:cSld>
+    <p:spTree>
+      <p:nvGrpSpPr>
+        <p:cNvPr id="1" name=""/>
+        <p:cNvGrpSpPr/>
+        <p:nvPr/>
+      </p:nvGrpSpPr>
+      <p:grpSpPr>
+        <a:xfrm>
+          <a:off x="0" y="0"/>
+          <a:ext cx="0" cy="0"/>
+          <a:chOff x="0" y="0"/>
+          <a:chExt cx="0" cy="0"/>
+        </a:xfrm>
+      </p:grpSpPr>
+      <p:sp>
+        <p:nvSpPr>
+          <p:cNvPr id="2" name="Slide Image Placeholder 1"/>
+          <p:cNvSpPr>
+            <a:spLocks noGrp="1" noRot="1" noChangeAspect="1"/>
+          </p:cNvSpPr>
+          <p:nvPr>
+            <p:ph type="sldImg"/>
+          </p:nvPr>
+        </p:nvSpPr>
+        <p:spPr/>
+      </p:sp>
+      <p:sp>
+        <p:nvSpPr>
+          <p:cNvPr id="3" name="Notes Placeholder 2"/>
+          <p:cNvSpPr>
+            <a:spLocks noGrp="1"/>
+          </p:cNvSpPr>
+          <p:nvPr>
+            <p:ph type="body" idx="1"/>
+          </p:nvPr>
+        </p:nvSpPr>
+        <p:spPr/>
+        <p:txBody>
+          <a:bodyPr/>
+          <a:lstStyle/>
+          <a:p>
+            <a:endParaRPr lang="en-US"/>
+          </a:p>
+        </p:txBody>
+      </p:sp>
+      <p:sp>
+        <p:nvSpPr>
+          <p:cNvPr id="4" name="Slide Number Placeholder 3"/>
+          <p:cNvSpPr>
+            <a:spLocks noGrp="1"/>
+          </p:cNvSpPr>
+          <p:nvPr>
+            <p:ph type="sldNum" sz="quarter" idx="10"/>
+          </p:nvPr>
+        </p:nvSpPr>
+        <p:spPr/>
+        <p:txBody>
+          <a:bodyPr/>
+          <a:lstStyle/>
+          <a:p>
+            <a:fld id="{4BD8E522-60E3-4197-854A-59687A623685}" type="slidenum">
+              <a:rPr lang="en-US" smtClean="0"/>
+              <a:t>24</a:t>
+            </a:fld>
+            <a:endParaRPr lang="en-US"/>
+          </a:p>
+        </p:txBody>
+      </p:sp>
+    </p:spTree>
+    <p:extLst>
+      <p:ext uri="{BB962C8B-B14F-4D97-AF65-F5344CB8AC3E}">
+        <p14:creationId xmlns:p14="http://schemas.microsoft.com/office/powerpoint/2010/main" val="192886523"/>
+      </p:ext>
+    </p:extLst>
+  </p:cSld>
+  <p:clrMapOvr>
+    <a:masterClrMapping/>
+  </p:clrMapOvr>
+</p:notes>
+</file>
+
+<file path=ppt/notesSlides/notesSlide25.xml><?xml version="1.0" encoding="utf-8"?>
+<p:notes xmlns:a="http://schemas.openxmlformats.org/drawingml/2006/main" xmlns:r="http://schemas.openxmlformats.org/officeDocument/2006/relationships" xmlns:p="http://schemas.openxmlformats.org/presentationml/2006/main">
+  <p:cSld>
+    <p:spTree>
+      <p:nvGrpSpPr>
+        <p:cNvPr id="1" name=""/>
+        <p:cNvGrpSpPr/>
+        <p:nvPr/>
+      </p:nvGrpSpPr>
+      <p:grpSpPr>
+        <a:xfrm>
+          <a:off x="0" y="0"/>
+          <a:ext cx="0" cy="0"/>
+          <a:chOff x="0" y="0"/>
+          <a:chExt cx="0" cy="0"/>
+        </a:xfrm>
+      </p:grpSpPr>
+      <p:sp>
+        <p:nvSpPr>
+          <p:cNvPr id="2" name="Slide Image Placeholder 1"/>
+          <p:cNvSpPr>
+            <a:spLocks noGrp="1" noRot="1" noChangeAspect="1"/>
+          </p:cNvSpPr>
+          <p:nvPr>
+            <p:ph type="sldImg"/>
+          </p:nvPr>
+        </p:nvSpPr>
+        <p:spPr/>
+      </p:sp>
+      <p:sp>
+        <p:nvSpPr>
+          <p:cNvPr id="3" name="Notes Placeholder 2"/>
+          <p:cNvSpPr>
+            <a:spLocks noGrp="1"/>
+          </p:cNvSpPr>
+          <p:nvPr>
+            <p:ph type="body" idx="1"/>
+          </p:nvPr>
+        </p:nvSpPr>
+        <p:spPr/>
+        <p:txBody>
+          <a:bodyPr/>
+          <a:lstStyle/>
+          <a:p>
+            <a:endParaRPr lang="en-US"/>
+          </a:p>
+        </p:txBody>
+      </p:sp>
+      <p:sp>
+        <p:nvSpPr>
+          <p:cNvPr id="4" name="Slide Number Placeholder 3"/>
+          <p:cNvSpPr>
+            <a:spLocks noGrp="1"/>
+          </p:cNvSpPr>
+          <p:nvPr>
+            <p:ph type="sldNum" sz="quarter" idx="10"/>
+          </p:nvPr>
+        </p:nvSpPr>
+        <p:spPr/>
+        <p:txBody>
+          <a:bodyPr/>
+          <a:lstStyle/>
+          <a:p>
+            <a:fld id="{4BD8E522-60E3-4197-854A-59687A623685}" type="slidenum">
+              <a:rPr lang="en-US" smtClean="0"/>
+              <a:t>25</a:t>
+            </a:fld>
+            <a:endParaRPr lang="en-US"/>
+          </a:p>
+        </p:txBody>
+      </p:sp>
+    </p:spTree>
+    <p:extLst>
+      <p:ext uri="{BB962C8B-B14F-4D97-AF65-F5344CB8AC3E}">
+        <p14:creationId xmlns:p14="http://schemas.microsoft.com/office/powerpoint/2010/main" val="2172963544"/>
+      </p:ext>
+    </p:extLst>
+  </p:cSld>
+  <p:clrMapOvr>
+    <a:masterClrMapping/>
+  </p:clrMapOvr>
+</p:notes>
+</file>
+
+<file path=ppt/notesSlides/notesSlide26.xml><?xml version="1.0" encoding="utf-8"?>
+<p:notes xmlns:a="http://schemas.openxmlformats.org/drawingml/2006/main" xmlns:r="http://schemas.openxmlformats.org/officeDocument/2006/relationships" xmlns:p="http://schemas.openxmlformats.org/presentationml/2006/main">
+  <p:cSld>
+    <p:spTree>
+      <p:nvGrpSpPr>
+        <p:cNvPr id="1" name=""/>
+        <p:cNvGrpSpPr/>
+        <p:nvPr/>
+      </p:nvGrpSpPr>
+      <p:grpSpPr>
+        <a:xfrm>
+          <a:off x="0" y="0"/>
+          <a:ext cx="0" cy="0"/>
+          <a:chOff x="0" y="0"/>
+          <a:chExt cx="0" cy="0"/>
+        </a:xfrm>
+      </p:grpSpPr>
+      <p:sp>
+        <p:nvSpPr>
+          <p:cNvPr id="2" name="Slide Image Placeholder 1"/>
+          <p:cNvSpPr>
+            <a:spLocks noGrp="1" noRot="1" noChangeAspect="1"/>
+          </p:cNvSpPr>
+          <p:nvPr>
+            <p:ph type="sldImg"/>
+          </p:nvPr>
+        </p:nvSpPr>
+        <p:spPr/>
+      </p:sp>
+      <p:sp>
+        <p:nvSpPr>
+          <p:cNvPr id="3" name="Notes Placeholder 2"/>
+          <p:cNvSpPr>
+            <a:spLocks noGrp="1"/>
+          </p:cNvSpPr>
+          <p:nvPr>
+            <p:ph type="body" idx="1"/>
+          </p:nvPr>
+        </p:nvSpPr>
+        <p:spPr/>
+        <p:txBody>
+          <a:bodyPr/>
+          <a:lstStyle/>
+          <a:p>
+            <a:endParaRPr lang="en-US"/>
+          </a:p>
+        </p:txBody>
+      </p:sp>
+      <p:sp>
+        <p:nvSpPr>
+          <p:cNvPr id="4" name="Slide Number Placeholder 3"/>
+          <p:cNvSpPr>
+            <a:spLocks noGrp="1"/>
+          </p:cNvSpPr>
+          <p:nvPr>
+            <p:ph type="sldNum" sz="quarter" idx="10"/>
+          </p:nvPr>
+        </p:nvSpPr>
+        <p:spPr/>
+        <p:txBody>
+          <a:bodyPr/>
+          <a:lstStyle/>
+          <a:p>
+            <a:fld id="{4BD8E522-60E3-4197-854A-59687A623685}" type="slidenum">
+              <a:rPr lang="en-US" smtClean="0"/>
+              <a:t>26</a:t>
+            </a:fld>
+            <a:endParaRPr lang="en-US"/>
+          </a:p>
+        </p:txBody>
+      </p:sp>
+    </p:spTree>
+    <p:extLst>
+      <p:ext uri="{BB962C8B-B14F-4D97-AF65-F5344CB8AC3E}">
+        <p14:creationId xmlns:p14="http://schemas.microsoft.com/office/powerpoint/2010/main" val="1797844256"/>
+      </p:ext>
+    </p:extLst>
+  </p:cSld>
+  <p:clrMapOvr>
+    <a:masterClrMapping/>
+  </p:clrMapOvr>
+</p:notes>
+</file>
+
+<file path=ppt/notesSlides/notesSlide27.xml><?xml version="1.0" encoding="utf-8"?>
+<p:notes xmlns:a="http://schemas.openxmlformats.org/drawingml/2006/main" xmlns:r="http://schemas.openxmlformats.org/officeDocument/2006/relationships" xmlns:p="http://schemas.openxmlformats.org/presentationml/2006/main">
+  <p:cSld>
+    <p:spTree>
+      <p:nvGrpSpPr>
+        <p:cNvPr id="1" name=""/>
+        <p:cNvGrpSpPr/>
+        <p:nvPr/>
+      </p:nvGrpSpPr>
+      <p:grpSpPr>
+        <a:xfrm>
+          <a:off x="0" y="0"/>
+          <a:ext cx="0" cy="0"/>
+          <a:chOff x="0" y="0"/>
+          <a:chExt cx="0" cy="0"/>
+        </a:xfrm>
+      </p:grpSpPr>
+      <p:sp>
+        <p:nvSpPr>
+          <p:cNvPr id="2" name="Slide Image Placeholder 1"/>
+          <p:cNvSpPr>
+            <a:spLocks noGrp="1" noRot="1" noChangeAspect="1"/>
+          </p:cNvSpPr>
+          <p:nvPr>
+            <p:ph type="sldImg"/>
+          </p:nvPr>
+        </p:nvSpPr>
+        <p:spPr/>
+      </p:sp>
+      <p:sp>
+        <p:nvSpPr>
+          <p:cNvPr id="3" name="Notes Placeholder 2"/>
+          <p:cNvSpPr>
+            <a:spLocks noGrp="1"/>
+          </p:cNvSpPr>
+          <p:nvPr>
+            <p:ph type="body" idx="1"/>
+          </p:nvPr>
+        </p:nvSpPr>
+        <p:spPr/>
+        <p:txBody>
+          <a:bodyPr/>
+          <a:lstStyle/>
+          <a:p>
+            <a:endParaRPr lang="en-US"/>
+          </a:p>
+        </p:txBody>
+      </p:sp>
+      <p:sp>
+        <p:nvSpPr>
+          <p:cNvPr id="4" name="Slide Number Placeholder 3"/>
+          <p:cNvSpPr>
+            <a:spLocks noGrp="1"/>
+          </p:cNvSpPr>
+          <p:nvPr>
+            <p:ph type="sldNum" sz="quarter" idx="10"/>
+          </p:nvPr>
+        </p:nvSpPr>
+        <p:spPr/>
+        <p:txBody>
+          <a:bodyPr/>
+          <a:lstStyle/>
+          <a:p>
+            <a:fld id="{4BD8E522-60E3-4197-854A-59687A623685}" type="slidenum">
+              <a:rPr lang="en-US" smtClean="0"/>
+              <a:t>27</a:t>
+            </a:fld>
+            <a:endParaRPr lang="en-US"/>
+          </a:p>
+        </p:txBody>
+      </p:sp>
+    </p:spTree>
+    <p:extLst>
+      <p:ext uri="{BB962C8B-B14F-4D97-AF65-F5344CB8AC3E}">
+        <p14:creationId xmlns:p14="http://schemas.microsoft.com/office/powerpoint/2010/main" val="1023922645"/>
+      </p:ext>
+    </p:extLst>
+  </p:cSld>
+  <p:clrMapOvr>
+    <a:masterClrMapping/>
+  </p:clrMapOvr>
+</p:notes>
+</file>
+
+<file path=ppt/notesSlides/notesSlide28.xml><?xml version="1.0" encoding="utf-8"?>
+<p:notes xmlns:a="http://schemas.openxmlformats.org/drawingml/2006/main" xmlns:r="http://schemas.openxmlformats.org/officeDocument/2006/relationships" xmlns:p="http://schemas.openxmlformats.org/presentationml/2006/main">
+  <p:cSld>
+    <p:spTree>
+      <p:nvGrpSpPr>
+        <p:cNvPr id="1" name=""/>
+        <p:cNvGrpSpPr/>
+        <p:nvPr/>
+      </p:nvGrpSpPr>
+      <p:grpSpPr>
+        <a:xfrm>
+          <a:off x="0" y="0"/>
+          <a:ext cx="0" cy="0"/>
+          <a:chOff x="0" y="0"/>
+          <a:chExt cx="0" cy="0"/>
+        </a:xfrm>
+      </p:grpSpPr>
+      <p:sp>
+        <p:nvSpPr>
+          <p:cNvPr id="2" name="Slide Image Placeholder 1"/>
+          <p:cNvSpPr>
+            <a:spLocks noGrp="1" noRot="1" noChangeAspect="1"/>
+          </p:cNvSpPr>
+          <p:nvPr>
+            <p:ph type="sldImg"/>
+          </p:nvPr>
+        </p:nvSpPr>
+        <p:spPr/>
+      </p:sp>
+      <p:sp>
+        <p:nvSpPr>
+          <p:cNvPr id="3" name="Notes Placeholder 2"/>
+          <p:cNvSpPr>
+            <a:spLocks noGrp="1"/>
+          </p:cNvSpPr>
+          <p:nvPr>
+            <p:ph type="body" idx="1"/>
+          </p:nvPr>
+        </p:nvSpPr>
+        <p:spPr/>
+        <p:txBody>
+          <a:bodyPr/>
+          <a:lstStyle/>
+          <a:p>
+            <a:endParaRPr lang="en-US"/>
+          </a:p>
+        </p:txBody>
+      </p:sp>
+      <p:sp>
+        <p:nvSpPr>
+          <p:cNvPr id="4" name="Slide Number Placeholder 3"/>
+          <p:cNvSpPr>
+            <a:spLocks noGrp="1"/>
+          </p:cNvSpPr>
+          <p:nvPr>
+            <p:ph type="sldNum" sz="quarter" idx="10"/>
+          </p:nvPr>
+        </p:nvSpPr>
+        <p:spPr/>
+        <p:txBody>
+          <a:bodyPr/>
+          <a:lstStyle/>
+          <a:p>
+            <a:fld id="{4BD8E522-60E3-4197-854A-59687A623685}" type="slidenum">
+              <a:rPr lang="en-US" smtClean="0"/>
+              <a:t>28</a:t>
+            </a:fld>
+            <a:endParaRPr lang="en-US"/>
+          </a:p>
+        </p:txBody>
+      </p:sp>
+    </p:spTree>
+    <p:extLst>
+      <p:ext uri="{BB962C8B-B14F-4D97-AF65-F5344CB8AC3E}">
+        <p14:creationId xmlns:p14="http://schemas.microsoft.com/office/powerpoint/2010/main" val="3536256451"/>
+      </p:ext>
+    </p:extLst>
+  </p:cSld>
+  <p:clrMapOvr>
+    <a:masterClrMapping/>
+  </p:clrMapOvr>
+</p:notes>
+</file>
+
+<file path=ppt/notesSlides/notesSlide29.xml><?xml version="1.0" encoding="utf-8"?>
+<p:notes xmlns:a="http://schemas.openxmlformats.org/drawingml/2006/main" xmlns:r="http://schemas.openxmlformats.org/officeDocument/2006/relationships" xmlns:p="http://schemas.openxmlformats.org/presentationml/2006/main">
+  <p:cSld>
+    <p:spTree>
+      <p:nvGrpSpPr>
+        <p:cNvPr id="1" name=""/>
+        <p:cNvGrpSpPr/>
+        <p:nvPr/>
+      </p:nvGrpSpPr>
+      <p:grpSpPr>
+        <a:xfrm>
+          <a:off x="0" y="0"/>
+          <a:ext cx="0" cy="0"/>
+          <a:chOff x="0" y="0"/>
+          <a:chExt cx="0" cy="0"/>
+        </a:xfrm>
+      </p:grpSpPr>
+      <p:sp>
+        <p:nvSpPr>
+          <p:cNvPr id="2" name="Slide Image Placeholder 1"/>
+          <p:cNvSpPr>
+            <a:spLocks noGrp="1" noRot="1" noChangeAspect="1"/>
+          </p:cNvSpPr>
+          <p:nvPr>
+            <p:ph type="sldImg"/>
+          </p:nvPr>
+        </p:nvSpPr>
+        <p:spPr/>
+      </p:sp>
+      <p:sp>
+        <p:nvSpPr>
+          <p:cNvPr id="3" name="Notes Placeholder 2"/>
+          <p:cNvSpPr>
+            <a:spLocks noGrp="1"/>
+          </p:cNvSpPr>
+          <p:nvPr>
+            <p:ph type="body" idx="1"/>
+          </p:nvPr>
+        </p:nvSpPr>
+        <p:spPr/>
+        <p:txBody>
+          <a:bodyPr/>
+          <a:lstStyle/>
+          <a:p>
+            <a:endParaRPr lang="en-US"/>
+          </a:p>
+        </p:txBody>
+      </p:sp>
+      <p:sp>
+        <p:nvSpPr>
+          <p:cNvPr id="4" name="Slide Number Placeholder 3"/>
+          <p:cNvSpPr>
+            <a:spLocks noGrp="1"/>
+          </p:cNvSpPr>
+          <p:nvPr>
+            <p:ph type="sldNum" sz="quarter" idx="10"/>
+          </p:nvPr>
+        </p:nvSpPr>
+        <p:spPr/>
+        <p:txBody>
+          <a:bodyPr/>
+          <a:lstStyle/>
+          <a:p>
+            <a:fld id="{4BD8E522-60E3-4197-854A-59687A623685}" type="slidenum">
+              <a:rPr lang="en-US" smtClean="0"/>
+              <a:t>29</a:t>
+            </a:fld>
+            <a:endParaRPr lang="en-US"/>
+          </a:p>
+        </p:txBody>
+      </p:sp>
+    </p:spTree>
+    <p:extLst>
+      <p:ext uri="{BB962C8B-B14F-4D97-AF65-F5344CB8AC3E}">
+        <p14:creationId xmlns:p14="http://schemas.microsoft.com/office/powerpoint/2010/main" val="3605463534"/>
+      </p:ext>
+    </p:extLst>
+  </p:cSld>
+  <p:clrMapOvr>
+    <a:masterClrMapping/>
+  </p:clrMapOvr>
+</p:notes>
+</file>
+
+<file path=ppt/notesSlides/notesSlide3.xml><?xml version="1.0" encoding="utf-8"?>
+<p:notes xmlns:a="http://schemas.openxmlformats.org/drawingml/2006/main" xmlns:r="http://schemas.openxmlformats.org/officeDocument/2006/relationships" xmlns:p="http://schemas.openxmlformats.org/presentationml/2006/main">
+  <p:cSld>
+    <p:spTree>
+      <p:nvGrpSpPr>
+        <p:cNvPr id="1" name=""/>
+        <p:cNvGrpSpPr/>
+        <p:nvPr/>
+      </p:nvGrpSpPr>
+      <p:grpSpPr>
+        <a:xfrm>
+          <a:off x="0" y="0"/>
+          <a:ext cx="0" cy="0"/>
+          <a:chOff x="0" y="0"/>
+          <a:chExt cx="0" cy="0"/>
+        </a:xfrm>
+      </p:grpSpPr>
+      <p:sp>
+        <p:nvSpPr>
+          <p:cNvPr id="2" name="Slide Image Placeholder 1"/>
+          <p:cNvSpPr>
+            <a:spLocks noGrp="1" noRot="1" noChangeAspect="1"/>
+          </p:cNvSpPr>
+          <p:nvPr>
+            <p:ph type="sldImg"/>
+          </p:nvPr>
+        </p:nvSpPr>
+        <p:spPr/>
+      </p:sp>
+      <p:sp>
+        <p:nvSpPr>
+          <p:cNvPr id="3" name="Notes Placeholder 2"/>
+          <p:cNvSpPr>
+            <a:spLocks noGrp="1"/>
+          </p:cNvSpPr>
+          <p:nvPr>
+            <p:ph type="body" idx="1"/>
+          </p:nvPr>
+        </p:nvSpPr>
+        <p:spPr/>
+        <p:txBody>
+          <a:bodyPr/>
+          <a:lstStyle/>
+          <a:p>
+            <a:endParaRPr lang="en-US"/>
+          </a:p>
+        </p:txBody>
+      </p:sp>
+      <p:sp>
+        <p:nvSpPr>
+          <p:cNvPr id="4" name="Slide Number Placeholder 3"/>
+          <p:cNvSpPr>
+            <a:spLocks noGrp="1"/>
+          </p:cNvSpPr>
+          <p:nvPr>
+            <p:ph type="sldNum" sz="quarter" idx="10"/>
+          </p:nvPr>
+        </p:nvSpPr>
+        <p:spPr/>
+        <p:txBody>
+          <a:bodyPr/>
+          <a:lstStyle/>
+          <a:p>
+            <a:fld id="{4BD8E522-60E3-4197-854A-59687A623685}" type="slidenum">
+              <a:rPr lang="en-US" smtClean="0"/>
+              <a:t>3</a:t>
+            </a:fld>
+            <a:endParaRPr lang="en-US"/>
+          </a:p>
+        </p:txBody>
+      </p:sp>
+    </p:spTree>
+    <p:extLst>
+      <p:ext uri="{BB962C8B-B14F-4D97-AF65-F5344CB8AC3E}">
+        <p14:creationId xmlns:p14="http://schemas.microsoft.com/office/powerpoint/2010/main" val="671660122"/>
+      </p:ext>
+    </p:extLst>
+  </p:cSld>
+  <p:clrMapOvr>
+    <a:masterClrMapping/>
+  </p:clrMapOvr>
+</p:notes>
+</file>
+
+<file path=ppt/notesSlides/notesSlide30.xml><?xml version="1.0" encoding="utf-8"?>
+<p:notes xmlns:a="http://schemas.openxmlformats.org/drawingml/2006/main" xmlns:r="http://schemas.openxmlformats.org/officeDocument/2006/relationships" xmlns:p="http://schemas.openxmlformats.org/presentationml/2006/main">
+  <p:cSld>
+    <p:spTree>
+      <p:nvGrpSpPr>
+        <p:cNvPr id="1" name=""/>
+        <p:cNvGrpSpPr/>
+        <p:nvPr/>
+      </p:nvGrpSpPr>
+      <p:grpSpPr>
+        <a:xfrm>
+          <a:off x="0" y="0"/>
+          <a:ext cx="0" cy="0"/>
+          <a:chOff x="0" y="0"/>
+          <a:chExt cx="0" cy="0"/>
+        </a:xfrm>
+      </p:grpSpPr>
+      <p:sp>
+        <p:nvSpPr>
+          <p:cNvPr id="2" name="Slide Image Placeholder 1"/>
+          <p:cNvSpPr>
+            <a:spLocks noGrp="1" noRot="1" noChangeAspect="1"/>
+          </p:cNvSpPr>
+          <p:nvPr>
+            <p:ph type="sldImg"/>
+          </p:nvPr>
+        </p:nvSpPr>
+        <p:spPr/>
+      </p:sp>
+      <p:sp>
+        <p:nvSpPr>
+          <p:cNvPr id="3" name="Notes Placeholder 2"/>
+          <p:cNvSpPr>
+            <a:spLocks noGrp="1"/>
+          </p:cNvSpPr>
+          <p:nvPr>
+            <p:ph type="body" idx="1"/>
+          </p:nvPr>
+        </p:nvSpPr>
+        <p:spPr/>
+        <p:txBody>
+          <a:bodyPr/>
+          <a:lstStyle/>
+          <a:p>
+            <a:endParaRPr lang="en-US"/>
+          </a:p>
+        </p:txBody>
+      </p:sp>
+      <p:sp>
+        <p:nvSpPr>
+          <p:cNvPr id="4" name="Slide Number Placeholder 3"/>
+          <p:cNvSpPr>
+            <a:spLocks noGrp="1"/>
+          </p:cNvSpPr>
+          <p:nvPr>
+            <p:ph type="sldNum" sz="quarter" idx="10"/>
+          </p:nvPr>
+        </p:nvSpPr>
+        <p:spPr/>
+        <p:txBody>
+          <a:bodyPr/>
+          <a:lstStyle/>
+          <a:p>
+            <a:fld id="{4BD8E522-60E3-4197-854A-59687A623685}" type="slidenum">
+              <a:rPr lang="en-US" smtClean="0"/>
+              <a:t>30</a:t>
+            </a:fld>
+            <a:endParaRPr lang="en-US"/>
+          </a:p>
+        </p:txBody>
+      </p:sp>
+    </p:spTree>
+    <p:extLst>
+      <p:ext uri="{BB962C8B-B14F-4D97-AF65-F5344CB8AC3E}">
+        <p14:creationId xmlns:p14="http://schemas.microsoft.com/office/powerpoint/2010/main" val="2865266328"/>
+      </p:ext>
+    </p:extLst>
+  </p:cSld>
+  <p:clrMapOvr>
+    <a:masterClrMapping/>
+  </p:clrMapOvr>
+</p:notes>
+</file>
+
+<file path=ppt/notesSlides/notesSlide31.xml><?xml version="1.0" encoding="utf-8"?>
+<p:notes xmlns:a="http://schemas.openxmlformats.org/drawingml/2006/main" xmlns:r="http://schemas.openxmlformats.org/officeDocument/2006/relationships" xmlns:p="http://schemas.openxmlformats.org/presentationml/2006/main">
+  <p:cSld>
+    <p:spTree>
+      <p:nvGrpSpPr>
+        <p:cNvPr id="1" name=""/>
+        <p:cNvGrpSpPr/>
+        <p:nvPr/>
+      </p:nvGrpSpPr>
+      <p:grpSpPr>
+        <a:xfrm>
+          <a:off x="0" y="0"/>
+          <a:ext cx="0" cy="0"/>
+          <a:chOff x="0" y="0"/>
+          <a:chExt cx="0" cy="0"/>
+        </a:xfrm>
+      </p:grpSpPr>
+      <p:sp>
+        <p:nvSpPr>
+          <p:cNvPr id="2" name="Slide Image Placeholder 1"/>
+          <p:cNvSpPr>
+            <a:spLocks noGrp="1" noRot="1" noChangeAspect="1"/>
+          </p:cNvSpPr>
+          <p:nvPr>
+            <p:ph type="sldImg"/>
+          </p:nvPr>
+        </p:nvSpPr>
+        <p:spPr/>
+      </p:sp>
+      <p:sp>
+        <p:nvSpPr>
+          <p:cNvPr id="3" name="Notes Placeholder 2"/>
+          <p:cNvSpPr>
+            <a:spLocks noGrp="1"/>
+          </p:cNvSpPr>
+          <p:nvPr>
+            <p:ph type="body" idx="1"/>
+          </p:nvPr>
+        </p:nvSpPr>
+        <p:spPr/>
+        <p:txBody>
+          <a:bodyPr/>
+          <a:lstStyle/>
+          <a:p>
+            <a:endParaRPr lang="en-US"/>
+          </a:p>
+        </p:txBody>
+      </p:sp>
+      <p:sp>
+        <p:nvSpPr>
+          <p:cNvPr id="4" name="Slide Number Placeholder 3"/>
+          <p:cNvSpPr>
+            <a:spLocks noGrp="1"/>
+          </p:cNvSpPr>
+          <p:nvPr>
+            <p:ph type="sldNum" sz="quarter" idx="10"/>
+          </p:nvPr>
+        </p:nvSpPr>
+        <p:spPr/>
+        <p:txBody>
+          <a:bodyPr/>
+          <a:lstStyle/>
+          <a:p>
+            <a:fld id="{4BD8E522-60E3-4197-854A-59687A623685}" type="slidenum">
+              <a:rPr lang="en-US" smtClean="0"/>
+              <a:t>31</a:t>
+            </a:fld>
+            <a:endParaRPr lang="en-US"/>
+          </a:p>
+        </p:txBody>
+      </p:sp>
+    </p:spTree>
+    <p:extLst>
+      <p:ext uri="{BB962C8B-B14F-4D97-AF65-F5344CB8AC3E}">
+        <p14:creationId xmlns:p14="http://schemas.microsoft.com/office/powerpoint/2010/main" val="3108800134"/>
+      </p:ext>
+    </p:extLst>
+  </p:cSld>
+  <p:clrMapOvr>
+    <a:masterClrMapping/>
+  </p:clrMapOvr>
+</p:notes>
+</file>
+
+<file path=ppt/notesSlides/notesSlide4.xml><?xml version="1.0" encoding="utf-8"?>
+<p:notes xmlns:a="http://schemas.openxmlformats.org/drawingml/2006/main" xmlns:r="http://schemas.openxmlformats.org/officeDocument/2006/relationships" xmlns:p="http://schemas.openxmlformats.org/presentationml/2006/main">
+  <p:cSld>
+    <p:spTree>
+      <p:nvGrpSpPr>
+        <p:cNvPr id="1" name=""/>
+        <p:cNvGrpSpPr/>
+        <p:nvPr/>
+      </p:nvGrpSpPr>
+      <p:grpSpPr>
+        <a:xfrm>
+          <a:off x="0" y="0"/>
+          <a:ext cx="0" cy="0"/>
+          <a:chOff x="0" y="0"/>
+          <a:chExt cx="0" cy="0"/>
+        </a:xfrm>
+      </p:grpSpPr>
+      <p:sp>
+        <p:nvSpPr>
+          <p:cNvPr id="2" name="Slide Image Placeholder 1"/>
+          <p:cNvSpPr>
+            <a:spLocks noGrp="1" noRot="1" noChangeAspect="1"/>
+          </p:cNvSpPr>
+          <p:nvPr>
+            <p:ph type="sldImg"/>
+          </p:nvPr>
+        </p:nvSpPr>
+        <p:spPr/>
+      </p:sp>
+      <p:sp>
+        <p:nvSpPr>
+          <p:cNvPr id="3" name="Notes Placeholder 2"/>
+          <p:cNvSpPr>
+            <a:spLocks noGrp="1"/>
+          </p:cNvSpPr>
+          <p:nvPr>
+            <p:ph type="body" idx="1"/>
+          </p:nvPr>
+        </p:nvSpPr>
+        <p:spPr/>
+        <p:txBody>
+          <a:bodyPr/>
+          <a:lstStyle/>
+          <a:p>
+            <a:endParaRPr lang="en-US"/>
+          </a:p>
+        </p:txBody>
+      </p:sp>
+      <p:sp>
+        <p:nvSpPr>
+          <p:cNvPr id="4" name="Slide Number Placeholder 3"/>
+          <p:cNvSpPr>
+            <a:spLocks noGrp="1"/>
+          </p:cNvSpPr>
+          <p:nvPr>
+            <p:ph type="sldNum" sz="quarter" idx="10"/>
+          </p:nvPr>
+        </p:nvSpPr>
+        <p:spPr/>
+        <p:txBody>
+          <a:bodyPr/>
+          <a:lstStyle/>
+          <a:p>
+            <a:fld id="{4BD8E522-60E3-4197-854A-59687A623685}" type="slidenum">
+              <a:rPr lang="en-US" smtClean="0"/>
+              <a:t>4</a:t>
+            </a:fld>
+            <a:endParaRPr lang="en-US"/>
+          </a:p>
+        </p:txBody>
+      </p:sp>
+    </p:spTree>
+    <p:extLst>
+      <p:ext uri="{BB962C8B-B14F-4D97-AF65-F5344CB8AC3E}">
+        <p14:creationId xmlns:p14="http://schemas.microsoft.com/office/powerpoint/2010/main" val="4221647023"/>
+      </p:ext>
+    </p:extLst>
+  </p:cSld>
+  <p:clrMapOvr>
+    <a:masterClrMapping/>
+  </p:clrMapOvr>
+</p:notes>
+</file>
+
+<file path=ppt/notesSlides/notesSlide5.xml><?xml version="1.0" encoding="utf-8"?>
+<p:notes xmlns:a="http://schemas.openxmlformats.org/drawingml/2006/main" xmlns:r="http://schemas.openxmlformats.org/officeDocument/2006/relationships" xmlns:p="http://schemas.openxmlformats.org/presentationml/2006/main">
+  <p:cSld>
+    <p:spTree>
+      <p:nvGrpSpPr>
+        <p:cNvPr id="1" name=""/>
+        <p:cNvGrpSpPr/>
+        <p:nvPr/>
+      </p:nvGrpSpPr>
+      <p:grpSpPr>
+        <a:xfrm>
+          <a:off x="0" y="0"/>
+          <a:ext cx="0" cy="0"/>
+          <a:chOff x="0" y="0"/>
+          <a:chExt cx="0" cy="0"/>
+        </a:xfrm>
+      </p:grpSpPr>
+      <p:sp>
+        <p:nvSpPr>
+          <p:cNvPr id="2" name="Slide Image Placeholder 1"/>
+          <p:cNvSpPr>
+            <a:spLocks noGrp="1" noRot="1" noChangeAspect="1"/>
+          </p:cNvSpPr>
+          <p:nvPr>
+            <p:ph type="sldImg"/>
+          </p:nvPr>
+        </p:nvSpPr>
+        <p:spPr/>
+      </p:sp>
+      <p:sp>
+        <p:nvSpPr>
+          <p:cNvPr id="3" name="Notes Placeholder 2"/>
+          <p:cNvSpPr>
+            <a:spLocks noGrp="1"/>
+          </p:cNvSpPr>
+          <p:nvPr>
+            <p:ph type="body" idx="1"/>
+          </p:nvPr>
+        </p:nvSpPr>
+        <p:spPr/>
+        <p:txBody>
+          <a:bodyPr/>
+          <a:lstStyle/>
+          <a:p>
+            <a:endParaRPr lang="en-US"/>
+          </a:p>
+        </p:txBody>
+      </p:sp>
+      <p:sp>
+        <p:nvSpPr>
+          <p:cNvPr id="4" name="Slide Number Placeholder 3"/>
+          <p:cNvSpPr>
+            <a:spLocks noGrp="1"/>
+          </p:cNvSpPr>
+          <p:nvPr>
+            <p:ph type="sldNum" sz="quarter" idx="10"/>
+          </p:nvPr>
+        </p:nvSpPr>
+        <p:spPr/>
+        <p:txBody>
+          <a:bodyPr/>
+          <a:lstStyle/>
+          <a:p>
+            <a:fld id="{4BD8E522-60E3-4197-854A-59687A623685}" type="slidenum">
+              <a:rPr lang="en-US" smtClean="0"/>
+              <a:t>5</a:t>
+            </a:fld>
+            <a:endParaRPr lang="en-US"/>
+          </a:p>
+        </p:txBody>
+      </p:sp>
+    </p:spTree>
+    <p:extLst>
+      <p:ext uri="{BB962C8B-B14F-4D97-AF65-F5344CB8AC3E}">
+        <p14:creationId xmlns:p14="http://schemas.microsoft.com/office/powerpoint/2010/main" val="1009171531"/>
+      </p:ext>
+    </p:extLst>
+  </p:cSld>
+  <p:clrMapOvr>
+    <a:masterClrMapping/>
+  </p:clrMapOvr>
+</p:notes>
+</file>
+
+<file path=ppt/notesSlides/notesSlide6.xml><?xml version="1.0" encoding="utf-8"?>
+<p:notes xmlns:a="http://schemas.openxmlformats.org/drawingml/2006/main" xmlns:r="http://schemas.openxmlformats.org/officeDocument/2006/relationships" xmlns:p="http://schemas.openxmlformats.org/presentationml/2006/main">
+  <p:cSld>
+    <p:spTree>
+      <p:nvGrpSpPr>
+        <p:cNvPr id="1" name=""/>
+        <p:cNvGrpSpPr/>
+        <p:nvPr/>
+      </p:nvGrpSpPr>
+      <p:grpSpPr>
+        <a:xfrm>
+          <a:off x="0" y="0"/>
+          <a:ext cx="0" cy="0"/>
+          <a:chOff x="0" y="0"/>
+          <a:chExt cx="0" cy="0"/>
+        </a:xfrm>
+      </p:grpSpPr>
+      <p:sp>
+        <p:nvSpPr>
+          <p:cNvPr id="2" name="Slide Image Placeholder 1"/>
+          <p:cNvSpPr>
+            <a:spLocks noGrp="1" noRot="1" noChangeAspect="1"/>
+          </p:cNvSpPr>
+          <p:nvPr>
+            <p:ph type="sldImg"/>
+          </p:nvPr>
+        </p:nvSpPr>
+        <p:spPr/>
+      </p:sp>
+      <p:sp>
+        <p:nvSpPr>
+          <p:cNvPr id="3" name="Notes Placeholder 2"/>
+          <p:cNvSpPr>
+            <a:spLocks noGrp="1"/>
+          </p:cNvSpPr>
+          <p:nvPr>
+            <p:ph type="body" idx="1"/>
+          </p:nvPr>
+        </p:nvSpPr>
+        <p:spPr/>
+        <p:txBody>
+          <a:bodyPr/>
+          <a:lstStyle/>
+          <a:p>
+            <a:endParaRPr lang="en-US"/>
+          </a:p>
+        </p:txBody>
+      </p:sp>
+      <p:sp>
+        <p:nvSpPr>
+          <p:cNvPr id="4" name="Slide Number Placeholder 3"/>
+          <p:cNvSpPr>
+            <a:spLocks noGrp="1"/>
+          </p:cNvSpPr>
+          <p:nvPr>
+            <p:ph type="sldNum" sz="quarter" idx="10"/>
+          </p:nvPr>
+        </p:nvSpPr>
+        <p:spPr/>
+        <p:txBody>
+          <a:bodyPr/>
+          <a:lstStyle/>
+          <a:p>
+            <a:fld id="{4BD8E522-60E3-4197-854A-59687A623685}" type="slidenum">
+              <a:rPr lang="en-US" smtClean="0"/>
+              <a:t>6</a:t>
+            </a:fld>
+            <a:endParaRPr lang="en-US"/>
+          </a:p>
+        </p:txBody>
+      </p:sp>
+    </p:spTree>
+    <p:extLst>
+      <p:ext uri="{BB962C8B-B14F-4D97-AF65-F5344CB8AC3E}">
+        <p14:creationId xmlns:p14="http://schemas.microsoft.com/office/powerpoint/2010/main" val="278354387"/>
+      </p:ext>
+    </p:extLst>
+  </p:cSld>
+  <p:clrMapOvr>
+    <a:masterClrMapping/>
+  </p:clrMapOvr>
+</p:notes>
+</file>
+
+<file path=ppt/notesSlides/notesSlide7.xml><?xml version="1.0" encoding="utf-8"?>
+<p:notes xmlns:a="http://schemas.openxmlformats.org/drawingml/2006/main" xmlns:r="http://schemas.openxmlformats.org/officeDocument/2006/relationships" xmlns:p="http://schemas.openxmlformats.org/presentationml/2006/main">
+  <p:cSld>
+    <p:spTree>
+      <p:nvGrpSpPr>
+        <p:cNvPr id="1" name=""/>
+        <p:cNvGrpSpPr/>
+        <p:nvPr/>
+      </p:nvGrpSpPr>
+      <p:grpSpPr>
+        <a:xfrm>
+          <a:off x="0" y="0"/>
+          <a:ext cx="0" cy="0"/>
+          <a:chOff x="0" y="0"/>
+          <a:chExt cx="0" cy="0"/>
+        </a:xfrm>
+      </p:grpSpPr>
+      <p:sp>
+        <p:nvSpPr>
+          <p:cNvPr id="2" name="Slide Image Placeholder 1"/>
+          <p:cNvSpPr>
+            <a:spLocks noGrp="1" noRot="1" noChangeAspect="1"/>
+          </p:cNvSpPr>
+          <p:nvPr>
+            <p:ph type="sldImg"/>
+          </p:nvPr>
+        </p:nvSpPr>
+        <p:spPr/>
+      </p:sp>
+      <p:sp>
+        <p:nvSpPr>
+          <p:cNvPr id="3" name="Notes Placeholder 2"/>
+          <p:cNvSpPr>
+            <a:spLocks noGrp="1"/>
+          </p:cNvSpPr>
+          <p:nvPr>
+            <p:ph type="body" idx="1"/>
+          </p:nvPr>
+        </p:nvSpPr>
+        <p:spPr/>
+        <p:txBody>
+          <a:bodyPr/>
+          <a:lstStyle/>
+          <a:p>
+            <a:endParaRPr lang="en-US"/>
+          </a:p>
+        </p:txBody>
+      </p:sp>
+      <p:sp>
+        <p:nvSpPr>
+          <p:cNvPr id="4" name="Slide Number Placeholder 3"/>
+          <p:cNvSpPr>
+            <a:spLocks noGrp="1"/>
+          </p:cNvSpPr>
+          <p:nvPr>
+            <p:ph type="sldNum" sz="quarter" idx="10"/>
+          </p:nvPr>
+        </p:nvSpPr>
+        <p:spPr/>
+        <p:txBody>
+          <a:bodyPr/>
+          <a:lstStyle/>
+          <a:p>
+            <a:fld id="{4BD8E522-60E3-4197-854A-59687A623685}" type="slidenum">
+              <a:rPr lang="en-US" smtClean="0"/>
+              <a:t>7</a:t>
+            </a:fld>
+            <a:endParaRPr lang="en-US"/>
+          </a:p>
+        </p:txBody>
+      </p:sp>
+    </p:spTree>
+    <p:extLst>
+      <p:ext uri="{BB962C8B-B14F-4D97-AF65-F5344CB8AC3E}">
+        <p14:creationId xmlns:p14="http://schemas.microsoft.com/office/powerpoint/2010/main" val="3641620123"/>
+      </p:ext>
+    </p:extLst>
+  </p:cSld>
+  <p:clrMapOvr>
+    <a:masterClrMapping/>
+  </p:clrMapOvr>
+</p:notes>
+</file>
+
+<file path=ppt/notesSlides/notesSlide8.xml><?xml version="1.0" encoding="utf-8"?>
+<p:notes xmlns:a="http://schemas.openxmlformats.org/drawingml/2006/main" xmlns:r="http://schemas.openxmlformats.org/officeDocument/2006/relationships" xmlns:p="http://schemas.openxmlformats.org/presentationml/2006/main">
+  <p:cSld>
+    <p:spTree>
+      <p:nvGrpSpPr>
+        <p:cNvPr id="1" name=""/>
+        <p:cNvGrpSpPr/>
+        <p:nvPr/>
+      </p:nvGrpSpPr>
+      <p:grpSpPr>
+        <a:xfrm>
+          <a:off x="0" y="0"/>
+          <a:ext cx="0" cy="0"/>
+          <a:chOff x="0" y="0"/>
+          <a:chExt cx="0" cy="0"/>
+        </a:xfrm>
+      </p:grpSpPr>
+      <p:sp>
+        <p:nvSpPr>
+          <p:cNvPr id="2" name="Slide Image Placeholder 1"/>
+          <p:cNvSpPr>
+            <a:spLocks noGrp="1" noRot="1" noChangeAspect="1"/>
+          </p:cNvSpPr>
+          <p:nvPr>
+            <p:ph type="sldImg"/>
+          </p:nvPr>
+        </p:nvSpPr>
+        <p:spPr/>
+      </p:sp>
+      <p:sp>
+        <p:nvSpPr>
+          <p:cNvPr id="3" name="Notes Placeholder 2"/>
+          <p:cNvSpPr>
+            <a:spLocks noGrp="1"/>
+          </p:cNvSpPr>
+          <p:nvPr>
+            <p:ph type="body" idx="1"/>
+          </p:nvPr>
+        </p:nvSpPr>
+        <p:spPr/>
+        <p:txBody>
+          <a:bodyPr/>
+          <a:lstStyle/>
+          <a:p>
+            <a:endParaRPr lang="en-US"/>
+          </a:p>
+        </p:txBody>
+      </p:sp>
+      <p:sp>
+        <p:nvSpPr>
+          <p:cNvPr id="4" name="Slide Number Placeholder 3"/>
+          <p:cNvSpPr>
+            <a:spLocks noGrp="1"/>
+          </p:cNvSpPr>
+          <p:nvPr>
+            <p:ph type="sldNum" sz="quarter" idx="10"/>
+          </p:nvPr>
+        </p:nvSpPr>
+        <p:spPr/>
+        <p:txBody>
+          <a:bodyPr/>
+          <a:lstStyle/>
+          <a:p>
+            <a:fld id="{4BD8E522-60E3-4197-854A-59687A623685}" type="slidenum">
+              <a:rPr lang="en-US" smtClean="0"/>
+              <a:t>8</a:t>
+            </a:fld>
+            <a:endParaRPr lang="en-US"/>
+          </a:p>
+        </p:txBody>
+      </p:sp>
+    </p:spTree>
+    <p:extLst>
+      <p:ext uri="{BB962C8B-B14F-4D97-AF65-F5344CB8AC3E}">
+        <p14:creationId xmlns:p14="http://schemas.microsoft.com/office/powerpoint/2010/main" val="2253842370"/>
+      </p:ext>
+    </p:extLst>
+  </p:cSld>
+  <p:clrMapOvr>
+    <a:masterClrMapping/>
+  </p:clrMapOvr>
+</p:notes>
+</file>
+
+<file path=ppt/notesSlides/notesSlide9.xml><?xml version="1.0" encoding="utf-8"?>
+<p:notes xmlns:a="http://schemas.openxmlformats.org/drawingml/2006/main" xmlns:r="http://schemas.openxmlformats.org/officeDocument/2006/relationships" xmlns:p="http://schemas.openxmlformats.org/presentationml/2006/main">
+  <p:cSld>
+    <p:spTree>
+      <p:nvGrpSpPr>
+        <p:cNvPr id="1" name=""/>
+        <p:cNvGrpSpPr/>
+        <p:nvPr/>
+      </p:nvGrpSpPr>
+      <p:grpSpPr>
+        <a:xfrm>
+          <a:off x="0" y="0"/>
+          <a:ext cx="0" cy="0"/>
+          <a:chOff x="0" y="0"/>
+          <a:chExt cx="0" cy="0"/>
+        </a:xfrm>
+      </p:grpSpPr>
+      <p:sp>
+        <p:nvSpPr>
+          <p:cNvPr id="2" name="Slide Image Placeholder 1"/>
+          <p:cNvSpPr>
+            <a:spLocks noGrp="1" noRot="1" noChangeAspect="1"/>
+          </p:cNvSpPr>
+          <p:nvPr>
+            <p:ph type="sldImg"/>
+          </p:nvPr>
+        </p:nvSpPr>
+        <p:spPr/>
+      </p:sp>
+      <p:sp>
+        <p:nvSpPr>
+          <p:cNvPr id="3" name="Notes Placeholder 2"/>
+          <p:cNvSpPr>
+            <a:spLocks noGrp="1"/>
+          </p:cNvSpPr>
+          <p:nvPr>
+            <p:ph type="body" idx="1"/>
+          </p:nvPr>
+        </p:nvSpPr>
+        <p:spPr/>
+        <p:txBody>
+          <a:bodyPr/>
+          <a:lstStyle/>
+          <a:p>
+            <a:pPr algn="l"/>
+            <a:r>
+              <a:rPr lang="en-US" sz="2000" dirty="0" smtClean="0"/>
+              <a:t>Easy access to get all simulated information </a:t>
+            </a:r>
+          </a:p>
+          <a:p>
+            <a:pPr algn="l"/>
+            <a:r>
+              <a:rPr lang="en-US" sz="2000" dirty="0" smtClean="0"/>
+              <a:t>Ability to move objects on board - Drag &amp; Drop</a:t>
+            </a:r>
+          </a:p>
+          <a:p>
+            <a:pPr algn="l"/>
+            <a:r>
+              <a:rPr lang="en-US" sz="2000" dirty="0" smtClean="0"/>
+              <a:t>Creation of RF device </a:t>
+            </a:r>
+          </a:p>
+          <a:p>
+            <a:pPr algn="l"/>
+            <a:r>
+              <a:rPr lang="en-US" sz="2000" dirty="0" smtClean="0"/>
+              <a:t>Random simulation</a:t>
+            </a:r>
+          </a:p>
+          <a:p>
+            <a:pPr algn="l"/>
+            <a:r>
+              <a:rPr lang="en-US" sz="2000" dirty="0" smtClean="0"/>
+              <a:t>Static simulation</a:t>
+            </a:r>
+          </a:p>
+          <a:p>
+            <a:pPr algn="l"/>
+            <a:r>
+              <a:rPr lang="en-US" sz="2000" dirty="0" smtClean="0"/>
+              <a:t>Station info form :</a:t>
+            </a:r>
+          </a:p>
+          <a:p>
+            <a:pPr lvl="1">
+              <a:buFont typeface="Wingdings" pitchFamily="2" charset="2"/>
+              <a:buChar char="Ø"/>
+            </a:pPr>
+            <a:r>
+              <a:rPr lang="en-US" sz="2000" dirty="0" smtClean="0"/>
+              <a:t>Statistic </a:t>
+            </a:r>
+          </a:p>
+          <a:p>
+            <a:pPr lvl="1">
+              <a:buFont typeface="Wingdings" pitchFamily="2" charset="2"/>
+              <a:buChar char="Ø"/>
+            </a:pPr>
+            <a:r>
+              <a:rPr lang="en-US" sz="2000" dirty="0" smtClean="0"/>
+              <a:t>Logs</a:t>
+            </a:r>
+          </a:p>
+          <a:p>
+            <a:pPr lvl="1">
+              <a:buFont typeface="Wingdings" pitchFamily="2" charset="2"/>
+              <a:buChar char="Ø"/>
+            </a:pPr>
+            <a:r>
+              <a:rPr lang="en-US" sz="2000" dirty="0" smtClean="0"/>
+              <a:t>Station configuration and overview</a:t>
+            </a:r>
+          </a:p>
+          <a:p>
+            <a:pPr lvl="1">
+              <a:buFont typeface="Wingdings" pitchFamily="2" charset="2"/>
+              <a:buChar char="Ø"/>
+            </a:pPr>
+            <a:r>
+              <a:rPr lang="en-US" sz="2000" dirty="0" smtClean="0"/>
+              <a:t>Configurable dump of STA object</a:t>
+            </a:r>
+          </a:p>
+          <a:p>
+            <a:pPr algn="l"/>
+            <a:r>
+              <a:rPr lang="en-US" sz="2000" dirty="0" smtClean="0"/>
+              <a:t>AP info form – provide basic configuration</a:t>
+            </a:r>
+          </a:p>
+          <a:p>
+            <a:pPr algn="l"/>
+            <a:r>
+              <a:rPr lang="en-US" sz="2000" dirty="0" smtClean="0"/>
+              <a:t>Saving and Load current simulation into file</a:t>
+            </a:r>
+            <a:endParaRPr lang="en-US" sz="1050" dirty="0" smtClean="0"/>
+          </a:p>
+          <a:p>
+            <a:endParaRPr lang="en-US" sz="1050" dirty="0"/>
+          </a:p>
+        </p:txBody>
+      </p:sp>
+      <p:sp>
+        <p:nvSpPr>
+          <p:cNvPr id="4" name="Slide Number Placeholder 3"/>
+          <p:cNvSpPr>
+            <a:spLocks noGrp="1"/>
+          </p:cNvSpPr>
+          <p:nvPr>
+            <p:ph type="sldNum" sz="quarter" idx="10"/>
+          </p:nvPr>
+        </p:nvSpPr>
+        <p:spPr/>
+        <p:txBody>
+          <a:bodyPr/>
+          <a:lstStyle/>
+          <a:p>
+            <a:fld id="{4BD8E522-60E3-4197-854A-59687A623685}" type="slidenum">
+              <a:rPr lang="en-US" smtClean="0"/>
+              <a:t>9</a:t>
+            </a:fld>
+            <a:endParaRPr lang="en-US"/>
+          </a:p>
+        </p:txBody>
+      </p:sp>
+    </p:spTree>
+    <p:extLst>
+      <p:ext uri="{BB962C8B-B14F-4D97-AF65-F5344CB8AC3E}">
+        <p14:creationId xmlns:p14="http://schemas.microsoft.com/office/powerpoint/2010/main" val="693957249"/>
+      </p:ext>
+    </p:extLst>
+  </p:cSld>
+  <p:clrMapOvr>
+    <a:masterClrMapping/>
+  </p:clrMapOvr>
+</p:notes>
+</file>
+
 <file path=ppt/slideLayouts/slideLayout1.xml><?xml version="1.0" encoding="utf-8"?>
 <p:sldLayout xmlns:a="http://schemas.openxmlformats.org/drawingml/2006/main" xmlns:r="http://schemas.openxmlformats.org/officeDocument/2006/relationships" xmlns:p="http://schemas.openxmlformats.org/presentationml/2006/main" showMasterSp="0" type="title" preserve="1">
   <p:cSld name="Title Slide">
@@ -3616,7 +6234,7 @@
             <a:fld id="{1D8BD707-D9CF-40AE-B4C6-C98DA3205C09}" type="datetimeFigureOut">
               <a:rPr lang="en-US" smtClean="0"/>
               <a:pPr/>
-              <a:t>6/15/2013</a:t>
+              <a:t>06/15/2013</a:t>
             </a:fld>
             <a:endParaRPr lang="en-US"/>
           </a:p>
@@ -4143,7 +6761,7 @@
             <a:fld id="{1D8BD707-D9CF-40AE-B4C6-C98DA3205C09}" type="datetimeFigureOut">
               <a:rPr lang="en-US" smtClean="0"/>
               <a:pPr/>
-              <a:t>6/15/2013</a:t>
+              <a:t>06/15/2013</a:t>
             </a:fld>
             <a:endParaRPr lang="en-US"/>
           </a:p>
@@ -4459,7 +7077,7 @@
             <a:fld id="{1D8BD707-D9CF-40AE-B4C6-C98DA3205C09}" type="datetimeFigureOut">
               <a:rPr lang="en-US" smtClean="0"/>
               <a:pPr/>
-              <a:t>6/15/2013</a:t>
+              <a:t>06/15/2013</a:t>
             </a:fld>
             <a:endParaRPr lang="en-US"/>
           </a:p>
@@ -4747,7 +7365,7 @@
             <a:fld id="{1D8BD707-D9CF-40AE-B4C6-C98DA3205C09}" type="datetimeFigureOut">
               <a:rPr lang="en-US" smtClean="0"/>
               <a:pPr/>
-              <a:t>6/15/2013</a:t>
+              <a:t>06/15/2013</a:t>
             </a:fld>
             <a:endParaRPr lang="en-US"/>
           </a:p>
@@ -5324,7 +7942,7 @@
             <a:fld id="{1D8BD707-D9CF-40AE-B4C6-C98DA3205C09}" type="datetimeFigureOut">
               <a:rPr lang="en-US" smtClean="0"/>
               <a:pPr/>
-              <a:t>6/15/2013</a:t>
+              <a:t>06/15/2013</a:t>
             </a:fld>
             <a:endParaRPr lang="en-US"/>
           </a:p>
@@ -5416,7 +8034,7 @@
             <a:fld id="{1D8BD707-D9CF-40AE-B4C6-C98DA3205C09}" type="datetimeFigureOut">
               <a:rPr lang="en-US" smtClean="0"/>
               <a:pPr/>
-              <a:t>6/15/2013</a:t>
+              <a:t>06/15/2013</a:t>
             </a:fld>
             <a:endParaRPr lang="en-US"/>
           </a:p>
@@ -6127,7 +8745,7 @@
             <a:fld id="{1D8BD707-D9CF-40AE-B4C6-C98DA3205C09}" type="datetimeFigureOut">
               <a:rPr lang="en-US" smtClean="0"/>
               <a:pPr/>
-              <a:t>6/15/2013</a:t>
+              <a:t>06/15/2013</a:t>
             </a:fld>
             <a:endParaRPr lang="en-US"/>
           </a:p>
@@ -6381,7 +8999,7 @@
             <a:fld id="{1D8BD707-D9CF-40AE-B4C6-C98DA3205C09}" type="datetimeFigureOut">
               <a:rPr lang="en-US" smtClean="0"/>
               <a:pPr/>
-              <a:t>6/15/2013</a:t>
+              <a:t>06/15/2013</a:t>
             </a:fld>
             <a:endParaRPr lang="en-US"/>
           </a:p>
@@ -6612,7 +9230,7 @@
             <a:fld id="{1D8BD707-D9CF-40AE-B4C6-C98DA3205C09}" type="datetimeFigureOut">
               <a:rPr lang="en-US" smtClean="0"/>
               <a:pPr/>
-              <a:t>6/15/2013</a:t>
+              <a:t>06/15/2013</a:t>
             </a:fld>
             <a:endParaRPr lang="en-US"/>
           </a:p>
@@ -6888,7 +9506,7 @@
             <a:fld id="{1D8BD707-D9CF-40AE-B4C6-C98DA3205C09}" type="datetimeFigureOut">
               <a:rPr lang="en-US" smtClean="0"/>
               <a:pPr/>
-              <a:t>6/15/2013</a:t>
+              <a:t>06/15/2013</a:t>
             </a:fld>
             <a:endParaRPr lang="en-US"/>
           </a:p>
@@ -7176,7 +9794,7 @@
             <a:fld id="{1D8BD707-D9CF-40AE-B4C6-C98DA3205C09}" type="datetimeFigureOut">
               <a:rPr lang="en-US" smtClean="0"/>
               <a:pPr/>
-              <a:t>6/15/2013</a:t>
+              <a:t>06/15/2013</a:t>
             </a:fld>
             <a:endParaRPr lang="en-US"/>
           </a:p>
@@ -7446,7 +10064,7 @@
             <a:fld id="{1D8BD707-D9CF-40AE-B4C6-C98DA3205C09}" type="datetimeFigureOut">
               <a:rPr lang="en-US" smtClean="0"/>
               <a:pPr/>
-              <a:t>6/15/2013</a:t>
+              <a:t>06/15/2013</a:t>
             </a:fld>
             <a:endParaRPr lang="en-US"/>
           </a:p>
@@ -8244,7 +10862,502 @@
   <p:timing>
     <p:tnLst>
       <p:par>
-        <p:cTn id="1" dur="indefinite" restart="never" nodeType="tmRoot"/>
+        <p:cTn id="1" dur="indefinite" restart="never" nodeType="tmRoot">
+          <p:childTnLst>
+            <p:seq concurrent="1" nextAc="seek">
+              <p:cTn id="2" dur="indefinite" nodeType="mainSeq">
+                <p:childTnLst>
+                  <p:par>
+                    <p:cTn id="3" fill="hold">
+                      <p:stCondLst>
+                        <p:cond delay="indefinite"/>
+                      </p:stCondLst>
+                      <p:childTnLst>
+                        <p:par>
+                          <p:cTn id="4" fill="hold">
+                            <p:stCondLst>
+                              <p:cond delay="0"/>
+                            </p:stCondLst>
+                            <p:childTnLst>
+                              <p:par>
+                                <p:cTn id="5" presetID="1" presetClass="entr" presetSubtype="0" fill="hold" nodeType="clickEffect">
+                                  <p:stCondLst>
+                                    <p:cond delay="0"/>
+                                  </p:stCondLst>
+                                  <p:childTnLst>
+                                    <p:set>
+                                      <p:cBhvr>
+                                        <p:cTn id="6" dur="1" fill="hold">
+                                          <p:stCondLst>
+                                            <p:cond delay="0"/>
+                                          </p:stCondLst>
+                                        </p:cTn>
+                                        <p:tgtEl>
+                                          <p:spTgt spid="2">
+                                            <p:txEl>
+                                              <p:pRg st="0" end="0"/>
+                                            </p:txEl>
+                                          </p:spTgt>
+                                        </p:tgtEl>
+                                        <p:attrNameLst>
+                                          <p:attrName>style.visibility</p:attrName>
+                                        </p:attrNameLst>
+                                      </p:cBhvr>
+                                      <p:to>
+                                        <p:strVal val="visible"/>
+                                      </p:to>
+                                    </p:set>
+                                  </p:childTnLst>
+                                </p:cTn>
+                              </p:par>
+                              <p:par>
+                                <p:cTn id="7" presetID="1" presetClass="entr" presetSubtype="0" fill="hold" nodeType="withEffect">
+                                  <p:stCondLst>
+                                    <p:cond delay="0"/>
+                                  </p:stCondLst>
+                                  <p:childTnLst>
+                                    <p:set>
+                                      <p:cBhvr>
+                                        <p:cTn id="8" dur="1" fill="hold">
+                                          <p:stCondLst>
+                                            <p:cond delay="0"/>
+                                          </p:stCondLst>
+                                        </p:cTn>
+                                        <p:tgtEl>
+                                          <p:spTgt spid="2">
+                                            <p:txEl>
+                                              <p:pRg st="1" end="1"/>
+                                            </p:txEl>
+                                          </p:spTgt>
+                                        </p:tgtEl>
+                                        <p:attrNameLst>
+                                          <p:attrName>style.visibility</p:attrName>
+                                        </p:attrNameLst>
+                                      </p:cBhvr>
+                                      <p:to>
+                                        <p:strVal val="visible"/>
+                                      </p:to>
+                                    </p:set>
+                                  </p:childTnLst>
+                                </p:cTn>
+                              </p:par>
+                            </p:childTnLst>
+                          </p:cTn>
+                        </p:par>
+                      </p:childTnLst>
+                    </p:cTn>
+                  </p:par>
+                  <p:par>
+                    <p:cTn id="9" fill="hold">
+                      <p:stCondLst>
+                        <p:cond delay="indefinite"/>
+                      </p:stCondLst>
+                      <p:childTnLst>
+                        <p:par>
+                          <p:cTn id="10" fill="hold">
+                            <p:stCondLst>
+                              <p:cond delay="0"/>
+                            </p:stCondLst>
+                            <p:childTnLst>
+                              <p:par>
+                                <p:cTn id="11" presetID="1" presetClass="entr" presetSubtype="0" fill="hold" nodeType="clickEffect">
+                                  <p:stCondLst>
+                                    <p:cond delay="0"/>
+                                  </p:stCondLst>
+                                  <p:childTnLst>
+                                    <p:set>
+                                      <p:cBhvr>
+                                        <p:cTn id="12" dur="1" fill="hold">
+                                          <p:stCondLst>
+                                            <p:cond delay="0"/>
+                                          </p:stCondLst>
+                                        </p:cTn>
+                                        <p:tgtEl>
+                                          <p:spTgt spid="2">
+                                            <p:txEl>
+                                              <p:pRg st="2" end="2"/>
+                                            </p:txEl>
+                                          </p:spTgt>
+                                        </p:tgtEl>
+                                        <p:attrNameLst>
+                                          <p:attrName>style.visibility</p:attrName>
+                                        </p:attrNameLst>
+                                      </p:cBhvr>
+                                      <p:to>
+                                        <p:strVal val="visible"/>
+                                      </p:to>
+                                    </p:set>
+                                  </p:childTnLst>
+                                </p:cTn>
+                              </p:par>
+                            </p:childTnLst>
+                          </p:cTn>
+                        </p:par>
+                      </p:childTnLst>
+                    </p:cTn>
+                  </p:par>
+                  <p:par>
+                    <p:cTn id="13" fill="hold">
+                      <p:stCondLst>
+                        <p:cond delay="indefinite"/>
+                      </p:stCondLst>
+                      <p:childTnLst>
+                        <p:par>
+                          <p:cTn id="14" fill="hold">
+                            <p:stCondLst>
+                              <p:cond delay="0"/>
+                            </p:stCondLst>
+                            <p:childTnLst>
+                              <p:par>
+                                <p:cTn id="15" presetID="1" presetClass="entr" presetSubtype="0" fill="hold" nodeType="clickEffect">
+                                  <p:stCondLst>
+                                    <p:cond delay="0"/>
+                                  </p:stCondLst>
+                                  <p:childTnLst>
+                                    <p:set>
+                                      <p:cBhvr>
+                                        <p:cTn id="16" dur="1" fill="hold">
+                                          <p:stCondLst>
+                                            <p:cond delay="0"/>
+                                          </p:stCondLst>
+                                        </p:cTn>
+                                        <p:tgtEl>
+                                          <p:spTgt spid="2">
+                                            <p:txEl>
+                                              <p:pRg st="3" end="3"/>
+                                            </p:txEl>
+                                          </p:spTgt>
+                                        </p:tgtEl>
+                                        <p:attrNameLst>
+                                          <p:attrName>style.visibility</p:attrName>
+                                        </p:attrNameLst>
+                                      </p:cBhvr>
+                                      <p:to>
+                                        <p:strVal val="visible"/>
+                                      </p:to>
+                                    </p:set>
+                                  </p:childTnLst>
+                                </p:cTn>
+                              </p:par>
+                            </p:childTnLst>
+                          </p:cTn>
+                        </p:par>
+                      </p:childTnLst>
+                    </p:cTn>
+                  </p:par>
+                  <p:par>
+                    <p:cTn id="17" fill="hold">
+                      <p:stCondLst>
+                        <p:cond delay="indefinite"/>
+                      </p:stCondLst>
+                      <p:childTnLst>
+                        <p:par>
+                          <p:cTn id="18" fill="hold">
+                            <p:stCondLst>
+                              <p:cond delay="0"/>
+                            </p:stCondLst>
+                            <p:childTnLst>
+                              <p:par>
+                                <p:cTn id="19" presetID="1" presetClass="entr" presetSubtype="0" fill="hold" nodeType="clickEffect">
+                                  <p:stCondLst>
+                                    <p:cond delay="0"/>
+                                  </p:stCondLst>
+                                  <p:childTnLst>
+                                    <p:set>
+                                      <p:cBhvr>
+                                        <p:cTn id="20" dur="1" fill="hold">
+                                          <p:stCondLst>
+                                            <p:cond delay="0"/>
+                                          </p:stCondLst>
+                                        </p:cTn>
+                                        <p:tgtEl>
+                                          <p:spTgt spid="2">
+                                            <p:txEl>
+                                              <p:pRg st="4" end="4"/>
+                                            </p:txEl>
+                                          </p:spTgt>
+                                        </p:tgtEl>
+                                        <p:attrNameLst>
+                                          <p:attrName>style.visibility</p:attrName>
+                                        </p:attrNameLst>
+                                      </p:cBhvr>
+                                      <p:to>
+                                        <p:strVal val="visible"/>
+                                      </p:to>
+                                    </p:set>
+                                  </p:childTnLst>
+                                </p:cTn>
+                              </p:par>
+                            </p:childTnLst>
+                          </p:cTn>
+                        </p:par>
+                      </p:childTnLst>
+                    </p:cTn>
+                  </p:par>
+                  <p:par>
+                    <p:cTn id="21" fill="hold">
+                      <p:stCondLst>
+                        <p:cond delay="indefinite"/>
+                      </p:stCondLst>
+                      <p:childTnLst>
+                        <p:par>
+                          <p:cTn id="22" fill="hold">
+                            <p:stCondLst>
+                              <p:cond delay="0"/>
+                            </p:stCondLst>
+                            <p:childTnLst>
+                              <p:par>
+                                <p:cTn id="23" presetID="1" presetClass="entr" presetSubtype="0" fill="hold" nodeType="clickEffect">
+                                  <p:stCondLst>
+                                    <p:cond delay="0"/>
+                                  </p:stCondLst>
+                                  <p:childTnLst>
+                                    <p:set>
+                                      <p:cBhvr>
+                                        <p:cTn id="24" dur="1" fill="hold">
+                                          <p:stCondLst>
+                                            <p:cond delay="0"/>
+                                          </p:stCondLst>
+                                        </p:cTn>
+                                        <p:tgtEl>
+                                          <p:spTgt spid="2">
+                                            <p:txEl>
+                                              <p:pRg st="5" end="5"/>
+                                            </p:txEl>
+                                          </p:spTgt>
+                                        </p:tgtEl>
+                                        <p:attrNameLst>
+                                          <p:attrName>style.visibility</p:attrName>
+                                        </p:attrNameLst>
+                                      </p:cBhvr>
+                                      <p:to>
+                                        <p:strVal val="visible"/>
+                                      </p:to>
+                                    </p:set>
+                                  </p:childTnLst>
+                                </p:cTn>
+                              </p:par>
+                            </p:childTnLst>
+                          </p:cTn>
+                        </p:par>
+                      </p:childTnLst>
+                    </p:cTn>
+                  </p:par>
+                  <p:par>
+                    <p:cTn id="25" fill="hold">
+                      <p:stCondLst>
+                        <p:cond delay="indefinite"/>
+                      </p:stCondLst>
+                      <p:childTnLst>
+                        <p:par>
+                          <p:cTn id="26" fill="hold">
+                            <p:stCondLst>
+                              <p:cond delay="0"/>
+                            </p:stCondLst>
+                            <p:childTnLst>
+                              <p:par>
+                                <p:cTn id="27" presetID="1" presetClass="entr" presetSubtype="0" fill="hold" nodeType="clickEffect">
+                                  <p:stCondLst>
+                                    <p:cond delay="0"/>
+                                  </p:stCondLst>
+                                  <p:childTnLst>
+                                    <p:set>
+                                      <p:cBhvr>
+                                        <p:cTn id="28" dur="1" fill="hold">
+                                          <p:stCondLst>
+                                            <p:cond delay="0"/>
+                                          </p:stCondLst>
+                                        </p:cTn>
+                                        <p:tgtEl>
+                                          <p:spTgt spid="2">
+                                            <p:txEl>
+                                              <p:pRg st="6" end="6"/>
+                                            </p:txEl>
+                                          </p:spTgt>
+                                        </p:tgtEl>
+                                        <p:attrNameLst>
+                                          <p:attrName>style.visibility</p:attrName>
+                                        </p:attrNameLst>
+                                      </p:cBhvr>
+                                      <p:to>
+                                        <p:strVal val="visible"/>
+                                      </p:to>
+                                    </p:set>
+                                  </p:childTnLst>
+                                </p:cTn>
+                              </p:par>
+                            </p:childTnLst>
+                          </p:cTn>
+                        </p:par>
+                      </p:childTnLst>
+                    </p:cTn>
+                  </p:par>
+                  <p:par>
+                    <p:cTn id="29" fill="hold">
+                      <p:stCondLst>
+                        <p:cond delay="indefinite"/>
+                      </p:stCondLst>
+                      <p:childTnLst>
+                        <p:par>
+                          <p:cTn id="30" fill="hold">
+                            <p:stCondLst>
+                              <p:cond delay="0"/>
+                            </p:stCondLst>
+                            <p:childTnLst>
+                              <p:par>
+                                <p:cTn id="31" presetID="1" presetClass="entr" presetSubtype="0" fill="hold" nodeType="clickEffect">
+                                  <p:stCondLst>
+                                    <p:cond delay="0"/>
+                                  </p:stCondLst>
+                                  <p:childTnLst>
+                                    <p:set>
+                                      <p:cBhvr>
+                                        <p:cTn id="32" dur="1" fill="hold">
+                                          <p:stCondLst>
+                                            <p:cond delay="0"/>
+                                          </p:stCondLst>
+                                        </p:cTn>
+                                        <p:tgtEl>
+                                          <p:spTgt spid="2">
+                                            <p:txEl>
+                                              <p:pRg st="7" end="7"/>
+                                            </p:txEl>
+                                          </p:spTgt>
+                                        </p:tgtEl>
+                                        <p:attrNameLst>
+                                          <p:attrName>style.visibility</p:attrName>
+                                        </p:attrNameLst>
+                                      </p:cBhvr>
+                                      <p:to>
+                                        <p:strVal val="visible"/>
+                                      </p:to>
+                                    </p:set>
+                                  </p:childTnLst>
+                                </p:cTn>
+                              </p:par>
+                            </p:childTnLst>
+                          </p:cTn>
+                        </p:par>
+                      </p:childTnLst>
+                    </p:cTn>
+                  </p:par>
+                  <p:par>
+                    <p:cTn id="33" fill="hold">
+                      <p:stCondLst>
+                        <p:cond delay="indefinite"/>
+                      </p:stCondLst>
+                      <p:childTnLst>
+                        <p:par>
+                          <p:cTn id="34" fill="hold">
+                            <p:stCondLst>
+                              <p:cond delay="0"/>
+                            </p:stCondLst>
+                            <p:childTnLst>
+                              <p:par>
+                                <p:cTn id="35" presetID="1" presetClass="entr" presetSubtype="0" fill="hold" nodeType="clickEffect">
+                                  <p:stCondLst>
+                                    <p:cond delay="0"/>
+                                  </p:stCondLst>
+                                  <p:childTnLst>
+                                    <p:set>
+                                      <p:cBhvr>
+                                        <p:cTn id="36" dur="1" fill="hold">
+                                          <p:stCondLst>
+                                            <p:cond delay="0"/>
+                                          </p:stCondLst>
+                                        </p:cTn>
+                                        <p:tgtEl>
+                                          <p:spTgt spid="2">
+                                            <p:txEl>
+                                              <p:pRg st="8" end="8"/>
+                                            </p:txEl>
+                                          </p:spTgt>
+                                        </p:tgtEl>
+                                        <p:attrNameLst>
+                                          <p:attrName>style.visibility</p:attrName>
+                                        </p:attrNameLst>
+                                      </p:cBhvr>
+                                      <p:to>
+                                        <p:strVal val="visible"/>
+                                      </p:to>
+                                    </p:set>
+                                  </p:childTnLst>
+                                </p:cTn>
+                              </p:par>
+                            </p:childTnLst>
+                          </p:cTn>
+                        </p:par>
+                      </p:childTnLst>
+                    </p:cTn>
+                  </p:par>
+                  <p:par>
+                    <p:cTn id="37" fill="hold">
+                      <p:stCondLst>
+                        <p:cond delay="indefinite"/>
+                      </p:stCondLst>
+                      <p:childTnLst>
+                        <p:par>
+                          <p:cTn id="38" fill="hold">
+                            <p:stCondLst>
+                              <p:cond delay="0"/>
+                            </p:stCondLst>
+                            <p:childTnLst>
+                              <p:par>
+                                <p:cTn id="39" presetID="1" presetClass="entr" presetSubtype="0" fill="hold" nodeType="clickEffect">
+                                  <p:stCondLst>
+                                    <p:cond delay="0"/>
+                                  </p:stCondLst>
+                                  <p:childTnLst>
+                                    <p:set>
+                                      <p:cBhvr>
+                                        <p:cTn id="40" dur="1" fill="hold">
+                                          <p:stCondLst>
+                                            <p:cond delay="0"/>
+                                          </p:stCondLst>
+                                        </p:cTn>
+                                        <p:tgtEl>
+                                          <p:spTgt spid="2">
+                                            <p:txEl>
+                                              <p:pRg st="9" end="9"/>
+                                            </p:txEl>
+                                          </p:spTgt>
+                                        </p:tgtEl>
+                                        <p:attrNameLst>
+                                          <p:attrName>style.visibility</p:attrName>
+                                        </p:attrNameLst>
+                                      </p:cBhvr>
+                                      <p:to>
+                                        <p:strVal val="visible"/>
+                                      </p:to>
+                                    </p:set>
+                                  </p:childTnLst>
+                                </p:cTn>
+                              </p:par>
+                            </p:childTnLst>
+                          </p:cTn>
+                        </p:par>
+                      </p:childTnLst>
+                    </p:cTn>
+                  </p:par>
+                </p:childTnLst>
+              </p:cTn>
+              <p:prevCondLst>
+                <p:cond evt="onPrev" delay="0">
+                  <p:tgtEl>
+                    <p:sldTgt/>
+                  </p:tgtEl>
+                </p:cond>
+              </p:prevCondLst>
+              <p:nextCondLst>
+                <p:cond evt="onNext" delay="0">
+                  <p:tgtEl>
+                    <p:sldTgt/>
+                  </p:tgtEl>
+                </p:cond>
+              </p:nextCondLst>
+            </p:seq>
+          </p:childTnLst>
+        </p:cTn>
       </p:par>
     </p:tnLst>
   </p:timing>
@@ -8347,7 +11460,7 @@
           <p:nvPr/>
         </p:nvPicPr>
         <p:blipFill>
-          <a:blip r:embed="rId2">
+          <a:blip r:embed="rId3">
             <a:extLst>
               <a:ext uri="{28A0092B-C50C-407E-A947-70E740481C1C}">
                 <a14:useLocalDpi xmlns:a14="http://schemas.microsoft.com/office/drawing/2010/main" val="0"/>
@@ -8525,7 +11638,7 @@
         </p:xfrm>
         <a:graphic>
           <a:graphicData uri="http://schemas.openxmlformats.org/drawingml/2006/chart">
-            <c:chart xmlns:c="http://schemas.openxmlformats.org/drawingml/2006/chart" xmlns:r="http://schemas.openxmlformats.org/officeDocument/2006/relationships" r:id="rId2"/>
+            <c:chart xmlns:c="http://schemas.openxmlformats.org/drawingml/2006/chart" xmlns:r="http://schemas.openxmlformats.org/officeDocument/2006/relationships" r:id="rId3"/>
           </a:graphicData>
         </a:graphic>
       </p:graphicFrame>
@@ -8587,7 +11700,15 @@
             </a:r>
             <a:r>
               <a:rPr lang="en-US" dirty="0"/>
-              <a:t>of transmit rate regarding to RSSI</a:t>
+              <a:t>of </a:t>
+            </a:r>
+            <a:r>
+              <a:rPr lang="en-US" i="1" dirty="0"/>
+              <a:t>transmit rate </a:t>
+            </a:r>
+            <a:r>
+              <a:rPr lang="en-US" dirty="0"/>
+              <a:t>regarding to RSSI</a:t>
             </a:r>
           </a:p>
           <a:p>
@@ -8652,7 +11773,7 @@
         </p:xfrm>
         <a:graphic>
           <a:graphicData uri="http://schemas.openxmlformats.org/drawingml/2006/chart">
-            <c:chart xmlns:c="http://schemas.openxmlformats.org/drawingml/2006/chart" xmlns:r="http://schemas.openxmlformats.org/officeDocument/2006/relationships" r:id="rId2"/>
+            <c:chart xmlns:c="http://schemas.openxmlformats.org/drawingml/2006/chart" xmlns:r="http://schemas.openxmlformats.org/officeDocument/2006/relationships" r:id="rId3"/>
           </a:graphicData>
         </a:graphic>
       </p:graphicFrame>
@@ -8837,7 +11958,7 @@
           <p:nvPr/>
         </p:nvPicPr>
         <p:blipFill>
-          <a:blip r:embed="rId2">
+          <a:blip r:embed="rId3">
             <a:extLst>
               <a:ext uri="{28A0092B-C50C-407E-A947-70E740481C1C}">
                 <a14:useLocalDpi xmlns:a14="http://schemas.microsoft.com/office/drawing/2010/main" val="0"/>
@@ -9004,7 +12125,177 @@
   <p:timing>
     <p:tnLst>
       <p:par>
-        <p:cTn id="1" dur="indefinite" restart="never" nodeType="tmRoot"/>
+        <p:cTn id="1" dur="indefinite" restart="never" nodeType="tmRoot">
+          <p:childTnLst>
+            <p:seq concurrent="1" nextAc="seek">
+              <p:cTn id="2" dur="indefinite" nodeType="mainSeq">
+                <p:childTnLst>
+                  <p:par>
+                    <p:cTn id="3" fill="hold">
+                      <p:stCondLst>
+                        <p:cond delay="indefinite"/>
+                      </p:stCondLst>
+                      <p:childTnLst>
+                        <p:par>
+                          <p:cTn id="4" fill="hold">
+                            <p:stCondLst>
+                              <p:cond delay="0"/>
+                            </p:stCondLst>
+                            <p:childTnLst>
+                              <p:par>
+                                <p:cTn id="5" presetID="1" presetClass="entr" presetSubtype="0" fill="hold" nodeType="clickEffect">
+                                  <p:stCondLst>
+                                    <p:cond delay="0"/>
+                                  </p:stCondLst>
+                                  <p:childTnLst>
+                                    <p:set>
+                                      <p:cBhvr>
+                                        <p:cTn id="6" dur="1" fill="hold">
+                                          <p:stCondLst>
+                                            <p:cond delay="0"/>
+                                          </p:stCondLst>
+                                        </p:cTn>
+                                        <p:tgtEl>
+                                          <p:spTgt spid="2">
+                                            <p:txEl>
+                                              <p:pRg st="0" end="0"/>
+                                            </p:txEl>
+                                          </p:spTgt>
+                                        </p:tgtEl>
+                                        <p:attrNameLst>
+                                          <p:attrName>style.visibility</p:attrName>
+                                        </p:attrNameLst>
+                                      </p:cBhvr>
+                                      <p:to>
+                                        <p:strVal val="visible"/>
+                                      </p:to>
+                                    </p:set>
+                                  </p:childTnLst>
+                                </p:cTn>
+                              </p:par>
+                            </p:childTnLst>
+                          </p:cTn>
+                        </p:par>
+                      </p:childTnLst>
+                    </p:cTn>
+                  </p:par>
+                  <p:par>
+                    <p:cTn id="7" fill="hold">
+                      <p:stCondLst>
+                        <p:cond delay="indefinite"/>
+                      </p:stCondLst>
+                      <p:childTnLst>
+                        <p:par>
+                          <p:cTn id="8" fill="hold">
+                            <p:stCondLst>
+                              <p:cond delay="0"/>
+                            </p:stCondLst>
+                            <p:childTnLst>
+                              <p:par>
+                                <p:cTn id="9" presetID="1" presetClass="entr" presetSubtype="0" fill="hold" nodeType="clickEffect">
+                                  <p:stCondLst>
+                                    <p:cond delay="0"/>
+                                  </p:stCondLst>
+                                  <p:childTnLst>
+                                    <p:set>
+                                      <p:cBhvr>
+                                        <p:cTn id="10" dur="1" fill="hold">
+                                          <p:stCondLst>
+                                            <p:cond delay="0"/>
+                                          </p:stCondLst>
+                                        </p:cTn>
+                                        <p:tgtEl>
+                                          <p:spTgt spid="2">
+                                            <p:txEl>
+                                              <p:pRg st="2" end="2"/>
+                                            </p:txEl>
+                                          </p:spTgt>
+                                        </p:tgtEl>
+                                        <p:attrNameLst>
+                                          <p:attrName>style.visibility</p:attrName>
+                                        </p:attrNameLst>
+                                      </p:cBhvr>
+                                      <p:to>
+                                        <p:strVal val="visible"/>
+                                      </p:to>
+                                    </p:set>
+                                  </p:childTnLst>
+                                </p:cTn>
+                              </p:par>
+                            </p:childTnLst>
+                          </p:cTn>
+                        </p:par>
+                      </p:childTnLst>
+                    </p:cTn>
+                  </p:par>
+                  <p:par>
+                    <p:cTn id="11" fill="hold">
+                      <p:stCondLst>
+                        <p:cond delay="indefinite"/>
+                      </p:stCondLst>
+                      <p:childTnLst>
+                        <p:par>
+                          <p:cTn id="12" fill="hold">
+                            <p:stCondLst>
+                              <p:cond delay="0"/>
+                            </p:stCondLst>
+                            <p:childTnLst>
+                              <p:par>
+                                <p:cTn id="13" presetID="1" presetClass="entr" presetSubtype="0" fill="hold" nodeType="clickEffect">
+                                  <p:stCondLst>
+                                    <p:cond delay="0"/>
+                                  </p:stCondLst>
+                                  <p:childTnLst>
+                                    <p:set>
+                                      <p:cBhvr>
+                                        <p:cTn id="14" dur="1" fill="hold">
+                                          <p:stCondLst>
+                                            <p:cond delay="0"/>
+                                          </p:stCondLst>
+                                        </p:cTn>
+                                        <p:tgtEl>
+                                          <p:spTgt spid="2">
+                                            <p:txEl>
+                                              <p:pRg st="4" end="4"/>
+                                            </p:txEl>
+                                          </p:spTgt>
+                                        </p:tgtEl>
+                                        <p:attrNameLst>
+                                          <p:attrName>style.visibility</p:attrName>
+                                        </p:attrNameLst>
+                                      </p:cBhvr>
+                                      <p:to>
+                                        <p:strVal val="visible"/>
+                                      </p:to>
+                                    </p:set>
+                                  </p:childTnLst>
+                                </p:cTn>
+                              </p:par>
+                            </p:childTnLst>
+                          </p:cTn>
+                        </p:par>
+                      </p:childTnLst>
+                    </p:cTn>
+                  </p:par>
+                </p:childTnLst>
+              </p:cTn>
+              <p:prevCondLst>
+                <p:cond evt="onPrev" delay="0">
+                  <p:tgtEl>
+                    <p:sldTgt/>
+                  </p:tgtEl>
+                </p:cond>
+              </p:prevCondLst>
+              <p:nextCondLst>
+                <p:cond evt="onNext" delay="0">
+                  <p:tgtEl>
+                    <p:sldTgt/>
+                  </p:tgtEl>
+                </p:cond>
+              </p:nextCondLst>
+            </p:seq>
+          </p:childTnLst>
+        </p:cTn>
       </p:par>
     </p:tnLst>
   </p:timing>
@@ -9066,7 +12357,15 @@
           <a:p>
             <a:r>
               <a:rPr lang="en-US" dirty="0"/>
-              <a:t>Each channel is sent X packets</a:t>
+              <a:t>Each channel </a:t>
+            </a:r>
+            <a:r>
+              <a:rPr lang="en-US" dirty="0" smtClean="0"/>
+              <a:t>sends </a:t>
+            </a:r>
+            <a:r>
+              <a:rPr lang="en-US" dirty="0"/>
+              <a:t>X packets</a:t>
             </a:r>
           </a:p>
           <a:p>
@@ -9150,7 +12449,226 @@
   <p:timing>
     <p:tnLst>
       <p:par>
-        <p:cTn id="1" dur="indefinite" restart="never" nodeType="tmRoot"/>
+        <p:cTn id="1" dur="indefinite" restart="never" nodeType="tmRoot">
+          <p:childTnLst>
+            <p:seq concurrent="1" nextAc="seek">
+              <p:cTn id="2" dur="indefinite" nodeType="mainSeq">
+                <p:childTnLst>
+                  <p:par>
+                    <p:cTn id="3" fill="hold">
+                      <p:stCondLst>
+                        <p:cond delay="indefinite"/>
+                      </p:stCondLst>
+                      <p:childTnLst>
+                        <p:par>
+                          <p:cTn id="4" fill="hold">
+                            <p:stCondLst>
+                              <p:cond delay="0"/>
+                            </p:stCondLst>
+                            <p:childTnLst>
+                              <p:par>
+                                <p:cTn id="5" presetID="1" presetClass="entr" presetSubtype="0" fill="hold" nodeType="clickEffect">
+                                  <p:stCondLst>
+                                    <p:cond delay="0"/>
+                                  </p:stCondLst>
+                                  <p:childTnLst>
+                                    <p:set>
+                                      <p:cBhvr>
+                                        <p:cTn id="6" dur="1" fill="hold">
+                                          <p:stCondLst>
+                                            <p:cond delay="0"/>
+                                          </p:stCondLst>
+                                        </p:cTn>
+                                        <p:tgtEl>
+                                          <p:spTgt spid="2">
+                                            <p:txEl>
+                                              <p:pRg st="0" end="0"/>
+                                            </p:txEl>
+                                          </p:spTgt>
+                                        </p:tgtEl>
+                                        <p:attrNameLst>
+                                          <p:attrName>style.visibility</p:attrName>
+                                        </p:attrNameLst>
+                                      </p:cBhvr>
+                                      <p:to>
+                                        <p:strVal val="visible"/>
+                                      </p:to>
+                                    </p:set>
+                                  </p:childTnLst>
+                                </p:cTn>
+                              </p:par>
+                            </p:childTnLst>
+                          </p:cTn>
+                        </p:par>
+                      </p:childTnLst>
+                    </p:cTn>
+                  </p:par>
+                  <p:par>
+                    <p:cTn id="7" fill="hold">
+                      <p:stCondLst>
+                        <p:cond delay="indefinite"/>
+                      </p:stCondLst>
+                      <p:childTnLst>
+                        <p:par>
+                          <p:cTn id="8" fill="hold">
+                            <p:stCondLst>
+                              <p:cond delay="0"/>
+                            </p:stCondLst>
+                            <p:childTnLst>
+                              <p:par>
+                                <p:cTn id="9" presetID="1" presetClass="entr" presetSubtype="0" fill="hold" nodeType="clickEffect">
+                                  <p:stCondLst>
+                                    <p:cond delay="0"/>
+                                  </p:stCondLst>
+                                  <p:childTnLst>
+                                    <p:set>
+                                      <p:cBhvr>
+                                        <p:cTn id="10" dur="1" fill="hold">
+                                          <p:stCondLst>
+                                            <p:cond delay="0"/>
+                                          </p:stCondLst>
+                                        </p:cTn>
+                                        <p:tgtEl>
+                                          <p:spTgt spid="2">
+                                            <p:txEl>
+                                              <p:pRg st="2" end="2"/>
+                                            </p:txEl>
+                                          </p:spTgt>
+                                        </p:tgtEl>
+                                        <p:attrNameLst>
+                                          <p:attrName>style.visibility</p:attrName>
+                                        </p:attrNameLst>
+                                      </p:cBhvr>
+                                      <p:to>
+                                        <p:strVal val="visible"/>
+                                      </p:to>
+                                    </p:set>
+                                  </p:childTnLst>
+                                </p:cTn>
+                              </p:par>
+                            </p:childTnLst>
+                          </p:cTn>
+                        </p:par>
+                      </p:childTnLst>
+                    </p:cTn>
+                  </p:par>
+                  <p:par>
+                    <p:cTn id="11" fill="hold">
+                      <p:stCondLst>
+                        <p:cond delay="indefinite"/>
+                      </p:stCondLst>
+                      <p:childTnLst>
+                        <p:par>
+                          <p:cTn id="12" fill="hold">
+                            <p:stCondLst>
+                              <p:cond delay="0"/>
+                            </p:stCondLst>
+                            <p:childTnLst>
+                              <p:par>
+                                <p:cTn id="13" presetID="1" presetClass="entr" presetSubtype="0" fill="hold" nodeType="clickEffect">
+                                  <p:stCondLst>
+                                    <p:cond delay="0"/>
+                                  </p:stCondLst>
+                                  <p:childTnLst>
+                                    <p:set>
+                                      <p:cBhvr>
+                                        <p:cTn id="14" dur="1" fill="hold">
+                                          <p:stCondLst>
+                                            <p:cond delay="0"/>
+                                          </p:stCondLst>
+                                        </p:cTn>
+                                        <p:tgtEl>
+                                          <p:spTgt spid="2">
+                                            <p:txEl>
+                                              <p:pRg st="4" end="4"/>
+                                            </p:txEl>
+                                          </p:spTgt>
+                                        </p:tgtEl>
+                                        <p:attrNameLst>
+                                          <p:attrName>style.visibility</p:attrName>
+                                        </p:attrNameLst>
+                                      </p:cBhvr>
+                                      <p:to>
+                                        <p:strVal val="visible"/>
+                                      </p:to>
+                                    </p:set>
+                                  </p:childTnLst>
+                                </p:cTn>
+                              </p:par>
+                            </p:childTnLst>
+                          </p:cTn>
+                        </p:par>
+                      </p:childTnLst>
+                    </p:cTn>
+                  </p:par>
+                  <p:par>
+                    <p:cTn id="15" fill="hold">
+                      <p:stCondLst>
+                        <p:cond delay="indefinite"/>
+                      </p:stCondLst>
+                      <p:childTnLst>
+                        <p:par>
+                          <p:cTn id="16" fill="hold">
+                            <p:stCondLst>
+                              <p:cond delay="0"/>
+                            </p:stCondLst>
+                            <p:childTnLst>
+                              <p:par>
+                                <p:cTn id="17" presetID="1" presetClass="entr" presetSubtype="0" fill="hold" nodeType="clickEffect">
+                                  <p:stCondLst>
+                                    <p:cond delay="0"/>
+                                  </p:stCondLst>
+                                  <p:childTnLst>
+                                    <p:set>
+                                      <p:cBhvr>
+                                        <p:cTn id="18" dur="1" fill="hold">
+                                          <p:stCondLst>
+                                            <p:cond delay="0"/>
+                                          </p:stCondLst>
+                                        </p:cTn>
+                                        <p:tgtEl>
+                                          <p:spTgt spid="2">
+                                            <p:txEl>
+                                              <p:pRg st="6" end="6"/>
+                                            </p:txEl>
+                                          </p:spTgt>
+                                        </p:tgtEl>
+                                        <p:attrNameLst>
+                                          <p:attrName>style.visibility</p:attrName>
+                                        </p:attrNameLst>
+                                      </p:cBhvr>
+                                      <p:to>
+                                        <p:strVal val="visible"/>
+                                      </p:to>
+                                    </p:set>
+                                  </p:childTnLst>
+                                </p:cTn>
+                              </p:par>
+                            </p:childTnLst>
+                          </p:cTn>
+                        </p:par>
+                      </p:childTnLst>
+                    </p:cTn>
+                  </p:par>
+                </p:childTnLst>
+              </p:cTn>
+              <p:prevCondLst>
+                <p:cond evt="onPrev" delay="0">
+                  <p:tgtEl>
+                    <p:sldTgt/>
+                  </p:tgtEl>
+                </p:cond>
+              </p:prevCondLst>
+              <p:nextCondLst>
+                <p:cond evt="onNext" delay="0">
+                  <p:tgtEl>
+                    <p:sldTgt/>
+                  </p:tgtEl>
+                </p:cond>
+              </p:nextCondLst>
+            </p:seq>
+          </p:childTnLst>
+        </p:cTn>
       </p:par>
     </p:tnLst>
   </p:timing>
@@ -9216,12 +12734,12 @@
           <a:graphicData uri="http://schemas.openxmlformats.org/presentationml/2006/ole">
             <mc:AlternateContent xmlns:mc="http://schemas.openxmlformats.org/markup-compatibility/2006">
               <mc:Choice xmlns:v="urn:schemas-microsoft-com:vml" Requires="v">
-                <p:oleObj spid="_x0000_s3183" name="Visio" r:id="rId3" imgW="9147060" imgH="7289860" progId="Visio.Drawing.11">
+                <p:oleObj spid="_x0000_s3202" name="Visio" r:id="rId4" imgW="9147060" imgH="7289860" progId="Visio.Drawing.11">
                   <p:embed/>
                 </p:oleObj>
               </mc:Choice>
               <mc:Fallback>
-                <p:oleObj name="Visio" r:id="rId3" imgW="9147060" imgH="7289860" progId="Visio.Drawing.11">
+                <p:oleObj name="Visio" r:id="rId4" imgW="9147060" imgH="7289860" progId="Visio.Drawing.11">
                   <p:embed/>
                   <p:pic>
                     <p:nvPicPr>
@@ -9230,7 +12748,7 @@
                       <p:nvPr/>
                     </p:nvPicPr>
                     <p:blipFill>
-                      <a:blip r:embed="rId4"/>
+                      <a:blip r:embed="rId5"/>
                       <a:stretch>
                         <a:fillRect/>
                       </a:stretch>
@@ -9427,7 +12945,275 @@
   <p:timing>
     <p:tnLst>
       <p:par>
-        <p:cTn id="1" dur="indefinite" restart="never" nodeType="tmRoot"/>
+        <p:cTn id="1" dur="indefinite" restart="never" nodeType="tmRoot">
+          <p:childTnLst>
+            <p:seq concurrent="1" nextAc="seek">
+              <p:cTn id="2" dur="indefinite" nodeType="mainSeq">
+                <p:childTnLst>
+                  <p:par>
+                    <p:cTn id="3" fill="hold">
+                      <p:stCondLst>
+                        <p:cond delay="indefinite"/>
+                      </p:stCondLst>
+                      <p:childTnLst>
+                        <p:par>
+                          <p:cTn id="4" fill="hold">
+                            <p:stCondLst>
+                              <p:cond delay="0"/>
+                            </p:stCondLst>
+                            <p:childTnLst>
+                              <p:par>
+                                <p:cTn id="5" presetID="1" presetClass="entr" presetSubtype="0" fill="hold" nodeType="clickEffect">
+                                  <p:stCondLst>
+                                    <p:cond delay="0"/>
+                                  </p:stCondLst>
+                                  <p:childTnLst>
+                                    <p:set>
+                                      <p:cBhvr>
+                                        <p:cTn id="6" dur="1" fill="hold">
+                                          <p:stCondLst>
+                                            <p:cond delay="0"/>
+                                          </p:stCondLst>
+                                        </p:cTn>
+                                        <p:tgtEl>
+                                          <p:spTgt spid="2">
+                                            <p:txEl>
+                                              <p:pRg st="1" end="1"/>
+                                            </p:txEl>
+                                          </p:spTgt>
+                                        </p:tgtEl>
+                                        <p:attrNameLst>
+                                          <p:attrName>style.visibility</p:attrName>
+                                        </p:attrNameLst>
+                                      </p:cBhvr>
+                                      <p:to>
+                                        <p:strVal val="visible"/>
+                                      </p:to>
+                                    </p:set>
+                                  </p:childTnLst>
+                                </p:cTn>
+                              </p:par>
+                            </p:childTnLst>
+                          </p:cTn>
+                        </p:par>
+                      </p:childTnLst>
+                    </p:cTn>
+                  </p:par>
+                  <p:par>
+                    <p:cTn id="7" fill="hold">
+                      <p:stCondLst>
+                        <p:cond delay="indefinite"/>
+                      </p:stCondLst>
+                      <p:childTnLst>
+                        <p:par>
+                          <p:cTn id="8" fill="hold">
+                            <p:stCondLst>
+                              <p:cond delay="0"/>
+                            </p:stCondLst>
+                            <p:childTnLst>
+                              <p:par>
+                                <p:cTn id="9" presetID="1" presetClass="entr" presetSubtype="0" fill="hold" nodeType="clickEffect">
+                                  <p:stCondLst>
+                                    <p:cond delay="0"/>
+                                  </p:stCondLst>
+                                  <p:childTnLst>
+                                    <p:set>
+                                      <p:cBhvr>
+                                        <p:cTn id="10" dur="1" fill="hold">
+                                          <p:stCondLst>
+                                            <p:cond delay="0"/>
+                                          </p:stCondLst>
+                                        </p:cTn>
+                                        <p:tgtEl>
+                                          <p:spTgt spid="2">
+                                            <p:txEl>
+                                              <p:pRg st="2" end="2"/>
+                                            </p:txEl>
+                                          </p:spTgt>
+                                        </p:tgtEl>
+                                        <p:attrNameLst>
+                                          <p:attrName>style.visibility</p:attrName>
+                                        </p:attrNameLst>
+                                      </p:cBhvr>
+                                      <p:to>
+                                        <p:strVal val="visible"/>
+                                      </p:to>
+                                    </p:set>
+                                  </p:childTnLst>
+                                </p:cTn>
+                              </p:par>
+                            </p:childTnLst>
+                          </p:cTn>
+                        </p:par>
+                      </p:childTnLst>
+                    </p:cTn>
+                  </p:par>
+                  <p:par>
+                    <p:cTn id="11" fill="hold">
+                      <p:stCondLst>
+                        <p:cond delay="indefinite"/>
+                      </p:stCondLst>
+                      <p:childTnLst>
+                        <p:par>
+                          <p:cTn id="12" fill="hold">
+                            <p:stCondLst>
+                              <p:cond delay="0"/>
+                            </p:stCondLst>
+                            <p:childTnLst>
+                              <p:par>
+                                <p:cTn id="13" presetID="1" presetClass="entr" presetSubtype="0" fill="hold" nodeType="clickEffect">
+                                  <p:stCondLst>
+                                    <p:cond delay="0"/>
+                                  </p:stCondLst>
+                                  <p:childTnLst>
+                                    <p:set>
+                                      <p:cBhvr>
+                                        <p:cTn id="14" dur="1" fill="hold">
+                                          <p:stCondLst>
+                                            <p:cond delay="0"/>
+                                          </p:stCondLst>
+                                        </p:cTn>
+                                        <p:tgtEl>
+                                          <p:spTgt spid="2">
+                                            <p:txEl>
+                                              <p:pRg st="3" end="3"/>
+                                            </p:txEl>
+                                          </p:spTgt>
+                                        </p:tgtEl>
+                                        <p:attrNameLst>
+                                          <p:attrName>style.visibility</p:attrName>
+                                        </p:attrNameLst>
+                                      </p:cBhvr>
+                                      <p:to>
+                                        <p:strVal val="visible"/>
+                                      </p:to>
+                                    </p:set>
+                                  </p:childTnLst>
+                                </p:cTn>
+                              </p:par>
+                            </p:childTnLst>
+                          </p:cTn>
+                        </p:par>
+                      </p:childTnLst>
+                    </p:cTn>
+                  </p:par>
+                  <p:par>
+                    <p:cTn id="15" fill="hold">
+                      <p:stCondLst>
+                        <p:cond delay="indefinite"/>
+                      </p:stCondLst>
+                      <p:childTnLst>
+                        <p:par>
+                          <p:cTn id="16" fill="hold">
+                            <p:stCondLst>
+                              <p:cond delay="0"/>
+                            </p:stCondLst>
+                            <p:childTnLst>
+                              <p:par>
+                                <p:cTn id="17" presetID="1" presetClass="entr" presetSubtype="0" fill="hold" nodeType="clickEffect">
+                                  <p:stCondLst>
+                                    <p:cond delay="0"/>
+                                  </p:stCondLst>
+                                  <p:childTnLst>
+                                    <p:set>
+                                      <p:cBhvr>
+                                        <p:cTn id="18" dur="1" fill="hold">
+                                          <p:stCondLst>
+                                            <p:cond delay="0"/>
+                                          </p:stCondLst>
+                                        </p:cTn>
+                                        <p:tgtEl>
+                                          <p:spTgt spid="2">
+                                            <p:txEl>
+                                              <p:pRg st="6" end="6"/>
+                                            </p:txEl>
+                                          </p:spTgt>
+                                        </p:tgtEl>
+                                        <p:attrNameLst>
+                                          <p:attrName>style.visibility</p:attrName>
+                                        </p:attrNameLst>
+                                      </p:cBhvr>
+                                      <p:to>
+                                        <p:strVal val="visible"/>
+                                      </p:to>
+                                    </p:set>
+                                  </p:childTnLst>
+                                </p:cTn>
+                              </p:par>
+                            </p:childTnLst>
+                          </p:cTn>
+                        </p:par>
+                      </p:childTnLst>
+                    </p:cTn>
+                  </p:par>
+                  <p:par>
+                    <p:cTn id="19" fill="hold">
+                      <p:stCondLst>
+                        <p:cond delay="indefinite"/>
+                      </p:stCondLst>
+                      <p:childTnLst>
+                        <p:par>
+                          <p:cTn id="20" fill="hold">
+                            <p:stCondLst>
+                              <p:cond delay="0"/>
+                            </p:stCondLst>
+                            <p:childTnLst>
+                              <p:par>
+                                <p:cTn id="21" presetID="1" presetClass="entr" presetSubtype="0" fill="hold" nodeType="clickEffect">
+                                  <p:stCondLst>
+                                    <p:cond delay="0"/>
+                                  </p:stCondLst>
+                                  <p:childTnLst>
+                                    <p:set>
+                                      <p:cBhvr>
+                                        <p:cTn id="22" dur="1" fill="hold">
+                                          <p:stCondLst>
+                                            <p:cond delay="0"/>
+                                          </p:stCondLst>
+                                        </p:cTn>
+                                        <p:tgtEl>
+                                          <p:spTgt spid="2">
+                                            <p:txEl>
+                                              <p:pRg st="7" end="7"/>
+                                            </p:txEl>
+                                          </p:spTgt>
+                                        </p:tgtEl>
+                                        <p:attrNameLst>
+                                          <p:attrName>style.visibility</p:attrName>
+                                        </p:attrNameLst>
+                                      </p:cBhvr>
+                                      <p:to>
+                                        <p:strVal val="visible"/>
+                                      </p:to>
+                                    </p:set>
+                                  </p:childTnLst>
+                                </p:cTn>
+                              </p:par>
+                            </p:childTnLst>
+                          </p:cTn>
+                        </p:par>
+                      </p:childTnLst>
+                    </p:cTn>
+                  </p:par>
+                </p:childTnLst>
+              </p:cTn>
+              <p:prevCondLst>
+                <p:cond evt="onPrev" delay="0">
+                  <p:tgtEl>
+                    <p:sldTgt/>
+                  </p:tgtEl>
+                </p:cond>
+              </p:prevCondLst>
+              <p:nextCondLst>
+                <p:cond evt="onNext" delay="0">
+                  <p:tgtEl>
+                    <p:sldTgt/>
+                  </p:tgtEl>
+                </p:cond>
+              </p:nextCondLst>
+            </p:seq>
+          </p:childTnLst>
+        </p:cTn>
       </p:par>
     </p:tnLst>
   </p:timing>
@@ -9473,12 +13259,12 @@
           <a:graphicData uri="http://schemas.openxmlformats.org/presentationml/2006/ole">
             <mc:AlternateContent xmlns:mc="http://schemas.openxmlformats.org/markup-compatibility/2006">
               <mc:Choice xmlns:v="urn:schemas-microsoft-com:vml" Requires="v">
-                <p:oleObj spid="_x0000_s5163" name="Visio" r:id="rId3" imgW="10758690" imgH="7626560" progId="Visio.Drawing.11">
+                <p:oleObj spid="_x0000_s5183" name="Visio" r:id="rId4" imgW="10758690" imgH="7626560" progId="Visio.Drawing.11">
                   <p:embed/>
                 </p:oleObj>
               </mc:Choice>
               <mc:Fallback>
-                <p:oleObj name="Visio" r:id="rId3" imgW="10758690" imgH="7626560" progId="Visio.Drawing.11">
+                <p:oleObj name="Visio" r:id="rId4" imgW="10758690" imgH="7626560" progId="Visio.Drawing.11">
                   <p:embed/>
                   <p:pic>
                     <p:nvPicPr>
@@ -9489,7 +13275,7 @@
                       <p:nvPr/>
                     </p:nvPicPr>
                     <p:blipFill>
-                      <a:blip r:embed="rId4">
+                      <a:blip r:embed="rId5">
                         <a:extLst>
                           <a:ext uri="{28A0092B-C50C-407E-A947-70E740481C1C}">
                             <a14:useLocalDpi xmlns:a14="http://schemas.microsoft.com/office/drawing/2010/main" val="0"/>
@@ -9626,7 +13412,177 @@
   <p:timing>
     <p:tnLst>
       <p:par>
-        <p:cTn id="1" dur="indefinite" restart="never" nodeType="tmRoot"/>
+        <p:cTn id="1" dur="indefinite" restart="never" nodeType="tmRoot">
+          <p:childTnLst>
+            <p:seq concurrent="1" nextAc="seek">
+              <p:cTn id="2" dur="indefinite" nodeType="mainSeq">
+                <p:childTnLst>
+                  <p:par>
+                    <p:cTn id="3" fill="hold">
+                      <p:stCondLst>
+                        <p:cond delay="indefinite"/>
+                      </p:stCondLst>
+                      <p:childTnLst>
+                        <p:par>
+                          <p:cTn id="4" fill="hold">
+                            <p:stCondLst>
+                              <p:cond delay="0"/>
+                            </p:stCondLst>
+                            <p:childTnLst>
+                              <p:par>
+                                <p:cTn id="5" presetID="1" presetClass="entr" presetSubtype="0" fill="hold" nodeType="clickEffect">
+                                  <p:stCondLst>
+                                    <p:cond delay="0"/>
+                                  </p:stCondLst>
+                                  <p:childTnLst>
+                                    <p:set>
+                                      <p:cBhvr>
+                                        <p:cTn id="6" dur="1" fill="hold">
+                                          <p:stCondLst>
+                                            <p:cond delay="0"/>
+                                          </p:stCondLst>
+                                        </p:cTn>
+                                        <p:tgtEl>
+                                          <p:spTgt spid="2">
+                                            <p:txEl>
+                                              <p:pRg st="2" end="2"/>
+                                            </p:txEl>
+                                          </p:spTgt>
+                                        </p:tgtEl>
+                                        <p:attrNameLst>
+                                          <p:attrName>style.visibility</p:attrName>
+                                        </p:attrNameLst>
+                                      </p:cBhvr>
+                                      <p:to>
+                                        <p:strVal val="visible"/>
+                                      </p:to>
+                                    </p:set>
+                                  </p:childTnLst>
+                                </p:cTn>
+                              </p:par>
+                            </p:childTnLst>
+                          </p:cTn>
+                        </p:par>
+                      </p:childTnLst>
+                    </p:cTn>
+                  </p:par>
+                  <p:par>
+                    <p:cTn id="7" fill="hold">
+                      <p:stCondLst>
+                        <p:cond delay="indefinite"/>
+                      </p:stCondLst>
+                      <p:childTnLst>
+                        <p:par>
+                          <p:cTn id="8" fill="hold">
+                            <p:stCondLst>
+                              <p:cond delay="0"/>
+                            </p:stCondLst>
+                            <p:childTnLst>
+                              <p:par>
+                                <p:cTn id="9" presetID="1" presetClass="entr" presetSubtype="0" fill="hold" nodeType="clickEffect">
+                                  <p:stCondLst>
+                                    <p:cond delay="0"/>
+                                  </p:stCondLst>
+                                  <p:childTnLst>
+                                    <p:set>
+                                      <p:cBhvr>
+                                        <p:cTn id="10" dur="1" fill="hold">
+                                          <p:stCondLst>
+                                            <p:cond delay="0"/>
+                                          </p:stCondLst>
+                                        </p:cTn>
+                                        <p:tgtEl>
+                                          <p:spTgt spid="2">
+                                            <p:txEl>
+                                              <p:pRg st="4" end="4"/>
+                                            </p:txEl>
+                                          </p:spTgt>
+                                        </p:tgtEl>
+                                        <p:attrNameLst>
+                                          <p:attrName>style.visibility</p:attrName>
+                                        </p:attrNameLst>
+                                      </p:cBhvr>
+                                      <p:to>
+                                        <p:strVal val="visible"/>
+                                      </p:to>
+                                    </p:set>
+                                  </p:childTnLst>
+                                </p:cTn>
+                              </p:par>
+                            </p:childTnLst>
+                          </p:cTn>
+                        </p:par>
+                      </p:childTnLst>
+                    </p:cTn>
+                  </p:par>
+                  <p:par>
+                    <p:cTn id="11" fill="hold">
+                      <p:stCondLst>
+                        <p:cond delay="indefinite"/>
+                      </p:stCondLst>
+                      <p:childTnLst>
+                        <p:par>
+                          <p:cTn id="12" fill="hold">
+                            <p:stCondLst>
+                              <p:cond delay="0"/>
+                            </p:stCondLst>
+                            <p:childTnLst>
+                              <p:par>
+                                <p:cTn id="13" presetID="1" presetClass="entr" presetSubtype="0" fill="hold" nodeType="clickEffect">
+                                  <p:stCondLst>
+                                    <p:cond delay="0"/>
+                                  </p:stCondLst>
+                                  <p:childTnLst>
+                                    <p:set>
+                                      <p:cBhvr>
+                                        <p:cTn id="14" dur="1" fill="hold">
+                                          <p:stCondLst>
+                                            <p:cond delay="0"/>
+                                          </p:stCondLst>
+                                        </p:cTn>
+                                        <p:tgtEl>
+                                          <p:spTgt spid="2">
+                                            <p:txEl>
+                                              <p:pRg st="6" end="6"/>
+                                            </p:txEl>
+                                          </p:spTgt>
+                                        </p:tgtEl>
+                                        <p:attrNameLst>
+                                          <p:attrName>style.visibility</p:attrName>
+                                        </p:attrNameLst>
+                                      </p:cBhvr>
+                                      <p:to>
+                                        <p:strVal val="visible"/>
+                                      </p:to>
+                                    </p:set>
+                                  </p:childTnLst>
+                                </p:cTn>
+                              </p:par>
+                            </p:childTnLst>
+                          </p:cTn>
+                        </p:par>
+                      </p:childTnLst>
+                    </p:cTn>
+                  </p:par>
+                </p:childTnLst>
+              </p:cTn>
+              <p:prevCondLst>
+                <p:cond evt="onPrev" delay="0">
+                  <p:tgtEl>
+                    <p:sldTgt/>
+                  </p:tgtEl>
+                </p:cond>
+              </p:prevCondLst>
+              <p:nextCondLst>
+                <p:cond evt="onNext" delay="0">
+                  <p:tgtEl>
+                    <p:sldTgt/>
+                  </p:tgtEl>
+                </p:cond>
+              </p:nextCondLst>
+            </p:seq>
+          </p:childTnLst>
+        </p:cTn>
       </p:par>
     </p:tnLst>
   </p:timing>
@@ -9709,7 +13665,7 @@
           <p:nvPr/>
         </p:nvPicPr>
         <p:blipFill>
-          <a:blip r:embed="rId2">
+          <a:blip r:embed="rId3">
             <a:extLst>
               <a:ext uri="{28A0092B-C50C-407E-A947-70E740481C1C}">
                 <a14:useLocalDpi xmlns:a14="http://schemas.microsoft.com/office/drawing/2010/main" val="0"/>
@@ -9767,7 +13723,7 @@
                             </p:stCondLst>
                             <p:childTnLst>
                               <p:par>
-                                <p:cTn id="5" presetID="2" presetClass="entr" presetSubtype="4" fill="hold" nodeType="clickEffect">
+                                <p:cTn id="5" presetID="1" presetClass="entr" presetSubtype="0" fill="hold" grpId="0" nodeType="clickEffect">
                                   <p:stCondLst>
                                     <p:cond delay="0"/>
                                   </p:stCondLst>
@@ -9775,6 +13731,37 @@
                                     <p:set>
                                       <p:cBhvr>
                                         <p:cTn id="6" dur="1" fill="hold">
+                                          <p:stCondLst>
+                                            <p:cond delay="0"/>
+                                          </p:stCondLst>
+                                        </p:cTn>
+                                        <p:tgtEl>
+                                          <p:spTgt spid="2">
+                                            <p:txEl>
+                                              <p:pRg st="0" end="0"/>
+                                            </p:txEl>
+                                          </p:spTgt>
+                                        </p:tgtEl>
+                                        <p:attrNameLst>
+                                          <p:attrName>style.visibility</p:attrName>
+                                        </p:attrNameLst>
+                                      </p:cBhvr>
+                                      <p:to>
+                                        <p:strVal val="visible"/>
+                                      </p:to>
+                                    </p:set>
+                                  </p:childTnLst>
+                                </p:cTn>
+                              </p:par>
+                              <p:par>
+                                <p:cTn id="7" presetID="1" presetClass="entr" presetSubtype="0" fill="hold" nodeType="withEffect">
+                                  <p:stCondLst>
+                                    <p:cond delay="0"/>
+                                  </p:stCondLst>
+                                  <p:childTnLst>
+                                    <p:set>
+                                      <p:cBhvr>
+                                        <p:cTn id="8" dur="1" fill="hold">
                                           <p:stCondLst>
                                             <p:cond delay="0"/>
                                           </p:stCondLst>
@@ -9790,52 +13777,6 @@
                                         <p:strVal val="visible"/>
                                       </p:to>
                                     </p:set>
-                                    <p:anim calcmode="lin" valueType="num">
-                                      <p:cBhvr additive="base">
-                                        <p:cTn id="7" dur="500" fill="hold"/>
-                                        <p:tgtEl>
-                                          <p:spTgt spid="4"/>
-                                        </p:tgtEl>
-                                        <p:attrNameLst>
-                                          <p:attrName>ppt_x</p:attrName>
-                                        </p:attrNameLst>
-                                      </p:cBhvr>
-                                      <p:tavLst>
-                                        <p:tav tm="0">
-                                          <p:val>
-                                            <p:strVal val="#ppt_x"/>
-                                          </p:val>
-                                        </p:tav>
-                                        <p:tav tm="100000">
-                                          <p:val>
-                                            <p:strVal val="#ppt_x"/>
-                                          </p:val>
-                                        </p:tav>
-                                      </p:tavLst>
-                                    </p:anim>
-                                    <p:anim calcmode="lin" valueType="num">
-                                      <p:cBhvr additive="base">
-                                        <p:cTn id="8" dur="500" fill="hold"/>
-                                        <p:tgtEl>
-                                          <p:spTgt spid="4"/>
-                                        </p:tgtEl>
-                                        <p:attrNameLst>
-                                          <p:attrName>ppt_y</p:attrName>
-                                        </p:attrNameLst>
-                                      </p:cBhvr>
-                                      <p:tavLst>
-                                        <p:tav tm="0">
-                                          <p:val>
-                                            <p:strVal val="1+#ppt_h/2"/>
-                                          </p:val>
-                                        </p:tav>
-                                        <p:tav tm="100000">
-                                          <p:val>
-                                            <p:strVal val="#ppt_y"/>
-                                          </p:val>
-                                        </p:tav>
-                                      </p:tavLst>
-                                    </p:anim>
                                   </p:childTnLst>
                                 </p:cTn>
                               </p:par>
@@ -9866,6 +13807,9 @@
         </p:cTn>
       </p:par>
     </p:tnLst>
+    <p:bldLst>
+      <p:bldP spid="2" grpId="0" build="p"/>
+    </p:bldLst>
   </p:timing>
 </p:sld>
 </file>
@@ -9909,12 +13853,12 @@
           <a:graphicData uri="http://schemas.openxmlformats.org/presentationml/2006/ole">
             <mc:AlternateContent xmlns:mc="http://schemas.openxmlformats.org/markup-compatibility/2006">
               <mc:Choice xmlns:v="urn:schemas-microsoft-com:vml" Requires="v">
-                <p:oleObj spid="_x0000_s7205" name="Visio" r:id="rId3" imgW="10758690" imgH="7626560" progId="Visio.Drawing.11">
+                <p:oleObj spid="_x0000_s7224" name="Visio" r:id="rId4" imgW="10758690" imgH="7626560" progId="Visio.Drawing.11">
                   <p:embed/>
                 </p:oleObj>
               </mc:Choice>
               <mc:Fallback>
-                <p:oleObj name="Visio" r:id="rId3" imgW="10758690" imgH="7626560" progId="Visio.Drawing.11">
+                <p:oleObj name="Visio" r:id="rId4" imgW="10758690" imgH="7626560" progId="Visio.Drawing.11">
                   <p:embed/>
                   <p:pic>
                     <p:nvPicPr>
@@ -9923,7 +13867,7 @@
                       <p:nvPr/>
                     </p:nvPicPr>
                     <p:blipFill>
-                      <a:blip r:embed="rId4"/>
+                      <a:blip r:embed="rId5"/>
                       <a:stretch>
                         <a:fillRect/>
                       </a:stretch>
@@ -10035,12 +13979,12 @@
           <a:graphicData uri="http://schemas.openxmlformats.org/presentationml/2006/ole">
             <mc:AlternateContent xmlns:mc="http://schemas.openxmlformats.org/markup-compatibility/2006">
               <mc:Choice xmlns:v="urn:schemas-microsoft-com:vml" Requires="v">
-                <p:oleObj spid="_x0000_s8229" name="Visio" r:id="rId3" imgW="10758690" imgH="7626560" progId="Visio.Drawing.11">
+                <p:oleObj spid="_x0000_s8248" name="Visio" r:id="rId4" imgW="10758690" imgH="7626560" progId="Visio.Drawing.11">
                   <p:embed/>
                 </p:oleObj>
               </mc:Choice>
               <mc:Fallback>
-                <p:oleObj name="Visio" r:id="rId3" imgW="10758690" imgH="7626560" progId="Visio.Drawing.11">
+                <p:oleObj name="Visio" r:id="rId4" imgW="10758690" imgH="7626560" progId="Visio.Drawing.11">
                   <p:embed/>
                   <p:pic>
                     <p:nvPicPr>
@@ -10049,7 +13993,7 @@
                       <p:nvPr/>
                     </p:nvPicPr>
                     <p:blipFill>
-                      <a:blip r:embed="rId4"/>
+                      <a:blip r:embed="rId5"/>
                       <a:stretch>
                         <a:fillRect/>
                       </a:stretch>
@@ -10182,12 +14126,12 @@
           <a:graphicData uri="http://schemas.openxmlformats.org/presentationml/2006/ole">
             <mc:AlternateContent xmlns:mc="http://schemas.openxmlformats.org/markup-compatibility/2006">
               <mc:Choice xmlns:v="urn:schemas-microsoft-com:vml" Requires="v">
-                <p:oleObj spid="_x0000_s2161" name="Visio" r:id="rId3" imgW="9147060" imgH="7289860" progId="Visio.Drawing.11">
+                <p:oleObj spid="_x0000_s2180" name="Visio" r:id="rId4" imgW="9147060" imgH="7289860" progId="Visio.Drawing.11">
                   <p:embed/>
                 </p:oleObj>
               </mc:Choice>
               <mc:Fallback>
-                <p:oleObj name="Visio" r:id="rId3" imgW="9147060" imgH="7289860" progId="Visio.Drawing.11">
+                <p:oleObj name="Visio" r:id="rId4" imgW="9147060" imgH="7289860" progId="Visio.Drawing.11">
                   <p:embed/>
                   <p:pic>
                     <p:nvPicPr>
@@ -10196,7 +14140,7 @@
                       <p:nvPr/>
                     </p:nvPicPr>
                     <p:blipFill>
-                      <a:blip r:embed="rId4"/>
+                      <a:blip r:embed="rId5"/>
                       <a:stretch>
                         <a:fillRect/>
                       </a:stretch>
@@ -10338,20 +14282,6 @@
               <a:t>Not end-to-end estimation </a:t>
             </a:r>
           </a:p>
-          <a:p>
-            <a:pPr lvl="1">
-              <a:buFont typeface="Wingdings" pitchFamily="2" charset="2"/>
-              <a:buChar char="Ø"/>
-            </a:pPr>
-            <a:r>
-              <a:rPr lang="en-US" sz="1800" strike="sngStrike" dirty="0" smtClean="0"/>
-              <a:t>On bad conditions, sample link may degrade throughput </a:t>
-            </a:r>
-            <a:endParaRPr lang="ru-RU" sz="1800" strike="sngStrike" dirty="0"/>
-          </a:p>
-          <a:p>
-            <a:endParaRPr lang="ru-RU" dirty="0"/>
-          </a:p>
         </p:txBody>
       </p:sp>
       <p:sp>
@@ -10390,7 +14320,275 @@
   <p:timing>
     <p:tnLst>
       <p:par>
-        <p:cTn id="1" dur="indefinite" restart="never" nodeType="tmRoot"/>
+        <p:cTn id="1" dur="indefinite" restart="never" nodeType="tmRoot">
+          <p:childTnLst>
+            <p:seq concurrent="1" nextAc="seek">
+              <p:cTn id="2" dur="indefinite" nodeType="mainSeq">
+                <p:childTnLst>
+                  <p:par>
+                    <p:cTn id="3" fill="hold">
+                      <p:stCondLst>
+                        <p:cond delay="indefinite"/>
+                      </p:stCondLst>
+                      <p:childTnLst>
+                        <p:par>
+                          <p:cTn id="4" fill="hold">
+                            <p:stCondLst>
+                              <p:cond delay="0"/>
+                            </p:stCondLst>
+                            <p:childTnLst>
+                              <p:par>
+                                <p:cTn id="5" presetID="1" presetClass="entr" presetSubtype="0" fill="hold" nodeType="clickEffect">
+                                  <p:stCondLst>
+                                    <p:cond delay="0"/>
+                                  </p:stCondLst>
+                                  <p:childTnLst>
+                                    <p:set>
+                                      <p:cBhvr>
+                                        <p:cTn id="6" dur="1" fill="hold">
+                                          <p:stCondLst>
+                                            <p:cond delay="0"/>
+                                          </p:stCondLst>
+                                        </p:cTn>
+                                        <p:tgtEl>
+                                          <p:spTgt spid="2">
+                                            <p:txEl>
+                                              <p:pRg st="1" end="1"/>
+                                            </p:txEl>
+                                          </p:spTgt>
+                                        </p:tgtEl>
+                                        <p:attrNameLst>
+                                          <p:attrName>style.visibility</p:attrName>
+                                        </p:attrNameLst>
+                                      </p:cBhvr>
+                                      <p:to>
+                                        <p:strVal val="visible"/>
+                                      </p:to>
+                                    </p:set>
+                                  </p:childTnLst>
+                                </p:cTn>
+                              </p:par>
+                            </p:childTnLst>
+                          </p:cTn>
+                        </p:par>
+                      </p:childTnLst>
+                    </p:cTn>
+                  </p:par>
+                  <p:par>
+                    <p:cTn id="7" fill="hold">
+                      <p:stCondLst>
+                        <p:cond delay="indefinite"/>
+                      </p:stCondLst>
+                      <p:childTnLst>
+                        <p:par>
+                          <p:cTn id="8" fill="hold">
+                            <p:stCondLst>
+                              <p:cond delay="0"/>
+                            </p:stCondLst>
+                            <p:childTnLst>
+                              <p:par>
+                                <p:cTn id="9" presetID="1" presetClass="entr" presetSubtype="0" fill="hold" nodeType="clickEffect">
+                                  <p:stCondLst>
+                                    <p:cond delay="0"/>
+                                  </p:stCondLst>
+                                  <p:childTnLst>
+                                    <p:set>
+                                      <p:cBhvr>
+                                        <p:cTn id="10" dur="1" fill="hold">
+                                          <p:stCondLst>
+                                            <p:cond delay="0"/>
+                                          </p:stCondLst>
+                                        </p:cTn>
+                                        <p:tgtEl>
+                                          <p:spTgt spid="2">
+                                            <p:txEl>
+                                              <p:pRg st="2" end="2"/>
+                                            </p:txEl>
+                                          </p:spTgt>
+                                        </p:tgtEl>
+                                        <p:attrNameLst>
+                                          <p:attrName>style.visibility</p:attrName>
+                                        </p:attrNameLst>
+                                      </p:cBhvr>
+                                      <p:to>
+                                        <p:strVal val="visible"/>
+                                      </p:to>
+                                    </p:set>
+                                  </p:childTnLst>
+                                </p:cTn>
+                              </p:par>
+                            </p:childTnLst>
+                          </p:cTn>
+                        </p:par>
+                      </p:childTnLst>
+                    </p:cTn>
+                  </p:par>
+                  <p:par>
+                    <p:cTn id="11" fill="hold">
+                      <p:stCondLst>
+                        <p:cond delay="indefinite"/>
+                      </p:stCondLst>
+                      <p:childTnLst>
+                        <p:par>
+                          <p:cTn id="12" fill="hold">
+                            <p:stCondLst>
+                              <p:cond delay="0"/>
+                            </p:stCondLst>
+                            <p:childTnLst>
+                              <p:par>
+                                <p:cTn id="13" presetID="1" presetClass="entr" presetSubtype="0" fill="hold" nodeType="clickEffect">
+                                  <p:stCondLst>
+                                    <p:cond delay="0"/>
+                                  </p:stCondLst>
+                                  <p:childTnLst>
+                                    <p:set>
+                                      <p:cBhvr>
+                                        <p:cTn id="14" dur="1" fill="hold">
+                                          <p:stCondLst>
+                                            <p:cond delay="0"/>
+                                          </p:stCondLst>
+                                        </p:cTn>
+                                        <p:tgtEl>
+                                          <p:spTgt spid="2">
+                                            <p:txEl>
+                                              <p:pRg st="3" end="3"/>
+                                            </p:txEl>
+                                          </p:spTgt>
+                                        </p:tgtEl>
+                                        <p:attrNameLst>
+                                          <p:attrName>style.visibility</p:attrName>
+                                        </p:attrNameLst>
+                                      </p:cBhvr>
+                                      <p:to>
+                                        <p:strVal val="visible"/>
+                                      </p:to>
+                                    </p:set>
+                                  </p:childTnLst>
+                                </p:cTn>
+                              </p:par>
+                            </p:childTnLst>
+                          </p:cTn>
+                        </p:par>
+                      </p:childTnLst>
+                    </p:cTn>
+                  </p:par>
+                  <p:par>
+                    <p:cTn id="15" fill="hold">
+                      <p:stCondLst>
+                        <p:cond delay="indefinite"/>
+                      </p:stCondLst>
+                      <p:childTnLst>
+                        <p:par>
+                          <p:cTn id="16" fill="hold">
+                            <p:stCondLst>
+                              <p:cond delay="0"/>
+                            </p:stCondLst>
+                            <p:childTnLst>
+                              <p:par>
+                                <p:cTn id="17" presetID="1" presetClass="entr" presetSubtype="0" fill="hold" nodeType="clickEffect">
+                                  <p:stCondLst>
+                                    <p:cond delay="0"/>
+                                  </p:stCondLst>
+                                  <p:childTnLst>
+                                    <p:set>
+                                      <p:cBhvr>
+                                        <p:cTn id="18" dur="1" fill="hold">
+                                          <p:stCondLst>
+                                            <p:cond delay="0"/>
+                                          </p:stCondLst>
+                                        </p:cTn>
+                                        <p:tgtEl>
+                                          <p:spTgt spid="2">
+                                            <p:txEl>
+                                              <p:pRg st="4" end="4"/>
+                                            </p:txEl>
+                                          </p:spTgt>
+                                        </p:tgtEl>
+                                        <p:attrNameLst>
+                                          <p:attrName>style.visibility</p:attrName>
+                                        </p:attrNameLst>
+                                      </p:cBhvr>
+                                      <p:to>
+                                        <p:strVal val="visible"/>
+                                      </p:to>
+                                    </p:set>
+                                  </p:childTnLst>
+                                </p:cTn>
+                              </p:par>
+                            </p:childTnLst>
+                          </p:cTn>
+                        </p:par>
+                      </p:childTnLst>
+                    </p:cTn>
+                  </p:par>
+                  <p:par>
+                    <p:cTn id="19" fill="hold">
+                      <p:stCondLst>
+                        <p:cond delay="indefinite"/>
+                      </p:stCondLst>
+                      <p:childTnLst>
+                        <p:par>
+                          <p:cTn id="20" fill="hold">
+                            <p:stCondLst>
+                              <p:cond delay="0"/>
+                            </p:stCondLst>
+                            <p:childTnLst>
+                              <p:par>
+                                <p:cTn id="21" presetID="1" presetClass="entr" presetSubtype="0" fill="hold" nodeType="clickEffect">
+                                  <p:stCondLst>
+                                    <p:cond delay="0"/>
+                                  </p:stCondLst>
+                                  <p:childTnLst>
+                                    <p:set>
+                                      <p:cBhvr>
+                                        <p:cTn id="22" dur="1" fill="hold">
+                                          <p:stCondLst>
+                                            <p:cond delay="0"/>
+                                          </p:stCondLst>
+                                        </p:cTn>
+                                        <p:tgtEl>
+                                          <p:spTgt spid="2">
+                                            <p:txEl>
+                                              <p:pRg st="7" end="7"/>
+                                            </p:txEl>
+                                          </p:spTgt>
+                                        </p:tgtEl>
+                                        <p:attrNameLst>
+                                          <p:attrName>style.visibility</p:attrName>
+                                        </p:attrNameLst>
+                                      </p:cBhvr>
+                                      <p:to>
+                                        <p:strVal val="visible"/>
+                                      </p:to>
+                                    </p:set>
+                                  </p:childTnLst>
+                                </p:cTn>
+                              </p:par>
+                            </p:childTnLst>
+                          </p:cTn>
+                        </p:par>
+                      </p:childTnLst>
+                    </p:cTn>
+                  </p:par>
+                </p:childTnLst>
+              </p:cTn>
+              <p:prevCondLst>
+                <p:cond evt="onPrev" delay="0">
+                  <p:tgtEl>
+                    <p:sldTgt/>
+                  </p:tgtEl>
+                </p:cond>
+              </p:prevCondLst>
+              <p:nextCondLst>
+                <p:cond evt="onNext" delay="0">
+                  <p:tgtEl>
+                    <p:sldTgt/>
+                  </p:tgtEl>
+                </p:cond>
+              </p:nextCondLst>
+            </p:seq>
+          </p:childTnLst>
+        </p:cTn>
       </p:par>
     </p:tnLst>
   </p:timing>
@@ -10398,6 +14596,367 @@
 </file>
 
 <file path=ppt/slides/slide24.xml><?xml version="1.0" encoding="utf-8"?>
+<p:sld xmlns:a="http://schemas.openxmlformats.org/drawingml/2006/main" xmlns:r="http://schemas.openxmlformats.org/officeDocument/2006/relationships" xmlns:p="http://schemas.openxmlformats.org/presentationml/2006/main">
+  <p:cSld>
+    <p:spTree>
+      <p:nvGrpSpPr>
+        <p:cNvPr id="1" name=""/>
+        <p:cNvGrpSpPr/>
+        <p:nvPr/>
+      </p:nvGrpSpPr>
+      <p:grpSpPr>
+        <a:xfrm>
+          <a:off x="0" y="0"/>
+          <a:ext cx="0" cy="0"/>
+          <a:chOff x="0" y="0"/>
+          <a:chExt cx="0" cy="0"/>
+        </a:xfrm>
+      </p:grpSpPr>
+      <p:sp>
+        <p:nvSpPr>
+          <p:cNvPr id="2" name="Content Placeholder 1"/>
+          <p:cNvSpPr>
+            <a:spLocks noGrp="1"/>
+          </p:cNvSpPr>
+          <p:nvPr>
+            <p:ph idx="1"/>
+          </p:nvPr>
+        </p:nvSpPr>
+        <p:spPr/>
+        <p:txBody>
+          <a:bodyPr/>
+          <a:lstStyle/>
+          <a:p>
+            <a:r>
+              <a:rPr lang="en-US" dirty="0" smtClean="0"/>
+              <a:t>Simulation of two different </a:t>
+            </a:r>
+            <a:r>
+              <a:rPr lang="en-US" dirty="0"/>
+              <a:t>scenarios </a:t>
+            </a:r>
+            <a:r>
+              <a:rPr lang="en-US" dirty="0" smtClean="0"/>
+              <a:t>:</a:t>
+            </a:r>
+          </a:p>
+          <a:p>
+            <a:endParaRPr lang="en-US" sz="1600" dirty="0" smtClean="0"/>
+          </a:p>
+          <a:p>
+            <a:pPr lvl="1">
+              <a:buFont typeface="Wingdings" pitchFamily="2" charset="2"/>
+              <a:buChar char="Ø"/>
+            </a:pPr>
+            <a:r>
+              <a:rPr lang="en-US" dirty="0" smtClean="0"/>
+              <a:t>Better to use BSS </a:t>
+            </a:r>
+          </a:p>
+          <a:p>
+            <a:pPr marL="411480" lvl="1" indent="0">
+              <a:buNone/>
+            </a:pPr>
+            <a:endParaRPr lang="en-US" sz="1400" dirty="0" smtClean="0"/>
+          </a:p>
+          <a:p>
+            <a:pPr lvl="1">
+              <a:buFont typeface="Wingdings" pitchFamily="2" charset="2"/>
+              <a:buChar char="Ø"/>
+            </a:pPr>
+            <a:r>
+              <a:rPr lang="en-US" dirty="0" smtClean="0"/>
+              <a:t>Better </a:t>
+            </a:r>
+            <a:r>
+              <a:rPr lang="en-US" dirty="0"/>
+              <a:t>to use </a:t>
+            </a:r>
+            <a:r>
+              <a:rPr lang="en-US" dirty="0" smtClean="0"/>
+              <a:t>TDLS</a:t>
+            </a:r>
+          </a:p>
+          <a:p>
+            <a:endParaRPr lang="en-US" dirty="0" smtClean="0"/>
+          </a:p>
+          <a:p>
+            <a:r>
+              <a:rPr lang="en-US" dirty="0" smtClean="0"/>
+              <a:t>Comparison of  Speed and Retransmission rate of both scenarios</a:t>
+            </a:r>
+            <a:endParaRPr lang="en-US" dirty="0"/>
+          </a:p>
+        </p:txBody>
+      </p:sp>
+      <p:sp>
+        <p:nvSpPr>
+          <p:cNvPr id="3" name="Title 2"/>
+          <p:cNvSpPr>
+            <a:spLocks noGrp="1"/>
+          </p:cNvSpPr>
+          <p:nvPr>
+            <p:ph type="title"/>
+          </p:nvPr>
+        </p:nvSpPr>
+        <p:spPr>
+          <a:xfrm>
+            <a:off x="304800" y="570156"/>
+            <a:ext cx="8458200" cy="1030044"/>
+          </a:xfrm>
+        </p:spPr>
+        <p:txBody>
+          <a:bodyPr/>
+          <a:lstStyle/>
+          <a:p>
+            <a:r>
+              <a:rPr lang="en-US" dirty="0" smtClean="0"/>
+              <a:t>Comparison of Algorithms</a:t>
+            </a:r>
+            <a:endParaRPr lang="en-US" dirty="0"/>
+          </a:p>
+        </p:txBody>
+      </p:sp>
+    </p:spTree>
+    <p:extLst>
+      <p:ext uri="{BB962C8B-B14F-4D97-AF65-F5344CB8AC3E}">
+        <p14:creationId xmlns:p14="http://schemas.microsoft.com/office/powerpoint/2010/main" val="289920772"/>
+      </p:ext>
+    </p:extLst>
+  </p:cSld>
+  <p:clrMapOvr>
+    <a:masterClrMapping/>
+  </p:clrMapOvr>
+  <p:timing>
+    <p:tnLst>
+      <p:par>
+        <p:cTn id="1" dur="indefinite" restart="never" nodeType="tmRoot">
+          <p:childTnLst>
+            <p:seq concurrent="1" nextAc="seek">
+              <p:cTn id="2" dur="indefinite" nodeType="mainSeq">
+                <p:childTnLst>
+                  <p:par>
+                    <p:cTn id="3" fill="hold">
+                      <p:stCondLst>
+                        <p:cond delay="indefinite"/>
+                      </p:stCondLst>
+                      <p:childTnLst>
+                        <p:par>
+                          <p:cTn id="4" fill="hold">
+                            <p:stCondLst>
+                              <p:cond delay="0"/>
+                            </p:stCondLst>
+                            <p:childTnLst>
+                              <p:par>
+                                <p:cTn id="5" presetID="1" presetClass="entr" presetSubtype="0" fill="hold" nodeType="clickEffect">
+                                  <p:stCondLst>
+                                    <p:cond delay="0"/>
+                                  </p:stCondLst>
+                                  <p:childTnLst>
+                                    <p:set>
+                                      <p:cBhvr>
+                                        <p:cTn id="6" dur="1" fill="hold">
+                                          <p:stCondLst>
+                                            <p:cond delay="0"/>
+                                          </p:stCondLst>
+                                        </p:cTn>
+                                        <p:tgtEl>
+                                          <p:spTgt spid="2">
+                                            <p:txEl>
+                                              <p:pRg st="0" end="0"/>
+                                            </p:txEl>
+                                          </p:spTgt>
+                                        </p:tgtEl>
+                                        <p:attrNameLst>
+                                          <p:attrName>style.visibility</p:attrName>
+                                        </p:attrNameLst>
+                                      </p:cBhvr>
+                                      <p:to>
+                                        <p:strVal val="visible"/>
+                                      </p:to>
+                                    </p:set>
+                                  </p:childTnLst>
+                                </p:cTn>
+                              </p:par>
+                            </p:childTnLst>
+                          </p:cTn>
+                        </p:par>
+                      </p:childTnLst>
+                    </p:cTn>
+                  </p:par>
+                  <p:par>
+                    <p:cTn id="7" fill="hold">
+                      <p:stCondLst>
+                        <p:cond delay="indefinite"/>
+                      </p:stCondLst>
+                      <p:childTnLst>
+                        <p:par>
+                          <p:cTn id="8" fill="hold">
+                            <p:stCondLst>
+                              <p:cond delay="0"/>
+                            </p:stCondLst>
+                            <p:childTnLst>
+                              <p:par>
+                                <p:cTn id="9" presetID="1" presetClass="entr" presetSubtype="0" fill="hold" nodeType="clickEffect">
+                                  <p:stCondLst>
+                                    <p:cond delay="0"/>
+                                  </p:stCondLst>
+                                  <p:childTnLst>
+                                    <p:set>
+                                      <p:cBhvr>
+                                        <p:cTn id="10" dur="1" fill="hold">
+                                          <p:stCondLst>
+                                            <p:cond delay="0"/>
+                                          </p:stCondLst>
+                                        </p:cTn>
+                                        <p:tgtEl>
+                                          <p:spTgt spid="2">
+                                            <p:txEl>
+                                              <p:pRg st="2" end="2"/>
+                                            </p:txEl>
+                                          </p:spTgt>
+                                        </p:tgtEl>
+                                        <p:attrNameLst>
+                                          <p:attrName>style.visibility</p:attrName>
+                                        </p:attrNameLst>
+                                      </p:cBhvr>
+                                      <p:to>
+                                        <p:strVal val="visible"/>
+                                      </p:to>
+                                    </p:set>
+                                  </p:childTnLst>
+                                </p:cTn>
+                              </p:par>
+                            </p:childTnLst>
+                          </p:cTn>
+                        </p:par>
+                      </p:childTnLst>
+                    </p:cTn>
+                  </p:par>
+                  <p:par>
+                    <p:cTn id="11" fill="hold">
+                      <p:stCondLst>
+                        <p:cond delay="indefinite"/>
+                      </p:stCondLst>
+                      <p:childTnLst>
+                        <p:par>
+                          <p:cTn id="12" fill="hold">
+                            <p:stCondLst>
+                              <p:cond delay="0"/>
+                            </p:stCondLst>
+                            <p:childTnLst>
+                              <p:par>
+                                <p:cTn id="13" presetID="1" presetClass="entr" presetSubtype="0" fill="hold" nodeType="clickEffect">
+                                  <p:stCondLst>
+                                    <p:cond delay="0"/>
+                                  </p:stCondLst>
+                                  <p:childTnLst>
+                                    <p:set>
+                                      <p:cBhvr>
+                                        <p:cTn id="14" dur="1" fill="hold">
+                                          <p:stCondLst>
+                                            <p:cond delay="0"/>
+                                          </p:stCondLst>
+                                        </p:cTn>
+                                        <p:tgtEl>
+                                          <p:spTgt spid="2">
+                                            <p:txEl>
+                                              <p:pRg st="4" end="4"/>
+                                            </p:txEl>
+                                          </p:spTgt>
+                                        </p:tgtEl>
+                                        <p:attrNameLst>
+                                          <p:attrName>style.visibility</p:attrName>
+                                        </p:attrNameLst>
+                                      </p:cBhvr>
+                                      <p:to>
+                                        <p:strVal val="visible"/>
+                                      </p:to>
+                                    </p:set>
+                                  </p:childTnLst>
+                                </p:cTn>
+                              </p:par>
+                            </p:childTnLst>
+                          </p:cTn>
+                        </p:par>
+                      </p:childTnLst>
+                    </p:cTn>
+                  </p:par>
+                  <p:par>
+                    <p:cTn id="15" fill="hold">
+                      <p:stCondLst>
+                        <p:cond delay="indefinite"/>
+                      </p:stCondLst>
+                      <p:childTnLst>
+                        <p:par>
+                          <p:cTn id="16" fill="hold">
+                            <p:stCondLst>
+                              <p:cond delay="0"/>
+                            </p:stCondLst>
+                            <p:childTnLst>
+                              <p:par>
+                                <p:cTn id="17" presetID="1" presetClass="entr" presetSubtype="0" fill="hold" nodeType="clickEffect">
+                                  <p:stCondLst>
+                                    <p:cond delay="0"/>
+                                  </p:stCondLst>
+                                  <p:childTnLst>
+                                    <p:set>
+                                      <p:cBhvr>
+                                        <p:cTn id="18" dur="1" fill="hold">
+                                          <p:stCondLst>
+                                            <p:cond delay="0"/>
+                                          </p:stCondLst>
+                                        </p:cTn>
+                                        <p:tgtEl>
+                                          <p:spTgt spid="2">
+                                            <p:txEl>
+                                              <p:pRg st="6" end="6"/>
+                                            </p:txEl>
+                                          </p:spTgt>
+                                        </p:tgtEl>
+                                        <p:attrNameLst>
+                                          <p:attrName>style.visibility</p:attrName>
+                                        </p:attrNameLst>
+                                      </p:cBhvr>
+                                      <p:to>
+                                        <p:strVal val="visible"/>
+                                      </p:to>
+                                    </p:set>
+                                  </p:childTnLst>
+                                </p:cTn>
+                              </p:par>
+                            </p:childTnLst>
+                          </p:cTn>
+                        </p:par>
+                      </p:childTnLst>
+                    </p:cTn>
+                  </p:par>
+                </p:childTnLst>
+              </p:cTn>
+              <p:prevCondLst>
+                <p:cond evt="onPrev" delay="0">
+                  <p:tgtEl>
+                    <p:sldTgt/>
+                  </p:tgtEl>
+                </p:cond>
+              </p:prevCondLst>
+              <p:nextCondLst>
+                <p:cond evt="onNext" delay="0">
+                  <p:tgtEl>
+                    <p:sldTgt/>
+                  </p:tgtEl>
+                </p:cond>
+              </p:nextCondLst>
+            </p:seq>
+          </p:childTnLst>
+        </p:cTn>
+      </p:par>
+    </p:tnLst>
+  </p:timing>
+</p:sld>
+</file>
+
+<file path=ppt/slides/slide25.xml><?xml version="1.0" encoding="utf-8"?>
 <p:sld xmlns:a="http://schemas.openxmlformats.org/drawingml/2006/main" xmlns:r="http://schemas.openxmlformats.org/officeDocument/2006/relationships" xmlns:p="http://schemas.openxmlformats.org/presentationml/2006/main">
   <p:cSld>
     <p:spTree>
@@ -10908,7 +15467,7 @@
         </p:xfrm>
         <a:graphic>
           <a:graphicData uri="http://schemas.openxmlformats.org/drawingml/2006/chart">
-            <c:chart xmlns:c="http://schemas.openxmlformats.org/drawingml/2006/chart" xmlns:r="http://schemas.openxmlformats.org/officeDocument/2006/relationships" r:id="rId2"/>
+            <c:chart xmlns:c="http://schemas.openxmlformats.org/drawingml/2006/chart" xmlns:r="http://schemas.openxmlformats.org/officeDocument/2006/relationships" r:id="rId3"/>
           </a:graphicData>
         </a:graphic>
       </p:graphicFrame>
@@ -10932,7 +15491,7 @@
         </p:xfrm>
         <a:graphic>
           <a:graphicData uri="http://schemas.openxmlformats.org/drawingml/2006/chart">
-            <c:chart xmlns:c="http://schemas.openxmlformats.org/drawingml/2006/chart" xmlns:r="http://schemas.openxmlformats.org/officeDocument/2006/relationships" r:id="rId3"/>
+            <c:chart xmlns:c="http://schemas.openxmlformats.org/drawingml/2006/chart" xmlns:r="http://schemas.openxmlformats.org/officeDocument/2006/relationships" r:id="rId4"/>
           </a:graphicData>
         </a:graphic>
       </p:graphicFrame>
@@ -10945,7 +15504,7 @@
           <p:nvPr/>
         </p:nvPicPr>
         <p:blipFill>
-          <a:blip r:embed="rId4">
+          <a:blip r:embed="rId5">
             <a:extLst>
               <a:ext uri="{28A0092B-C50C-407E-A947-70E740481C1C}">
                 <a14:useLocalDpi xmlns:a14="http://schemas.microsoft.com/office/drawing/2010/main" val="0"/>
@@ -11002,7 +15561,7 @@
 </p:sld>
 </file>
 
-<file path=ppt/slides/slide25.xml><?xml version="1.0" encoding="utf-8"?>
+<file path=ppt/slides/slide26.xml><?xml version="1.0" encoding="utf-8"?>
 <p:sld xmlns:a="http://schemas.openxmlformats.org/drawingml/2006/main" xmlns:r="http://schemas.openxmlformats.org/officeDocument/2006/relationships" xmlns:p="http://schemas.openxmlformats.org/presentationml/2006/main">
   <p:cSld>
     <p:spTree>
@@ -11491,7 +16050,7 @@
         </p:xfrm>
         <a:graphic>
           <a:graphicData uri="http://schemas.openxmlformats.org/drawingml/2006/chart">
-            <c:chart xmlns:c="http://schemas.openxmlformats.org/drawingml/2006/chart" xmlns:r="http://schemas.openxmlformats.org/officeDocument/2006/relationships" r:id="rId2"/>
+            <c:chart xmlns:c="http://schemas.openxmlformats.org/drawingml/2006/chart" xmlns:r="http://schemas.openxmlformats.org/officeDocument/2006/relationships" r:id="rId3"/>
           </a:graphicData>
         </a:graphic>
       </p:graphicFrame>
@@ -11515,7 +16074,7 @@
         </p:xfrm>
         <a:graphic>
           <a:graphicData uri="http://schemas.openxmlformats.org/drawingml/2006/chart">
-            <c:chart xmlns:c="http://schemas.openxmlformats.org/drawingml/2006/chart" xmlns:r="http://schemas.openxmlformats.org/officeDocument/2006/relationships" r:id="rId3"/>
+            <c:chart xmlns:c="http://schemas.openxmlformats.org/drawingml/2006/chart" xmlns:r="http://schemas.openxmlformats.org/officeDocument/2006/relationships" r:id="rId4"/>
           </a:graphicData>
         </a:graphic>
       </p:graphicFrame>
@@ -11528,7 +16087,7 @@
           <p:nvPr/>
         </p:nvPicPr>
         <p:blipFill>
-          <a:blip r:embed="rId4">
+          <a:blip r:embed="rId5">
             <a:extLst>
               <a:ext uri="{28A0092B-C50C-407E-A947-70E740481C1C}">
                 <a14:useLocalDpi xmlns:a14="http://schemas.microsoft.com/office/drawing/2010/main" val="0"/>
@@ -11604,7 +16163,7 @@
 </p:sld>
 </file>
 
-<file path=ppt/slides/slide26.xml><?xml version="1.0" encoding="utf-8"?>
+<file path=ppt/slides/slide27.xml><?xml version="1.0" encoding="utf-8"?>
 <p:sld xmlns:a="http://schemas.openxmlformats.org/drawingml/2006/main" xmlns:r="http://schemas.openxmlformats.org/officeDocument/2006/relationships" xmlns:p="http://schemas.openxmlformats.org/presentationml/2006/main">
   <p:cSld>
     <p:spTree>
@@ -11653,7 +16212,7 @@
           <p:nvPr/>
         </p:nvPicPr>
         <p:blipFill>
-          <a:blip r:embed="rId2" cstate="print">
+          <a:blip r:embed="rId3" cstate="print">
             <a:extLst>
               <a:ext uri="{28A0092B-C50C-407E-A947-70E740481C1C}">
                 <a14:useLocalDpi xmlns:a14="http://schemas.microsoft.com/office/drawing/2010/main" val="0"/>
@@ -11703,7 +16262,7 @@
                     <a:lumOff val="15000"/>
                   </a:schemeClr>
                 </a:solidFill>
-                <a:hlinkClick r:id="rId3"/>
+                <a:hlinkClick r:id="rId4"/>
               </a:rPr>
               <a:t>https://github.com/AndreyShamis/sls/</a:t>
             </a:r>
@@ -11727,7 +16286,7 @@
           <p:nvPr/>
         </p:nvPicPr>
         <p:blipFill>
-          <a:blip r:embed="rId4">
+          <a:blip r:embed="rId5">
             <a:extLst>
               <a:ext uri="{28A0092B-C50C-407E-A947-70E740481C1C}">
                 <a14:useLocalDpi xmlns:a14="http://schemas.microsoft.com/office/drawing/2010/main" val="0"/>
@@ -11782,7 +16341,7 @@
           <a:p>
             <a:r>
               <a:rPr lang="en-US" dirty="0">
-                <a:hlinkClick r:id="rId5"/>
+                <a:hlinkClick r:id="rId6"/>
               </a:rPr>
               <a:t>http://jenkins.dhs01.com/</a:t>
             </a:r>
@@ -11863,93 +16422,236 @@
   <p:timing>
     <p:tnLst>
       <p:par>
-        <p:cTn id="1" dur="indefinite" restart="never" nodeType="tmRoot"/>
+        <p:cTn id="1" dur="indefinite" restart="never" nodeType="tmRoot">
+          <p:childTnLst>
+            <p:seq concurrent="1" nextAc="seek">
+              <p:cTn id="2" dur="indefinite" nodeType="mainSeq">
+                <p:childTnLst>
+                  <p:par>
+                    <p:cTn id="3" fill="hold">
+                      <p:stCondLst>
+                        <p:cond delay="indefinite"/>
+                      </p:stCondLst>
+                      <p:childTnLst>
+                        <p:par>
+                          <p:cTn id="4" fill="hold">
+                            <p:stCondLst>
+                              <p:cond delay="0"/>
+                            </p:stCondLst>
+                            <p:childTnLst>
+                              <p:par>
+                                <p:cTn id="5" presetID="1" presetClass="entr" presetSubtype="0" fill="hold" nodeType="clickEffect">
+                                  <p:stCondLst>
+                                    <p:cond delay="0"/>
+                                  </p:stCondLst>
+                                  <p:childTnLst>
+                                    <p:set>
+                                      <p:cBhvr>
+                                        <p:cTn id="6" dur="1" fill="hold">
+                                          <p:stCondLst>
+                                            <p:cond delay="0"/>
+                                          </p:stCondLst>
+                                        </p:cTn>
+                                        <p:tgtEl>
+                                          <p:spTgt spid="4"/>
+                                        </p:tgtEl>
+                                        <p:attrNameLst>
+                                          <p:attrName>style.visibility</p:attrName>
+                                        </p:attrNameLst>
+                                      </p:cBhvr>
+                                      <p:to>
+                                        <p:strVal val="visible"/>
+                                      </p:to>
+                                    </p:set>
+                                  </p:childTnLst>
+                                </p:cTn>
+                              </p:par>
+                              <p:par>
+                                <p:cTn id="7" presetID="1" presetClass="entr" presetSubtype="0" fill="hold" grpId="0" nodeType="withEffect">
+                                  <p:stCondLst>
+                                    <p:cond delay="0"/>
+                                  </p:stCondLst>
+                                  <p:childTnLst>
+                                    <p:set>
+                                      <p:cBhvr>
+                                        <p:cTn id="8" dur="1" fill="hold">
+                                          <p:stCondLst>
+                                            <p:cond delay="0"/>
+                                          </p:stCondLst>
+                                        </p:cTn>
+                                        <p:tgtEl>
+                                          <p:spTgt spid="5"/>
+                                        </p:tgtEl>
+                                        <p:attrNameLst>
+                                          <p:attrName>style.visibility</p:attrName>
+                                        </p:attrNameLst>
+                                      </p:cBhvr>
+                                      <p:to>
+                                        <p:strVal val="visible"/>
+                                      </p:to>
+                                    </p:set>
+                                  </p:childTnLst>
+                                </p:cTn>
+                              </p:par>
+                              <p:par>
+                                <p:cTn id="9" presetID="1" presetClass="entr" presetSubtype="0" fill="hold" grpId="0" nodeType="withEffect">
+                                  <p:stCondLst>
+                                    <p:cond delay="0"/>
+                                  </p:stCondLst>
+                                  <p:childTnLst>
+                                    <p:set>
+                                      <p:cBhvr>
+                                        <p:cTn id="10" dur="1" fill="hold">
+                                          <p:stCondLst>
+                                            <p:cond delay="0"/>
+                                          </p:stCondLst>
+                                        </p:cTn>
+                                        <p:tgtEl>
+                                          <p:spTgt spid="6"/>
+                                        </p:tgtEl>
+                                        <p:attrNameLst>
+                                          <p:attrName>style.visibility</p:attrName>
+                                        </p:attrNameLst>
+                                      </p:cBhvr>
+                                      <p:to>
+                                        <p:strVal val="visible"/>
+                                      </p:to>
+                                    </p:set>
+                                  </p:childTnLst>
+                                </p:cTn>
+                              </p:par>
+                            </p:childTnLst>
+                          </p:cTn>
+                        </p:par>
+                      </p:childTnLst>
+                    </p:cTn>
+                  </p:par>
+                  <p:par>
+                    <p:cTn id="11" fill="hold">
+                      <p:stCondLst>
+                        <p:cond delay="indefinite"/>
+                      </p:stCondLst>
+                      <p:childTnLst>
+                        <p:par>
+                          <p:cTn id="12" fill="hold">
+                            <p:stCondLst>
+                              <p:cond delay="0"/>
+                            </p:stCondLst>
+                            <p:childTnLst>
+                              <p:par>
+                                <p:cTn id="13" presetID="1" presetClass="entr" presetSubtype="0" fill="hold" grpId="0" nodeType="clickEffect">
+                                  <p:stCondLst>
+                                    <p:cond delay="0"/>
+                                  </p:stCondLst>
+                                  <p:childTnLst>
+                                    <p:set>
+                                      <p:cBhvr>
+                                        <p:cTn id="14" dur="1" fill="hold">
+                                          <p:stCondLst>
+                                            <p:cond delay="0"/>
+                                          </p:stCondLst>
+                                        </p:cTn>
+                                        <p:tgtEl>
+                                          <p:spTgt spid="2"/>
+                                        </p:tgtEl>
+                                        <p:attrNameLst>
+                                          <p:attrName>style.visibility</p:attrName>
+                                        </p:attrNameLst>
+                                      </p:cBhvr>
+                                      <p:to>
+                                        <p:strVal val="visible"/>
+                                      </p:to>
+                                    </p:set>
+                                  </p:childTnLst>
+                                </p:cTn>
+                              </p:par>
+                              <p:par>
+                                <p:cTn id="15" presetID="1" presetClass="entr" presetSubtype="0" fill="hold" nodeType="withEffect">
+                                  <p:stCondLst>
+                                    <p:cond delay="0"/>
+                                  </p:stCondLst>
+                                  <p:childTnLst>
+                                    <p:set>
+                                      <p:cBhvr>
+                                        <p:cTn id="16" dur="1" fill="hold">
+                                          <p:stCondLst>
+                                            <p:cond delay="0"/>
+                                          </p:stCondLst>
+                                        </p:cTn>
+                                        <p:tgtEl>
+                                          <p:spTgt spid="4099"/>
+                                        </p:tgtEl>
+                                        <p:attrNameLst>
+                                          <p:attrName>style.visibility</p:attrName>
+                                        </p:attrNameLst>
+                                      </p:cBhvr>
+                                      <p:to>
+                                        <p:strVal val="visible"/>
+                                      </p:to>
+                                    </p:set>
+                                  </p:childTnLst>
+                                </p:cTn>
+                              </p:par>
+                              <p:par>
+                                <p:cTn id="17" presetID="1" presetClass="entr" presetSubtype="0" fill="hold" grpId="0" nodeType="withEffect">
+                                  <p:stCondLst>
+                                    <p:cond delay="0"/>
+                                  </p:stCondLst>
+                                  <p:childTnLst>
+                                    <p:set>
+                                      <p:cBhvr>
+                                        <p:cTn id="18" dur="1" fill="hold">
+                                          <p:stCondLst>
+                                            <p:cond delay="0"/>
+                                          </p:stCondLst>
+                                        </p:cTn>
+                                        <p:tgtEl>
+                                          <p:spTgt spid="9"/>
+                                        </p:tgtEl>
+                                        <p:attrNameLst>
+                                          <p:attrName>style.visibility</p:attrName>
+                                        </p:attrNameLst>
+                                      </p:cBhvr>
+                                      <p:to>
+                                        <p:strVal val="visible"/>
+                                      </p:to>
+                                    </p:set>
+                                  </p:childTnLst>
+                                </p:cTn>
+                              </p:par>
+                            </p:childTnLst>
+                          </p:cTn>
+                        </p:par>
+                      </p:childTnLst>
+                    </p:cTn>
+                  </p:par>
+                </p:childTnLst>
+              </p:cTn>
+              <p:prevCondLst>
+                <p:cond evt="onPrev" delay="0">
+                  <p:tgtEl>
+                    <p:sldTgt/>
+                  </p:tgtEl>
+                </p:cond>
+              </p:prevCondLst>
+              <p:nextCondLst>
+                <p:cond evt="onNext" delay="0">
+                  <p:tgtEl>
+                    <p:sldTgt/>
+                  </p:tgtEl>
+                </p:cond>
+              </p:nextCondLst>
+            </p:seq>
+          </p:childTnLst>
+        </p:cTn>
       </p:par>
     </p:tnLst>
-  </p:timing>
-</p:sld>
-</file>
-
-<file path=ppt/slides/slide27.xml><?xml version="1.0" encoding="utf-8"?>
-<p:sld xmlns:a="http://schemas.openxmlformats.org/drawingml/2006/main" xmlns:r="http://schemas.openxmlformats.org/officeDocument/2006/relationships" xmlns:p="http://schemas.openxmlformats.org/presentationml/2006/main">
-  <p:cSld>
-    <p:spTree>
-      <p:nvGrpSpPr>
-        <p:cNvPr id="1" name=""/>
-        <p:cNvGrpSpPr/>
-        <p:nvPr/>
-      </p:nvGrpSpPr>
-      <p:grpSpPr>
-        <a:xfrm>
-          <a:off x="0" y="0"/>
-          <a:ext cx="0" cy="0"/>
-          <a:chOff x="0" y="0"/>
-          <a:chExt cx="0" cy="0"/>
-        </a:xfrm>
-      </p:grpSpPr>
-      <p:sp>
-        <p:nvSpPr>
-          <p:cNvPr id="2" name="Объект 1"/>
-          <p:cNvSpPr>
-            <a:spLocks noGrp="1"/>
-          </p:cNvSpPr>
-          <p:nvPr>
-            <p:ph idx="1"/>
-          </p:nvPr>
-        </p:nvSpPr>
-        <p:spPr/>
-        <p:txBody>
-          <a:bodyPr/>
-          <a:lstStyle/>
-          <a:p>
-            <a:endParaRPr lang="ru-RU"/>
-          </a:p>
-        </p:txBody>
-      </p:sp>
-      <p:sp>
-        <p:nvSpPr>
-          <p:cNvPr id="3" name="Заголовок 2"/>
-          <p:cNvSpPr>
-            <a:spLocks noGrp="1"/>
-          </p:cNvSpPr>
-          <p:nvPr>
-            <p:ph type="title"/>
-          </p:nvPr>
-        </p:nvSpPr>
-        <p:spPr>
-          <a:xfrm>
-            <a:off x="533400" y="2286000"/>
-            <a:ext cx="7756263" cy="3352800"/>
-          </a:xfrm>
-        </p:spPr>
-        <p:txBody>
-          <a:bodyPr/>
-          <a:lstStyle/>
-          <a:p>
-            <a:r>
-              <a:rPr lang="en-US" sz="13800" dirty="0" smtClean="0"/>
-              <a:t>Demo</a:t>
-            </a:r>
-            <a:endParaRPr lang="ru-RU" sz="13800" dirty="0"/>
-          </a:p>
-        </p:txBody>
-      </p:sp>
-    </p:spTree>
-    <p:extLst>
-      <p:ext uri="{BB962C8B-B14F-4D97-AF65-F5344CB8AC3E}">
-        <p14:creationId xmlns:p14="http://schemas.microsoft.com/office/powerpoint/2010/main" val="876268902"/>
-      </p:ext>
-    </p:extLst>
-  </p:cSld>
-  <p:clrMapOvr>
-    <a:masterClrMapping/>
-  </p:clrMapOvr>
-  <p:timing>
-    <p:tnLst>
-      <p:par>
-        <p:cTn id="1" dur="indefinite" restart="never" nodeType="tmRoot"/>
-      </p:par>
-    </p:tnLst>
+    <p:bldLst>
+      <p:bldP spid="5" grpId="0"/>
+      <p:bldP spid="2" grpId="0"/>
+      <p:bldP spid="6" grpId="0"/>
+      <p:bldP spid="9" grpId="0"/>
+    </p:bldLst>
   </p:timing>
 </p:sld>
 </file>
@@ -11973,6 +16675,173 @@
       </p:grpSpPr>
       <p:sp>
         <p:nvSpPr>
+          <p:cNvPr id="3" name="Заголовок 2"/>
+          <p:cNvSpPr>
+            <a:spLocks noGrp="1"/>
+          </p:cNvSpPr>
+          <p:nvPr>
+            <p:ph type="title"/>
+          </p:nvPr>
+        </p:nvSpPr>
+        <p:spPr>
+          <a:xfrm>
+            <a:off x="533400" y="2286000"/>
+            <a:ext cx="7756263" cy="3352800"/>
+          </a:xfrm>
+        </p:spPr>
+        <p:txBody>
+          <a:bodyPr/>
+          <a:lstStyle/>
+          <a:p>
+            <a:r>
+              <a:rPr lang="en-US" sz="13800" dirty="0" smtClean="0"/>
+              <a:t>Demo</a:t>
+            </a:r>
+            <a:endParaRPr lang="ru-RU" sz="13800" dirty="0"/>
+          </a:p>
+        </p:txBody>
+      </p:sp>
+      <p:sp>
+        <p:nvSpPr>
+          <p:cNvPr id="4" name="Title 2"/>
+          <p:cNvSpPr txBox="1">
+            <a:spLocks/>
+          </p:cNvSpPr>
+          <p:nvPr/>
+        </p:nvSpPr>
+        <p:spPr>
+          <a:xfrm>
+            <a:off x="688490" y="570156"/>
+            <a:ext cx="7756263" cy="1054250"/>
+          </a:xfrm>
+          <a:prstGeom prst="rect">
+            <a:avLst/>
+          </a:prstGeom>
+        </p:spPr>
+        <p:txBody>
+          <a:bodyPr vert="horz" lIns="91440" tIns="45720" rIns="91440" bIns="45720" rtlCol="0" anchor="ctr">
+            <a:noAutofit/>
+          </a:bodyPr>
+          <a:lstStyle>
+            <a:lvl1pPr algn="ctr" defTabSz="914400" rtl="0" eaLnBrk="1" latinLnBrk="0" hangingPunct="1">
+              <a:spcBef>
+                <a:spcPct val="0"/>
+              </a:spcBef>
+              <a:buNone/>
+              <a:defRPr sz="5400" kern="1200">
+                <a:solidFill>
+                  <a:schemeClr val="tx2"/>
+                </a:solidFill>
+                <a:latin typeface="+mj-lt"/>
+                <a:ea typeface="+mj-ea"/>
+                <a:cs typeface="+mj-cs"/>
+              </a:defRPr>
+            </a:lvl1pPr>
+            <a:lvl2pPr eaLnBrk="1" hangingPunct="1">
+              <a:defRPr>
+                <a:solidFill>
+                  <a:schemeClr val="tx2"/>
+                </a:solidFill>
+              </a:defRPr>
+            </a:lvl2pPr>
+            <a:lvl3pPr eaLnBrk="1" hangingPunct="1">
+              <a:defRPr>
+                <a:solidFill>
+                  <a:schemeClr val="tx2"/>
+                </a:solidFill>
+              </a:defRPr>
+            </a:lvl3pPr>
+            <a:lvl4pPr eaLnBrk="1" hangingPunct="1">
+              <a:defRPr>
+                <a:solidFill>
+                  <a:schemeClr val="tx2"/>
+                </a:solidFill>
+              </a:defRPr>
+            </a:lvl4pPr>
+            <a:lvl5pPr eaLnBrk="1" hangingPunct="1">
+              <a:defRPr>
+                <a:solidFill>
+                  <a:schemeClr val="tx2"/>
+                </a:solidFill>
+              </a:defRPr>
+            </a:lvl5pPr>
+            <a:lvl6pPr eaLnBrk="1" hangingPunct="1">
+              <a:defRPr>
+                <a:solidFill>
+                  <a:schemeClr val="tx2"/>
+                </a:solidFill>
+              </a:defRPr>
+            </a:lvl6pPr>
+            <a:lvl7pPr eaLnBrk="1" hangingPunct="1">
+              <a:defRPr>
+                <a:solidFill>
+                  <a:schemeClr val="tx2"/>
+                </a:solidFill>
+              </a:defRPr>
+            </a:lvl7pPr>
+            <a:lvl8pPr eaLnBrk="1" hangingPunct="1">
+              <a:defRPr>
+                <a:solidFill>
+                  <a:schemeClr val="tx2"/>
+                </a:solidFill>
+              </a:defRPr>
+            </a:lvl8pPr>
+            <a:lvl9pPr eaLnBrk="1" hangingPunct="1">
+              <a:defRPr>
+                <a:solidFill>
+                  <a:schemeClr val="tx2"/>
+                </a:solidFill>
+              </a:defRPr>
+            </a:lvl9pPr>
+          </a:lstStyle>
+          <a:p>
+            <a:r>
+              <a:rPr lang="en-US" dirty="0" smtClean="0"/>
+              <a:t>Simulator</a:t>
+            </a:r>
+            <a:endParaRPr lang="en-US" dirty="0"/>
+          </a:p>
+        </p:txBody>
+      </p:sp>
+    </p:spTree>
+    <p:extLst>
+      <p:ext uri="{BB962C8B-B14F-4D97-AF65-F5344CB8AC3E}">
+        <p14:creationId xmlns:p14="http://schemas.microsoft.com/office/powerpoint/2010/main" val="876268902"/>
+      </p:ext>
+    </p:extLst>
+  </p:cSld>
+  <p:clrMapOvr>
+    <a:masterClrMapping/>
+  </p:clrMapOvr>
+  <p:timing>
+    <p:tnLst>
+      <p:par>
+        <p:cTn id="1" dur="indefinite" restart="never" nodeType="tmRoot"/>
+      </p:par>
+    </p:tnLst>
+  </p:timing>
+</p:sld>
+</file>
+
+<file path=ppt/slides/slide29.xml><?xml version="1.0" encoding="utf-8"?>
+<p:sld xmlns:a="http://schemas.openxmlformats.org/drawingml/2006/main" xmlns:r="http://schemas.openxmlformats.org/officeDocument/2006/relationships" xmlns:p="http://schemas.openxmlformats.org/presentationml/2006/main">
+  <p:cSld>
+    <p:spTree>
+      <p:nvGrpSpPr>
+        <p:cNvPr id="1" name=""/>
+        <p:cNvGrpSpPr/>
+        <p:nvPr/>
+      </p:nvGrpSpPr>
+      <p:grpSpPr>
+        <a:xfrm>
+          <a:off x="0" y="0"/>
+          <a:ext cx="0" cy="0"/>
+          <a:chOff x="0" y="0"/>
+          <a:chExt cx="0" cy="0"/>
+        </a:xfrm>
+      </p:grpSpPr>
+      <p:sp>
+        <p:nvSpPr>
           <p:cNvPr id="3" name="Title 2"/>
           <p:cNvSpPr>
             <a:spLocks noGrp="1"/>
@@ -12004,7 +16873,7 @@
           <p:nvPr/>
         </p:nvPicPr>
         <p:blipFill>
-          <a:blip r:embed="rId2">
+          <a:blip r:embed="rId3">
             <a:extLst>
               <a:ext uri="{28A0092B-C50C-407E-A947-70E740481C1C}">
                 <a14:useLocalDpi xmlns:a14="http://schemas.microsoft.com/office/drawing/2010/main" val="0"/>
@@ -12045,313 +16914,6 @@
 </p:sld>
 </file>
 
-<file path=ppt/slides/slide29.xml><?xml version="1.0" encoding="utf-8"?>
-<p:sld xmlns:a="http://schemas.openxmlformats.org/drawingml/2006/main" xmlns:r="http://schemas.openxmlformats.org/officeDocument/2006/relationships" xmlns:p="http://schemas.openxmlformats.org/presentationml/2006/main">
-  <p:cSld>
-    <p:spTree>
-      <p:nvGrpSpPr>
-        <p:cNvPr id="1" name=""/>
-        <p:cNvGrpSpPr/>
-        <p:nvPr/>
-      </p:nvGrpSpPr>
-      <p:grpSpPr>
-        <a:xfrm>
-          <a:off x="0" y="0"/>
-          <a:ext cx="0" cy="0"/>
-          <a:chOff x="0" y="0"/>
-          <a:chExt cx="0" cy="0"/>
-        </a:xfrm>
-      </p:grpSpPr>
-      <p:sp>
-        <p:nvSpPr>
-          <p:cNvPr id="2" name="Объект 1"/>
-          <p:cNvSpPr>
-            <a:spLocks noGrp="1"/>
-          </p:cNvSpPr>
-          <p:nvPr>
-            <p:ph idx="1"/>
-          </p:nvPr>
-        </p:nvSpPr>
-        <p:spPr/>
-        <p:txBody>
-          <a:bodyPr>
-            <a:normAutofit fontScale="62500" lnSpcReduction="20000"/>
-          </a:bodyPr>
-          <a:lstStyle/>
-          <a:p>
-            <a:pPr>
-              <a:lnSpc>
-                <a:spcPct val="160000"/>
-              </a:lnSpc>
-            </a:pPr>
-            <a:r>
-              <a:rPr lang="en-US" dirty="0">
-                <a:latin typeface="Arial" pitchFamily="34" charset="0"/>
-                <a:cs typeface="Arial" pitchFamily="34" charset="0"/>
-              </a:rPr>
-              <a:t>IEEE 802.11 SPEC - </a:t>
-            </a:r>
-            <a:r>
-              <a:rPr lang="en-US" dirty="0" err="1">
-                <a:latin typeface="Arial" pitchFamily="34" charset="0"/>
-                <a:cs typeface="Arial" pitchFamily="34" charset="0"/>
-              </a:rPr>
-              <a:t>WiFi</a:t>
-            </a:r>
-            <a:endParaRPr lang="en-US" dirty="0">
-              <a:latin typeface="Arial" pitchFamily="34" charset="0"/>
-              <a:cs typeface="Arial" pitchFamily="34" charset="0"/>
-            </a:endParaRPr>
-          </a:p>
-          <a:p>
-            <a:pPr>
-              <a:lnSpc>
-                <a:spcPct val="160000"/>
-              </a:lnSpc>
-            </a:pPr>
-            <a:r>
-              <a:rPr lang="en-US" dirty="0">
-                <a:latin typeface="Arial" pitchFamily="34" charset="0"/>
-                <a:cs typeface="Arial" pitchFamily="34" charset="0"/>
-              </a:rPr>
-              <a:t>IEEE 802.11z SPEC - TDLS</a:t>
-            </a:r>
-          </a:p>
-          <a:p>
-            <a:pPr>
-              <a:lnSpc>
-                <a:spcPct val="160000"/>
-              </a:lnSpc>
-            </a:pPr>
-            <a:r>
-              <a:rPr lang="en-US" dirty="0">
-                <a:latin typeface="Arial" pitchFamily="34" charset="0"/>
-                <a:cs typeface="Arial" pitchFamily="34" charset="0"/>
-                <a:hlinkClick r:id="rId2"/>
-              </a:rPr>
-              <a:t>Wireless Rate Control Algorithms </a:t>
-            </a:r>
-            <a:endParaRPr lang="he-IL" dirty="0">
-              <a:latin typeface="Arial" pitchFamily="34" charset="0"/>
-              <a:cs typeface="Arial" pitchFamily="34" charset="0"/>
-            </a:endParaRPr>
-          </a:p>
-          <a:p>
-            <a:pPr>
-              <a:lnSpc>
-                <a:spcPct val="160000"/>
-              </a:lnSpc>
-            </a:pPr>
-            <a:r>
-              <a:rPr lang="en-US" dirty="0">
-                <a:latin typeface="Arial" pitchFamily="34" charset="0"/>
-                <a:cs typeface="Arial" pitchFamily="34" charset="0"/>
-                <a:hlinkClick r:id="rId3"/>
-              </a:rPr>
-              <a:t>DDRS</a:t>
-            </a:r>
-            <a:endParaRPr lang="en-US" dirty="0">
-              <a:latin typeface="Arial" pitchFamily="34" charset="0"/>
-              <a:cs typeface="Arial" pitchFamily="34" charset="0"/>
-            </a:endParaRPr>
-          </a:p>
-          <a:p>
-            <a:pPr>
-              <a:lnSpc>
-                <a:spcPct val="160000"/>
-              </a:lnSpc>
-            </a:pPr>
-            <a:r>
-              <a:rPr lang="en-US" b="1" dirty="0">
-                <a:hlinkClick r:id="rId4"/>
-              </a:rPr>
-              <a:t>MAC rate control algorithm</a:t>
-            </a:r>
-            <a:endParaRPr lang="he-IL" dirty="0">
-              <a:latin typeface="Arial" pitchFamily="34" charset="0"/>
-              <a:cs typeface="Arial" pitchFamily="34" charset="0"/>
-            </a:endParaRPr>
-          </a:p>
-          <a:p>
-            <a:pPr>
-              <a:lnSpc>
-                <a:spcPct val="160000"/>
-              </a:lnSpc>
-            </a:pPr>
-            <a:r>
-              <a:rPr lang="en-US" dirty="0" err="1">
-                <a:latin typeface="Arial" pitchFamily="34" charset="0"/>
-                <a:cs typeface="Arial" pitchFamily="34" charset="0"/>
-                <a:hlinkClick r:id="rId5"/>
-              </a:rPr>
-              <a:t>WiFi</a:t>
-            </a:r>
-            <a:r>
-              <a:rPr lang="en-US" dirty="0">
-                <a:latin typeface="Arial" pitchFamily="34" charset="0"/>
-                <a:cs typeface="Arial" pitchFamily="34" charset="0"/>
-                <a:hlinkClick r:id="rId5"/>
-              </a:rPr>
-              <a:t> Alliance</a:t>
-            </a:r>
-            <a:r>
-              <a:rPr lang="ru-RU" dirty="0">
-                <a:latin typeface="Arial" pitchFamily="34" charset="0"/>
-                <a:cs typeface="Arial" pitchFamily="34" charset="0"/>
-                <a:hlinkClick r:id="rId5"/>
-              </a:rPr>
-              <a:t> </a:t>
-            </a:r>
-            <a:endParaRPr lang="he-IL" dirty="0">
-              <a:latin typeface="Arial" pitchFamily="34" charset="0"/>
-              <a:cs typeface="Arial" pitchFamily="34" charset="0"/>
-            </a:endParaRPr>
-          </a:p>
-          <a:p>
-            <a:pPr>
-              <a:lnSpc>
-                <a:spcPct val="160000"/>
-              </a:lnSpc>
-            </a:pPr>
-            <a:r>
-              <a:rPr lang="en-US" dirty="0" err="1">
-                <a:latin typeface="Arial" pitchFamily="34" charset="0"/>
-                <a:cs typeface="Arial" pitchFamily="34" charset="0"/>
-                <a:hlinkClick r:id="rId6"/>
-              </a:rPr>
-              <a:t>WiFi</a:t>
-            </a:r>
-            <a:r>
-              <a:rPr lang="en-US" dirty="0">
-                <a:latin typeface="Arial" pitchFamily="34" charset="0"/>
-                <a:cs typeface="Arial" pitchFamily="34" charset="0"/>
-                <a:hlinkClick r:id="rId6"/>
-              </a:rPr>
-              <a:t> Direct - http://linuxwireless.org/</a:t>
-            </a:r>
-            <a:endParaRPr lang="he-IL" dirty="0">
-              <a:latin typeface="Arial" pitchFamily="34" charset="0"/>
-              <a:cs typeface="Arial" pitchFamily="34" charset="0"/>
-            </a:endParaRPr>
-          </a:p>
-          <a:p>
-            <a:pPr>
-              <a:lnSpc>
-                <a:spcPct val="160000"/>
-              </a:lnSpc>
-            </a:pPr>
-            <a:r>
-              <a:rPr lang="en-US" b="1" dirty="0">
-                <a:hlinkClick r:id="rId7"/>
-              </a:rPr>
-              <a:t>A Routing Algorithm for Wireless Ad Hoc Networks with Unidirectional Links</a:t>
-            </a:r>
-            <a:endParaRPr lang="en-US" b="1" dirty="0"/>
-          </a:p>
-          <a:p>
-            <a:pPr>
-              <a:lnSpc>
-                <a:spcPct val="160000"/>
-              </a:lnSpc>
-            </a:pPr>
-            <a:r>
-              <a:rPr lang="en-US" b="1" dirty="0">
-                <a:latin typeface="Arial" pitchFamily="34" charset="0"/>
-                <a:cs typeface="Arial" pitchFamily="34" charset="0"/>
-                <a:hlinkClick r:id="rId8"/>
-              </a:rPr>
-              <a:t>Wikipedia - </a:t>
-            </a:r>
-            <a:r>
-              <a:rPr lang="en-US" dirty="0">
-                <a:hlinkClick r:id="rId8"/>
-              </a:rPr>
-              <a:t>Wireless </a:t>
-            </a:r>
-            <a:r>
-              <a:rPr lang="en-US" dirty="0" smtClean="0">
-                <a:hlinkClick r:id="rId8"/>
-              </a:rPr>
-              <a:t>network</a:t>
-            </a:r>
-            <a:endParaRPr lang="en-US" dirty="0" smtClean="0"/>
-          </a:p>
-          <a:p>
-            <a:pPr>
-              <a:lnSpc>
-                <a:spcPct val="160000"/>
-              </a:lnSpc>
-            </a:pPr>
-            <a:r>
-              <a:rPr lang="en-US" dirty="0" smtClean="0">
-                <a:hlinkClick r:id="rId9"/>
-              </a:rPr>
-              <a:t>Our web site for project: http</a:t>
-            </a:r>
-            <a:r>
-              <a:rPr lang="en-US" dirty="0">
-                <a:hlinkClick r:id="rId9"/>
-              </a:rPr>
-              <a:t>://wiki.dhs01.com/</a:t>
-            </a:r>
-            <a:endParaRPr lang="en-US" dirty="0"/>
-          </a:p>
-          <a:p>
-            <a:pPr>
-              <a:lnSpc>
-                <a:spcPct val="160000"/>
-              </a:lnSpc>
-            </a:pPr>
-            <a:endParaRPr lang="en-US" dirty="0"/>
-          </a:p>
-          <a:p>
-            <a:endParaRPr lang="ru-RU" dirty="0"/>
-          </a:p>
-        </p:txBody>
-      </p:sp>
-      <p:sp>
-        <p:nvSpPr>
-          <p:cNvPr id="3" name="Заголовок 2"/>
-          <p:cNvSpPr>
-            <a:spLocks noGrp="1"/>
-          </p:cNvSpPr>
-          <p:nvPr>
-            <p:ph type="title"/>
-          </p:nvPr>
-        </p:nvSpPr>
-        <p:spPr/>
-        <p:txBody>
-          <a:bodyPr/>
-          <a:lstStyle/>
-          <a:p>
-            <a:r>
-              <a:rPr lang="en-US" dirty="0"/>
-              <a:t>Bibliography</a:t>
-            </a:r>
-            <a:endParaRPr lang="ru-RU" dirty="0"/>
-          </a:p>
-        </p:txBody>
-      </p:sp>
-    </p:spTree>
-    <p:extLst>
-      <p:ext uri="{BB962C8B-B14F-4D97-AF65-F5344CB8AC3E}">
-        <p14:creationId xmlns:p14="http://schemas.microsoft.com/office/powerpoint/2010/main" val="4092822900"/>
-      </p:ext>
-    </p:extLst>
-  </p:cSld>
-  <p:clrMapOvr>
-    <a:masterClrMapping/>
-  </p:clrMapOvr>
-  <p:timing>
-    <p:tnLst>
-      <p:par>
-        <p:cTn id="1" dur="indefinite" restart="never" nodeType="tmRoot"/>
-      </p:par>
-    </p:tnLst>
-  </p:timing>
-</p:sld>
-</file>
-
 <file path=ppt/slides/slide3.xml><?xml version="1.0" encoding="utf-8"?>
 <p:sld xmlns:a="http://schemas.openxmlformats.org/drawingml/2006/main" xmlns:r="http://schemas.openxmlformats.org/officeDocument/2006/relationships" xmlns:p="http://schemas.openxmlformats.org/presentationml/2006/main">
   <p:cSld>
@@ -12506,7 +17068,381 @@
   <p:timing>
     <p:tnLst>
       <p:par>
-        <p:cTn id="1" dur="indefinite" restart="never" nodeType="tmRoot"/>
+        <p:cTn id="1" dur="indefinite" restart="never" nodeType="tmRoot">
+          <p:childTnLst>
+            <p:seq concurrent="1" nextAc="seek">
+              <p:cTn id="2" dur="indefinite" nodeType="mainSeq">
+                <p:childTnLst>
+                  <p:par>
+                    <p:cTn id="3" fill="hold">
+                      <p:stCondLst>
+                        <p:cond delay="indefinite"/>
+                      </p:stCondLst>
+                      <p:childTnLst>
+                        <p:par>
+                          <p:cTn id="4" fill="hold">
+                            <p:stCondLst>
+                              <p:cond delay="0"/>
+                            </p:stCondLst>
+                            <p:childTnLst>
+                              <p:par>
+                                <p:cTn id="5" presetID="1" presetClass="entr" presetSubtype="0" fill="hold" nodeType="clickEffect">
+                                  <p:stCondLst>
+                                    <p:cond delay="0"/>
+                                  </p:stCondLst>
+                                  <p:childTnLst>
+                                    <p:set>
+                                      <p:cBhvr>
+                                        <p:cTn id="6" dur="1" fill="hold">
+                                          <p:stCondLst>
+                                            <p:cond delay="0"/>
+                                          </p:stCondLst>
+                                        </p:cTn>
+                                        <p:tgtEl>
+                                          <p:spTgt spid="2">
+                                            <p:txEl>
+                                              <p:pRg st="0" end="0"/>
+                                            </p:txEl>
+                                          </p:spTgt>
+                                        </p:tgtEl>
+                                        <p:attrNameLst>
+                                          <p:attrName>style.visibility</p:attrName>
+                                        </p:attrNameLst>
+                                      </p:cBhvr>
+                                      <p:to>
+                                        <p:strVal val="visible"/>
+                                      </p:to>
+                                    </p:set>
+                                  </p:childTnLst>
+                                </p:cTn>
+                              </p:par>
+                            </p:childTnLst>
+                          </p:cTn>
+                        </p:par>
+                      </p:childTnLst>
+                    </p:cTn>
+                  </p:par>
+                  <p:par>
+                    <p:cTn id="7" fill="hold">
+                      <p:stCondLst>
+                        <p:cond delay="indefinite"/>
+                      </p:stCondLst>
+                      <p:childTnLst>
+                        <p:par>
+                          <p:cTn id="8" fill="hold">
+                            <p:stCondLst>
+                              <p:cond delay="0"/>
+                            </p:stCondLst>
+                            <p:childTnLst>
+                              <p:par>
+                                <p:cTn id="9" presetID="1" presetClass="entr" presetSubtype="0" fill="hold" nodeType="clickEffect">
+                                  <p:stCondLst>
+                                    <p:cond delay="0"/>
+                                  </p:stCondLst>
+                                  <p:childTnLst>
+                                    <p:set>
+                                      <p:cBhvr>
+                                        <p:cTn id="10" dur="1" fill="hold">
+                                          <p:stCondLst>
+                                            <p:cond delay="0"/>
+                                          </p:stCondLst>
+                                        </p:cTn>
+                                        <p:tgtEl>
+                                          <p:spTgt spid="2">
+                                            <p:txEl>
+                                              <p:pRg st="1" end="1"/>
+                                            </p:txEl>
+                                          </p:spTgt>
+                                        </p:tgtEl>
+                                        <p:attrNameLst>
+                                          <p:attrName>style.visibility</p:attrName>
+                                        </p:attrNameLst>
+                                      </p:cBhvr>
+                                      <p:to>
+                                        <p:strVal val="visible"/>
+                                      </p:to>
+                                    </p:set>
+                                  </p:childTnLst>
+                                </p:cTn>
+                              </p:par>
+                              <p:par>
+                                <p:cTn id="11" presetID="1" presetClass="entr" presetSubtype="0" fill="hold" nodeType="withEffect">
+                                  <p:stCondLst>
+                                    <p:cond delay="0"/>
+                                  </p:stCondLst>
+                                  <p:childTnLst>
+                                    <p:set>
+                                      <p:cBhvr>
+                                        <p:cTn id="12" dur="1" fill="hold">
+                                          <p:stCondLst>
+                                            <p:cond delay="0"/>
+                                          </p:stCondLst>
+                                        </p:cTn>
+                                        <p:tgtEl>
+                                          <p:spTgt spid="2">
+                                            <p:txEl>
+                                              <p:pRg st="2" end="2"/>
+                                            </p:txEl>
+                                          </p:spTgt>
+                                        </p:tgtEl>
+                                        <p:attrNameLst>
+                                          <p:attrName>style.visibility</p:attrName>
+                                        </p:attrNameLst>
+                                      </p:cBhvr>
+                                      <p:to>
+                                        <p:strVal val="visible"/>
+                                      </p:to>
+                                    </p:set>
+                                  </p:childTnLst>
+                                </p:cTn>
+                              </p:par>
+                              <p:par>
+                                <p:cTn id="13" presetID="1" presetClass="entr" presetSubtype="0" fill="hold" nodeType="withEffect">
+                                  <p:stCondLst>
+                                    <p:cond delay="0"/>
+                                  </p:stCondLst>
+                                  <p:childTnLst>
+                                    <p:set>
+                                      <p:cBhvr>
+                                        <p:cTn id="14" dur="1" fill="hold">
+                                          <p:stCondLst>
+                                            <p:cond delay="0"/>
+                                          </p:stCondLst>
+                                        </p:cTn>
+                                        <p:tgtEl>
+                                          <p:spTgt spid="2">
+                                            <p:txEl>
+                                              <p:pRg st="3" end="3"/>
+                                            </p:txEl>
+                                          </p:spTgt>
+                                        </p:tgtEl>
+                                        <p:attrNameLst>
+                                          <p:attrName>style.visibility</p:attrName>
+                                        </p:attrNameLst>
+                                      </p:cBhvr>
+                                      <p:to>
+                                        <p:strVal val="visible"/>
+                                      </p:to>
+                                    </p:set>
+                                  </p:childTnLst>
+                                </p:cTn>
+                              </p:par>
+                              <p:par>
+                                <p:cTn id="15" presetID="1" presetClass="entr" presetSubtype="0" fill="hold" nodeType="withEffect">
+                                  <p:stCondLst>
+                                    <p:cond delay="0"/>
+                                  </p:stCondLst>
+                                  <p:childTnLst>
+                                    <p:set>
+                                      <p:cBhvr>
+                                        <p:cTn id="16" dur="1" fill="hold">
+                                          <p:stCondLst>
+                                            <p:cond delay="0"/>
+                                          </p:stCondLst>
+                                        </p:cTn>
+                                        <p:tgtEl>
+                                          <p:spTgt spid="2">
+                                            <p:txEl>
+                                              <p:pRg st="4" end="4"/>
+                                            </p:txEl>
+                                          </p:spTgt>
+                                        </p:tgtEl>
+                                        <p:attrNameLst>
+                                          <p:attrName>style.visibility</p:attrName>
+                                        </p:attrNameLst>
+                                      </p:cBhvr>
+                                      <p:to>
+                                        <p:strVal val="visible"/>
+                                      </p:to>
+                                    </p:set>
+                                  </p:childTnLst>
+                                </p:cTn>
+                              </p:par>
+                            </p:childTnLst>
+                          </p:cTn>
+                        </p:par>
+                      </p:childTnLst>
+                    </p:cTn>
+                  </p:par>
+                  <p:par>
+                    <p:cTn id="17" fill="hold">
+                      <p:stCondLst>
+                        <p:cond delay="indefinite"/>
+                      </p:stCondLst>
+                      <p:childTnLst>
+                        <p:par>
+                          <p:cTn id="18" fill="hold">
+                            <p:stCondLst>
+                              <p:cond delay="0"/>
+                            </p:stCondLst>
+                            <p:childTnLst>
+                              <p:par>
+                                <p:cTn id="19" presetID="1" presetClass="entr" presetSubtype="0" fill="hold" nodeType="clickEffect">
+                                  <p:stCondLst>
+                                    <p:cond delay="0"/>
+                                  </p:stCondLst>
+                                  <p:childTnLst>
+                                    <p:set>
+                                      <p:cBhvr>
+                                        <p:cTn id="20" dur="1" fill="hold">
+                                          <p:stCondLst>
+                                            <p:cond delay="0"/>
+                                          </p:stCondLst>
+                                        </p:cTn>
+                                        <p:tgtEl>
+                                          <p:spTgt spid="2">
+                                            <p:txEl>
+                                              <p:pRg st="6" end="6"/>
+                                            </p:txEl>
+                                          </p:spTgt>
+                                        </p:tgtEl>
+                                        <p:attrNameLst>
+                                          <p:attrName>style.visibility</p:attrName>
+                                        </p:attrNameLst>
+                                      </p:cBhvr>
+                                      <p:to>
+                                        <p:strVal val="visible"/>
+                                      </p:to>
+                                    </p:set>
+                                  </p:childTnLst>
+                                </p:cTn>
+                              </p:par>
+                            </p:childTnLst>
+                          </p:cTn>
+                        </p:par>
+                      </p:childTnLst>
+                    </p:cTn>
+                  </p:par>
+                  <p:par>
+                    <p:cTn id="21" fill="hold">
+                      <p:stCondLst>
+                        <p:cond delay="indefinite"/>
+                      </p:stCondLst>
+                      <p:childTnLst>
+                        <p:par>
+                          <p:cTn id="22" fill="hold">
+                            <p:stCondLst>
+                              <p:cond delay="0"/>
+                            </p:stCondLst>
+                            <p:childTnLst>
+                              <p:par>
+                                <p:cTn id="23" presetID="1" presetClass="entr" presetSubtype="0" fill="hold" nodeType="clickEffect">
+                                  <p:stCondLst>
+                                    <p:cond delay="0"/>
+                                  </p:stCondLst>
+                                  <p:childTnLst>
+                                    <p:set>
+                                      <p:cBhvr>
+                                        <p:cTn id="24" dur="1" fill="hold">
+                                          <p:stCondLst>
+                                            <p:cond delay="0"/>
+                                          </p:stCondLst>
+                                        </p:cTn>
+                                        <p:tgtEl>
+                                          <p:spTgt spid="2">
+                                            <p:txEl>
+                                              <p:pRg st="7" end="7"/>
+                                            </p:txEl>
+                                          </p:spTgt>
+                                        </p:tgtEl>
+                                        <p:attrNameLst>
+                                          <p:attrName>style.visibility</p:attrName>
+                                        </p:attrNameLst>
+                                      </p:cBhvr>
+                                      <p:to>
+                                        <p:strVal val="visible"/>
+                                      </p:to>
+                                    </p:set>
+                                  </p:childTnLst>
+                                </p:cTn>
+                              </p:par>
+                              <p:par>
+                                <p:cTn id="25" presetID="1" presetClass="entr" presetSubtype="0" fill="hold" nodeType="withEffect">
+                                  <p:stCondLst>
+                                    <p:cond delay="0"/>
+                                  </p:stCondLst>
+                                  <p:childTnLst>
+                                    <p:set>
+                                      <p:cBhvr>
+                                        <p:cTn id="26" dur="1" fill="hold">
+                                          <p:stCondLst>
+                                            <p:cond delay="0"/>
+                                          </p:stCondLst>
+                                        </p:cTn>
+                                        <p:tgtEl>
+                                          <p:spTgt spid="2">
+                                            <p:txEl>
+                                              <p:pRg st="8" end="8"/>
+                                            </p:txEl>
+                                          </p:spTgt>
+                                        </p:tgtEl>
+                                        <p:attrNameLst>
+                                          <p:attrName>style.visibility</p:attrName>
+                                        </p:attrNameLst>
+                                      </p:cBhvr>
+                                      <p:to>
+                                        <p:strVal val="visible"/>
+                                      </p:to>
+                                    </p:set>
+                                  </p:childTnLst>
+                                </p:cTn>
+                              </p:par>
+                              <p:par>
+                                <p:cTn id="27" presetID="1" presetClass="entr" presetSubtype="0" fill="hold" nodeType="withEffect">
+                                  <p:stCondLst>
+                                    <p:cond delay="0"/>
+                                  </p:stCondLst>
+                                  <p:childTnLst>
+                                    <p:set>
+                                      <p:cBhvr>
+                                        <p:cTn id="28" dur="1" fill="hold">
+                                          <p:stCondLst>
+                                            <p:cond delay="0"/>
+                                          </p:stCondLst>
+                                        </p:cTn>
+                                        <p:tgtEl>
+                                          <p:spTgt spid="2">
+                                            <p:txEl>
+                                              <p:pRg st="9" end="9"/>
+                                            </p:txEl>
+                                          </p:spTgt>
+                                        </p:tgtEl>
+                                        <p:attrNameLst>
+                                          <p:attrName>style.visibility</p:attrName>
+                                        </p:attrNameLst>
+                                      </p:cBhvr>
+                                      <p:to>
+                                        <p:strVal val="visible"/>
+                                      </p:to>
+                                    </p:set>
+                                  </p:childTnLst>
+                                </p:cTn>
+                              </p:par>
+                            </p:childTnLst>
+                          </p:cTn>
+                        </p:par>
+                      </p:childTnLst>
+                    </p:cTn>
+                  </p:par>
+                </p:childTnLst>
+              </p:cTn>
+              <p:prevCondLst>
+                <p:cond evt="onPrev" delay="0">
+                  <p:tgtEl>
+                    <p:sldTgt/>
+                  </p:tgtEl>
+                </p:cond>
+              </p:prevCondLst>
+              <p:nextCondLst>
+                <p:cond evt="onNext" delay="0">
+                  <p:tgtEl>
+                    <p:sldTgt/>
+                  </p:tgtEl>
+                </p:cond>
+              </p:nextCondLst>
+            </p:seq>
+          </p:childTnLst>
+        </p:cTn>
       </p:par>
     </p:tnLst>
   </p:timing>
@@ -12543,7 +17479,7 @@
         <p:spPr/>
         <p:txBody>
           <a:bodyPr>
-            <a:normAutofit/>
+            <a:normAutofit fontScale="62500" lnSpcReduction="20000"/>
           </a:bodyPr>
           <a:lstStyle/>
           <a:p>
@@ -12553,12 +17489,23 @@
               </a:lnSpc>
             </a:pPr>
             <a:r>
-              <a:rPr lang="en-US" sz="1400" dirty="0" smtClean="0">
-                <a:hlinkClick r:id="rId2"/>
+              <a:rPr lang="en-US" dirty="0">
+                <a:latin typeface="Arial" pitchFamily="34" charset="0"/>
+                <a:cs typeface="Arial" pitchFamily="34" charset="0"/>
               </a:rPr>
-              <a:t>Signal-to-noise ratio</a:t>
-            </a:r>
-            <a:endParaRPr lang="en-US" sz="1400" dirty="0" smtClean="0"/>
+              <a:t>IEEE 802.11 SPEC - </a:t>
+            </a:r>
+            <a:r>
+              <a:rPr lang="en-US" dirty="0" err="1">
+                <a:latin typeface="Arial" pitchFamily="34" charset="0"/>
+                <a:cs typeface="Arial" pitchFamily="34" charset="0"/>
+              </a:rPr>
+              <a:t>WiFi</a:t>
+            </a:r>
+            <a:endParaRPr lang="en-US" dirty="0">
+              <a:latin typeface="Arial" pitchFamily="34" charset="0"/>
+              <a:cs typeface="Arial" pitchFamily="34" charset="0"/>
+            </a:endParaRPr>
           </a:p>
           <a:p>
             <a:pPr>
@@ -12567,24 +17514,12 @@
               </a:lnSpc>
             </a:pPr>
             <a:r>
-              <a:rPr lang="en-US" sz="1400" dirty="0" smtClean="0">
-                <a:hlinkClick r:id="rId3"/>
+              <a:rPr lang="en-US" dirty="0">
+                <a:latin typeface="Arial" pitchFamily="34" charset="0"/>
+                <a:cs typeface="Arial" pitchFamily="34" charset="0"/>
               </a:rPr>
-              <a:t>RSSI </a:t>
-            </a:r>
-            <a:r>
-              <a:rPr lang="en-US" sz="1400" dirty="0" err="1" smtClean="0">
-                <a:hlinkClick r:id="rId3"/>
-              </a:rPr>
-              <a:t>vs</a:t>
-            </a:r>
-            <a:r>
-              <a:rPr lang="en-US" sz="1400" dirty="0" smtClean="0">
-                <a:hlinkClick r:id="rId3"/>
-              </a:rPr>
-              <a:t> Data rates</a:t>
-            </a:r>
-            <a:endParaRPr lang="en-US" sz="1400" dirty="0" smtClean="0"/>
+              <a:t>IEEE 802.11z SPEC - TDLS</a:t>
+            </a:r>
           </a:p>
           <a:p>
             <a:pPr>
@@ -12593,12 +17528,17 @@
               </a:lnSpc>
             </a:pPr>
             <a:r>
-              <a:rPr lang="en-US" sz="1400" dirty="0" smtClean="0">
-                <a:hlinkClick r:id="rId4"/>
+              <a:rPr lang="en-US" dirty="0">
+                <a:latin typeface="Arial" pitchFamily="34" charset="0"/>
+                <a:cs typeface="Arial" pitchFamily="34" charset="0"/>
+                <a:hlinkClick r:id="rId3"/>
               </a:rPr>
-              <a:t>Configure 802.11n on the WLC</a:t>
-            </a:r>
-            <a:endParaRPr lang="en-US" sz="1400" dirty="0" smtClean="0"/>
+              <a:t>Wireless Rate Control Algorithms </a:t>
+            </a:r>
+            <a:endParaRPr lang="he-IL" dirty="0">
+              <a:latin typeface="Arial" pitchFamily="34" charset="0"/>
+              <a:cs typeface="Arial" pitchFamily="34" charset="0"/>
+            </a:endParaRPr>
           </a:p>
           <a:p>
             <a:pPr>
@@ -12607,8 +17547,311 @@
               </a:lnSpc>
             </a:pPr>
             <a:r>
+              <a:rPr lang="en-US" dirty="0">
+                <a:latin typeface="Arial" pitchFamily="34" charset="0"/>
+                <a:cs typeface="Arial" pitchFamily="34" charset="0"/>
+                <a:hlinkClick r:id="rId4"/>
+              </a:rPr>
+              <a:t>DDRS</a:t>
+            </a:r>
+            <a:endParaRPr lang="en-US" dirty="0">
+              <a:latin typeface="Arial" pitchFamily="34" charset="0"/>
+              <a:cs typeface="Arial" pitchFamily="34" charset="0"/>
+            </a:endParaRPr>
+          </a:p>
+          <a:p>
+            <a:pPr>
+              <a:lnSpc>
+                <a:spcPct val="160000"/>
+              </a:lnSpc>
+            </a:pPr>
+            <a:r>
+              <a:rPr lang="en-US" b="1" dirty="0">
+                <a:hlinkClick r:id="rId5"/>
+              </a:rPr>
+              <a:t>MAC rate control algorithm</a:t>
+            </a:r>
+            <a:endParaRPr lang="he-IL" dirty="0">
+              <a:latin typeface="Arial" pitchFamily="34" charset="0"/>
+              <a:cs typeface="Arial" pitchFamily="34" charset="0"/>
+            </a:endParaRPr>
+          </a:p>
+          <a:p>
+            <a:pPr>
+              <a:lnSpc>
+                <a:spcPct val="160000"/>
+              </a:lnSpc>
+            </a:pPr>
+            <a:r>
+              <a:rPr lang="en-US" dirty="0" err="1">
+                <a:latin typeface="Arial" pitchFamily="34" charset="0"/>
+                <a:cs typeface="Arial" pitchFamily="34" charset="0"/>
+                <a:hlinkClick r:id="rId6"/>
+              </a:rPr>
+              <a:t>WiFi</a:t>
+            </a:r>
+            <a:r>
+              <a:rPr lang="en-US" dirty="0">
+                <a:latin typeface="Arial" pitchFamily="34" charset="0"/>
+                <a:cs typeface="Arial" pitchFamily="34" charset="0"/>
+                <a:hlinkClick r:id="rId6"/>
+              </a:rPr>
+              <a:t> Alliance</a:t>
+            </a:r>
+            <a:r>
+              <a:rPr lang="ru-RU" dirty="0">
+                <a:latin typeface="Arial" pitchFamily="34" charset="0"/>
+                <a:cs typeface="Arial" pitchFamily="34" charset="0"/>
+                <a:hlinkClick r:id="rId6"/>
+              </a:rPr>
+              <a:t> </a:t>
+            </a:r>
+            <a:endParaRPr lang="he-IL" dirty="0">
+              <a:latin typeface="Arial" pitchFamily="34" charset="0"/>
+              <a:cs typeface="Arial" pitchFamily="34" charset="0"/>
+            </a:endParaRPr>
+          </a:p>
+          <a:p>
+            <a:pPr>
+              <a:lnSpc>
+                <a:spcPct val="160000"/>
+              </a:lnSpc>
+            </a:pPr>
+            <a:r>
+              <a:rPr lang="en-US" dirty="0" err="1">
+                <a:latin typeface="Arial" pitchFamily="34" charset="0"/>
+                <a:cs typeface="Arial" pitchFamily="34" charset="0"/>
+                <a:hlinkClick r:id="rId7"/>
+              </a:rPr>
+              <a:t>WiFi</a:t>
+            </a:r>
+            <a:r>
+              <a:rPr lang="en-US" dirty="0">
+                <a:latin typeface="Arial" pitchFamily="34" charset="0"/>
+                <a:cs typeface="Arial" pitchFamily="34" charset="0"/>
+                <a:hlinkClick r:id="rId7"/>
+              </a:rPr>
+              <a:t> Direct - http://linuxwireless.org/</a:t>
+            </a:r>
+            <a:endParaRPr lang="he-IL" dirty="0">
+              <a:latin typeface="Arial" pitchFamily="34" charset="0"/>
+              <a:cs typeface="Arial" pitchFamily="34" charset="0"/>
+            </a:endParaRPr>
+          </a:p>
+          <a:p>
+            <a:pPr>
+              <a:lnSpc>
+                <a:spcPct val="160000"/>
+              </a:lnSpc>
+            </a:pPr>
+            <a:r>
+              <a:rPr lang="en-US" b="1" dirty="0">
+                <a:hlinkClick r:id="rId8"/>
+              </a:rPr>
+              <a:t>A Routing Algorithm for Wireless Ad Hoc Networks with Unidirectional Links</a:t>
+            </a:r>
+            <a:endParaRPr lang="en-US" b="1" dirty="0"/>
+          </a:p>
+          <a:p>
+            <a:pPr>
+              <a:lnSpc>
+                <a:spcPct val="160000"/>
+              </a:lnSpc>
+            </a:pPr>
+            <a:r>
+              <a:rPr lang="en-US" b="1" dirty="0">
+                <a:latin typeface="Arial" pitchFamily="34" charset="0"/>
+                <a:cs typeface="Arial" pitchFamily="34" charset="0"/>
+                <a:hlinkClick r:id="rId9"/>
+              </a:rPr>
+              <a:t>Wikipedia - </a:t>
+            </a:r>
+            <a:r>
+              <a:rPr lang="en-US" dirty="0">
+                <a:hlinkClick r:id="rId9"/>
+              </a:rPr>
+              <a:t>Wireless </a:t>
+            </a:r>
+            <a:r>
+              <a:rPr lang="en-US" dirty="0" smtClean="0">
+                <a:hlinkClick r:id="rId9"/>
+              </a:rPr>
+              <a:t>network</a:t>
+            </a:r>
+            <a:endParaRPr lang="en-US" dirty="0" smtClean="0"/>
+          </a:p>
+          <a:p>
+            <a:pPr>
+              <a:lnSpc>
+                <a:spcPct val="160000"/>
+              </a:lnSpc>
+            </a:pPr>
+            <a:r>
+              <a:rPr lang="en-US" dirty="0" smtClean="0">
+                <a:hlinkClick r:id="rId10"/>
+              </a:rPr>
+              <a:t>Our web site for project: http</a:t>
+            </a:r>
+            <a:r>
+              <a:rPr lang="en-US" dirty="0">
+                <a:hlinkClick r:id="rId10"/>
+              </a:rPr>
+              <a:t>://wiki.dhs01.com/</a:t>
+            </a:r>
+            <a:endParaRPr lang="en-US" dirty="0"/>
+          </a:p>
+          <a:p>
+            <a:pPr>
+              <a:lnSpc>
+                <a:spcPct val="160000"/>
+              </a:lnSpc>
+            </a:pPr>
+            <a:endParaRPr lang="en-US" dirty="0"/>
+          </a:p>
+          <a:p>
+            <a:endParaRPr lang="ru-RU" dirty="0"/>
+          </a:p>
+        </p:txBody>
+      </p:sp>
+      <p:sp>
+        <p:nvSpPr>
+          <p:cNvPr id="3" name="Заголовок 2"/>
+          <p:cNvSpPr>
+            <a:spLocks noGrp="1"/>
+          </p:cNvSpPr>
+          <p:nvPr>
+            <p:ph type="title"/>
+          </p:nvPr>
+        </p:nvSpPr>
+        <p:spPr/>
+        <p:txBody>
+          <a:bodyPr/>
+          <a:lstStyle/>
+          <a:p>
+            <a:r>
+              <a:rPr lang="en-US" dirty="0"/>
+              <a:t>Bibliography</a:t>
+            </a:r>
+            <a:endParaRPr lang="ru-RU" dirty="0"/>
+          </a:p>
+        </p:txBody>
+      </p:sp>
+    </p:spTree>
+    <p:extLst>
+      <p:ext uri="{BB962C8B-B14F-4D97-AF65-F5344CB8AC3E}">
+        <p14:creationId xmlns:p14="http://schemas.microsoft.com/office/powerpoint/2010/main" val="4092822900"/>
+      </p:ext>
+    </p:extLst>
+  </p:cSld>
+  <p:clrMapOvr>
+    <a:masterClrMapping/>
+  </p:clrMapOvr>
+  <p:timing>
+    <p:tnLst>
+      <p:par>
+        <p:cTn id="1" dur="indefinite" restart="never" nodeType="tmRoot"/>
+      </p:par>
+    </p:tnLst>
+  </p:timing>
+</p:sld>
+</file>
+
+<file path=ppt/slides/slide31.xml><?xml version="1.0" encoding="utf-8"?>
+<p:sld xmlns:a="http://schemas.openxmlformats.org/drawingml/2006/main" xmlns:r="http://schemas.openxmlformats.org/officeDocument/2006/relationships" xmlns:p="http://schemas.openxmlformats.org/presentationml/2006/main">
+  <p:cSld>
+    <p:spTree>
+      <p:nvGrpSpPr>
+        <p:cNvPr id="1" name=""/>
+        <p:cNvGrpSpPr/>
+        <p:nvPr/>
+      </p:nvGrpSpPr>
+      <p:grpSpPr>
+        <a:xfrm>
+          <a:off x="0" y="0"/>
+          <a:ext cx="0" cy="0"/>
+          <a:chOff x="0" y="0"/>
+          <a:chExt cx="0" cy="0"/>
+        </a:xfrm>
+      </p:grpSpPr>
+      <p:sp>
+        <p:nvSpPr>
+          <p:cNvPr id="2" name="Объект 1"/>
+          <p:cNvSpPr>
+            <a:spLocks noGrp="1"/>
+          </p:cNvSpPr>
+          <p:nvPr>
+            <p:ph idx="1"/>
+          </p:nvPr>
+        </p:nvSpPr>
+        <p:spPr/>
+        <p:txBody>
+          <a:bodyPr>
+            <a:normAutofit/>
+          </a:bodyPr>
+          <a:lstStyle/>
+          <a:p>
+            <a:pPr>
+              <a:lnSpc>
+                <a:spcPct val="160000"/>
+              </a:lnSpc>
+            </a:pPr>
+            <a:r>
+              <a:rPr lang="en-US" sz="1400" dirty="0" smtClean="0">
+                <a:hlinkClick r:id="rId3"/>
+              </a:rPr>
+              <a:t>Signal-to-noise ratio</a:t>
+            </a:r>
+            <a:endParaRPr lang="en-US" sz="1400" dirty="0" smtClean="0"/>
+          </a:p>
+          <a:p>
+            <a:pPr>
+              <a:lnSpc>
+                <a:spcPct val="160000"/>
+              </a:lnSpc>
+            </a:pPr>
+            <a:r>
+              <a:rPr lang="en-US" sz="1400" dirty="0" smtClean="0">
+                <a:hlinkClick r:id="rId4"/>
+              </a:rPr>
+              <a:t>RSSI </a:t>
+            </a:r>
+            <a:r>
+              <a:rPr lang="en-US" sz="1400" dirty="0" err="1" smtClean="0">
+                <a:hlinkClick r:id="rId4"/>
+              </a:rPr>
+              <a:t>vs</a:t>
+            </a:r>
+            <a:r>
+              <a:rPr lang="en-US" sz="1400" dirty="0" smtClean="0">
+                <a:hlinkClick r:id="rId4"/>
+              </a:rPr>
+              <a:t> Data rates</a:t>
+            </a:r>
+            <a:endParaRPr lang="en-US" sz="1400" dirty="0" smtClean="0"/>
+          </a:p>
+          <a:p>
+            <a:pPr>
+              <a:lnSpc>
+                <a:spcPct val="160000"/>
+              </a:lnSpc>
+            </a:pPr>
+            <a:r>
               <a:rPr lang="en-US" sz="1400" dirty="0" smtClean="0">
                 <a:hlinkClick r:id="rId5"/>
+              </a:rPr>
+              <a:t>Configure 802.11n on the WLC</a:t>
+            </a:r>
+            <a:endParaRPr lang="en-US" sz="1400" dirty="0" smtClean="0"/>
+          </a:p>
+          <a:p>
+            <a:pPr>
+              <a:lnSpc>
+                <a:spcPct val="160000"/>
+              </a:lnSpc>
+            </a:pPr>
+            <a:r>
+              <a:rPr lang="en-US" sz="1400" dirty="0" smtClean="0">
+                <a:hlinkClick r:id="rId6"/>
               </a:rPr>
               <a:t>Coverage or Capacity - Making the best use of 802.11N</a:t>
             </a:r>
@@ -12742,7 +17985,7 @@
           </a:p>
           <a:p>
             <a:pPr algn="l"/>
-            <a:endParaRPr lang="en-US" dirty="0" smtClean="0"/>
+            <a:endParaRPr lang="en-US" sz="1400" dirty="0" smtClean="0"/>
           </a:p>
           <a:p>
             <a:pPr algn="l"/>
@@ -12781,6 +18024,12 @@
             </a:r>
           </a:p>
           <a:p>
+            <a:pPr marL="411480" lvl="1" indent="0">
+              <a:buNone/>
+            </a:pPr>
+            <a:endParaRPr lang="en-US" sz="900" dirty="0" smtClean="0"/>
+          </a:p>
+          <a:p>
             <a:pPr lvl="1">
               <a:buFont typeface="Wingdings" pitchFamily="2" charset="2"/>
               <a:buChar char="Ø"/>
@@ -12789,15 +18038,6 @@
               <a:rPr lang="en-US" sz="1800" dirty="0" smtClean="0"/>
               <a:t>TDLS</a:t>
             </a:r>
-          </a:p>
-          <a:p>
-            <a:pPr marL="0" indent="0" algn="l">
-              <a:buNone/>
-            </a:pPr>
-            <a:endParaRPr lang="en-US" dirty="0" smtClean="0"/>
-          </a:p>
-          <a:p>
-            <a:pPr algn="l"/>
             <a:endParaRPr lang="en-US" dirty="0" smtClean="0"/>
           </a:p>
           <a:p>
@@ -12843,7 +18083,337 @@
   <p:timing>
     <p:tnLst>
       <p:par>
-        <p:cTn id="1" dur="indefinite" restart="never" nodeType="tmRoot"/>
+        <p:cTn id="1" dur="indefinite" restart="never" nodeType="tmRoot">
+          <p:childTnLst>
+            <p:seq concurrent="1" nextAc="seek">
+              <p:cTn id="2" dur="indefinite" nodeType="mainSeq">
+                <p:childTnLst>
+                  <p:par>
+                    <p:cTn id="3" fill="hold">
+                      <p:stCondLst>
+                        <p:cond delay="indefinite"/>
+                      </p:stCondLst>
+                      <p:childTnLst>
+                        <p:par>
+                          <p:cTn id="4" fill="hold">
+                            <p:stCondLst>
+                              <p:cond delay="0"/>
+                            </p:stCondLst>
+                            <p:childTnLst>
+                              <p:par>
+                                <p:cTn id="5" presetID="1" presetClass="entr" presetSubtype="0" fill="hold" nodeType="clickEffect">
+                                  <p:stCondLst>
+                                    <p:cond delay="0"/>
+                                  </p:stCondLst>
+                                  <p:childTnLst>
+                                    <p:set>
+                                      <p:cBhvr>
+                                        <p:cTn id="6" dur="1" fill="hold">
+                                          <p:stCondLst>
+                                            <p:cond delay="0"/>
+                                          </p:stCondLst>
+                                        </p:cTn>
+                                        <p:tgtEl>
+                                          <p:spTgt spid="2">
+                                            <p:txEl>
+                                              <p:pRg st="0" end="0"/>
+                                            </p:txEl>
+                                          </p:spTgt>
+                                        </p:tgtEl>
+                                        <p:attrNameLst>
+                                          <p:attrName>style.visibility</p:attrName>
+                                        </p:attrNameLst>
+                                      </p:cBhvr>
+                                      <p:to>
+                                        <p:strVal val="visible"/>
+                                      </p:to>
+                                    </p:set>
+                                  </p:childTnLst>
+                                </p:cTn>
+                              </p:par>
+                            </p:childTnLst>
+                          </p:cTn>
+                        </p:par>
+                      </p:childTnLst>
+                    </p:cTn>
+                  </p:par>
+                  <p:par>
+                    <p:cTn id="7" fill="hold">
+                      <p:stCondLst>
+                        <p:cond delay="indefinite"/>
+                      </p:stCondLst>
+                      <p:childTnLst>
+                        <p:par>
+                          <p:cTn id="8" fill="hold">
+                            <p:stCondLst>
+                              <p:cond delay="0"/>
+                            </p:stCondLst>
+                            <p:childTnLst>
+                              <p:par>
+                                <p:cTn id="9" presetID="1" presetClass="entr" presetSubtype="0" fill="hold" nodeType="clickEffect">
+                                  <p:stCondLst>
+                                    <p:cond delay="0"/>
+                                  </p:stCondLst>
+                                  <p:childTnLst>
+                                    <p:set>
+                                      <p:cBhvr>
+                                        <p:cTn id="10" dur="1" fill="hold">
+                                          <p:stCondLst>
+                                            <p:cond delay="0"/>
+                                          </p:stCondLst>
+                                        </p:cTn>
+                                        <p:tgtEl>
+                                          <p:spTgt spid="2">
+                                            <p:txEl>
+                                              <p:pRg st="2" end="2"/>
+                                            </p:txEl>
+                                          </p:spTgt>
+                                        </p:tgtEl>
+                                        <p:attrNameLst>
+                                          <p:attrName>style.visibility</p:attrName>
+                                        </p:attrNameLst>
+                                      </p:cBhvr>
+                                      <p:to>
+                                        <p:strVal val="visible"/>
+                                      </p:to>
+                                    </p:set>
+                                  </p:childTnLst>
+                                </p:cTn>
+                              </p:par>
+                            </p:childTnLst>
+                          </p:cTn>
+                        </p:par>
+                      </p:childTnLst>
+                    </p:cTn>
+                  </p:par>
+                  <p:par>
+                    <p:cTn id="11" fill="hold">
+                      <p:stCondLst>
+                        <p:cond delay="indefinite"/>
+                      </p:stCondLst>
+                      <p:childTnLst>
+                        <p:par>
+                          <p:cTn id="12" fill="hold">
+                            <p:stCondLst>
+                              <p:cond delay="0"/>
+                            </p:stCondLst>
+                            <p:childTnLst>
+                              <p:par>
+                                <p:cTn id="13" presetID="1" presetClass="entr" presetSubtype="0" fill="hold" nodeType="clickEffect">
+                                  <p:stCondLst>
+                                    <p:cond delay="0"/>
+                                  </p:stCondLst>
+                                  <p:childTnLst>
+                                    <p:set>
+                                      <p:cBhvr>
+                                        <p:cTn id="14" dur="1" fill="hold">
+                                          <p:stCondLst>
+                                            <p:cond delay="0"/>
+                                          </p:stCondLst>
+                                        </p:cTn>
+                                        <p:tgtEl>
+                                          <p:spTgt spid="2">
+                                            <p:txEl>
+                                              <p:pRg st="4" end="4"/>
+                                            </p:txEl>
+                                          </p:spTgt>
+                                        </p:tgtEl>
+                                        <p:attrNameLst>
+                                          <p:attrName>style.visibility</p:attrName>
+                                        </p:attrNameLst>
+                                      </p:cBhvr>
+                                      <p:to>
+                                        <p:strVal val="visible"/>
+                                      </p:to>
+                                    </p:set>
+                                  </p:childTnLst>
+                                </p:cTn>
+                              </p:par>
+                            </p:childTnLst>
+                          </p:cTn>
+                        </p:par>
+                      </p:childTnLst>
+                    </p:cTn>
+                  </p:par>
+                  <p:par>
+                    <p:cTn id="15" fill="hold">
+                      <p:stCondLst>
+                        <p:cond delay="indefinite"/>
+                      </p:stCondLst>
+                      <p:childTnLst>
+                        <p:par>
+                          <p:cTn id="16" fill="hold">
+                            <p:stCondLst>
+                              <p:cond delay="0"/>
+                            </p:stCondLst>
+                            <p:childTnLst>
+                              <p:par>
+                                <p:cTn id="17" presetID="1" presetClass="entr" presetSubtype="0" fill="hold" nodeType="clickEffect">
+                                  <p:stCondLst>
+                                    <p:cond delay="0"/>
+                                  </p:stCondLst>
+                                  <p:childTnLst>
+                                    <p:set>
+                                      <p:cBhvr>
+                                        <p:cTn id="18" dur="1" fill="hold">
+                                          <p:stCondLst>
+                                            <p:cond delay="0"/>
+                                          </p:stCondLst>
+                                        </p:cTn>
+                                        <p:tgtEl>
+                                          <p:spTgt spid="2">
+                                            <p:txEl>
+                                              <p:pRg st="6" end="6"/>
+                                            </p:txEl>
+                                          </p:spTgt>
+                                        </p:tgtEl>
+                                        <p:attrNameLst>
+                                          <p:attrName>style.visibility</p:attrName>
+                                        </p:attrNameLst>
+                                      </p:cBhvr>
+                                      <p:to>
+                                        <p:strVal val="visible"/>
+                                      </p:to>
+                                    </p:set>
+                                  </p:childTnLst>
+                                </p:cTn>
+                              </p:par>
+                            </p:childTnLst>
+                          </p:cTn>
+                        </p:par>
+                      </p:childTnLst>
+                    </p:cTn>
+                  </p:par>
+                  <p:par>
+                    <p:cTn id="19" fill="hold">
+                      <p:stCondLst>
+                        <p:cond delay="indefinite"/>
+                      </p:stCondLst>
+                      <p:childTnLst>
+                        <p:par>
+                          <p:cTn id="20" fill="hold">
+                            <p:stCondLst>
+                              <p:cond delay="0"/>
+                            </p:stCondLst>
+                            <p:childTnLst>
+                              <p:par>
+                                <p:cTn id="21" presetID="1" presetClass="entr" presetSubtype="0" fill="hold" nodeType="clickEffect">
+                                  <p:stCondLst>
+                                    <p:cond delay="0"/>
+                                  </p:stCondLst>
+                                  <p:childTnLst>
+                                    <p:set>
+                                      <p:cBhvr>
+                                        <p:cTn id="22" dur="1" fill="hold">
+                                          <p:stCondLst>
+                                            <p:cond delay="0"/>
+                                          </p:stCondLst>
+                                        </p:cTn>
+                                        <p:tgtEl>
+                                          <p:spTgt spid="2">
+                                            <p:txEl>
+                                              <p:pRg st="8" end="8"/>
+                                            </p:txEl>
+                                          </p:spTgt>
+                                        </p:tgtEl>
+                                        <p:attrNameLst>
+                                          <p:attrName>style.visibility</p:attrName>
+                                        </p:attrNameLst>
+                                      </p:cBhvr>
+                                      <p:to>
+                                        <p:strVal val="visible"/>
+                                      </p:to>
+                                    </p:set>
+                                  </p:childTnLst>
+                                </p:cTn>
+                              </p:par>
+                              <p:par>
+                                <p:cTn id="23" presetID="1" presetClass="entr" presetSubtype="0" fill="hold" nodeType="withEffect">
+                                  <p:stCondLst>
+                                    <p:cond delay="0"/>
+                                  </p:stCondLst>
+                                  <p:childTnLst>
+                                    <p:set>
+                                      <p:cBhvr>
+                                        <p:cTn id="24" dur="1" fill="hold">
+                                          <p:stCondLst>
+                                            <p:cond delay="0"/>
+                                          </p:stCondLst>
+                                        </p:cTn>
+                                        <p:tgtEl>
+                                          <p:spTgt spid="2">
+                                            <p:txEl>
+                                              <p:pRg st="10" end="10"/>
+                                            </p:txEl>
+                                          </p:spTgt>
+                                        </p:tgtEl>
+                                        <p:attrNameLst>
+                                          <p:attrName>style.visibility</p:attrName>
+                                        </p:attrNameLst>
+                                      </p:cBhvr>
+                                      <p:to>
+                                        <p:strVal val="visible"/>
+                                      </p:to>
+                                    </p:set>
+                                  </p:childTnLst>
+                                </p:cTn>
+                              </p:par>
+                              <p:par>
+                                <p:cTn id="25" presetID="1" presetClass="entr" presetSubtype="0" fill="hold" nodeType="withEffect">
+                                  <p:stCondLst>
+                                    <p:cond delay="0"/>
+                                  </p:stCondLst>
+                                  <p:childTnLst>
+                                    <p:set>
+                                      <p:cBhvr>
+                                        <p:cTn id="26" dur="1" fill="hold">
+                                          <p:stCondLst>
+                                            <p:cond delay="0"/>
+                                          </p:stCondLst>
+                                        </p:cTn>
+                                        <p:tgtEl>
+                                          <p:spTgt spid="2">
+                                            <p:txEl>
+                                              <p:pRg st="12" end="12"/>
+                                            </p:txEl>
+                                          </p:spTgt>
+                                        </p:tgtEl>
+                                        <p:attrNameLst>
+                                          <p:attrName>style.visibility</p:attrName>
+                                        </p:attrNameLst>
+                                      </p:cBhvr>
+                                      <p:to>
+                                        <p:strVal val="visible"/>
+                                      </p:to>
+                                    </p:set>
+                                  </p:childTnLst>
+                                </p:cTn>
+                              </p:par>
+                            </p:childTnLst>
+                          </p:cTn>
+                        </p:par>
+                      </p:childTnLst>
+                    </p:cTn>
+                  </p:par>
+                </p:childTnLst>
+              </p:cTn>
+              <p:prevCondLst>
+                <p:cond evt="onPrev" delay="0">
+                  <p:tgtEl>
+                    <p:sldTgt/>
+                  </p:tgtEl>
+                </p:cond>
+              </p:prevCondLst>
+              <p:nextCondLst>
+                <p:cond evt="onNext" delay="0">
+                  <p:tgtEl>
+                    <p:sldTgt/>
+                  </p:tgtEl>
+                </p:cond>
+              </p:nextCondLst>
+            </p:seq>
+          </p:childTnLst>
+        </p:cTn>
       </p:par>
     </p:tnLst>
   </p:timing>
@@ -12890,12 +18460,12 @@
           <a:graphicData uri="http://schemas.openxmlformats.org/presentationml/2006/ole">
             <mc:AlternateContent xmlns:mc="http://schemas.openxmlformats.org/markup-compatibility/2006">
               <mc:Choice xmlns:v="urn:schemas-microsoft-com:vml" Requires="v">
-                <p:oleObj spid="_x0000_s1137" name="Visio" r:id="rId3" imgW="9147060" imgH="7289860" progId="Visio.Drawing.11">
+                <p:oleObj spid="_x0000_s1156" name="Visio" r:id="rId4" imgW="9147060" imgH="7289860" progId="Visio.Drawing.11">
                   <p:embed/>
                 </p:oleObj>
               </mc:Choice>
               <mc:Fallback>
-                <p:oleObj name="Visio" r:id="rId3" imgW="9147060" imgH="7289860" progId="Visio.Drawing.11">
+                <p:oleObj name="Visio" r:id="rId4" imgW="9147060" imgH="7289860" progId="Visio.Drawing.11">
                   <p:embed/>
                   <p:pic>
                     <p:nvPicPr>
@@ -12904,7 +18474,7 @@
                       <p:nvPr/>
                     </p:nvPicPr>
                     <p:blipFill>
-                      <a:blip r:embed="rId4"/>
+                      <a:blip r:embed="rId5"/>
                       <a:stretch>
                         <a:fillRect/>
                       </a:stretch>
@@ -13120,7 +18690,520 @@
   <p:timing>
     <p:tnLst>
       <p:par>
-        <p:cTn id="1" dur="indefinite" restart="never" nodeType="tmRoot"/>
+        <p:cTn id="1" dur="indefinite" restart="never" nodeType="tmRoot">
+          <p:childTnLst>
+            <p:seq concurrent="1" nextAc="seek">
+              <p:cTn id="2" dur="indefinite" nodeType="mainSeq">
+                <p:childTnLst>
+                  <p:par>
+                    <p:cTn id="3" fill="hold">
+                      <p:stCondLst>
+                        <p:cond delay="indefinite"/>
+                      </p:stCondLst>
+                      <p:childTnLst>
+                        <p:par>
+                          <p:cTn id="4" fill="hold">
+                            <p:stCondLst>
+                              <p:cond delay="0"/>
+                            </p:stCondLst>
+                            <p:childTnLst>
+                              <p:par>
+                                <p:cTn id="5" presetID="1" presetClass="entr" presetSubtype="0" fill="hold" nodeType="clickEffect">
+                                  <p:stCondLst>
+                                    <p:cond delay="0"/>
+                                  </p:stCondLst>
+                                  <p:childTnLst>
+                                    <p:set>
+                                      <p:cBhvr>
+                                        <p:cTn id="6" dur="1" fill="hold">
+                                          <p:stCondLst>
+                                            <p:cond delay="0"/>
+                                          </p:stCondLst>
+                                        </p:cTn>
+                                        <p:tgtEl>
+                                          <p:spTgt spid="7">
+                                            <p:txEl>
+                                              <p:pRg st="0" end="0"/>
+                                            </p:txEl>
+                                          </p:spTgt>
+                                        </p:tgtEl>
+                                        <p:attrNameLst>
+                                          <p:attrName>style.visibility</p:attrName>
+                                        </p:attrNameLst>
+                                      </p:cBhvr>
+                                      <p:to>
+                                        <p:strVal val="visible"/>
+                                      </p:to>
+                                    </p:set>
+                                  </p:childTnLst>
+                                </p:cTn>
+                              </p:par>
+                            </p:childTnLst>
+                          </p:cTn>
+                        </p:par>
+                      </p:childTnLst>
+                    </p:cTn>
+                  </p:par>
+                  <p:par>
+                    <p:cTn id="7" fill="hold">
+                      <p:stCondLst>
+                        <p:cond delay="indefinite"/>
+                      </p:stCondLst>
+                      <p:childTnLst>
+                        <p:par>
+                          <p:cTn id="8" fill="hold">
+                            <p:stCondLst>
+                              <p:cond delay="0"/>
+                            </p:stCondLst>
+                            <p:childTnLst>
+                              <p:par>
+                                <p:cTn id="9" presetID="1" presetClass="entr" presetSubtype="0" fill="hold" nodeType="clickEffect">
+                                  <p:stCondLst>
+                                    <p:cond delay="0"/>
+                                  </p:stCondLst>
+                                  <p:childTnLst>
+                                    <p:set>
+                                      <p:cBhvr>
+                                        <p:cTn id="10" dur="1" fill="hold">
+                                          <p:stCondLst>
+                                            <p:cond delay="0"/>
+                                          </p:stCondLst>
+                                        </p:cTn>
+                                        <p:tgtEl>
+                                          <p:spTgt spid="7">
+                                            <p:txEl>
+                                              <p:pRg st="1" end="1"/>
+                                            </p:txEl>
+                                          </p:spTgt>
+                                        </p:tgtEl>
+                                        <p:attrNameLst>
+                                          <p:attrName>style.visibility</p:attrName>
+                                        </p:attrNameLst>
+                                      </p:cBhvr>
+                                      <p:to>
+                                        <p:strVal val="visible"/>
+                                      </p:to>
+                                    </p:set>
+                                  </p:childTnLst>
+                                </p:cTn>
+                              </p:par>
+                            </p:childTnLst>
+                          </p:cTn>
+                        </p:par>
+                      </p:childTnLst>
+                    </p:cTn>
+                  </p:par>
+                  <p:par>
+                    <p:cTn id="11" fill="hold">
+                      <p:stCondLst>
+                        <p:cond delay="indefinite"/>
+                      </p:stCondLst>
+                      <p:childTnLst>
+                        <p:par>
+                          <p:cTn id="12" fill="hold">
+                            <p:stCondLst>
+                              <p:cond delay="0"/>
+                            </p:stCondLst>
+                            <p:childTnLst>
+                              <p:par>
+                                <p:cTn id="13" presetID="1" presetClass="entr" presetSubtype="0" fill="hold" nodeType="clickEffect">
+                                  <p:stCondLst>
+                                    <p:cond delay="0"/>
+                                  </p:stCondLst>
+                                  <p:childTnLst>
+                                    <p:set>
+                                      <p:cBhvr>
+                                        <p:cTn id="14" dur="1" fill="hold">
+                                          <p:stCondLst>
+                                            <p:cond delay="0"/>
+                                          </p:stCondLst>
+                                        </p:cTn>
+                                        <p:tgtEl>
+                                          <p:spTgt spid="7">
+                                            <p:txEl>
+                                              <p:pRg st="2" end="2"/>
+                                            </p:txEl>
+                                          </p:spTgt>
+                                        </p:tgtEl>
+                                        <p:attrNameLst>
+                                          <p:attrName>style.visibility</p:attrName>
+                                        </p:attrNameLst>
+                                      </p:cBhvr>
+                                      <p:to>
+                                        <p:strVal val="visible"/>
+                                      </p:to>
+                                    </p:set>
+                                  </p:childTnLst>
+                                </p:cTn>
+                              </p:par>
+                            </p:childTnLst>
+                          </p:cTn>
+                        </p:par>
+                      </p:childTnLst>
+                    </p:cTn>
+                  </p:par>
+                  <p:par>
+                    <p:cTn id="15" fill="hold">
+                      <p:stCondLst>
+                        <p:cond delay="indefinite"/>
+                      </p:stCondLst>
+                      <p:childTnLst>
+                        <p:par>
+                          <p:cTn id="16" fill="hold">
+                            <p:stCondLst>
+                              <p:cond delay="0"/>
+                            </p:stCondLst>
+                            <p:childTnLst>
+                              <p:par>
+                                <p:cTn id="17" presetID="1" presetClass="entr" presetSubtype="0" fill="hold" nodeType="clickEffect">
+                                  <p:stCondLst>
+                                    <p:cond delay="0"/>
+                                  </p:stCondLst>
+                                  <p:childTnLst>
+                                    <p:set>
+                                      <p:cBhvr>
+                                        <p:cTn id="18" dur="1" fill="hold">
+                                          <p:stCondLst>
+                                            <p:cond delay="0"/>
+                                          </p:stCondLst>
+                                        </p:cTn>
+                                        <p:tgtEl>
+                                          <p:spTgt spid="7">
+                                            <p:txEl>
+                                              <p:pRg st="3" end="3"/>
+                                            </p:txEl>
+                                          </p:spTgt>
+                                        </p:tgtEl>
+                                        <p:attrNameLst>
+                                          <p:attrName>style.visibility</p:attrName>
+                                        </p:attrNameLst>
+                                      </p:cBhvr>
+                                      <p:to>
+                                        <p:strVal val="visible"/>
+                                      </p:to>
+                                    </p:set>
+                                  </p:childTnLst>
+                                </p:cTn>
+                              </p:par>
+                            </p:childTnLst>
+                          </p:cTn>
+                        </p:par>
+                      </p:childTnLst>
+                    </p:cTn>
+                  </p:par>
+                  <p:par>
+                    <p:cTn id="19" fill="hold">
+                      <p:stCondLst>
+                        <p:cond delay="indefinite"/>
+                      </p:stCondLst>
+                      <p:childTnLst>
+                        <p:par>
+                          <p:cTn id="20" fill="hold">
+                            <p:stCondLst>
+                              <p:cond delay="0"/>
+                            </p:stCondLst>
+                            <p:childTnLst>
+                              <p:par>
+                                <p:cTn id="21" presetID="1" presetClass="entr" presetSubtype="0" fill="hold" nodeType="clickEffect">
+                                  <p:stCondLst>
+                                    <p:cond delay="0"/>
+                                  </p:stCondLst>
+                                  <p:childTnLst>
+                                    <p:set>
+                                      <p:cBhvr>
+                                        <p:cTn id="22" dur="1" fill="hold">
+                                          <p:stCondLst>
+                                            <p:cond delay="0"/>
+                                          </p:stCondLst>
+                                        </p:cTn>
+                                        <p:tgtEl>
+                                          <p:spTgt spid="7">
+                                            <p:txEl>
+                                              <p:pRg st="4" end="4"/>
+                                            </p:txEl>
+                                          </p:spTgt>
+                                        </p:tgtEl>
+                                        <p:attrNameLst>
+                                          <p:attrName>style.visibility</p:attrName>
+                                        </p:attrNameLst>
+                                      </p:cBhvr>
+                                      <p:to>
+                                        <p:strVal val="visible"/>
+                                      </p:to>
+                                    </p:set>
+                                  </p:childTnLst>
+                                </p:cTn>
+                              </p:par>
+                            </p:childTnLst>
+                          </p:cTn>
+                        </p:par>
+                      </p:childTnLst>
+                    </p:cTn>
+                  </p:par>
+                  <p:par>
+                    <p:cTn id="23" fill="hold">
+                      <p:stCondLst>
+                        <p:cond delay="indefinite"/>
+                      </p:stCondLst>
+                      <p:childTnLst>
+                        <p:par>
+                          <p:cTn id="24" fill="hold">
+                            <p:stCondLst>
+                              <p:cond delay="0"/>
+                            </p:stCondLst>
+                            <p:childTnLst>
+                              <p:par>
+                                <p:cTn id="25" presetID="1" presetClass="entr" presetSubtype="0" fill="hold" nodeType="clickEffect">
+                                  <p:stCondLst>
+                                    <p:cond delay="0"/>
+                                  </p:stCondLst>
+                                  <p:childTnLst>
+                                    <p:set>
+                                      <p:cBhvr>
+                                        <p:cTn id="26" dur="1" fill="hold">
+                                          <p:stCondLst>
+                                            <p:cond delay="0"/>
+                                          </p:stCondLst>
+                                        </p:cTn>
+                                        <p:tgtEl>
+                                          <p:spTgt spid="7">
+                                            <p:txEl>
+                                              <p:pRg st="5" end="5"/>
+                                            </p:txEl>
+                                          </p:spTgt>
+                                        </p:tgtEl>
+                                        <p:attrNameLst>
+                                          <p:attrName>style.visibility</p:attrName>
+                                        </p:attrNameLst>
+                                      </p:cBhvr>
+                                      <p:to>
+                                        <p:strVal val="visible"/>
+                                      </p:to>
+                                    </p:set>
+                                  </p:childTnLst>
+                                </p:cTn>
+                              </p:par>
+                            </p:childTnLst>
+                          </p:cTn>
+                        </p:par>
+                      </p:childTnLst>
+                    </p:cTn>
+                  </p:par>
+                  <p:par>
+                    <p:cTn id="27" fill="hold">
+                      <p:stCondLst>
+                        <p:cond delay="indefinite"/>
+                      </p:stCondLst>
+                      <p:childTnLst>
+                        <p:par>
+                          <p:cTn id="28" fill="hold">
+                            <p:stCondLst>
+                              <p:cond delay="0"/>
+                            </p:stCondLst>
+                            <p:childTnLst>
+                              <p:par>
+                                <p:cTn id="29" presetID="1" presetClass="entr" presetSubtype="0" fill="hold" nodeType="clickEffect">
+                                  <p:stCondLst>
+                                    <p:cond delay="0"/>
+                                  </p:stCondLst>
+                                  <p:childTnLst>
+                                    <p:set>
+                                      <p:cBhvr>
+                                        <p:cTn id="30" dur="1" fill="hold">
+                                          <p:stCondLst>
+                                            <p:cond delay="0"/>
+                                          </p:stCondLst>
+                                        </p:cTn>
+                                        <p:tgtEl>
+                                          <p:spTgt spid="7">
+                                            <p:txEl>
+                                              <p:pRg st="6" end="6"/>
+                                            </p:txEl>
+                                          </p:spTgt>
+                                        </p:tgtEl>
+                                        <p:attrNameLst>
+                                          <p:attrName>style.visibility</p:attrName>
+                                        </p:attrNameLst>
+                                      </p:cBhvr>
+                                      <p:to>
+                                        <p:strVal val="visible"/>
+                                      </p:to>
+                                    </p:set>
+                                  </p:childTnLst>
+                                </p:cTn>
+                              </p:par>
+                            </p:childTnLst>
+                          </p:cTn>
+                        </p:par>
+                      </p:childTnLst>
+                    </p:cTn>
+                  </p:par>
+                  <p:par>
+                    <p:cTn id="31" fill="hold">
+                      <p:stCondLst>
+                        <p:cond delay="indefinite"/>
+                      </p:stCondLst>
+                      <p:childTnLst>
+                        <p:par>
+                          <p:cTn id="32" fill="hold">
+                            <p:stCondLst>
+                              <p:cond delay="0"/>
+                            </p:stCondLst>
+                            <p:childTnLst>
+                              <p:par>
+                                <p:cTn id="33" presetID="1" presetClass="entr" presetSubtype="0" fill="hold" nodeType="clickEffect">
+                                  <p:stCondLst>
+                                    <p:cond delay="0"/>
+                                  </p:stCondLst>
+                                  <p:childTnLst>
+                                    <p:set>
+                                      <p:cBhvr>
+                                        <p:cTn id="34" dur="1" fill="hold">
+                                          <p:stCondLst>
+                                            <p:cond delay="0"/>
+                                          </p:stCondLst>
+                                        </p:cTn>
+                                        <p:tgtEl>
+                                          <p:spTgt spid="7">
+                                            <p:txEl>
+                                              <p:pRg st="7" end="7"/>
+                                            </p:txEl>
+                                          </p:spTgt>
+                                        </p:tgtEl>
+                                        <p:attrNameLst>
+                                          <p:attrName>style.visibility</p:attrName>
+                                        </p:attrNameLst>
+                                      </p:cBhvr>
+                                      <p:to>
+                                        <p:strVal val="visible"/>
+                                      </p:to>
+                                    </p:set>
+                                  </p:childTnLst>
+                                </p:cTn>
+                              </p:par>
+                            </p:childTnLst>
+                          </p:cTn>
+                        </p:par>
+                      </p:childTnLst>
+                    </p:cTn>
+                  </p:par>
+                  <p:par>
+                    <p:cTn id="35" fill="hold">
+                      <p:stCondLst>
+                        <p:cond delay="indefinite"/>
+                      </p:stCondLst>
+                      <p:childTnLst>
+                        <p:par>
+                          <p:cTn id="36" fill="hold">
+                            <p:stCondLst>
+                              <p:cond delay="0"/>
+                            </p:stCondLst>
+                            <p:childTnLst>
+                              <p:par>
+                                <p:cTn id="37" presetID="1" presetClass="entr" presetSubtype="0" fill="hold" nodeType="clickEffect">
+                                  <p:stCondLst>
+                                    <p:cond delay="0"/>
+                                  </p:stCondLst>
+                                  <p:childTnLst>
+                                    <p:set>
+                                      <p:cBhvr>
+                                        <p:cTn id="38" dur="1" fill="hold">
+                                          <p:stCondLst>
+                                            <p:cond delay="0"/>
+                                          </p:stCondLst>
+                                        </p:cTn>
+                                        <p:tgtEl>
+                                          <p:spTgt spid="7">
+                                            <p:txEl>
+                                              <p:pRg st="8" end="8"/>
+                                            </p:txEl>
+                                          </p:spTgt>
+                                        </p:tgtEl>
+                                        <p:attrNameLst>
+                                          <p:attrName>style.visibility</p:attrName>
+                                        </p:attrNameLst>
+                                      </p:cBhvr>
+                                      <p:to>
+                                        <p:strVal val="visible"/>
+                                      </p:to>
+                                    </p:set>
+                                  </p:childTnLst>
+                                </p:cTn>
+                              </p:par>
+                            </p:childTnLst>
+                          </p:cTn>
+                        </p:par>
+                      </p:childTnLst>
+                    </p:cTn>
+                  </p:par>
+                  <p:par>
+                    <p:cTn id="39" fill="hold">
+                      <p:stCondLst>
+                        <p:cond delay="indefinite"/>
+                      </p:stCondLst>
+                      <p:childTnLst>
+                        <p:par>
+                          <p:cTn id="40" fill="hold">
+                            <p:stCondLst>
+                              <p:cond delay="0"/>
+                            </p:stCondLst>
+                            <p:childTnLst>
+                              <p:par>
+                                <p:cTn id="41" presetID="1" presetClass="entr" presetSubtype="0" fill="hold" nodeType="clickEffect">
+                                  <p:stCondLst>
+                                    <p:cond delay="0"/>
+                                  </p:stCondLst>
+                                  <p:childTnLst>
+                                    <p:set>
+                                      <p:cBhvr>
+                                        <p:cTn id="42" dur="1" fill="hold">
+                                          <p:stCondLst>
+                                            <p:cond delay="0"/>
+                                          </p:stCondLst>
+                                        </p:cTn>
+                                        <p:tgtEl>
+                                          <p:spTgt spid="7">
+                                            <p:txEl>
+                                              <p:pRg st="9" end="9"/>
+                                            </p:txEl>
+                                          </p:spTgt>
+                                        </p:tgtEl>
+                                        <p:attrNameLst>
+                                          <p:attrName>style.visibility</p:attrName>
+                                        </p:attrNameLst>
+                                      </p:cBhvr>
+                                      <p:to>
+                                        <p:strVal val="visible"/>
+                                      </p:to>
+                                    </p:set>
+                                  </p:childTnLst>
+                                </p:cTn>
+                              </p:par>
+                            </p:childTnLst>
+                          </p:cTn>
+                        </p:par>
+                      </p:childTnLst>
+                    </p:cTn>
+                  </p:par>
+                </p:childTnLst>
+              </p:cTn>
+              <p:prevCondLst>
+                <p:cond evt="onPrev" delay="0">
+                  <p:tgtEl>
+                    <p:sldTgt/>
+                  </p:tgtEl>
+                </p:cond>
+              </p:prevCondLst>
+              <p:nextCondLst>
+                <p:cond evt="onNext" delay="0">
+                  <p:tgtEl>
+                    <p:sldTgt/>
+                  </p:tgtEl>
+                </p:cond>
+              </p:nextCondLst>
+            </p:seq>
+          </p:childTnLst>
+        </p:cTn>
       </p:par>
     </p:tnLst>
   </p:timing>
@@ -13177,7 +19260,7 @@
           <p:nvPr/>
         </p:nvPicPr>
         <p:blipFill>
-          <a:blip r:embed="rId2">
+          <a:blip r:embed="rId3">
             <a:extLst>
               <a:ext uri="{28A0092B-C50C-407E-A947-70E740481C1C}">
                 <a14:useLocalDpi xmlns:a14="http://schemas.microsoft.com/office/drawing/2010/main" val="0"/>
@@ -13387,7 +19470,252 @@
   <p:timing>
     <p:tnLst>
       <p:par>
-        <p:cTn id="1" dur="indefinite" restart="never" nodeType="tmRoot"/>
+        <p:cTn id="1" dur="indefinite" restart="never" nodeType="tmRoot">
+          <p:childTnLst>
+            <p:seq concurrent="1" nextAc="seek">
+              <p:cTn id="2" dur="indefinite" nodeType="mainSeq">
+                <p:childTnLst>
+                  <p:par>
+                    <p:cTn id="3" fill="hold">
+                      <p:stCondLst>
+                        <p:cond delay="indefinite"/>
+                      </p:stCondLst>
+                      <p:childTnLst>
+                        <p:par>
+                          <p:cTn id="4" fill="hold">
+                            <p:stCondLst>
+                              <p:cond delay="0"/>
+                            </p:stCondLst>
+                            <p:childTnLst>
+                              <p:par>
+                                <p:cTn id="5" presetID="1" presetClass="entr" presetSubtype="0" fill="hold" nodeType="clickEffect">
+                                  <p:stCondLst>
+                                    <p:cond delay="0"/>
+                                  </p:stCondLst>
+                                  <p:childTnLst>
+                                    <p:set>
+                                      <p:cBhvr>
+                                        <p:cTn id="6" dur="1" fill="hold">
+                                          <p:stCondLst>
+                                            <p:cond delay="0"/>
+                                          </p:stCondLst>
+                                        </p:cTn>
+                                        <p:tgtEl>
+                                          <p:spTgt spid="2">
+                                            <p:txEl>
+                                              <p:pRg st="0" end="0"/>
+                                            </p:txEl>
+                                          </p:spTgt>
+                                        </p:tgtEl>
+                                        <p:attrNameLst>
+                                          <p:attrName>style.visibility</p:attrName>
+                                        </p:attrNameLst>
+                                      </p:cBhvr>
+                                      <p:to>
+                                        <p:strVal val="visible"/>
+                                      </p:to>
+                                    </p:set>
+                                  </p:childTnLst>
+                                </p:cTn>
+                              </p:par>
+                              <p:par>
+                                <p:cTn id="7" presetID="1" presetClass="entr" presetSubtype="0" fill="hold" nodeType="withEffect">
+                                  <p:stCondLst>
+                                    <p:cond delay="0"/>
+                                  </p:stCondLst>
+                                  <p:childTnLst>
+                                    <p:set>
+                                      <p:cBhvr>
+                                        <p:cTn id="8" dur="1" fill="hold">
+                                          <p:stCondLst>
+                                            <p:cond delay="0"/>
+                                          </p:stCondLst>
+                                        </p:cTn>
+                                        <p:tgtEl>
+                                          <p:spTgt spid="2">
+                                            <p:txEl>
+                                              <p:pRg st="1" end="1"/>
+                                            </p:txEl>
+                                          </p:spTgt>
+                                        </p:tgtEl>
+                                        <p:attrNameLst>
+                                          <p:attrName>style.visibility</p:attrName>
+                                        </p:attrNameLst>
+                                      </p:cBhvr>
+                                      <p:to>
+                                        <p:strVal val="visible"/>
+                                      </p:to>
+                                    </p:set>
+                                  </p:childTnLst>
+                                </p:cTn>
+                              </p:par>
+                              <p:par>
+                                <p:cTn id="9" presetID="1" presetClass="entr" presetSubtype="0" fill="hold" nodeType="withEffect">
+                                  <p:stCondLst>
+                                    <p:cond delay="0"/>
+                                  </p:stCondLst>
+                                  <p:childTnLst>
+                                    <p:set>
+                                      <p:cBhvr>
+                                        <p:cTn id="10" dur="1" fill="hold">
+                                          <p:stCondLst>
+                                            <p:cond delay="0"/>
+                                          </p:stCondLst>
+                                        </p:cTn>
+                                        <p:tgtEl>
+                                          <p:spTgt spid="2">
+                                            <p:txEl>
+                                              <p:pRg st="2" end="2"/>
+                                            </p:txEl>
+                                          </p:spTgt>
+                                        </p:tgtEl>
+                                        <p:attrNameLst>
+                                          <p:attrName>style.visibility</p:attrName>
+                                        </p:attrNameLst>
+                                      </p:cBhvr>
+                                      <p:to>
+                                        <p:strVal val="visible"/>
+                                      </p:to>
+                                    </p:set>
+                                  </p:childTnLst>
+                                </p:cTn>
+                              </p:par>
+                            </p:childTnLst>
+                          </p:cTn>
+                        </p:par>
+                      </p:childTnLst>
+                    </p:cTn>
+                  </p:par>
+                  <p:par>
+                    <p:cTn id="11" fill="hold">
+                      <p:stCondLst>
+                        <p:cond delay="indefinite"/>
+                      </p:stCondLst>
+                      <p:childTnLst>
+                        <p:par>
+                          <p:cTn id="12" fill="hold">
+                            <p:stCondLst>
+                              <p:cond delay="0"/>
+                            </p:stCondLst>
+                            <p:childTnLst>
+                              <p:par>
+                                <p:cTn id="13" presetID="1" presetClass="entr" presetSubtype="0" fill="hold" nodeType="clickEffect">
+                                  <p:stCondLst>
+                                    <p:cond delay="0"/>
+                                  </p:stCondLst>
+                                  <p:childTnLst>
+                                    <p:set>
+                                      <p:cBhvr>
+                                        <p:cTn id="14" dur="1" fill="hold">
+                                          <p:stCondLst>
+                                            <p:cond delay="0"/>
+                                          </p:stCondLst>
+                                        </p:cTn>
+                                        <p:tgtEl>
+                                          <p:spTgt spid="2">
+                                            <p:txEl>
+                                              <p:pRg st="4" end="4"/>
+                                            </p:txEl>
+                                          </p:spTgt>
+                                        </p:tgtEl>
+                                        <p:attrNameLst>
+                                          <p:attrName>style.visibility</p:attrName>
+                                        </p:attrNameLst>
+                                      </p:cBhvr>
+                                      <p:to>
+                                        <p:strVal val="visible"/>
+                                      </p:to>
+                                    </p:set>
+                                  </p:childTnLst>
+                                </p:cTn>
+                              </p:par>
+                              <p:par>
+                                <p:cTn id="15" presetID="1" presetClass="entr" presetSubtype="0" fill="hold" nodeType="withEffect">
+                                  <p:stCondLst>
+                                    <p:cond delay="0"/>
+                                  </p:stCondLst>
+                                  <p:childTnLst>
+                                    <p:set>
+                                      <p:cBhvr>
+                                        <p:cTn id="16" dur="1" fill="hold">
+                                          <p:stCondLst>
+                                            <p:cond delay="0"/>
+                                          </p:stCondLst>
+                                        </p:cTn>
+                                        <p:tgtEl>
+                                          <p:spTgt spid="2">
+                                            <p:txEl>
+                                              <p:pRg st="5" end="5"/>
+                                            </p:txEl>
+                                          </p:spTgt>
+                                        </p:tgtEl>
+                                        <p:attrNameLst>
+                                          <p:attrName>style.visibility</p:attrName>
+                                        </p:attrNameLst>
+                                      </p:cBhvr>
+                                      <p:to>
+                                        <p:strVal val="visible"/>
+                                      </p:to>
+                                    </p:set>
+                                  </p:childTnLst>
+                                </p:cTn>
+                              </p:par>
+                              <p:par>
+                                <p:cTn id="17" presetID="1" presetClass="entr" presetSubtype="0" fill="hold" nodeType="withEffect">
+                                  <p:stCondLst>
+                                    <p:cond delay="0"/>
+                                  </p:stCondLst>
+                                  <p:childTnLst>
+                                    <p:set>
+                                      <p:cBhvr>
+                                        <p:cTn id="18" dur="1" fill="hold">
+                                          <p:stCondLst>
+                                            <p:cond delay="0"/>
+                                          </p:stCondLst>
+                                        </p:cTn>
+                                        <p:tgtEl>
+                                          <p:spTgt spid="2">
+                                            <p:txEl>
+                                              <p:pRg st="6" end="6"/>
+                                            </p:txEl>
+                                          </p:spTgt>
+                                        </p:tgtEl>
+                                        <p:attrNameLst>
+                                          <p:attrName>style.visibility</p:attrName>
+                                        </p:attrNameLst>
+                                      </p:cBhvr>
+                                      <p:to>
+                                        <p:strVal val="visible"/>
+                                      </p:to>
+                                    </p:set>
+                                  </p:childTnLst>
+                                </p:cTn>
+                              </p:par>
+                            </p:childTnLst>
+                          </p:cTn>
+                        </p:par>
+                      </p:childTnLst>
+                    </p:cTn>
+                  </p:par>
+                </p:childTnLst>
+              </p:cTn>
+              <p:prevCondLst>
+                <p:cond evt="onPrev" delay="0">
+                  <p:tgtEl>
+                    <p:sldTgt/>
+                  </p:tgtEl>
+                </p:cond>
+              </p:prevCondLst>
+              <p:nextCondLst>
+                <p:cond evt="onNext" delay="0">
+                  <p:tgtEl>
+                    <p:sldTgt/>
+                  </p:tgtEl>
+                </p:cond>
+              </p:nextCondLst>
+            </p:seq>
+          </p:childTnLst>
+        </p:cTn>
       </p:par>
     </p:tnLst>
   </p:timing>
@@ -13444,7 +19772,7 @@
           <p:nvPr/>
         </p:nvPicPr>
         <p:blipFill>
-          <a:blip r:embed="rId2">
+          <a:blip r:embed="rId3">
             <a:extLst>
               <a:ext uri="{28A0092B-C50C-407E-A947-70E740481C1C}">
                 <a14:useLocalDpi xmlns:a14="http://schemas.microsoft.com/office/drawing/2010/main" val="0"/>
@@ -13523,134 +19851,30 @@
             <p:ph idx="1"/>
           </p:nvPr>
         </p:nvSpPr>
-        <p:spPr/>
+        <p:spPr>
+          <a:xfrm>
+            <a:off x="762000" y="3276600"/>
+            <a:ext cx="7745505" cy="1371599"/>
+          </a:xfrm>
+        </p:spPr>
         <p:txBody>
           <a:bodyPr>
             <a:normAutofit/>
           </a:bodyPr>
           <a:lstStyle/>
           <a:p>
-            <a:pPr algn="l"/>
-            <a:r>
-              <a:rPr lang="en-US" sz="1050" strike="sngStrike" dirty="0" smtClean="0"/>
-              <a:t>Easy access to get all simulated information </a:t>
-            </a:r>
-          </a:p>
-          <a:p>
-            <a:pPr algn="l"/>
-            <a:r>
-              <a:rPr lang="en-US" sz="1050" strike="sngStrike" dirty="0" smtClean="0"/>
-              <a:t>Ability to move objects on board - Drag &amp; Drop</a:t>
-            </a:r>
-          </a:p>
-          <a:p>
-            <a:pPr algn="l"/>
-            <a:r>
-              <a:rPr lang="en-US" sz="1050" strike="sngStrike" dirty="0" smtClean="0"/>
-              <a:t>Creation of RF device </a:t>
-            </a:r>
-          </a:p>
-          <a:p>
-            <a:pPr algn="l"/>
-            <a:r>
-              <a:rPr lang="en-US" sz="1050" strike="sngStrike" dirty="0" smtClean="0"/>
-              <a:t>Random simulation</a:t>
-            </a:r>
-          </a:p>
-          <a:p>
-            <a:pPr algn="l"/>
-            <a:r>
-              <a:rPr lang="en-US" sz="1050" strike="sngStrike" dirty="0" smtClean="0"/>
-              <a:t>Static simulation</a:t>
-            </a:r>
-          </a:p>
-          <a:p>
-            <a:pPr algn="l"/>
-            <a:r>
-              <a:rPr lang="en-US" sz="1050" strike="sngStrike" dirty="0" smtClean="0"/>
-              <a:t>Station info form :</a:t>
-            </a:r>
-          </a:p>
-          <a:p>
-            <a:pPr lvl="1">
-              <a:buFont typeface="Wingdings" pitchFamily="2" charset="2"/>
-              <a:buChar char="Ø"/>
+            <a:pPr marL="0" indent="0" algn="ctr">
+              <a:buNone/>
             </a:pPr>
             <a:r>
-              <a:rPr lang="en-US" sz="1050" strike="sngStrike" dirty="0" smtClean="0"/>
-              <a:t>Statistic </a:t>
-            </a:r>
-          </a:p>
-          <a:p>
-            <a:pPr lvl="1">
-              <a:buFont typeface="Wingdings" pitchFamily="2" charset="2"/>
-              <a:buChar char="Ø"/>
-            </a:pPr>
-            <a:r>
-              <a:rPr lang="en-US" sz="1050" strike="sngStrike" dirty="0" smtClean="0"/>
-              <a:t>Logs</a:t>
-            </a:r>
-          </a:p>
-          <a:p>
-            <a:pPr lvl="1">
-              <a:buFont typeface="Wingdings" pitchFamily="2" charset="2"/>
-              <a:buChar char="Ø"/>
-            </a:pPr>
-            <a:r>
-              <a:rPr lang="en-US" sz="1050" strike="sngStrike" dirty="0" smtClean="0"/>
-              <a:t>Station configuration and overview</a:t>
-            </a:r>
-          </a:p>
-          <a:p>
-            <a:pPr lvl="1">
-              <a:buFont typeface="Wingdings" pitchFamily="2" charset="2"/>
-              <a:buChar char="Ø"/>
-            </a:pPr>
-            <a:r>
-              <a:rPr lang="en-US" sz="1050" strike="sngStrike" dirty="0" smtClean="0"/>
-              <a:t>Configurable </a:t>
-            </a:r>
-            <a:r>
-              <a:rPr lang="en-US" sz="1050" strike="sngStrike" dirty="0"/>
-              <a:t>d</a:t>
-            </a:r>
-            <a:r>
-              <a:rPr lang="en-US" sz="1050" strike="sngStrike" dirty="0" smtClean="0"/>
-              <a:t>ump of STA object</a:t>
-            </a:r>
-          </a:p>
-          <a:p>
-            <a:pPr algn="l"/>
-            <a:r>
-              <a:rPr lang="en-US" sz="1050" strike="sngStrike" dirty="0" smtClean="0"/>
-              <a:t>AP info form – provide basic configuration</a:t>
-            </a:r>
-          </a:p>
-          <a:p>
-            <a:pPr algn="l"/>
-            <a:r>
-              <a:rPr lang="en-US" sz="1050" strike="sngStrike" dirty="0" smtClean="0"/>
-              <a:t>Saving and Load current simulation into file</a:t>
-            </a:r>
-          </a:p>
-          <a:p>
-            <a:pPr algn="l"/>
-            <a:endParaRPr lang="en-US" dirty="0"/>
-          </a:p>
-          <a:p>
-            <a:pPr algn="l"/>
-            <a:r>
-              <a:rPr lang="en-US" dirty="0" smtClean="0"/>
-              <a:t>Here we will show the bullets mentioned above on the real Program. </a:t>
-            </a:r>
-          </a:p>
-          <a:p>
-            <a:pPr algn="l"/>
-            <a:endParaRPr lang="en-US" dirty="0" smtClean="0"/>
-          </a:p>
-          <a:p>
-            <a:pPr algn="l"/>
-            <a:endParaRPr lang="en-US" dirty="0"/>
+              <a:rPr lang="en-US" sz="6600" dirty="0" smtClean="0">
+                <a:latin typeface="Broadway" pitchFamily="82" charset="0"/>
+              </a:rPr>
+              <a:t>DEMO</a:t>
+            </a:r>
+            <a:endParaRPr lang="en-US" sz="6600" dirty="0">
+              <a:latin typeface="Broadway" pitchFamily="82" charset="0"/>
+            </a:endParaRPr>
           </a:p>
         </p:txBody>
       </p:sp>
